--- a/Planting date strategies under risk considerations_IGP_v2.pptx
+++ b/Planting date strategies under risk considerations_IGP_v2.pptx
@@ -5,7 +5,7 @@
     <p:sldMasterId id="2147483648" r:id="rId1"/>
   </p:sldMasterIdLst>
   <p:notesMasterIdLst>
-    <p:notesMasterId r:id="rId26"/>
+    <p:notesMasterId r:id="rId22"/>
   </p:notesMasterIdLst>
   <p:sldIdLst>
     <p:sldId id="256" r:id="rId2"/>
@@ -17,21 +17,17 @@
     <p:sldId id="401" r:id="rId8"/>
     <p:sldId id="271" r:id="rId9"/>
     <p:sldId id="260" r:id="rId10"/>
-    <p:sldId id="410" r:id="rId11"/>
-    <p:sldId id="403" r:id="rId12"/>
-    <p:sldId id="409" r:id="rId13"/>
-    <p:sldId id="258" r:id="rId14"/>
-    <p:sldId id="407" r:id="rId15"/>
-    <p:sldId id="281" r:id="rId16"/>
-    <p:sldId id="266" r:id="rId17"/>
-    <p:sldId id="404" r:id="rId18"/>
-    <p:sldId id="405" r:id="rId19"/>
-    <p:sldId id="408" r:id="rId20"/>
-    <p:sldId id="406" r:id="rId21"/>
-    <p:sldId id="413" r:id="rId22"/>
-    <p:sldId id="268" r:id="rId23"/>
-    <p:sldId id="414" r:id="rId24"/>
-    <p:sldId id="285" r:id="rId25"/>
+    <p:sldId id="403" r:id="rId11"/>
+    <p:sldId id="258" r:id="rId12"/>
+    <p:sldId id="407" r:id="rId13"/>
+    <p:sldId id="281" r:id="rId14"/>
+    <p:sldId id="266" r:id="rId15"/>
+    <p:sldId id="404" r:id="rId16"/>
+    <p:sldId id="408" r:id="rId17"/>
+    <p:sldId id="413" r:id="rId18"/>
+    <p:sldId id="268" r:id="rId19"/>
+    <p:sldId id="414" r:id="rId20"/>
+    <p:sldId id="285" r:id="rId21"/>
   </p:sldIdLst>
   <p:sldSz cx="12192000" cy="6858000"/>
   <p:notesSz cx="6858000" cy="9144000"/>
@@ -141,13 +137,384 @@
 <file path=ppt/revisionInfo.xml><?xml version="1.0" encoding="utf-8"?>
 <p1510:revInfo xmlns:a="http://schemas.openxmlformats.org/drawingml/2006/main" xmlns:r="http://schemas.openxmlformats.org/officeDocument/2006/relationships" xmlns:p1510="http://schemas.microsoft.com/office/powerpoint/2015/10/main">
   <p1510:revLst>
-    <p1510:client id="{17018130-B3BC-4CE4-9700-1C04E6DFD060}" v="1136" dt="2023-03-01T10:29:36.537"/>
+    <p1510:client id="{E8D17F3F-A9E1-4CB6-AE23-77212FC715F0}" v="23" dt="2023-07-26T09:38:57.283"/>
   </p1510:revLst>
 </p1510:revInfo>
 </file>
 
 <file path=ppt/changesInfos/changesInfo1.xml><?xml version="1.0" encoding="utf-8"?>
 <pc:chgInfo xmlns:a="http://schemas.openxmlformats.org/drawingml/2006/main" xmlns:r="http://schemas.openxmlformats.org/officeDocument/2006/relationships" xmlns:ac="http://schemas.microsoft.com/office/drawing/2013/main/command" xmlns:pc="http://schemas.microsoft.com/office/powerpoint/2013/main/command">
+  <pc:docChgLst>
+    <pc:chgData name="MKONDIWA, Maxwell (CIMMYT-India)" userId="861bee07-b612-4cf7-beae-414489ecebf8" providerId="ADAL" clId="{E8D17F3F-A9E1-4CB6-AE23-77212FC715F0}"/>
+    <pc:docChg chg="undo custSel delSld modSld">
+      <pc:chgData name="MKONDIWA, Maxwell (CIMMYT-India)" userId="861bee07-b612-4cf7-beae-414489ecebf8" providerId="ADAL" clId="{E8D17F3F-A9E1-4CB6-AE23-77212FC715F0}" dt="2023-07-26T09:39:15.471" v="187" actId="47"/>
+      <pc:docMkLst>
+        <pc:docMk/>
+      </pc:docMkLst>
+      <pc:sldChg chg="modSp mod">
+        <pc:chgData name="MKONDIWA, Maxwell (CIMMYT-India)" userId="861bee07-b612-4cf7-beae-414489ecebf8" providerId="ADAL" clId="{E8D17F3F-A9E1-4CB6-AE23-77212FC715F0}" dt="2023-07-21T01:45:46.108" v="22" actId="14100"/>
+        <pc:sldMkLst>
+          <pc:docMk/>
+          <pc:sldMk cId="1168277330" sldId="256"/>
+        </pc:sldMkLst>
+        <pc:spChg chg="mod">
+          <ac:chgData name="MKONDIWA, Maxwell (CIMMYT-India)" userId="861bee07-b612-4cf7-beae-414489ecebf8" providerId="ADAL" clId="{E8D17F3F-A9E1-4CB6-AE23-77212FC715F0}" dt="2023-07-21T01:45:46.108" v="22" actId="14100"/>
+          <ac:spMkLst>
+            <pc:docMk/>
+            <pc:sldMk cId="1168277330" sldId="256"/>
+            <ac:spMk id="2" creationId="{02F9A324-86B6-E2C3-FD3E-E4046665EEBA}"/>
+          </ac:spMkLst>
+        </pc:spChg>
+      </pc:sldChg>
+      <pc:sldChg chg="addSp delSp modSp del mod">
+        <pc:chgData name="MKONDIWA, Maxwell (CIMMYT-India)" userId="861bee07-b612-4cf7-beae-414489ecebf8" providerId="ADAL" clId="{E8D17F3F-A9E1-4CB6-AE23-77212FC715F0}" dt="2023-07-26T09:39:15.471" v="187" actId="47"/>
+        <pc:sldMkLst>
+          <pc:docMk/>
+          <pc:sldMk cId="1246444081" sldId="406"/>
+        </pc:sldMkLst>
+        <pc:grpChg chg="del mod">
+          <ac:chgData name="MKONDIWA, Maxwell (CIMMYT-India)" userId="861bee07-b612-4cf7-beae-414489ecebf8" providerId="ADAL" clId="{E8D17F3F-A9E1-4CB6-AE23-77212FC715F0}" dt="2023-07-21T03:19:57.916" v="33" actId="478"/>
+          <ac:grpSpMkLst>
+            <pc:docMk/>
+            <pc:sldMk cId="1246444081" sldId="406"/>
+            <ac:grpSpMk id="9" creationId="{E85601EE-98D5-D9C2-F5A9-6BA5F5FA0E85}"/>
+          </ac:grpSpMkLst>
+        </pc:grpChg>
+        <pc:picChg chg="add del mod">
+          <ac:chgData name="MKONDIWA, Maxwell (CIMMYT-India)" userId="861bee07-b612-4cf7-beae-414489ecebf8" providerId="ADAL" clId="{E8D17F3F-A9E1-4CB6-AE23-77212FC715F0}" dt="2023-07-26T06:46:45.271" v="77" actId="478"/>
+          <ac:picMkLst>
+            <pc:docMk/>
+            <pc:sldMk cId="1246444081" sldId="406"/>
+            <ac:picMk id="2" creationId="{D4AA7EE4-BE62-2970-18D1-1313CF14E587}"/>
+          </ac:picMkLst>
+        </pc:picChg>
+        <pc:picChg chg="add del mod">
+          <ac:chgData name="MKONDIWA, Maxwell (CIMMYT-India)" userId="861bee07-b612-4cf7-beae-414489ecebf8" providerId="ADAL" clId="{E8D17F3F-A9E1-4CB6-AE23-77212FC715F0}" dt="2023-07-26T09:38:54.546" v="182" actId="21"/>
+          <ac:picMkLst>
+            <pc:docMk/>
+            <pc:sldMk cId="1246444081" sldId="406"/>
+            <ac:picMk id="3" creationId="{9D0DF52D-1984-36A2-7396-C08FB3543452}"/>
+          </ac:picMkLst>
+        </pc:picChg>
+        <pc:picChg chg="add del mod">
+          <ac:chgData name="MKONDIWA, Maxwell (CIMMYT-India)" userId="861bee07-b612-4cf7-beae-414489ecebf8" providerId="ADAL" clId="{E8D17F3F-A9E1-4CB6-AE23-77212FC715F0}" dt="2023-07-26T09:38:54.546" v="182" actId="21"/>
+          <ac:picMkLst>
+            <pc:docMk/>
+            <pc:sldMk cId="1246444081" sldId="406"/>
+            <ac:picMk id="4" creationId="{4EA3100A-E5B0-CF8F-FD38-98494EF26D1D}"/>
+          </ac:picMkLst>
+        </pc:picChg>
+      </pc:sldChg>
+      <pc:sldChg chg="addSp delSp modSp mod setBg">
+        <pc:chgData name="MKONDIWA, Maxwell (CIMMYT-India)" userId="861bee07-b612-4cf7-beae-414489ecebf8" providerId="ADAL" clId="{E8D17F3F-A9E1-4CB6-AE23-77212FC715F0}" dt="2023-07-26T09:19:59.936" v="181" actId="164"/>
+        <pc:sldMkLst>
+          <pc:docMk/>
+          <pc:sldMk cId="578307128" sldId="408"/>
+        </pc:sldMkLst>
+        <pc:spChg chg="add del mod">
+          <ac:chgData name="MKONDIWA, Maxwell (CIMMYT-India)" userId="861bee07-b612-4cf7-beae-414489ecebf8" providerId="ADAL" clId="{E8D17F3F-A9E1-4CB6-AE23-77212FC715F0}" dt="2023-07-21T08:04:41.838" v="38" actId="767"/>
+          <ac:spMkLst>
+            <pc:docMk/>
+            <pc:sldMk cId="578307128" sldId="408"/>
+            <ac:spMk id="4" creationId="{88302B1F-FF94-ADA4-9955-F8A47879C18E}"/>
+          </ac:spMkLst>
+        </pc:spChg>
+        <pc:spChg chg="add mod">
+          <ac:chgData name="MKONDIWA, Maxwell (CIMMYT-India)" userId="861bee07-b612-4cf7-beae-414489ecebf8" providerId="ADAL" clId="{E8D17F3F-A9E1-4CB6-AE23-77212FC715F0}" dt="2023-07-26T09:19:59.936" v="181" actId="164"/>
+          <ac:spMkLst>
+            <pc:docMk/>
+            <pc:sldMk cId="578307128" sldId="408"/>
+            <ac:spMk id="13" creationId="{7C71A0E8-4C64-F8B9-CC32-AFFF05D36CDA}"/>
+          </ac:spMkLst>
+        </pc:spChg>
+        <pc:spChg chg="add mod">
+          <ac:chgData name="MKONDIWA, Maxwell (CIMMYT-India)" userId="861bee07-b612-4cf7-beae-414489ecebf8" providerId="ADAL" clId="{E8D17F3F-A9E1-4CB6-AE23-77212FC715F0}" dt="2023-07-26T09:19:59.936" v="181" actId="164"/>
+          <ac:spMkLst>
+            <pc:docMk/>
+            <pc:sldMk cId="578307128" sldId="408"/>
+            <ac:spMk id="14" creationId="{B9EF3BD4-675F-4B44-B492-8C6A67370D4F}"/>
+          </ac:spMkLst>
+        </pc:spChg>
+        <pc:spChg chg="add mod">
+          <ac:chgData name="MKONDIWA, Maxwell (CIMMYT-India)" userId="861bee07-b612-4cf7-beae-414489ecebf8" providerId="ADAL" clId="{E8D17F3F-A9E1-4CB6-AE23-77212FC715F0}" dt="2023-07-26T09:19:59.936" v="181" actId="164"/>
+          <ac:spMkLst>
+            <pc:docMk/>
+            <pc:sldMk cId="578307128" sldId="408"/>
+            <ac:spMk id="15" creationId="{5D614319-2B1C-AA5B-4A4A-A772CE5BE7D8}"/>
+          </ac:spMkLst>
+        </pc:spChg>
+        <pc:spChg chg="add mod">
+          <ac:chgData name="MKONDIWA, Maxwell (CIMMYT-India)" userId="861bee07-b612-4cf7-beae-414489ecebf8" providerId="ADAL" clId="{E8D17F3F-A9E1-4CB6-AE23-77212FC715F0}" dt="2023-07-26T09:19:59.936" v="181" actId="164"/>
+          <ac:spMkLst>
+            <pc:docMk/>
+            <pc:sldMk cId="578307128" sldId="408"/>
+            <ac:spMk id="16" creationId="{A887BB9D-72E6-C18F-1950-5E44F13AA226}"/>
+          </ac:spMkLst>
+        </pc:spChg>
+        <pc:spChg chg="add del">
+          <ac:chgData name="MKONDIWA, Maxwell (CIMMYT-India)" userId="861bee07-b612-4cf7-beae-414489ecebf8" providerId="ADAL" clId="{E8D17F3F-A9E1-4CB6-AE23-77212FC715F0}" dt="2023-07-26T09:06:57.289" v="129" actId="26606"/>
+          <ac:spMkLst>
+            <pc:docMk/>
+            <pc:sldMk cId="578307128" sldId="408"/>
+            <ac:spMk id="17" creationId="{E3B4FF89-C45F-4E24-B963-61E855708F2A}"/>
+          </ac:spMkLst>
+        </pc:spChg>
+        <pc:spChg chg="add mod">
+          <ac:chgData name="MKONDIWA, Maxwell (CIMMYT-India)" userId="861bee07-b612-4cf7-beae-414489ecebf8" providerId="ADAL" clId="{E8D17F3F-A9E1-4CB6-AE23-77212FC715F0}" dt="2023-07-26T09:19:59.936" v="181" actId="164"/>
+          <ac:spMkLst>
+            <pc:docMk/>
+            <pc:sldMk cId="578307128" sldId="408"/>
+            <ac:spMk id="18" creationId="{93A7AA0F-475D-EA0C-5BC6-4E753389D944}"/>
+          </ac:spMkLst>
+        </pc:spChg>
+        <pc:spChg chg="add del">
+          <ac:chgData name="MKONDIWA, Maxwell (CIMMYT-India)" userId="861bee07-b612-4cf7-beae-414489ecebf8" providerId="ADAL" clId="{E8D17F3F-A9E1-4CB6-AE23-77212FC715F0}" dt="2023-07-26T09:06:57.289" v="129" actId="26606"/>
+          <ac:spMkLst>
+            <pc:docMk/>
+            <pc:sldMk cId="578307128" sldId="408"/>
+            <ac:spMk id="19" creationId="{14F25C03-EF67-4344-8AEA-7B3FA0DED024}"/>
+          </ac:spMkLst>
+        </pc:spChg>
+        <pc:spChg chg="add mod">
+          <ac:chgData name="MKONDIWA, Maxwell (CIMMYT-India)" userId="861bee07-b612-4cf7-beae-414489ecebf8" providerId="ADAL" clId="{E8D17F3F-A9E1-4CB6-AE23-77212FC715F0}" dt="2023-07-26T09:19:59.936" v="181" actId="164"/>
+          <ac:spMkLst>
+            <pc:docMk/>
+            <pc:sldMk cId="578307128" sldId="408"/>
+            <ac:spMk id="20" creationId="{D74C1104-F026-EF49-D907-94366D33DAC3}"/>
+          </ac:spMkLst>
+        </pc:spChg>
+        <pc:spChg chg="add del">
+          <ac:chgData name="MKONDIWA, Maxwell (CIMMYT-India)" userId="861bee07-b612-4cf7-beae-414489ecebf8" providerId="ADAL" clId="{E8D17F3F-A9E1-4CB6-AE23-77212FC715F0}" dt="2023-07-26T09:06:57.289" v="129" actId="26606"/>
+          <ac:spMkLst>
+            <pc:docMk/>
+            <pc:sldMk cId="578307128" sldId="408"/>
+            <ac:spMk id="21" creationId="{F74793DE-3651-410B-B243-8F0B1468E6A4}"/>
+          </ac:spMkLst>
+        </pc:spChg>
+        <pc:grpChg chg="add mod">
+          <ac:chgData name="MKONDIWA, Maxwell (CIMMYT-India)" userId="861bee07-b612-4cf7-beae-414489ecebf8" providerId="ADAL" clId="{E8D17F3F-A9E1-4CB6-AE23-77212FC715F0}" dt="2023-07-26T09:19:59.936" v="181" actId="164"/>
+          <ac:grpSpMkLst>
+            <pc:docMk/>
+            <pc:sldMk cId="578307128" sldId="408"/>
+            <ac:grpSpMk id="22" creationId="{1F5EE152-27C7-5DBC-F3FF-5EDE0A442428}"/>
+          </ac:grpSpMkLst>
+        </pc:grpChg>
+        <pc:picChg chg="add del mod modCrop">
+          <ac:chgData name="MKONDIWA, Maxwell (CIMMYT-India)" userId="861bee07-b612-4cf7-beae-414489ecebf8" providerId="ADAL" clId="{E8D17F3F-A9E1-4CB6-AE23-77212FC715F0}" dt="2023-07-21T08:05:31.452" v="44" actId="478"/>
+          <ac:picMkLst>
+            <pc:docMk/>
+            <pc:sldMk cId="578307128" sldId="408"/>
+            <ac:picMk id="2" creationId="{3F976B13-2122-B40E-3B32-C9497106E293}"/>
+          </ac:picMkLst>
+        </pc:picChg>
+        <pc:picChg chg="add mod">
+          <ac:chgData name="MKONDIWA, Maxwell (CIMMYT-India)" userId="861bee07-b612-4cf7-beae-414489ecebf8" providerId="ADAL" clId="{E8D17F3F-A9E1-4CB6-AE23-77212FC715F0}" dt="2023-07-26T09:19:59.936" v="181" actId="164"/>
+          <ac:picMkLst>
+            <pc:docMk/>
+            <pc:sldMk cId="578307128" sldId="408"/>
+            <ac:picMk id="2" creationId="{DCA046DA-3511-6FA9-EEEE-D549D08B1470}"/>
+          </ac:picMkLst>
+        </pc:picChg>
+        <pc:picChg chg="del">
+          <ac:chgData name="MKONDIWA, Maxwell (CIMMYT-India)" userId="861bee07-b612-4cf7-beae-414489ecebf8" providerId="ADAL" clId="{E8D17F3F-A9E1-4CB6-AE23-77212FC715F0}" dt="2023-07-21T03:20:01.211" v="34" actId="478"/>
+          <ac:picMkLst>
+            <pc:docMk/>
+            <pc:sldMk cId="578307128" sldId="408"/>
+            <ac:picMk id="3" creationId="{5A2A6134-3F86-4594-2BBB-AE32AFC8B591}"/>
+          </ac:picMkLst>
+        </pc:picChg>
+        <pc:picChg chg="add mod">
+          <ac:chgData name="MKONDIWA, Maxwell (CIMMYT-India)" userId="861bee07-b612-4cf7-beae-414489ecebf8" providerId="ADAL" clId="{E8D17F3F-A9E1-4CB6-AE23-77212FC715F0}" dt="2023-07-26T09:19:59.936" v="181" actId="164"/>
+          <ac:picMkLst>
+            <pc:docMk/>
+            <pc:sldMk cId="578307128" sldId="408"/>
+            <ac:picMk id="4" creationId="{756CB2C1-F78A-57EE-CB6B-505D30792C43}"/>
+          </ac:picMkLst>
+        </pc:picChg>
+        <pc:picChg chg="add del mod">
+          <ac:chgData name="MKONDIWA, Maxwell (CIMMYT-India)" userId="861bee07-b612-4cf7-beae-414489ecebf8" providerId="ADAL" clId="{E8D17F3F-A9E1-4CB6-AE23-77212FC715F0}" dt="2023-07-21T08:05:29.742" v="43" actId="478"/>
+          <ac:picMkLst>
+            <pc:docMk/>
+            <pc:sldMk cId="578307128" sldId="408"/>
+            <ac:picMk id="5" creationId="{B197BFC2-04B7-4546-B25B-3C795543B156}"/>
+          </ac:picMkLst>
+        </pc:picChg>
+        <pc:picChg chg="add mod ord">
+          <ac:chgData name="MKONDIWA, Maxwell (CIMMYT-India)" userId="861bee07-b612-4cf7-beae-414489ecebf8" providerId="ADAL" clId="{E8D17F3F-A9E1-4CB6-AE23-77212FC715F0}" dt="2023-07-26T09:19:59.936" v="181" actId="164"/>
+          <ac:picMkLst>
+            <pc:docMk/>
+            <pc:sldMk cId="578307128" sldId="408"/>
+            <ac:picMk id="6" creationId="{18D37C3F-D6B5-40DE-818B-4179E3D9A88E}"/>
+          </ac:picMkLst>
+        </pc:picChg>
+        <pc:picChg chg="add mod ord">
+          <ac:chgData name="MKONDIWA, Maxwell (CIMMYT-India)" userId="861bee07-b612-4cf7-beae-414489ecebf8" providerId="ADAL" clId="{E8D17F3F-A9E1-4CB6-AE23-77212FC715F0}" dt="2023-07-26T09:19:59.936" v="181" actId="164"/>
+          <ac:picMkLst>
+            <pc:docMk/>
+            <pc:sldMk cId="578307128" sldId="408"/>
+            <ac:picMk id="8" creationId="{1D122038-C160-616D-36D7-47FB47C9CD50}"/>
+          </ac:picMkLst>
+        </pc:picChg>
+        <pc:picChg chg="add mod">
+          <ac:chgData name="MKONDIWA, Maxwell (CIMMYT-India)" userId="861bee07-b612-4cf7-beae-414489ecebf8" providerId="ADAL" clId="{E8D17F3F-A9E1-4CB6-AE23-77212FC715F0}" dt="2023-07-26T09:19:59.936" v="181" actId="164"/>
+          <ac:picMkLst>
+            <pc:docMk/>
+            <pc:sldMk cId="578307128" sldId="408"/>
+            <ac:picMk id="10" creationId="{3C1314D8-3328-F2DF-F9AC-C7D5A9A0931E}"/>
+          </ac:picMkLst>
+        </pc:picChg>
+        <pc:picChg chg="add mod ord">
+          <ac:chgData name="MKONDIWA, Maxwell (CIMMYT-India)" userId="861bee07-b612-4cf7-beae-414489ecebf8" providerId="ADAL" clId="{E8D17F3F-A9E1-4CB6-AE23-77212FC715F0}" dt="2023-07-26T09:19:59.936" v="181" actId="164"/>
+          <ac:picMkLst>
+            <pc:docMk/>
+            <pc:sldMk cId="578307128" sldId="408"/>
+            <ac:picMk id="12" creationId="{AD5CD7EB-8235-8E94-604D-CD44315F3004}"/>
+          </ac:picMkLst>
+        </pc:picChg>
+      </pc:sldChg>
+      <pc:sldChg chg="addSp delSp modSp mod">
+        <pc:chgData name="MKONDIWA, Maxwell (CIMMYT-India)" userId="861bee07-b612-4cf7-beae-414489ecebf8" providerId="ADAL" clId="{E8D17F3F-A9E1-4CB6-AE23-77212FC715F0}" dt="2023-07-26T09:39:05.753" v="186" actId="1076"/>
+        <pc:sldMkLst>
+          <pc:docMk/>
+          <pc:sldMk cId="1260023922" sldId="413"/>
+        </pc:sldMkLst>
+        <pc:spChg chg="add del mod">
+          <ac:chgData name="MKONDIWA, Maxwell (CIMMYT-India)" userId="861bee07-b612-4cf7-beae-414489ecebf8" providerId="ADAL" clId="{E8D17F3F-A9E1-4CB6-AE23-77212FC715F0}" dt="2023-07-21T03:19:50.118" v="29" actId="478"/>
+          <ac:spMkLst>
+            <pc:docMk/>
+            <pc:sldMk cId="1260023922" sldId="413"/>
+            <ac:spMk id="4" creationId="{9A539EAD-F358-A49E-5B8E-B59E12951E97}"/>
+          </ac:spMkLst>
+        </pc:spChg>
+        <pc:picChg chg="add mod">
+          <ac:chgData name="MKONDIWA, Maxwell (CIMMYT-India)" userId="861bee07-b612-4cf7-beae-414489ecebf8" providerId="ADAL" clId="{E8D17F3F-A9E1-4CB6-AE23-77212FC715F0}" dt="2023-07-26T09:39:05.753" v="186" actId="1076"/>
+          <ac:picMkLst>
+            <pc:docMk/>
+            <pc:sldMk cId="1260023922" sldId="413"/>
+            <ac:picMk id="3" creationId="{5A4A9904-4DF7-EAB3-9DAF-34E1FE80B761}"/>
+          </ac:picMkLst>
+        </pc:picChg>
+        <pc:picChg chg="add mod">
+          <ac:chgData name="MKONDIWA, Maxwell (CIMMYT-India)" userId="861bee07-b612-4cf7-beae-414489ecebf8" providerId="ADAL" clId="{E8D17F3F-A9E1-4CB6-AE23-77212FC715F0}" dt="2023-07-26T09:39:00.276" v="185" actId="1076"/>
+          <ac:picMkLst>
+            <pc:docMk/>
+            <pc:sldMk cId="1260023922" sldId="413"/>
+            <ac:picMk id="4" creationId="{5F501816-2944-BC2E-3DFA-CF05E78DACD3}"/>
+          </ac:picMkLst>
+        </pc:picChg>
+        <pc:picChg chg="del">
+          <ac:chgData name="MKONDIWA, Maxwell (CIMMYT-India)" userId="861bee07-b612-4cf7-beae-414489ecebf8" providerId="ADAL" clId="{E8D17F3F-A9E1-4CB6-AE23-77212FC715F0}" dt="2023-07-21T03:19:52.543" v="31" actId="478"/>
+          <ac:picMkLst>
+            <pc:docMk/>
+            <pc:sldMk cId="1260023922" sldId="413"/>
+            <ac:picMk id="8" creationId="{098500C4-A9DD-6F42-B7C6-7C94CD58C369}"/>
+          </ac:picMkLst>
+        </pc:picChg>
+        <pc:picChg chg="del">
+          <ac:chgData name="MKONDIWA, Maxwell (CIMMYT-India)" userId="861bee07-b612-4cf7-beae-414489ecebf8" providerId="ADAL" clId="{E8D17F3F-A9E1-4CB6-AE23-77212FC715F0}" dt="2023-07-21T03:19:38.032" v="27" actId="478"/>
+          <ac:picMkLst>
+            <pc:docMk/>
+            <pc:sldMk cId="1260023922" sldId="413"/>
+            <ac:picMk id="11" creationId="{A9D96D1D-643C-729A-4182-3AB7405C44AD}"/>
+          </ac:picMkLst>
+        </pc:picChg>
+        <pc:picChg chg="del">
+          <ac:chgData name="MKONDIWA, Maxwell (CIMMYT-India)" userId="861bee07-b612-4cf7-beae-414489ecebf8" providerId="ADAL" clId="{E8D17F3F-A9E1-4CB6-AE23-77212FC715F0}" dt="2023-07-21T03:19:51.444" v="30" actId="478"/>
+          <ac:picMkLst>
+            <pc:docMk/>
+            <pc:sldMk cId="1260023922" sldId="413"/>
+            <ac:picMk id="12" creationId="{E8F07FCF-7AE9-9370-39A3-741B57E97CD4}"/>
+          </ac:picMkLst>
+        </pc:picChg>
+      </pc:sldChg>
+      <pc:sldChg chg="modSp mod">
+        <pc:chgData name="MKONDIWA, Maxwell (CIMMYT-India)" userId="861bee07-b612-4cf7-beae-414489ecebf8" providerId="ADAL" clId="{E8D17F3F-A9E1-4CB6-AE23-77212FC715F0}" dt="2023-07-21T03:18:43.349" v="26" actId="5793"/>
+        <pc:sldMkLst>
+          <pc:docMk/>
+          <pc:sldMk cId="2358037700" sldId="416"/>
+        </pc:sldMkLst>
+        <pc:spChg chg="mod">
+          <ac:chgData name="MKONDIWA, Maxwell (CIMMYT-India)" userId="861bee07-b612-4cf7-beae-414489ecebf8" providerId="ADAL" clId="{E8D17F3F-A9E1-4CB6-AE23-77212FC715F0}" dt="2023-07-21T03:18:43.349" v="26" actId="5793"/>
+          <ac:spMkLst>
+            <pc:docMk/>
+            <pc:sldMk cId="2358037700" sldId="416"/>
+            <ac:spMk id="3" creationId="{6EB2E6AA-1165-0429-6F8D-E25C534040E3}"/>
+          </ac:spMkLst>
+        </pc:spChg>
+      </pc:sldChg>
+    </pc:docChg>
+  </pc:docChgLst>
+  <pc:docChgLst>
+    <pc:chgData name="MKONDIWA, Maxwell (CIMMYT-India)" userId="861bee07-b612-4cf7-beae-414489ecebf8" providerId="ADAL" clId="{885DF8D2-9C6C-4D84-8052-3AB531354F28}"/>
+    <pc:docChg chg="custSel delSld modSld">
+      <pc:chgData name="MKONDIWA, Maxwell (CIMMYT-India)" userId="861bee07-b612-4cf7-beae-414489ecebf8" providerId="ADAL" clId="{885DF8D2-9C6C-4D84-8052-3AB531354F28}" dt="2023-05-30T09:13:41.602" v="20" actId="14100"/>
+      <pc:docMkLst>
+        <pc:docMk/>
+      </pc:docMkLst>
+      <pc:sldChg chg="addSp delSp modSp mod">
+        <pc:chgData name="MKONDIWA, Maxwell (CIMMYT-India)" userId="861bee07-b612-4cf7-beae-414489ecebf8" providerId="ADAL" clId="{885DF8D2-9C6C-4D84-8052-3AB531354F28}" dt="2023-05-30T09:13:41.602" v="20" actId="14100"/>
+        <pc:sldMkLst>
+          <pc:docMk/>
+          <pc:sldMk cId="3465761932" sldId="404"/>
+        </pc:sldMkLst>
+        <pc:picChg chg="del mod">
+          <ac:chgData name="MKONDIWA, Maxwell (CIMMYT-India)" userId="861bee07-b612-4cf7-beae-414489ecebf8" providerId="ADAL" clId="{885DF8D2-9C6C-4D84-8052-3AB531354F28}" dt="2023-05-30T09:07:29.493" v="4" actId="478"/>
+          <ac:picMkLst>
+            <pc:docMk/>
+            <pc:sldMk cId="3465761932" sldId="404"/>
+            <ac:picMk id="2" creationId="{DAF9EB1F-FB9A-5D12-820B-9566918576A4}"/>
+          </ac:picMkLst>
+        </pc:picChg>
+        <pc:picChg chg="del">
+          <ac:chgData name="MKONDIWA, Maxwell (CIMMYT-India)" userId="861bee07-b612-4cf7-beae-414489ecebf8" providerId="ADAL" clId="{885DF8D2-9C6C-4D84-8052-3AB531354F28}" dt="2023-05-30T09:07:18.308" v="0" actId="478"/>
+          <ac:picMkLst>
+            <pc:docMk/>
+            <pc:sldMk cId="3465761932" sldId="404"/>
+            <ac:picMk id="3" creationId="{506FB010-1172-BB88-0F0D-FA8E355A0ED5}"/>
+          </ac:picMkLst>
+        </pc:picChg>
+        <pc:picChg chg="add del">
+          <ac:chgData name="MKONDIWA, Maxwell (CIMMYT-India)" userId="861bee07-b612-4cf7-beae-414489ecebf8" providerId="ADAL" clId="{885DF8D2-9C6C-4D84-8052-3AB531354F28}" dt="2023-05-30T09:07:24.695" v="2" actId="478"/>
+          <ac:picMkLst>
+            <pc:docMk/>
+            <pc:sldMk cId="3465761932" sldId="404"/>
+            <ac:picMk id="5" creationId="{B82A2AE3-C83B-58D3-45D1-A8D4CC25DE9C}"/>
+          </ac:picMkLst>
+        </pc:picChg>
+        <pc:picChg chg="add mod">
+          <ac:chgData name="MKONDIWA, Maxwell (CIMMYT-India)" userId="861bee07-b612-4cf7-beae-414489ecebf8" providerId="ADAL" clId="{885DF8D2-9C6C-4D84-8052-3AB531354F28}" dt="2023-05-30T09:13:41.602" v="20" actId="14100"/>
+          <ac:picMkLst>
+            <pc:docMk/>
+            <pc:sldMk cId="3465761932" sldId="404"/>
+            <ac:picMk id="6" creationId="{D6294CA1-5C7E-99E4-D829-0AEB8522A6D2}"/>
+          </ac:picMkLst>
+        </pc:picChg>
+        <pc:picChg chg="add mod">
+          <ac:chgData name="MKONDIWA, Maxwell (CIMMYT-India)" userId="861bee07-b612-4cf7-beae-414489ecebf8" providerId="ADAL" clId="{885DF8D2-9C6C-4D84-8052-3AB531354F28}" dt="2023-05-30T09:13:37.310" v="19" actId="14100"/>
+          <ac:picMkLst>
+            <pc:docMk/>
+            <pc:sldMk cId="3465761932" sldId="404"/>
+            <ac:picMk id="7" creationId="{5EB9FB07-7261-775B-7CAD-ECDB54C83F9E}"/>
+          </ac:picMkLst>
+        </pc:picChg>
+      </pc:sldChg>
+      <pc:sldChg chg="delSp del mod">
+        <pc:chgData name="MKONDIWA, Maxwell (CIMMYT-India)" userId="861bee07-b612-4cf7-beae-414489ecebf8" providerId="ADAL" clId="{885DF8D2-9C6C-4D84-8052-3AB531354F28}" dt="2023-05-30T09:08:34.806" v="11" actId="47"/>
+        <pc:sldMkLst>
+          <pc:docMk/>
+          <pc:sldMk cId="870741121" sldId="405"/>
+        </pc:sldMkLst>
+        <pc:picChg chg="del">
+          <ac:chgData name="MKONDIWA, Maxwell (CIMMYT-India)" userId="861bee07-b612-4cf7-beae-414489ecebf8" providerId="ADAL" clId="{885DF8D2-9C6C-4D84-8052-3AB531354F28}" dt="2023-05-30T09:08:31.318" v="10" actId="478"/>
+          <ac:picMkLst>
+            <pc:docMk/>
+            <pc:sldMk cId="870741121" sldId="405"/>
+            <ac:picMk id="4" creationId="{533FE52B-B5E4-5526-DEA6-1A18B7E50FDE}"/>
+          </ac:picMkLst>
+        </pc:picChg>
+      </pc:sldChg>
+    </pc:docChg>
+  </pc:docChgLst>
   <pc:docChgLst>
     <pc:chgData name="MKONDIWA, Maxwell (CIMMYT-India)" userId="2583b33a-ac5f-4640-9c8d-12230e6847d1" providerId="ADAL" clId="{FE6CFFD4-2463-4344-9DB3-AF68CB17649B}"/>
     <pc:docChg chg="undo custSel addSld delSld modSld sldOrd">
@@ -489,6 +856,74 @@
         <pc:sldMkLst>
           <pc:docMk/>
           <pc:sldMk cId="3805058010" sldId="415"/>
+        </pc:sldMkLst>
+      </pc:sldChg>
+    </pc:docChg>
+  </pc:docChgLst>
+  <pc:docChgLst>
+    <pc:chgData name="MKONDIWA, Maxwell (CIMMYT-India)" userId="861bee07-b612-4cf7-beae-414489ecebf8" providerId="ADAL" clId="{C044B9AE-9855-4AC6-B11B-DCC8E66CD093}"/>
+    <pc:docChg chg="delSld modSld">
+      <pc:chgData name="MKONDIWA, Maxwell (CIMMYT-India)" userId="861bee07-b612-4cf7-beae-414489ecebf8" providerId="ADAL" clId="{C044B9AE-9855-4AC6-B11B-DCC8E66CD093}" dt="2023-03-21T01:52:20.729" v="110" actId="207"/>
+      <pc:docMkLst>
+        <pc:docMk/>
+      </pc:docMkLst>
+      <pc:sldChg chg="addSp modSp mod">
+        <pc:chgData name="MKONDIWA, Maxwell (CIMMYT-India)" userId="861bee07-b612-4cf7-beae-414489ecebf8" providerId="ADAL" clId="{C044B9AE-9855-4AC6-B11B-DCC8E66CD093}" dt="2023-03-21T01:31:29.431" v="12" actId="20577"/>
+        <pc:sldMkLst>
+          <pc:docMk/>
+          <pc:sldMk cId="632333329" sldId="258"/>
+        </pc:sldMkLst>
+        <pc:spChg chg="add mod">
+          <ac:chgData name="MKONDIWA, Maxwell (CIMMYT-India)" userId="861bee07-b612-4cf7-beae-414489ecebf8" providerId="ADAL" clId="{C044B9AE-9855-4AC6-B11B-DCC8E66CD093}" dt="2023-03-21T01:31:29.431" v="12" actId="20577"/>
+          <ac:spMkLst>
+            <pc:docMk/>
+            <pc:sldMk cId="632333329" sldId="258"/>
+            <ac:spMk id="2" creationId="{F1C9E5EF-8284-051C-E9BD-2AD7597239C0}"/>
+          </ac:spMkLst>
+        </pc:spChg>
+      </pc:sldChg>
+      <pc:sldChg chg="modSp mod">
+        <pc:chgData name="MKONDIWA, Maxwell (CIMMYT-India)" userId="861bee07-b612-4cf7-beae-414489ecebf8" providerId="ADAL" clId="{C044B9AE-9855-4AC6-B11B-DCC8E66CD093}" dt="2023-03-21T01:52:20.729" v="110" actId="207"/>
+        <pc:sldMkLst>
+          <pc:docMk/>
+          <pc:sldMk cId="733357506" sldId="266"/>
+        </pc:sldMkLst>
+        <pc:spChg chg="mod">
+          <ac:chgData name="MKONDIWA, Maxwell (CIMMYT-India)" userId="861bee07-b612-4cf7-beae-414489ecebf8" providerId="ADAL" clId="{C044B9AE-9855-4AC6-B11B-DCC8E66CD093}" dt="2023-03-21T01:52:20.729" v="110" actId="207"/>
+          <ac:spMkLst>
+            <pc:docMk/>
+            <pc:sldMk cId="733357506" sldId="266"/>
+            <ac:spMk id="3" creationId="{EEBF1414-0AC9-F25D-B06D-190A239E0165}"/>
+          </ac:spMkLst>
+        </pc:spChg>
+      </pc:sldChg>
+      <pc:sldChg chg="addSp modSp mod">
+        <pc:chgData name="MKONDIWA, Maxwell (CIMMYT-India)" userId="861bee07-b612-4cf7-beae-414489ecebf8" providerId="ADAL" clId="{C044B9AE-9855-4AC6-B11B-DCC8E66CD093}" dt="2023-03-21T01:31:13.709" v="4" actId="20577"/>
+        <pc:sldMkLst>
+          <pc:docMk/>
+          <pc:sldMk cId="1879476646" sldId="403"/>
+        </pc:sldMkLst>
+        <pc:spChg chg="add mod">
+          <ac:chgData name="MKONDIWA, Maxwell (CIMMYT-India)" userId="861bee07-b612-4cf7-beae-414489ecebf8" providerId="ADAL" clId="{C044B9AE-9855-4AC6-B11B-DCC8E66CD093}" dt="2023-03-21T01:31:13.709" v="4" actId="20577"/>
+          <ac:spMkLst>
+            <pc:docMk/>
+            <pc:sldMk cId="1879476646" sldId="403"/>
+            <ac:spMk id="2" creationId="{B885268E-C6EB-FB7D-D297-0B55C8986E0C}"/>
+          </ac:spMkLst>
+        </pc:spChg>
+      </pc:sldChg>
+      <pc:sldChg chg="del">
+        <pc:chgData name="MKONDIWA, Maxwell (CIMMYT-India)" userId="861bee07-b612-4cf7-beae-414489ecebf8" providerId="ADAL" clId="{C044B9AE-9855-4AC6-B11B-DCC8E66CD093}" dt="2023-03-21T01:31:19.481" v="6" actId="47"/>
+        <pc:sldMkLst>
+          <pc:docMk/>
+          <pc:sldMk cId="3017227599" sldId="409"/>
+        </pc:sldMkLst>
+      </pc:sldChg>
+      <pc:sldChg chg="del">
+        <pc:chgData name="MKONDIWA, Maxwell (CIMMYT-India)" userId="861bee07-b612-4cf7-beae-414489ecebf8" providerId="ADAL" clId="{C044B9AE-9855-4AC6-B11B-DCC8E66CD093}" dt="2023-03-21T01:31:16.747" v="5" actId="47"/>
+        <pc:sldMkLst>
+          <pc:docMk/>
+          <pc:sldMk cId="3572292246" sldId="410"/>
         </pc:sldMkLst>
       </pc:sldChg>
     </pc:docChg>
@@ -1027,7 +1462,7 @@
           <a:p>
             <a:fld id="{9A1FBAB8-4B41-4FD5-8C11-54A6B116D430}" type="datetimeFigureOut">
               <a:rPr lang="en-ZW" smtClean="0"/>
-              <a:t>1/3/2023</a:t>
+              <a:t>25/7/2023</a:t>
             </a:fld>
             <a:endParaRPr lang="en-ZW"/>
           </a:p>
@@ -1360,7 +1795,7 @@
           <a:p>
             <a:fld id="{7C8A72C2-EF48-47D4-B62A-B85F294FCAA6}" type="slidenum">
               <a:rPr lang="en-ZW" smtClean="0"/>
-              <a:t>11</a:t>
+              <a:t>10</a:t>
             </a:fld>
             <a:endParaRPr lang="en-ZW"/>
           </a:p>
@@ -1370,6 +1805,174 @@
     <p:extLst>
       <p:ext uri="{BB962C8B-B14F-4D97-AF65-F5344CB8AC3E}">
         <p14:creationId xmlns:p14="http://schemas.microsoft.com/office/powerpoint/2010/main" val="1665711061"/>
+      </p:ext>
+    </p:extLst>
+  </p:cSld>
+  <p:clrMapOvr>
+    <a:masterClrMapping/>
+  </p:clrMapOvr>
+</p:notes>
+</file>
+
+<file path=ppt/notesSlides/notesSlide2.xml><?xml version="1.0" encoding="utf-8"?>
+<p:notes xmlns:a="http://schemas.openxmlformats.org/drawingml/2006/main" xmlns:r="http://schemas.openxmlformats.org/officeDocument/2006/relationships" xmlns:p="http://schemas.openxmlformats.org/presentationml/2006/main">
+  <p:cSld>
+    <p:spTree>
+      <p:nvGrpSpPr>
+        <p:cNvPr id="1" name=""/>
+        <p:cNvGrpSpPr/>
+        <p:nvPr/>
+      </p:nvGrpSpPr>
+      <p:grpSpPr>
+        <a:xfrm>
+          <a:off x="0" y="0"/>
+          <a:ext cx="0" cy="0"/>
+          <a:chOff x="0" y="0"/>
+          <a:chExt cx="0" cy="0"/>
+        </a:xfrm>
+      </p:grpSpPr>
+      <p:sp>
+        <p:nvSpPr>
+          <p:cNvPr id="2" name="Slide Image Placeholder 1"/>
+          <p:cNvSpPr>
+            <a:spLocks noGrp="1" noRot="1" noChangeAspect="1"/>
+          </p:cNvSpPr>
+          <p:nvPr>
+            <p:ph type="sldImg"/>
+          </p:nvPr>
+        </p:nvSpPr>
+        <p:spPr/>
+      </p:sp>
+      <p:sp>
+        <p:nvSpPr>
+          <p:cNvPr id="3" name="Notes Placeholder 2"/>
+          <p:cNvSpPr>
+            <a:spLocks noGrp="1"/>
+          </p:cNvSpPr>
+          <p:nvPr>
+            <p:ph type="body" idx="1"/>
+          </p:nvPr>
+        </p:nvSpPr>
+        <p:spPr/>
+        <p:txBody>
+          <a:bodyPr/>
+          <a:lstStyle/>
+          <a:p>
+            <a:endParaRPr lang="en-ZW" dirty="0"/>
+          </a:p>
+        </p:txBody>
+      </p:sp>
+      <p:sp>
+        <p:nvSpPr>
+          <p:cNvPr id="4" name="Slide Number Placeholder 3"/>
+          <p:cNvSpPr>
+            <a:spLocks noGrp="1"/>
+          </p:cNvSpPr>
+          <p:nvPr>
+            <p:ph type="sldNum" sz="quarter" idx="5"/>
+          </p:nvPr>
+        </p:nvSpPr>
+        <p:spPr/>
+        <p:txBody>
+          <a:bodyPr/>
+          <a:lstStyle/>
+          <a:p>
+            <a:fld id="{7C8A72C2-EF48-47D4-B62A-B85F294FCAA6}" type="slidenum">
+              <a:rPr lang="en-ZW" smtClean="0"/>
+              <a:t>15</a:t>
+            </a:fld>
+            <a:endParaRPr lang="en-ZW"/>
+          </a:p>
+        </p:txBody>
+      </p:sp>
+    </p:spTree>
+    <p:extLst>
+      <p:ext uri="{BB962C8B-B14F-4D97-AF65-F5344CB8AC3E}">
+        <p14:creationId xmlns:p14="http://schemas.microsoft.com/office/powerpoint/2010/main" val="1831629377"/>
+      </p:ext>
+    </p:extLst>
+  </p:cSld>
+  <p:clrMapOvr>
+    <a:masterClrMapping/>
+  </p:clrMapOvr>
+</p:notes>
+</file>
+
+<file path=ppt/notesSlides/notesSlide3.xml><?xml version="1.0" encoding="utf-8"?>
+<p:notes xmlns:a="http://schemas.openxmlformats.org/drawingml/2006/main" xmlns:r="http://schemas.openxmlformats.org/officeDocument/2006/relationships" xmlns:p="http://schemas.openxmlformats.org/presentationml/2006/main">
+  <p:cSld>
+    <p:spTree>
+      <p:nvGrpSpPr>
+        <p:cNvPr id="1" name=""/>
+        <p:cNvGrpSpPr/>
+        <p:nvPr/>
+      </p:nvGrpSpPr>
+      <p:grpSpPr>
+        <a:xfrm>
+          <a:off x="0" y="0"/>
+          <a:ext cx="0" cy="0"/>
+          <a:chOff x="0" y="0"/>
+          <a:chExt cx="0" cy="0"/>
+        </a:xfrm>
+      </p:grpSpPr>
+      <p:sp>
+        <p:nvSpPr>
+          <p:cNvPr id="2" name="Slide Image Placeholder 1"/>
+          <p:cNvSpPr>
+            <a:spLocks noGrp="1" noRot="1" noChangeAspect="1"/>
+          </p:cNvSpPr>
+          <p:nvPr>
+            <p:ph type="sldImg"/>
+          </p:nvPr>
+        </p:nvSpPr>
+        <p:spPr/>
+      </p:sp>
+      <p:sp>
+        <p:nvSpPr>
+          <p:cNvPr id="3" name="Notes Placeholder 2"/>
+          <p:cNvSpPr>
+            <a:spLocks noGrp="1"/>
+          </p:cNvSpPr>
+          <p:nvPr>
+            <p:ph type="body" idx="1"/>
+          </p:nvPr>
+        </p:nvSpPr>
+        <p:spPr/>
+        <p:txBody>
+          <a:bodyPr/>
+          <a:lstStyle/>
+          <a:p>
+            <a:endParaRPr lang="en-ZW" dirty="0"/>
+          </a:p>
+        </p:txBody>
+      </p:sp>
+      <p:sp>
+        <p:nvSpPr>
+          <p:cNvPr id="4" name="Slide Number Placeholder 3"/>
+          <p:cNvSpPr>
+            <a:spLocks noGrp="1"/>
+          </p:cNvSpPr>
+          <p:nvPr>
+            <p:ph type="sldNum" sz="quarter" idx="5"/>
+          </p:nvPr>
+        </p:nvSpPr>
+        <p:spPr/>
+        <p:txBody>
+          <a:bodyPr/>
+          <a:lstStyle/>
+          <a:p>
+            <a:fld id="{7C8A72C2-EF48-47D4-B62A-B85F294FCAA6}" type="slidenum">
+              <a:rPr lang="en-ZW" smtClean="0"/>
+              <a:t>16</a:t>
+            </a:fld>
+            <a:endParaRPr lang="en-ZW"/>
+          </a:p>
+        </p:txBody>
+      </p:sp>
+    </p:spTree>
+    <p:extLst>
+      <p:ext uri="{BB962C8B-B14F-4D97-AF65-F5344CB8AC3E}">
+        <p14:creationId xmlns:p14="http://schemas.microsoft.com/office/powerpoint/2010/main" val="2333356647"/>
       </p:ext>
     </p:extLst>
   </p:cSld>
@@ -1528,7 +2131,7 @@
           <a:p>
             <a:fld id="{0D336653-BEC4-4200-85FD-0B10B1D3D944}" type="datetimeFigureOut">
               <a:rPr lang="en-ZW" smtClean="0"/>
-              <a:t>1/3/2023</a:t>
+              <a:t>25/7/2023</a:t>
             </a:fld>
             <a:endParaRPr lang="en-ZW"/>
           </a:p>
@@ -1728,7 +2331,7 @@
           <a:p>
             <a:fld id="{0D336653-BEC4-4200-85FD-0B10B1D3D944}" type="datetimeFigureOut">
               <a:rPr lang="en-ZW" smtClean="0"/>
-              <a:t>1/3/2023</a:t>
+              <a:t>25/7/2023</a:t>
             </a:fld>
             <a:endParaRPr lang="en-ZW"/>
           </a:p>
@@ -1938,7 +2541,7 @@
           <a:p>
             <a:fld id="{0D336653-BEC4-4200-85FD-0B10B1D3D944}" type="datetimeFigureOut">
               <a:rPr lang="en-ZW" smtClean="0"/>
-              <a:t>1/3/2023</a:t>
+              <a:t>25/7/2023</a:t>
             </a:fld>
             <a:endParaRPr lang="en-ZW"/>
           </a:p>
@@ -2138,7 +2741,7 @@
           <a:p>
             <a:fld id="{0D336653-BEC4-4200-85FD-0B10B1D3D944}" type="datetimeFigureOut">
               <a:rPr lang="en-ZW" smtClean="0"/>
-              <a:t>1/3/2023</a:t>
+              <a:t>25/7/2023</a:t>
             </a:fld>
             <a:endParaRPr lang="en-ZW"/>
           </a:p>
@@ -2414,7 +3017,7 @@
           <a:p>
             <a:fld id="{0D336653-BEC4-4200-85FD-0B10B1D3D944}" type="datetimeFigureOut">
               <a:rPr lang="en-ZW" smtClean="0"/>
-              <a:t>1/3/2023</a:t>
+              <a:t>25/7/2023</a:t>
             </a:fld>
             <a:endParaRPr lang="en-ZW"/>
           </a:p>
@@ -2682,7 +3285,7 @@
           <a:p>
             <a:fld id="{0D336653-BEC4-4200-85FD-0B10B1D3D944}" type="datetimeFigureOut">
               <a:rPr lang="en-ZW" smtClean="0"/>
-              <a:t>1/3/2023</a:t>
+              <a:t>25/7/2023</a:t>
             </a:fld>
             <a:endParaRPr lang="en-ZW"/>
           </a:p>
@@ -3097,7 +3700,7 @@
           <a:p>
             <a:fld id="{0D336653-BEC4-4200-85FD-0B10B1D3D944}" type="datetimeFigureOut">
               <a:rPr lang="en-ZW" smtClean="0"/>
-              <a:t>1/3/2023</a:t>
+              <a:t>25/7/2023</a:t>
             </a:fld>
             <a:endParaRPr lang="en-ZW"/>
           </a:p>
@@ -3239,7 +3842,7 @@
           <a:p>
             <a:fld id="{0D336653-BEC4-4200-85FD-0B10B1D3D944}" type="datetimeFigureOut">
               <a:rPr lang="en-ZW" smtClean="0"/>
-              <a:t>1/3/2023</a:t>
+              <a:t>25/7/2023</a:t>
             </a:fld>
             <a:endParaRPr lang="en-ZW"/>
           </a:p>
@@ -3352,7 +3955,7 @@
           <a:p>
             <a:fld id="{0D336653-BEC4-4200-85FD-0B10B1D3D944}" type="datetimeFigureOut">
               <a:rPr lang="en-ZW" smtClean="0"/>
-              <a:t>1/3/2023</a:t>
+              <a:t>25/7/2023</a:t>
             </a:fld>
             <a:endParaRPr lang="en-ZW"/>
           </a:p>
@@ -3665,7 +4268,7 @@
           <a:p>
             <a:fld id="{0D336653-BEC4-4200-85FD-0B10B1D3D944}" type="datetimeFigureOut">
               <a:rPr lang="en-ZW" smtClean="0"/>
-              <a:t>1/3/2023</a:t>
+              <a:t>25/7/2023</a:t>
             </a:fld>
             <a:endParaRPr lang="en-ZW"/>
           </a:p>
@@ -3954,7 +4557,7 @@
           <a:p>
             <a:fld id="{0D336653-BEC4-4200-85FD-0B10B1D3D944}" type="datetimeFigureOut">
               <a:rPr lang="en-ZW" smtClean="0"/>
-              <a:t>1/3/2023</a:t>
+              <a:t>25/7/2023</a:t>
             </a:fld>
             <a:endParaRPr lang="en-ZW"/>
           </a:p>
@@ -4197,7 +4800,7 @@
           <a:p>
             <a:fld id="{0D336653-BEC4-4200-85FD-0B10B1D3D944}" type="datetimeFigureOut">
               <a:rPr lang="en-ZW" smtClean="0"/>
-              <a:t>1/3/2023</a:t>
+              <a:t>25/7/2023</a:t>
             </a:fld>
             <a:endParaRPr lang="en-ZW"/>
           </a:p>
@@ -4632,21 +5235,96 @@
         </p:nvSpPr>
         <p:spPr>
           <a:xfrm>
-            <a:off x="310718" y="1122363"/>
-            <a:ext cx="11301274" cy="1540938"/>
+            <a:off x="310718" y="337751"/>
+            <a:ext cx="11301274" cy="2273644"/>
           </a:xfrm>
         </p:spPr>
         <p:txBody>
           <a:bodyPr>
-            <a:normAutofit/>
+            <a:normAutofit fontScale="90000"/>
           </a:bodyPr>
           <a:lstStyle/>
           <a:p>
-            <a:r>
+            <a:pPr>
+              <a:lnSpc>
+                <a:spcPct val="150000"/>
+              </a:lnSpc>
+              <a:spcAft>
+                <a:spcPts val="800"/>
+              </a:spcAft>
+            </a:pPr>
+            <a:br>
               <a:rPr lang="en-ZW" sz="3600" b="1" dirty="0">
                 <a:latin typeface="Goudy Old Style" panose="02020502050305020303" pitchFamily="18" charset="0"/>
               </a:rPr>
-              <a:t>Planting date strategies and risk: Towards greater economic benefits in rice-wheat systems in Bihar</a:t>
+            </a:br>
+            <a:br>
+              <a:rPr lang="en-ZW" sz="3600" b="1" dirty="0">
+                <a:latin typeface="Goudy Old Style" panose="02020502050305020303" pitchFamily="18" charset="0"/>
+              </a:rPr>
+            </a:br>
+            <a:br>
+              <a:rPr lang="en-ZW" sz="3600" b="1" dirty="0">
+                <a:latin typeface="Goudy Old Style" panose="02020502050305020303" pitchFamily="18" charset="0"/>
+              </a:rPr>
+            </a:br>
+            <a:br>
+              <a:rPr lang="en-ZW" sz="3600" b="1" dirty="0">
+                <a:latin typeface="Goudy Old Style" panose="02020502050305020303" pitchFamily="18" charset="0"/>
+              </a:rPr>
+            </a:br>
+            <a:br>
+              <a:rPr lang="en-ZW" sz="3600" b="1" dirty="0">
+                <a:latin typeface="Goudy Old Style" panose="02020502050305020303" pitchFamily="18" charset="0"/>
+              </a:rPr>
+            </a:br>
+            <a:br>
+              <a:rPr lang="en-ZW" sz="3600" b="1" dirty="0">
+                <a:latin typeface="Goudy Old Style" panose="02020502050305020303" pitchFamily="18" charset="0"/>
+              </a:rPr>
+            </a:br>
+            <a:r>
+              <a:rPr lang="en-US" sz="3600" b="1" dirty="0">
+                <a:latin typeface="Goudy Old Style" panose="02020502050305020303" pitchFamily="18" charset="0"/>
+              </a:rPr>
+              <a:t> </a:t>
+            </a:r>
+            <a:br>
+              <a:rPr lang="en-ZW" sz="1800" dirty="0">
+                <a:effectLst/>
+                <a:latin typeface="Times New Roman" panose="02020603050405020304" pitchFamily="18" charset="0"/>
+                <a:ea typeface="Calibri" panose="020F0502020204030204" pitchFamily="34" charset="0"/>
+                <a:cs typeface="Times New Roman" panose="02020603050405020304" pitchFamily="18" charset="0"/>
+              </a:rPr>
+            </a:br>
+            <a:r>
+              <a:rPr lang="en-ZW" sz="3600" b="1" dirty="0">
+                <a:latin typeface="Goudy Old Style" panose="02020502050305020303" pitchFamily="18" charset="0"/>
+              </a:rPr>
+              <a:t>Spatially explicit yield and economic risks of rice planting date strategies for Indo-Gangetic Plains</a:t>
+            </a:r>
+            <a:r>
+              <a:rPr lang="en-US" sz="3600" b="1" dirty="0">
+                <a:latin typeface="Goudy Old Style" panose="02020502050305020303" pitchFamily="18" charset="0"/>
+              </a:rPr>
+              <a:t> </a:t>
+            </a:r>
+            <a:r>
+              <a:rPr lang="en-ZW" sz="3600" b="1" dirty="0">
+                <a:latin typeface="Goudy Old Style" panose="02020502050305020303" pitchFamily="18" charset="0"/>
+              </a:rPr>
+              <a:t>: </a:t>
+            </a:r>
+            <a:br>
+              <a:rPr lang="en-ZW" sz="3600" b="1" dirty="0">
+                <a:latin typeface="Goudy Old Style" panose="02020502050305020303" pitchFamily="18" charset="0"/>
+              </a:rPr>
+            </a:br>
+            <a:r>
+              <a:rPr lang="en-ZW" sz="3600" b="1" dirty="0">
+                <a:latin typeface="Goudy Old Style" panose="02020502050305020303" pitchFamily="18" charset="0"/>
+              </a:rPr>
+              <a:t>A computational risk modelling approach</a:t>
             </a:r>
           </a:p>
         </p:txBody>
@@ -4725,71 +5403,6 @@
 </file>
 
 <file path=ppt/slides/slide10.xml><?xml version="1.0" encoding="utf-8"?>
-<p:sld xmlns:a="http://schemas.openxmlformats.org/drawingml/2006/main" xmlns:r="http://schemas.openxmlformats.org/officeDocument/2006/relationships" xmlns:p="http://schemas.openxmlformats.org/presentationml/2006/main">
-  <p:cSld>
-    <p:spTree>
-      <p:nvGrpSpPr>
-        <p:cNvPr id="1" name=""/>
-        <p:cNvGrpSpPr/>
-        <p:nvPr/>
-      </p:nvGrpSpPr>
-      <p:grpSpPr>
-        <a:xfrm>
-          <a:off x="0" y="0"/>
-          <a:ext cx="0" cy="0"/>
-          <a:chOff x="0" y="0"/>
-          <a:chExt cx="0" cy="0"/>
-        </a:xfrm>
-      </p:grpSpPr>
-      <p:sp>
-        <p:nvSpPr>
-          <p:cNvPr id="3" name="TextBox 2">
-            <a:extLst>
-              <a:ext uri="{FF2B5EF4-FFF2-40B4-BE49-F238E27FC236}">
-                <a16:creationId xmlns:a16="http://schemas.microsoft.com/office/drawing/2014/main" id="{9B0B3179-ACB5-ED84-EB9E-8479ABFD7719}"/>
-              </a:ext>
-            </a:extLst>
-          </p:cNvPr>
-          <p:cNvSpPr txBox="1"/>
-          <p:nvPr/>
-        </p:nvSpPr>
-        <p:spPr>
-          <a:xfrm>
-            <a:off x="1516283" y="295154"/>
-            <a:ext cx="1551007" cy="369332"/>
-          </a:xfrm>
-          <a:prstGeom prst="rect">
-            <a:avLst/>
-          </a:prstGeom>
-          <a:noFill/>
-        </p:spPr>
-        <p:txBody>
-          <a:bodyPr wrap="square" rtlCol="0">
-            <a:spAutoFit/>
-          </a:bodyPr>
-          <a:lstStyle/>
-          <a:p>
-            <a:r>
-              <a:rPr lang="en-ZW" b="1" dirty="0"/>
-              <a:t>RICE</a:t>
-            </a:r>
-          </a:p>
-        </p:txBody>
-      </p:sp>
-    </p:spTree>
-    <p:extLst>
-      <p:ext uri="{BB962C8B-B14F-4D97-AF65-F5344CB8AC3E}">
-        <p14:creationId xmlns:p14="http://schemas.microsoft.com/office/powerpoint/2010/main" val="3572292246"/>
-      </p:ext>
-    </p:extLst>
-  </p:cSld>
-  <p:clrMapOvr>
-    <a:masterClrMapping/>
-  </p:clrMapOvr>
-</p:sld>
-</file>
-
-<file path=ppt/slides/slide11.xml><?xml version="1.0" encoding="utf-8"?>
 <p:sld xmlns:a="http://schemas.openxmlformats.org/drawingml/2006/main" xmlns:r="http://schemas.openxmlformats.org/officeDocument/2006/relationships" xmlns:p="http://schemas.openxmlformats.org/presentationml/2006/main">
   <p:cSld>
     <p:spTree>
@@ -5208,6 +5821,41 @@
           </a:prstGeom>
         </p:spPr>
       </p:pic>
+      <p:sp>
+        <p:nvSpPr>
+          <p:cNvPr id="2" name="TextBox 1">
+            <a:extLst>
+              <a:ext uri="{FF2B5EF4-FFF2-40B4-BE49-F238E27FC236}">
+                <a16:creationId xmlns:a16="http://schemas.microsoft.com/office/drawing/2014/main" id="{B885268E-C6EB-FB7D-D297-0B55C8986E0C}"/>
+              </a:ext>
+            </a:extLst>
+          </p:cNvPr>
+          <p:cNvSpPr txBox="1"/>
+          <p:nvPr/>
+        </p:nvSpPr>
+        <p:spPr>
+          <a:xfrm>
+            <a:off x="5041557" y="45910"/>
+            <a:ext cx="2298357" cy="369332"/>
+          </a:xfrm>
+          <a:prstGeom prst="rect">
+            <a:avLst/>
+          </a:prstGeom>
+          <a:noFill/>
+        </p:spPr>
+        <p:txBody>
+          <a:bodyPr wrap="square" rtlCol="0">
+            <a:spAutoFit/>
+          </a:bodyPr>
+          <a:lstStyle/>
+          <a:p>
+            <a:r>
+              <a:rPr lang="en-ZW" dirty="0"/>
+              <a:t>RICE</a:t>
+            </a:r>
+          </a:p>
+        </p:txBody>
+      </p:sp>
     </p:spTree>
     <p:extLst>
       <p:ext uri="{BB962C8B-B14F-4D97-AF65-F5344CB8AC3E}">
@@ -5221,72 +5869,7 @@
 </p:sld>
 </file>
 
-<file path=ppt/slides/slide12.xml><?xml version="1.0" encoding="utf-8"?>
-<p:sld xmlns:a="http://schemas.openxmlformats.org/drawingml/2006/main" xmlns:r="http://schemas.openxmlformats.org/officeDocument/2006/relationships" xmlns:p="http://schemas.openxmlformats.org/presentationml/2006/main">
-  <p:cSld>
-    <p:spTree>
-      <p:nvGrpSpPr>
-        <p:cNvPr id="1" name=""/>
-        <p:cNvGrpSpPr/>
-        <p:nvPr/>
-      </p:nvGrpSpPr>
-      <p:grpSpPr>
-        <a:xfrm>
-          <a:off x="0" y="0"/>
-          <a:ext cx="0" cy="0"/>
-          <a:chOff x="0" y="0"/>
-          <a:chExt cx="0" cy="0"/>
-        </a:xfrm>
-      </p:grpSpPr>
-      <p:sp>
-        <p:nvSpPr>
-          <p:cNvPr id="3" name="TextBox 2">
-            <a:extLst>
-              <a:ext uri="{FF2B5EF4-FFF2-40B4-BE49-F238E27FC236}">
-                <a16:creationId xmlns:a16="http://schemas.microsoft.com/office/drawing/2014/main" id="{2F278F54-C657-D4F8-76FC-30505013C075}"/>
-              </a:ext>
-            </a:extLst>
-          </p:cNvPr>
-          <p:cNvSpPr txBox="1"/>
-          <p:nvPr/>
-        </p:nvSpPr>
-        <p:spPr>
-          <a:xfrm>
-            <a:off x="1967696" y="289367"/>
-            <a:ext cx="3113590" cy="369332"/>
-          </a:xfrm>
-          <a:prstGeom prst="rect">
-            <a:avLst/>
-          </a:prstGeom>
-          <a:noFill/>
-        </p:spPr>
-        <p:txBody>
-          <a:bodyPr wrap="square" rtlCol="0">
-            <a:spAutoFit/>
-          </a:bodyPr>
-          <a:lstStyle/>
-          <a:p>
-            <a:r>
-              <a:rPr lang="en-ZW" b="1" dirty="0"/>
-              <a:t>WHEAT</a:t>
-            </a:r>
-          </a:p>
-        </p:txBody>
-      </p:sp>
-    </p:spTree>
-    <p:extLst>
-      <p:ext uri="{BB962C8B-B14F-4D97-AF65-F5344CB8AC3E}">
-        <p14:creationId xmlns:p14="http://schemas.microsoft.com/office/powerpoint/2010/main" val="3017227599"/>
-      </p:ext>
-    </p:extLst>
-  </p:cSld>
-  <p:clrMapOvr>
-    <a:masterClrMapping/>
-  </p:clrMapOvr>
-</p:sld>
-</file>
-
-<file path=ppt/slides/slide13.xml><?xml version="1.0" encoding="utf-8"?>
+<file path=ppt/slides/slide11.xml><?xml version="1.0" encoding="utf-8"?>
 <p:sld xmlns:a="http://schemas.openxmlformats.org/drawingml/2006/main" xmlns:r="http://schemas.openxmlformats.org/officeDocument/2006/relationships" xmlns:p="http://schemas.openxmlformats.org/presentationml/2006/main">
   <p:cSld>
     <p:spTree>
@@ -5578,7 +6161,7 @@
         <p:spPr>
           <a:xfrm>
             <a:off x="4178012" y="593683"/>
-            <a:ext cx="3446758" cy="2084086"/>
+            <a:ext cx="3446758" cy="2311808"/>
           </a:xfrm>
           <a:prstGeom prst="rect">
             <a:avLst/>
@@ -5607,7 +6190,7 @@
         </p:blipFill>
         <p:spPr>
           <a:xfrm>
-            <a:off x="7701157" y="627970"/>
+            <a:off x="7701157" y="627891"/>
             <a:ext cx="4262757" cy="2577481"/>
           </a:xfrm>
           <a:prstGeom prst="rect">
@@ -5667,7 +6250,7 @@
         </p:blipFill>
         <p:spPr>
           <a:xfrm>
-            <a:off x="4065574" y="3622016"/>
+            <a:off x="3995463" y="3630729"/>
             <a:ext cx="3823376" cy="2311809"/>
           </a:xfrm>
           <a:prstGeom prst="rect">
@@ -5705,6 +6288,41 @@
           </a:prstGeom>
         </p:spPr>
       </p:pic>
+      <p:sp>
+        <p:nvSpPr>
+          <p:cNvPr id="2" name="TextBox 1">
+            <a:extLst>
+              <a:ext uri="{FF2B5EF4-FFF2-40B4-BE49-F238E27FC236}">
+                <a16:creationId xmlns:a16="http://schemas.microsoft.com/office/drawing/2014/main" id="{F1C9E5EF-8284-051C-E9BD-2AD7597239C0}"/>
+              </a:ext>
+            </a:extLst>
+          </p:cNvPr>
+          <p:cNvSpPr txBox="1"/>
+          <p:nvPr/>
+        </p:nvSpPr>
+        <p:spPr>
+          <a:xfrm>
+            <a:off x="4794422" y="98854"/>
+            <a:ext cx="2906735" cy="369332"/>
+          </a:xfrm>
+          <a:prstGeom prst="rect">
+            <a:avLst/>
+          </a:prstGeom>
+          <a:noFill/>
+        </p:spPr>
+        <p:txBody>
+          <a:bodyPr wrap="square" rtlCol="0">
+            <a:spAutoFit/>
+          </a:bodyPr>
+          <a:lstStyle/>
+          <a:p>
+            <a:r>
+              <a:rPr lang="en-ZW" dirty="0"/>
+              <a:t>WHEAT</a:t>
+            </a:r>
+          </a:p>
+        </p:txBody>
+      </p:sp>
     </p:spTree>
     <p:extLst>
       <p:ext uri="{BB962C8B-B14F-4D97-AF65-F5344CB8AC3E}">
@@ -5718,7 +6336,7 @@
 </p:sld>
 </file>
 
-<file path=ppt/slides/slide14.xml><?xml version="1.0" encoding="utf-8"?>
+<file path=ppt/slides/slide12.xml><?xml version="1.0" encoding="utf-8"?>
 <p:sld xmlns:a="http://schemas.openxmlformats.org/drawingml/2006/main" xmlns:r="http://schemas.openxmlformats.org/officeDocument/2006/relationships" xmlns:p="http://schemas.openxmlformats.org/presentationml/2006/main">
   <p:cSld>
     <p:spTree>
@@ -5803,7 +6421,7 @@
 </p:sld>
 </file>
 
-<file path=ppt/slides/slide15.xml><?xml version="1.0" encoding="utf-8"?>
+<file path=ppt/slides/slide13.xml><?xml version="1.0" encoding="utf-8"?>
 <p:sld xmlns:a="http://schemas.openxmlformats.org/drawingml/2006/main" xmlns:r="http://schemas.openxmlformats.org/officeDocument/2006/relationships" xmlns:p="http://schemas.openxmlformats.org/presentationml/2006/main">
   <p:cSld>
     <p:spTree>
@@ -6340,7 +6958,7 @@
 </p:sld>
 </file>
 
-<file path=ppt/slides/slide16.xml><?xml version="1.0" encoding="utf-8"?>
+<file path=ppt/slides/slide14.xml><?xml version="1.0" encoding="utf-8"?>
 <p:sld xmlns:a="http://schemas.openxmlformats.org/drawingml/2006/main" xmlns:r="http://schemas.openxmlformats.org/officeDocument/2006/relationships" xmlns:p="http://schemas.openxmlformats.org/presentationml/2006/main">
   <p:cSld>
     <p:spTree>
@@ -6408,7 +7026,14 @@
           <a:bodyPr/>
           <a:lstStyle/>
           <a:p>
-            <a:endParaRPr lang="en-ZW"/>
+            <a:r>
+              <a:rPr lang="en-ZW" dirty="0">
+                <a:solidFill>
+                  <a:srgbClr val="FF0000"/>
+                </a:solidFill>
+              </a:rPr>
+              <a:t>Using gridded prices for irrigation and interpolated prices for rice and wheat output</a:t>
+            </a:r>
           </a:p>
         </p:txBody>
       </p:sp>
@@ -6425,7 +7050,7 @@
 </p:sld>
 </file>
 
-<file path=ppt/slides/slide17.xml><?xml version="1.0" encoding="utf-8"?>
+<file path=ppt/slides/slide15.xml><?xml version="1.0" encoding="utf-8"?>
 <p:sld xmlns:a="http://schemas.openxmlformats.org/drawingml/2006/main" xmlns:r="http://schemas.openxmlformats.org/officeDocument/2006/relationships" xmlns:p="http://schemas.openxmlformats.org/presentationml/2006/main">
   <p:cSld>
     <p:spTree>
@@ -6442,66 +7067,6 @@
           <a:chExt cx="0" cy="0"/>
         </a:xfrm>
       </p:grpSpPr>
-      <p:pic>
-        <p:nvPicPr>
-          <p:cNvPr id="2" name="Picture 1">
-            <a:extLst>
-              <a:ext uri="{FF2B5EF4-FFF2-40B4-BE49-F238E27FC236}">
-                <a16:creationId xmlns:a16="http://schemas.microsoft.com/office/drawing/2014/main" id="{DAF9EB1F-FB9A-5D12-820B-9566918576A4}"/>
-              </a:ext>
-            </a:extLst>
-          </p:cNvPr>
-          <p:cNvPicPr>
-            <a:picLocks noChangeAspect="1"/>
-          </p:cNvPicPr>
-          <p:nvPr/>
-        </p:nvPicPr>
-        <p:blipFill>
-          <a:blip r:embed="rId2"/>
-          <a:stretch>
-            <a:fillRect/>
-          </a:stretch>
-        </p:blipFill>
-        <p:spPr>
-          <a:xfrm>
-            <a:off x="6047843" y="922638"/>
-            <a:ext cx="5884862" cy="5177108"/>
-          </a:xfrm>
-          <a:prstGeom prst="rect">
-            <a:avLst/>
-          </a:prstGeom>
-        </p:spPr>
-      </p:pic>
-      <p:pic>
-        <p:nvPicPr>
-          <p:cNvPr id="3" name="Picture 2">
-            <a:extLst>
-              <a:ext uri="{FF2B5EF4-FFF2-40B4-BE49-F238E27FC236}">
-                <a16:creationId xmlns:a16="http://schemas.microsoft.com/office/drawing/2014/main" id="{506FB010-1172-BB88-0F0D-FA8E355A0ED5}"/>
-              </a:ext>
-            </a:extLst>
-          </p:cNvPr>
-          <p:cNvPicPr>
-            <a:picLocks noChangeAspect="1"/>
-          </p:cNvPicPr>
-          <p:nvPr/>
-        </p:nvPicPr>
-        <p:blipFill>
-          <a:blip r:embed="rId3"/>
-          <a:stretch>
-            <a:fillRect/>
-          </a:stretch>
-        </p:blipFill>
-        <p:spPr>
-          <a:xfrm>
-            <a:off x="379328" y="1120475"/>
-            <a:ext cx="5884862" cy="4893147"/>
-          </a:xfrm>
-          <a:prstGeom prst="rect">
-            <a:avLst/>
-          </a:prstGeom>
-        </p:spPr>
-      </p:pic>
       <p:sp>
         <p:nvSpPr>
           <p:cNvPr id="4" name="TextBox 3">
@@ -6539,10 +7104,674 @@
           </a:p>
         </p:txBody>
       </p:sp>
+      <p:pic>
+        <p:nvPicPr>
+          <p:cNvPr id="6" name="Picture 5">
+            <a:extLst>
+              <a:ext uri="{FF2B5EF4-FFF2-40B4-BE49-F238E27FC236}">
+                <a16:creationId xmlns:a16="http://schemas.microsoft.com/office/drawing/2014/main" id="{D6294CA1-5C7E-99E4-D829-0AEB8522A6D2}"/>
+              </a:ext>
+            </a:extLst>
+          </p:cNvPr>
+          <p:cNvPicPr>
+            <a:picLocks noChangeAspect="1"/>
+          </p:cNvPicPr>
+          <p:nvPr/>
+        </p:nvPicPr>
+        <p:blipFill>
+          <a:blip r:embed="rId3"/>
+          <a:stretch>
+            <a:fillRect/>
+          </a:stretch>
+        </p:blipFill>
+        <p:spPr>
+          <a:xfrm>
+            <a:off x="448363" y="1787609"/>
+            <a:ext cx="5647637" cy="4102444"/>
+          </a:xfrm>
+          <a:prstGeom prst="rect">
+            <a:avLst/>
+          </a:prstGeom>
+        </p:spPr>
+      </p:pic>
+      <p:pic>
+        <p:nvPicPr>
+          <p:cNvPr id="7" name="Picture 6">
+            <a:extLst>
+              <a:ext uri="{FF2B5EF4-FFF2-40B4-BE49-F238E27FC236}">
+                <a16:creationId xmlns:a16="http://schemas.microsoft.com/office/drawing/2014/main" id="{5EB9FB07-7261-775B-7CAD-ECDB54C83F9E}"/>
+              </a:ext>
+            </a:extLst>
+          </p:cNvPr>
+          <p:cNvPicPr>
+            <a:picLocks noChangeAspect="1"/>
+          </p:cNvPicPr>
+          <p:nvPr/>
+        </p:nvPicPr>
+        <p:blipFill>
+          <a:blip r:embed="rId4"/>
+          <a:stretch>
+            <a:fillRect/>
+          </a:stretch>
+        </p:blipFill>
+        <p:spPr>
+          <a:xfrm>
+            <a:off x="6095999" y="1692396"/>
+            <a:ext cx="5647637" cy="4197657"/>
+          </a:xfrm>
+          <a:prstGeom prst="rect">
+            <a:avLst/>
+          </a:prstGeom>
+        </p:spPr>
+      </p:pic>
     </p:spTree>
     <p:extLst>
       <p:ext uri="{BB962C8B-B14F-4D97-AF65-F5344CB8AC3E}">
         <p14:creationId xmlns:p14="http://schemas.microsoft.com/office/powerpoint/2010/main" val="3465761932"/>
+      </p:ext>
+    </p:extLst>
+  </p:cSld>
+  <p:clrMapOvr>
+    <a:masterClrMapping/>
+  </p:clrMapOvr>
+</p:sld>
+</file>
+
+<file path=ppt/slides/slide16.xml><?xml version="1.0" encoding="utf-8"?>
+<p:sld xmlns:a="http://schemas.openxmlformats.org/drawingml/2006/main" xmlns:r="http://schemas.openxmlformats.org/officeDocument/2006/relationships" xmlns:p="http://schemas.openxmlformats.org/presentationml/2006/main">
+  <p:cSld>
+    <p:spTree>
+      <p:nvGrpSpPr>
+        <p:cNvPr id="1" name=""/>
+        <p:cNvGrpSpPr/>
+        <p:nvPr/>
+      </p:nvGrpSpPr>
+      <p:grpSpPr>
+        <a:xfrm>
+          <a:off x="0" y="0"/>
+          <a:ext cx="0" cy="0"/>
+          <a:chOff x="0" y="0"/>
+          <a:chExt cx="0" cy="0"/>
+        </a:xfrm>
+      </p:grpSpPr>
+      <p:grpSp>
+        <p:nvGrpSpPr>
+          <p:cNvPr id="22" name="Group 21">
+            <a:extLst>
+              <a:ext uri="{FF2B5EF4-FFF2-40B4-BE49-F238E27FC236}">
+                <a16:creationId xmlns:a16="http://schemas.microsoft.com/office/drawing/2014/main" id="{1F5EE152-27C7-5DBC-F3FF-5EDE0A442428}"/>
+              </a:ext>
+            </a:extLst>
+          </p:cNvPr>
+          <p:cNvGrpSpPr/>
+          <p:nvPr/>
+        </p:nvGrpSpPr>
+        <p:grpSpPr>
+          <a:xfrm>
+            <a:off x="194302" y="173951"/>
+            <a:ext cx="11803396" cy="6009443"/>
+            <a:chOff x="194302" y="173951"/>
+            <a:chExt cx="11803396" cy="6009443"/>
+          </a:xfrm>
+        </p:grpSpPr>
+        <p:pic>
+          <p:nvPicPr>
+            <p:cNvPr id="2" name="Picture 1">
+              <a:extLst>
+                <a:ext uri="{FF2B5EF4-FFF2-40B4-BE49-F238E27FC236}">
+                  <a16:creationId xmlns:a16="http://schemas.microsoft.com/office/drawing/2014/main" id="{DCA046DA-3511-6FA9-EEEE-D549D08B1470}"/>
+                </a:ext>
+              </a:extLst>
+            </p:cNvPr>
+            <p:cNvPicPr>
+              <a:picLocks noChangeAspect="1"/>
+            </p:cNvPicPr>
+            <p:nvPr/>
+          </p:nvPicPr>
+          <p:blipFill>
+            <a:blip r:embed="rId3"/>
+            <a:stretch>
+              <a:fillRect/>
+            </a:stretch>
+          </p:blipFill>
+          <p:spPr>
+            <a:xfrm>
+              <a:off x="194302" y="434633"/>
+              <a:ext cx="3753443" cy="2511642"/>
+            </a:xfrm>
+            <a:prstGeom prst="rect">
+              <a:avLst/>
+            </a:prstGeom>
+          </p:spPr>
+        </p:pic>
+        <p:pic>
+          <p:nvPicPr>
+            <p:cNvPr id="4" name="Picture 3" descr="A map of different colors&#10;&#10;Description automatically generated">
+              <a:extLst>
+                <a:ext uri="{FF2B5EF4-FFF2-40B4-BE49-F238E27FC236}">
+                  <a16:creationId xmlns:a16="http://schemas.microsoft.com/office/drawing/2014/main" id="{756CB2C1-F78A-57EE-CB6B-505D30792C43}"/>
+                </a:ext>
+              </a:extLst>
+            </p:cNvPr>
+            <p:cNvPicPr>
+              <a:picLocks noChangeAspect="1"/>
+            </p:cNvPicPr>
+            <p:nvPr/>
+          </p:nvPicPr>
+          <p:blipFill>
+            <a:blip r:embed="rId4">
+              <a:extLst>
+                <a:ext uri="{28A0092B-C50C-407E-A947-70E740481C1C}">
+                  <a14:useLocalDpi xmlns:a14="http://schemas.microsoft.com/office/drawing/2010/main" val="0"/>
+                </a:ext>
+              </a:extLst>
+            </a:blip>
+            <a:stretch>
+              <a:fillRect/>
+            </a:stretch>
+          </p:blipFill>
+          <p:spPr>
+            <a:xfrm>
+              <a:off x="3947744" y="526966"/>
+              <a:ext cx="3753443" cy="2511642"/>
+            </a:xfrm>
+            <a:prstGeom prst="rect">
+              <a:avLst/>
+            </a:prstGeom>
+          </p:spPr>
+        </p:pic>
+        <p:pic>
+          <p:nvPicPr>
+            <p:cNvPr id="6" name="Picture 5">
+              <a:extLst>
+                <a:ext uri="{FF2B5EF4-FFF2-40B4-BE49-F238E27FC236}">
+                  <a16:creationId xmlns:a16="http://schemas.microsoft.com/office/drawing/2014/main" id="{18D37C3F-D6B5-40DE-818B-4179E3D9A88E}"/>
+                </a:ext>
+              </a:extLst>
+            </p:cNvPr>
+            <p:cNvPicPr>
+              <a:picLocks noChangeAspect="1"/>
+            </p:cNvPicPr>
+            <p:nvPr/>
+          </p:nvPicPr>
+          <p:blipFill>
+            <a:blip r:embed="rId5">
+              <a:extLst>
+                <a:ext uri="{28A0092B-C50C-407E-A947-70E740481C1C}">
+                  <a14:useLocalDpi xmlns:a14="http://schemas.microsoft.com/office/drawing/2010/main" val="0"/>
+                </a:ext>
+              </a:extLst>
+            </a:blip>
+            <a:stretch>
+              <a:fillRect/>
+            </a:stretch>
+          </p:blipFill>
+          <p:spPr>
+            <a:xfrm>
+              <a:off x="7823839" y="434633"/>
+              <a:ext cx="4173859" cy="2663674"/>
+            </a:xfrm>
+            <a:prstGeom prst="rect">
+              <a:avLst/>
+            </a:prstGeom>
+          </p:spPr>
+        </p:pic>
+        <p:pic>
+          <p:nvPicPr>
+            <p:cNvPr id="8" name="Picture 7" descr="A map of different colors&#10;&#10;Description automatically generated">
+              <a:extLst>
+                <a:ext uri="{FF2B5EF4-FFF2-40B4-BE49-F238E27FC236}">
+                  <a16:creationId xmlns:a16="http://schemas.microsoft.com/office/drawing/2014/main" id="{1D122038-C160-616D-36D7-47FB47C9CD50}"/>
+                </a:ext>
+              </a:extLst>
+            </p:cNvPr>
+            <p:cNvPicPr>
+              <a:picLocks noChangeAspect="1"/>
+            </p:cNvPicPr>
+            <p:nvPr/>
+          </p:nvPicPr>
+          <p:blipFill>
+            <a:blip r:embed="rId6">
+              <a:extLst>
+                <a:ext uri="{28A0092B-C50C-407E-A947-70E740481C1C}">
+                  <a14:useLocalDpi xmlns:a14="http://schemas.microsoft.com/office/drawing/2010/main" val="0"/>
+                </a:ext>
+              </a:extLst>
+            </a:blip>
+            <a:stretch>
+              <a:fillRect/>
+            </a:stretch>
+          </p:blipFill>
+          <p:spPr>
+            <a:xfrm>
+              <a:off x="194302" y="3522011"/>
+              <a:ext cx="3753443" cy="2542111"/>
+            </a:xfrm>
+            <a:prstGeom prst="rect">
+              <a:avLst/>
+            </a:prstGeom>
+          </p:spPr>
+        </p:pic>
+        <p:pic>
+          <p:nvPicPr>
+            <p:cNvPr id="10" name="Picture 9" descr="A map of different colors&#10;&#10;Description automatically generated">
+              <a:extLst>
+                <a:ext uri="{FF2B5EF4-FFF2-40B4-BE49-F238E27FC236}">
+                  <a16:creationId xmlns:a16="http://schemas.microsoft.com/office/drawing/2014/main" id="{3C1314D8-3328-F2DF-F9AC-C7D5A9A0931E}"/>
+                </a:ext>
+              </a:extLst>
+            </p:cNvPr>
+            <p:cNvPicPr>
+              <a:picLocks noChangeAspect="1"/>
+            </p:cNvPicPr>
+            <p:nvPr/>
+          </p:nvPicPr>
+          <p:blipFill>
+            <a:blip r:embed="rId7">
+              <a:extLst>
+                <a:ext uri="{28A0092B-C50C-407E-A947-70E740481C1C}">
+                  <a14:useLocalDpi xmlns:a14="http://schemas.microsoft.com/office/drawing/2010/main" val="0"/>
+                </a:ext>
+              </a:extLst>
+            </a:blip>
+            <a:stretch>
+              <a:fillRect/>
+            </a:stretch>
+          </p:blipFill>
+          <p:spPr>
+            <a:xfrm>
+              <a:off x="4000114" y="3602928"/>
+              <a:ext cx="3786580" cy="2580466"/>
+            </a:xfrm>
+            <a:prstGeom prst="rect">
+              <a:avLst/>
+            </a:prstGeom>
+          </p:spPr>
+        </p:pic>
+        <p:pic>
+          <p:nvPicPr>
+            <p:cNvPr id="12" name="Picture 11">
+              <a:extLst>
+                <a:ext uri="{FF2B5EF4-FFF2-40B4-BE49-F238E27FC236}">
+                  <a16:creationId xmlns:a16="http://schemas.microsoft.com/office/drawing/2014/main" id="{AD5CD7EB-8235-8E94-604D-CD44315F3004}"/>
+                </a:ext>
+              </a:extLst>
+            </p:cNvPr>
+            <p:cNvPicPr>
+              <a:picLocks noChangeAspect="1"/>
+            </p:cNvPicPr>
+            <p:nvPr/>
+          </p:nvPicPr>
+          <p:blipFill>
+            <a:blip r:embed="rId8">
+              <a:extLst>
+                <a:ext uri="{28A0092B-C50C-407E-A947-70E740481C1C}">
+                  <a14:useLocalDpi xmlns:a14="http://schemas.microsoft.com/office/drawing/2010/main" val="0"/>
+                </a:ext>
+              </a:extLst>
+            </a:blip>
+            <a:stretch>
+              <a:fillRect/>
+            </a:stretch>
+          </p:blipFill>
+          <p:spPr>
+            <a:xfrm>
+              <a:off x="7898169" y="3421915"/>
+              <a:ext cx="4033420" cy="2742301"/>
+            </a:xfrm>
+            <a:prstGeom prst="rect">
+              <a:avLst/>
+            </a:prstGeom>
+          </p:spPr>
+        </p:pic>
+        <p:sp>
+          <p:nvSpPr>
+            <p:cNvPr id="13" name="TextBox 12">
+              <a:extLst>
+                <a:ext uri="{FF2B5EF4-FFF2-40B4-BE49-F238E27FC236}">
+                  <a16:creationId xmlns:a16="http://schemas.microsoft.com/office/drawing/2014/main" id="{7C71A0E8-4C64-F8B9-CC32-AFFF05D36CDA}"/>
+                </a:ext>
+              </a:extLst>
+            </p:cNvPr>
+            <p:cNvSpPr txBox="1"/>
+            <p:nvPr/>
+          </p:nvSpPr>
+          <p:spPr>
+            <a:xfrm>
+              <a:off x="194302" y="173951"/>
+              <a:ext cx="222948" cy="369332"/>
+            </a:xfrm>
+            <a:prstGeom prst="rect">
+              <a:avLst/>
+            </a:prstGeom>
+            <a:noFill/>
+          </p:spPr>
+          <p:txBody>
+            <a:bodyPr wrap="square" rtlCol="0">
+              <a:spAutoFit/>
+            </a:bodyPr>
+            <a:lstStyle/>
+            <a:p>
+              <a:r>
+                <a:rPr lang="en-US" dirty="0"/>
+                <a:t>a</a:t>
+              </a:r>
+              <a:endParaRPr lang="en-ZW" dirty="0"/>
+            </a:p>
+          </p:txBody>
+        </p:sp>
+        <p:sp>
+          <p:nvSpPr>
+            <p:cNvPr id="14" name="TextBox 13">
+              <a:extLst>
+                <a:ext uri="{FF2B5EF4-FFF2-40B4-BE49-F238E27FC236}">
+                  <a16:creationId xmlns:a16="http://schemas.microsoft.com/office/drawing/2014/main" id="{B9EF3BD4-675F-4B44-B492-8C6A67370D4F}"/>
+                </a:ext>
+              </a:extLst>
+            </p:cNvPr>
+            <p:cNvSpPr txBox="1"/>
+            <p:nvPr/>
+          </p:nvSpPr>
+          <p:spPr>
+            <a:xfrm>
+              <a:off x="3750763" y="249967"/>
+              <a:ext cx="222948" cy="369332"/>
+            </a:xfrm>
+            <a:prstGeom prst="rect">
+              <a:avLst/>
+            </a:prstGeom>
+            <a:noFill/>
+          </p:spPr>
+          <p:txBody>
+            <a:bodyPr wrap="square" rtlCol="0">
+              <a:spAutoFit/>
+            </a:bodyPr>
+            <a:lstStyle/>
+            <a:p>
+              <a:r>
+                <a:rPr lang="en-US" dirty="0"/>
+                <a:t>b</a:t>
+              </a:r>
+              <a:endParaRPr lang="en-ZW" dirty="0"/>
+            </a:p>
+          </p:txBody>
+        </p:sp>
+        <p:sp>
+          <p:nvSpPr>
+            <p:cNvPr id="15" name="TextBox 14">
+              <a:extLst>
+                <a:ext uri="{FF2B5EF4-FFF2-40B4-BE49-F238E27FC236}">
+                  <a16:creationId xmlns:a16="http://schemas.microsoft.com/office/drawing/2014/main" id="{5D614319-2B1C-AA5B-4A4A-A772CE5BE7D8}"/>
+                </a:ext>
+              </a:extLst>
+            </p:cNvPr>
+            <p:cNvSpPr txBox="1"/>
+            <p:nvPr/>
+          </p:nvSpPr>
+          <p:spPr>
+            <a:xfrm>
+              <a:off x="7675220" y="249967"/>
+              <a:ext cx="222948" cy="369332"/>
+            </a:xfrm>
+            <a:prstGeom prst="rect">
+              <a:avLst/>
+            </a:prstGeom>
+            <a:noFill/>
+          </p:spPr>
+          <p:txBody>
+            <a:bodyPr wrap="square" rtlCol="0">
+              <a:spAutoFit/>
+            </a:bodyPr>
+            <a:lstStyle/>
+            <a:p>
+              <a:r>
+                <a:rPr lang="en-US" dirty="0"/>
+                <a:t>c</a:t>
+              </a:r>
+              <a:endParaRPr lang="en-ZW" dirty="0"/>
+            </a:p>
+          </p:txBody>
+        </p:sp>
+        <p:sp>
+          <p:nvSpPr>
+            <p:cNvPr id="16" name="TextBox 15">
+              <a:extLst>
+                <a:ext uri="{FF2B5EF4-FFF2-40B4-BE49-F238E27FC236}">
+                  <a16:creationId xmlns:a16="http://schemas.microsoft.com/office/drawing/2014/main" id="{A887BB9D-72E6-C18F-1950-5E44F13AA226}"/>
+                </a:ext>
+              </a:extLst>
+            </p:cNvPr>
+            <p:cNvSpPr txBox="1"/>
+            <p:nvPr/>
+          </p:nvSpPr>
+          <p:spPr>
+            <a:xfrm>
+              <a:off x="194302" y="3071761"/>
+              <a:ext cx="222948" cy="369332"/>
+            </a:xfrm>
+            <a:prstGeom prst="rect">
+              <a:avLst/>
+            </a:prstGeom>
+            <a:noFill/>
+          </p:spPr>
+          <p:txBody>
+            <a:bodyPr wrap="square" rtlCol="0">
+              <a:spAutoFit/>
+            </a:bodyPr>
+            <a:lstStyle/>
+            <a:p>
+              <a:r>
+                <a:rPr lang="en-US" dirty="0"/>
+                <a:t>d</a:t>
+              </a:r>
+              <a:endParaRPr lang="en-ZW" dirty="0"/>
+            </a:p>
+          </p:txBody>
+        </p:sp>
+        <p:sp>
+          <p:nvSpPr>
+            <p:cNvPr id="18" name="TextBox 17">
+              <a:extLst>
+                <a:ext uri="{FF2B5EF4-FFF2-40B4-BE49-F238E27FC236}">
+                  <a16:creationId xmlns:a16="http://schemas.microsoft.com/office/drawing/2014/main" id="{93A7AA0F-475D-EA0C-5BC6-4E753389D944}"/>
+                </a:ext>
+              </a:extLst>
+            </p:cNvPr>
+            <p:cNvSpPr txBox="1"/>
+            <p:nvPr/>
+          </p:nvSpPr>
+          <p:spPr>
+            <a:xfrm>
+              <a:off x="3724796" y="3066531"/>
+              <a:ext cx="222948" cy="369332"/>
+            </a:xfrm>
+            <a:prstGeom prst="rect">
+              <a:avLst/>
+            </a:prstGeom>
+            <a:noFill/>
+          </p:spPr>
+          <p:txBody>
+            <a:bodyPr wrap="square" rtlCol="0">
+              <a:spAutoFit/>
+            </a:bodyPr>
+            <a:lstStyle/>
+            <a:p>
+              <a:r>
+                <a:rPr lang="en-US" dirty="0"/>
+                <a:t>e</a:t>
+              </a:r>
+              <a:endParaRPr lang="en-ZW" dirty="0"/>
+            </a:p>
+          </p:txBody>
+        </p:sp>
+        <p:sp>
+          <p:nvSpPr>
+            <p:cNvPr id="20" name="TextBox 19">
+              <a:extLst>
+                <a:ext uri="{FF2B5EF4-FFF2-40B4-BE49-F238E27FC236}">
+                  <a16:creationId xmlns:a16="http://schemas.microsoft.com/office/drawing/2014/main" id="{D74C1104-F026-EF49-D907-94366D33DAC3}"/>
+                </a:ext>
+              </a:extLst>
+            </p:cNvPr>
+            <p:cNvSpPr txBox="1"/>
+            <p:nvPr/>
+          </p:nvSpPr>
+          <p:spPr>
+            <a:xfrm>
+              <a:off x="7563746" y="3102506"/>
+              <a:ext cx="222948" cy="369332"/>
+            </a:xfrm>
+            <a:prstGeom prst="rect">
+              <a:avLst/>
+            </a:prstGeom>
+            <a:noFill/>
+          </p:spPr>
+          <p:txBody>
+            <a:bodyPr wrap="square" rtlCol="0">
+              <a:spAutoFit/>
+            </a:bodyPr>
+            <a:lstStyle/>
+            <a:p>
+              <a:r>
+                <a:rPr lang="en-US" dirty="0"/>
+                <a:t>f</a:t>
+              </a:r>
+              <a:endParaRPr lang="en-ZW" dirty="0"/>
+            </a:p>
+          </p:txBody>
+        </p:sp>
+      </p:grpSp>
+    </p:spTree>
+    <p:extLst>
+      <p:ext uri="{BB962C8B-B14F-4D97-AF65-F5344CB8AC3E}">
+        <p14:creationId xmlns:p14="http://schemas.microsoft.com/office/powerpoint/2010/main" val="578307128"/>
+      </p:ext>
+    </p:extLst>
+  </p:cSld>
+  <p:clrMapOvr>
+    <a:masterClrMapping/>
+  </p:clrMapOvr>
+</p:sld>
+</file>
+
+<file path=ppt/slides/slide17.xml><?xml version="1.0" encoding="utf-8"?>
+<p:sld xmlns:a="http://schemas.openxmlformats.org/drawingml/2006/main" xmlns:r="http://schemas.openxmlformats.org/officeDocument/2006/relationships" xmlns:p="http://schemas.openxmlformats.org/presentationml/2006/main">
+  <p:cSld>
+    <p:spTree>
+      <p:nvGrpSpPr>
+        <p:cNvPr id="1" name=""/>
+        <p:cNvGrpSpPr/>
+        <p:nvPr/>
+      </p:nvGrpSpPr>
+      <p:grpSpPr>
+        <a:xfrm>
+          <a:off x="0" y="0"/>
+          <a:ext cx="0" cy="0"/>
+          <a:chOff x="0" y="0"/>
+          <a:chExt cx="0" cy="0"/>
+        </a:xfrm>
+      </p:grpSpPr>
+      <p:sp>
+        <p:nvSpPr>
+          <p:cNvPr id="2" name="Title 1">
+            <a:extLst>
+              <a:ext uri="{FF2B5EF4-FFF2-40B4-BE49-F238E27FC236}">
+                <a16:creationId xmlns:a16="http://schemas.microsoft.com/office/drawing/2014/main" id="{F45937E6-5FCE-9A5F-880D-4A5E840391AA}"/>
+              </a:ext>
+            </a:extLst>
+          </p:cNvPr>
+          <p:cNvSpPr>
+            <a:spLocks noGrp="1"/>
+          </p:cNvSpPr>
+          <p:nvPr>
+            <p:ph type="title"/>
+          </p:nvPr>
+        </p:nvSpPr>
+        <p:spPr>
+          <a:xfrm>
+            <a:off x="292963" y="365125"/>
+            <a:ext cx="11585359" cy="1325563"/>
+          </a:xfrm>
+        </p:spPr>
+        <p:txBody>
+          <a:bodyPr>
+            <a:normAutofit/>
+          </a:bodyPr>
+          <a:lstStyle/>
+          <a:p>
+            <a:r>
+              <a:rPr lang="en-ZW" dirty="0">
+                <a:latin typeface="Goudy Old Style" panose="02020502050305020303" pitchFamily="18" charset="0"/>
+              </a:rPr>
+              <a:t>Understanding heterogeneity of WTP Bounds: Using onset-long duration as a case </a:t>
+            </a:r>
+          </a:p>
+        </p:txBody>
+      </p:sp>
+      <p:pic>
+        <p:nvPicPr>
+          <p:cNvPr id="3" name="Picture 2">
+            <a:extLst>
+              <a:ext uri="{FF2B5EF4-FFF2-40B4-BE49-F238E27FC236}">
+                <a16:creationId xmlns:a16="http://schemas.microsoft.com/office/drawing/2014/main" id="{5A4A9904-4DF7-EAB3-9DAF-34E1FE80B761}"/>
+              </a:ext>
+            </a:extLst>
+          </p:cNvPr>
+          <p:cNvPicPr>
+            <a:picLocks noChangeAspect="1"/>
+          </p:cNvPicPr>
+          <p:nvPr/>
+        </p:nvPicPr>
+        <p:blipFill>
+          <a:blip r:embed="rId2"/>
+          <a:stretch>
+            <a:fillRect/>
+          </a:stretch>
+        </p:blipFill>
+        <p:spPr>
+          <a:xfrm>
+            <a:off x="6182944" y="1866720"/>
+            <a:ext cx="5920279" cy="4235537"/>
+          </a:xfrm>
+          <a:prstGeom prst="rect">
+            <a:avLst/>
+          </a:prstGeom>
+        </p:spPr>
+      </p:pic>
+      <p:pic>
+        <p:nvPicPr>
+          <p:cNvPr id="4" name="Picture 3">
+            <a:extLst>
+              <a:ext uri="{FF2B5EF4-FFF2-40B4-BE49-F238E27FC236}">
+                <a16:creationId xmlns:a16="http://schemas.microsoft.com/office/drawing/2014/main" id="{5F501816-2944-BC2E-3DFA-CF05E78DACD3}"/>
+              </a:ext>
+            </a:extLst>
+          </p:cNvPr>
+          <p:cNvPicPr>
+            <a:picLocks noChangeAspect="1"/>
+          </p:cNvPicPr>
+          <p:nvPr/>
+        </p:nvPicPr>
+        <p:blipFill>
+          <a:blip r:embed="rId3"/>
+          <a:stretch>
+            <a:fillRect/>
+          </a:stretch>
+        </p:blipFill>
+        <p:spPr>
+          <a:xfrm>
+            <a:off x="271895" y="2140647"/>
+            <a:ext cx="5537393" cy="3961610"/>
+          </a:xfrm>
+          <a:prstGeom prst="rect">
+            <a:avLst/>
+          </a:prstGeom>
+        </p:spPr>
+      </p:pic>
+    </p:spTree>
+    <p:extLst>
+      <p:ext uri="{BB962C8B-B14F-4D97-AF65-F5344CB8AC3E}">
+        <p14:creationId xmlns:p14="http://schemas.microsoft.com/office/powerpoint/2010/main" val="1260023922"/>
       </p:ext>
     </p:extLst>
   </p:cSld>
@@ -6569,40 +7798,125 @@
           <a:chExt cx="0" cy="0"/>
         </a:xfrm>
       </p:grpSpPr>
-      <p:pic>
-        <p:nvPicPr>
-          <p:cNvPr id="4" name="Picture 3">
+      <p:sp>
+        <p:nvSpPr>
+          <p:cNvPr id="2" name="Title 1">
             <a:extLst>
               <a:ext uri="{FF2B5EF4-FFF2-40B4-BE49-F238E27FC236}">
-                <a16:creationId xmlns:a16="http://schemas.microsoft.com/office/drawing/2014/main" id="{533FE52B-B5E4-5526-DEA6-1A18B7E50FDE}"/>
+                <a16:creationId xmlns:a16="http://schemas.microsoft.com/office/drawing/2014/main" id="{33A58244-028E-FEBB-69B0-5D5D2D1A7C7A}"/>
               </a:ext>
             </a:extLst>
           </p:cNvPr>
-          <p:cNvPicPr>
-            <a:picLocks noChangeAspect="1"/>
-          </p:cNvPicPr>
-          <p:nvPr/>
-        </p:nvPicPr>
-        <p:blipFill>
-          <a:blip r:embed="rId2"/>
-          <a:stretch>
-            <a:fillRect/>
-          </a:stretch>
-        </p:blipFill>
+          <p:cNvSpPr>
+            <a:spLocks noGrp="1"/>
+          </p:cNvSpPr>
+          <p:nvPr>
+            <p:ph type="title"/>
+          </p:nvPr>
+        </p:nvSpPr>
+        <p:spPr/>
+        <p:txBody>
+          <a:bodyPr/>
+          <a:lstStyle/>
+          <a:p>
+            <a:r>
+              <a:rPr lang="en-ZW" dirty="0">
+                <a:latin typeface="Goudy Old Style" panose="02020502050305020303" pitchFamily="18" charset="0"/>
+              </a:rPr>
+              <a:t>Conclusion</a:t>
+            </a:r>
+          </a:p>
+        </p:txBody>
+      </p:sp>
+      <p:sp>
+        <p:nvSpPr>
+          <p:cNvPr id="3" name="Content Placeholder 2">
+            <a:extLst>
+              <a:ext uri="{FF2B5EF4-FFF2-40B4-BE49-F238E27FC236}">
+                <a16:creationId xmlns:a16="http://schemas.microsoft.com/office/drawing/2014/main" id="{25F63106-D496-A614-59B9-8512CAC5E639}"/>
+              </a:ext>
+            </a:extLst>
+          </p:cNvPr>
+          <p:cNvSpPr>
+            <a:spLocks noGrp="1"/>
+          </p:cNvSpPr>
+          <p:nvPr>
+            <p:ph idx="1"/>
+          </p:nvPr>
+        </p:nvSpPr>
         <p:spPr>
           <a:xfrm>
-            <a:off x="2640030" y="906447"/>
-            <a:ext cx="6911939" cy="5654530"/>
+            <a:off x="838200" y="1825625"/>
+            <a:ext cx="10515600" cy="4834120"/>
           </a:xfrm>
-          <a:prstGeom prst="rect">
-            <a:avLst/>
-          </a:prstGeom>
         </p:spPr>
-      </p:pic>
+        <p:txBody>
+          <a:bodyPr>
+            <a:normAutofit lnSpcReduction="10000"/>
+          </a:bodyPr>
+          <a:lstStyle/>
+          <a:p>
+            <a:r>
+              <a:rPr lang="en-ZW" dirty="0"/>
+              <a:t>Planting date adjustments are proposed based on average yield benefits and stability (through standard deviation or absolute deviation from the mean) of the yield benefits.</a:t>
+            </a:r>
+          </a:p>
+          <a:p>
+            <a:r>
+              <a:rPr lang="en-ZW" dirty="0"/>
+              <a:t>This may be a suboptimal decision framework</a:t>
+            </a:r>
+          </a:p>
+          <a:p>
+            <a:pPr lvl="1">
+              <a:buFont typeface="Courier New" panose="02070309020205020404" pitchFamily="49" charset="0"/>
+              <a:buChar char="o"/>
+            </a:pPr>
+            <a:r>
+              <a:rPr lang="en-ZW" dirty="0"/>
+              <a:t>It does not optimize on the mean-variability </a:t>
+            </a:r>
+            <a:r>
+              <a:rPr lang="en-ZW" dirty="0" err="1"/>
+              <a:t>tradeoff</a:t>
+            </a:r>
+            <a:endParaRPr lang="en-ZW" dirty="0"/>
+          </a:p>
+          <a:p>
+            <a:pPr lvl="1">
+              <a:buFont typeface="Courier New" panose="02070309020205020404" pitchFamily="49" charset="0"/>
+              <a:buChar char="o"/>
+            </a:pPr>
+            <a:r>
+              <a:rPr lang="en-ZW" dirty="0"/>
+              <a:t>It neglects input and output prices in multi-input, multi-output cropping systems</a:t>
+            </a:r>
+          </a:p>
+          <a:p>
+            <a:pPr lvl="1">
+              <a:buFont typeface="Courier New" panose="02070309020205020404" pitchFamily="49" charset="0"/>
+              <a:buChar char="o"/>
+            </a:pPr>
+            <a:r>
+              <a:rPr lang="en-ZW" dirty="0"/>
+              <a:t>It considers a limited number of moments (mean and variance) yet higher moments may be important</a:t>
+            </a:r>
+          </a:p>
+          <a:p>
+            <a:r>
+              <a:rPr lang="en-ZW" dirty="0"/>
+              <a:t>We have used second order stochastic dominance and using computational tools (in Octave) computed the willingness to pay bounds for a risk averse farmer to find the suggested rice planting strategy profitable.</a:t>
+            </a:r>
+          </a:p>
+          <a:p>
+            <a:endParaRPr lang="en-ZW" dirty="0"/>
+          </a:p>
+        </p:txBody>
+      </p:sp>
     </p:spTree>
     <p:extLst>
       <p:ext uri="{BB962C8B-B14F-4D97-AF65-F5344CB8AC3E}">
-        <p14:creationId xmlns:p14="http://schemas.microsoft.com/office/powerpoint/2010/main" val="870741121"/>
+        <p14:creationId xmlns:p14="http://schemas.microsoft.com/office/powerpoint/2010/main" val="3239193764"/>
       </p:ext>
     </p:extLst>
   </p:cSld>
@@ -6629,40 +7943,473 @@
           <a:chExt cx="0" cy="0"/>
         </a:xfrm>
       </p:grpSpPr>
-      <p:pic>
-        <p:nvPicPr>
-          <p:cNvPr id="3" name="Picture 2">
+      <p:sp>
+        <p:nvSpPr>
+          <p:cNvPr id="2" name="Title 1">
             <a:extLst>
               <a:ext uri="{FF2B5EF4-FFF2-40B4-BE49-F238E27FC236}">
-                <a16:creationId xmlns:a16="http://schemas.microsoft.com/office/drawing/2014/main" id="{5A2A6134-3F86-4594-2BBB-AE32AFC8B591}"/>
+                <a16:creationId xmlns:a16="http://schemas.microsoft.com/office/drawing/2014/main" id="{5868A918-B95E-E07E-0266-F68C60763844}"/>
               </a:ext>
             </a:extLst>
           </p:cNvPr>
-          <p:cNvPicPr>
-            <a:picLocks noChangeAspect="1"/>
-          </p:cNvPicPr>
-          <p:nvPr/>
-        </p:nvPicPr>
-        <p:blipFill>
-          <a:blip r:embed="rId2"/>
-          <a:stretch>
-            <a:fillRect/>
-          </a:stretch>
-        </p:blipFill>
+          <p:cNvSpPr>
+            <a:spLocks noGrp="1"/>
+          </p:cNvSpPr>
+          <p:nvPr>
+            <p:ph type="title"/>
+          </p:nvPr>
+        </p:nvSpPr>
         <p:spPr>
           <a:xfrm>
-            <a:off x="312516" y="428263"/>
-            <a:ext cx="11331616" cy="6076709"/>
+            <a:off x="838200" y="365125"/>
+            <a:ext cx="10515600" cy="655807"/>
           </a:xfrm>
-          <a:prstGeom prst="rect">
-            <a:avLst/>
-          </a:prstGeom>
         </p:spPr>
-      </p:pic>
+        <p:txBody>
+          <a:bodyPr>
+            <a:normAutofit fontScale="90000"/>
+          </a:bodyPr>
+          <a:lstStyle/>
+          <a:p>
+            <a:r>
+              <a:rPr lang="en-ZW" dirty="0">
+                <a:latin typeface="Goudy Old Style" panose="02020502050305020303" pitchFamily="18" charset="0"/>
+              </a:rPr>
+              <a:t>Key references</a:t>
+            </a:r>
+          </a:p>
+        </p:txBody>
+      </p:sp>
+      <p:sp>
+        <p:nvSpPr>
+          <p:cNvPr id="3" name="Content Placeholder 2">
+            <a:extLst>
+              <a:ext uri="{FF2B5EF4-FFF2-40B4-BE49-F238E27FC236}">
+                <a16:creationId xmlns:a16="http://schemas.microsoft.com/office/drawing/2014/main" id="{373D8668-A4D5-7A86-3A59-93FE4D3BDF1A}"/>
+              </a:ext>
+            </a:extLst>
+          </p:cNvPr>
+          <p:cNvSpPr>
+            <a:spLocks noGrp="1"/>
+          </p:cNvSpPr>
+          <p:nvPr>
+            <p:ph idx="1"/>
+          </p:nvPr>
+        </p:nvSpPr>
+        <p:spPr>
+          <a:xfrm>
+            <a:off x="838200" y="1118586"/>
+            <a:ext cx="10515600" cy="5374289"/>
+          </a:xfrm>
+        </p:spPr>
+        <p:txBody>
+          <a:bodyPr>
+            <a:normAutofit/>
+          </a:bodyPr>
+          <a:lstStyle/>
+          <a:p>
+            <a:pPr marL="0" indent="0">
+              <a:buNone/>
+            </a:pPr>
+            <a:r>
+              <a:rPr lang="en-ZW" sz="1800" b="1" dirty="0">
+                <a:solidFill>
+                  <a:srgbClr val="426198"/>
+                </a:solidFill>
+                <a:latin typeface="Gill Sans MT" panose="020B0502020104020203" pitchFamily="34" charset="0"/>
+                <a:ea typeface="Calibri" panose="020F0502020204030204" pitchFamily="34" charset="0"/>
+                <a:cs typeface="Times New Roman" panose="02020603050405020304" pitchFamily="18" charset="0"/>
+              </a:rPr>
+              <a:t>Mean-variance portfolio theory approach</a:t>
+            </a:r>
+          </a:p>
+          <a:p>
+            <a:r>
+              <a:rPr lang="en-ZW" sz="1800" dirty="0" err="1">
+                <a:effectLst/>
+                <a:latin typeface="Gill Sans MT" panose="020B0502020104020203" pitchFamily="34" charset="0"/>
+                <a:ea typeface="Calibri" panose="020F0502020204030204" pitchFamily="34" charset="0"/>
+                <a:cs typeface="Times New Roman" panose="02020603050405020304" pitchFamily="18" charset="0"/>
+              </a:rPr>
+              <a:t>Nalley</a:t>
+            </a:r>
+            <a:r>
+              <a:rPr lang="en-ZW" sz="1800" dirty="0">
+                <a:effectLst/>
+                <a:latin typeface="Gill Sans MT" panose="020B0502020104020203" pitchFamily="34" charset="0"/>
+                <a:ea typeface="Calibri" panose="020F0502020204030204" pitchFamily="34" charset="0"/>
+                <a:cs typeface="Times New Roman" panose="02020603050405020304" pitchFamily="18" charset="0"/>
+              </a:rPr>
+              <a:t>, L.L., and Barkley, A.P. 2010. “Using Portfolio Theory to Enhance Wheat Yield Stability in Low-Income Nations: An Application in the Yaqui Valley of </a:t>
+            </a:r>
+            <a:r>
+              <a:rPr lang="en-ZW" sz="1800" dirty="0" err="1">
+                <a:effectLst/>
+                <a:latin typeface="Gill Sans MT" panose="020B0502020104020203" pitchFamily="34" charset="0"/>
+                <a:ea typeface="Calibri" panose="020F0502020204030204" pitchFamily="34" charset="0"/>
+                <a:cs typeface="Times New Roman" panose="02020603050405020304" pitchFamily="18" charset="0"/>
+              </a:rPr>
+              <a:t>Northwestern</a:t>
+            </a:r>
+            <a:r>
+              <a:rPr lang="en-ZW" sz="1800" dirty="0">
+                <a:effectLst/>
+                <a:latin typeface="Gill Sans MT" panose="020B0502020104020203" pitchFamily="34" charset="0"/>
+                <a:ea typeface="Calibri" panose="020F0502020204030204" pitchFamily="34" charset="0"/>
+                <a:cs typeface="Times New Roman" panose="02020603050405020304" pitchFamily="18" charset="0"/>
+              </a:rPr>
+              <a:t> Mexico.” </a:t>
+            </a:r>
+            <a:r>
+              <a:rPr lang="en-ZW" sz="1800" i="1" dirty="0">
+                <a:effectLst/>
+                <a:latin typeface="Gill Sans MT" panose="020B0502020104020203" pitchFamily="34" charset="0"/>
+                <a:ea typeface="Calibri" panose="020F0502020204030204" pitchFamily="34" charset="0"/>
+                <a:cs typeface="Times New Roman" panose="02020603050405020304" pitchFamily="18" charset="0"/>
+              </a:rPr>
+              <a:t>Journal of Agricultural and Resource Economics</a:t>
+            </a:r>
+            <a:r>
+              <a:rPr lang="en-ZW" sz="1800" dirty="0">
+                <a:effectLst/>
+                <a:latin typeface="Gill Sans MT" panose="020B0502020104020203" pitchFamily="34" charset="0"/>
+                <a:ea typeface="Calibri" panose="020F0502020204030204" pitchFamily="34" charset="0"/>
+                <a:cs typeface="Times New Roman" panose="02020603050405020304" pitchFamily="18" charset="0"/>
+              </a:rPr>
+              <a:t> 35(2): 334-347. Url: </a:t>
+            </a:r>
+            <a:r>
+              <a:rPr lang="en-ZW" sz="1800" u="none" strike="noStrike" dirty="0">
+                <a:solidFill>
+                  <a:srgbClr val="0563C1"/>
+                </a:solidFill>
+                <a:effectLst/>
+                <a:latin typeface="Gill Sans MT" panose="020B0502020104020203" pitchFamily="34" charset="0"/>
+                <a:ea typeface="Calibri" panose="020F0502020204030204" pitchFamily="34" charset="0"/>
+                <a:cs typeface="Times New Roman" panose="02020603050405020304" pitchFamily="18" charset="0"/>
+                <a:hlinkClick r:id="rId2"/>
+              </a:rPr>
+              <a:t>https://www.jstor.org/stable/41960521</a:t>
+            </a:r>
+            <a:r>
+              <a:rPr lang="en-ZW" sz="1800" dirty="0">
+                <a:effectLst/>
+                <a:latin typeface="Gill Sans MT" panose="020B0502020104020203" pitchFamily="34" charset="0"/>
+                <a:ea typeface="Calibri" panose="020F0502020204030204" pitchFamily="34" charset="0"/>
+                <a:cs typeface="Times New Roman" panose="02020603050405020304" pitchFamily="18" charset="0"/>
+              </a:rPr>
+              <a:t>.</a:t>
+            </a:r>
+            <a:r>
+              <a:rPr lang="en-ZW" sz="1800" spc="-25" dirty="0">
+                <a:solidFill>
+                  <a:srgbClr val="343332"/>
+                </a:solidFill>
+                <a:effectLst/>
+                <a:latin typeface="Helvetica" panose="020B0604020202020204" pitchFamily="34" charset="0"/>
+                <a:ea typeface="Calibri" panose="020F0502020204030204" pitchFamily="34" charset="0"/>
+                <a:cs typeface="Times New Roman" panose="02020603050405020304" pitchFamily="18" charset="0"/>
+              </a:rPr>
+              <a:t> </a:t>
+            </a:r>
+          </a:p>
+          <a:p>
+            <a:pPr marL="0" indent="0">
+              <a:buNone/>
+            </a:pPr>
+            <a:endParaRPr lang="en-ZW" sz="1800" dirty="0">
+              <a:latin typeface="Gill Sans MT" panose="020B0502020104020203" pitchFamily="34" charset="0"/>
+              <a:ea typeface="Calibri" panose="020F0502020204030204" pitchFamily="34" charset="0"/>
+              <a:cs typeface="Times New Roman" panose="02020603050405020304" pitchFamily="18" charset="0"/>
+            </a:endParaRPr>
+          </a:p>
+          <a:p>
+            <a:pPr marL="0" indent="0">
+              <a:buNone/>
+            </a:pPr>
+            <a:r>
+              <a:rPr lang="en-ZW" sz="1800" b="1" dirty="0">
+                <a:solidFill>
+                  <a:srgbClr val="426198"/>
+                </a:solidFill>
+                <a:latin typeface="Gill Sans MT" panose="020B0502020104020203" pitchFamily="34" charset="0"/>
+                <a:ea typeface="Calibri" panose="020F0502020204030204" pitchFamily="34" charset="0"/>
+                <a:cs typeface="Times New Roman" panose="02020603050405020304" pitchFamily="18" charset="0"/>
+              </a:rPr>
+              <a:t>Second order stochastic dominance approach</a:t>
+            </a:r>
+          </a:p>
+          <a:p>
+            <a:r>
+              <a:rPr lang="en-ZW" sz="1800" dirty="0">
+                <a:effectLst/>
+                <a:latin typeface="Gill Sans MT" panose="020B0502020104020203" pitchFamily="34" charset="0"/>
+                <a:ea typeface="Calibri" panose="020F0502020204030204" pitchFamily="34" charset="0"/>
+                <a:cs typeface="Times New Roman" panose="02020603050405020304" pitchFamily="18" charset="0"/>
+              </a:rPr>
+              <a:t>Hurley, T., Koo, J., and Tesfaye, K. 2018. “Weather risk: how does it change the yield benefits of nitrogen fertilizer and improved maize varieties in sub-Saharan Africa?” </a:t>
+            </a:r>
+            <a:r>
+              <a:rPr lang="en-ZW" sz="1800" i="1" dirty="0">
+                <a:effectLst/>
+                <a:latin typeface="Gill Sans MT" panose="020B0502020104020203" pitchFamily="34" charset="0"/>
+                <a:ea typeface="Calibri" panose="020F0502020204030204" pitchFamily="34" charset="0"/>
+                <a:cs typeface="Times New Roman" panose="02020603050405020304" pitchFamily="18" charset="0"/>
+              </a:rPr>
+              <a:t>Agricultural Economics</a:t>
+            </a:r>
+            <a:r>
+              <a:rPr lang="en-ZW" sz="1800" dirty="0">
+                <a:effectLst/>
+                <a:latin typeface="Gill Sans MT" panose="020B0502020104020203" pitchFamily="34" charset="0"/>
+                <a:ea typeface="Calibri" panose="020F0502020204030204" pitchFamily="34" charset="0"/>
+                <a:cs typeface="Times New Roman" panose="02020603050405020304" pitchFamily="18" charset="0"/>
+              </a:rPr>
+              <a:t> 49: 711-723. Doi: 10.1111/agec.12454. </a:t>
+            </a:r>
+          </a:p>
+          <a:p>
+            <a:pPr marL="0" indent="0">
+              <a:buNone/>
+            </a:pPr>
+            <a:r>
+              <a:rPr lang="en-ZW" sz="1800" b="1" dirty="0">
+                <a:solidFill>
+                  <a:srgbClr val="426198"/>
+                </a:solidFill>
+                <a:effectLst/>
+                <a:latin typeface="Gill Sans MT" panose="020B0502020104020203" pitchFamily="34" charset="0"/>
+                <a:ea typeface="Calibri" panose="020F0502020204030204" pitchFamily="34" charset="0"/>
+                <a:cs typeface="Times New Roman" panose="02020603050405020304" pitchFamily="18" charset="0"/>
+              </a:rPr>
+              <a:t>Crop simulation results and stability analyses</a:t>
+            </a:r>
+          </a:p>
+          <a:p>
+            <a:r>
+              <a:rPr lang="en-ZW" sz="1800" dirty="0">
+                <a:effectLst/>
+                <a:latin typeface="Gill Sans MT" panose="020B0502020104020203" pitchFamily="34" charset="0"/>
+                <a:ea typeface="Calibri" panose="020F0502020204030204" pitchFamily="34" charset="0"/>
+                <a:cs typeface="Times New Roman" panose="02020603050405020304" pitchFamily="18" charset="0"/>
+              </a:rPr>
+              <a:t>Montes, C., </a:t>
+            </a:r>
+            <a:r>
+              <a:rPr lang="en-ZW" sz="1800" dirty="0" err="1">
+                <a:effectLst/>
+                <a:latin typeface="Gill Sans MT" panose="020B0502020104020203" pitchFamily="34" charset="0"/>
+                <a:ea typeface="Calibri" panose="020F0502020204030204" pitchFamily="34" charset="0"/>
+                <a:cs typeface="Times New Roman" panose="02020603050405020304" pitchFamily="18" charset="0"/>
+              </a:rPr>
+              <a:t>Urfels</a:t>
+            </a:r>
+            <a:r>
+              <a:rPr lang="en-ZW" sz="1800" dirty="0">
+                <a:effectLst/>
+                <a:latin typeface="Gill Sans MT" panose="020B0502020104020203" pitchFamily="34" charset="0"/>
+                <a:ea typeface="Calibri" panose="020F0502020204030204" pitchFamily="34" charset="0"/>
+                <a:cs typeface="Times New Roman" panose="02020603050405020304" pitchFamily="18" charset="0"/>
+              </a:rPr>
+              <a:t>, A., Han, E., and </a:t>
+            </a:r>
+            <a:r>
+              <a:rPr lang="en-ZW" sz="1800" dirty="0" err="1">
+                <a:effectLst/>
+                <a:latin typeface="Gill Sans MT" panose="020B0502020104020203" pitchFamily="34" charset="0"/>
+                <a:ea typeface="Calibri" panose="020F0502020204030204" pitchFamily="34" charset="0"/>
+                <a:cs typeface="Times New Roman" panose="02020603050405020304" pitchFamily="18" charset="0"/>
+              </a:rPr>
+              <a:t>Balwinder</a:t>
+            </a:r>
+            <a:r>
+              <a:rPr lang="en-ZW" sz="1800" dirty="0">
+                <a:effectLst/>
+                <a:latin typeface="Gill Sans MT" panose="020B0502020104020203" pitchFamily="34" charset="0"/>
+                <a:ea typeface="Calibri" panose="020F0502020204030204" pitchFamily="34" charset="0"/>
+                <a:cs typeface="Times New Roman" panose="02020603050405020304" pitchFamily="18" charset="0"/>
+              </a:rPr>
+              <a:t>-Singh. 2022. “Planting rice at monsoon onset could mitigate the impact of temperature stress on rice-wheat systems of Bihar, India.” </a:t>
+            </a:r>
+            <a:r>
+              <a:rPr lang="en-ZW" sz="1800" i="1" dirty="0">
+                <a:effectLst/>
+                <a:latin typeface="Gill Sans MT" panose="020B0502020104020203" pitchFamily="34" charset="0"/>
+                <a:ea typeface="Calibri" panose="020F0502020204030204" pitchFamily="34" charset="0"/>
+                <a:cs typeface="Times New Roman" panose="02020603050405020304" pitchFamily="18" charset="0"/>
+              </a:rPr>
+              <a:t>Atmosphere </a:t>
+            </a:r>
+            <a:r>
+              <a:rPr lang="en-ZW" sz="1800" dirty="0">
+                <a:effectLst/>
+                <a:latin typeface="Gill Sans MT" panose="020B0502020104020203" pitchFamily="34" charset="0"/>
+                <a:ea typeface="Calibri" panose="020F0502020204030204" pitchFamily="34" charset="0"/>
+                <a:cs typeface="Times New Roman" panose="02020603050405020304" pitchFamily="18" charset="0"/>
+              </a:rPr>
+              <a:t>14(1), 40. Doi:  </a:t>
+            </a:r>
+            <a:r>
+              <a:rPr lang="en-ZW" sz="1800" u="none" strike="noStrike" dirty="0">
+                <a:solidFill>
+                  <a:srgbClr val="0563C1"/>
+                </a:solidFill>
+                <a:effectLst/>
+                <a:latin typeface="Times New Roman" panose="02020603050405020304" pitchFamily="18" charset="0"/>
+                <a:ea typeface="Calibri" panose="020F0502020204030204" pitchFamily="34" charset="0"/>
+                <a:cs typeface="Times New Roman" panose="02020603050405020304" pitchFamily="18" charset="0"/>
+                <a:hlinkClick r:id="rId3"/>
+              </a:rPr>
+              <a:t>https://doi.org/10.3390/atmos14010040</a:t>
+            </a:r>
+            <a:r>
+              <a:rPr lang="en-ZW" sz="1800" dirty="0">
+                <a:effectLst/>
+                <a:latin typeface="Times New Roman" panose="02020603050405020304" pitchFamily="18" charset="0"/>
+                <a:ea typeface="Calibri" panose="020F0502020204030204" pitchFamily="34" charset="0"/>
+                <a:cs typeface="Times New Roman" panose="02020603050405020304" pitchFamily="18" charset="0"/>
+              </a:rPr>
+              <a:t>. </a:t>
+            </a:r>
+            <a:endParaRPr lang="en-ZW" dirty="0"/>
+          </a:p>
+          <a:p>
+            <a:r>
+              <a:rPr lang="en-ZW" sz="1800" dirty="0" err="1">
+                <a:effectLst/>
+                <a:latin typeface="Gill Sans MT" panose="020B0502020104020203" pitchFamily="34" charset="0"/>
+                <a:ea typeface="Calibri" panose="020F0502020204030204" pitchFamily="34" charset="0"/>
+                <a:cs typeface="Times New Roman" panose="02020603050405020304" pitchFamily="18" charset="0"/>
+              </a:rPr>
+              <a:t>Urfels</a:t>
+            </a:r>
+            <a:r>
+              <a:rPr lang="en-ZW" sz="1800" dirty="0">
+                <a:effectLst/>
+                <a:latin typeface="Gill Sans MT" panose="020B0502020104020203" pitchFamily="34" charset="0"/>
+                <a:ea typeface="Calibri" panose="020F0502020204030204" pitchFamily="34" charset="0"/>
+                <a:cs typeface="Times New Roman" panose="02020603050405020304" pitchFamily="18" charset="0"/>
+              </a:rPr>
+              <a:t>, A., Montes, C., </a:t>
+            </a:r>
+            <a:r>
+              <a:rPr lang="en-ZW" sz="1800" dirty="0" err="1">
+                <a:effectLst/>
+                <a:latin typeface="Gill Sans MT" panose="020B0502020104020203" pitchFamily="34" charset="0"/>
+                <a:ea typeface="Calibri" panose="020F0502020204030204" pitchFamily="34" charset="0"/>
+                <a:cs typeface="Times New Roman" panose="02020603050405020304" pitchFamily="18" charset="0"/>
+              </a:rPr>
+              <a:t>Balwinder</a:t>
+            </a:r>
+            <a:r>
+              <a:rPr lang="en-ZW" sz="1800" dirty="0">
+                <a:effectLst/>
+                <a:latin typeface="Gill Sans MT" panose="020B0502020104020203" pitchFamily="34" charset="0"/>
+                <a:ea typeface="Calibri" panose="020F0502020204030204" pitchFamily="34" charset="0"/>
+                <a:cs typeface="Times New Roman" panose="02020603050405020304" pitchFamily="18" charset="0"/>
+              </a:rPr>
+              <a:t>-Singh, </a:t>
+            </a:r>
+            <a:r>
+              <a:rPr lang="en-ZW" sz="1800" dirty="0" err="1">
+                <a:effectLst/>
+                <a:latin typeface="Gill Sans MT" panose="020B0502020104020203" pitchFamily="34" charset="0"/>
+                <a:ea typeface="Calibri" panose="020F0502020204030204" pitchFamily="34" charset="0"/>
+                <a:cs typeface="Times New Roman" panose="02020603050405020304" pitchFamily="18" charset="0"/>
+              </a:rPr>
+              <a:t>Halsema</a:t>
+            </a:r>
+            <a:r>
+              <a:rPr lang="en-ZW" sz="1800" dirty="0">
+                <a:effectLst/>
+                <a:latin typeface="Gill Sans MT" panose="020B0502020104020203" pitchFamily="34" charset="0"/>
+                <a:ea typeface="Calibri" panose="020F0502020204030204" pitchFamily="34" charset="0"/>
+                <a:cs typeface="Times New Roman" panose="02020603050405020304" pitchFamily="18" charset="0"/>
+              </a:rPr>
+              <a:t>, G., </a:t>
+            </a:r>
+            <a:r>
+              <a:rPr lang="en-ZW" sz="1800" dirty="0" err="1">
+                <a:effectLst/>
+                <a:latin typeface="Gill Sans MT" panose="020B0502020104020203" pitchFamily="34" charset="0"/>
+                <a:ea typeface="Calibri" panose="020F0502020204030204" pitchFamily="34" charset="0"/>
+                <a:cs typeface="Times New Roman" panose="02020603050405020304" pitchFamily="18" charset="0"/>
+              </a:rPr>
+              <a:t>Struik</a:t>
+            </a:r>
+            <a:r>
+              <a:rPr lang="en-ZW" sz="1800" dirty="0">
+                <a:effectLst/>
+                <a:latin typeface="Gill Sans MT" panose="020B0502020104020203" pitchFamily="34" charset="0"/>
+                <a:ea typeface="Calibri" panose="020F0502020204030204" pitchFamily="34" charset="0"/>
+                <a:cs typeface="Times New Roman" panose="02020603050405020304" pitchFamily="18" charset="0"/>
+              </a:rPr>
+              <a:t>, P., </a:t>
+            </a:r>
+            <a:r>
+              <a:rPr lang="en-ZW" sz="1800" dirty="0" err="1">
+                <a:effectLst/>
+                <a:latin typeface="Gill Sans MT" panose="020B0502020104020203" pitchFamily="34" charset="0"/>
+                <a:ea typeface="Calibri" panose="020F0502020204030204" pitchFamily="34" charset="0"/>
+                <a:cs typeface="Times New Roman" panose="02020603050405020304" pitchFamily="18" charset="0"/>
+              </a:rPr>
+              <a:t>Krupnik</a:t>
+            </a:r>
+            <a:r>
+              <a:rPr lang="en-ZW" sz="1800" dirty="0">
+                <a:effectLst/>
+                <a:latin typeface="Gill Sans MT" panose="020B0502020104020203" pitchFamily="34" charset="0"/>
+                <a:ea typeface="Calibri" panose="020F0502020204030204" pitchFamily="34" charset="0"/>
+                <a:cs typeface="Times New Roman" panose="02020603050405020304" pitchFamily="18" charset="0"/>
+              </a:rPr>
+              <a:t>, T., and McDonald, J. 2022. “Climate adaptative rice planting strategies diverge across environmental gradients in the Indo-Gangetic Plains.” </a:t>
+            </a:r>
+            <a:r>
+              <a:rPr lang="en-ZW" sz="1800" i="1" dirty="0">
+                <a:effectLst/>
+                <a:latin typeface="Gill Sans MT" panose="020B0502020104020203" pitchFamily="34" charset="0"/>
+                <a:ea typeface="Calibri" panose="020F0502020204030204" pitchFamily="34" charset="0"/>
+                <a:cs typeface="Times New Roman" panose="02020603050405020304" pitchFamily="18" charset="0"/>
+              </a:rPr>
+              <a:t>Environmental Research Letters</a:t>
+            </a:r>
+            <a:r>
+              <a:rPr lang="en-ZW" sz="1800" dirty="0">
+                <a:effectLst/>
+                <a:latin typeface="Gill Sans MT" panose="020B0502020104020203" pitchFamily="34" charset="0"/>
+                <a:ea typeface="Calibri" panose="020F0502020204030204" pitchFamily="34" charset="0"/>
+                <a:cs typeface="Times New Roman" panose="02020603050405020304" pitchFamily="18" charset="0"/>
+              </a:rPr>
+              <a:t> 17: 124030. Doi: 10.1088/1748-9326/aca5a2.</a:t>
+            </a:r>
+            <a:r>
+              <a:rPr lang="en-ZW" sz="1800" dirty="0">
+                <a:solidFill>
+                  <a:srgbClr val="333333"/>
+                </a:solidFill>
+                <a:effectLst/>
+                <a:latin typeface="Gill Sans MT" panose="020B0502020104020203" pitchFamily="34" charset="0"/>
+                <a:ea typeface="Calibri" panose="020F0502020204030204" pitchFamily="34" charset="0"/>
+                <a:cs typeface="Segoe UI" panose="020B0502040204020203" pitchFamily="34" charset="0"/>
+              </a:rPr>
+              <a:t> </a:t>
+            </a:r>
+            <a:endParaRPr lang="en-ZW" sz="1800" dirty="0">
+              <a:effectLst/>
+              <a:latin typeface="Times New Roman" panose="02020603050405020304" pitchFamily="18" charset="0"/>
+              <a:ea typeface="Calibri" panose="020F0502020204030204" pitchFamily="34" charset="0"/>
+              <a:cs typeface="Times New Roman" panose="02020603050405020304" pitchFamily="18" charset="0"/>
+            </a:endParaRPr>
+          </a:p>
+          <a:p>
+            <a:endParaRPr lang="en-ZW" dirty="0"/>
+          </a:p>
+        </p:txBody>
+      </p:sp>
     </p:spTree>
     <p:extLst>
       <p:ext uri="{BB962C8B-B14F-4D97-AF65-F5344CB8AC3E}">
-        <p14:creationId xmlns:p14="http://schemas.microsoft.com/office/powerpoint/2010/main" val="578307128"/>
+        <p14:creationId xmlns:p14="http://schemas.microsoft.com/office/powerpoint/2010/main" val="3031076343"/>
       </p:ext>
     </p:extLst>
   </p:cSld>
@@ -6856,1038 +8603,6 @@
 </file>
 
 <file path=ppt/slides/slide20.xml><?xml version="1.0" encoding="utf-8"?>
-<p:sld xmlns:a="http://schemas.openxmlformats.org/drawingml/2006/main" xmlns:r="http://schemas.openxmlformats.org/officeDocument/2006/relationships" xmlns:p="http://schemas.openxmlformats.org/presentationml/2006/main">
-  <p:cSld>
-    <p:spTree>
-      <p:nvGrpSpPr>
-        <p:cNvPr id="1" name=""/>
-        <p:cNvGrpSpPr/>
-        <p:nvPr/>
-      </p:nvGrpSpPr>
-      <p:grpSpPr>
-        <a:xfrm>
-          <a:off x="0" y="0"/>
-          <a:ext cx="0" cy="0"/>
-          <a:chOff x="0" y="0"/>
-          <a:chExt cx="0" cy="0"/>
-        </a:xfrm>
-      </p:grpSpPr>
-      <p:grpSp>
-        <p:nvGrpSpPr>
-          <p:cNvPr id="9" name="Group 8">
-            <a:extLst>
-              <a:ext uri="{FF2B5EF4-FFF2-40B4-BE49-F238E27FC236}">
-                <a16:creationId xmlns:a16="http://schemas.microsoft.com/office/drawing/2014/main" id="{E85601EE-98D5-D9C2-F5A9-6BA5F5FA0E85}"/>
-              </a:ext>
-            </a:extLst>
-          </p:cNvPr>
-          <p:cNvGrpSpPr/>
-          <p:nvPr/>
-        </p:nvGrpSpPr>
-        <p:grpSpPr>
-          <a:xfrm>
-            <a:off x="100600" y="295532"/>
-            <a:ext cx="11990799" cy="6111961"/>
-            <a:chOff x="100600" y="295532"/>
-            <a:chExt cx="11990799" cy="6111961"/>
-          </a:xfrm>
-        </p:grpSpPr>
-        <p:pic>
-          <p:nvPicPr>
-            <p:cNvPr id="3" name="Picture 2" descr="Chart&#10;&#10;Description automatically generated">
-              <a:extLst>
-                <a:ext uri="{FF2B5EF4-FFF2-40B4-BE49-F238E27FC236}">
-                  <a16:creationId xmlns:a16="http://schemas.microsoft.com/office/drawing/2014/main" id="{BD56440B-F37D-23E1-483E-9725984D6BD4}"/>
-                </a:ext>
-              </a:extLst>
-            </p:cNvPr>
-            <p:cNvPicPr>
-              <a:picLocks noChangeAspect="1"/>
-            </p:cNvPicPr>
-            <p:nvPr/>
-          </p:nvPicPr>
-          <p:blipFill>
-            <a:blip r:embed="rId2">
-              <a:extLst>
-                <a:ext uri="{28A0092B-C50C-407E-A947-70E740481C1C}">
-                  <a14:useLocalDpi xmlns:a14="http://schemas.microsoft.com/office/drawing/2010/main" val="0"/>
-                </a:ext>
-              </a:extLst>
-            </a:blip>
-            <a:stretch>
-              <a:fillRect/>
-            </a:stretch>
-          </p:blipFill>
-          <p:spPr>
-            <a:xfrm>
-              <a:off x="100600" y="295532"/>
-              <a:ext cx="4041133" cy="2802924"/>
-            </a:xfrm>
-            <a:prstGeom prst="rect">
-              <a:avLst/>
-            </a:prstGeom>
-          </p:spPr>
-        </p:pic>
-        <p:pic>
-          <p:nvPicPr>
-            <p:cNvPr id="4" name="Picture 3">
-              <a:extLst>
-                <a:ext uri="{FF2B5EF4-FFF2-40B4-BE49-F238E27FC236}">
-                  <a16:creationId xmlns:a16="http://schemas.microsoft.com/office/drawing/2014/main" id="{E94694C1-87E5-5A0B-C801-6E87F18F4F21}"/>
-                </a:ext>
-              </a:extLst>
-            </p:cNvPr>
-            <p:cNvPicPr>
-              <a:picLocks noChangeAspect="1"/>
-            </p:cNvPicPr>
-            <p:nvPr/>
-          </p:nvPicPr>
-          <p:blipFill>
-            <a:blip r:embed="rId3"/>
-            <a:stretch>
-              <a:fillRect/>
-            </a:stretch>
-          </p:blipFill>
-          <p:spPr>
-            <a:xfrm>
-              <a:off x="4141733" y="370702"/>
-              <a:ext cx="4186010" cy="2990335"/>
-            </a:xfrm>
-            <a:prstGeom prst="rect">
-              <a:avLst/>
-            </a:prstGeom>
-          </p:spPr>
-        </p:pic>
-        <p:pic>
-          <p:nvPicPr>
-            <p:cNvPr id="5" name="Picture 4">
-              <a:extLst>
-                <a:ext uri="{FF2B5EF4-FFF2-40B4-BE49-F238E27FC236}">
-                  <a16:creationId xmlns:a16="http://schemas.microsoft.com/office/drawing/2014/main" id="{B057D9F4-CB75-AC5F-93E4-F3AAE5CA66A9}"/>
-                </a:ext>
-              </a:extLst>
-            </p:cNvPr>
-            <p:cNvPicPr>
-              <a:picLocks noChangeAspect="1"/>
-            </p:cNvPicPr>
-            <p:nvPr/>
-          </p:nvPicPr>
-          <p:blipFill>
-            <a:blip r:embed="rId4"/>
-            <a:stretch>
-              <a:fillRect/>
-            </a:stretch>
-          </p:blipFill>
-          <p:spPr>
-            <a:xfrm>
-              <a:off x="8259144" y="450507"/>
-              <a:ext cx="3658067" cy="2830724"/>
-            </a:xfrm>
-            <a:prstGeom prst="rect">
-              <a:avLst/>
-            </a:prstGeom>
-          </p:spPr>
-        </p:pic>
-        <p:pic>
-          <p:nvPicPr>
-            <p:cNvPr id="6" name="Picture 5">
-              <a:extLst>
-                <a:ext uri="{FF2B5EF4-FFF2-40B4-BE49-F238E27FC236}">
-                  <a16:creationId xmlns:a16="http://schemas.microsoft.com/office/drawing/2014/main" id="{96C4AB59-E9AB-0610-EFF1-6F7753CF9A39}"/>
-                </a:ext>
-              </a:extLst>
-            </p:cNvPr>
-            <p:cNvPicPr>
-              <a:picLocks noChangeAspect="1"/>
-            </p:cNvPicPr>
-            <p:nvPr/>
-          </p:nvPicPr>
-          <p:blipFill>
-            <a:blip r:embed="rId5"/>
-            <a:stretch>
-              <a:fillRect/>
-            </a:stretch>
-          </p:blipFill>
-          <p:spPr>
-            <a:xfrm>
-              <a:off x="100601" y="3759546"/>
-              <a:ext cx="4041132" cy="2631988"/>
-            </a:xfrm>
-            <a:prstGeom prst="rect">
-              <a:avLst/>
-            </a:prstGeom>
-          </p:spPr>
-        </p:pic>
-        <p:pic>
-          <p:nvPicPr>
-            <p:cNvPr id="7" name="Picture 6">
-              <a:extLst>
-                <a:ext uri="{FF2B5EF4-FFF2-40B4-BE49-F238E27FC236}">
-                  <a16:creationId xmlns:a16="http://schemas.microsoft.com/office/drawing/2014/main" id="{CC2DFA56-31EB-BC69-7A07-D83D8A08EFC1}"/>
-                </a:ext>
-              </a:extLst>
-            </p:cNvPr>
-            <p:cNvPicPr>
-              <a:picLocks noChangeAspect="1"/>
-            </p:cNvPicPr>
-            <p:nvPr/>
-          </p:nvPicPr>
-          <p:blipFill>
-            <a:blip r:embed="rId6"/>
-            <a:stretch>
-              <a:fillRect/>
-            </a:stretch>
-          </p:blipFill>
-          <p:spPr>
-            <a:xfrm>
-              <a:off x="4030018" y="3734453"/>
-              <a:ext cx="4131964" cy="2631987"/>
-            </a:xfrm>
-            <a:prstGeom prst="rect">
-              <a:avLst/>
-            </a:prstGeom>
-          </p:spPr>
-        </p:pic>
-        <p:pic>
-          <p:nvPicPr>
-            <p:cNvPr id="8" name="Picture 7">
-              <a:extLst>
-                <a:ext uri="{FF2B5EF4-FFF2-40B4-BE49-F238E27FC236}">
-                  <a16:creationId xmlns:a16="http://schemas.microsoft.com/office/drawing/2014/main" id="{CF0A6DEC-B63E-293C-6217-836AAF0ADF35}"/>
-                </a:ext>
-              </a:extLst>
-            </p:cNvPr>
-            <p:cNvPicPr>
-              <a:picLocks noChangeAspect="1"/>
-            </p:cNvPicPr>
-            <p:nvPr/>
-          </p:nvPicPr>
-          <p:blipFill>
-            <a:blip r:embed="rId7"/>
-            <a:stretch>
-              <a:fillRect/>
-            </a:stretch>
-          </p:blipFill>
-          <p:spPr>
-            <a:xfrm>
-              <a:off x="8327743" y="3665838"/>
-              <a:ext cx="3763656" cy="2741655"/>
-            </a:xfrm>
-            <a:prstGeom prst="rect">
-              <a:avLst/>
-            </a:prstGeom>
-          </p:spPr>
-        </p:pic>
-      </p:grpSp>
-    </p:spTree>
-    <p:extLst>
-      <p:ext uri="{BB962C8B-B14F-4D97-AF65-F5344CB8AC3E}">
-        <p14:creationId xmlns:p14="http://schemas.microsoft.com/office/powerpoint/2010/main" val="1246444081"/>
-      </p:ext>
-    </p:extLst>
-  </p:cSld>
-  <p:clrMapOvr>
-    <a:masterClrMapping/>
-  </p:clrMapOvr>
-</p:sld>
-</file>
-
-<file path=ppt/slides/slide21.xml><?xml version="1.0" encoding="utf-8"?>
-<p:sld xmlns:a="http://schemas.openxmlformats.org/drawingml/2006/main" xmlns:r="http://schemas.openxmlformats.org/officeDocument/2006/relationships" xmlns:p="http://schemas.openxmlformats.org/presentationml/2006/main">
-  <p:cSld>
-    <p:spTree>
-      <p:nvGrpSpPr>
-        <p:cNvPr id="1" name=""/>
-        <p:cNvGrpSpPr/>
-        <p:nvPr/>
-      </p:nvGrpSpPr>
-      <p:grpSpPr>
-        <a:xfrm>
-          <a:off x="0" y="0"/>
-          <a:ext cx="0" cy="0"/>
-          <a:chOff x="0" y="0"/>
-          <a:chExt cx="0" cy="0"/>
-        </a:xfrm>
-      </p:grpSpPr>
-      <p:sp>
-        <p:nvSpPr>
-          <p:cNvPr id="2" name="Title 1">
-            <a:extLst>
-              <a:ext uri="{FF2B5EF4-FFF2-40B4-BE49-F238E27FC236}">
-                <a16:creationId xmlns:a16="http://schemas.microsoft.com/office/drawing/2014/main" id="{F45937E6-5FCE-9A5F-880D-4A5E840391AA}"/>
-              </a:ext>
-            </a:extLst>
-          </p:cNvPr>
-          <p:cNvSpPr>
-            <a:spLocks noGrp="1"/>
-          </p:cNvSpPr>
-          <p:nvPr>
-            <p:ph type="title"/>
-          </p:nvPr>
-        </p:nvSpPr>
-        <p:spPr>
-          <a:xfrm>
-            <a:off x="292963" y="365125"/>
-            <a:ext cx="11585359" cy="1325563"/>
-          </a:xfrm>
-        </p:spPr>
-        <p:txBody>
-          <a:bodyPr>
-            <a:normAutofit/>
-          </a:bodyPr>
-          <a:lstStyle/>
-          <a:p>
-            <a:r>
-              <a:rPr lang="en-ZW" dirty="0">
-                <a:latin typeface="Goudy Old Style" panose="02020502050305020303" pitchFamily="18" charset="0"/>
-              </a:rPr>
-              <a:t>Understanding heterogeneity of WTP Bounds: Using onset-long duration as a case </a:t>
-            </a:r>
-          </a:p>
-        </p:txBody>
-      </p:sp>
-      <p:pic>
-        <p:nvPicPr>
-          <p:cNvPr id="8" name="Picture 7">
-            <a:extLst>
-              <a:ext uri="{FF2B5EF4-FFF2-40B4-BE49-F238E27FC236}">
-                <a16:creationId xmlns:a16="http://schemas.microsoft.com/office/drawing/2014/main" id="{098500C4-A9DD-6F42-B7C6-7C94CD58C369}"/>
-              </a:ext>
-            </a:extLst>
-          </p:cNvPr>
-          <p:cNvPicPr>
-            <a:picLocks noChangeAspect="1"/>
-          </p:cNvPicPr>
-          <p:nvPr/>
-        </p:nvPicPr>
-        <p:blipFill rotWithShape="1">
-          <a:blip r:embed="rId2"/>
-          <a:srcRect t="9389" b="13544"/>
-          <a:stretch/>
-        </p:blipFill>
-        <p:spPr>
-          <a:xfrm>
-            <a:off x="4764859" y="2131268"/>
-            <a:ext cx="3497110" cy="3932730"/>
-          </a:xfrm>
-          <a:prstGeom prst="rect">
-            <a:avLst/>
-          </a:prstGeom>
-        </p:spPr>
-      </p:pic>
-      <p:pic>
-        <p:nvPicPr>
-          <p:cNvPr id="11" name="Content Placeholder 10">
-            <a:extLst>
-              <a:ext uri="{FF2B5EF4-FFF2-40B4-BE49-F238E27FC236}">
-                <a16:creationId xmlns:a16="http://schemas.microsoft.com/office/drawing/2014/main" id="{A9D96D1D-643C-729A-4182-3AB7405C44AD}"/>
-              </a:ext>
-            </a:extLst>
-          </p:cNvPr>
-          <p:cNvPicPr>
-            <a:picLocks noGrp="1" noChangeAspect="1"/>
-          </p:cNvPicPr>
-          <p:nvPr>
-            <p:ph idx="1"/>
-          </p:nvPr>
-        </p:nvPicPr>
-        <p:blipFill rotWithShape="1">
-          <a:blip r:embed="rId3"/>
-          <a:srcRect t="12472" b="14947"/>
-          <a:stretch/>
-        </p:blipFill>
-        <p:spPr>
-          <a:xfrm>
-            <a:off x="240118" y="2131267"/>
-            <a:ext cx="4252626" cy="3932729"/>
-          </a:xfrm>
-          <a:prstGeom prst="rect">
-            <a:avLst/>
-          </a:prstGeom>
-        </p:spPr>
-      </p:pic>
-      <p:pic>
-        <p:nvPicPr>
-          <p:cNvPr id="12" name="Picture 11">
-            <a:extLst>
-              <a:ext uri="{FF2B5EF4-FFF2-40B4-BE49-F238E27FC236}">
-                <a16:creationId xmlns:a16="http://schemas.microsoft.com/office/drawing/2014/main" id="{E8F07FCF-7AE9-9370-39A3-741B57E97CD4}"/>
-              </a:ext>
-            </a:extLst>
-          </p:cNvPr>
-          <p:cNvPicPr>
-            <a:picLocks noChangeAspect="1"/>
-          </p:cNvPicPr>
-          <p:nvPr/>
-        </p:nvPicPr>
-        <p:blipFill>
-          <a:blip r:embed="rId4"/>
-          <a:stretch>
-            <a:fillRect/>
-          </a:stretch>
-        </p:blipFill>
-        <p:spPr>
-          <a:xfrm>
-            <a:off x="8534084" y="2275392"/>
-            <a:ext cx="3579694" cy="3644477"/>
-          </a:xfrm>
-          <a:prstGeom prst="rect">
-            <a:avLst/>
-          </a:prstGeom>
-        </p:spPr>
-      </p:pic>
-    </p:spTree>
-    <p:extLst>
-      <p:ext uri="{BB962C8B-B14F-4D97-AF65-F5344CB8AC3E}">
-        <p14:creationId xmlns:p14="http://schemas.microsoft.com/office/powerpoint/2010/main" val="1260023922"/>
-      </p:ext>
-    </p:extLst>
-  </p:cSld>
-  <p:clrMapOvr>
-    <a:masterClrMapping/>
-  </p:clrMapOvr>
-</p:sld>
-</file>
-
-<file path=ppt/slides/slide22.xml><?xml version="1.0" encoding="utf-8"?>
-<p:sld xmlns:a="http://schemas.openxmlformats.org/drawingml/2006/main" xmlns:r="http://schemas.openxmlformats.org/officeDocument/2006/relationships" xmlns:p="http://schemas.openxmlformats.org/presentationml/2006/main">
-  <p:cSld>
-    <p:spTree>
-      <p:nvGrpSpPr>
-        <p:cNvPr id="1" name=""/>
-        <p:cNvGrpSpPr/>
-        <p:nvPr/>
-      </p:nvGrpSpPr>
-      <p:grpSpPr>
-        <a:xfrm>
-          <a:off x="0" y="0"/>
-          <a:ext cx="0" cy="0"/>
-          <a:chOff x="0" y="0"/>
-          <a:chExt cx="0" cy="0"/>
-        </a:xfrm>
-      </p:grpSpPr>
-      <p:sp>
-        <p:nvSpPr>
-          <p:cNvPr id="2" name="Title 1">
-            <a:extLst>
-              <a:ext uri="{FF2B5EF4-FFF2-40B4-BE49-F238E27FC236}">
-                <a16:creationId xmlns:a16="http://schemas.microsoft.com/office/drawing/2014/main" id="{33A58244-028E-FEBB-69B0-5D5D2D1A7C7A}"/>
-              </a:ext>
-            </a:extLst>
-          </p:cNvPr>
-          <p:cNvSpPr>
-            <a:spLocks noGrp="1"/>
-          </p:cNvSpPr>
-          <p:nvPr>
-            <p:ph type="title"/>
-          </p:nvPr>
-        </p:nvSpPr>
-        <p:spPr/>
-        <p:txBody>
-          <a:bodyPr/>
-          <a:lstStyle/>
-          <a:p>
-            <a:r>
-              <a:rPr lang="en-ZW" dirty="0">
-                <a:latin typeface="Goudy Old Style" panose="02020502050305020303" pitchFamily="18" charset="0"/>
-              </a:rPr>
-              <a:t>Conclusion</a:t>
-            </a:r>
-          </a:p>
-        </p:txBody>
-      </p:sp>
-      <p:sp>
-        <p:nvSpPr>
-          <p:cNvPr id="3" name="Content Placeholder 2">
-            <a:extLst>
-              <a:ext uri="{FF2B5EF4-FFF2-40B4-BE49-F238E27FC236}">
-                <a16:creationId xmlns:a16="http://schemas.microsoft.com/office/drawing/2014/main" id="{25F63106-D496-A614-59B9-8512CAC5E639}"/>
-              </a:ext>
-            </a:extLst>
-          </p:cNvPr>
-          <p:cNvSpPr>
-            <a:spLocks noGrp="1"/>
-          </p:cNvSpPr>
-          <p:nvPr>
-            <p:ph idx="1"/>
-          </p:nvPr>
-        </p:nvSpPr>
-        <p:spPr>
-          <a:xfrm>
-            <a:off x="838200" y="1825625"/>
-            <a:ext cx="10515600" cy="4834120"/>
-          </a:xfrm>
-        </p:spPr>
-        <p:txBody>
-          <a:bodyPr>
-            <a:normAutofit lnSpcReduction="10000"/>
-          </a:bodyPr>
-          <a:lstStyle/>
-          <a:p>
-            <a:r>
-              <a:rPr lang="en-ZW" dirty="0"/>
-              <a:t>Planting date adjustments are proposed based on average yield benefits and stability (through standard deviation or absolute deviation from the mean) of the yield benefits.</a:t>
-            </a:r>
-          </a:p>
-          <a:p>
-            <a:r>
-              <a:rPr lang="en-ZW" dirty="0"/>
-              <a:t>This may be a suboptimal decision framework</a:t>
-            </a:r>
-          </a:p>
-          <a:p>
-            <a:pPr lvl="1">
-              <a:buFont typeface="Courier New" panose="02070309020205020404" pitchFamily="49" charset="0"/>
-              <a:buChar char="o"/>
-            </a:pPr>
-            <a:r>
-              <a:rPr lang="en-ZW" dirty="0"/>
-              <a:t>It does not optimize on the mean-variability </a:t>
-            </a:r>
-            <a:r>
-              <a:rPr lang="en-ZW" dirty="0" err="1"/>
-              <a:t>tradeoff</a:t>
-            </a:r>
-            <a:endParaRPr lang="en-ZW" dirty="0"/>
-          </a:p>
-          <a:p>
-            <a:pPr lvl="1">
-              <a:buFont typeface="Courier New" panose="02070309020205020404" pitchFamily="49" charset="0"/>
-              <a:buChar char="o"/>
-            </a:pPr>
-            <a:r>
-              <a:rPr lang="en-ZW" dirty="0"/>
-              <a:t>It neglects input and output prices in multi-input, multi-output cropping systems</a:t>
-            </a:r>
-          </a:p>
-          <a:p>
-            <a:pPr lvl="1">
-              <a:buFont typeface="Courier New" panose="02070309020205020404" pitchFamily="49" charset="0"/>
-              <a:buChar char="o"/>
-            </a:pPr>
-            <a:r>
-              <a:rPr lang="en-ZW" dirty="0"/>
-              <a:t>It considers a limited number of moments (mean and variance) yet higher moments may be important</a:t>
-            </a:r>
-          </a:p>
-          <a:p>
-            <a:r>
-              <a:rPr lang="en-ZW" dirty="0"/>
-              <a:t>We have used second order stochastic dominance and using computational tools (in Octave) computed the willingness to pay bounds for a risk averse farmer to find the suggested rice planting strategy profitable.</a:t>
-            </a:r>
-          </a:p>
-          <a:p>
-            <a:endParaRPr lang="en-ZW" dirty="0"/>
-          </a:p>
-        </p:txBody>
-      </p:sp>
-    </p:spTree>
-    <p:extLst>
-      <p:ext uri="{BB962C8B-B14F-4D97-AF65-F5344CB8AC3E}">
-        <p14:creationId xmlns:p14="http://schemas.microsoft.com/office/powerpoint/2010/main" val="3239193764"/>
-      </p:ext>
-    </p:extLst>
-  </p:cSld>
-  <p:clrMapOvr>
-    <a:masterClrMapping/>
-  </p:clrMapOvr>
-</p:sld>
-</file>
-
-<file path=ppt/slides/slide23.xml><?xml version="1.0" encoding="utf-8"?>
-<p:sld xmlns:a="http://schemas.openxmlformats.org/drawingml/2006/main" xmlns:r="http://schemas.openxmlformats.org/officeDocument/2006/relationships" xmlns:p="http://schemas.openxmlformats.org/presentationml/2006/main">
-  <p:cSld>
-    <p:spTree>
-      <p:nvGrpSpPr>
-        <p:cNvPr id="1" name=""/>
-        <p:cNvGrpSpPr/>
-        <p:nvPr/>
-      </p:nvGrpSpPr>
-      <p:grpSpPr>
-        <a:xfrm>
-          <a:off x="0" y="0"/>
-          <a:ext cx="0" cy="0"/>
-          <a:chOff x="0" y="0"/>
-          <a:chExt cx="0" cy="0"/>
-        </a:xfrm>
-      </p:grpSpPr>
-      <p:sp>
-        <p:nvSpPr>
-          <p:cNvPr id="2" name="Title 1">
-            <a:extLst>
-              <a:ext uri="{FF2B5EF4-FFF2-40B4-BE49-F238E27FC236}">
-                <a16:creationId xmlns:a16="http://schemas.microsoft.com/office/drawing/2014/main" id="{5868A918-B95E-E07E-0266-F68C60763844}"/>
-              </a:ext>
-            </a:extLst>
-          </p:cNvPr>
-          <p:cNvSpPr>
-            <a:spLocks noGrp="1"/>
-          </p:cNvSpPr>
-          <p:nvPr>
-            <p:ph type="title"/>
-          </p:nvPr>
-        </p:nvSpPr>
-        <p:spPr>
-          <a:xfrm>
-            <a:off x="838200" y="365125"/>
-            <a:ext cx="10515600" cy="655807"/>
-          </a:xfrm>
-        </p:spPr>
-        <p:txBody>
-          <a:bodyPr>
-            <a:normAutofit fontScale="90000"/>
-          </a:bodyPr>
-          <a:lstStyle/>
-          <a:p>
-            <a:r>
-              <a:rPr lang="en-ZW" dirty="0">
-                <a:latin typeface="Goudy Old Style" panose="02020502050305020303" pitchFamily="18" charset="0"/>
-              </a:rPr>
-              <a:t>Key references</a:t>
-            </a:r>
-          </a:p>
-        </p:txBody>
-      </p:sp>
-      <p:sp>
-        <p:nvSpPr>
-          <p:cNvPr id="3" name="Content Placeholder 2">
-            <a:extLst>
-              <a:ext uri="{FF2B5EF4-FFF2-40B4-BE49-F238E27FC236}">
-                <a16:creationId xmlns:a16="http://schemas.microsoft.com/office/drawing/2014/main" id="{373D8668-A4D5-7A86-3A59-93FE4D3BDF1A}"/>
-              </a:ext>
-            </a:extLst>
-          </p:cNvPr>
-          <p:cNvSpPr>
-            <a:spLocks noGrp="1"/>
-          </p:cNvSpPr>
-          <p:nvPr>
-            <p:ph idx="1"/>
-          </p:nvPr>
-        </p:nvSpPr>
-        <p:spPr>
-          <a:xfrm>
-            <a:off x="838200" y="1118586"/>
-            <a:ext cx="10515600" cy="5374289"/>
-          </a:xfrm>
-        </p:spPr>
-        <p:txBody>
-          <a:bodyPr>
-            <a:normAutofit/>
-          </a:bodyPr>
-          <a:lstStyle/>
-          <a:p>
-            <a:pPr marL="0" indent="0">
-              <a:buNone/>
-            </a:pPr>
-            <a:r>
-              <a:rPr lang="en-ZW" sz="1800" b="1" dirty="0">
-                <a:solidFill>
-                  <a:srgbClr val="426198"/>
-                </a:solidFill>
-                <a:latin typeface="Gill Sans MT" panose="020B0502020104020203" pitchFamily="34" charset="0"/>
-                <a:ea typeface="Calibri" panose="020F0502020204030204" pitchFamily="34" charset="0"/>
-                <a:cs typeface="Times New Roman" panose="02020603050405020304" pitchFamily="18" charset="0"/>
-              </a:rPr>
-              <a:t>Mean-variance portfolio theory approach</a:t>
-            </a:r>
-          </a:p>
-          <a:p>
-            <a:r>
-              <a:rPr lang="en-ZW" sz="1800" dirty="0" err="1">
-                <a:effectLst/>
-                <a:latin typeface="Gill Sans MT" panose="020B0502020104020203" pitchFamily="34" charset="0"/>
-                <a:ea typeface="Calibri" panose="020F0502020204030204" pitchFamily="34" charset="0"/>
-                <a:cs typeface="Times New Roman" panose="02020603050405020304" pitchFamily="18" charset="0"/>
-              </a:rPr>
-              <a:t>Nalley</a:t>
-            </a:r>
-            <a:r>
-              <a:rPr lang="en-ZW" sz="1800" dirty="0">
-                <a:effectLst/>
-                <a:latin typeface="Gill Sans MT" panose="020B0502020104020203" pitchFamily="34" charset="0"/>
-                <a:ea typeface="Calibri" panose="020F0502020204030204" pitchFamily="34" charset="0"/>
-                <a:cs typeface="Times New Roman" panose="02020603050405020304" pitchFamily="18" charset="0"/>
-              </a:rPr>
-              <a:t>, L.L., and Barkley, A.P. 2010. “Using Portfolio Theory to Enhance Wheat Yield Stability in Low-Income Nations: An Application in the Yaqui Valley of </a:t>
-            </a:r>
-            <a:r>
-              <a:rPr lang="en-ZW" sz="1800" dirty="0" err="1">
-                <a:effectLst/>
-                <a:latin typeface="Gill Sans MT" panose="020B0502020104020203" pitchFamily="34" charset="0"/>
-                <a:ea typeface="Calibri" panose="020F0502020204030204" pitchFamily="34" charset="0"/>
-                <a:cs typeface="Times New Roman" panose="02020603050405020304" pitchFamily="18" charset="0"/>
-              </a:rPr>
-              <a:t>Northwestern</a:t>
-            </a:r>
-            <a:r>
-              <a:rPr lang="en-ZW" sz="1800" dirty="0">
-                <a:effectLst/>
-                <a:latin typeface="Gill Sans MT" panose="020B0502020104020203" pitchFamily="34" charset="0"/>
-                <a:ea typeface="Calibri" panose="020F0502020204030204" pitchFamily="34" charset="0"/>
-                <a:cs typeface="Times New Roman" panose="02020603050405020304" pitchFamily="18" charset="0"/>
-              </a:rPr>
-              <a:t> Mexico.” </a:t>
-            </a:r>
-            <a:r>
-              <a:rPr lang="en-ZW" sz="1800" i="1" dirty="0">
-                <a:effectLst/>
-                <a:latin typeface="Gill Sans MT" panose="020B0502020104020203" pitchFamily="34" charset="0"/>
-                <a:ea typeface="Calibri" panose="020F0502020204030204" pitchFamily="34" charset="0"/>
-                <a:cs typeface="Times New Roman" panose="02020603050405020304" pitchFamily="18" charset="0"/>
-              </a:rPr>
-              <a:t>Journal of Agricultural and Resource Economics</a:t>
-            </a:r>
-            <a:r>
-              <a:rPr lang="en-ZW" sz="1800" dirty="0">
-                <a:effectLst/>
-                <a:latin typeface="Gill Sans MT" panose="020B0502020104020203" pitchFamily="34" charset="0"/>
-                <a:ea typeface="Calibri" panose="020F0502020204030204" pitchFamily="34" charset="0"/>
-                <a:cs typeface="Times New Roman" panose="02020603050405020304" pitchFamily="18" charset="0"/>
-              </a:rPr>
-              <a:t> 35(2): 334-347. Url: </a:t>
-            </a:r>
-            <a:r>
-              <a:rPr lang="en-ZW" sz="1800" u="none" strike="noStrike" dirty="0">
-                <a:solidFill>
-                  <a:srgbClr val="0563C1"/>
-                </a:solidFill>
-                <a:effectLst/>
-                <a:latin typeface="Gill Sans MT" panose="020B0502020104020203" pitchFamily="34" charset="0"/>
-                <a:ea typeface="Calibri" panose="020F0502020204030204" pitchFamily="34" charset="0"/>
-                <a:cs typeface="Times New Roman" panose="02020603050405020304" pitchFamily="18" charset="0"/>
-                <a:hlinkClick r:id="rId2"/>
-              </a:rPr>
-              <a:t>https://www.jstor.org/stable/41960521</a:t>
-            </a:r>
-            <a:r>
-              <a:rPr lang="en-ZW" sz="1800" dirty="0">
-                <a:effectLst/>
-                <a:latin typeface="Gill Sans MT" panose="020B0502020104020203" pitchFamily="34" charset="0"/>
-                <a:ea typeface="Calibri" panose="020F0502020204030204" pitchFamily="34" charset="0"/>
-                <a:cs typeface="Times New Roman" panose="02020603050405020304" pitchFamily="18" charset="0"/>
-              </a:rPr>
-              <a:t>.</a:t>
-            </a:r>
-            <a:r>
-              <a:rPr lang="en-ZW" sz="1800" spc="-25" dirty="0">
-                <a:solidFill>
-                  <a:srgbClr val="343332"/>
-                </a:solidFill>
-                <a:effectLst/>
-                <a:latin typeface="Helvetica" panose="020B0604020202020204" pitchFamily="34" charset="0"/>
-                <a:ea typeface="Calibri" panose="020F0502020204030204" pitchFamily="34" charset="0"/>
-                <a:cs typeface="Times New Roman" panose="02020603050405020304" pitchFamily="18" charset="0"/>
-              </a:rPr>
-              <a:t> </a:t>
-            </a:r>
-          </a:p>
-          <a:p>
-            <a:pPr marL="0" indent="0">
-              <a:buNone/>
-            </a:pPr>
-            <a:endParaRPr lang="en-ZW" sz="1800" dirty="0">
-              <a:latin typeface="Gill Sans MT" panose="020B0502020104020203" pitchFamily="34" charset="0"/>
-              <a:ea typeface="Calibri" panose="020F0502020204030204" pitchFamily="34" charset="0"/>
-              <a:cs typeface="Times New Roman" panose="02020603050405020304" pitchFamily="18" charset="0"/>
-            </a:endParaRPr>
-          </a:p>
-          <a:p>
-            <a:pPr marL="0" indent="0">
-              <a:buNone/>
-            </a:pPr>
-            <a:r>
-              <a:rPr lang="en-ZW" sz="1800" b="1" dirty="0">
-                <a:solidFill>
-                  <a:srgbClr val="426198"/>
-                </a:solidFill>
-                <a:latin typeface="Gill Sans MT" panose="020B0502020104020203" pitchFamily="34" charset="0"/>
-                <a:ea typeface="Calibri" panose="020F0502020204030204" pitchFamily="34" charset="0"/>
-                <a:cs typeface="Times New Roman" panose="02020603050405020304" pitchFamily="18" charset="0"/>
-              </a:rPr>
-              <a:t>Second order stochastic dominance approach</a:t>
-            </a:r>
-          </a:p>
-          <a:p>
-            <a:r>
-              <a:rPr lang="en-ZW" sz="1800" dirty="0">
-                <a:effectLst/>
-                <a:latin typeface="Gill Sans MT" panose="020B0502020104020203" pitchFamily="34" charset="0"/>
-                <a:ea typeface="Calibri" panose="020F0502020204030204" pitchFamily="34" charset="0"/>
-                <a:cs typeface="Times New Roman" panose="02020603050405020304" pitchFamily="18" charset="0"/>
-              </a:rPr>
-              <a:t>Hurley, T., Koo, J., and Tesfaye, K. 2018. “Weather risk: how does it change the yield benefits of nitrogen fertilizer and improved maize varieties in sub-Saharan Africa?” </a:t>
-            </a:r>
-            <a:r>
-              <a:rPr lang="en-ZW" sz="1800" i="1" dirty="0">
-                <a:effectLst/>
-                <a:latin typeface="Gill Sans MT" panose="020B0502020104020203" pitchFamily="34" charset="0"/>
-                <a:ea typeface="Calibri" panose="020F0502020204030204" pitchFamily="34" charset="0"/>
-                <a:cs typeface="Times New Roman" panose="02020603050405020304" pitchFamily="18" charset="0"/>
-              </a:rPr>
-              <a:t>Agricultural Economics</a:t>
-            </a:r>
-            <a:r>
-              <a:rPr lang="en-ZW" sz="1800" dirty="0">
-                <a:effectLst/>
-                <a:latin typeface="Gill Sans MT" panose="020B0502020104020203" pitchFamily="34" charset="0"/>
-                <a:ea typeface="Calibri" panose="020F0502020204030204" pitchFamily="34" charset="0"/>
-                <a:cs typeface="Times New Roman" panose="02020603050405020304" pitchFamily="18" charset="0"/>
-              </a:rPr>
-              <a:t> 49: 711-723. Doi: 10.1111/agec.12454. </a:t>
-            </a:r>
-          </a:p>
-          <a:p>
-            <a:pPr marL="0" indent="0">
-              <a:buNone/>
-            </a:pPr>
-            <a:r>
-              <a:rPr lang="en-ZW" sz="1800" b="1" dirty="0">
-                <a:solidFill>
-                  <a:srgbClr val="426198"/>
-                </a:solidFill>
-                <a:effectLst/>
-                <a:latin typeface="Gill Sans MT" panose="020B0502020104020203" pitchFamily="34" charset="0"/>
-                <a:ea typeface="Calibri" panose="020F0502020204030204" pitchFamily="34" charset="0"/>
-                <a:cs typeface="Times New Roman" panose="02020603050405020304" pitchFamily="18" charset="0"/>
-              </a:rPr>
-              <a:t>Crop simulation results and stability analyses</a:t>
-            </a:r>
-          </a:p>
-          <a:p>
-            <a:r>
-              <a:rPr lang="en-ZW" sz="1800" dirty="0">
-                <a:effectLst/>
-                <a:latin typeface="Gill Sans MT" panose="020B0502020104020203" pitchFamily="34" charset="0"/>
-                <a:ea typeface="Calibri" panose="020F0502020204030204" pitchFamily="34" charset="0"/>
-                <a:cs typeface="Times New Roman" panose="02020603050405020304" pitchFamily="18" charset="0"/>
-              </a:rPr>
-              <a:t>Montes, C., </a:t>
-            </a:r>
-            <a:r>
-              <a:rPr lang="en-ZW" sz="1800" dirty="0" err="1">
-                <a:effectLst/>
-                <a:latin typeface="Gill Sans MT" panose="020B0502020104020203" pitchFamily="34" charset="0"/>
-                <a:ea typeface="Calibri" panose="020F0502020204030204" pitchFamily="34" charset="0"/>
-                <a:cs typeface="Times New Roman" panose="02020603050405020304" pitchFamily="18" charset="0"/>
-              </a:rPr>
-              <a:t>Urfels</a:t>
-            </a:r>
-            <a:r>
-              <a:rPr lang="en-ZW" sz="1800" dirty="0">
-                <a:effectLst/>
-                <a:latin typeface="Gill Sans MT" panose="020B0502020104020203" pitchFamily="34" charset="0"/>
-                <a:ea typeface="Calibri" panose="020F0502020204030204" pitchFamily="34" charset="0"/>
-                <a:cs typeface="Times New Roman" panose="02020603050405020304" pitchFamily="18" charset="0"/>
-              </a:rPr>
-              <a:t>, A., Han, E., and </a:t>
-            </a:r>
-            <a:r>
-              <a:rPr lang="en-ZW" sz="1800" dirty="0" err="1">
-                <a:effectLst/>
-                <a:latin typeface="Gill Sans MT" panose="020B0502020104020203" pitchFamily="34" charset="0"/>
-                <a:ea typeface="Calibri" panose="020F0502020204030204" pitchFamily="34" charset="0"/>
-                <a:cs typeface="Times New Roman" panose="02020603050405020304" pitchFamily="18" charset="0"/>
-              </a:rPr>
-              <a:t>Balwinder</a:t>
-            </a:r>
-            <a:r>
-              <a:rPr lang="en-ZW" sz="1800" dirty="0">
-                <a:effectLst/>
-                <a:latin typeface="Gill Sans MT" panose="020B0502020104020203" pitchFamily="34" charset="0"/>
-                <a:ea typeface="Calibri" panose="020F0502020204030204" pitchFamily="34" charset="0"/>
-                <a:cs typeface="Times New Roman" panose="02020603050405020304" pitchFamily="18" charset="0"/>
-              </a:rPr>
-              <a:t>-Singh. 2022. “Planting rice at monsoon onset could mitigate the impact of temperature stress on rice-wheat systems of Bihar, India.” </a:t>
-            </a:r>
-            <a:r>
-              <a:rPr lang="en-ZW" sz="1800" i="1" dirty="0">
-                <a:effectLst/>
-                <a:latin typeface="Gill Sans MT" panose="020B0502020104020203" pitchFamily="34" charset="0"/>
-                <a:ea typeface="Calibri" panose="020F0502020204030204" pitchFamily="34" charset="0"/>
-                <a:cs typeface="Times New Roman" panose="02020603050405020304" pitchFamily="18" charset="0"/>
-              </a:rPr>
-              <a:t>Atmosphere </a:t>
-            </a:r>
-            <a:r>
-              <a:rPr lang="en-ZW" sz="1800" dirty="0">
-                <a:effectLst/>
-                <a:latin typeface="Gill Sans MT" panose="020B0502020104020203" pitchFamily="34" charset="0"/>
-                <a:ea typeface="Calibri" panose="020F0502020204030204" pitchFamily="34" charset="0"/>
-                <a:cs typeface="Times New Roman" panose="02020603050405020304" pitchFamily="18" charset="0"/>
-              </a:rPr>
-              <a:t>14(1), 40. Doi:  </a:t>
-            </a:r>
-            <a:r>
-              <a:rPr lang="en-ZW" sz="1800" u="none" strike="noStrike" dirty="0">
-                <a:solidFill>
-                  <a:srgbClr val="0563C1"/>
-                </a:solidFill>
-                <a:effectLst/>
-                <a:latin typeface="Times New Roman" panose="02020603050405020304" pitchFamily="18" charset="0"/>
-                <a:ea typeface="Calibri" panose="020F0502020204030204" pitchFamily="34" charset="0"/>
-                <a:cs typeface="Times New Roman" panose="02020603050405020304" pitchFamily="18" charset="0"/>
-                <a:hlinkClick r:id="rId3"/>
-              </a:rPr>
-              <a:t>https://doi.org/10.3390/atmos14010040</a:t>
-            </a:r>
-            <a:r>
-              <a:rPr lang="en-ZW" sz="1800" dirty="0">
-                <a:effectLst/>
-                <a:latin typeface="Times New Roman" panose="02020603050405020304" pitchFamily="18" charset="0"/>
-                <a:ea typeface="Calibri" panose="020F0502020204030204" pitchFamily="34" charset="0"/>
-                <a:cs typeface="Times New Roman" panose="02020603050405020304" pitchFamily="18" charset="0"/>
-              </a:rPr>
-              <a:t>. </a:t>
-            </a:r>
-            <a:endParaRPr lang="en-ZW" dirty="0"/>
-          </a:p>
-          <a:p>
-            <a:r>
-              <a:rPr lang="en-ZW" sz="1800" dirty="0" err="1">
-                <a:effectLst/>
-                <a:latin typeface="Gill Sans MT" panose="020B0502020104020203" pitchFamily="34" charset="0"/>
-                <a:ea typeface="Calibri" panose="020F0502020204030204" pitchFamily="34" charset="0"/>
-                <a:cs typeface="Times New Roman" panose="02020603050405020304" pitchFamily="18" charset="0"/>
-              </a:rPr>
-              <a:t>Urfels</a:t>
-            </a:r>
-            <a:r>
-              <a:rPr lang="en-ZW" sz="1800" dirty="0">
-                <a:effectLst/>
-                <a:latin typeface="Gill Sans MT" panose="020B0502020104020203" pitchFamily="34" charset="0"/>
-                <a:ea typeface="Calibri" panose="020F0502020204030204" pitchFamily="34" charset="0"/>
-                <a:cs typeface="Times New Roman" panose="02020603050405020304" pitchFamily="18" charset="0"/>
-              </a:rPr>
-              <a:t>, A., Montes, C., </a:t>
-            </a:r>
-            <a:r>
-              <a:rPr lang="en-ZW" sz="1800" dirty="0" err="1">
-                <a:effectLst/>
-                <a:latin typeface="Gill Sans MT" panose="020B0502020104020203" pitchFamily="34" charset="0"/>
-                <a:ea typeface="Calibri" panose="020F0502020204030204" pitchFamily="34" charset="0"/>
-                <a:cs typeface="Times New Roman" panose="02020603050405020304" pitchFamily="18" charset="0"/>
-              </a:rPr>
-              <a:t>Balwinder</a:t>
-            </a:r>
-            <a:r>
-              <a:rPr lang="en-ZW" sz="1800" dirty="0">
-                <a:effectLst/>
-                <a:latin typeface="Gill Sans MT" panose="020B0502020104020203" pitchFamily="34" charset="0"/>
-                <a:ea typeface="Calibri" panose="020F0502020204030204" pitchFamily="34" charset="0"/>
-                <a:cs typeface="Times New Roman" panose="02020603050405020304" pitchFamily="18" charset="0"/>
-              </a:rPr>
-              <a:t>-Singh, </a:t>
-            </a:r>
-            <a:r>
-              <a:rPr lang="en-ZW" sz="1800" dirty="0" err="1">
-                <a:effectLst/>
-                <a:latin typeface="Gill Sans MT" panose="020B0502020104020203" pitchFamily="34" charset="0"/>
-                <a:ea typeface="Calibri" panose="020F0502020204030204" pitchFamily="34" charset="0"/>
-                <a:cs typeface="Times New Roman" panose="02020603050405020304" pitchFamily="18" charset="0"/>
-              </a:rPr>
-              <a:t>Halsema</a:t>
-            </a:r>
-            <a:r>
-              <a:rPr lang="en-ZW" sz="1800" dirty="0">
-                <a:effectLst/>
-                <a:latin typeface="Gill Sans MT" panose="020B0502020104020203" pitchFamily="34" charset="0"/>
-                <a:ea typeface="Calibri" panose="020F0502020204030204" pitchFamily="34" charset="0"/>
-                <a:cs typeface="Times New Roman" panose="02020603050405020304" pitchFamily="18" charset="0"/>
-              </a:rPr>
-              <a:t>, G., </a:t>
-            </a:r>
-            <a:r>
-              <a:rPr lang="en-ZW" sz="1800" dirty="0" err="1">
-                <a:effectLst/>
-                <a:latin typeface="Gill Sans MT" panose="020B0502020104020203" pitchFamily="34" charset="0"/>
-                <a:ea typeface="Calibri" panose="020F0502020204030204" pitchFamily="34" charset="0"/>
-                <a:cs typeface="Times New Roman" panose="02020603050405020304" pitchFamily="18" charset="0"/>
-              </a:rPr>
-              <a:t>Struik</a:t>
-            </a:r>
-            <a:r>
-              <a:rPr lang="en-ZW" sz="1800" dirty="0">
-                <a:effectLst/>
-                <a:latin typeface="Gill Sans MT" panose="020B0502020104020203" pitchFamily="34" charset="0"/>
-                <a:ea typeface="Calibri" panose="020F0502020204030204" pitchFamily="34" charset="0"/>
-                <a:cs typeface="Times New Roman" panose="02020603050405020304" pitchFamily="18" charset="0"/>
-              </a:rPr>
-              <a:t>, P., </a:t>
-            </a:r>
-            <a:r>
-              <a:rPr lang="en-ZW" sz="1800" dirty="0" err="1">
-                <a:effectLst/>
-                <a:latin typeface="Gill Sans MT" panose="020B0502020104020203" pitchFamily="34" charset="0"/>
-                <a:ea typeface="Calibri" panose="020F0502020204030204" pitchFamily="34" charset="0"/>
-                <a:cs typeface="Times New Roman" panose="02020603050405020304" pitchFamily="18" charset="0"/>
-              </a:rPr>
-              <a:t>Krupnik</a:t>
-            </a:r>
-            <a:r>
-              <a:rPr lang="en-ZW" sz="1800" dirty="0">
-                <a:effectLst/>
-                <a:latin typeface="Gill Sans MT" panose="020B0502020104020203" pitchFamily="34" charset="0"/>
-                <a:ea typeface="Calibri" panose="020F0502020204030204" pitchFamily="34" charset="0"/>
-                <a:cs typeface="Times New Roman" panose="02020603050405020304" pitchFamily="18" charset="0"/>
-              </a:rPr>
-              <a:t>, T., and McDonald, J. 2022. “Climate adaptative rice planting strategies diverge across environmental gradients in the Indo-Gangetic Plains.” </a:t>
-            </a:r>
-            <a:r>
-              <a:rPr lang="en-ZW" sz="1800" i="1" dirty="0">
-                <a:effectLst/>
-                <a:latin typeface="Gill Sans MT" panose="020B0502020104020203" pitchFamily="34" charset="0"/>
-                <a:ea typeface="Calibri" panose="020F0502020204030204" pitchFamily="34" charset="0"/>
-                <a:cs typeface="Times New Roman" panose="02020603050405020304" pitchFamily="18" charset="0"/>
-              </a:rPr>
-              <a:t>Environmental Research Letters</a:t>
-            </a:r>
-            <a:r>
-              <a:rPr lang="en-ZW" sz="1800" dirty="0">
-                <a:effectLst/>
-                <a:latin typeface="Gill Sans MT" panose="020B0502020104020203" pitchFamily="34" charset="0"/>
-                <a:ea typeface="Calibri" panose="020F0502020204030204" pitchFamily="34" charset="0"/>
-                <a:cs typeface="Times New Roman" panose="02020603050405020304" pitchFamily="18" charset="0"/>
-              </a:rPr>
-              <a:t> 17: 124030. Doi: 10.1088/1748-9326/aca5a2.</a:t>
-            </a:r>
-            <a:r>
-              <a:rPr lang="en-ZW" sz="1800" dirty="0">
-                <a:solidFill>
-                  <a:srgbClr val="333333"/>
-                </a:solidFill>
-                <a:effectLst/>
-                <a:latin typeface="Gill Sans MT" panose="020B0502020104020203" pitchFamily="34" charset="0"/>
-                <a:ea typeface="Calibri" panose="020F0502020204030204" pitchFamily="34" charset="0"/>
-                <a:cs typeface="Segoe UI" panose="020B0502040204020203" pitchFamily="34" charset="0"/>
-              </a:rPr>
-              <a:t> </a:t>
-            </a:r>
-            <a:endParaRPr lang="en-ZW" sz="1800" dirty="0">
-              <a:effectLst/>
-              <a:latin typeface="Times New Roman" panose="02020603050405020304" pitchFamily="18" charset="0"/>
-              <a:ea typeface="Calibri" panose="020F0502020204030204" pitchFamily="34" charset="0"/>
-              <a:cs typeface="Times New Roman" panose="02020603050405020304" pitchFamily="18" charset="0"/>
-            </a:endParaRPr>
-          </a:p>
-          <a:p>
-            <a:endParaRPr lang="en-ZW" dirty="0"/>
-          </a:p>
-        </p:txBody>
-      </p:sp>
-    </p:spTree>
-    <p:extLst>
-      <p:ext uri="{BB962C8B-B14F-4D97-AF65-F5344CB8AC3E}">
-        <p14:creationId xmlns:p14="http://schemas.microsoft.com/office/powerpoint/2010/main" val="3031076343"/>
-      </p:ext>
-    </p:extLst>
-  </p:cSld>
-  <p:clrMapOvr>
-    <a:masterClrMapping/>
-  </p:clrMapOvr>
-</p:sld>
-</file>
-
-<file path=ppt/slides/slide24.xml><?xml version="1.0" encoding="utf-8"?>
 <p:sld xmlns:a="http://schemas.openxmlformats.org/drawingml/2006/main" xmlns:r="http://schemas.openxmlformats.org/officeDocument/2006/relationships" xmlns:p="http://schemas.openxmlformats.org/presentationml/2006/main">
   <p:cSld>
     <p:spTree>
@@ -8264,8 +8979,8 @@
           </a:p>
         </p:txBody>
       </p:sp>
-      <mc:AlternateContent xmlns:mc="http://schemas.openxmlformats.org/markup-compatibility/2006">
-        <mc:Choice xmlns:a14="http://schemas.microsoft.com/office/drawing/2010/main" Requires="a14">
+      <mc:AlternateContent xmlns:mc="http://schemas.openxmlformats.org/markup-compatibility/2006" xmlns:a14="http://schemas.microsoft.com/office/drawing/2010/main">
+        <mc:Choice Requires="a14">
           <p:sp>
             <p:nvSpPr>
               <p:cNvPr id="3" name="Content Placeholder 2">
@@ -9212,7 +9927,7 @@
             </p:txBody>
           </p:sp>
         </mc:Choice>
-        <mc:Fallback>
+        <mc:Fallback xmlns="">
           <p:sp>
             <p:nvSpPr>
               <p:cNvPr id="3" name="Content Placeholder 2">
@@ -9321,8 +10036,8 @@
           </a:p>
         </p:txBody>
       </p:sp>
-      <mc:AlternateContent xmlns:mc="http://schemas.openxmlformats.org/markup-compatibility/2006">
-        <mc:Choice xmlns:a14="http://schemas.microsoft.com/office/drawing/2010/main" Requires="a14">
+      <mc:AlternateContent xmlns:mc="http://schemas.openxmlformats.org/markup-compatibility/2006" xmlns:a14="http://schemas.microsoft.com/office/drawing/2010/main">
+        <mc:Choice Requires="a14">
           <p:sp>
             <p:nvSpPr>
               <p:cNvPr id="3" name="Content Placeholder 2">
@@ -9407,13 +10122,7 @@
                                 <a:rPr lang="en-ZW" sz="2000" b="0" i="1" smtClean="0">
                                   <a:latin typeface="Cambria Math" panose="02040503050406030204" pitchFamily="18" charset="0"/>
                                 </a:rPr>
-                                <m:t>&gt;</m:t>
-                              </m:r>
-                              <m:r>
-                                <a:rPr lang="en-ZW" sz="2000" b="0" i="1" smtClean="0">
-                                  <a:latin typeface="Cambria Math" panose="02040503050406030204" pitchFamily="18" charset="0"/>
-                                </a:rPr>
-                                <m:t>0</m:t>
+                                <m:t>&gt;0</m:t>
                               </m:r>
                             </m:sub>
                             <m:sup/>
@@ -11038,13 +11747,7 @@
                             <a:rPr lang="en-ZW" sz="2000" b="0" i="1" smtClean="0">
                               <a:latin typeface="Cambria Math" panose="02040503050406030204" pitchFamily="18" charset="0"/>
                             </a:rPr>
-                            <m:t>𝑈</m:t>
-                          </m:r>
-                          <m:r>
-                            <a:rPr lang="en-ZW" sz="2000" b="0" i="1" smtClean="0">
-                              <a:latin typeface="Cambria Math" panose="02040503050406030204" pitchFamily="18" charset="0"/>
-                            </a:rPr>
-                            <m:t>𝐵</m:t>
+                            <m:t>𝑈𝐵</m:t>
                           </m:r>
                         </m:sup>
                       </m:sSup>
@@ -11490,13 +12193,7 @@
                                 <a:rPr lang="en-ZW" sz="2000" i="1">
                                   <a:latin typeface="Cambria Math" panose="02040503050406030204" pitchFamily="18" charset="0"/>
                                 </a:rPr>
-                                <m:t>}</m:t>
-                              </m:r>
-                              <m:r>
-                                <a:rPr lang="en-ZW" sz="2000" i="1">
-                                  <a:latin typeface="Cambria Math" panose="02040503050406030204" pitchFamily="18" charset="0"/>
-                                </a:rPr>
-                                <m:t> </m:t>
+                                <m:t>} </m:t>
                               </m:r>
                             </m:e>
                           </m:nary>
@@ -11512,7 +12209,7 @@
             </p:txBody>
           </p:sp>
         </mc:Choice>
-        <mc:Fallback>
+        <mc:Fallback xmlns="">
           <p:sp>
             <p:nvSpPr>
               <p:cNvPr id="3" name="Content Placeholder 2">
@@ -11621,8 +12318,8 @@
           </a:p>
         </p:txBody>
       </p:sp>
-      <mc:AlternateContent xmlns:mc="http://schemas.openxmlformats.org/markup-compatibility/2006">
-        <mc:Choice xmlns:a14="http://schemas.microsoft.com/office/drawing/2010/main" Requires="a14">
+      <mc:AlternateContent xmlns:mc="http://schemas.openxmlformats.org/markup-compatibility/2006" xmlns:a14="http://schemas.microsoft.com/office/drawing/2010/main">
+        <mc:Choice Requires="a14">
           <p:sp>
             <p:nvSpPr>
               <p:cNvPr id="3" name="Content Placeholder 2">
@@ -11657,6 +12354,18 @@
                 </a:r>
               </a:p>
               <a:p>
+                <a:pPr marL="0" indent="0">
+                  <a:buNone/>
+                </a:pPr>
+                <a:endParaRPr lang="en-ZW" dirty="0">
+                  <a:latin typeface="Gill Sans MT" panose="020B0502020104020203" pitchFamily="34" charset="0"/>
+                </a:endParaRPr>
+              </a:p>
+              <a:p>
+                <a:pPr lvl="1">
+                  <a:buFont typeface="Courier New" panose="02070309020205020404" pitchFamily="49" charset="0"/>
+                  <a:buChar char="o"/>
+                </a:pPr>
                 <a:r>
                   <a:rPr lang="en-ZW" dirty="0">
                     <a:latin typeface="Gill Sans MT" panose="020B0502020104020203" pitchFamily="34" charset="0"/>
@@ -11747,14 +12456,19 @@
                 </a:r>
               </a:p>
               <a:p>
-                <a:pPr marL="0" indent="0">
-                  <a:buNone/>
+                <a:pPr lvl="1">
+                  <a:buFont typeface="Courier New" panose="02070309020205020404" pitchFamily="49" charset="0"/>
+                  <a:buChar char="o"/>
                 </a:pPr>
                 <a:endParaRPr lang="en-ZW" dirty="0">
                   <a:latin typeface="Gill Sans MT" panose="020B0502020104020203" pitchFamily="34" charset="0"/>
                 </a:endParaRPr>
               </a:p>
               <a:p>
+                <a:pPr lvl="1">
+                  <a:buFont typeface="Courier New" panose="02070309020205020404" pitchFamily="49" charset="0"/>
+                  <a:buChar char="o"/>
+                </a:pPr>
                 <a:r>
                   <a:rPr lang="en-ZW" dirty="0">
                     <a:latin typeface="Gill Sans MT" panose="020B0502020104020203" pitchFamily="34" charset="0"/>
@@ -11845,14 +12559,19 @@
                 </a:r>
               </a:p>
               <a:p>
-                <a:pPr marL="0" indent="0">
-                  <a:buNone/>
+                <a:pPr lvl="1">
+                  <a:buFont typeface="Courier New" panose="02070309020205020404" pitchFamily="49" charset="0"/>
+                  <a:buChar char="o"/>
                 </a:pPr>
                 <a:endParaRPr lang="en-ZW" dirty="0">
                   <a:latin typeface="Gill Sans MT" panose="020B0502020104020203" pitchFamily="34" charset="0"/>
                 </a:endParaRPr>
               </a:p>
               <a:p>
+                <a:pPr lvl="1">
+                  <a:buFont typeface="Courier New" panose="02070309020205020404" pitchFamily="49" charset="0"/>
+                  <a:buChar char="o"/>
+                </a:pPr>
                 <a:r>
                   <a:rPr lang="en-ZW" dirty="0">
                     <a:latin typeface="Gill Sans MT" panose="020B0502020104020203" pitchFamily="34" charset="0"/>
@@ -11960,7 +12679,7 @@
             </p:txBody>
           </p:sp>
         </mc:Choice>
-        <mc:Fallback>
+        <mc:Fallback xmlns="">
           <p:sp>
             <p:nvSpPr>
               <p:cNvPr id="3" name="Content Placeholder 2">
@@ -11985,7 +12704,7 @@
               <a:blipFill>
                 <a:blip r:embed="rId2"/>
                 <a:stretch>
-                  <a:fillRect l="-998" t="-2243"/>
+                  <a:fillRect l="-998" t="-2243" r="-610"/>
                 </a:stretch>
               </a:blipFill>
             </p:spPr>

--- a/Planting date strategies under risk considerations_IGP_v2.pptx
+++ b/Planting date strategies under risk considerations_IGP_v2.pptx
@@ -5,7 +5,7 @@
     <p:sldMasterId id="2147483648" r:id="rId1"/>
   </p:sldMasterIdLst>
   <p:notesMasterIdLst>
-    <p:notesMasterId r:id="rId22"/>
+    <p:notesMasterId r:id="rId25"/>
   </p:notesMasterIdLst>
   <p:sldIdLst>
     <p:sldId id="256" r:id="rId2"/>
@@ -25,9 +25,12 @@
     <p:sldId id="404" r:id="rId16"/>
     <p:sldId id="408" r:id="rId17"/>
     <p:sldId id="413" r:id="rId18"/>
-    <p:sldId id="268" r:id="rId19"/>
-    <p:sldId id="414" r:id="rId20"/>
-    <p:sldId id="285" r:id="rId21"/>
+    <p:sldId id="420" r:id="rId19"/>
+    <p:sldId id="418" r:id="rId20"/>
+    <p:sldId id="419" r:id="rId21"/>
+    <p:sldId id="268" r:id="rId22"/>
+    <p:sldId id="414" r:id="rId23"/>
+    <p:sldId id="285" r:id="rId24"/>
   </p:sldIdLst>
   <p:sldSz cx="12192000" cy="6858000"/>
   <p:notesSz cx="6858000" cy="9144000"/>
@@ -137,7 +140,7 @@
 <file path=ppt/revisionInfo.xml><?xml version="1.0" encoding="utf-8"?>
 <p1510:revInfo xmlns:a="http://schemas.openxmlformats.org/drawingml/2006/main" xmlns:r="http://schemas.openxmlformats.org/officeDocument/2006/relationships" xmlns:p1510="http://schemas.microsoft.com/office/powerpoint/2015/10/main">
   <p1510:revLst>
-    <p1510:client id="{E8D17F3F-A9E1-4CB6-AE23-77212FC715F0}" v="23" dt="2023-07-26T09:38:57.283"/>
+    <p1510:client id="{E8D17F3F-A9E1-4CB6-AE23-77212FC715F0}" v="45" dt="2023-07-30T03:46:58.762"/>
   </p1510:revLst>
 </p1510:revInfo>
 </file>
@@ -146,8 +149,8 @@
 <pc:chgInfo xmlns:a="http://schemas.openxmlformats.org/drawingml/2006/main" xmlns:r="http://schemas.openxmlformats.org/officeDocument/2006/relationships" xmlns:ac="http://schemas.microsoft.com/office/drawing/2013/main/command" xmlns:pc="http://schemas.microsoft.com/office/powerpoint/2013/main/command">
   <pc:docChgLst>
     <pc:chgData name="MKONDIWA, Maxwell (CIMMYT-India)" userId="861bee07-b612-4cf7-beae-414489ecebf8" providerId="ADAL" clId="{E8D17F3F-A9E1-4CB6-AE23-77212FC715F0}"/>
-    <pc:docChg chg="undo custSel delSld modSld">
-      <pc:chgData name="MKONDIWA, Maxwell (CIMMYT-India)" userId="861bee07-b612-4cf7-beae-414489ecebf8" providerId="ADAL" clId="{E8D17F3F-A9E1-4CB6-AE23-77212FC715F0}" dt="2023-07-26T09:39:15.471" v="187" actId="47"/>
+    <pc:docChg chg="undo custSel addSld delSld modSld">
+      <pc:chgData name="MKONDIWA, Maxwell (CIMMYT-India)" userId="861bee07-b612-4cf7-beae-414489ecebf8" providerId="ADAL" clId="{E8D17F3F-A9E1-4CB6-AE23-77212FC715F0}" dt="2023-07-30T03:46:58.762" v="397" actId="164"/>
       <pc:docMkLst>
         <pc:docMk/>
       </pc:docMkLst>
@@ -165,6 +168,244 @@
             <ac:spMk id="2" creationId="{02F9A324-86B6-E2C3-FD3E-E4046665EEBA}"/>
           </ac:spMkLst>
         </pc:spChg>
+      </pc:sldChg>
+      <pc:sldChg chg="addSp modSp mod">
+        <pc:chgData name="MKONDIWA, Maxwell (CIMMYT-India)" userId="861bee07-b612-4cf7-beae-414489ecebf8" providerId="ADAL" clId="{E8D17F3F-A9E1-4CB6-AE23-77212FC715F0}" dt="2023-07-30T03:43:27.898" v="357" actId="1076"/>
+        <pc:sldMkLst>
+          <pc:docMk/>
+          <pc:sldMk cId="632333329" sldId="258"/>
+        </pc:sldMkLst>
+        <pc:spChg chg="mod">
+          <ac:chgData name="MKONDIWA, Maxwell (CIMMYT-India)" userId="861bee07-b612-4cf7-beae-414489ecebf8" providerId="ADAL" clId="{E8D17F3F-A9E1-4CB6-AE23-77212FC715F0}" dt="2023-07-30T03:43:27.898" v="357" actId="1076"/>
+          <ac:spMkLst>
+            <pc:docMk/>
+            <pc:sldMk cId="632333329" sldId="258"/>
+            <ac:spMk id="2" creationId="{F1C9E5EF-8284-051C-E9BD-2AD7597239C0}"/>
+          </ac:spMkLst>
+        </pc:spChg>
+        <pc:spChg chg="mod">
+          <ac:chgData name="MKONDIWA, Maxwell (CIMMYT-India)" userId="861bee07-b612-4cf7-beae-414489ecebf8" providerId="ADAL" clId="{E8D17F3F-A9E1-4CB6-AE23-77212FC715F0}" dt="2023-07-30T03:27:51.552" v="344" actId="164"/>
+          <ac:spMkLst>
+            <pc:docMk/>
+            <pc:sldMk cId="632333329" sldId="258"/>
+            <ac:spMk id="28" creationId="{092B29CD-616E-76C9-9B48-DC939FFC7310}"/>
+          </ac:spMkLst>
+        </pc:spChg>
+        <pc:spChg chg="mod">
+          <ac:chgData name="MKONDIWA, Maxwell (CIMMYT-India)" userId="861bee07-b612-4cf7-beae-414489ecebf8" providerId="ADAL" clId="{E8D17F3F-A9E1-4CB6-AE23-77212FC715F0}" dt="2023-07-30T03:27:51.552" v="344" actId="164"/>
+          <ac:spMkLst>
+            <pc:docMk/>
+            <pc:sldMk cId="632333329" sldId="258"/>
+            <ac:spMk id="29" creationId="{E0A862FD-170B-7667-ED5D-A5CE8B062D84}"/>
+          </ac:spMkLst>
+        </pc:spChg>
+        <pc:spChg chg="mod">
+          <ac:chgData name="MKONDIWA, Maxwell (CIMMYT-India)" userId="861bee07-b612-4cf7-beae-414489ecebf8" providerId="ADAL" clId="{E8D17F3F-A9E1-4CB6-AE23-77212FC715F0}" dt="2023-07-30T03:27:51.552" v="344" actId="164"/>
+          <ac:spMkLst>
+            <pc:docMk/>
+            <pc:sldMk cId="632333329" sldId="258"/>
+            <ac:spMk id="30" creationId="{B3136C8D-51CF-5056-EBBC-54F84449CECE}"/>
+          </ac:spMkLst>
+        </pc:spChg>
+        <pc:spChg chg="mod">
+          <ac:chgData name="MKONDIWA, Maxwell (CIMMYT-India)" userId="861bee07-b612-4cf7-beae-414489ecebf8" providerId="ADAL" clId="{E8D17F3F-A9E1-4CB6-AE23-77212FC715F0}" dt="2023-07-30T03:27:51.552" v="344" actId="164"/>
+          <ac:spMkLst>
+            <pc:docMk/>
+            <pc:sldMk cId="632333329" sldId="258"/>
+            <ac:spMk id="31" creationId="{AB641386-2C2F-CC50-081A-A7EA40BA9A7F}"/>
+          </ac:spMkLst>
+        </pc:spChg>
+        <pc:spChg chg="mod">
+          <ac:chgData name="MKONDIWA, Maxwell (CIMMYT-India)" userId="861bee07-b612-4cf7-beae-414489ecebf8" providerId="ADAL" clId="{E8D17F3F-A9E1-4CB6-AE23-77212FC715F0}" dt="2023-07-30T03:27:51.552" v="344" actId="164"/>
+          <ac:spMkLst>
+            <pc:docMk/>
+            <pc:sldMk cId="632333329" sldId="258"/>
+            <ac:spMk id="32" creationId="{B0A0938B-A3CB-0E2C-4694-C3D3125D1EEA}"/>
+          </ac:spMkLst>
+        </pc:spChg>
+        <pc:spChg chg="mod">
+          <ac:chgData name="MKONDIWA, Maxwell (CIMMYT-India)" userId="861bee07-b612-4cf7-beae-414489ecebf8" providerId="ADAL" clId="{E8D17F3F-A9E1-4CB6-AE23-77212FC715F0}" dt="2023-07-30T03:27:51.552" v="344" actId="164"/>
+          <ac:spMkLst>
+            <pc:docMk/>
+            <pc:sldMk cId="632333329" sldId="258"/>
+            <ac:spMk id="33" creationId="{109F0835-01B6-9AF7-6FE6-BF351E46E248}"/>
+          </ac:spMkLst>
+        </pc:spChg>
+        <pc:grpChg chg="add mod">
+          <ac:chgData name="MKONDIWA, Maxwell (CIMMYT-India)" userId="861bee07-b612-4cf7-beae-414489ecebf8" providerId="ADAL" clId="{E8D17F3F-A9E1-4CB6-AE23-77212FC715F0}" dt="2023-07-30T03:27:51.552" v="344" actId="164"/>
+          <ac:grpSpMkLst>
+            <pc:docMk/>
+            <pc:sldMk cId="632333329" sldId="258"/>
+            <ac:grpSpMk id="3" creationId="{FD5F93E9-1F7D-A55F-EF8D-95C8AFA5C6AC}"/>
+          </ac:grpSpMkLst>
+        </pc:grpChg>
+        <pc:picChg chg="mod">
+          <ac:chgData name="MKONDIWA, Maxwell (CIMMYT-India)" userId="861bee07-b612-4cf7-beae-414489ecebf8" providerId="ADAL" clId="{E8D17F3F-A9E1-4CB6-AE23-77212FC715F0}" dt="2023-07-30T03:27:51.552" v="344" actId="164"/>
+          <ac:picMkLst>
+            <pc:docMk/>
+            <pc:sldMk cId="632333329" sldId="258"/>
+            <ac:picMk id="6" creationId="{2BAB40DA-B099-FFAB-B04A-942A1F7D6092}"/>
+          </ac:picMkLst>
+        </pc:picChg>
+        <pc:picChg chg="mod">
+          <ac:chgData name="MKONDIWA, Maxwell (CIMMYT-India)" userId="861bee07-b612-4cf7-beae-414489ecebf8" providerId="ADAL" clId="{E8D17F3F-A9E1-4CB6-AE23-77212FC715F0}" dt="2023-07-30T03:27:51.552" v="344" actId="164"/>
+          <ac:picMkLst>
+            <pc:docMk/>
+            <pc:sldMk cId="632333329" sldId="258"/>
+            <ac:picMk id="7" creationId="{4F5BCE74-F3BC-FB34-A669-70C4B494FC0A}"/>
+          </ac:picMkLst>
+        </pc:picChg>
+        <pc:picChg chg="mod">
+          <ac:chgData name="MKONDIWA, Maxwell (CIMMYT-India)" userId="861bee07-b612-4cf7-beae-414489ecebf8" providerId="ADAL" clId="{E8D17F3F-A9E1-4CB6-AE23-77212FC715F0}" dt="2023-07-30T03:27:51.552" v="344" actId="164"/>
+          <ac:picMkLst>
+            <pc:docMk/>
+            <pc:sldMk cId="632333329" sldId="258"/>
+            <ac:picMk id="8" creationId="{98B1C4D5-0B96-8DB4-B43E-7432629512B8}"/>
+          </ac:picMkLst>
+        </pc:picChg>
+        <pc:picChg chg="mod">
+          <ac:chgData name="MKONDIWA, Maxwell (CIMMYT-India)" userId="861bee07-b612-4cf7-beae-414489ecebf8" providerId="ADAL" clId="{E8D17F3F-A9E1-4CB6-AE23-77212FC715F0}" dt="2023-07-30T03:27:51.552" v="344" actId="164"/>
+          <ac:picMkLst>
+            <pc:docMk/>
+            <pc:sldMk cId="632333329" sldId="258"/>
+            <ac:picMk id="10" creationId="{AE1DF9EF-9410-31FF-FAD9-A2313CB49E20}"/>
+          </ac:picMkLst>
+        </pc:picChg>
+        <pc:picChg chg="mod">
+          <ac:chgData name="MKONDIWA, Maxwell (CIMMYT-India)" userId="861bee07-b612-4cf7-beae-414489ecebf8" providerId="ADAL" clId="{E8D17F3F-A9E1-4CB6-AE23-77212FC715F0}" dt="2023-07-30T03:27:51.552" v="344" actId="164"/>
+          <ac:picMkLst>
+            <pc:docMk/>
+            <pc:sldMk cId="632333329" sldId="258"/>
+            <ac:picMk id="12" creationId="{F0225FE0-499C-ACC2-44E3-6ACFCC9A4C29}"/>
+          </ac:picMkLst>
+        </pc:picChg>
+        <pc:picChg chg="mod">
+          <ac:chgData name="MKONDIWA, Maxwell (CIMMYT-India)" userId="861bee07-b612-4cf7-beae-414489ecebf8" providerId="ADAL" clId="{E8D17F3F-A9E1-4CB6-AE23-77212FC715F0}" dt="2023-07-30T03:27:51.552" v="344" actId="164"/>
+          <ac:picMkLst>
+            <pc:docMk/>
+            <pc:sldMk cId="632333329" sldId="258"/>
+            <ac:picMk id="13" creationId="{9745DC00-6E9A-FCE2-56D5-414C63A3A96D}"/>
+          </ac:picMkLst>
+        </pc:picChg>
+      </pc:sldChg>
+      <pc:sldChg chg="addSp modSp mod">
+        <pc:chgData name="MKONDIWA, Maxwell (CIMMYT-India)" userId="861bee07-b612-4cf7-beae-414489ecebf8" providerId="ADAL" clId="{E8D17F3F-A9E1-4CB6-AE23-77212FC715F0}" dt="2023-07-30T03:43:33.403" v="358" actId="1076"/>
+        <pc:sldMkLst>
+          <pc:docMk/>
+          <pc:sldMk cId="1879476646" sldId="403"/>
+        </pc:sldMkLst>
+        <pc:spChg chg="mod">
+          <ac:chgData name="MKONDIWA, Maxwell (CIMMYT-India)" userId="861bee07-b612-4cf7-beae-414489ecebf8" providerId="ADAL" clId="{E8D17F3F-A9E1-4CB6-AE23-77212FC715F0}" dt="2023-07-30T03:43:33.403" v="358" actId="1076"/>
+          <ac:spMkLst>
+            <pc:docMk/>
+            <pc:sldMk cId="1879476646" sldId="403"/>
+            <ac:spMk id="2" creationId="{B885268E-C6EB-FB7D-D297-0B55C8986E0C}"/>
+          </ac:spMkLst>
+        </pc:spChg>
+        <pc:spChg chg="mod">
+          <ac:chgData name="MKONDIWA, Maxwell (CIMMYT-India)" userId="861bee07-b612-4cf7-beae-414489ecebf8" providerId="ADAL" clId="{E8D17F3F-A9E1-4CB6-AE23-77212FC715F0}" dt="2023-07-30T03:40:05.323" v="354" actId="164"/>
+          <ac:spMkLst>
+            <pc:docMk/>
+            <pc:sldMk cId="1879476646" sldId="403"/>
+            <ac:spMk id="28" creationId="{092B29CD-616E-76C9-9B48-DC939FFC7310}"/>
+          </ac:spMkLst>
+        </pc:spChg>
+        <pc:spChg chg="mod">
+          <ac:chgData name="MKONDIWA, Maxwell (CIMMYT-India)" userId="861bee07-b612-4cf7-beae-414489ecebf8" providerId="ADAL" clId="{E8D17F3F-A9E1-4CB6-AE23-77212FC715F0}" dt="2023-07-30T03:40:05.323" v="354" actId="164"/>
+          <ac:spMkLst>
+            <pc:docMk/>
+            <pc:sldMk cId="1879476646" sldId="403"/>
+            <ac:spMk id="29" creationId="{E0A862FD-170B-7667-ED5D-A5CE8B062D84}"/>
+          </ac:spMkLst>
+        </pc:spChg>
+        <pc:spChg chg="mod">
+          <ac:chgData name="MKONDIWA, Maxwell (CIMMYT-India)" userId="861bee07-b612-4cf7-beae-414489ecebf8" providerId="ADAL" clId="{E8D17F3F-A9E1-4CB6-AE23-77212FC715F0}" dt="2023-07-30T03:40:05.323" v="354" actId="164"/>
+          <ac:spMkLst>
+            <pc:docMk/>
+            <pc:sldMk cId="1879476646" sldId="403"/>
+            <ac:spMk id="30" creationId="{B3136C8D-51CF-5056-EBBC-54F84449CECE}"/>
+          </ac:spMkLst>
+        </pc:spChg>
+        <pc:spChg chg="mod">
+          <ac:chgData name="MKONDIWA, Maxwell (CIMMYT-India)" userId="861bee07-b612-4cf7-beae-414489ecebf8" providerId="ADAL" clId="{E8D17F3F-A9E1-4CB6-AE23-77212FC715F0}" dt="2023-07-30T03:40:05.323" v="354" actId="164"/>
+          <ac:spMkLst>
+            <pc:docMk/>
+            <pc:sldMk cId="1879476646" sldId="403"/>
+            <ac:spMk id="31" creationId="{AB641386-2C2F-CC50-081A-A7EA40BA9A7F}"/>
+          </ac:spMkLst>
+        </pc:spChg>
+        <pc:spChg chg="mod">
+          <ac:chgData name="MKONDIWA, Maxwell (CIMMYT-India)" userId="861bee07-b612-4cf7-beae-414489ecebf8" providerId="ADAL" clId="{E8D17F3F-A9E1-4CB6-AE23-77212FC715F0}" dt="2023-07-30T03:40:05.323" v="354" actId="164"/>
+          <ac:spMkLst>
+            <pc:docMk/>
+            <pc:sldMk cId="1879476646" sldId="403"/>
+            <ac:spMk id="32" creationId="{B0A0938B-A3CB-0E2C-4694-C3D3125D1EEA}"/>
+          </ac:spMkLst>
+        </pc:spChg>
+        <pc:spChg chg="mod">
+          <ac:chgData name="MKONDIWA, Maxwell (CIMMYT-India)" userId="861bee07-b612-4cf7-beae-414489ecebf8" providerId="ADAL" clId="{E8D17F3F-A9E1-4CB6-AE23-77212FC715F0}" dt="2023-07-30T03:40:05.323" v="354" actId="164"/>
+          <ac:spMkLst>
+            <pc:docMk/>
+            <pc:sldMk cId="1879476646" sldId="403"/>
+            <ac:spMk id="33" creationId="{109F0835-01B6-9AF7-6FE6-BF351E46E248}"/>
+          </ac:spMkLst>
+        </pc:spChg>
+        <pc:grpChg chg="add mod">
+          <ac:chgData name="MKONDIWA, Maxwell (CIMMYT-India)" userId="861bee07-b612-4cf7-beae-414489ecebf8" providerId="ADAL" clId="{E8D17F3F-A9E1-4CB6-AE23-77212FC715F0}" dt="2023-07-30T03:40:13.013" v="356" actId="1076"/>
+          <ac:grpSpMkLst>
+            <pc:docMk/>
+            <pc:sldMk cId="1879476646" sldId="403"/>
+            <ac:grpSpMk id="3" creationId="{5BF0931C-219E-9D28-7DA9-27A4A7EBE12D}"/>
+          </ac:grpSpMkLst>
+        </pc:grpChg>
+        <pc:picChg chg="mod">
+          <ac:chgData name="MKONDIWA, Maxwell (CIMMYT-India)" userId="861bee07-b612-4cf7-beae-414489ecebf8" providerId="ADAL" clId="{E8D17F3F-A9E1-4CB6-AE23-77212FC715F0}" dt="2023-07-30T03:40:05.323" v="354" actId="164"/>
+          <ac:picMkLst>
+            <pc:docMk/>
+            <pc:sldMk cId="1879476646" sldId="403"/>
+            <ac:picMk id="5" creationId="{6037F929-731F-43B9-6448-1C850FC2C308}"/>
+          </ac:picMkLst>
+        </pc:picChg>
+        <pc:picChg chg="mod">
+          <ac:chgData name="MKONDIWA, Maxwell (CIMMYT-India)" userId="861bee07-b612-4cf7-beae-414489ecebf8" providerId="ADAL" clId="{E8D17F3F-A9E1-4CB6-AE23-77212FC715F0}" dt="2023-07-30T03:40:05.323" v="354" actId="164"/>
+          <ac:picMkLst>
+            <pc:docMk/>
+            <pc:sldMk cId="1879476646" sldId="403"/>
+            <ac:picMk id="6" creationId="{F1D0CF8A-3C12-516A-1964-51F1FE0F9B87}"/>
+          </ac:picMkLst>
+        </pc:picChg>
+        <pc:picChg chg="mod">
+          <ac:chgData name="MKONDIWA, Maxwell (CIMMYT-India)" userId="861bee07-b612-4cf7-beae-414489ecebf8" providerId="ADAL" clId="{E8D17F3F-A9E1-4CB6-AE23-77212FC715F0}" dt="2023-07-30T03:40:05.323" v="354" actId="164"/>
+          <ac:picMkLst>
+            <pc:docMk/>
+            <pc:sldMk cId="1879476646" sldId="403"/>
+            <ac:picMk id="7" creationId="{2F15AEF4-8170-995A-52B5-C42B14A1C0CB}"/>
+          </ac:picMkLst>
+        </pc:picChg>
+        <pc:picChg chg="mod">
+          <ac:chgData name="MKONDIWA, Maxwell (CIMMYT-India)" userId="861bee07-b612-4cf7-beae-414489ecebf8" providerId="ADAL" clId="{E8D17F3F-A9E1-4CB6-AE23-77212FC715F0}" dt="2023-07-30T03:40:05.323" v="354" actId="164"/>
+          <ac:picMkLst>
+            <pc:docMk/>
+            <pc:sldMk cId="1879476646" sldId="403"/>
+            <ac:picMk id="8" creationId="{3515F14A-73DD-6F81-711F-BB1845B454D7}"/>
+          </ac:picMkLst>
+        </pc:picChg>
+        <pc:picChg chg="mod">
+          <ac:chgData name="MKONDIWA, Maxwell (CIMMYT-India)" userId="861bee07-b612-4cf7-beae-414489ecebf8" providerId="ADAL" clId="{E8D17F3F-A9E1-4CB6-AE23-77212FC715F0}" dt="2023-07-30T03:40:05.323" v="354" actId="164"/>
+          <ac:picMkLst>
+            <pc:docMk/>
+            <pc:sldMk cId="1879476646" sldId="403"/>
+            <ac:picMk id="9" creationId="{35E4A1C1-BEDF-3C43-AECA-6AF279861091}"/>
+          </ac:picMkLst>
+        </pc:picChg>
+        <pc:picChg chg="mod">
+          <ac:chgData name="MKONDIWA, Maxwell (CIMMYT-India)" userId="861bee07-b612-4cf7-beae-414489ecebf8" providerId="ADAL" clId="{E8D17F3F-A9E1-4CB6-AE23-77212FC715F0}" dt="2023-07-30T03:40:05.323" v="354" actId="164"/>
+          <ac:picMkLst>
+            <pc:docMk/>
+            <pc:sldMk cId="1879476646" sldId="403"/>
+            <ac:picMk id="10" creationId="{55C29D4D-87BA-D5ED-80F5-79B9908A7150}"/>
+          </ac:picMkLst>
+        </pc:picChg>
       </pc:sldChg>
       <pc:sldChg chg="addSp delSp modSp del mod">
         <pc:chgData name="MKONDIWA, Maxwell (CIMMYT-India)" userId="861bee07-b612-4cf7-beae-414489ecebf8" providerId="ADAL" clId="{E8D17F3F-A9E1-4CB6-AE23-77212FC715F0}" dt="2023-07-26T09:39:15.471" v="187" actId="47"/>
@@ -206,7 +447,7 @@
         </pc:picChg>
       </pc:sldChg>
       <pc:sldChg chg="addSp delSp modSp mod setBg">
-        <pc:chgData name="MKONDIWA, Maxwell (CIMMYT-India)" userId="861bee07-b612-4cf7-beae-414489ecebf8" providerId="ADAL" clId="{E8D17F3F-A9E1-4CB6-AE23-77212FC715F0}" dt="2023-07-26T09:19:59.936" v="181" actId="164"/>
+        <pc:chgData name="MKONDIWA, Maxwell (CIMMYT-India)" userId="861bee07-b612-4cf7-beae-414489ecebf8" providerId="ADAL" clId="{E8D17F3F-A9E1-4CB6-AE23-77212FC715F0}" dt="2023-07-30T03:44:08.303" v="360" actId="1036"/>
         <pc:sldMkLst>
           <pc:docMk/>
           <pc:sldMk cId="578307128" sldId="408"/>
@@ -292,7 +533,7 @@
           </ac:spMkLst>
         </pc:spChg>
         <pc:grpChg chg="add mod">
-          <ac:chgData name="MKONDIWA, Maxwell (CIMMYT-India)" userId="861bee07-b612-4cf7-beae-414489ecebf8" providerId="ADAL" clId="{E8D17F3F-A9E1-4CB6-AE23-77212FC715F0}" dt="2023-07-26T09:19:59.936" v="181" actId="164"/>
+          <ac:chgData name="MKONDIWA, Maxwell (CIMMYT-India)" userId="861bee07-b612-4cf7-beae-414489ecebf8" providerId="ADAL" clId="{E8D17F3F-A9E1-4CB6-AE23-77212FC715F0}" dt="2023-07-30T03:44:08.303" v="360" actId="1036"/>
           <ac:grpSpMkLst>
             <pc:docMk/>
             <pc:sldMk cId="578307128" sldId="408"/>
@@ -439,6 +680,202 @@
             <pc:docMk/>
             <pc:sldMk cId="2358037700" sldId="416"/>
             <ac:spMk id="3" creationId="{6EB2E6AA-1165-0429-6F8D-E25C534040E3}"/>
+          </ac:spMkLst>
+        </pc:spChg>
+      </pc:sldChg>
+      <pc:sldChg chg="new del">
+        <pc:chgData name="MKONDIWA, Maxwell (CIMMYT-India)" userId="861bee07-b612-4cf7-beae-414489ecebf8" providerId="ADAL" clId="{E8D17F3F-A9E1-4CB6-AE23-77212FC715F0}" dt="2023-07-30T03:18:05.151" v="270" actId="47"/>
+        <pc:sldMkLst>
+          <pc:docMk/>
+          <pc:sldMk cId="2989233183" sldId="417"/>
+        </pc:sldMkLst>
+      </pc:sldChg>
+      <pc:sldChg chg="addSp delSp modSp new mod">
+        <pc:chgData name="MKONDIWA, Maxwell (CIMMYT-India)" userId="861bee07-b612-4cf7-beae-414489ecebf8" providerId="ADAL" clId="{E8D17F3F-A9E1-4CB6-AE23-77212FC715F0}" dt="2023-07-30T03:46:58.762" v="397" actId="164"/>
+        <pc:sldMkLst>
+          <pc:docMk/>
+          <pc:sldMk cId="678201175" sldId="418"/>
+        </pc:sldMkLst>
+        <pc:spChg chg="add del mod">
+          <ac:chgData name="MKONDIWA, Maxwell (CIMMYT-India)" userId="861bee07-b612-4cf7-beae-414489ecebf8" providerId="ADAL" clId="{E8D17F3F-A9E1-4CB6-AE23-77212FC715F0}" dt="2023-07-30T03:44:32.824" v="362" actId="478"/>
+          <ac:spMkLst>
+            <pc:docMk/>
+            <pc:sldMk cId="678201175" sldId="418"/>
+            <ac:spMk id="18" creationId="{DE36EC0B-965B-A2A4-170B-A03DDA4CC672}"/>
+          </ac:spMkLst>
+        </pc:spChg>
+        <pc:spChg chg="add mod">
+          <ac:chgData name="MKONDIWA, Maxwell (CIMMYT-India)" userId="861bee07-b612-4cf7-beae-414489ecebf8" providerId="ADAL" clId="{E8D17F3F-A9E1-4CB6-AE23-77212FC715F0}" dt="2023-07-30T03:46:58.762" v="397" actId="164"/>
+          <ac:spMkLst>
+            <pc:docMk/>
+            <pc:sldMk cId="678201175" sldId="418"/>
+            <ac:spMk id="19" creationId="{C1BD19AE-5662-CC2A-3DEA-C4F52813230E}"/>
+          </ac:spMkLst>
+        </pc:spChg>
+        <pc:spChg chg="add mod">
+          <ac:chgData name="MKONDIWA, Maxwell (CIMMYT-India)" userId="861bee07-b612-4cf7-beae-414489ecebf8" providerId="ADAL" clId="{E8D17F3F-A9E1-4CB6-AE23-77212FC715F0}" dt="2023-07-30T03:46:58.762" v="397" actId="164"/>
+          <ac:spMkLst>
+            <pc:docMk/>
+            <pc:sldMk cId="678201175" sldId="418"/>
+            <ac:spMk id="20" creationId="{7C60C5EC-7EF6-5125-FC32-8211DD30013E}"/>
+          </ac:spMkLst>
+        </pc:spChg>
+        <pc:spChg chg="add mod">
+          <ac:chgData name="MKONDIWA, Maxwell (CIMMYT-India)" userId="861bee07-b612-4cf7-beae-414489ecebf8" providerId="ADAL" clId="{E8D17F3F-A9E1-4CB6-AE23-77212FC715F0}" dt="2023-07-30T03:46:58.762" v="397" actId="164"/>
+          <ac:spMkLst>
+            <pc:docMk/>
+            <pc:sldMk cId="678201175" sldId="418"/>
+            <ac:spMk id="21" creationId="{84DF9870-8DC2-6173-3D22-09BAAC9E005E}"/>
+          </ac:spMkLst>
+        </pc:spChg>
+        <pc:spChg chg="add mod">
+          <ac:chgData name="MKONDIWA, Maxwell (CIMMYT-India)" userId="861bee07-b612-4cf7-beae-414489ecebf8" providerId="ADAL" clId="{E8D17F3F-A9E1-4CB6-AE23-77212FC715F0}" dt="2023-07-30T03:46:58.762" v="397" actId="164"/>
+          <ac:spMkLst>
+            <pc:docMk/>
+            <pc:sldMk cId="678201175" sldId="418"/>
+            <ac:spMk id="22" creationId="{9EC0EF9D-1F14-C19F-0705-DE37C887CA71}"/>
+          </ac:spMkLst>
+        </pc:spChg>
+        <pc:spChg chg="add mod">
+          <ac:chgData name="MKONDIWA, Maxwell (CIMMYT-India)" userId="861bee07-b612-4cf7-beae-414489ecebf8" providerId="ADAL" clId="{E8D17F3F-A9E1-4CB6-AE23-77212FC715F0}" dt="2023-07-30T03:46:58.762" v="397" actId="164"/>
+          <ac:spMkLst>
+            <pc:docMk/>
+            <pc:sldMk cId="678201175" sldId="418"/>
+            <ac:spMk id="23" creationId="{8C5849F9-57AA-9145-B026-9343D7834B9A}"/>
+          </ac:spMkLst>
+        </pc:spChg>
+        <pc:spChg chg="add mod">
+          <ac:chgData name="MKONDIWA, Maxwell (CIMMYT-India)" userId="861bee07-b612-4cf7-beae-414489ecebf8" providerId="ADAL" clId="{E8D17F3F-A9E1-4CB6-AE23-77212FC715F0}" dt="2023-07-30T03:46:58.762" v="397" actId="164"/>
+          <ac:spMkLst>
+            <pc:docMk/>
+            <pc:sldMk cId="678201175" sldId="418"/>
+            <ac:spMk id="24" creationId="{3020585E-7889-F967-8935-D7BAA7B4E980}"/>
+          </ac:spMkLst>
+        </pc:spChg>
+        <pc:grpChg chg="add mod">
+          <ac:chgData name="MKONDIWA, Maxwell (CIMMYT-India)" userId="861bee07-b612-4cf7-beae-414489ecebf8" providerId="ADAL" clId="{E8D17F3F-A9E1-4CB6-AE23-77212FC715F0}" dt="2023-07-30T03:46:58.762" v="397" actId="164"/>
+          <ac:grpSpMkLst>
+            <pc:docMk/>
+            <pc:sldMk cId="678201175" sldId="418"/>
+            <ac:grpSpMk id="25" creationId="{2336C18D-A6E8-F73E-C3CB-28A4937B686D}"/>
+          </ac:grpSpMkLst>
+        </pc:grpChg>
+        <pc:picChg chg="add del mod">
+          <ac:chgData name="MKONDIWA, Maxwell (CIMMYT-India)" userId="861bee07-b612-4cf7-beae-414489ecebf8" providerId="ADAL" clId="{E8D17F3F-A9E1-4CB6-AE23-77212FC715F0}" dt="2023-07-30T02:25:36.067" v="202" actId="478"/>
+          <ac:picMkLst>
+            <pc:docMk/>
+            <pc:sldMk cId="678201175" sldId="418"/>
+            <ac:picMk id="3" creationId="{F3DBE3F2-FD08-1135-35E0-2FF47F88C8DF}"/>
+          </ac:picMkLst>
+        </pc:picChg>
+        <pc:picChg chg="add del mod">
+          <ac:chgData name="MKONDIWA, Maxwell (CIMMYT-India)" userId="861bee07-b612-4cf7-beae-414489ecebf8" providerId="ADAL" clId="{E8D17F3F-A9E1-4CB6-AE23-77212FC715F0}" dt="2023-07-30T02:25:37.658" v="203" actId="478"/>
+          <ac:picMkLst>
+            <pc:docMk/>
+            <pc:sldMk cId="678201175" sldId="418"/>
+            <ac:picMk id="5" creationId="{84EEEC7C-F2B5-9014-4D49-690BBF1CD186}"/>
+          </ac:picMkLst>
+        </pc:picChg>
+        <pc:picChg chg="add mod">
+          <ac:chgData name="MKONDIWA, Maxwell (CIMMYT-India)" userId="861bee07-b612-4cf7-beae-414489ecebf8" providerId="ADAL" clId="{E8D17F3F-A9E1-4CB6-AE23-77212FC715F0}" dt="2023-07-30T03:46:58.762" v="397" actId="164"/>
+          <ac:picMkLst>
+            <pc:docMk/>
+            <pc:sldMk cId="678201175" sldId="418"/>
+            <ac:picMk id="7" creationId="{72DAB14B-2335-48C5-C639-BBE4B8ED9986}"/>
+          </ac:picMkLst>
+        </pc:picChg>
+        <pc:picChg chg="add mod">
+          <ac:chgData name="MKONDIWA, Maxwell (CIMMYT-India)" userId="861bee07-b612-4cf7-beae-414489ecebf8" providerId="ADAL" clId="{E8D17F3F-A9E1-4CB6-AE23-77212FC715F0}" dt="2023-07-30T03:46:58.762" v="397" actId="164"/>
+          <ac:picMkLst>
+            <pc:docMk/>
+            <pc:sldMk cId="678201175" sldId="418"/>
+            <ac:picMk id="9" creationId="{336C62B0-D6A6-4170-304C-9D769A4EBD9E}"/>
+          </ac:picMkLst>
+        </pc:picChg>
+        <pc:picChg chg="add mod">
+          <ac:chgData name="MKONDIWA, Maxwell (CIMMYT-India)" userId="861bee07-b612-4cf7-beae-414489ecebf8" providerId="ADAL" clId="{E8D17F3F-A9E1-4CB6-AE23-77212FC715F0}" dt="2023-07-30T03:46:58.762" v="397" actId="164"/>
+          <ac:picMkLst>
+            <pc:docMk/>
+            <pc:sldMk cId="678201175" sldId="418"/>
+            <ac:picMk id="11" creationId="{512963BE-8C4E-A18A-E8E6-0A49220C2982}"/>
+          </ac:picMkLst>
+        </pc:picChg>
+        <pc:picChg chg="add mod">
+          <ac:chgData name="MKONDIWA, Maxwell (CIMMYT-India)" userId="861bee07-b612-4cf7-beae-414489ecebf8" providerId="ADAL" clId="{E8D17F3F-A9E1-4CB6-AE23-77212FC715F0}" dt="2023-07-30T03:46:58.762" v="397" actId="164"/>
+          <ac:picMkLst>
+            <pc:docMk/>
+            <pc:sldMk cId="678201175" sldId="418"/>
+            <ac:picMk id="13" creationId="{D8206653-CC94-E5F8-DBE0-49CE556EC68B}"/>
+          </ac:picMkLst>
+        </pc:picChg>
+        <pc:picChg chg="add mod">
+          <ac:chgData name="MKONDIWA, Maxwell (CIMMYT-India)" userId="861bee07-b612-4cf7-beae-414489ecebf8" providerId="ADAL" clId="{E8D17F3F-A9E1-4CB6-AE23-77212FC715F0}" dt="2023-07-30T03:46:58.762" v="397" actId="164"/>
+          <ac:picMkLst>
+            <pc:docMk/>
+            <pc:sldMk cId="678201175" sldId="418"/>
+            <ac:picMk id="15" creationId="{EE417E9A-3FA3-8934-5696-C3A290E93CF0}"/>
+          </ac:picMkLst>
+        </pc:picChg>
+        <pc:picChg chg="add mod">
+          <ac:chgData name="MKONDIWA, Maxwell (CIMMYT-India)" userId="861bee07-b612-4cf7-beae-414489ecebf8" providerId="ADAL" clId="{E8D17F3F-A9E1-4CB6-AE23-77212FC715F0}" dt="2023-07-30T03:46:58.762" v="397" actId="164"/>
+          <ac:picMkLst>
+            <pc:docMk/>
+            <pc:sldMk cId="678201175" sldId="418"/>
+            <ac:picMk id="17" creationId="{4162F913-F104-CFCA-A012-35832418ED4C}"/>
+          </ac:picMkLst>
+        </pc:picChg>
+      </pc:sldChg>
+      <pc:sldChg chg="addSp delSp modSp new mod">
+        <pc:chgData name="MKONDIWA, Maxwell (CIMMYT-India)" userId="861bee07-b612-4cf7-beae-414489ecebf8" providerId="ADAL" clId="{E8D17F3F-A9E1-4CB6-AE23-77212FC715F0}" dt="2023-07-30T03:19:23.665" v="287" actId="14100"/>
+        <pc:sldMkLst>
+          <pc:docMk/>
+          <pc:sldMk cId="3186879230" sldId="419"/>
+        </pc:sldMkLst>
+        <pc:picChg chg="add del mod">
+          <ac:chgData name="MKONDIWA, Maxwell (CIMMYT-India)" userId="861bee07-b612-4cf7-beae-414489ecebf8" providerId="ADAL" clId="{E8D17F3F-A9E1-4CB6-AE23-77212FC715F0}" dt="2023-07-30T03:18:30.777" v="273" actId="478"/>
+          <ac:picMkLst>
+            <pc:docMk/>
+            <pc:sldMk cId="3186879230" sldId="419"/>
+            <ac:picMk id="3" creationId="{0C2F4B46-A4B5-4651-198F-9128608F4266}"/>
+          </ac:picMkLst>
+        </pc:picChg>
+        <pc:picChg chg="add del">
+          <ac:chgData name="MKONDIWA, Maxwell (CIMMYT-India)" userId="861bee07-b612-4cf7-beae-414489ecebf8" providerId="ADAL" clId="{E8D17F3F-A9E1-4CB6-AE23-77212FC715F0}" dt="2023-07-30T03:18:36.893" v="275" actId="478"/>
+          <ac:picMkLst>
+            <pc:docMk/>
+            <pc:sldMk cId="3186879230" sldId="419"/>
+            <ac:picMk id="4" creationId="{BAE0BBA2-8828-E0C9-394B-0CCE8DB4B6D7}"/>
+          </ac:picMkLst>
+        </pc:picChg>
+        <pc:picChg chg="add mod">
+          <ac:chgData name="MKONDIWA, Maxwell (CIMMYT-India)" userId="861bee07-b612-4cf7-beae-414489ecebf8" providerId="ADAL" clId="{E8D17F3F-A9E1-4CB6-AE23-77212FC715F0}" dt="2023-07-30T03:19:09.112" v="283" actId="14100"/>
+          <ac:picMkLst>
+            <pc:docMk/>
+            <pc:sldMk cId="3186879230" sldId="419"/>
+            <ac:picMk id="6" creationId="{41027428-F24C-AE91-2B04-D2C6D80CF7A4}"/>
+          </ac:picMkLst>
+        </pc:picChg>
+        <pc:picChg chg="add mod">
+          <ac:chgData name="MKONDIWA, Maxwell (CIMMYT-India)" userId="861bee07-b612-4cf7-beae-414489ecebf8" providerId="ADAL" clId="{E8D17F3F-A9E1-4CB6-AE23-77212FC715F0}" dt="2023-07-30T03:19:23.665" v="287" actId="14100"/>
+          <ac:picMkLst>
+            <pc:docMk/>
+            <pc:sldMk cId="3186879230" sldId="419"/>
+            <ac:picMk id="8" creationId="{50CB44D1-50CA-F711-B11E-55A5C55A5BB4}"/>
+          </ac:picMkLst>
+        </pc:picChg>
+      </pc:sldChg>
+      <pc:sldChg chg="modSp new mod">
+        <pc:chgData name="MKONDIWA, Maxwell (CIMMYT-India)" userId="861bee07-b612-4cf7-beae-414489ecebf8" providerId="ADAL" clId="{E8D17F3F-A9E1-4CB6-AE23-77212FC715F0}" dt="2023-07-30T03:27:04.075" v="337" actId="20577"/>
+        <pc:sldMkLst>
+          <pc:docMk/>
+          <pc:sldMk cId="457993894" sldId="420"/>
+        </pc:sldMkLst>
+        <pc:spChg chg="mod">
+          <ac:chgData name="MKONDIWA, Maxwell (CIMMYT-India)" userId="861bee07-b612-4cf7-beae-414489ecebf8" providerId="ADAL" clId="{E8D17F3F-A9E1-4CB6-AE23-77212FC715F0}" dt="2023-07-30T03:27:04.075" v="337" actId="20577"/>
+          <ac:spMkLst>
+            <pc:docMk/>
+            <pc:sldMk cId="457993894" sldId="420"/>
+            <ac:spMk id="2" creationId="{2632D21A-9F88-6336-B6EA-589ACBFBB156}"/>
           </ac:spMkLst>
         </pc:spChg>
       </pc:sldChg>
@@ -1462,7 +1899,7 @@
           <a:p>
             <a:fld id="{9A1FBAB8-4B41-4FD5-8C11-54A6B116D430}" type="datetimeFigureOut">
               <a:rPr lang="en-ZW" smtClean="0"/>
-              <a:t>25/7/2023</a:t>
+              <a:t>30/7/2023</a:t>
             </a:fld>
             <a:endParaRPr lang="en-ZW"/>
           </a:p>
@@ -2131,7 +2568,7 @@
           <a:p>
             <a:fld id="{0D336653-BEC4-4200-85FD-0B10B1D3D944}" type="datetimeFigureOut">
               <a:rPr lang="en-ZW" smtClean="0"/>
-              <a:t>25/7/2023</a:t>
+              <a:t>30/7/2023</a:t>
             </a:fld>
             <a:endParaRPr lang="en-ZW"/>
           </a:p>
@@ -2331,7 +2768,7 @@
           <a:p>
             <a:fld id="{0D336653-BEC4-4200-85FD-0B10B1D3D944}" type="datetimeFigureOut">
               <a:rPr lang="en-ZW" smtClean="0"/>
-              <a:t>25/7/2023</a:t>
+              <a:t>30/7/2023</a:t>
             </a:fld>
             <a:endParaRPr lang="en-ZW"/>
           </a:p>
@@ -2541,7 +2978,7 @@
           <a:p>
             <a:fld id="{0D336653-BEC4-4200-85FD-0B10B1D3D944}" type="datetimeFigureOut">
               <a:rPr lang="en-ZW" smtClean="0"/>
-              <a:t>25/7/2023</a:t>
+              <a:t>30/7/2023</a:t>
             </a:fld>
             <a:endParaRPr lang="en-ZW"/>
           </a:p>
@@ -2741,7 +3178,7 @@
           <a:p>
             <a:fld id="{0D336653-BEC4-4200-85FD-0B10B1D3D944}" type="datetimeFigureOut">
               <a:rPr lang="en-ZW" smtClean="0"/>
-              <a:t>25/7/2023</a:t>
+              <a:t>30/7/2023</a:t>
             </a:fld>
             <a:endParaRPr lang="en-ZW"/>
           </a:p>
@@ -3017,7 +3454,7 @@
           <a:p>
             <a:fld id="{0D336653-BEC4-4200-85FD-0B10B1D3D944}" type="datetimeFigureOut">
               <a:rPr lang="en-ZW" smtClean="0"/>
-              <a:t>25/7/2023</a:t>
+              <a:t>30/7/2023</a:t>
             </a:fld>
             <a:endParaRPr lang="en-ZW"/>
           </a:p>
@@ -3285,7 +3722,7 @@
           <a:p>
             <a:fld id="{0D336653-BEC4-4200-85FD-0B10B1D3D944}" type="datetimeFigureOut">
               <a:rPr lang="en-ZW" smtClean="0"/>
-              <a:t>25/7/2023</a:t>
+              <a:t>30/7/2023</a:t>
             </a:fld>
             <a:endParaRPr lang="en-ZW"/>
           </a:p>
@@ -3700,7 +4137,7 @@
           <a:p>
             <a:fld id="{0D336653-BEC4-4200-85FD-0B10B1D3D944}" type="datetimeFigureOut">
               <a:rPr lang="en-ZW" smtClean="0"/>
-              <a:t>25/7/2023</a:t>
+              <a:t>30/7/2023</a:t>
             </a:fld>
             <a:endParaRPr lang="en-ZW"/>
           </a:p>
@@ -3842,7 +4279,7 @@
           <a:p>
             <a:fld id="{0D336653-BEC4-4200-85FD-0B10B1D3D944}" type="datetimeFigureOut">
               <a:rPr lang="en-ZW" smtClean="0"/>
-              <a:t>25/7/2023</a:t>
+              <a:t>30/7/2023</a:t>
             </a:fld>
             <a:endParaRPr lang="en-ZW"/>
           </a:p>
@@ -3955,7 +4392,7 @@
           <a:p>
             <a:fld id="{0D336653-BEC4-4200-85FD-0B10B1D3D944}" type="datetimeFigureOut">
               <a:rPr lang="en-ZW" smtClean="0"/>
-              <a:t>25/7/2023</a:t>
+              <a:t>30/7/2023</a:t>
             </a:fld>
             <a:endParaRPr lang="en-ZW"/>
           </a:p>
@@ -4268,7 +4705,7 @@
           <a:p>
             <a:fld id="{0D336653-BEC4-4200-85FD-0B10B1D3D944}" type="datetimeFigureOut">
               <a:rPr lang="en-ZW" smtClean="0"/>
-              <a:t>25/7/2023</a:t>
+              <a:t>30/7/2023</a:t>
             </a:fld>
             <a:endParaRPr lang="en-ZW"/>
           </a:p>
@@ -4557,7 +4994,7 @@
           <a:p>
             <a:fld id="{0D336653-BEC4-4200-85FD-0B10B1D3D944}" type="datetimeFigureOut">
               <a:rPr lang="en-ZW" smtClean="0"/>
-              <a:t>25/7/2023</a:t>
+              <a:t>30/7/2023</a:t>
             </a:fld>
             <a:endParaRPr lang="en-ZW"/>
           </a:p>
@@ -4800,7 +5237,7 @@
           <a:p>
             <a:fld id="{0D336653-BEC4-4200-85FD-0B10B1D3D944}" type="datetimeFigureOut">
               <a:rPr lang="en-ZW" smtClean="0"/>
-              <a:t>25/7/2023</a:t>
+              <a:t>30/7/2023</a:t>
             </a:fld>
             <a:endParaRPr lang="en-ZW"/>
           </a:p>
@@ -5419,408 +5856,429 @@
           <a:chExt cx="0" cy="0"/>
         </a:xfrm>
       </p:grpSpPr>
-      <p:sp>
-        <p:nvSpPr>
-          <p:cNvPr id="28" name="TextBox 27">
+      <p:grpSp>
+        <p:nvGrpSpPr>
+          <p:cNvPr id="3" name="Group 2">
             <a:extLst>
               <a:ext uri="{FF2B5EF4-FFF2-40B4-BE49-F238E27FC236}">
-                <a16:creationId xmlns:a16="http://schemas.microsoft.com/office/drawing/2014/main" id="{092B29CD-616E-76C9-9B48-DC939FFC7310}"/>
+                <a16:creationId xmlns:a16="http://schemas.microsoft.com/office/drawing/2014/main" id="{5BF0931C-219E-9D28-7DA9-27A4A7EBE12D}"/>
               </a:ext>
             </a:extLst>
           </p:cNvPr>
-          <p:cNvSpPr txBox="1"/>
+          <p:cNvGrpSpPr/>
           <p:nvPr/>
-        </p:nvSpPr>
-        <p:spPr>
+        </p:nvGrpSpPr>
+        <p:grpSpPr>
           <a:xfrm>
-            <a:off x="256658" y="45910"/>
-            <a:ext cx="533453" cy="307777"/>
+            <a:off x="197395" y="99019"/>
+            <a:ext cx="11731053" cy="5629503"/>
+            <a:chOff x="197395" y="126451"/>
+            <a:chExt cx="11731053" cy="5629503"/>
           </a:xfrm>
-          <a:prstGeom prst="rect">
-            <a:avLst/>
-          </a:prstGeom>
-          <a:noFill/>
-        </p:spPr>
-        <p:txBody>
-          <a:bodyPr wrap="square" rtlCol="0">
-            <a:spAutoFit/>
-          </a:bodyPr>
-          <a:lstStyle/>
-          <a:p>
-            <a:r>
-              <a:rPr lang="en-ZW" sz="1400" dirty="0">
-                <a:latin typeface="Gill Sans MT" panose="020B0502020104020203" pitchFamily="34" charset="0"/>
-              </a:rPr>
-              <a:t>a</a:t>
-            </a:r>
-          </a:p>
-        </p:txBody>
-      </p:sp>
-      <p:sp>
-        <p:nvSpPr>
-          <p:cNvPr id="29" name="TextBox 28">
-            <a:extLst>
-              <a:ext uri="{FF2B5EF4-FFF2-40B4-BE49-F238E27FC236}">
-                <a16:creationId xmlns:a16="http://schemas.microsoft.com/office/drawing/2014/main" id="{E0A862FD-170B-7667-ED5D-A5CE8B062D84}"/>
-              </a:ext>
-            </a:extLst>
-          </p:cNvPr>
-          <p:cNvSpPr txBox="1"/>
-          <p:nvPr/>
-        </p:nvSpPr>
-        <p:spPr>
-          <a:xfrm>
-            <a:off x="3764873" y="88278"/>
-            <a:ext cx="533453" cy="307777"/>
-          </a:xfrm>
-          <a:prstGeom prst="rect">
-            <a:avLst/>
-          </a:prstGeom>
-          <a:noFill/>
-        </p:spPr>
-        <p:txBody>
-          <a:bodyPr wrap="square" rtlCol="0">
-            <a:spAutoFit/>
-          </a:bodyPr>
-          <a:lstStyle/>
-          <a:p>
-            <a:r>
-              <a:rPr lang="en-ZW" sz="1400" dirty="0">
-                <a:latin typeface="Gill Sans MT" panose="020B0502020104020203" pitchFamily="34" charset="0"/>
-              </a:rPr>
-              <a:t>b</a:t>
-            </a:r>
-          </a:p>
-        </p:txBody>
-      </p:sp>
-      <p:sp>
-        <p:nvSpPr>
-          <p:cNvPr id="30" name="TextBox 29">
-            <a:extLst>
-              <a:ext uri="{FF2B5EF4-FFF2-40B4-BE49-F238E27FC236}">
-                <a16:creationId xmlns:a16="http://schemas.microsoft.com/office/drawing/2014/main" id="{B3136C8D-51CF-5056-EBBC-54F84449CECE}"/>
-              </a:ext>
-            </a:extLst>
-          </p:cNvPr>
-          <p:cNvSpPr txBox="1"/>
-          <p:nvPr/>
-        </p:nvSpPr>
-        <p:spPr>
-          <a:xfrm>
-            <a:off x="7806541" y="-37334"/>
-            <a:ext cx="533453" cy="307777"/>
-          </a:xfrm>
-          <a:prstGeom prst="rect">
-            <a:avLst/>
-          </a:prstGeom>
-          <a:noFill/>
-        </p:spPr>
-        <p:txBody>
-          <a:bodyPr wrap="square" rtlCol="0">
-            <a:spAutoFit/>
-          </a:bodyPr>
-          <a:lstStyle/>
-          <a:p>
-            <a:r>
-              <a:rPr lang="en-ZW" sz="1400" dirty="0">
-                <a:latin typeface="Gill Sans MT" panose="020B0502020104020203" pitchFamily="34" charset="0"/>
-              </a:rPr>
-              <a:t>c</a:t>
-            </a:r>
-          </a:p>
-        </p:txBody>
-      </p:sp>
-      <p:sp>
-        <p:nvSpPr>
-          <p:cNvPr id="31" name="TextBox 30">
-            <a:extLst>
-              <a:ext uri="{FF2B5EF4-FFF2-40B4-BE49-F238E27FC236}">
-                <a16:creationId xmlns:a16="http://schemas.microsoft.com/office/drawing/2014/main" id="{AB641386-2C2F-CC50-081A-A7EA40BA9A7F}"/>
-              </a:ext>
-            </a:extLst>
-          </p:cNvPr>
-          <p:cNvSpPr txBox="1"/>
-          <p:nvPr/>
-        </p:nvSpPr>
-        <p:spPr>
-          <a:xfrm>
-            <a:off x="256658" y="2759296"/>
-            <a:ext cx="533453" cy="307777"/>
-          </a:xfrm>
-          <a:prstGeom prst="rect">
-            <a:avLst/>
-          </a:prstGeom>
-          <a:noFill/>
-        </p:spPr>
-        <p:txBody>
-          <a:bodyPr wrap="square" rtlCol="0">
-            <a:spAutoFit/>
-          </a:bodyPr>
-          <a:lstStyle/>
-          <a:p>
-            <a:r>
-              <a:rPr lang="en-ZW" sz="1400" dirty="0">
-                <a:latin typeface="Gill Sans MT" panose="020B0502020104020203" pitchFamily="34" charset="0"/>
-              </a:rPr>
-              <a:t>d</a:t>
-            </a:r>
-          </a:p>
-        </p:txBody>
-      </p:sp>
-      <p:sp>
-        <p:nvSpPr>
-          <p:cNvPr id="32" name="TextBox 31">
-            <a:extLst>
-              <a:ext uri="{FF2B5EF4-FFF2-40B4-BE49-F238E27FC236}">
-                <a16:creationId xmlns:a16="http://schemas.microsoft.com/office/drawing/2014/main" id="{B0A0938B-A3CB-0E2C-4694-C3D3125D1EEA}"/>
-              </a:ext>
-            </a:extLst>
-          </p:cNvPr>
-          <p:cNvSpPr txBox="1"/>
-          <p:nvPr/>
-        </p:nvSpPr>
-        <p:spPr>
-          <a:xfrm>
-            <a:off x="3828878" y="2840007"/>
-            <a:ext cx="533453" cy="307777"/>
-          </a:xfrm>
-          <a:prstGeom prst="rect">
-            <a:avLst/>
-          </a:prstGeom>
-          <a:noFill/>
-        </p:spPr>
-        <p:txBody>
-          <a:bodyPr wrap="square" rtlCol="0">
-            <a:spAutoFit/>
-          </a:bodyPr>
-          <a:lstStyle/>
-          <a:p>
-            <a:r>
-              <a:rPr lang="en-ZW" sz="1400" dirty="0">
-                <a:latin typeface="Gill Sans MT" panose="020B0502020104020203" pitchFamily="34" charset="0"/>
-              </a:rPr>
-              <a:t>e</a:t>
-            </a:r>
-          </a:p>
-        </p:txBody>
-      </p:sp>
-      <p:sp>
-        <p:nvSpPr>
-          <p:cNvPr id="33" name="TextBox 32">
-            <a:extLst>
-              <a:ext uri="{FF2B5EF4-FFF2-40B4-BE49-F238E27FC236}">
-                <a16:creationId xmlns:a16="http://schemas.microsoft.com/office/drawing/2014/main" id="{109F0835-01B6-9AF7-6FE6-BF351E46E248}"/>
-              </a:ext>
-            </a:extLst>
-          </p:cNvPr>
-          <p:cNvSpPr txBox="1"/>
-          <p:nvPr/>
-        </p:nvSpPr>
-        <p:spPr>
-          <a:xfrm>
-            <a:off x="7637072" y="3001298"/>
-            <a:ext cx="533453" cy="307777"/>
-          </a:xfrm>
-          <a:prstGeom prst="rect">
-            <a:avLst/>
-          </a:prstGeom>
-          <a:noFill/>
-        </p:spPr>
-        <p:txBody>
-          <a:bodyPr wrap="square" rtlCol="0">
-            <a:spAutoFit/>
-          </a:bodyPr>
-          <a:lstStyle/>
-          <a:p>
-            <a:r>
-              <a:rPr lang="en-ZW" sz="1400" dirty="0">
-                <a:latin typeface="Gill Sans MT" panose="020B0502020104020203" pitchFamily="34" charset="0"/>
-              </a:rPr>
-              <a:t>f</a:t>
-            </a:r>
-          </a:p>
-        </p:txBody>
-      </p:sp>
-      <p:pic>
-        <p:nvPicPr>
-          <p:cNvPr id="5" name="Picture 4">
-            <a:extLst>
-              <a:ext uri="{FF2B5EF4-FFF2-40B4-BE49-F238E27FC236}">
-                <a16:creationId xmlns:a16="http://schemas.microsoft.com/office/drawing/2014/main" id="{6037F929-731F-43B9-6448-1C850FC2C308}"/>
-              </a:ext>
-            </a:extLst>
-          </p:cNvPr>
-          <p:cNvPicPr>
-            <a:picLocks noChangeAspect="1"/>
-          </p:cNvPicPr>
-          <p:nvPr/>
-        </p:nvPicPr>
-        <p:blipFill>
-          <a:blip r:embed="rId3"/>
-          <a:stretch>
-            <a:fillRect/>
-          </a:stretch>
-        </p:blipFill>
-        <p:spPr>
-          <a:xfrm>
-            <a:off x="197395" y="561902"/>
-            <a:ext cx="3478239" cy="2362530"/>
-          </a:xfrm>
-          <a:prstGeom prst="rect">
-            <a:avLst/>
-          </a:prstGeom>
-        </p:spPr>
-      </p:pic>
-      <p:pic>
-        <p:nvPicPr>
-          <p:cNvPr id="6" name="Picture 5">
-            <a:extLst>
-              <a:ext uri="{FF2B5EF4-FFF2-40B4-BE49-F238E27FC236}">
-                <a16:creationId xmlns:a16="http://schemas.microsoft.com/office/drawing/2014/main" id="{F1D0CF8A-3C12-516A-1964-51F1FE0F9B87}"/>
-              </a:ext>
-            </a:extLst>
-          </p:cNvPr>
-          <p:cNvPicPr>
-            <a:picLocks noChangeAspect="1"/>
-          </p:cNvPicPr>
-          <p:nvPr/>
-        </p:nvPicPr>
-        <p:blipFill>
-          <a:blip r:embed="rId4"/>
-          <a:stretch>
-            <a:fillRect/>
-          </a:stretch>
-        </p:blipFill>
-        <p:spPr>
-          <a:xfrm>
-            <a:off x="3927680" y="620228"/>
-            <a:ext cx="3810799" cy="2304204"/>
-          </a:xfrm>
-          <a:prstGeom prst="rect">
-            <a:avLst/>
-          </a:prstGeom>
-        </p:spPr>
-      </p:pic>
-      <p:pic>
-        <p:nvPicPr>
-          <p:cNvPr id="7" name="Picture 6">
-            <a:extLst>
-              <a:ext uri="{FF2B5EF4-FFF2-40B4-BE49-F238E27FC236}">
-                <a16:creationId xmlns:a16="http://schemas.microsoft.com/office/drawing/2014/main" id="{2F15AEF4-8170-995A-52B5-C42B14A1C0CB}"/>
-              </a:ext>
-            </a:extLst>
-          </p:cNvPr>
-          <p:cNvPicPr>
-            <a:picLocks noChangeAspect="1"/>
-          </p:cNvPicPr>
-          <p:nvPr/>
-        </p:nvPicPr>
-        <p:blipFill>
-          <a:blip r:embed="rId5"/>
-          <a:stretch>
-            <a:fillRect/>
-          </a:stretch>
-        </p:blipFill>
-        <p:spPr>
-          <a:xfrm>
-            <a:off x="7990525" y="581795"/>
-            <a:ext cx="3937923" cy="2381070"/>
-          </a:xfrm>
-          <a:prstGeom prst="rect">
-            <a:avLst/>
-          </a:prstGeom>
-        </p:spPr>
-      </p:pic>
-      <p:pic>
-        <p:nvPicPr>
-          <p:cNvPr id="8" name="Picture 7">
-            <a:extLst>
-              <a:ext uri="{FF2B5EF4-FFF2-40B4-BE49-F238E27FC236}">
-                <a16:creationId xmlns:a16="http://schemas.microsoft.com/office/drawing/2014/main" id="{3515F14A-73DD-6F81-711F-BB1845B454D7}"/>
-              </a:ext>
-            </a:extLst>
-          </p:cNvPr>
-          <p:cNvPicPr>
-            <a:picLocks noChangeAspect="1"/>
-          </p:cNvPicPr>
-          <p:nvPr/>
-        </p:nvPicPr>
-        <p:blipFill>
-          <a:blip r:embed="rId6"/>
-          <a:stretch>
-            <a:fillRect/>
-          </a:stretch>
-        </p:blipFill>
-        <p:spPr>
-          <a:xfrm>
-            <a:off x="241475" y="3309075"/>
-            <a:ext cx="3776515" cy="2283474"/>
-          </a:xfrm>
-          <a:prstGeom prst="rect">
-            <a:avLst/>
-          </a:prstGeom>
-        </p:spPr>
-      </p:pic>
-      <p:pic>
-        <p:nvPicPr>
-          <p:cNvPr id="9" name="Picture 8">
-            <a:extLst>
-              <a:ext uri="{FF2B5EF4-FFF2-40B4-BE49-F238E27FC236}">
-                <a16:creationId xmlns:a16="http://schemas.microsoft.com/office/drawing/2014/main" id="{35E4A1C1-BEDF-3C43-AECA-6AF279861091}"/>
-              </a:ext>
-            </a:extLst>
-          </p:cNvPr>
-          <p:cNvPicPr>
-            <a:picLocks noChangeAspect="1"/>
-          </p:cNvPicPr>
-          <p:nvPr/>
-        </p:nvPicPr>
-        <p:blipFill>
-          <a:blip r:embed="rId7"/>
-          <a:stretch>
-            <a:fillRect/>
-          </a:stretch>
-        </p:blipFill>
-        <p:spPr>
-          <a:xfrm>
-            <a:off x="4031599" y="3428999"/>
-            <a:ext cx="3605473" cy="2326955"/>
-          </a:xfrm>
-          <a:prstGeom prst="rect">
-            <a:avLst/>
-          </a:prstGeom>
-        </p:spPr>
-      </p:pic>
-      <p:pic>
-        <p:nvPicPr>
-          <p:cNvPr id="10" name="Picture 9">
-            <a:extLst>
-              <a:ext uri="{FF2B5EF4-FFF2-40B4-BE49-F238E27FC236}">
-                <a16:creationId xmlns:a16="http://schemas.microsoft.com/office/drawing/2014/main" id="{55C29D4D-87BA-D5ED-80F5-79B9908A7150}"/>
-              </a:ext>
-            </a:extLst>
-          </p:cNvPr>
-          <p:cNvPicPr>
-            <a:picLocks noChangeAspect="1"/>
-          </p:cNvPicPr>
-          <p:nvPr/>
-        </p:nvPicPr>
-        <p:blipFill>
-          <a:blip r:embed="rId8"/>
-          <a:stretch>
-            <a:fillRect/>
-          </a:stretch>
-        </p:blipFill>
-        <p:spPr>
-          <a:xfrm>
-            <a:off x="7990525" y="3548926"/>
-            <a:ext cx="3804745" cy="2300543"/>
-          </a:xfrm>
-          <a:prstGeom prst="rect">
-            <a:avLst/>
-          </a:prstGeom>
-        </p:spPr>
-      </p:pic>
+        </p:grpSpPr>
+        <p:sp>
+          <p:nvSpPr>
+            <p:cNvPr id="28" name="TextBox 27">
+              <a:extLst>
+                <a:ext uri="{FF2B5EF4-FFF2-40B4-BE49-F238E27FC236}">
+                  <a16:creationId xmlns:a16="http://schemas.microsoft.com/office/drawing/2014/main" id="{092B29CD-616E-76C9-9B48-DC939FFC7310}"/>
+                </a:ext>
+              </a:extLst>
+            </p:cNvPr>
+            <p:cNvSpPr txBox="1"/>
+            <p:nvPr/>
+          </p:nvSpPr>
+          <p:spPr>
+            <a:xfrm>
+              <a:off x="256658" y="177259"/>
+              <a:ext cx="533453" cy="307777"/>
+            </a:xfrm>
+            <a:prstGeom prst="rect">
+              <a:avLst/>
+            </a:prstGeom>
+            <a:noFill/>
+          </p:spPr>
+          <p:txBody>
+            <a:bodyPr wrap="square" rtlCol="0">
+              <a:spAutoFit/>
+            </a:bodyPr>
+            <a:lstStyle/>
+            <a:p>
+              <a:r>
+                <a:rPr lang="en-ZW" sz="1400" dirty="0">
+                  <a:latin typeface="Gill Sans MT" panose="020B0502020104020203" pitchFamily="34" charset="0"/>
+                </a:rPr>
+                <a:t>a</a:t>
+              </a:r>
+            </a:p>
+          </p:txBody>
+        </p:sp>
+        <p:sp>
+          <p:nvSpPr>
+            <p:cNvPr id="29" name="TextBox 28">
+              <a:extLst>
+                <a:ext uri="{FF2B5EF4-FFF2-40B4-BE49-F238E27FC236}">
+                  <a16:creationId xmlns:a16="http://schemas.microsoft.com/office/drawing/2014/main" id="{E0A862FD-170B-7667-ED5D-A5CE8B062D84}"/>
+                </a:ext>
+              </a:extLst>
+            </p:cNvPr>
+            <p:cNvSpPr txBox="1"/>
+            <p:nvPr/>
+          </p:nvSpPr>
+          <p:spPr>
+            <a:xfrm>
+              <a:off x="3956168" y="126451"/>
+              <a:ext cx="533453" cy="307777"/>
+            </a:xfrm>
+            <a:prstGeom prst="rect">
+              <a:avLst/>
+            </a:prstGeom>
+            <a:noFill/>
+          </p:spPr>
+          <p:txBody>
+            <a:bodyPr wrap="square" rtlCol="0">
+              <a:spAutoFit/>
+            </a:bodyPr>
+            <a:lstStyle/>
+            <a:p>
+              <a:r>
+                <a:rPr lang="en-ZW" sz="1400" dirty="0">
+                  <a:latin typeface="Gill Sans MT" panose="020B0502020104020203" pitchFamily="34" charset="0"/>
+                </a:rPr>
+                <a:t>b</a:t>
+              </a:r>
+            </a:p>
+          </p:txBody>
+        </p:sp>
+        <p:sp>
+          <p:nvSpPr>
+            <p:cNvPr id="30" name="TextBox 29">
+              <a:extLst>
+                <a:ext uri="{FF2B5EF4-FFF2-40B4-BE49-F238E27FC236}">
+                  <a16:creationId xmlns:a16="http://schemas.microsoft.com/office/drawing/2014/main" id="{B3136C8D-51CF-5056-EBBC-54F84449CECE}"/>
+                </a:ext>
+              </a:extLst>
+            </p:cNvPr>
+            <p:cNvSpPr txBox="1"/>
+            <p:nvPr/>
+          </p:nvSpPr>
+          <p:spPr>
+            <a:xfrm>
+              <a:off x="7806541" y="264418"/>
+              <a:ext cx="533453" cy="307777"/>
+            </a:xfrm>
+            <a:prstGeom prst="rect">
+              <a:avLst/>
+            </a:prstGeom>
+            <a:noFill/>
+          </p:spPr>
+          <p:txBody>
+            <a:bodyPr wrap="square" rtlCol="0">
+              <a:spAutoFit/>
+            </a:bodyPr>
+            <a:lstStyle/>
+            <a:p>
+              <a:r>
+                <a:rPr lang="en-ZW" sz="1400" dirty="0">
+                  <a:latin typeface="Gill Sans MT" panose="020B0502020104020203" pitchFamily="34" charset="0"/>
+                </a:rPr>
+                <a:t>c</a:t>
+              </a:r>
+            </a:p>
+          </p:txBody>
+        </p:sp>
+        <p:sp>
+          <p:nvSpPr>
+            <p:cNvPr id="31" name="TextBox 30">
+              <a:extLst>
+                <a:ext uri="{FF2B5EF4-FFF2-40B4-BE49-F238E27FC236}">
+                  <a16:creationId xmlns:a16="http://schemas.microsoft.com/office/drawing/2014/main" id="{AB641386-2C2F-CC50-081A-A7EA40BA9A7F}"/>
+                </a:ext>
+              </a:extLst>
+            </p:cNvPr>
+            <p:cNvSpPr txBox="1"/>
+            <p:nvPr/>
+          </p:nvSpPr>
+          <p:spPr>
+            <a:xfrm>
+              <a:off x="273581" y="2920652"/>
+              <a:ext cx="533453" cy="307777"/>
+            </a:xfrm>
+            <a:prstGeom prst="rect">
+              <a:avLst/>
+            </a:prstGeom>
+            <a:noFill/>
+          </p:spPr>
+          <p:txBody>
+            <a:bodyPr wrap="square" rtlCol="0">
+              <a:spAutoFit/>
+            </a:bodyPr>
+            <a:lstStyle/>
+            <a:p>
+              <a:r>
+                <a:rPr lang="en-ZW" sz="1400" dirty="0">
+                  <a:latin typeface="Gill Sans MT" panose="020B0502020104020203" pitchFamily="34" charset="0"/>
+                </a:rPr>
+                <a:t>d</a:t>
+              </a:r>
+            </a:p>
+          </p:txBody>
+        </p:sp>
+        <p:sp>
+          <p:nvSpPr>
+            <p:cNvPr id="32" name="TextBox 31">
+              <a:extLst>
+                <a:ext uri="{FF2B5EF4-FFF2-40B4-BE49-F238E27FC236}">
+                  <a16:creationId xmlns:a16="http://schemas.microsoft.com/office/drawing/2014/main" id="{B0A0938B-A3CB-0E2C-4694-C3D3125D1EEA}"/>
+                </a:ext>
+              </a:extLst>
+            </p:cNvPr>
+            <p:cNvSpPr txBox="1"/>
+            <p:nvPr/>
+          </p:nvSpPr>
+          <p:spPr>
+            <a:xfrm>
+              <a:off x="3828878" y="2840007"/>
+              <a:ext cx="533453" cy="307777"/>
+            </a:xfrm>
+            <a:prstGeom prst="rect">
+              <a:avLst/>
+            </a:prstGeom>
+            <a:noFill/>
+          </p:spPr>
+          <p:txBody>
+            <a:bodyPr wrap="square" rtlCol="0">
+              <a:spAutoFit/>
+            </a:bodyPr>
+            <a:lstStyle/>
+            <a:p>
+              <a:r>
+                <a:rPr lang="en-ZW" sz="1400" dirty="0">
+                  <a:latin typeface="Gill Sans MT" panose="020B0502020104020203" pitchFamily="34" charset="0"/>
+                </a:rPr>
+                <a:t>e</a:t>
+              </a:r>
+            </a:p>
+          </p:txBody>
+        </p:sp>
+        <p:sp>
+          <p:nvSpPr>
+            <p:cNvPr id="33" name="TextBox 32">
+              <a:extLst>
+                <a:ext uri="{FF2B5EF4-FFF2-40B4-BE49-F238E27FC236}">
+                  <a16:creationId xmlns:a16="http://schemas.microsoft.com/office/drawing/2014/main" id="{109F0835-01B6-9AF7-6FE6-BF351E46E248}"/>
+                </a:ext>
+              </a:extLst>
+            </p:cNvPr>
+            <p:cNvSpPr txBox="1"/>
+            <p:nvPr/>
+          </p:nvSpPr>
+          <p:spPr>
+            <a:xfrm>
+              <a:off x="7637072" y="3001298"/>
+              <a:ext cx="533453" cy="307777"/>
+            </a:xfrm>
+            <a:prstGeom prst="rect">
+              <a:avLst/>
+            </a:prstGeom>
+            <a:noFill/>
+          </p:spPr>
+          <p:txBody>
+            <a:bodyPr wrap="square" rtlCol="0">
+              <a:spAutoFit/>
+            </a:bodyPr>
+            <a:lstStyle/>
+            <a:p>
+              <a:r>
+                <a:rPr lang="en-ZW" sz="1400" dirty="0">
+                  <a:latin typeface="Gill Sans MT" panose="020B0502020104020203" pitchFamily="34" charset="0"/>
+                </a:rPr>
+                <a:t>f</a:t>
+              </a:r>
+            </a:p>
+          </p:txBody>
+        </p:sp>
+        <p:pic>
+          <p:nvPicPr>
+            <p:cNvPr id="5" name="Picture 4">
+              <a:extLst>
+                <a:ext uri="{FF2B5EF4-FFF2-40B4-BE49-F238E27FC236}">
+                  <a16:creationId xmlns:a16="http://schemas.microsoft.com/office/drawing/2014/main" id="{6037F929-731F-43B9-6448-1C850FC2C308}"/>
+                </a:ext>
+              </a:extLst>
+            </p:cNvPr>
+            <p:cNvPicPr>
+              <a:picLocks noChangeAspect="1"/>
+            </p:cNvPicPr>
+            <p:nvPr/>
+          </p:nvPicPr>
+          <p:blipFill>
+            <a:blip r:embed="rId3"/>
+            <a:stretch>
+              <a:fillRect/>
+            </a:stretch>
+          </p:blipFill>
+          <p:spPr>
+            <a:xfrm>
+              <a:off x="197395" y="561902"/>
+              <a:ext cx="3478239" cy="2362530"/>
+            </a:xfrm>
+            <a:prstGeom prst="rect">
+              <a:avLst/>
+            </a:prstGeom>
+          </p:spPr>
+        </p:pic>
+        <p:pic>
+          <p:nvPicPr>
+            <p:cNvPr id="6" name="Picture 5">
+              <a:extLst>
+                <a:ext uri="{FF2B5EF4-FFF2-40B4-BE49-F238E27FC236}">
+                  <a16:creationId xmlns:a16="http://schemas.microsoft.com/office/drawing/2014/main" id="{F1D0CF8A-3C12-516A-1964-51F1FE0F9B87}"/>
+                </a:ext>
+              </a:extLst>
+            </p:cNvPr>
+            <p:cNvPicPr>
+              <a:picLocks noChangeAspect="1"/>
+            </p:cNvPicPr>
+            <p:nvPr/>
+          </p:nvPicPr>
+          <p:blipFill>
+            <a:blip r:embed="rId4"/>
+            <a:stretch>
+              <a:fillRect/>
+            </a:stretch>
+          </p:blipFill>
+          <p:spPr>
+            <a:xfrm>
+              <a:off x="3927680" y="620228"/>
+              <a:ext cx="3810799" cy="2304204"/>
+            </a:xfrm>
+            <a:prstGeom prst="rect">
+              <a:avLst/>
+            </a:prstGeom>
+          </p:spPr>
+        </p:pic>
+        <p:pic>
+          <p:nvPicPr>
+            <p:cNvPr id="7" name="Picture 6">
+              <a:extLst>
+                <a:ext uri="{FF2B5EF4-FFF2-40B4-BE49-F238E27FC236}">
+                  <a16:creationId xmlns:a16="http://schemas.microsoft.com/office/drawing/2014/main" id="{2F15AEF4-8170-995A-52B5-C42B14A1C0CB}"/>
+                </a:ext>
+              </a:extLst>
+            </p:cNvPr>
+            <p:cNvPicPr>
+              <a:picLocks noChangeAspect="1"/>
+            </p:cNvPicPr>
+            <p:nvPr/>
+          </p:nvPicPr>
+          <p:blipFill>
+            <a:blip r:embed="rId5"/>
+            <a:stretch>
+              <a:fillRect/>
+            </a:stretch>
+          </p:blipFill>
+          <p:spPr>
+            <a:xfrm>
+              <a:off x="7990525" y="581795"/>
+              <a:ext cx="3937923" cy="2381070"/>
+            </a:xfrm>
+            <a:prstGeom prst="rect">
+              <a:avLst/>
+            </a:prstGeom>
+          </p:spPr>
+        </p:pic>
+        <p:pic>
+          <p:nvPicPr>
+            <p:cNvPr id="8" name="Picture 7">
+              <a:extLst>
+                <a:ext uri="{FF2B5EF4-FFF2-40B4-BE49-F238E27FC236}">
+                  <a16:creationId xmlns:a16="http://schemas.microsoft.com/office/drawing/2014/main" id="{3515F14A-73DD-6F81-711F-BB1845B454D7}"/>
+                </a:ext>
+              </a:extLst>
+            </p:cNvPr>
+            <p:cNvPicPr>
+              <a:picLocks noChangeAspect="1"/>
+            </p:cNvPicPr>
+            <p:nvPr/>
+          </p:nvPicPr>
+          <p:blipFill>
+            <a:blip r:embed="rId6"/>
+            <a:stretch>
+              <a:fillRect/>
+            </a:stretch>
+          </p:blipFill>
+          <p:spPr>
+            <a:xfrm>
+              <a:off x="241475" y="3309075"/>
+              <a:ext cx="3776515" cy="2283474"/>
+            </a:xfrm>
+            <a:prstGeom prst="rect">
+              <a:avLst/>
+            </a:prstGeom>
+          </p:spPr>
+        </p:pic>
+        <p:pic>
+          <p:nvPicPr>
+            <p:cNvPr id="9" name="Picture 8">
+              <a:extLst>
+                <a:ext uri="{FF2B5EF4-FFF2-40B4-BE49-F238E27FC236}">
+                  <a16:creationId xmlns:a16="http://schemas.microsoft.com/office/drawing/2014/main" id="{35E4A1C1-BEDF-3C43-AECA-6AF279861091}"/>
+                </a:ext>
+              </a:extLst>
+            </p:cNvPr>
+            <p:cNvPicPr>
+              <a:picLocks noChangeAspect="1"/>
+            </p:cNvPicPr>
+            <p:nvPr/>
+          </p:nvPicPr>
+          <p:blipFill>
+            <a:blip r:embed="rId7"/>
+            <a:stretch>
+              <a:fillRect/>
+            </a:stretch>
+          </p:blipFill>
+          <p:spPr>
+            <a:xfrm>
+              <a:off x="4031599" y="3428999"/>
+              <a:ext cx="3605473" cy="2326955"/>
+            </a:xfrm>
+            <a:prstGeom prst="rect">
+              <a:avLst/>
+            </a:prstGeom>
+          </p:spPr>
+        </p:pic>
+        <p:pic>
+          <p:nvPicPr>
+            <p:cNvPr id="10" name="Picture 9">
+              <a:extLst>
+                <a:ext uri="{FF2B5EF4-FFF2-40B4-BE49-F238E27FC236}">
+                  <a16:creationId xmlns:a16="http://schemas.microsoft.com/office/drawing/2014/main" id="{55C29D4D-87BA-D5ED-80F5-79B9908A7150}"/>
+                </a:ext>
+              </a:extLst>
+            </p:cNvPr>
+            <p:cNvPicPr>
+              <a:picLocks noChangeAspect="1"/>
+            </p:cNvPicPr>
+            <p:nvPr/>
+          </p:nvPicPr>
+          <p:blipFill>
+            <a:blip r:embed="rId8"/>
+            <a:stretch>
+              <a:fillRect/>
+            </a:stretch>
+          </p:blipFill>
+          <p:spPr>
+            <a:xfrm>
+              <a:off x="7990525" y="3428999"/>
+              <a:ext cx="3804745" cy="2300543"/>
+            </a:xfrm>
+            <a:prstGeom prst="rect">
+              <a:avLst/>
+            </a:prstGeom>
+          </p:spPr>
+        </p:pic>
+      </p:grpSp>
       <p:sp>
         <p:nvSpPr>
           <p:cNvPr id="2" name="TextBox 1">
@@ -5835,7 +6293,7 @@
         </p:nvSpPr>
         <p:spPr>
           <a:xfrm>
-            <a:off x="5041557" y="45910"/>
+            <a:off x="4591909" y="37464"/>
             <a:ext cx="2298357" cy="369332"/>
           </a:xfrm>
           <a:prstGeom prst="rect">
@@ -5886,408 +6344,429 @@
           <a:chExt cx="0" cy="0"/>
         </a:xfrm>
       </p:grpSpPr>
-      <p:sp>
-        <p:nvSpPr>
-          <p:cNvPr id="28" name="TextBox 27">
+      <p:grpSp>
+        <p:nvGrpSpPr>
+          <p:cNvPr id="3" name="Group 2">
             <a:extLst>
               <a:ext uri="{FF2B5EF4-FFF2-40B4-BE49-F238E27FC236}">
-                <a16:creationId xmlns:a16="http://schemas.microsoft.com/office/drawing/2014/main" id="{092B29CD-616E-76C9-9B48-DC939FFC7310}"/>
+                <a16:creationId xmlns:a16="http://schemas.microsoft.com/office/drawing/2014/main" id="{FD5F93E9-1F7D-A55F-EF8D-95C8AFA5C6AC}"/>
               </a:ext>
             </a:extLst>
           </p:cNvPr>
-          <p:cNvSpPr txBox="1"/>
+          <p:cNvGrpSpPr/>
           <p:nvPr/>
-        </p:nvSpPr>
-        <p:spPr>
+        </p:nvGrpSpPr>
+        <p:grpSpPr>
           <a:xfrm>
-            <a:off x="339067" y="194521"/>
-            <a:ext cx="533453" cy="307777"/>
+            <a:off x="228086" y="194521"/>
+            <a:ext cx="11761341" cy="5802389"/>
+            <a:chOff x="228086" y="194521"/>
+            <a:chExt cx="11761341" cy="5802389"/>
           </a:xfrm>
-          <a:prstGeom prst="rect">
-            <a:avLst/>
-          </a:prstGeom>
-          <a:noFill/>
-        </p:spPr>
-        <p:txBody>
-          <a:bodyPr wrap="square" rtlCol="0">
-            <a:spAutoFit/>
-          </a:bodyPr>
-          <a:lstStyle/>
-          <a:p>
-            <a:r>
-              <a:rPr lang="en-ZW" sz="1400" dirty="0">
-                <a:latin typeface="Gill Sans MT" panose="020B0502020104020203" pitchFamily="34" charset="0"/>
-              </a:rPr>
-              <a:t>a</a:t>
-            </a:r>
-          </a:p>
-        </p:txBody>
-      </p:sp>
-      <p:sp>
-        <p:nvSpPr>
-          <p:cNvPr id="29" name="TextBox 28">
-            <a:extLst>
-              <a:ext uri="{FF2B5EF4-FFF2-40B4-BE49-F238E27FC236}">
-                <a16:creationId xmlns:a16="http://schemas.microsoft.com/office/drawing/2014/main" id="{E0A862FD-170B-7667-ED5D-A5CE8B062D84}"/>
-              </a:ext>
-            </a:extLst>
-          </p:cNvPr>
-          <p:cNvSpPr txBox="1"/>
-          <p:nvPr/>
-        </p:nvSpPr>
-        <p:spPr>
-          <a:xfrm>
-            <a:off x="3911286" y="194521"/>
-            <a:ext cx="533453" cy="307777"/>
-          </a:xfrm>
-          <a:prstGeom prst="rect">
-            <a:avLst/>
-          </a:prstGeom>
-          <a:noFill/>
-        </p:spPr>
-        <p:txBody>
-          <a:bodyPr wrap="square" rtlCol="0">
-            <a:spAutoFit/>
-          </a:bodyPr>
-          <a:lstStyle/>
-          <a:p>
-            <a:r>
-              <a:rPr lang="en-ZW" sz="1400" dirty="0">
-                <a:latin typeface="Gill Sans MT" panose="020B0502020104020203" pitchFamily="34" charset="0"/>
-              </a:rPr>
-              <a:t>b</a:t>
-            </a:r>
-          </a:p>
-        </p:txBody>
-      </p:sp>
-      <p:sp>
-        <p:nvSpPr>
-          <p:cNvPr id="30" name="TextBox 29">
-            <a:extLst>
-              <a:ext uri="{FF2B5EF4-FFF2-40B4-BE49-F238E27FC236}">
-                <a16:creationId xmlns:a16="http://schemas.microsoft.com/office/drawing/2014/main" id="{B3136C8D-51CF-5056-EBBC-54F84449CECE}"/>
-              </a:ext>
-            </a:extLst>
-          </p:cNvPr>
-          <p:cNvSpPr txBox="1"/>
-          <p:nvPr/>
-        </p:nvSpPr>
-        <p:spPr>
-          <a:xfrm>
-            <a:off x="7888949" y="285906"/>
-            <a:ext cx="533453" cy="307777"/>
-          </a:xfrm>
-          <a:prstGeom prst="rect">
-            <a:avLst/>
-          </a:prstGeom>
-          <a:noFill/>
-        </p:spPr>
-        <p:txBody>
-          <a:bodyPr wrap="square" rtlCol="0">
-            <a:spAutoFit/>
-          </a:bodyPr>
-          <a:lstStyle/>
-          <a:p>
-            <a:r>
-              <a:rPr lang="en-ZW" sz="1400" dirty="0">
-                <a:latin typeface="Gill Sans MT" panose="020B0502020104020203" pitchFamily="34" charset="0"/>
-              </a:rPr>
-              <a:t>c</a:t>
-            </a:r>
-          </a:p>
-        </p:txBody>
-      </p:sp>
-      <p:sp>
-        <p:nvSpPr>
-          <p:cNvPr id="31" name="TextBox 30">
-            <a:extLst>
-              <a:ext uri="{FF2B5EF4-FFF2-40B4-BE49-F238E27FC236}">
-                <a16:creationId xmlns:a16="http://schemas.microsoft.com/office/drawing/2014/main" id="{AB641386-2C2F-CC50-081A-A7EA40BA9A7F}"/>
-              </a:ext>
-            </a:extLst>
-          </p:cNvPr>
-          <p:cNvSpPr txBox="1"/>
-          <p:nvPr/>
-        </p:nvSpPr>
-        <p:spPr>
-          <a:xfrm>
-            <a:off x="339066" y="3243892"/>
-            <a:ext cx="533453" cy="307777"/>
-          </a:xfrm>
-          <a:prstGeom prst="rect">
-            <a:avLst/>
-          </a:prstGeom>
-          <a:noFill/>
-        </p:spPr>
-        <p:txBody>
-          <a:bodyPr wrap="square" rtlCol="0">
-            <a:spAutoFit/>
-          </a:bodyPr>
-          <a:lstStyle/>
-          <a:p>
-            <a:r>
-              <a:rPr lang="en-ZW" sz="1400" dirty="0">
-                <a:latin typeface="Gill Sans MT" panose="020B0502020104020203" pitchFamily="34" charset="0"/>
-              </a:rPr>
-              <a:t>d</a:t>
-            </a:r>
-          </a:p>
-        </p:txBody>
-      </p:sp>
-      <p:sp>
-        <p:nvSpPr>
-          <p:cNvPr id="32" name="TextBox 31">
-            <a:extLst>
-              <a:ext uri="{FF2B5EF4-FFF2-40B4-BE49-F238E27FC236}">
-                <a16:creationId xmlns:a16="http://schemas.microsoft.com/office/drawing/2014/main" id="{B0A0938B-A3CB-0E2C-4694-C3D3125D1EEA}"/>
-              </a:ext>
-            </a:extLst>
-          </p:cNvPr>
-          <p:cNvSpPr txBox="1"/>
-          <p:nvPr/>
-        </p:nvSpPr>
-        <p:spPr>
-          <a:xfrm>
-            <a:off x="3911286" y="3163247"/>
-            <a:ext cx="533453" cy="307777"/>
-          </a:xfrm>
-          <a:prstGeom prst="rect">
-            <a:avLst/>
-          </a:prstGeom>
-          <a:noFill/>
-        </p:spPr>
-        <p:txBody>
-          <a:bodyPr wrap="square" rtlCol="0">
-            <a:spAutoFit/>
-          </a:bodyPr>
-          <a:lstStyle/>
-          <a:p>
-            <a:r>
-              <a:rPr lang="en-ZW" sz="1400" dirty="0">
-                <a:latin typeface="Gill Sans MT" panose="020B0502020104020203" pitchFamily="34" charset="0"/>
-              </a:rPr>
-              <a:t>e</a:t>
-            </a:r>
-          </a:p>
-        </p:txBody>
-      </p:sp>
-      <p:sp>
-        <p:nvSpPr>
-          <p:cNvPr id="33" name="TextBox 32">
-            <a:extLst>
-              <a:ext uri="{FF2B5EF4-FFF2-40B4-BE49-F238E27FC236}">
-                <a16:creationId xmlns:a16="http://schemas.microsoft.com/office/drawing/2014/main" id="{109F0835-01B6-9AF7-6FE6-BF351E46E248}"/>
-              </a:ext>
-            </a:extLst>
-          </p:cNvPr>
-          <p:cNvSpPr txBox="1"/>
-          <p:nvPr/>
-        </p:nvSpPr>
-        <p:spPr>
-          <a:xfrm>
-            <a:off x="7719480" y="3324538"/>
-            <a:ext cx="533453" cy="307777"/>
-          </a:xfrm>
-          <a:prstGeom prst="rect">
-            <a:avLst/>
-          </a:prstGeom>
-          <a:noFill/>
-        </p:spPr>
-        <p:txBody>
-          <a:bodyPr wrap="square" rtlCol="0">
-            <a:spAutoFit/>
-          </a:bodyPr>
-          <a:lstStyle/>
-          <a:p>
-            <a:r>
-              <a:rPr lang="en-ZW" sz="1400" dirty="0">
-                <a:latin typeface="Gill Sans MT" panose="020B0502020104020203" pitchFamily="34" charset="0"/>
-              </a:rPr>
-              <a:t>f</a:t>
-            </a:r>
-          </a:p>
-        </p:txBody>
-      </p:sp>
-      <p:pic>
-        <p:nvPicPr>
-          <p:cNvPr id="6" name="Picture 5">
-            <a:extLst>
-              <a:ext uri="{FF2B5EF4-FFF2-40B4-BE49-F238E27FC236}">
-                <a16:creationId xmlns:a16="http://schemas.microsoft.com/office/drawing/2014/main" id="{2BAB40DA-B099-FFAB-B04A-942A1F7D6092}"/>
-              </a:ext>
-            </a:extLst>
-          </p:cNvPr>
-          <p:cNvPicPr>
-            <a:picLocks noChangeAspect="1"/>
-          </p:cNvPicPr>
-          <p:nvPr/>
-        </p:nvPicPr>
-        <p:blipFill>
-          <a:blip r:embed="rId2"/>
-          <a:stretch>
-            <a:fillRect/>
-          </a:stretch>
-        </p:blipFill>
-        <p:spPr>
-          <a:xfrm>
-            <a:off x="228086" y="582944"/>
-            <a:ext cx="3600010" cy="2176750"/>
-          </a:xfrm>
-          <a:prstGeom prst="rect">
-            <a:avLst/>
-          </a:prstGeom>
-        </p:spPr>
-      </p:pic>
-      <p:pic>
-        <p:nvPicPr>
-          <p:cNvPr id="7" name="Picture 6">
-            <a:extLst>
-              <a:ext uri="{FF2B5EF4-FFF2-40B4-BE49-F238E27FC236}">
-                <a16:creationId xmlns:a16="http://schemas.microsoft.com/office/drawing/2014/main" id="{4F5BCE74-F3BC-FB34-A669-70C4B494FC0A}"/>
-              </a:ext>
-            </a:extLst>
-          </p:cNvPr>
-          <p:cNvPicPr>
-            <a:picLocks noChangeAspect="1"/>
-          </p:cNvPicPr>
-          <p:nvPr/>
-        </p:nvPicPr>
-        <p:blipFill>
-          <a:blip r:embed="rId3"/>
-          <a:stretch>
-            <a:fillRect/>
-          </a:stretch>
-        </p:blipFill>
-        <p:spPr>
-          <a:xfrm>
-            <a:off x="4178012" y="593683"/>
-            <a:ext cx="3446758" cy="2311808"/>
-          </a:xfrm>
-          <a:prstGeom prst="rect">
-            <a:avLst/>
-          </a:prstGeom>
-        </p:spPr>
-      </p:pic>
-      <p:pic>
-        <p:nvPicPr>
-          <p:cNvPr id="8" name="Picture 7">
-            <a:extLst>
-              <a:ext uri="{FF2B5EF4-FFF2-40B4-BE49-F238E27FC236}">
-                <a16:creationId xmlns:a16="http://schemas.microsoft.com/office/drawing/2014/main" id="{98B1C4D5-0B96-8DB4-B43E-7432629512B8}"/>
-              </a:ext>
-            </a:extLst>
-          </p:cNvPr>
-          <p:cNvPicPr>
-            <a:picLocks noChangeAspect="1"/>
-          </p:cNvPicPr>
-          <p:nvPr/>
-        </p:nvPicPr>
-        <p:blipFill>
-          <a:blip r:embed="rId4"/>
-          <a:stretch>
-            <a:fillRect/>
-          </a:stretch>
-        </p:blipFill>
-        <p:spPr>
-          <a:xfrm>
-            <a:off x="7701157" y="627891"/>
-            <a:ext cx="4262757" cy="2577481"/>
-          </a:xfrm>
-          <a:prstGeom prst="rect">
-            <a:avLst/>
-          </a:prstGeom>
-        </p:spPr>
-      </p:pic>
-      <p:pic>
-        <p:nvPicPr>
-          <p:cNvPr id="10" name="Picture 9">
-            <a:extLst>
-              <a:ext uri="{FF2B5EF4-FFF2-40B4-BE49-F238E27FC236}">
-                <a16:creationId xmlns:a16="http://schemas.microsoft.com/office/drawing/2014/main" id="{AE1DF9EF-9410-31FF-FAD9-A2313CB49E20}"/>
-              </a:ext>
-            </a:extLst>
-          </p:cNvPr>
-          <p:cNvPicPr>
-            <a:picLocks noChangeAspect="1"/>
-          </p:cNvPicPr>
-          <p:nvPr/>
-        </p:nvPicPr>
-        <p:blipFill>
-          <a:blip r:embed="rId5"/>
-          <a:stretch>
-            <a:fillRect/>
-          </a:stretch>
-        </p:blipFill>
-        <p:spPr>
-          <a:xfrm>
-            <a:off x="228086" y="3698259"/>
-            <a:ext cx="3600010" cy="2176750"/>
-          </a:xfrm>
-          <a:prstGeom prst="rect">
-            <a:avLst/>
-          </a:prstGeom>
-        </p:spPr>
-      </p:pic>
-      <p:pic>
-        <p:nvPicPr>
-          <p:cNvPr id="12" name="Picture 11">
-            <a:extLst>
-              <a:ext uri="{FF2B5EF4-FFF2-40B4-BE49-F238E27FC236}">
-                <a16:creationId xmlns:a16="http://schemas.microsoft.com/office/drawing/2014/main" id="{F0225FE0-499C-ACC2-44E3-6ACFCC9A4C29}"/>
-              </a:ext>
-            </a:extLst>
-          </p:cNvPr>
-          <p:cNvPicPr>
-            <a:picLocks noChangeAspect="1"/>
-          </p:cNvPicPr>
-          <p:nvPr/>
-        </p:nvPicPr>
-        <p:blipFill>
-          <a:blip r:embed="rId6"/>
-          <a:stretch>
-            <a:fillRect/>
-          </a:stretch>
-        </p:blipFill>
-        <p:spPr>
-          <a:xfrm>
-            <a:off x="3995463" y="3630729"/>
-            <a:ext cx="3823376" cy="2311809"/>
-          </a:xfrm>
-          <a:prstGeom prst="rect">
-            <a:avLst/>
-          </a:prstGeom>
-        </p:spPr>
-      </p:pic>
-      <p:pic>
-        <p:nvPicPr>
-          <p:cNvPr id="13" name="Picture 12">
-            <a:extLst>
-              <a:ext uri="{FF2B5EF4-FFF2-40B4-BE49-F238E27FC236}">
-                <a16:creationId xmlns:a16="http://schemas.microsoft.com/office/drawing/2014/main" id="{9745DC00-6E9A-FCE2-56D5-414C63A3A96D}"/>
-              </a:ext>
-            </a:extLst>
-          </p:cNvPr>
-          <p:cNvPicPr>
-            <a:picLocks noChangeAspect="1"/>
-          </p:cNvPicPr>
-          <p:nvPr/>
-        </p:nvPicPr>
-        <p:blipFill>
-          <a:blip r:embed="rId7"/>
-          <a:stretch>
-            <a:fillRect/>
-          </a:stretch>
-        </p:blipFill>
-        <p:spPr>
-          <a:xfrm>
-            <a:off x="7986206" y="3576358"/>
-            <a:ext cx="4003221" cy="2420552"/>
-          </a:xfrm>
-          <a:prstGeom prst="rect">
-            <a:avLst/>
-          </a:prstGeom>
-        </p:spPr>
-      </p:pic>
+        </p:grpSpPr>
+        <p:sp>
+          <p:nvSpPr>
+            <p:cNvPr id="28" name="TextBox 27">
+              <a:extLst>
+                <a:ext uri="{FF2B5EF4-FFF2-40B4-BE49-F238E27FC236}">
+                  <a16:creationId xmlns:a16="http://schemas.microsoft.com/office/drawing/2014/main" id="{092B29CD-616E-76C9-9B48-DC939FFC7310}"/>
+                </a:ext>
+              </a:extLst>
+            </p:cNvPr>
+            <p:cNvSpPr txBox="1"/>
+            <p:nvPr/>
+          </p:nvSpPr>
+          <p:spPr>
+            <a:xfrm>
+              <a:off x="339067" y="194521"/>
+              <a:ext cx="533453" cy="307777"/>
+            </a:xfrm>
+            <a:prstGeom prst="rect">
+              <a:avLst/>
+            </a:prstGeom>
+            <a:noFill/>
+          </p:spPr>
+          <p:txBody>
+            <a:bodyPr wrap="square" rtlCol="0">
+              <a:spAutoFit/>
+            </a:bodyPr>
+            <a:lstStyle/>
+            <a:p>
+              <a:r>
+                <a:rPr lang="en-ZW" sz="1400" dirty="0">
+                  <a:latin typeface="Gill Sans MT" panose="020B0502020104020203" pitchFamily="34" charset="0"/>
+                </a:rPr>
+                <a:t>a</a:t>
+              </a:r>
+            </a:p>
+          </p:txBody>
+        </p:sp>
+        <p:sp>
+          <p:nvSpPr>
+            <p:cNvPr id="29" name="TextBox 28">
+              <a:extLst>
+                <a:ext uri="{FF2B5EF4-FFF2-40B4-BE49-F238E27FC236}">
+                  <a16:creationId xmlns:a16="http://schemas.microsoft.com/office/drawing/2014/main" id="{E0A862FD-170B-7667-ED5D-A5CE8B062D84}"/>
+                </a:ext>
+              </a:extLst>
+            </p:cNvPr>
+            <p:cNvSpPr txBox="1"/>
+            <p:nvPr/>
+          </p:nvSpPr>
+          <p:spPr>
+            <a:xfrm>
+              <a:off x="3911286" y="194521"/>
+              <a:ext cx="533453" cy="307777"/>
+            </a:xfrm>
+            <a:prstGeom prst="rect">
+              <a:avLst/>
+            </a:prstGeom>
+            <a:noFill/>
+          </p:spPr>
+          <p:txBody>
+            <a:bodyPr wrap="square" rtlCol="0">
+              <a:spAutoFit/>
+            </a:bodyPr>
+            <a:lstStyle/>
+            <a:p>
+              <a:r>
+                <a:rPr lang="en-ZW" sz="1400" dirty="0">
+                  <a:latin typeface="Gill Sans MT" panose="020B0502020104020203" pitchFamily="34" charset="0"/>
+                </a:rPr>
+                <a:t>b</a:t>
+              </a:r>
+            </a:p>
+          </p:txBody>
+        </p:sp>
+        <p:sp>
+          <p:nvSpPr>
+            <p:cNvPr id="30" name="TextBox 29">
+              <a:extLst>
+                <a:ext uri="{FF2B5EF4-FFF2-40B4-BE49-F238E27FC236}">
+                  <a16:creationId xmlns:a16="http://schemas.microsoft.com/office/drawing/2014/main" id="{B3136C8D-51CF-5056-EBBC-54F84449CECE}"/>
+                </a:ext>
+              </a:extLst>
+            </p:cNvPr>
+            <p:cNvSpPr txBox="1"/>
+            <p:nvPr/>
+          </p:nvSpPr>
+          <p:spPr>
+            <a:xfrm>
+              <a:off x="7888949" y="285906"/>
+              <a:ext cx="533453" cy="307777"/>
+            </a:xfrm>
+            <a:prstGeom prst="rect">
+              <a:avLst/>
+            </a:prstGeom>
+            <a:noFill/>
+          </p:spPr>
+          <p:txBody>
+            <a:bodyPr wrap="square" rtlCol="0">
+              <a:spAutoFit/>
+            </a:bodyPr>
+            <a:lstStyle/>
+            <a:p>
+              <a:r>
+                <a:rPr lang="en-ZW" sz="1400" dirty="0">
+                  <a:latin typeface="Gill Sans MT" panose="020B0502020104020203" pitchFamily="34" charset="0"/>
+                </a:rPr>
+                <a:t>c</a:t>
+              </a:r>
+            </a:p>
+          </p:txBody>
+        </p:sp>
+        <p:sp>
+          <p:nvSpPr>
+            <p:cNvPr id="31" name="TextBox 30">
+              <a:extLst>
+                <a:ext uri="{FF2B5EF4-FFF2-40B4-BE49-F238E27FC236}">
+                  <a16:creationId xmlns:a16="http://schemas.microsoft.com/office/drawing/2014/main" id="{AB641386-2C2F-CC50-081A-A7EA40BA9A7F}"/>
+                </a:ext>
+              </a:extLst>
+            </p:cNvPr>
+            <p:cNvSpPr txBox="1"/>
+            <p:nvPr/>
+          </p:nvSpPr>
+          <p:spPr>
+            <a:xfrm>
+              <a:off x="339066" y="3243892"/>
+              <a:ext cx="533453" cy="307777"/>
+            </a:xfrm>
+            <a:prstGeom prst="rect">
+              <a:avLst/>
+            </a:prstGeom>
+            <a:noFill/>
+          </p:spPr>
+          <p:txBody>
+            <a:bodyPr wrap="square" rtlCol="0">
+              <a:spAutoFit/>
+            </a:bodyPr>
+            <a:lstStyle/>
+            <a:p>
+              <a:r>
+                <a:rPr lang="en-ZW" sz="1400" dirty="0">
+                  <a:latin typeface="Gill Sans MT" panose="020B0502020104020203" pitchFamily="34" charset="0"/>
+                </a:rPr>
+                <a:t>d</a:t>
+              </a:r>
+            </a:p>
+          </p:txBody>
+        </p:sp>
+        <p:sp>
+          <p:nvSpPr>
+            <p:cNvPr id="32" name="TextBox 31">
+              <a:extLst>
+                <a:ext uri="{FF2B5EF4-FFF2-40B4-BE49-F238E27FC236}">
+                  <a16:creationId xmlns:a16="http://schemas.microsoft.com/office/drawing/2014/main" id="{B0A0938B-A3CB-0E2C-4694-C3D3125D1EEA}"/>
+                </a:ext>
+              </a:extLst>
+            </p:cNvPr>
+            <p:cNvSpPr txBox="1"/>
+            <p:nvPr/>
+          </p:nvSpPr>
+          <p:spPr>
+            <a:xfrm>
+              <a:off x="3911286" y="3163247"/>
+              <a:ext cx="533453" cy="307777"/>
+            </a:xfrm>
+            <a:prstGeom prst="rect">
+              <a:avLst/>
+            </a:prstGeom>
+            <a:noFill/>
+          </p:spPr>
+          <p:txBody>
+            <a:bodyPr wrap="square" rtlCol="0">
+              <a:spAutoFit/>
+            </a:bodyPr>
+            <a:lstStyle/>
+            <a:p>
+              <a:r>
+                <a:rPr lang="en-ZW" sz="1400" dirty="0">
+                  <a:latin typeface="Gill Sans MT" panose="020B0502020104020203" pitchFamily="34" charset="0"/>
+                </a:rPr>
+                <a:t>e</a:t>
+              </a:r>
+            </a:p>
+          </p:txBody>
+        </p:sp>
+        <p:sp>
+          <p:nvSpPr>
+            <p:cNvPr id="33" name="TextBox 32">
+              <a:extLst>
+                <a:ext uri="{FF2B5EF4-FFF2-40B4-BE49-F238E27FC236}">
+                  <a16:creationId xmlns:a16="http://schemas.microsoft.com/office/drawing/2014/main" id="{109F0835-01B6-9AF7-6FE6-BF351E46E248}"/>
+                </a:ext>
+              </a:extLst>
+            </p:cNvPr>
+            <p:cNvSpPr txBox="1"/>
+            <p:nvPr/>
+          </p:nvSpPr>
+          <p:spPr>
+            <a:xfrm>
+              <a:off x="7719480" y="3324538"/>
+              <a:ext cx="533453" cy="307777"/>
+            </a:xfrm>
+            <a:prstGeom prst="rect">
+              <a:avLst/>
+            </a:prstGeom>
+            <a:noFill/>
+          </p:spPr>
+          <p:txBody>
+            <a:bodyPr wrap="square" rtlCol="0">
+              <a:spAutoFit/>
+            </a:bodyPr>
+            <a:lstStyle/>
+            <a:p>
+              <a:r>
+                <a:rPr lang="en-ZW" sz="1400" dirty="0">
+                  <a:latin typeface="Gill Sans MT" panose="020B0502020104020203" pitchFamily="34" charset="0"/>
+                </a:rPr>
+                <a:t>f</a:t>
+              </a:r>
+            </a:p>
+          </p:txBody>
+        </p:sp>
+        <p:pic>
+          <p:nvPicPr>
+            <p:cNvPr id="6" name="Picture 5">
+              <a:extLst>
+                <a:ext uri="{FF2B5EF4-FFF2-40B4-BE49-F238E27FC236}">
+                  <a16:creationId xmlns:a16="http://schemas.microsoft.com/office/drawing/2014/main" id="{2BAB40DA-B099-FFAB-B04A-942A1F7D6092}"/>
+                </a:ext>
+              </a:extLst>
+            </p:cNvPr>
+            <p:cNvPicPr>
+              <a:picLocks noChangeAspect="1"/>
+            </p:cNvPicPr>
+            <p:nvPr/>
+          </p:nvPicPr>
+          <p:blipFill>
+            <a:blip r:embed="rId2"/>
+            <a:stretch>
+              <a:fillRect/>
+            </a:stretch>
+          </p:blipFill>
+          <p:spPr>
+            <a:xfrm>
+              <a:off x="228086" y="728741"/>
+              <a:ext cx="3600010" cy="2176750"/>
+            </a:xfrm>
+            <a:prstGeom prst="rect">
+              <a:avLst/>
+            </a:prstGeom>
+          </p:spPr>
+        </p:pic>
+        <p:pic>
+          <p:nvPicPr>
+            <p:cNvPr id="7" name="Picture 6">
+              <a:extLst>
+                <a:ext uri="{FF2B5EF4-FFF2-40B4-BE49-F238E27FC236}">
+                  <a16:creationId xmlns:a16="http://schemas.microsoft.com/office/drawing/2014/main" id="{4F5BCE74-F3BC-FB34-A669-70C4B494FC0A}"/>
+                </a:ext>
+              </a:extLst>
+            </p:cNvPr>
+            <p:cNvPicPr>
+              <a:picLocks noChangeAspect="1"/>
+            </p:cNvPicPr>
+            <p:nvPr/>
+          </p:nvPicPr>
+          <p:blipFill>
+            <a:blip r:embed="rId3"/>
+            <a:stretch>
+              <a:fillRect/>
+            </a:stretch>
+          </p:blipFill>
+          <p:spPr>
+            <a:xfrm>
+              <a:off x="3955839" y="728741"/>
+              <a:ext cx="3446758" cy="2311808"/>
+            </a:xfrm>
+            <a:prstGeom prst="rect">
+              <a:avLst/>
+            </a:prstGeom>
+          </p:spPr>
+        </p:pic>
+        <p:pic>
+          <p:nvPicPr>
+            <p:cNvPr id="8" name="Picture 7">
+              <a:extLst>
+                <a:ext uri="{FF2B5EF4-FFF2-40B4-BE49-F238E27FC236}">
+                  <a16:creationId xmlns:a16="http://schemas.microsoft.com/office/drawing/2014/main" id="{98B1C4D5-0B96-8DB4-B43E-7432629512B8}"/>
+                </a:ext>
+              </a:extLst>
+            </p:cNvPr>
+            <p:cNvPicPr>
+              <a:picLocks noChangeAspect="1"/>
+            </p:cNvPicPr>
+            <p:nvPr/>
+          </p:nvPicPr>
+          <p:blipFill>
+            <a:blip r:embed="rId4"/>
+            <a:stretch>
+              <a:fillRect/>
+            </a:stretch>
+          </p:blipFill>
+          <p:spPr>
+            <a:xfrm>
+              <a:off x="7701156" y="544460"/>
+              <a:ext cx="4262757" cy="2577481"/>
+            </a:xfrm>
+            <a:prstGeom prst="rect">
+              <a:avLst/>
+            </a:prstGeom>
+          </p:spPr>
+        </p:pic>
+        <p:pic>
+          <p:nvPicPr>
+            <p:cNvPr id="10" name="Picture 9">
+              <a:extLst>
+                <a:ext uri="{FF2B5EF4-FFF2-40B4-BE49-F238E27FC236}">
+                  <a16:creationId xmlns:a16="http://schemas.microsoft.com/office/drawing/2014/main" id="{AE1DF9EF-9410-31FF-FAD9-A2313CB49E20}"/>
+                </a:ext>
+              </a:extLst>
+            </p:cNvPr>
+            <p:cNvPicPr>
+              <a:picLocks noChangeAspect="1"/>
+            </p:cNvPicPr>
+            <p:nvPr/>
+          </p:nvPicPr>
+          <p:blipFill>
+            <a:blip r:embed="rId5"/>
+            <a:stretch>
+              <a:fillRect/>
+            </a:stretch>
+          </p:blipFill>
+          <p:spPr>
+            <a:xfrm>
+              <a:off x="228086" y="3698259"/>
+              <a:ext cx="3600010" cy="2176750"/>
+            </a:xfrm>
+            <a:prstGeom prst="rect">
+              <a:avLst/>
+            </a:prstGeom>
+          </p:spPr>
+        </p:pic>
+        <p:pic>
+          <p:nvPicPr>
+            <p:cNvPr id="12" name="Picture 11">
+              <a:extLst>
+                <a:ext uri="{FF2B5EF4-FFF2-40B4-BE49-F238E27FC236}">
+                  <a16:creationId xmlns:a16="http://schemas.microsoft.com/office/drawing/2014/main" id="{F0225FE0-499C-ACC2-44E3-6ACFCC9A4C29}"/>
+                </a:ext>
+              </a:extLst>
+            </p:cNvPr>
+            <p:cNvPicPr>
+              <a:picLocks noChangeAspect="1"/>
+            </p:cNvPicPr>
+            <p:nvPr/>
+          </p:nvPicPr>
+          <p:blipFill>
+            <a:blip r:embed="rId6"/>
+            <a:stretch>
+              <a:fillRect/>
+            </a:stretch>
+          </p:blipFill>
+          <p:spPr>
+            <a:xfrm>
+              <a:off x="3995463" y="3630729"/>
+              <a:ext cx="3823376" cy="2311809"/>
+            </a:xfrm>
+            <a:prstGeom prst="rect">
+              <a:avLst/>
+            </a:prstGeom>
+          </p:spPr>
+        </p:pic>
+        <p:pic>
+          <p:nvPicPr>
+            <p:cNvPr id="13" name="Picture 12">
+              <a:extLst>
+                <a:ext uri="{FF2B5EF4-FFF2-40B4-BE49-F238E27FC236}">
+                  <a16:creationId xmlns:a16="http://schemas.microsoft.com/office/drawing/2014/main" id="{9745DC00-6E9A-FCE2-56D5-414C63A3A96D}"/>
+                </a:ext>
+              </a:extLst>
+            </p:cNvPr>
+            <p:cNvPicPr>
+              <a:picLocks noChangeAspect="1"/>
+            </p:cNvPicPr>
+            <p:nvPr/>
+          </p:nvPicPr>
+          <p:blipFill>
+            <a:blip r:embed="rId7"/>
+            <a:stretch>
+              <a:fillRect/>
+            </a:stretch>
+          </p:blipFill>
+          <p:spPr>
+            <a:xfrm>
+              <a:off x="7986206" y="3576358"/>
+              <a:ext cx="4003221" cy="2420552"/>
+            </a:xfrm>
+            <a:prstGeom prst="rect">
+              <a:avLst/>
+            </a:prstGeom>
+          </p:spPr>
+        </p:pic>
+      </p:grpSp>
       <p:sp>
         <p:nvSpPr>
           <p:cNvPr id="2" name="TextBox 1">
@@ -6302,7 +6781,7 @@
         </p:nvSpPr>
         <p:spPr>
           <a:xfrm>
-            <a:off x="4794422" y="98854"/>
+            <a:off x="4347438" y="57866"/>
             <a:ext cx="2906735" cy="369332"/>
           </a:xfrm>
           <a:prstGeom prst="rect">
@@ -7208,7 +7687,7 @@
         </p:nvGrpSpPr>
         <p:grpSpPr>
           <a:xfrm>
-            <a:off x="194302" y="173951"/>
+            <a:off x="194302" y="192239"/>
             <a:ext cx="11803396" cy="6009443"/>
             <a:chOff x="194302" y="173951"/>
             <a:chExt cx="11803396" cy="6009443"/>
@@ -7803,6 +8282,858 @@
           <p:cNvPr id="2" name="Title 1">
             <a:extLst>
               <a:ext uri="{FF2B5EF4-FFF2-40B4-BE49-F238E27FC236}">
+                <a16:creationId xmlns:a16="http://schemas.microsoft.com/office/drawing/2014/main" id="{2632D21A-9F88-6336-B6EA-589ACBFBB156}"/>
+              </a:ext>
+            </a:extLst>
+          </p:cNvPr>
+          <p:cNvSpPr>
+            <a:spLocks noGrp="1"/>
+          </p:cNvSpPr>
+          <p:nvPr>
+            <p:ph type="title"/>
+          </p:nvPr>
+        </p:nvSpPr>
+        <p:spPr/>
+        <p:txBody>
+          <a:bodyPr/>
+          <a:lstStyle/>
+          <a:p>
+            <a:r>
+              <a:rPr lang="en-US" dirty="0"/>
+              <a:t>Partial profit=Revenue-Irrigation Costs</a:t>
+            </a:r>
+            <a:endParaRPr lang="en-ZW" dirty="0"/>
+          </a:p>
+        </p:txBody>
+      </p:sp>
+      <p:sp>
+        <p:nvSpPr>
+          <p:cNvPr id="3" name="Content Placeholder 2">
+            <a:extLst>
+              <a:ext uri="{FF2B5EF4-FFF2-40B4-BE49-F238E27FC236}">
+                <a16:creationId xmlns:a16="http://schemas.microsoft.com/office/drawing/2014/main" id="{B426D703-FE02-00C6-AE57-7E3A5A46696B}"/>
+              </a:ext>
+            </a:extLst>
+          </p:cNvPr>
+          <p:cNvSpPr>
+            <a:spLocks noGrp="1"/>
+          </p:cNvSpPr>
+          <p:nvPr>
+            <p:ph idx="1"/>
+          </p:nvPr>
+        </p:nvSpPr>
+        <p:spPr/>
+        <p:txBody>
+          <a:bodyPr/>
+          <a:lstStyle/>
+          <a:p>
+            <a:endParaRPr lang="en-ZW"/>
+          </a:p>
+        </p:txBody>
+      </p:sp>
+    </p:spTree>
+    <p:extLst>
+      <p:ext uri="{BB962C8B-B14F-4D97-AF65-F5344CB8AC3E}">
+        <p14:creationId xmlns:p14="http://schemas.microsoft.com/office/powerpoint/2010/main" val="457993894"/>
+      </p:ext>
+    </p:extLst>
+  </p:cSld>
+  <p:clrMapOvr>
+    <a:masterClrMapping/>
+  </p:clrMapOvr>
+</p:sld>
+</file>
+
+<file path=ppt/slides/slide19.xml><?xml version="1.0" encoding="utf-8"?>
+<p:sld xmlns:a="http://schemas.openxmlformats.org/drawingml/2006/main" xmlns:r="http://schemas.openxmlformats.org/officeDocument/2006/relationships" xmlns:p="http://schemas.openxmlformats.org/presentationml/2006/main">
+  <p:cSld>
+    <p:spTree>
+      <p:nvGrpSpPr>
+        <p:cNvPr id="1" name=""/>
+        <p:cNvGrpSpPr/>
+        <p:nvPr/>
+      </p:nvGrpSpPr>
+      <p:grpSpPr>
+        <a:xfrm>
+          <a:off x="0" y="0"/>
+          <a:ext cx="0" cy="0"/>
+          <a:chOff x="0" y="0"/>
+          <a:chExt cx="0" cy="0"/>
+        </a:xfrm>
+      </p:grpSpPr>
+      <p:grpSp>
+        <p:nvGrpSpPr>
+          <p:cNvPr id="25" name="Group 24">
+            <a:extLst>
+              <a:ext uri="{FF2B5EF4-FFF2-40B4-BE49-F238E27FC236}">
+                <a16:creationId xmlns:a16="http://schemas.microsoft.com/office/drawing/2014/main" id="{2336C18D-A6E8-F73E-C3CB-28A4937B686D}"/>
+              </a:ext>
+            </a:extLst>
+          </p:cNvPr>
+          <p:cNvGrpSpPr/>
+          <p:nvPr/>
+        </p:nvGrpSpPr>
+        <p:grpSpPr>
+          <a:xfrm>
+            <a:off x="128753" y="155448"/>
+            <a:ext cx="12023338" cy="6467186"/>
+            <a:chOff x="128753" y="155448"/>
+            <a:chExt cx="12023338" cy="6467186"/>
+          </a:xfrm>
+        </p:grpSpPr>
+        <p:pic>
+          <p:nvPicPr>
+            <p:cNvPr id="7" name="Picture 6">
+              <a:extLst>
+                <a:ext uri="{FF2B5EF4-FFF2-40B4-BE49-F238E27FC236}">
+                  <a16:creationId xmlns:a16="http://schemas.microsoft.com/office/drawing/2014/main" id="{72DAB14B-2335-48C5-C639-BBE4B8ED9986}"/>
+                </a:ext>
+              </a:extLst>
+            </p:cNvPr>
+            <p:cNvPicPr>
+              <a:picLocks noChangeAspect="1"/>
+            </p:cNvPicPr>
+            <p:nvPr/>
+          </p:nvPicPr>
+          <p:blipFill>
+            <a:blip r:embed="rId2">
+              <a:extLst>
+                <a:ext uri="{28A0092B-C50C-407E-A947-70E740481C1C}">
+                  <a14:useLocalDpi xmlns:a14="http://schemas.microsoft.com/office/drawing/2010/main" val="0"/>
+                </a:ext>
+              </a:extLst>
+            </a:blip>
+            <a:stretch>
+              <a:fillRect/>
+            </a:stretch>
+          </p:blipFill>
+          <p:spPr>
+            <a:xfrm>
+              <a:off x="128753" y="530808"/>
+              <a:ext cx="4136707" cy="2844161"/>
+            </a:xfrm>
+            <a:prstGeom prst="rect">
+              <a:avLst/>
+            </a:prstGeom>
+          </p:spPr>
+        </p:pic>
+        <p:pic>
+          <p:nvPicPr>
+            <p:cNvPr id="9" name="Picture 8" descr="A map of different colors&#10;&#10;Description automatically generated">
+              <a:extLst>
+                <a:ext uri="{FF2B5EF4-FFF2-40B4-BE49-F238E27FC236}">
+                  <a16:creationId xmlns:a16="http://schemas.microsoft.com/office/drawing/2014/main" id="{336C62B0-D6A6-4170-304C-9D769A4EBD9E}"/>
+                </a:ext>
+              </a:extLst>
+            </p:cNvPr>
+            <p:cNvPicPr>
+              <a:picLocks noChangeAspect="1"/>
+            </p:cNvPicPr>
+            <p:nvPr/>
+          </p:nvPicPr>
+          <p:blipFill>
+            <a:blip r:embed="rId3">
+              <a:extLst>
+                <a:ext uri="{28A0092B-C50C-407E-A947-70E740481C1C}">
+                  <a14:useLocalDpi xmlns:a14="http://schemas.microsoft.com/office/drawing/2010/main" val="0"/>
+                </a:ext>
+              </a:extLst>
+            </a:blip>
+            <a:stretch>
+              <a:fillRect/>
+            </a:stretch>
+          </p:blipFill>
+          <p:spPr>
+            <a:xfrm>
+              <a:off x="4160108" y="656634"/>
+              <a:ext cx="4136706" cy="2614761"/>
+            </a:xfrm>
+            <a:prstGeom prst="rect">
+              <a:avLst/>
+            </a:prstGeom>
+          </p:spPr>
+        </p:pic>
+        <p:pic>
+          <p:nvPicPr>
+            <p:cNvPr id="11" name="Picture 10" descr="A map of different colors&#10;&#10;Description automatically generated">
+              <a:extLst>
+                <a:ext uri="{FF2B5EF4-FFF2-40B4-BE49-F238E27FC236}">
+                  <a16:creationId xmlns:a16="http://schemas.microsoft.com/office/drawing/2014/main" id="{512963BE-8C4E-A18A-E8E6-0A49220C2982}"/>
+                </a:ext>
+              </a:extLst>
+            </p:cNvPr>
+            <p:cNvPicPr>
+              <a:picLocks noChangeAspect="1"/>
+            </p:cNvPicPr>
+            <p:nvPr/>
+          </p:nvPicPr>
+          <p:blipFill>
+            <a:blip r:embed="rId4">
+              <a:extLst>
+                <a:ext uri="{28A0092B-C50C-407E-A947-70E740481C1C}">
+                  <a14:useLocalDpi xmlns:a14="http://schemas.microsoft.com/office/drawing/2010/main" val="0"/>
+                </a:ext>
+              </a:extLst>
+            </a:blip>
+            <a:stretch>
+              <a:fillRect/>
+            </a:stretch>
+          </p:blipFill>
+          <p:spPr>
+            <a:xfrm>
+              <a:off x="8296813" y="768096"/>
+              <a:ext cx="3855277" cy="2290723"/>
+            </a:xfrm>
+            <a:prstGeom prst="rect">
+              <a:avLst/>
+            </a:prstGeom>
+          </p:spPr>
+        </p:pic>
+        <p:pic>
+          <p:nvPicPr>
+            <p:cNvPr id="13" name="Picture 12" descr="A map of different colors&#10;&#10;Description automatically generated">
+              <a:extLst>
+                <a:ext uri="{FF2B5EF4-FFF2-40B4-BE49-F238E27FC236}">
+                  <a16:creationId xmlns:a16="http://schemas.microsoft.com/office/drawing/2014/main" id="{D8206653-CC94-E5F8-DBE0-49CE556EC68B}"/>
+                </a:ext>
+              </a:extLst>
+            </p:cNvPr>
+            <p:cNvPicPr>
+              <a:picLocks noChangeAspect="1"/>
+            </p:cNvPicPr>
+            <p:nvPr/>
+          </p:nvPicPr>
+          <p:blipFill>
+            <a:blip r:embed="rId5">
+              <a:extLst>
+                <a:ext uri="{28A0092B-C50C-407E-A947-70E740481C1C}">
+                  <a14:useLocalDpi xmlns:a14="http://schemas.microsoft.com/office/drawing/2010/main" val="0"/>
+                </a:ext>
+              </a:extLst>
+            </a:blip>
+            <a:stretch>
+              <a:fillRect/>
+            </a:stretch>
+          </p:blipFill>
+          <p:spPr>
+            <a:xfrm>
+              <a:off x="4265460" y="3739548"/>
+              <a:ext cx="4031353" cy="2844161"/>
+            </a:xfrm>
+            <a:prstGeom prst="rect">
+              <a:avLst/>
+            </a:prstGeom>
+          </p:spPr>
+        </p:pic>
+        <p:pic>
+          <p:nvPicPr>
+            <p:cNvPr id="15" name="Picture 14" descr="A map of different colors&#10;&#10;Description automatically generated">
+              <a:extLst>
+                <a:ext uri="{FF2B5EF4-FFF2-40B4-BE49-F238E27FC236}">
+                  <a16:creationId xmlns:a16="http://schemas.microsoft.com/office/drawing/2014/main" id="{EE417E9A-3FA3-8934-5696-C3A290E93CF0}"/>
+                </a:ext>
+              </a:extLst>
+            </p:cNvPr>
+            <p:cNvPicPr>
+              <a:picLocks noChangeAspect="1"/>
+            </p:cNvPicPr>
+            <p:nvPr/>
+          </p:nvPicPr>
+          <p:blipFill>
+            <a:blip r:embed="rId6">
+              <a:extLst>
+                <a:ext uri="{28A0092B-C50C-407E-A947-70E740481C1C}">
+                  <a14:useLocalDpi xmlns:a14="http://schemas.microsoft.com/office/drawing/2010/main" val="0"/>
+                </a:ext>
+              </a:extLst>
+            </a:blip>
+            <a:stretch>
+              <a:fillRect/>
+            </a:stretch>
+          </p:blipFill>
+          <p:spPr>
+            <a:xfrm>
+              <a:off x="128753" y="3860622"/>
+              <a:ext cx="4136707" cy="2762012"/>
+            </a:xfrm>
+            <a:prstGeom prst="rect">
+              <a:avLst/>
+            </a:prstGeom>
+          </p:spPr>
+        </p:pic>
+        <p:pic>
+          <p:nvPicPr>
+            <p:cNvPr id="17" name="Picture 16" descr="A map of different colors&#10;&#10;Description automatically generated">
+              <a:extLst>
+                <a:ext uri="{FF2B5EF4-FFF2-40B4-BE49-F238E27FC236}">
+                  <a16:creationId xmlns:a16="http://schemas.microsoft.com/office/drawing/2014/main" id="{4162F913-F104-CFCA-A012-35832418ED4C}"/>
+                </a:ext>
+              </a:extLst>
+            </p:cNvPr>
+            <p:cNvPicPr>
+              <a:picLocks noChangeAspect="1"/>
+            </p:cNvPicPr>
+            <p:nvPr/>
+          </p:nvPicPr>
+          <p:blipFill>
+            <a:blip r:embed="rId7">
+              <a:extLst>
+                <a:ext uri="{28A0092B-C50C-407E-A947-70E740481C1C}">
+                  <a14:useLocalDpi xmlns:a14="http://schemas.microsoft.com/office/drawing/2010/main" val="0"/>
+                </a:ext>
+              </a:extLst>
+            </a:blip>
+            <a:stretch>
+              <a:fillRect/>
+            </a:stretch>
+          </p:blipFill>
+          <p:spPr>
+            <a:xfrm>
+              <a:off x="8533026" y="3798332"/>
+              <a:ext cx="3619065" cy="2711323"/>
+            </a:xfrm>
+            <a:prstGeom prst="rect">
+              <a:avLst/>
+            </a:prstGeom>
+          </p:spPr>
+        </p:pic>
+        <p:sp>
+          <p:nvSpPr>
+            <p:cNvPr id="19" name="TextBox 18">
+              <a:extLst>
+                <a:ext uri="{FF2B5EF4-FFF2-40B4-BE49-F238E27FC236}">
+                  <a16:creationId xmlns:a16="http://schemas.microsoft.com/office/drawing/2014/main" id="{C1BD19AE-5662-CC2A-3DEA-C4F52813230E}"/>
+                </a:ext>
+              </a:extLst>
+            </p:cNvPr>
+            <p:cNvSpPr txBox="1"/>
+            <p:nvPr/>
+          </p:nvSpPr>
+          <p:spPr>
+            <a:xfrm>
+              <a:off x="219456" y="155448"/>
+              <a:ext cx="822960" cy="369332"/>
+            </a:xfrm>
+            <a:prstGeom prst="rect">
+              <a:avLst/>
+            </a:prstGeom>
+            <a:noFill/>
+          </p:spPr>
+          <p:txBody>
+            <a:bodyPr wrap="square" rtlCol="0">
+              <a:spAutoFit/>
+            </a:bodyPr>
+            <a:lstStyle/>
+            <a:p>
+              <a:r>
+                <a:rPr lang="en-US" dirty="0"/>
+                <a:t>a</a:t>
+              </a:r>
+              <a:endParaRPr lang="en-ZW" dirty="0"/>
+            </a:p>
+          </p:txBody>
+        </p:sp>
+        <p:sp>
+          <p:nvSpPr>
+            <p:cNvPr id="20" name="TextBox 19">
+              <a:extLst>
+                <a:ext uri="{FF2B5EF4-FFF2-40B4-BE49-F238E27FC236}">
+                  <a16:creationId xmlns:a16="http://schemas.microsoft.com/office/drawing/2014/main" id="{7C60C5EC-7EF6-5125-FC32-8211DD30013E}"/>
+                </a:ext>
+              </a:extLst>
+            </p:cNvPr>
+            <p:cNvSpPr txBox="1"/>
+            <p:nvPr/>
+          </p:nvSpPr>
+          <p:spPr>
+            <a:xfrm>
+              <a:off x="3785459" y="166229"/>
+              <a:ext cx="543115" cy="369332"/>
+            </a:xfrm>
+            <a:prstGeom prst="rect">
+              <a:avLst/>
+            </a:prstGeom>
+            <a:noFill/>
+          </p:spPr>
+          <p:txBody>
+            <a:bodyPr wrap="square" rtlCol="0">
+              <a:spAutoFit/>
+            </a:bodyPr>
+            <a:lstStyle/>
+            <a:p>
+              <a:r>
+                <a:rPr lang="en-US" dirty="0"/>
+                <a:t>b</a:t>
+              </a:r>
+              <a:endParaRPr lang="en-ZW" dirty="0"/>
+            </a:p>
+          </p:txBody>
+        </p:sp>
+        <p:sp>
+          <p:nvSpPr>
+            <p:cNvPr id="21" name="TextBox 20">
+              <a:extLst>
+                <a:ext uri="{FF2B5EF4-FFF2-40B4-BE49-F238E27FC236}">
+                  <a16:creationId xmlns:a16="http://schemas.microsoft.com/office/drawing/2014/main" id="{84DF9870-8DC2-6173-3D22-09BAAC9E005E}"/>
+                </a:ext>
+              </a:extLst>
+            </p:cNvPr>
+            <p:cNvSpPr txBox="1"/>
+            <p:nvPr/>
+          </p:nvSpPr>
+          <p:spPr>
+            <a:xfrm>
+              <a:off x="7753699" y="162830"/>
+              <a:ext cx="543115" cy="369332"/>
+            </a:xfrm>
+            <a:prstGeom prst="rect">
+              <a:avLst/>
+            </a:prstGeom>
+            <a:noFill/>
+          </p:spPr>
+          <p:txBody>
+            <a:bodyPr wrap="square" rtlCol="0">
+              <a:spAutoFit/>
+            </a:bodyPr>
+            <a:lstStyle/>
+            <a:p>
+              <a:r>
+                <a:rPr lang="en-US" dirty="0"/>
+                <a:t>c</a:t>
+              </a:r>
+              <a:endParaRPr lang="en-ZW" dirty="0"/>
+            </a:p>
+          </p:txBody>
+        </p:sp>
+        <p:sp>
+          <p:nvSpPr>
+            <p:cNvPr id="22" name="TextBox 21">
+              <a:extLst>
+                <a:ext uri="{FF2B5EF4-FFF2-40B4-BE49-F238E27FC236}">
+                  <a16:creationId xmlns:a16="http://schemas.microsoft.com/office/drawing/2014/main" id="{9EC0EF9D-1F14-C19F-0705-DE37C887CA71}"/>
+                </a:ext>
+              </a:extLst>
+            </p:cNvPr>
+            <p:cNvSpPr txBox="1"/>
+            <p:nvPr/>
+          </p:nvSpPr>
+          <p:spPr>
+            <a:xfrm>
+              <a:off x="219456" y="3429000"/>
+              <a:ext cx="722376" cy="369332"/>
+            </a:xfrm>
+            <a:prstGeom prst="rect">
+              <a:avLst/>
+            </a:prstGeom>
+            <a:noFill/>
+          </p:spPr>
+          <p:txBody>
+            <a:bodyPr wrap="square" rtlCol="0">
+              <a:spAutoFit/>
+            </a:bodyPr>
+            <a:lstStyle/>
+            <a:p>
+              <a:r>
+                <a:rPr lang="en-US" dirty="0"/>
+                <a:t>d</a:t>
+              </a:r>
+              <a:endParaRPr lang="en-ZW" dirty="0"/>
+            </a:p>
+          </p:txBody>
+        </p:sp>
+        <p:sp>
+          <p:nvSpPr>
+            <p:cNvPr id="23" name="TextBox 22">
+              <a:extLst>
+                <a:ext uri="{FF2B5EF4-FFF2-40B4-BE49-F238E27FC236}">
+                  <a16:creationId xmlns:a16="http://schemas.microsoft.com/office/drawing/2014/main" id="{8C5849F9-57AA-9145-B026-9343D7834B9A}"/>
+                </a:ext>
+              </a:extLst>
+            </p:cNvPr>
+            <p:cNvSpPr txBox="1"/>
+            <p:nvPr/>
+          </p:nvSpPr>
+          <p:spPr>
+            <a:xfrm>
+              <a:off x="7664068" y="3401940"/>
+              <a:ext cx="722376" cy="369332"/>
+            </a:xfrm>
+            <a:prstGeom prst="rect">
+              <a:avLst/>
+            </a:prstGeom>
+            <a:noFill/>
+          </p:spPr>
+          <p:txBody>
+            <a:bodyPr wrap="square" rtlCol="0">
+              <a:spAutoFit/>
+            </a:bodyPr>
+            <a:lstStyle/>
+            <a:p>
+              <a:r>
+                <a:rPr lang="en-US" dirty="0"/>
+                <a:t>f</a:t>
+              </a:r>
+              <a:endParaRPr lang="en-ZW" dirty="0"/>
+            </a:p>
+          </p:txBody>
+        </p:sp>
+        <p:sp>
+          <p:nvSpPr>
+            <p:cNvPr id="24" name="TextBox 23">
+              <a:extLst>
+                <a:ext uri="{FF2B5EF4-FFF2-40B4-BE49-F238E27FC236}">
+                  <a16:creationId xmlns:a16="http://schemas.microsoft.com/office/drawing/2014/main" id="{3020585E-7889-F967-8935-D7BAA7B4E980}"/>
+                </a:ext>
+              </a:extLst>
+            </p:cNvPr>
+            <p:cNvSpPr txBox="1"/>
+            <p:nvPr/>
+          </p:nvSpPr>
+          <p:spPr>
+            <a:xfrm>
+              <a:off x="3848228" y="3700649"/>
+              <a:ext cx="722376" cy="369332"/>
+            </a:xfrm>
+            <a:prstGeom prst="rect">
+              <a:avLst/>
+            </a:prstGeom>
+            <a:noFill/>
+          </p:spPr>
+          <p:txBody>
+            <a:bodyPr wrap="square" rtlCol="0">
+              <a:spAutoFit/>
+            </a:bodyPr>
+            <a:lstStyle/>
+            <a:p>
+              <a:r>
+                <a:rPr lang="en-US" dirty="0"/>
+                <a:t>e</a:t>
+              </a:r>
+              <a:endParaRPr lang="en-ZW" dirty="0"/>
+            </a:p>
+          </p:txBody>
+        </p:sp>
+      </p:grpSp>
+    </p:spTree>
+    <p:extLst>
+      <p:ext uri="{BB962C8B-B14F-4D97-AF65-F5344CB8AC3E}">
+        <p14:creationId xmlns:p14="http://schemas.microsoft.com/office/powerpoint/2010/main" val="678201175"/>
+      </p:ext>
+    </p:extLst>
+  </p:cSld>
+  <p:clrMapOvr>
+    <a:masterClrMapping/>
+  </p:clrMapOvr>
+</p:sld>
+</file>
+
+<file path=ppt/slides/slide2.xml><?xml version="1.0" encoding="utf-8"?>
+<p:sld xmlns:a="http://schemas.openxmlformats.org/drawingml/2006/main" xmlns:r="http://schemas.openxmlformats.org/officeDocument/2006/relationships" xmlns:p="http://schemas.openxmlformats.org/presentationml/2006/main">
+  <p:cSld>
+    <p:spTree>
+      <p:nvGrpSpPr>
+        <p:cNvPr id="1" name=""/>
+        <p:cNvGrpSpPr/>
+        <p:nvPr/>
+      </p:nvGrpSpPr>
+      <p:grpSpPr>
+        <a:xfrm>
+          <a:off x="0" y="0"/>
+          <a:ext cx="0" cy="0"/>
+          <a:chOff x="0" y="0"/>
+          <a:chExt cx="0" cy="0"/>
+        </a:xfrm>
+      </p:grpSpPr>
+      <p:sp>
+        <p:nvSpPr>
+          <p:cNvPr id="2" name="Title 1">
+            <a:extLst>
+              <a:ext uri="{FF2B5EF4-FFF2-40B4-BE49-F238E27FC236}">
+                <a16:creationId xmlns:a16="http://schemas.microsoft.com/office/drawing/2014/main" id="{76625CCD-933C-9765-F48B-72A828692DB1}"/>
+              </a:ext>
+            </a:extLst>
+          </p:cNvPr>
+          <p:cNvSpPr>
+            <a:spLocks noGrp="1"/>
+          </p:cNvSpPr>
+          <p:nvPr>
+            <p:ph type="title"/>
+          </p:nvPr>
+        </p:nvSpPr>
+        <p:spPr>
+          <a:xfrm>
+            <a:off x="358805" y="178695"/>
+            <a:ext cx="10515600" cy="851116"/>
+          </a:xfrm>
+        </p:spPr>
+        <p:txBody>
+          <a:bodyPr/>
+          <a:lstStyle/>
+          <a:p>
+            <a:r>
+              <a:rPr lang="en-ZW" dirty="0">
+                <a:latin typeface="Goudy Old Style" panose="02020502050305020303" pitchFamily="18" charset="0"/>
+              </a:rPr>
+              <a:t>Motivation</a:t>
+            </a:r>
+          </a:p>
+        </p:txBody>
+      </p:sp>
+      <p:sp>
+        <p:nvSpPr>
+          <p:cNvPr id="3" name="Content Placeholder 2">
+            <a:extLst>
+              <a:ext uri="{FF2B5EF4-FFF2-40B4-BE49-F238E27FC236}">
+                <a16:creationId xmlns:a16="http://schemas.microsoft.com/office/drawing/2014/main" id="{F74DDAF1-BBF4-2C0D-9312-59759B33286B}"/>
+              </a:ext>
+            </a:extLst>
+          </p:cNvPr>
+          <p:cNvSpPr>
+            <a:spLocks noGrp="1"/>
+          </p:cNvSpPr>
+          <p:nvPr>
+            <p:ph idx="1"/>
+          </p:nvPr>
+        </p:nvSpPr>
+        <p:spPr>
+          <a:xfrm>
+            <a:off x="550416" y="1127464"/>
+            <a:ext cx="11123719" cy="5468645"/>
+          </a:xfrm>
+        </p:spPr>
+        <p:txBody>
+          <a:bodyPr>
+            <a:normAutofit/>
+          </a:bodyPr>
+          <a:lstStyle/>
+          <a:p>
+            <a:r>
+              <a:rPr lang="en-ZW" dirty="0">
+                <a:latin typeface="Goudy Old Style" panose="02020502050305020303" pitchFamily="18" charset="0"/>
+              </a:rPr>
+              <a:t>Indo-Gangetic Plains—the food basket of the world through a rice-wheat cropping system has over the recent past experienced two major climatic changes</a:t>
+            </a:r>
+          </a:p>
+          <a:p>
+            <a:pPr marL="971550" lvl="1" indent="-514350">
+              <a:buFont typeface="+mj-lt"/>
+              <a:buAutoNum type="arabicPeriod"/>
+            </a:pPr>
+            <a:r>
+              <a:rPr lang="en-ZW" dirty="0">
+                <a:latin typeface="Goudy Old Style" panose="02020502050305020303" pitchFamily="18" charset="0"/>
+              </a:rPr>
+              <a:t>Late monsoon onset which pushes farmers to transplant rice late</a:t>
+            </a:r>
+          </a:p>
+          <a:p>
+            <a:pPr marL="971550" lvl="1" indent="-514350">
+              <a:buFont typeface="+mj-lt"/>
+              <a:buAutoNum type="arabicPeriod"/>
+            </a:pPr>
+            <a:r>
+              <a:rPr lang="en-ZW" dirty="0">
+                <a:latin typeface="Goudy Old Style" panose="02020502050305020303" pitchFamily="18" charset="0"/>
+              </a:rPr>
+              <a:t>Terminal heat stress which reduces wheat yield</a:t>
+            </a:r>
+          </a:p>
+          <a:p>
+            <a:r>
+              <a:rPr lang="en-ZW" dirty="0">
+                <a:latin typeface="Goudy Old Style" panose="02020502050305020303" pitchFamily="18" charset="0"/>
+              </a:rPr>
+              <a:t>Early sowing of wheat would allow the wheat crop to escape terminal heat stress</a:t>
+            </a:r>
+          </a:p>
+          <a:p>
+            <a:r>
+              <a:rPr lang="en-ZW" dirty="0">
+                <a:latin typeface="Goudy Old Style" panose="02020502050305020303" pitchFamily="18" charset="0"/>
+              </a:rPr>
+              <a:t>Late sowing of wheat is however highly associated with delays in the harvesting of rice crop</a:t>
+            </a:r>
+          </a:p>
+          <a:p>
+            <a:r>
+              <a:rPr lang="en-ZW" dirty="0">
+                <a:latin typeface="Goudy Old Style" panose="02020502050305020303" pitchFamily="18" charset="0"/>
+              </a:rPr>
+              <a:t>Advancing rice sowing date so as to prepare early for wheat sowing has been considered the entry point for rice-wheat system optimization</a:t>
+            </a:r>
+          </a:p>
+          <a:p>
+            <a:endParaRPr lang="en-ZW" dirty="0">
+              <a:latin typeface="Goudy Old Style" panose="02020502050305020303" pitchFamily="18" charset="0"/>
+            </a:endParaRPr>
+          </a:p>
+          <a:p>
+            <a:pPr lvl="1">
+              <a:buFont typeface="Courier New" panose="02070309020205020404" pitchFamily="49" charset="0"/>
+              <a:buChar char="o"/>
+            </a:pPr>
+            <a:endParaRPr lang="en-ZW" dirty="0">
+              <a:latin typeface="Goudy Old Style" panose="02020502050305020303" pitchFamily="18" charset="0"/>
+            </a:endParaRPr>
+          </a:p>
+          <a:p>
+            <a:pPr lvl="1">
+              <a:buFont typeface="Courier New" panose="02070309020205020404" pitchFamily="49" charset="0"/>
+              <a:buChar char="o"/>
+            </a:pPr>
+            <a:endParaRPr lang="en-ZW" dirty="0">
+              <a:latin typeface="Goudy Old Style" panose="02020502050305020303" pitchFamily="18" charset="0"/>
+            </a:endParaRPr>
+          </a:p>
+          <a:p>
+            <a:pPr lvl="1">
+              <a:buFont typeface="Courier New" panose="02070309020205020404" pitchFamily="49" charset="0"/>
+              <a:buChar char="o"/>
+            </a:pPr>
+            <a:endParaRPr lang="en-ZW" dirty="0"/>
+          </a:p>
+          <a:p>
+            <a:endParaRPr lang="en-ZW" dirty="0"/>
+          </a:p>
+        </p:txBody>
+      </p:sp>
+    </p:spTree>
+    <p:extLst>
+      <p:ext uri="{BB962C8B-B14F-4D97-AF65-F5344CB8AC3E}">
+        <p14:creationId xmlns:p14="http://schemas.microsoft.com/office/powerpoint/2010/main" val="1543117436"/>
+      </p:ext>
+    </p:extLst>
+  </p:cSld>
+  <p:clrMapOvr>
+    <a:masterClrMapping/>
+  </p:clrMapOvr>
+</p:sld>
+</file>
+
+<file path=ppt/slides/slide20.xml><?xml version="1.0" encoding="utf-8"?>
+<p:sld xmlns:a="http://schemas.openxmlformats.org/drawingml/2006/main" xmlns:r="http://schemas.openxmlformats.org/officeDocument/2006/relationships" xmlns:p="http://schemas.openxmlformats.org/presentationml/2006/main">
+  <p:cSld>
+    <p:spTree>
+      <p:nvGrpSpPr>
+        <p:cNvPr id="1" name=""/>
+        <p:cNvGrpSpPr/>
+        <p:nvPr/>
+      </p:nvGrpSpPr>
+      <p:grpSpPr>
+        <a:xfrm>
+          <a:off x="0" y="0"/>
+          <a:ext cx="0" cy="0"/>
+          <a:chOff x="0" y="0"/>
+          <a:chExt cx="0" cy="0"/>
+        </a:xfrm>
+      </p:grpSpPr>
+      <p:pic>
+        <p:nvPicPr>
+          <p:cNvPr id="6" name="Picture 5" descr="A map of the upper wtp&#10;&#10;Description automatically generated">
+            <a:extLst>
+              <a:ext uri="{FF2B5EF4-FFF2-40B4-BE49-F238E27FC236}">
+                <a16:creationId xmlns:a16="http://schemas.microsoft.com/office/drawing/2014/main" id="{41027428-F24C-AE91-2B04-D2C6D80CF7A4}"/>
+              </a:ext>
+            </a:extLst>
+          </p:cNvPr>
+          <p:cNvPicPr>
+            <a:picLocks noChangeAspect="1"/>
+          </p:cNvPicPr>
+          <p:nvPr/>
+        </p:nvPicPr>
+        <p:blipFill>
+          <a:blip r:embed="rId2">
+            <a:extLst>
+              <a:ext uri="{28A0092B-C50C-407E-A947-70E740481C1C}">
+                <a14:useLocalDpi xmlns:a14="http://schemas.microsoft.com/office/drawing/2010/main" val="0"/>
+              </a:ext>
+            </a:extLst>
+          </a:blip>
+          <a:stretch>
+            <a:fillRect/>
+          </a:stretch>
+        </p:blipFill>
+        <p:spPr>
+          <a:xfrm>
+            <a:off x="355600" y="635000"/>
+            <a:ext cx="5740400" cy="5665216"/>
+          </a:xfrm>
+          <a:prstGeom prst="rect">
+            <a:avLst/>
+          </a:prstGeom>
+        </p:spPr>
+      </p:pic>
+      <p:pic>
+        <p:nvPicPr>
+          <p:cNvPr id="8" name="Picture 7" descr="A map of a country&#10;&#10;Description automatically generated">
+            <a:extLst>
+              <a:ext uri="{FF2B5EF4-FFF2-40B4-BE49-F238E27FC236}">
+                <a16:creationId xmlns:a16="http://schemas.microsoft.com/office/drawing/2014/main" id="{50CB44D1-50CA-F711-B11E-55A5C55A5BB4}"/>
+              </a:ext>
+            </a:extLst>
+          </p:cNvPr>
+          <p:cNvPicPr>
+            <a:picLocks noChangeAspect="1"/>
+          </p:cNvPicPr>
+          <p:nvPr/>
+        </p:nvPicPr>
+        <p:blipFill>
+          <a:blip r:embed="rId3">
+            <a:extLst>
+              <a:ext uri="{28A0092B-C50C-407E-A947-70E740481C1C}">
+                <a14:useLocalDpi xmlns:a14="http://schemas.microsoft.com/office/drawing/2010/main" val="0"/>
+              </a:ext>
+            </a:extLst>
+          </a:blip>
+          <a:stretch>
+            <a:fillRect/>
+          </a:stretch>
+        </p:blipFill>
+        <p:spPr>
+          <a:xfrm>
+            <a:off x="5916168" y="635000"/>
+            <a:ext cx="6007608" cy="5838952"/>
+          </a:xfrm>
+          <a:prstGeom prst="rect">
+            <a:avLst/>
+          </a:prstGeom>
+        </p:spPr>
+      </p:pic>
+    </p:spTree>
+    <p:extLst>
+      <p:ext uri="{BB962C8B-B14F-4D97-AF65-F5344CB8AC3E}">
+        <p14:creationId xmlns:p14="http://schemas.microsoft.com/office/powerpoint/2010/main" val="3186879230"/>
+      </p:ext>
+    </p:extLst>
+  </p:cSld>
+  <p:clrMapOvr>
+    <a:masterClrMapping/>
+  </p:clrMapOvr>
+</p:sld>
+</file>
+
+<file path=ppt/slides/slide21.xml><?xml version="1.0" encoding="utf-8"?>
+<p:sld xmlns:a="http://schemas.openxmlformats.org/drawingml/2006/main" xmlns:r="http://schemas.openxmlformats.org/officeDocument/2006/relationships" xmlns:p="http://schemas.openxmlformats.org/presentationml/2006/main">
+  <p:cSld>
+    <p:spTree>
+      <p:nvGrpSpPr>
+        <p:cNvPr id="1" name=""/>
+        <p:cNvGrpSpPr/>
+        <p:nvPr/>
+      </p:nvGrpSpPr>
+      <p:grpSpPr>
+        <a:xfrm>
+          <a:off x="0" y="0"/>
+          <a:ext cx="0" cy="0"/>
+          <a:chOff x="0" y="0"/>
+          <a:chExt cx="0" cy="0"/>
+        </a:xfrm>
+      </p:grpSpPr>
+      <p:sp>
+        <p:nvSpPr>
+          <p:cNvPr id="2" name="Title 1">
+            <a:extLst>
+              <a:ext uri="{FF2B5EF4-FFF2-40B4-BE49-F238E27FC236}">
                 <a16:creationId xmlns:a16="http://schemas.microsoft.com/office/drawing/2014/main" id="{33A58244-028E-FEBB-69B0-5D5D2D1A7C7A}"/>
               </a:ext>
             </a:extLst>
@@ -7926,7 +9257,7 @@
 </p:sld>
 </file>
 
-<file path=ppt/slides/slide19.xml><?xml version="1.0" encoding="utf-8"?>
+<file path=ppt/slides/slide22.xml><?xml version="1.0" encoding="utf-8"?>
 <p:sld xmlns:a="http://schemas.openxmlformats.org/drawingml/2006/main" xmlns:r="http://schemas.openxmlformats.org/officeDocument/2006/relationships" xmlns:p="http://schemas.openxmlformats.org/presentationml/2006/main">
   <p:cSld>
     <p:spTree>
@@ -8419,190 +9750,7 @@
 </p:sld>
 </file>
 
-<file path=ppt/slides/slide2.xml><?xml version="1.0" encoding="utf-8"?>
-<p:sld xmlns:a="http://schemas.openxmlformats.org/drawingml/2006/main" xmlns:r="http://schemas.openxmlformats.org/officeDocument/2006/relationships" xmlns:p="http://schemas.openxmlformats.org/presentationml/2006/main">
-  <p:cSld>
-    <p:spTree>
-      <p:nvGrpSpPr>
-        <p:cNvPr id="1" name=""/>
-        <p:cNvGrpSpPr/>
-        <p:nvPr/>
-      </p:nvGrpSpPr>
-      <p:grpSpPr>
-        <a:xfrm>
-          <a:off x="0" y="0"/>
-          <a:ext cx="0" cy="0"/>
-          <a:chOff x="0" y="0"/>
-          <a:chExt cx="0" cy="0"/>
-        </a:xfrm>
-      </p:grpSpPr>
-      <p:sp>
-        <p:nvSpPr>
-          <p:cNvPr id="2" name="Title 1">
-            <a:extLst>
-              <a:ext uri="{FF2B5EF4-FFF2-40B4-BE49-F238E27FC236}">
-                <a16:creationId xmlns:a16="http://schemas.microsoft.com/office/drawing/2014/main" id="{76625CCD-933C-9765-F48B-72A828692DB1}"/>
-              </a:ext>
-            </a:extLst>
-          </p:cNvPr>
-          <p:cNvSpPr>
-            <a:spLocks noGrp="1"/>
-          </p:cNvSpPr>
-          <p:nvPr>
-            <p:ph type="title"/>
-          </p:nvPr>
-        </p:nvSpPr>
-        <p:spPr>
-          <a:xfrm>
-            <a:off x="358805" y="178695"/>
-            <a:ext cx="10515600" cy="851116"/>
-          </a:xfrm>
-        </p:spPr>
-        <p:txBody>
-          <a:bodyPr/>
-          <a:lstStyle/>
-          <a:p>
-            <a:r>
-              <a:rPr lang="en-ZW" dirty="0">
-                <a:latin typeface="Goudy Old Style" panose="02020502050305020303" pitchFamily="18" charset="0"/>
-              </a:rPr>
-              <a:t>Motivation</a:t>
-            </a:r>
-          </a:p>
-        </p:txBody>
-      </p:sp>
-      <p:sp>
-        <p:nvSpPr>
-          <p:cNvPr id="3" name="Content Placeholder 2">
-            <a:extLst>
-              <a:ext uri="{FF2B5EF4-FFF2-40B4-BE49-F238E27FC236}">
-                <a16:creationId xmlns:a16="http://schemas.microsoft.com/office/drawing/2014/main" id="{F74DDAF1-BBF4-2C0D-9312-59759B33286B}"/>
-              </a:ext>
-            </a:extLst>
-          </p:cNvPr>
-          <p:cNvSpPr>
-            <a:spLocks noGrp="1"/>
-          </p:cNvSpPr>
-          <p:nvPr>
-            <p:ph idx="1"/>
-          </p:nvPr>
-        </p:nvSpPr>
-        <p:spPr>
-          <a:xfrm>
-            <a:off x="550416" y="1127464"/>
-            <a:ext cx="11123719" cy="5468645"/>
-          </a:xfrm>
-        </p:spPr>
-        <p:txBody>
-          <a:bodyPr>
-            <a:normAutofit/>
-          </a:bodyPr>
-          <a:lstStyle/>
-          <a:p>
-            <a:r>
-              <a:rPr lang="en-ZW" dirty="0">
-                <a:latin typeface="Goudy Old Style" panose="02020502050305020303" pitchFamily="18" charset="0"/>
-              </a:rPr>
-              <a:t>Indo-Gangetic Plains—the food basket of the world through a rice-wheat cropping system has over the recent past experienced two major climatic changes</a:t>
-            </a:r>
-          </a:p>
-          <a:p>
-            <a:pPr marL="971550" lvl="1" indent="-514350">
-              <a:buFont typeface="+mj-lt"/>
-              <a:buAutoNum type="arabicPeriod"/>
-            </a:pPr>
-            <a:r>
-              <a:rPr lang="en-ZW" dirty="0">
-                <a:latin typeface="Goudy Old Style" panose="02020502050305020303" pitchFamily="18" charset="0"/>
-              </a:rPr>
-              <a:t>Late monsoon onset which pushes farmers to transplant rice late</a:t>
-            </a:r>
-          </a:p>
-          <a:p>
-            <a:pPr marL="971550" lvl="1" indent="-514350">
-              <a:buFont typeface="+mj-lt"/>
-              <a:buAutoNum type="arabicPeriod"/>
-            </a:pPr>
-            <a:r>
-              <a:rPr lang="en-ZW" dirty="0">
-                <a:latin typeface="Goudy Old Style" panose="02020502050305020303" pitchFamily="18" charset="0"/>
-              </a:rPr>
-              <a:t>Terminal heat stress which reduces wheat yield</a:t>
-            </a:r>
-          </a:p>
-          <a:p>
-            <a:r>
-              <a:rPr lang="en-ZW" dirty="0">
-                <a:latin typeface="Goudy Old Style" panose="02020502050305020303" pitchFamily="18" charset="0"/>
-              </a:rPr>
-              <a:t>Early sowing of wheat would allow the wheat crop to escape terminal heat stress</a:t>
-            </a:r>
-          </a:p>
-          <a:p>
-            <a:r>
-              <a:rPr lang="en-ZW" dirty="0">
-                <a:latin typeface="Goudy Old Style" panose="02020502050305020303" pitchFamily="18" charset="0"/>
-              </a:rPr>
-              <a:t>Late sowing of wheat is however highly associated with delays in the harvesting of rice crop</a:t>
-            </a:r>
-          </a:p>
-          <a:p>
-            <a:r>
-              <a:rPr lang="en-ZW" dirty="0">
-                <a:latin typeface="Goudy Old Style" panose="02020502050305020303" pitchFamily="18" charset="0"/>
-              </a:rPr>
-              <a:t>Advancing rice sowing date so as to prepare early for wheat sowing has been considered the entry point for rice-wheat system optimization</a:t>
-            </a:r>
-          </a:p>
-          <a:p>
-            <a:endParaRPr lang="en-ZW" dirty="0">
-              <a:latin typeface="Goudy Old Style" panose="02020502050305020303" pitchFamily="18" charset="0"/>
-            </a:endParaRPr>
-          </a:p>
-          <a:p>
-            <a:pPr lvl="1">
-              <a:buFont typeface="Courier New" panose="02070309020205020404" pitchFamily="49" charset="0"/>
-              <a:buChar char="o"/>
-            </a:pPr>
-            <a:endParaRPr lang="en-ZW" dirty="0">
-              <a:latin typeface="Goudy Old Style" panose="02020502050305020303" pitchFamily="18" charset="0"/>
-            </a:endParaRPr>
-          </a:p>
-          <a:p>
-            <a:pPr lvl="1">
-              <a:buFont typeface="Courier New" panose="02070309020205020404" pitchFamily="49" charset="0"/>
-              <a:buChar char="o"/>
-            </a:pPr>
-            <a:endParaRPr lang="en-ZW" dirty="0">
-              <a:latin typeface="Goudy Old Style" panose="02020502050305020303" pitchFamily="18" charset="0"/>
-            </a:endParaRPr>
-          </a:p>
-          <a:p>
-            <a:pPr lvl="1">
-              <a:buFont typeface="Courier New" panose="02070309020205020404" pitchFamily="49" charset="0"/>
-              <a:buChar char="o"/>
-            </a:pPr>
-            <a:endParaRPr lang="en-ZW" dirty="0"/>
-          </a:p>
-          <a:p>
-            <a:endParaRPr lang="en-ZW" dirty="0"/>
-          </a:p>
-        </p:txBody>
-      </p:sp>
-    </p:spTree>
-    <p:extLst>
-      <p:ext uri="{BB962C8B-B14F-4D97-AF65-F5344CB8AC3E}">
-        <p14:creationId xmlns:p14="http://schemas.microsoft.com/office/powerpoint/2010/main" val="1543117436"/>
-      </p:ext>
-    </p:extLst>
-  </p:cSld>
-  <p:clrMapOvr>
-    <a:masterClrMapping/>
-  </p:clrMapOvr>
-</p:sld>
-</file>
-
-<file path=ppt/slides/slide20.xml><?xml version="1.0" encoding="utf-8"?>
+<file path=ppt/slides/slide23.xml><?xml version="1.0" encoding="utf-8"?>
 <p:sld xmlns:a="http://schemas.openxmlformats.org/drawingml/2006/main" xmlns:r="http://schemas.openxmlformats.org/officeDocument/2006/relationships" xmlns:p="http://schemas.openxmlformats.org/presentationml/2006/main">
   <p:cSld>
     <p:spTree>

--- a/Planting date strategies under risk considerations_IGP_v2.pptx
+++ b/Planting date strategies under risk considerations_IGP_v2.pptx
@@ -140,7 +140,7 @@
 <file path=ppt/revisionInfo.xml><?xml version="1.0" encoding="utf-8"?>
 <p1510:revInfo xmlns:a="http://schemas.openxmlformats.org/drawingml/2006/main" xmlns:r="http://schemas.openxmlformats.org/officeDocument/2006/relationships" xmlns:p1510="http://schemas.microsoft.com/office/powerpoint/2015/10/main">
   <p1510:revLst>
-    <p1510:client id="{E8D17F3F-A9E1-4CB6-AE23-77212FC715F0}" v="45" dt="2023-07-30T03:46:58.762"/>
+    <p1510:client id="{E8D17F3F-A9E1-4CB6-AE23-77212FC715F0}" v="51" dt="2023-08-12T19:15:20.003"/>
   </p1510:revLst>
 </p1510:revInfo>
 </file>
@@ -149,138 +149,169 @@
 <pc:chgInfo xmlns:a="http://schemas.openxmlformats.org/drawingml/2006/main" xmlns:r="http://schemas.openxmlformats.org/officeDocument/2006/relationships" xmlns:ac="http://schemas.microsoft.com/office/drawing/2013/main/command" xmlns:pc="http://schemas.microsoft.com/office/powerpoint/2013/main/command">
   <pc:docChgLst>
     <pc:chgData name="MKONDIWA, Maxwell (CIMMYT-India)" userId="861bee07-b612-4cf7-beae-414489ecebf8" providerId="ADAL" clId="{E8D17F3F-A9E1-4CB6-AE23-77212FC715F0}"/>
-    <pc:docChg chg="undo custSel addSld delSld modSld">
-      <pc:chgData name="MKONDIWA, Maxwell (CIMMYT-India)" userId="861bee07-b612-4cf7-beae-414489ecebf8" providerId="ADAL" clId="{E8D17F3F-A9E1-4CB6-AE23-77212FC715F0}" dt="2023-07-30T03:46:58.762" v="397" actId="164"/>
+    <pc:docChg chg="undo custSel addSld delSld modSld modMainMaster modNotesMaster">
+      <pc:chgData name="MKONDIWA, Maxwell (CIMMYT-India)" userId="861bee07-b612-4cf7-beae-414489ecebf8" providerId="ADAL" clId="{E8D17F3F-A9E1-4CB6-AE23-77212FC715F0}" dt="2023-08-12T19:24:27.817" v="412" actId="1076"/>
       <pc:docMkLst>
         <pc:docMk/>
       </pc:docMkLst>
       <pc:sldChg chg="modSp mod">
-        <pc:chgData name="MKONDIWA, Maxwell (CIMMYT-India)" userId="861bee07-b612-4cf7-beae-414489ecebf8" providerId="ADAL" clId="{E8D17F3F-A9E1-4CB6-AE23-77212FC715F0}" dt="2023-07-21T01:45:46.108" v="22" actId="14100"/>
+        <pc:chgData name="MKONDIWA, Maxwell (CIMMYT-India)" userId="861bee07-b612-4cf7-beae-414489ecebf8" providerId="ADAL" clId="{E8D17F3F-A9E1-4CB6-AE23-77212FC715F0}" dt="2023-08-12T16:50:34.374" v="400"/>
         <pc:sldMkLst>
           <pc:docMk/>
           <pc:sldMk cId="1168277330" sldId="256"/>
         </pc:sldMkLst>
         <pc:spChg chg="mod">
-          <ac:chgData name="MKONDIWA, Maxwell (CIMMYT-India)" userId="861bee07-b612-4cf7-beae-414489ecebf8" providerId="ADAL" clId="{E8D17F3F-A9E1-4CB6-AE23-77212FC715F0}" dt="2023-07-21T01:45:46.108" v="22" actId="14100"/>
+          <ac:chgData name="MKONDIWA, Maxwell (CIMMYT-India)" userId="861bee07-b612-4cf7-beae-414489ecebf8" providerId="ADAL" clId="{E8D17F3F-A9E1-4CB6-AE23-77212FC715F0}" dt="2023-08-12T16:50:34.374" v="400"/>
           <ac:spMkLst>
             <pc:docMk/>
             <pc:sldMk cId="1168277330" sldId="256"/>
             <ac:spMk id="2" creationId="{02F9A324-86B6-E2C3-FD3E-E4046665EEBA}"/>
           </ac:spMkLst>
         </pc:spChg>
+        <pc:spChg chg="mod">
+          <ac:chgData name="MKONDIWA, Maxwell (CIMMYT-India)" userId="861bee07-b612-4cf7-beae-414489ecebf8" providerId="ADAL" clId="{E8D17F3F-A9E1-4CB6-AE23-77212FC715F0}" dt="2023-08-12T16:50:34.374" v="400"/>
+          <ac:spMkLst>
+            <pc:docMk/>
+            <pc:sldMk cId="1168277330" sldId="256"/>
+            <ac:spMk id="3" creationId="{5207B56F-277B-B356-CF43-621D3BED0555}"/>
+          </ac:spMkLst>
+        </pc:spChg>
       </pc:sldChg>
-      <pc:sldChg chg="addSp modSp mod">
-        <pc:chgData name="MKONDIWA, Maxwell (CIMMYT-India)" userId="861bee07-b612-4cf7-beae-414489ecebf8" providerId="ADAL" clId="{E8D17F3F-A9E1-4CB6-AE23-77212FC715F0}" dt="2023-07-30T03:43:27.898" v="357" actId="1076"/>
+      <pc:sldChg chg="modSp">
+        <pc:chgData name="MKONDIWA, Maxwell (CIMMYT-India)" userId="861bee07-b612-4cf7-beae-414489ecebf8" providerId="ADAL" clId="{E8D17F3F-A9E1-4CB6-AE23-77212FC715F0}" dt="2023-08-12T16:50:34.374" v="400"/>
+        <pc:sldMkLst>
+          <pc:docMk/>
+          <pc:sldMk cId="1543117436" sldId="257"/>
+        </pc:sldMkLst>
+        <pc:spChg chg="mod">
+          <ac:chgData name="MKONDIWA, Maxwell (CIMMYT-India)" userId="861bee07-b612-4cf7-beae-414489ecebf8" providerId="ADAL" clId="{E8D17F3F-A9E1-4CB6-AE23-77212FC715F0}" dt="2023-08-12T16:50:34.374" v="400"/>
+          <ac:spMkLst>
+            <pc:docMk/>
+            <pc:sldMk cId="1543117436" sldId="257"/>
+            <ac:spMk id="2" creationId="{76625CCD-933C-9765-F48B-72A828692DB1}"/>
+          </ac:spMkLst>
+        </pc:spChg>
+        <pc:spChg chg="mod">
+          <ac:chgData name="MKONDIWA, Maxwell (CIMMYT-India)" userId="861bee07-b612-4cf7-beae-414489ecebf8" providerId="ADAL" clId="{E8D17F3F-A9E1-4CB6-AE23-77212FC715F0}" dt="2023-08-12T16:50:34.374" v="400"/>
+          <ac:spMkLst>
+            <pc:docMk/>
+            <pc:sldMk cId="1543117436" sldId="257"/>
+            <ac:spMk id="3" creationId="{F74DDAF1-BBF4-2C0D-9312-59759B33286B}"/>
+          </ac:spMkLst>
+        </pc:spChg>
+      </pc:sldChg>
+      <pc:sldChg chg="addSp delSp modSp mod">
+        <pc:chgData name="MKONDIWA, Maxwell (CIMMYT-India)" userId="861bee07-b612-4cf7-beae-414489ecebf8" providerId="ADAL" clId="{E8D17F3F-A9E1-4CB6-AE23-77212FC715F0}" dt="2023-08-12T17:46:42.766" v="405" actId="165"/>
         <pc:sldMkLst>
           <pc:docMk/>
           <pc:sldMk cId="632333329" sldId="258"/>
         </pc:sldMkLst>
         <pc:spChg chg="mod">
-          <ac:chgData name="MKONDIWA, Maxwell (CIMMYT-India)" userId="861bee07-b612-4cf7-beae-414489ecebf8" providerId="ADAL" clId="{E8D17F3F-A9E1-4CB6-AE23-77212FC715F0}" dt="2023-07-30T03:43:27.898" v="357" actId="1076"/>
+          <ac:chgData name="MKONDIWA, Maxwell (CIMMYT-India)" userId="861bee07-b612-4cf7-beae-414489ecebf8" providerId="ADAL" clId="{E8D17F3F-A9E1-4CB6-AE23-77212FC715F0}" dt="2023-08-12T16:50:34.374" v="400"/>
           <ac:spMkLst>
             <pc:docMk/>
             <pc:sldMk cId="632333329" sldId="258"/>
             <ac:spMk id="2" creationId="{F1C9E5EF-8284-051C-E9BD-2AD7597239C0}"/>
           </ac:spMkLst>
         </pc:spChg>
-        <pc:spChg chg="mod">
-          <ac:chgData name="MKONDIWA, Maxwell (CIMMYT-India)" userId="861bee07-b612-4cf7-beae-414489ecebf8" providerId="ADAL" clId="{E8D17F3F-A9E1-4CB6-AE23-77212FC715F0}" dt="2023-07-30T03:27:51.552" v="344" actId="164"/>
+        <pc:spChg chg="mod topLvl">
+          <ac:chgData name="MKONDIWA, Maxwell (CIMMYT-India)" userId="861bee07-b612-4cf7-beae-414489ecebf8" providerId="ADAL" clId="{E8D17F3F-A9E1-4CB6-AE23-77212FC715F0}" dt="2023-08-12T17:46:42.766" v="405" actId="165"/>
           <ac:spMkLst>
             <pc:docMk/>
             <pc:sldMk cId="632333329" sldId="258"/>
             <ac:spMk id="28" creationId="{092B29CD-616E-76C9-9B48-DC939FFC7310}"/>
           </ac:spMkLst>
         </pc:spChg>
-        <pc:spChg chg="mod">
-          <ac:chgData name="MKONDIWA, Maxwell (CIMMYT-India)" userId="861bee07-b612-4cf7-beae-414489ecebf8" providerId="ADAL" clId="{E8D17F3F-A9E1-4CB6-AE23-77212FC715F0}" dt="2023-07-30T03:27:51.552" v="344" actId="164"/>
+        <pc:spChg chg="mod topLvl">
+          <ac:chgData name="MKONDIWA, Maxwell (CIMMYT-India)" userId="861bee07-b612-4cf7-beae-414489ecebf8" providerId="ADAL" clId="{E8D17F3F-A9E1-4CB6-AE23-77212FC715F0}" dt="2023-08-12T17:46:42.766" v="405" actId="165"/>
           <ac:spMkLst>
             <pc:docMk/>
             <pc:sldMk cId="632333329" sldId="258"/>
             <ac:spMk id="29" creationId="{E0A862FD-170B-7667-ED5D-A5CE8B062D84}"/>
           </ac:spMkLst>
         </pc:spChg>
-        <pc:spChg chg="mod">
-          <ac:chgData name="MKONDIWA, Maxwell (CIMMYT-India)" userId="861bee07-b612-4cf7-beae-414489ecebf8" providerId="ADAL" clId="{E8D17F3F-A9E1-4CB6-AE23-77212FC715F0}" dt="2023-07-30T03:27:51.552" v="344" actId="164"/>
+        <pc:spChg chg="mod topLvl">
+          <ac:chgData name="MKONDIWA, Maxwell (CIMMYT-India)" userId="861bee07-b612-4cf7-beae-414489ecebf8" providerId="ADAL" clId="{E8D17F3F-A9E1-4CB6-AE23-77212FC715F0}" dt="2023-08-12T17:46:42.766" v="405" actId="165"/>
           <ac:spMkLst>
             <pc:docMk/>
             <pc:sldMk cId="632333329" sldId="258"/>
             <ac:spMk id="30" creationId="{B3136C8D-51CF-5056-EBBC-54F84449CECE}"/>
           </ac:spMkLst>
         </pc:spChg>
-        <pc:spChg chg="mod">
-          <ac:chgData name="MKONDIWA, Maxwell (CIMMYT-India)" userId="861bee07-b612-4cf7-beae-414489ecebf8" providerId="ADAL" clId="{E8D17F3F-A9E1-4CB6-AE23-77212FC715F0}" dt="2023-07-30T03:27:51.552" v="344" actId="164"/>
+        <pc:spChg chg="mod topLvl">
+          <ac:chgData name="MKONDIWA, Maxwell (CIMMYT-India)" userId="861bee07-b612-4cf7-beae-414489ecebf8" providerId="ADAL" clId="{E8D17F3F-A9E1-4CB6-AE23-77212FC715F0}" dt="2023-08-12T17:46:42.766" v="405" actId="165"/>
           <ac:spMkLst>
             <pc:docMk/>
             <pc:sldMk cId="632333329" sldId="258"/>
             <ac:spMk id="31" creationId="{AB641386-2C2F-CC50-081A-A7EA40BA9A7F}"/>
           </ac:spMkLst>
         </pc:spChg>
-        <pc:spChg chg="mod">
-          <ac:chgData name="MKONDIWA, Maxwell (CIMMYT-India)" userId="861bee07-b612-4cf7-beae-414489ecebf8" providerId="ADAL" clId="{E8D17F3F-A9E1-4CB6-AE23-77212FC715F0}" dt="2023-07-30T03:27:51.552" v="344" actId="164"/>
+        <pc:spChg chg="mod topLvl">
+          <ac:chgData name="MKONDIWA, Maxwell (CIMMYT-India)" userId="861bee07-b612-4cf7-beae-414489ecebf8" providerId="ADAL" clId="{E8D17F3F-A9E1-4CB6-AE23-77212FC715F0}" dt="2023-08-12T17:46:42.766" v="405" actId="165"/>
           <ac:spMkLst>
             <pc:docMk/>
             <pc:sldMk cId="632333329" sldId="258"/>
             <ac:spMk id="32" creationId="{B0A0938B-A3CB-0E2C-4694-C3D3125D1EEA}"/>
           </ac:spMkLst>
         </pc:spChg>
-        <pc:spChg chg="mod">
-          <ac:chgData name="MKONDIWA, Maxwell (CIMMYT-India)" userId="861bee07-b612-4cf7-beae-414489ecebf8" providerId="ADAL" clId="{E8D17F3F-A9E1-4CB6-AE23-77212FC715F0}" dt="2023-07-30T03:27:51.552" v="344" actId="164"/>
+        <pc:spChg chg="mod topLvl">
+          <ac:chgData name="MKONDIWA, Maxwell (CIMMYT-India)" userId="861bee07-b612-4cf7-beae-414489ecebf8" providerId="ADAL" clId="{E8D17F3F-A9E1-4CB6-AE23-77212FC715F0}" dt="2023-08-12T17:46:42.766" v="405" actId="165"/>
           <ac:spMkLst>
             <pc:docMk/>
             <pc:sldMk cId="632333329" sldId="258"/>
             <ac:spMk id="33" creationId="{109F0835-01B6-9AF7-6FE6-BF351E46E248}"/>
           </ac:spMkLst>
         </pc:spChg>
-        <pc:grpChg chg="add mod">
-          <ac:chgData name="MKONDIWA, Maxwell (CIMMYT-India)" userId="861bee07-b612-4cf7-beae-414489ecebf8" providerId="ADAL" clId="{E8D17F3F-A9E1-4CB6-AE23-77212FC715F0}" dt="2023-07-30T03:27:51.552" v="344" actId="164"/>
+        <pc:grpChg chg="add del mod">
+          <ac:chgData name="MKONDIWA, Maxwell (CIMMYT-India)" userId="861bee07-b612-4cf7-beae-414489ecebf8" providerId="ADAL" clId="{E8D17F3F-A9E1-4CB6-AE23-77212FC715F0}" dt="2023-08-12T17:46:42.766" v="405" actId="165"/>
           <ac:grpSpMkLst>
             <pc:docMk/>
             <pc:sldMk cId="632333329" sldId="258"/>
             <ac:grpSpMk id="3" creationId="{FD5F93E9-1F7D-A55F-EF8D-95C8AFA5C6AC}"/>
           </ac:grpSpMkLst>
         </pc:grpChg>
-        <pc:picChg chg="mod">
-          <ac:chgData name="MKONDIWA, Maxwell (CIMMYT-India)" userId="861bee07-b612-4cf7-beae-414489ecebf8" providerId="ADAL" clId="{E8D17F3F-A9E1-4CB6-AE23-77212FC715F0}" dt="2023-07-30T03:27:51.552" v="344" actId="164"/>
+        <pc:picChg chg="mod topLvl">
+          <ac:chgData name="MKONDIWA, Maxwell (CIMMYT-India)" userId="861bee07-b612-4cf7-beae-414489ecebf8" providerId="ADAL" clId="{E8D17F3F-A9E1-4CB6-AE23-77212FC715F0}" dt="2023-08-12T17:46:42.766" v="405" actId="165"/>
           <ac:picMkLst>
             <pc:docMk/>
             <pc:sldMk cId="632333329" sldId="258"/>
             <ac:picMk id="6" creationId="{2BAB40DA-B099-FFAB-B04A-942A1F7D6092}"/>
           </ac:picMkLst>
         </pc:picChg>
-        <pc:picChg chg="mod">
-          <ac:chgData name="MKONDIWA, Maxwell (CIMMYT-India)" userId="861bee07-b612-4cf7-beae-414489ecebf8" providerId="ADAL" clId="{E8D17F3F-A9E1-4CB6-AE23-77212FC715F0}" dt="2023-07-30T03:27:51.552" v="344" actId="164"/>
+        <pc:picChg chg="mod topLvl">
+          <ac:chgData name="MKONDIWA, Maxwell (CIMMYT-India)" userId="861bee07-b612-4cf7-beae-414489ecebf8" providerId="ADAL" clId="{E8D17F3F-A9E1-4CB6-AE23-77212FC715F0}" dt="2023-08-12T17:46:42.766" v="405" actId="165"/>
           <ac:picMkLst>
             <pc:docMk/>
             <pc:sldMk cId="632333329" sldId="258"/>
             <ac:picMk id="7" creationId="{4F5BCE74-F3BC-FB34-A669-70C4B494FC0A}"/>
           </ac:picMkLst>
         </pc:picChg>
-        <pc:picChg chg="mod">
-          <ac:chgData name="MKONDIWA, Maxwell (CIMMYT-India)" userId="861bee07-b612-4cf7-beae-414489ecebf8" providerId="ADAL" clId="{E8D17F3F-A9E1-4CB6-AE23-77212FC715F0}" dt="2023-07-30T03:27:51.552" v="344" actId="164"/>
+        <pc:picChg chg="mod topLvl">
+          <ac:chgData name="MKONDIWA, Maxwell (CIMMYT-India)" userId="861bee07-b612-4cf7-beae-414489ecebf8" providerId="ADAL" clId="{E8D17F3F-A9E1-4CB6-AE23-77212FC715F0}" dt="2023-08-12T17:46:42.766" v="405" actId="165"/>
           <ac:picMkLst>
             <pc:docMk/>
             <pc:sldMk cId="632333329" sldId="258"/>
             <ac:picMk id="8" creationId="{98B1C4D5-0B96-8DB4-B43E-7432629512B8}"/>
           </ac:picMkLst>
         </pc:picChg>
-        <pc:picChg chg="mod">
-          <ac:chgData name="MKONDIWA, Maxwell (CIMMYT-India)" userId="861bee07-b612-4cf7-beae-414489ecebf8" providerId="ADAL" clId="{E8D17F3F-A9E1-4CB6-AE23-77212FC715F0}" dt="2023-07-30T03:27:51.552" v="344" actId="164"/>
+        <pc:picChg chg="mod topLvl">
+          <ac:chgData name="MKONDIWA, Maxwell (CIMMYT-India)" userId="861bee07-b612-4cf7-beae-414489ecebf8" providerId="ADAL" clId="{E8D17F3F-A9E1-4CB6-AE23-77212FC715F0}" dt="2023-08-12T17:46:42.766" v="405" actId="165"/>
           <ac:picMkLst>
             <pc:docMk/>
             <pc:sldMk cId="632333329" sldId="258"/>
             <ac:picMk id="10" creationId="{AE1DF9EF-9410-31FF-FAD9-A2313CB49E20}"/>
           </ac:picMkLst>
         </pc:picChg>
-        <pc:picChg chg="mod">
-          <ac:chgData name="MKONDIWA, Maxwell (CIMMYT-India)" userId="861bee07-b612-4cf7-beae-414489ecebf8" providerId="ADAL" clId="{E8D17F3F-A9E1-4CB6-AE23-77212FC715F0}" dt="2023-07-30T03:27:51.552" v="344" actId="164"/>
+        <pc:picChg chg="mod topLvl">
+          <ac:chgData name="MKONDIWA, Maxwell (CIMMYT-India)" userId="861bee07-b612-4cf7-beae-414489ecebf8" providerId="ADAL" clId="{E8D17F3F-A9E1-4CB6-AE23-77212FC715F0}" dt="2023-08-12T17:46:42.766" v="405" actId="165"/>
           <ac:picMkLst>
             <pc:docMk/>
             <pc:sldMk cId="632333329" sldId="258"/>
             <ac:picMk id="12" creationId="{F0225FE0-499C-ACC2-44E3-6ACFCC9A4C29}"/>
           </ac:picMkLst>
         </pc:picChg>
-        <pc:picChg chg="mod">
-          <ac:chgData name="MKONDIWA, Maxwell (CIMMYT-India)" userId="861bee07-b612-4cf7-beae-414489ecebf8" providerId="ADAL" clId="{E8D17F3F-A9E1-4CB6-AE23-77212FC715F0}" dt="2023-07-30T03:27:51.552" v="344" actId="164"/>
+        <pc:picChg chg="mod topLvl">
+          <ac:chgData name="MKONDIWA, Maxwell (CIMMYT-India)" userId="861bee07-b612-4cf7-beae-414489ecebf8" providerId="ADAL" clId="{E8D17F3F-A9E1-4CB6-AE23-77212FC715F0}" dt="2023-08-12T17:46:42.766" v="405" actId="165"/>
           <ac:picMkLst>
             <pc:docMk/>
             <pc:sldMk cId="632333329" sldId="258"/>
@@ -288,122 +319,465 @@
           </ac:picMkLst>
         </pc:picChg>
       </pc:sldChg>
-      <pc:sldChg chg="addSp modSp mod">
-        <pc:chgData name="MKONDIWA, Maxwell (CIMMYT-India)" userId="861bee07-b612-4cf7-beae-414489ecebf8" providerId="ADAL" clId="{E8D17F3F-A9E1-4CB6-AE23-77212FC715F0}" dt="2023-07-30T03:43:33.403" v="358" actId="1076"/>
+      <pc:sldChg chg="modSp">
+        <pc:chgData name="MKONDIWA, Maxwell (CIMMYT-India)" userId="861bee07-b612-4cf7-beae-414489ecebf8" providerId="ADAL" clId="{E8D17F3F-A9E1-4CB6-AE23-77212FC715F0}" dt="2023-08-12T16:50:34.374" v="400"/>
+        <pc:sldMkLst>
+          <pc:docMk/>
+          <pc:sldMk cId="871965772" sldId="260"/>
+        </pc:sldMkLst>
+        <pc:spChg chg="mod">
+          <ac:chgData name="MKONDIWA, Maxwell (CIMMYT-India)" userId="861bee07-b612-4cf7-beae-414489ecebf8" providerId="ADAL" clId="{E8D17F3F-A9E1-4CB6-AE23-77212FC715F0}" dt="2023-08-12T16:50:34.374" v="400"/>
+          <ac:spMkLst>
+            <pc:docMk/>
+            <pc:sldMk cId="871965772" sldId="260"/>
+            <ac:spMk id="2" creationId="{789E4C8C-6639-6D3B-37A4-E5ED1BC4BB14}"/>
+          </ac:spMkLst>
+        </pc:spChg>
+        <pc:graphicFrameChg chg="mod">
+          <ac:chgData name="MKONDIWA, Maxwell (CIMMYT-India)" userId="861bee07-b612-4cf7-beae-414489ecebf8" providerId="ADAL" clId="{E8D17F3F-A9E1-4CB6-AE23-77212FC715F0}" dt="2023-08-12T16:50:34.374" v="400"/>
+          <ac:graphicFrameMkLst>
+            <pc:docMk/>
+            <pc:sldMk cId="871965772" sldId="260"/>
+            <ac:graphicFrameMk id="4" creationId="{CBE72160-9B3E-3451-FA63-672E501D7DB1}"/>
+          </ac:graphicFrameMkLst>
+        </pc:graphicFrameChg>
+      </pc:sldChg>
+      <pc:sldChg chg="modSp">
+        <pc:chgData name="MKONDIWA, Maxwell (CIMMYT-India)" userId="861bee07-b612-4cf7-beae-414489ecebf8" providerId="ADAL" clId="{E8D17F3F-A9E1-4CB6-AE23-77212FC715F0}" dt="2023-08-12T16:50:34.374" v="400"/>
+        <pc:sldMkLst>
+          <pc:docMk/>
+          <pc:sldMk cId="733357506" sldId="266"/>
+        </pc:sldMkLst>
+        <pc:spChg chg="mod">
+          <ac:chgData name="MKONDIWA, Maxwell (CIMMYT-India)" userId="861bee07-b612-4cf7-beae-414489ecebf8" providerId="ADAL" clId="{E8D17F3F-A9E1-4CB6-AE23-77212FC715F0}" dt="2023-08-12T16:50:34.374" v="400"/>
+          <ac:spMkLst>
+            <pc:docMk/>
+            <pc:sldMk cId="733357506" sldId="266"/>
+            <ac:spMk id="2" creationId="{319C79B7-F6F7-C6C7-4C06-00190E06F7ED}"/>
+          </ac:spMkLst>
+        </pc:spChg>
+        <pc:spChg chg="mod">
+          <ac:chgData name="MKONDIWA, Maxwell (CIMMYT-India)" userId="861bee07-b612-4cf7-beae-414489ecebf8" providerId="ADAL" clId="{E8D17F3F-A9E1-4CB6-AE23-77212FC715F0}" dt="2023-08-12T16:50:34.374" v="400"/>
+          <ac:spMkLst>
+            <pc:docMk/>
+            <pc:sldMk cId="733357506" sldId="266"/>
+            <ac:spMk id="3" creationId="{EEBF1414-0AC9-F25D-B06D-190A239E0165}"/>
+          </ac:spMkLst>
+        </pc:spChg>
+      </pc:sldChg>
+      <pc:sldChg chg="modSp">
+        <pc:chgData name="MKONDIWA, Maxwell (CIMMYT-India)" userId="861bee07-b612-4cf7-beae-414489ecebf8" providerId="ADAL" clId="{E8D17F3F-A9E1-4CB6-AE23-77212FC715F0}" dt="2023-08-12T16:50:34.374" v="400"/>
+        <pc:sldMkLst>
+          <pc:docMk/>
+          <pc:sldMk cId="3239193764" sldId="268"/>
+        </pc:sldMkLst>
+        <pc:spChg chg="mod">
+          <ac:chgData name="MKONDIWA, Maxwell (CIMMYT-India)" userId="861bee07-b612-4cf7-beae-414489ecebf8" providerId="ADAL" clId="{E8D17F3F-A9E1-4CB6-AE23-77212FC715F0}" dt="2023-08-12T16:50:34.374" v="400"/>
+          <ac:spMkLst>
+            <pc:docMk/>
+            <pc:sldMk cId="3239193764" sldId="268"/>
+            <ac:spMk id="2" creationId="{33A58244-028E-FEBB-69B0-5D5D2D1A7C7A}"/>
+          </ac:spMkLst>
+        </pc:spChg>
+        <pc:spChg chg="mod">
+          <ac:chgData name="MKONDIWA, Maxwell (CIMMYT-India)" userId="861bee07-b612-4cf7-beae-414489ecebf8" providerId="ADAL" clId="{E8D17F3F-A9E1-4CB6-AE23-77212FC715F0}" dt="2023-08-12T16:50:34.374" v="400"/>
+          <ac:spMkLst>
+            <pc:docMk/>
+            <pc:sldMk cId="3239193764" sldId="268"/>
+            <ac:spMk id="3" creationId="{25F63106-D496-A614-59B9-8512CAC5E639}"/>
+          </ac:spMkLst>
+        </pc:spChg>
+      </pc:sldChg>
+      <pc:sldChg chg="modSp">
+        <pc:chgData name="MKONDIWA, Maxwell (CIMMYT-India)" userId="861bee07-b612-4cf7-beae-414489ecebf8" providerId="ADAL" clId="{E8D17F3F-A9E1-4CB6-AE23-77212FC715F0}" dt="2023-08-12T16:50:34.374" v="400"/>
+        <pc:sldMkLst>
+          <pc:docMk/>
+          <pc:sldMk cId="2192085616" sldId="271"/>
+        </pc:sldMkLst>
+        <pc:spChg chg="mod">
+          <ac:chgData name="MKONDIWA, Maxwell (CIMMYT-India)" userId="861bee07-b612-4cf7-beae-414489ecebf8" providerId="ADAL" clId="{E8D17F3F-A9E1-4CB6-AE23-77212FC715F0}" dt="2023-08-12T16:50:34.374" v="400"/>
+          <ac:spMkLst>
+            <pc:docMk/>
+            <pc:sldMk cId="2192085616" sldId="271"/>
+            <ac:spMk id="2" creationId="{2C272222-4228-5BCB-707A-17637A4558F7}"/>
+          </ac:spMkLst>
+        </pc:spChg>
+        <pc:graphicFrameChg chg="mod">
+          <ac:chgData name="MKONDIWA, Maxwell (CIMMYT-India)" userId="861bee07-b612-4cf7-beae-414489ecebf8" providerId="ADAL" clId="{E8D17F3F-A9E1-4CB6-AE23-77212FC715F0}" dt="2023-08-12T16:50:34.374" v="400"/>
+          <ac:graphicFrameMkLst>
+            <pc:docMk/>
+            <pc:sldMk cId="2192085616" sldId="271"/>
+            <ac:graphicFrameMk id="3" creationId="{B3216D11-DB45-A27D-4069-A672A2770288}"/>
+          </ac:graphicFrameMkLst>
+        </pc:graphicFrameChg>
+        <pc:graphicFrameChg chg="mod">
+          <ac:chgData name="MKONDIWA, Maxwell (CIMMYT-India)" userId="861bee07-b612-4cf7-beae-414489ecebf8" providerId="ADAL" clId="{E8D17F3F-A9E1-4CB6-AE23-77212FC715F0}" dt="2023-08-12T16:50:34.374" v="400"/>
+          <ac:graphicFrameMkLst>
+            <pc:docMk/>
+            <pc:sldMk cId="2192085616" sldId="271"/>
+            <ac:graphicFrameMk id="4" creationId="{55DF422D-E2DA-F67E-0187-F834432B9E5F}"/>
+          </ac:graphicFrameMkLst>
+        </pc:graphicFrameChg>
+        <pc:picChg chg="mod">
+          <ac:chgData name="MKONDIWA, Maxwell (CIMMYT-India)" userId="861bee07-b612-4cf7-beae-414489ecebf8" providerId="ADAL" clId="{E8D17F3F-A9E1-4CB6-AE23-77212FC715F0}" dt="2023-08-12T16:50:34.374" v="400"/>
+          <ac:picMkLst>
+            <pc:docMk/>
+            <pc:sldMk cId="2192085616" sldId="271"/>
+            <ac:picMk id="5" creationId="{377A61E4-B20B-FE44-80E3-3C4638816EC7}"/>
+          </ac:picMkLst>
+        </pc:picChg>
+      </pc:sldChg>
+      <pc:sldChg chg="modSp">
+        <pc:chgData name="MKONDIWA, Maxwell (CIMMYT-India)" userId="861bee07-b612-4cf7-beae-414489ecebf8" providerId="ADAL" clId="{E8D17F3F-A9E1-4CB6-AE23-77212FC715F0}" dt="2023-08-12T16:50:34.374" v="400"/>
+        <pc:sldMkLst>
+          <pc:docMk/>
+          <pc:sldMk cId="177913579" sldId="274"/>
+        </pc:sldMkLst>
+        <pc:spChg chg="mod">
+          <ac:chgData name="MKONDIWA, Maxwell (CIMMYT-India)" userId="861bee07-b612-4cf7-beae-414489ecebf8" providerId="ADAL" clId="{E8D17F3F-A9E1-4CB6-AE23-77212FC715F0}" dt="2023-08-12T16:50:34.374" v="400"/>
+          <ac:spMkLst>
+            <pc:docMk/>
+            <pc:sldMk cId="177913579" sldId="274"/>
+            <ac:spMk id="2" creationId="{931F15AD-760A-218A-B677-DC791A9DA76C}"/>
+          </ac:spMkLst>
+        </pc:spChg>
+        <pc:spChg chg="mod">
+          <ac:chgData name="MKONDIWA, Maxwell (CIMMYT-India)" userId="861bee07-b612-4cf7-beae-414489ecebf8" providerId="ADAL" clId="{E8D17F3F-A9E1-4CB6-AE23-77212FC715F0}" dt="2023-08-12T16:50:34.374" v="400"/>
+          <ac:spMkLst>
+            <pc:docMk/>
+            <pc:sldMk cId="177913579" sldId="274"/>
+            <ac:spMk id="3" creationId="{A740BE53-1EB3-A4C1-0C4A-83BCD53878C7}"/>
+          </ac:spMkLst>
+        </pc:spChg>
+      </pc:sldChg>
+      <pc:sldChg chg="modSp">
+        <pc:chgData name="MKONDIWA, Maxwell (CIMMYT-India)" userId="861bee07-b612-4cf7-beae-414489ecebf8" providerId="ADAL" clId="{E8D17F3F-A9E1-4CB6-AE23-77212FC715F0}" dt="2023-08-12T16:50:34.374" v="400"/>
+        <pc:sldMkLst>
+          <pc:docMk/>
+          <pc:sldMk cId="2044663496" sldId="281"/>
+        </pc:sldMkLst>
+        <pc:spChg chg="mod">
+          <ac:chgData name="MKONDIWA, Maxwell (CIMMYT-India)" userId="861bee07-b612-4cf7-beae-414489ecebf8" providerId="ADAL" clId="{E8D17F3F-A9E1-4CB6-AE23-77212FC715F0}" dt="2023-08-12T16:50:34.374" v="400"/>
+          <ac:spMkLst>
+            <pc:docMk/>
+            <pc:sldMk cId="2044663496" sldId="281"/>
+            <ac:spMk id="5" creationId="{3202A213-8D2C-8081-C9FB-BB219342A2C8}"/>
+          </ac:spMkLst>
+        </pc:spChg>
+        <pc:spChg chg="mod">
+          <ac:chgData name="MKONDIWA, Maxwell (CIMMYT-India)" userId="861bee07-b612-4cf7-beae-414489ecebf8" providerId="ADAL" clId="{E8D17F3F-A9E1-4CB6-AE23-77212FC715F0}" dt="2023-08-12T16:50:34.374" v="400"/>
+          <ac:spMkLst>
+            <pc:docMk/>
+            <pc:sldMk cId="2044663496" sldId="281"/>
+            <ac:spMk id="6" creationId="{41BF0092-0BBB-2AE3-F349-D7045DEDD008}"/>
+          </ac:spMkLst>
+        </pc:spChg>
+        <pc:spChg chg="mod">
+          <ac:chgData name="MKONDIWA, Maxwell (CIMMYT-India)" userId="861bee07-b612-4cf7-beae-414489ecebf8" providerId="ADAL" clId="{E8D17F3F-A9E1-4CB6-AE23-77212FC715F0}" dt="2023-08-12T16:50:34.374" v="400"/>
+          <ac:spMkLst>
+            <pc:docMk/>
+            <pc:sldMk cId="2044663496" sldId="281"/>
+            <ac:spMk id="7" creationId="{22B49C42-3AEE-B69D-9DA5-0B1C6DCE53BA}"/>
+          </ac:spMkLst>
+        </pc:spChg>
+        <pc:spChg chg="mod">
+          <ac:chgData name="MKONDIWA, Maxwell (CIMMYT-India)" userId="861bee07-b612-4cf7-beae-414489ecebf8" providerId="ADAL" clId="{E8D17F3F-A9E1-4CB6-AE23-77212FC715F0}" dt="2023-08-12T16:50:34.374" v="400"/>
+          <ac:spMkLst>
+            <pc:docMk/>
+            <pc:sldMk cId="2044663496" sldId="281"/>
+            <ac:spMk id="8" creationId="{EC09093C-9058-2BF9-61CA-1951F34C9BEE}"/>
+          </ac:spMkLst>
+        </pc:spChg>
+        <pc:spChg chg="mod">
+          <ac:chgData name="MKONDIWA, Maxwell (CIMMYT-India)" userId="861bee07-b612-4cf7-beae-414489ecebf8" providerId="ADAL" clId="{E8D17F3F-A9E1-4CB6-AE23-77212FC715F0}" dt="2023-08-12T16:50:34.374" v="400"/>
+          <ac:spMkLst>
+            <pc:docMk/>
+            <pc:sldMk cId="2044663496" sldId="281"/>
+            <ac:spMk id="10" creationId="{2822E52C-24FF-C63B-6C3D-F8EE62F11032}"/>
+          </ac:spMkLst>
+        </pc:spChg>
+        <pc:spChg chg="mod">
+          <ac:chgData name="MKONDIWA, Maxwell (CIMMYT-India)" userId="861bee07-b612-4cf7-beae-414489ecebf8" providerId="ADAL" clId="{E8D17F3F-A9E1-4CB6-AE23-77212FC715F0}" dt="2023-08-12T16:50:34.374" v="400"/>
+          <ac:spMkLst>
+            <pc:docMk/>
+            <pc:sldMk cId="2044663496" sldId="281"/>
+            <ac:spMk id="13" creationId="{9979984F-44D4-E9FC-F08E-9C2A053CF906}"/>
+          </ac:spMkLst>
+        </pc:spChg>
+        <pc:spChg chg="mod">
+          <ac:chgData name="MKONDIWA, Maxwell (CIMMYT-India)" userId="861bee07-b612-4cf7-beae-414489ecebf8" providerId="ADAL" clId="{E8D17F3F-A9E1-4CB6-AE23-77212FC715F0}" dt="2023-08-12T16:50:34.374" v="400"/>
+          <ac:spMkLst>
+            <pc:docMk/>
+            <pc:sldMk cId="2044663496" sldId="281"/>
+            <ac:spMk id="14" creationId="{DC452AE9-5156-195B-F049-B93B203635B4}"/>
+          </ac:spMkLst>
+        </pc:spChg>
+        <pc:spChg chg="mod">
+          <ac:chgData name="MKONDIWA, Maxwell (CIMMYT-India)" userId="861bee07-b612-4cf7-beae-414489ecebf8" providerId="ADAL" clId="{E8D17F3F-A9E1-4CB6-AE23-77212FC715F0}" dt="2023-08-12T16:50:34.374" v="400"/>
+          <ac:spMkLst>
+            <pc:docMk/>
+            <pc:sldMk cId="2044663496" sldId="281"/>
+            <ac:spMk id="15" creationId="{2F36F5AA-58B0-EB76-B594-B1AB7A7B25A3}"/>
+          </ac:spMkLst>
+        </pc:spChg>
+        <pc:grpChg chg="mod">
+          <ac:chgData name="MKONDIWA, Maxwell (CIMMYT-India)" userId="861bee07-b612-4cf7-beae-414489ecebf8" providerId="ADAL" clId="{E8D17F3F-A9E1-4CB6-AE23-77212FC715F0}" dt="2023-08-12T16:50:34.374" v="400"/>
+          <ac:grpSpMkLst>
+            <pc:docMk/>
+            <pc:sldMk cId="2044663496" sldId="281"/>
+            <ac:grpSpMk id="16" creationId="{DFEF6168-203B-71EC-7FDD-377FD95EB19E}"/>
+          </ac:grpSpMkLst>
+        </pc:grpChg>
+        <pc:picChg chg="mod">
+          <ac:chgData name="MKONDIWA, Maxwell (CIMMYT-India)" userId="861bee07-b612-4cf7-beae-414489ecebf8" providerId="ADAL" clId="{E8D17F3F-A9E1-4CB6-AE23-77212FC715F0}" dt="2023-08-12T16:50:34.374" v="400"/>
+          <ac:picMkLst>
+            <pc:docMk/>
+            <pc:sldMk cId="2044663496" sldId="281"/>
+            <ac:picMk id="3" creationId="{C9DACA8F-1919-04ED-C570-F54E55CF3438}"/>
+          </ac:picMkLst>
+        </pc:picChg>
+        <pc:picChg chg="mod">
+          <ac:chgData name="MKONDIWA, Maxwell (CIMMYT-India)" userId="861bee07-b612-4cf7-beae-414489ecebf8" providerId="ADAL" clId="{E8D17F3F-A9E1-4CB6-AE23-77212FC715F0}" dt="2023-08-12T16:50:34.374" v="400"/>
+          <ac:picMkLst>
+            <pc:docMk/>
+            <pc:sldMk cId="2044663496" sldId="281"/>
+            <ac:picMk id="4" creationId="{0FD1F445-980E-6AD7-54E0-1D601876F053}"/>
+          </ac:picMkLst>
+        </pc:picChg>
+        <pc:picChg chg="mod">
+          <ac:chgData name="MKONDIWA, Maxwell (CIMMYT-India)" userId="861bee07-b612-4cf7-beae-414489ecebf8" providerId="ADAL" clId="{E8D17F3F-A9E1-4CB6-AE23-77212FC715F0}" dt="2023-08-12T16:50:34.374" v="400"/>
+          <ac:picMkLst>
+            <pc:docMk/>
+            <pc:sldMk cId="2044663496" sldId="281"/>
+            <ac:picMk id="11" creationId="{D3E99428-4DEE-69E9-D4B8-57F65CFD8E15}"/>
+          </ac:picMkLst>
+        </pc:picChg>
+        <pc:picChg chg="mod">
+          <ac:chgData name="MKONDIWA, Maxwell (CIMMYT-India)" userId="861bee07-b612-4cf7-beae-414489ecebf8" providerId="ADAL" clId="{E8D17F3F-A9E1-4CB6-AE23-77212FC715F0}" dt="2023-08-12T16:50:34.374" v="400"/>
+          <ac:picMkLst>
+            <pc:docMk/>
+            <pc:sldMk cId="2044663496" sldId="281"/>
+            <ac:picMk id="12" creationId="{DF04B6C2-6F31-C8A2-66FA-C16BF3292939}"/>
+          </ac:picMkLst>
+        </pc:picChg>
+      </pc:sldChg>
+      <pc:sldChg chg="modSp">
+        <pc:chgData name="MKONDIWA, Maxwell (CIMMYT-India)" userId="861bee07-b612-4cf7-beae-414489ecebf8" providerId="ADAL" clId="{E8D17F3F-A9E1-4CB6-AE23-77212FC715F0}" dt="2023-08-12T16:50:34.374" v="400"/>
+        <pc:sldMkLst>
+          <pc:docMk/>
+          <pc:sldMk cId="115674697" sldId="285"/>
+        </pc:sldMkLst>
+        <pc:spChg chg="mod">
+          <ac:chgData name="MKONDIWA, Maxwell (CIMMYT-India)" userId="861bee07-b612-4cf7-beae-414489ecebf8" providerId="ADAL" clId="{E8D17F3F-A9E1-4CB6-AE23-77212FC715F0}" dt="2023-08-12T16:50:34.374" v="400"/>
+          <ac:spMkLst>
+            <pc:docMk/>
+            <pc:sldMk cId="115674697" sldId="285"/>
+            <ac:spMk id="2" creationId="{4DEE4624-EA34-5ECC-5674-DE1B267DC8D4}"/>
+          </ac:spMkLst>
+        </pc:spChg>
+        <pc:spChg chg="mod">
+          <ac:chgData name="MKONDIWA, Maxwell (CIMMYT-India)" userId="861bee07-b612-4cf7-beae-414489ecebf8" providerId="ADAL" clId="{E8D17F3F-A9E1-4CB6-AE23-77212FC715F0}" dt="2023-08-12T16:50:34.374" v="400"/>
+          <ac:spMkLst>
+            <pc:docMk/>
+            <pc:sldMk cId="115674697" sldId="285"/>
+            <ac:spMk id="3" creationId="{20F5D557-52CF-AA23-A88E-3FCDBBB1A794}"/>
+          </ac:spMkLst>
+        </pc:spChg>
+      </pc:sldChg>
+      <pc:sldChg chg="modSp">
+        <pc:chgData name="MKONDIWA, Maxwell (CIMMYT-India)" userId="861bee07-b612-4cf7-beae-414489ecebf8" providerId="ADAL" clId="{E8D17F3F-A9E1-4CB6-AE23-77212FC715F0}" dt="2023-08-12T16:50:34.374" v="400"/>
+        <pc:sldMkLst>
+          <pc:docMk/>
+          <pc:sldMk cId="2980081293" sldId="401"/>
+        </pc:sldMkLst>
+        <pc:spChg chg="mod">
+          <ac:chgData name="MKONDIWA, Maxwell (CIMMYT-India)" userId="861bee07-b612-4cf7-beae-414489ecebf8" providerId="ADAL" clId="{E8D17F3F-A9E1-4CB6-AE23-77212FC715F0}" dt="2023-08-12T16:50:34.374" v="400"/>
+          <ac:spMkLst>
+            <pc:docMk/>
+            <pc:sldMk cId="2980081293" sldId="401"/>
+            <ac:spMk id="2" creationId="{57AD4591-4DB8-C596-295A-19DF85DCD20D}"/>
+          </ac:spMkLst>
+        </pc:spChg>
+        <pc:spChg chg="mod">
+          <ac:chgData name="MKONDIWA, Maxwell (CIMMYT-India)" userId="861bee07-b612-4cf7-beae-414489ecebf8" providerId="ADAL" clId="{E8D17F3F-A9E1-4CB6-AE23-77212FC715F0}" dt="2023-08-12T16:50:34.374" v="400"/>
+          <ac:spMkLst>
+            <pc:docMk/>
+            <pc:sldMk cId="2980081293" sldId="401"/>
+            <ac:spMk id="3" creationId="{95C3B9D2-4FDD-5A5C-C1C0-344E8297EBE1}"/>
+          </ac:spMkLst>
+        </pc:spChg>
+        <pc:spChg chg="mod">
+          <ac:chgData name="MKONDIWA, Maxwell (CIMMYT-India)" userId="861bee07-b612-4cf7-beae-414489ecebf8" providerId="ADAL" clId="{E8D17F3F-A9E1-4CB6-AE23-77212FC715F0}" dt="2023-08-12T16:50:34.374" v="400"/>
+          <ac:spMkLst>
+            <pc:docMk/>
+            <pc:sldMk cId="2980081293" sldId="401"/>
+            <ac:spMk id="6" creationId="{48FCF0A3-1E5F-D8D2-136E-590062C07477}"/>
+          </ac:spMkLst>
+        </pc:spChg>
+        <pc:graphicFrameChg chg="mod">
+          <ac:chgData name="MKONDIWA, Maxwell (CIMMYT-India)" userId="861bee07-b612-4cf7-beae-414489ecebf8" providerId="ADAL" clId="{E8D17F3F-A9E1-4CB6-AE23-77212FC715F0}" dt="2023-08-12T16:50:34.374" v="400"/>
+          <ac:graphicFrameMkLst>
+            <pc:docMk/>
+            <pc:sldMk cId="2980081293" sldId="401"/>
+            <ac:graphicFrameMk id="7" creationId="{74963D9F-2A69-922B-03B2-A71BE697386E}"/>
+          </ac:graphicFrameMkLst>
+        </pc:graphicFrameChg>
+        <pc:picChg chg="mod">
+          <ac:chgData name="MKONDIWA, Maxwell (CIMMYT-India)" userId="861bee07-b612-4cf7-beae-414489ecebf8" providerId="ADAL" clId="{E8D17F3F-A9E1-4CB6-AE23-77212FC715F0}" dt="2023-08-12T16:50:34.374" v="400"/>
+          <ac:picMkLst>
+            <pc:docMk/>
+            <pc:sldMk cId="2980081293" sldId="401"/>
+            <ac:picMk id="5" creationId="{914DC38C-2F8E-A230-B24E-D092A71D31BF}"/>
+          </ac:picMkLst>
+        </pc:picChg>
+      </pc:sldChg>
+      <pc:sldChg chg="addSp delSp modSp mod modNotes">
+        <pc:chgData name="MKONDIWA, Maxwell (CIMMYT-India)" userId="861bee07-b612-4cf7-beae-414489ecebf8" providerId="ADAL" clId="{E8D17F3F-A9E1-4CB6-AE23-77212FC715F0}" dt="2023-08-12T16:54:04.185" v="404" actId="165"/>
         <pc:sldMkLst>
           <pc:docMk/>
           <pc:sldMk cId="1879476646" sldId="403"/>
         </pc:sldMkLst>
         <pc:spChg chg="mod">
-          <ac:chgData name="MKONDIWA, Maxwell (CIMMYT-India)" userId="861bee07-b612-4cf7-beae-414489ecebf8" providerId="ADAL" clId="{E8D17F3F-A9E1-4CB6-AE23-77212FC715F0}" dt="2023-07-30T03:43:33.403" v="358" actId="1076"/>
+          <ac:chgData name="MKONDIWA, Maxwell (CIMMYT-India)" userId="861bee07-b612-4cf7-beae-414489ecebf8" providerId="ADAL" clId="{E8D17F3F-A9E1-4CB6-AE23-77212FC715F0}" dt="2023-08-12T16:53:35.478" v="402" actId="1076"/>
           <ac:spMkLst>
             <pc:docMk/>
             <pc:sldMk cId="1879476646" sldId="403"/>
             <ac:spMk id="2" creationId="{B885268E-C6EB-FB7D-D297-0B55C8986E0C}"/>
           </ac:spMkLst>
         </pc:spChg>
-        <pc:spChg chg="mod">
-          <ac:chgData name="MKONDIWA, Maxwell (CIMMYT-India)" userId="861bee07-b612-4cf7-beae-414489ecebf8" providerId="ADAL" clId="{E8D17F3F-A9E1-4CB6-AE23-77212FC715F0}" dt="2023-07-30T03:40:05.323" v="354" actId="164"/>
+        <pc:spChg chg="mod topLvl">
+          <ac:chgData name="MKONDIWA, Maxwell (CIMMYT-India)" userId="861bee07-b612-4cf7-beae-414489ecebf8" providerId="ADAL" clId="{E8D17F3F-A9E1-4CB6-AE23-77212FC715F0}" dt="2023-08-12T16:54:04.185" v="404" actId="165"/>
           <ac:spMkLst>
             <pc:docMk/>
             <pc:sldMk cId="1879476646" sldId="403"/>
             <ac:spMk id="28" creationId="{092B29CD-616E-76C9-9B48-DC939FFC7310}"/>
           </ac:spMkLst>
         </pc:spChg>
-        <pc:spChg chg="mod">
-          <ac:chgData name="MKONDIWA, Maxwell (CIMMYT-India)" userId="861bee07-b612-4cf7-beae-414489ecebf8" providerId="ADAL" clId="{E8D17F3F-A9E1-4CB6-AE23-77212FC715F0}" dt="2023-07-30T03:40:05.323" v="354" actId="164"/>
+        <pc:spChg chg="mod topLvl">
+          <ac:chgData name="MKONDIWA, Maxwell (CIMMYT-India)" userId="861bee07-b612-4cf7-beae-414489ecebf8" providerId="ADAL" clId="{E8D17F3F-A9E1-4CB6-AE23-77212FC715F0}" dt="2023-08-12T16:54:04.185" v="404" actId="165"/>
           <ac:spMkLst>
             <pc:docMk/>
             <pc:sldMk cId="1879476646" sldId="403"/>
             <ac:spMk id="29" creationId="{E0A862FD-170B-7667-ED5D-A5CE8B062D84}"/>
           </ac:spMkLst>
         </pc:spChg>
-        <pc:spChg chg="mod">
-          <ac:chgData name="MKONDIWA, Maxwell (CIMMYT-India)" userId="861bee07-b612-4cf7-beae-414489ecebf8" providerId="ADAL" clId="{E8D17F3F-A9E1-4CB6-AE23-77212FC715F0}" dt="2023-07-30T03:40:05.323" v="354" actId="164"/>
+        <pc:spChg chg="mod topLvl">
+          <ac:chgData name="MKONDIWA, Maxwell (CIMMYT-India)" userId="861bee07-b612-4cf7-beae-414489ecebf8" providerId="ADAL" clId="{E8D17F3F-A9E1-4CB6-AE23-77212FC715F0}" dt="2023-08-12T16:54:04.185" v="404" actId="165"/>
           <ac:spMkLst>
             <pc:docMk/>
             <pc:sldMk cId="1879476646" sldId="403"/>
             <ac:spMk id="30" creationId="{B3136C8D-51CF-5056-EBBC-54F84449CECE}"/>
           </ac:spMkLst>
         </pc:spChg>
-        <pc:spChg chg="mod">
-          <ac:chgData name="MKONDIWA, Maxwell (CIMMYT-India)" userId="861bee07-b612-4cf7-beae-414489ecebf8" providerId="ADAL" clId="{E8D17F3F-A9E1-4CB6-AE23-77212FC715F0}" dt="2023-07-30T03:40:05.323" v="354" actId="164"/>
+        <pc:spChg chg="mod topLvl">
+          <ac:chgData name="MKONDIWA, Maxwell (CIMMYT-India)" userId="861bee07-b612-4cf7-beae-414489ecebf8" providerId="ADAL" clId="{E8D17F3F-A9E1-4CB6-AE23-77212FC715F0}" dt="2023-08-12T16:54:04.185" v="404" actId="165"/>
           <ac:spMkLst>
             <pc:docMk/>
             <pc:sldMk cId="1879476646" sldId="403"/>
             <ac:spMk id="31" creationId="{AB641386-2C2F-CC50-081A-A7EA40BA9A7F}"/>
           </ac:spMkLst>
         </pc:spChg>
-        <pc:spChg chg="mod">
-          <ac:chgData name="MKONDIWA, Maxwell (CIMMYT-India)" userId="861bee07-b612-4cf7-beae-414489ecebf8" providerId="ADAL" clId="{E8D17F3F-A9E1-4CB6-AE23-77212FC715F0}" dt="2023-07-30T03:40:05.323" v="354" actId="164"/>
+        <pc:spChg chg="mod topLvl">
+          <ac:chgData name="MKONDIWA, Maxwell (CIMMYT-India)" userId="861bee07-b612-4cf7-beae-414489ecebf8" providerId="ADAL" clId="{E8D17F3F-A9E1-4CB6-AE23-77212FC715F0}" dt="2023-08-12T16:54:04.185" v="404" actId="165"/>
           <ac:spMkLst>
             <pc:docMk/>
             <pc:sldMk cId="1879476646" sldId="403"/>
             <ac:spMk id="32" creationId="{B0A0938B-A3CB-0E2C-4694-C3D3125D1EEA}"/>
           </ac:spMkLst>
         </pc:spChg>
-        <pc:spChg chg="mod">
-          <ac:chgData name="MKONDIWA, Maxwell (CIMMYT-India)" userId="861bee07-b612-4cf7-beae-414489ecebf8" providerId="ADAL" clId="{E8D17F3F-A9E1-4CB6-AE23-77212FC715F0}" dt="2023-07-30T03:40:05.323" v="354" actId="164"/>
+        <pc:spChg chg="mod topLvl">
+          <ac:chgData name="MKONDIWA, Maxwell (CIMMYT-India)" userId="861bee07-b612-4cf7-beae-414489ecebf8" providerId="ADAL" clId="{E8D17F3F-A9E1-4CB6-AE23-77212FC715F0}" dt="2023-08-12T16:54:04.185" v="404" actId="165"/>
           <ac:spMkLst>
             <pc:docMk/>
             <pc:sldMk cId="1879476646" sldId="403"/>
             <ac:spMk id="33" creationId="{109F0835-01B6-9AF7-6FE6-BF351E46E248}"/>
           </ac:spMkLst>
         </pc:spChg>
-        <pc:grpChg chg="add mod">
-          <ac:chgData name="MKONDIWA, Maxwell (CIMMYT-India)" userId="861bee07-b612-4cf7-beae-414489ecebf8" providerId="ADAL" clId="{E8D17F3F-A9E1-4CB6-AE23-77212FC715F0}" dt="2023-07-30T03:40:13.013" v="356" actId="1076"/>
+        <pc:grpChg chg="add del mod">
+          <ac:chgData name="MKONDIWA, Maxwell (CIMMYT-India)" userId="861bee07-b612-4cf7-beae-414489ecebf8" providerId="ADAL" clId="{E8D17F3F-A9E1-4CB6-AE23-77212FC715F0}" dt="2023-08-12T16:54:04.185" v="404" actId="165"/>
           <ac:grpSpMkLst>
             <pc:docMk/>
             <pc:sldMk cId="1879476646" sldId="403"/>
             <ac:grpSpMk id="3" creationId="{5BF0931C-219E-9D28-7DA9-27A4A7EBE12D}"/>
           </ac:grpSpMkLst>
         </pc:grpChg>
-        <pc:picChg chg="mod">
-          <ac:chgData name="MKONDIWA, Maxwell (CIMMYT-India)" userId="861bee07-b612-4cf7-beae-414489ecebf8" providerId="ADAL" clId="{E8D17F3F-A9E1-4CB6-AE23-77212FC715F0}" dt="2023-07-30T03:40:05.323" v="354" actId="164"/>
+        <pc:picChg chg="mod topLvl">
+          <ac:chgData name="MKONDIWA, Maxwell (CIMMYT-India)" userId="861bee07-b612-4cf7-beae-414489ecebf8" providerId="ADAL" clId="{E8D17F3F-A9E1-4CB6-AE23-77212FC715F0}" dt="2023-08-12T16:54:04.185" v="404" actId="165"/>
           <ac:picMkLst>
             <pc:docMk/>
             <pc:sldMk cId="1879476646" sldId="403"/>
             <ac:picMk id="5" creationId="{6037F929-731F-43B9-6448-1C850FC2C308}"/>
           </ac:picMkLst>
         </pc:picChg>
-        <pc:picChg chg="mod">
-          <ac:chgData name="MKONDIWA, Maxwell (CIMMYT-India)" userId="861bee07-b612-4cf7-beae-414489ecebf8" providerId="ADAL" clId="{E8D17F3F-A9E1-4CB6-AE23-77212FC715F0}" dt="2023-07-30T03:40:05.323" v="354" actId="164"/>
+        <pc:picChg chg="mod topLvl">
+          <ac:chgData name="MKONDIWA, Maxwell (CIMMYT-India)" userId="861bee07-b612-4cf7-beae-414489ecebf8" providerId="ADAL" clId="{E8D17F3F-A9E1-4CB6-AE23-77212FC715F0}" dt="2023-08-12T16:54:04.185" v="404" actId="165"/>
           <ac:picMkLst>
             <pc:docMk/>
             <pc:sldMk cId="1879476646" sldId="403"/>
             <ac:picMk id="6" creationId="{F1D0CF8A-3C12-516A-1964-51F1FE0F9B87}"/>
           </ac:picMkLst>
         </pc:picChg>
-        <pc:picChg chg="mod">
-          <ac:chgData name="MKONDIWA, Maxwell (CIMMYT-India)" userId="861bee07-b612-4cf7-beae-414489ecebf8" providerId="ADAL" clId="{E8D17F3F-A9E1-4CB6-AE23-77212FC715F0}" dt="2023-07-30T03:40:05.323" v="354" actId="164"/>
+        <pc:picChg chg="mod topLvl">
+          <ac:chgData name="MKONDIWA, Maxwell (CIMMYT-India)" userId="861bee07-b612-4cf7-beae-414489ecebf8" providerId="ADAL" clId="{E8D17F3F-A9E1-4CB6-AE23-77212FC715F0}" dt="2023-08-12T16:54:04.185" v="404" actId="165"/>
           <ac:picMkLst>
             <pc:docMk/>
             <pc:sldMk cId="1879476646" sldId="403"/>
             <ac:picMk id="7" creationId="{2F15AEF4-8170-995A-52B5-C42B14A1C0CB}"/>
           </ac:picMkLst>
         </pc:picChg>
-        <pc:picChg chg="mod">
-          <ac:chgData name="MKONDIWA, Maxwell (CIMMYT-India)" userId="861bee07-b612-4cf7-beae-414489ecebf8" providerId="ADAL" clId="{E8D17F3F-A9E1-4CB6-AE23-77212FC715F0}" dt="2023-07-30T03:40:05.323" v="354" actId="164"/>
+        <pc:picChg chg="mod topLvl">
+          <ac:chgData name="MKONDIWA, Maxwell (CIMMYT-India)" userId="861bee07-b612-4cf7-beae-414489ecebf8" providerId="ADAL" clId="{E8D17F3F-A9E1-4CB6-AE23-77212FC715F0}" dt="2023-08-12T16:54:04.185" v="404" actId="165"/>
           <ac:picMkLst>
             <pc:docMk/>
             <pc:sldMk cId="1879476646" sldId="403"/>
             <ac:picMk id="8" creationId="{3515F14A-73DD-6F81-711F-BB1845B454D7}"/>
           </ac:picMkLst>
         </pc:picChg>
-        <pc:picChg chg="mod">
-          <ac:chgData name="MKONDIWA, Maxwell (CIMMYT-India)" userId="861bee07-b612-4cf7-beae-414489ecebf8" providerId="ADAL" clId="{E8D17F3F-A9E1-4CB6-AE23-77212FC715F0}" dt="2023-07-30T03:40:05.323" v="354" actId="164"/>
+        <pc:picChg chg="mod topLvl">
+          <ac:chgData name="MKONDIWA, Maxwell (CIMMYT-India)" userId="861bee07-b612-4cf7-beae-414489ecebf8" providerId="ADAL" clId="{E8D17F3F-A9E1-4CB6-AE23-77212FC715F0}" dt="2023-08-12T16:54:04.185" v="404" actId="165"/>
           <ac:picMkLst>
             <pc:docMk/>
             <pc:sldMk cId="1879476646" sldId="403"/>
             <ac:picMk id="9" creationId="{35E4A1C1-BEDF-3C43-AECA-6AF279861091}"/>
           </ac:picMkLst>
         </pc:picChg>
-        <pc:picChg chg="mod">
-          <ac:chgData name="MKONDIWA, Maxwell (CIMMYT-India)" userId="861bee07-b612-4cf7-beae-414489ecebf8" providerId="ADAL" clId="{E8D17F3F-A9E1-4CB6-AE23-77212FC715F0}" dt="2023-07-30T03:40:05.323" v="354" actId="164"/>
+        <pc:picChg chg="mod topLvl">
+          <ac:chgData name="MKONDIWA, Maxwell (CIMMYT-India)" userId="861bee07-b612-4cf7-beae-414489ecebf8" providerId="ADAL" clId="{E8D17F3F-A9E1-4CB6-AE23-77212FC715F0}" dt="2023-08-12T16:54:04.185" v="404" actId="165"/>
           <ac:picMkLst>
             <pc:docMk/>
             <pc:sldMk cId="1879476646" sldId="403"/>
             <ac:picMk id="10" creationId="{55C29D4D-87BA-D5ED-80F5-79B9908A7150}"/>
+          </ac:picMkLst>
+        </pc:picChg>
+      </pc:sldChg>
+      <pc:sldChg chg="modSp modNotes">
+        <pc:chgData name="MKONDIWA, Maxwell (CIMMYT-India)" userId="861bee07-b612-4cf7-beae-414489ecebf8" providerId="ADAL" clId="{E8D17F3F-A9E1-4CB6-AE23-77212FC715F0}" dt="2023-08-12T16:50:34.374" v="400"/>
+        <pc:sldMkLst>
+          <pc:docMk/>
+          <pc:sldMk cId="3465761932" sldId="404"/>
+        </pc:sldMkLst>
+        <pc:spChg chg="mod">
+          <ac:chgData name="MKONDIWA, Maxwell (CIMMYT-India)" userId="861bee07-b612-4cf7-beae-414489ecebf8" providerId="ADAL" clId="{E8D17F3F-A9E1-4CB6-AE23-77212FC715F0}" dt="2023-08-12T16:50:34.374" v="400"/>
+          <ac:spMkLst>
+            <pc:docMk/>
+            <pc:sldMk cId="3465761932" sldId="404"/>
+            <ac:spMk id="4" creationId="{15329317-4E3E-0292-7E32-59DE6400D3EF}"/>
+          </ac:spMkLst>
+        </pc:spChg>
+        <pc:picChg chg="mod">
+          <ac:chgData name="MKONDIWA, Maxwell (CIMMYT-India)" userId="861bee07-b612-4cf7-beae-414489ecebf8" providerId="ADAL" clId="{E8D17F3F-A9E1-4CB6-AE23-77212FC715F0}" dt="2023-08-12T16:50:34.374" v="400"/>
+          <ac:picMkLst>
+            <pc:docMk/>
+            <pc:sldMk cId="3465761932" sldId="404"/>
+            <ac:picMk id="6" creationId="{D6294CA1-5C7E-99E4-D829-0AEB8522A6D2}"/>
+          </ac:picMkLst>
+        </pc:picChg>
+        <pc:picChg chg="mod">
+          <ac:chgData name="MKONDIWA, Maxwell (CIMMYT-India)" userId="861bee07-b612-4cf7-beae-414489ecebf8" providerId="ADAL" clId="{E8D17F3F-A9E1-4CB6-AE23-77212FC715F0}" dt="2023-08-12T16:50:34.374" v="400"/>
+          <ac:picMkLst>
+            <pc:docMk/>
+            <pc:sldMk cId="3465761932" sldId="404"/>
+            <ac:picMk id="7" creationId="{5EB9FB07-7261-775B-7CAD-ECDB54C83F9E}"/>
           </ac:picMkLst>
         </pc:picChg>
       </pc:sldChg>
@@ -446,8 +820,31 @@
           </ac:picMkLst>
         </pc:picChg>
       </pc:sldChg>
-      <pc:sldChg chg="addSp delSp modSp mod setBg">
-        <pc:chgData name="MKONDIWA, Maxwell (CIMMYT-India)" userId="861bee07-b612-4cf7-beae-414489ecebf8" providerId="ADAL" clId="{E8D17F3F-A9E1-4CB6-AE23-77212FC715F0}" dt="2023-07-30T03:44:08.303" v="360" actId="1036"/>
+      <pc:sldChg chg="modSp">
+        <pc:chgData name="MKONDIWA, Maxwell (CIMMYT-India)" userId="861bee07-b612-4cf7-beae-414489ecebf8" providerId="ADAL" clId="{E8D17F3F-A9E1-4CB6-AE23-77212FC715F0}" dt="2023-08-12T16:50:34.374" v="400"/>
+        <pc:sldMkLst>
+          <pc:docMk/>
+          <pc:sldMk cId="662815972" sldId="407"/>
+        </pc:sldMkLst>
+        <pc:spChg chg="mod">
+          <ac:chgData name="MKONDIWA, Maxwell (CIMMYT-India)" userId="861bee07-b612-4cf7-beae-414489ecebf8" providerId="ADAL" clId="{E8D17F3F-A9E1-4CB6-AE23-77212FC715F0}" dt="2023-08-12T16:50:34.374" v="400"/>
+          <ac:spMkLst>
+            <pc:docMk/>
+            <pc:sldMk cId="662815972" sldId="407"/>
+            <ac:spMk id="2" creationId="{2EAB3E01-7617-D8C8-915B-F6F3808913AB}"/>
+          </ac:spMkLst>
+        </pc:spChg>
+        <pc:spChg chg="mod">
+          <ac:chgData name="MKONDIWA, Maxwell (CIMMYT-India)" userId="861bee07-b612-4cf7-beae-414489ecebf8" providerId="ADAL" clId="{E8D17F3F-A9E1-4CB6-AE23-77212FC715F0}" dt="2023-08-12T16:50:34.374" v="400"/>
+          <ac:spMkLst>
+            <pc:docMk/>
+            <pc:sldMk cId="662815972" sldId="407"/>
+            <ac:spMk id="3" creationId="{579B672D-AF85-499C-3FC6-9C605888B241}"/>
+          </ac:spMkLst>
+        </pc:spChg>
+      </pc:sldChg>
+      <pc:sldChg chg="addSp delSp modSp mod setBg modNotes">
+        <pc:chgData name="MKONDIWA, Maxwell (CIMMYT-India)" userId="861bee07-b612-4cf7-beae-414489ecebf8" providerId="ADAL" clId="{E8D17F3F-A9E1-4CB6-AE23-77212FC715F0}" dt="2023-08-12T18:48:43.532" v="406" actId="165"/>
         <pc:sldMkLst>
           <pc:docMk/>
           <pc:sldMk cId="578307128" sldId="408"/>
@@ -460,32 +857,32 @@
             <ac:spMk id="4" creationId="{88302B1F-FF94-ADA4-9955-F8A47879C18E}"/>
           </ac:spMkLst>
         </pc:spChg>
-        <pc:spChg chg="add mod">
-          <ac:chgData name="MKONDIWA, Maxwell (CIMMYT-India)" userId="861bee07-b612-4cf7-beae-414489ecebf8" providerId="ADAL" clId="{E8D17F3F-A9E1-4CB6-AE23-77212FC715F0}" dt="2023-07-26T09:19:59.936" v="181" actId="164"/>
+        <pc:spChg chg="add mod topLvl">
+          <ac:chgData name="MKONDIWA, Maxwell (CIMMYT-India)" userId="861bee07-b612-4cf7-beae-414489ecebf8" providerId="ADAL" clId="{E8D17F3F-A9E1-4CB6-AE23-77212FC715F0}" dt="2023-08-12T18:48:43.532" v="406" actId="165"/>
           <ac:spMkLst>
             <pc:docMk/>
             <pc:sldMk cId="578307128" sldId="408"/>
             <ac:spMk id="13" creationId="{7C71A0E8-4C64-F8B9-CC32-AFFF05D36CDA}"/>
           </ac:spMkLst>
         </pc:spChg>
-        <pc:spChg chg="add mod">
-          <ac:chgData name="MKONDIWA, Maxwell (CIMMYT-India)" userId="861bee07-b612-4cf7-beae-414489ecebf8" providerId="ADAL" clId="{E8D17F3F-A9E1-4CB6-AE23-77212FC715F0}" dt="2023-07-26T09:19:59.936" v="181" actId="164"/>
+        <pc:spChg chg="add mod topLvl">
+          <ac:chgData name="MKONDIWA, Maxwell (CIMMYT-India)" userId="861bee07-b612-4cf7-beae-414489ecebf8" providerId="ADAL" clId="{E8D17F3F-A9E1-4CB6-AE23-77212FC715F0}" dt="2023-08-12T18:48:43.532" v="406" actId="165"/>
           <ac:spMkLst>
             <pc:docMk/>
             <pc:sldMk cId="578307128" sldId="408"/>
             <ac:spMk id="14" creationId="{B9EF3BD4-675F-4B44-B492-8C6A67370D4F}"/>
           </ac:spMkLst>
         </pc:spChg>
-        <pc:spChg chg="add mod">
-          <ac:chgData name="MKONDIWA, Maxwell (CIMMYT-India)" userId="861bee07-b612-4cf7-beae-414489ecebf8" providerId="ADAL" clId="{E8D17F3F-A9E1-4CB6-AE23-77212FC715F0}" dt="2023-07-26T09:19:59.936" v="181" actId="164"/>
+        <pc:spChg chg="add mod topLvl">
+          <ac:chgData name="MKONDIWA, Maxwell (CIMMYT-India)" userId="861bee07-b612-4cf7-beae-414489ecebf8" providerId="ADAL" clId="{E8D17F3F-A9E1-4CB6-AE23-77212FC715F0}" dt="2023-08-12T18:48:43.532" v="406" actId="165"/>
           <ac:spMkLst>
             <pc:docMk/>
             <pc:sldMk cId="578307128" sldId="408"/>
             <ac:spMk id="15" creationId="{5D614319-2B1C-AA5B-4A4A-A772CE5BE7D8}"/>
           </ac:spMkLst>
         </pc:spChg>
-        <pc:spChg chg="add mod">
-          <ac:chgData name="MKONDIWA, Maxwell (CIMMYT-India)" userId="861bee07-b612-4cf7-beae-414489ecebf8" providerId="ADAL" clId="{E8D17F3F-A9E1-4CB6-AE23-77212FC715F0}" dt="2023-07-26T09:19:59.936" v="181" actId="164"/>
+        <pc:spChg chg="add mod topLvl">
+          <ac:chgData name="MKONDIWA, Maxwell (CIMMYT-India)" userId="861bee07-b612-4cf7-beae-414489ecebf8" providerId="ADAL" clId="{E8D17F3F-A9E1-4CB6-AE23-77212FC715F0}" dt="2023-08-12T18:48:43.532" v="406" actId="165"/>
           <ac:spMkLst>
             <pc:docMk/>
             <pc:sldMk cId="578307128" sldId="408"/>
@@ -500,8 +897,8 @@
             <ac:spMk id="17" creationId="{E3B4FF89-C45F-4E24-B963-61E855708F2A}"/>
           </ac:spMkLst>
         </pc:spChg>
-        <pc:spChg chg="add mod">
-          <ac:chgData name="MKONDIWA, Maxwell (CIMMYT-India)" userId="861bee07-b612-4cf7-beae-414489ecebf8" providerId="ADAL" clId="{E8D17F3F-A9E1-4CB6-AE23-77212FC715F0}" dt="2023-07-26T09:19:59.936" v="181" actId="164"/>
+        <pc:spChg chg="add mod topLvl">
+          <ac:chgData name="MKONDIWA, Maxwell (CIMMYT-India)" userId="861bee07-b612-4cf7-beae-414489ecebf8" providerId="ADAL" clId="{E8D17F3F-A9E1-4CB6-AE23-77212FC715F0}" dt="2023-08-12T18:48:43.532" v="406" actId="165"/>
           <ac:spMkLst>
             <pc:docMk/>
             <pc:sldMk cId="578307128" sldId="408"/>
@@ -516,8 +913,8 @@
             <ac:spMk id="19" creationId="{14F25C03-EF67-4344-8AEA-7B3FA0DED024}"/>
           </ac:spMkLst>
         </pc:spChg>
-        <pc:spChg chg="add mod">
-          <ac:chgData name="MKONDIWA, Maxwell (CIMMYT-India)" userId="861bee07-b612-4cf7-beae-414489ecebf8" providerId="ADAL" clId="{E8D17F3F-A9E1-4CB6-AE23-77212FC715F0}" dt="2023-07-26T09:19:59.936" v="181" actId="164"/>
+        <pc:spChg chg="add mod topLvl">
+          <ac:chgData name="MKONDIWA, Maxwell (CIMMYT-India)" userId="861bee07-b612-4cf7-beae-414489ecebf8" providerId="ADAL" clId="{E8D17F3F-A9E1-4CB6-AE23-77212FC715F0}" dt="2023-08-12T18:48:43.532" v="406" actId="165"/>
           <ac:spMkLst>
             <pc:docMk/>
             <pc:sldMk cId="578307128" sldId="408"/>
@@ -532,8 +929,8 @@
             <ac:spMk id="21" creationId="{F74793DE-3651-410B-B243-8F0B1468E6A4}"/>
           </ac:spMkLst>
         </pc:spChg>
-        <pc:grpChg chg="add mod">
-          <ac:chgData name="MKONDIWA, Maxwell (CIMMYT-India)" userId="861bee07-b612-4cf7-beae-414489ecebf8" providerId="ADAL" clId="{E8D17F3F-A9E1-4CB6-AE23-77212FC715F0}" dt="2023-07-30T03:44:08.303" v="360" actId="1036"/>
+        <pc:grpChg chg="add del mod">
+          <ac:chgData name="MKONDIWA, Maxwell (CIMMYT-India)" userId="861bee07-b612-4cf7-beae-414489ecebf8" providerId="ADAL" clId="{E8D17F3F-A9E1-4CB6-AE23-77212FC715F0}" dt="2023-08-12T18:48:43.532" v="406" actId="165"/>
           <ac:grpSpMkLst>
             <pc:docMk/>
             <pc:sldMk cId="578307128" sldId="408"/>
@@ -548,8 +945,8 @@
             <ac:picMk id="2" creationId="{3F976B13-2122-B40E-3B32-C9497106E293}"/>
           </ac:picMkLst>
         </pc:picChg>
-        <pc:picChg chg="add mod">
-          <ac:chgData name="MKONDIWA, Maxwell (CIMMYT-India)" userId="861bee07-b612-4cf7-beae-414489ecebf8" providerId="ADAL" clId="{E8D17F3F-A9E1-4CB6-AE23-77212FC715F0}" dt="2023-07-26T09:19:59.936" v="181" actId="164"/>
+        <pc:picChg chg="add mod topLvl">
+          <ac:chgData name="MKONDIWA, Maxwell (CIMMYT-India)" userId="861bee07-b612-4cf7-beae-414489ecebf8" providerId="ADAL" clId="{E8D17F3F-A9E1-4CB6-AE23-77212FC715F0}" dt="2023-08-12T18:48:43.532" v="406" actId="165"/>
           <ac:picMkLst>
             <pc:docMk/>
             <pc:sldMk cId="578307128" sldId="408"/>
@@ -564,8 +961,8 @@
             <ac:picMk id="3" creationId="{5A2A6134-3F86-4594-2BBB-AE32AFC8B591}"/>
           </ac:picMkLst>
         </pc:picChg>
-        <pc:picChg chg="add mod">
-          <ac:chgData name="MKONDIWA, Maxwell (CIMMYT-India)" userId="861bee07-b612-4cf7-beae-414489ecebf8" providerId="ADAL" clId="{E8D17F3F-A9E1-4CB6-AE23-77212FC715F0}" dt="2023-07-26T09:19:59.936" v="181" actId="164"/>
+        <pc:picChg chg="add mod topLvl">
+          <ac:chgData name="MKONDIWA, Maxwell (CIMMYT-India)" userId="861bee07-b612-4cf7-beae-414489ecebf8" providerId="ADAL" clId="{E8D17F3F-A9E1-4CB6-AE23-77212FC715F0}" dt="2023-08-12T18:48:43.532" v="406" actId="165"/>
           <ac:picMkLst>
             <pc:docMk/>
             <pc:sldMk cId="578307128" sldId="408"/>
@@ -580,32 +977,32 @@
             <ac:picMk id="5" creationId="{B197BFC2-04B7-4546-B25B-3C795543B156}"/>
           </ac:picMkLst>
         </pc:picChg>
-        <pc:picChg chg="add mod ord">
-          <ac:chgData name="MKONDIWA, Maxwell (CIMMYT-India)" userId="861bee07-b612-4cf7-beae-414489ecebf8" providerId="ADAL" clId="{E8D17F3F-A9E1-4CB6-AE23-77212FC715F0}" dt="2023-07-26T09:19:59.936" v="181" actId="164"/>
+        <pc:picChg chg="add mod ord topLvl">
+          <ac:chgData name="MKONDIWA, Maxwell (CIMMYT-India)" userId="861bee07-b612-4cf7-beae-414489ecebf8" providerId="ADAL" clId="{E8D17F3F-A9E1-4CB6-AE23-77212FC715F0}" dt="2023-08-12T18:48:43.532" v="406" actId="165"/>
           <ac:picMkLst>
             <pc:docMk/>
             <pc:sldMk cId="578307128" sldId="408"/>
             <ac:picMk id="6" creationId="{18D37C3F-D6B5-40DE-818B-4179E3D9A88E}"/>
           </ac:picMkLst>
         </pc:picChg>
-        <pc:picChg chg="add mod ord">
-          <ac:chgData name="MKONDIWA, Maxwell (CIMMYT-India)" userId="861bee07-b612-4cf7-beae-414489ecebf8" providerId="ADAL" clId="{E8D17F3F-A9E1-4CB6-AE23-77212FC715F0}" dt="2023-07-26T09:19:59.936" v="181" actId="164"/>
+        <pc:picChg chg="add mod ord topLvl">
+          <ac:chgData name="MKONDIWA, Maxwell (CIMMYT-India)" userId="861bee07-b612-4cf7-beae-414489ecebf8" providerId="ADAL" clId="{E8D17F3F-A9E1-4CB6-AE23-77212FC715F0}" dt="2023-08-12T18:48:43.532" v="406" actId="165"/>
           <ac:picMkLst>
             <pc:docMk/>
             <pc:sldMk cId="578307128" sldId="408"/>
             <ac:picMk id="8" creationId="{1D122038-C160-616D-36D7-47FB47C9CD50}"/>
           </ac:picMkLst>
         </pc:picChg>
-        <pc:picChg chg="add mod">
-          <ac:chgData name="MKONDIWA, Maxwell (CIMMYT-India)" userId="861bee07-b612-4cf7-beae-414489ecebf8" providerId="ADAL" clId="{E8D17F3F-A9E1-4CB6-AE23-77212FC715F0}" dt="2023-07-26T09:19:59.936" v="181" actId="164"/>
+        <pc:picChg chg="add mod topLvl">
+          <ac:chgData name="MKONDIWA, Maxwell (CIMMYT-India)" userId="861bee07-b612-4cf7-beae-414489ecebf8" providerId="ADAL" clId="{E8D17F3F-A9E1-4CB6-AE23-77212FC715F0}" dt="2023-08-12T18:48:43.532" v="406" actId="165"/>
           <ac:picMkLst>
             <pc:docMk/>
             <pc:sldMk cId="578307128" sldId="408"/>
             <ac:picMk id="10" creationId="{3C1314D8-3328-F2DF-F9AC-C7D5A9A0931E}"/>
           </ac:picMkLst>
         </pc:picChg>
-        <pc:picChg chg="add mod ord">
-          <ac:chgData name="MKONDIWA, Maxwell (CIMMYT-India)" userId="861bee07-b612-4cf7-beae-414489ecebf8" providerId="ADAL" clId="{E8D17F3F-A9E1-4CB6-AE23-77212FC715F0}" dt="2023-07-26T09:19:59.936" v="181" actId="164"/>
+        <pc:picChg chg="add mod ord topLvl">
+          <ac:chgData name="MKONDIWA, Maxwell (CIMMYT-India)" userId="861bee07-b612-4cf7-beae-414489ecebf8" providerId="ADAL" clId="{E8D17F3F-A9E1-4CB6-AE23-77212FC715F0}" dt="2023-08-12T18:48:43.532" v="406" actId="165"/>
           <ac:picMkLst>
             <pc:docMk/>
             <pc:sldMk cId="578307128" sldId="408"/>
@@ -613,12 +1010,43 @@
           </ac:picMkLst>
         </pc:picChg>
       </pc:sldChg>
+      <pc:sldChg chg="modSp">
+        <pc:chgData name="MKONDIWA, Maxwell (CIMMYT-India)" userId="861bee07-b612-4cf7-beae-414489ecebf8" providerId="ADAL" clId="{E8D17F3F-A9E1-4CB6-AE23-77212FC715F0}" dt="2023-08-12T16:50:34.374" v="400"/>
+        <pc:sldMkLst>
+          <pc:docMk/>
+          <pc:sldMk cId="2926160936" sldId="411"/>
+        </pc:sldMkLst>
+        <pc:spChg chg="mod">
+          <ac:chgData name="MKONDIWA, Maxwell (CIMMYT-India)" userId="861bee07-b612-4cf7-beae-414489ecebf8" providerId="ADAL" clId="{E8D17F3F-A9E1-4CB6-AE23-77212FC715F0}" dt="2023-08-12T16:50:34.374" v="400"/>
+          <ac:spMkLst>
+            <pc:docMk/>
+            <pc:sldMk cId="2926160936" sldId="411"/>
+            <ac:spMk id="2" creationId="{E156A211-CE78-B2E3-3418-75F31866948F}"/>
+          </ac:spMkLst>
+        </pc:spChg>
+        <pc:spChg chg="mod">
+          <ac:chgData name="MKONDIWA, Maxwell (CIMMYT-India)" userId="861bee07-b612-4cf7-beae-414489ecebf8" providerId="ADAL" clId="{E8D17F3F-A9E1-4CB6-AE23-77212FC715F0}" dt="2023-08-12T16:50:34.374" v="400"/>
+          <ac:spMkLst>
+            <pc:docMk/>
+            <pc:sldMk cId="2926160936" sldId="411"/>
+            <ac:spMk id="3" creationId="{37194A35-8751-E738-3097-2AF7C8464814}"/>
+          </ac:spMkLst>
+        </pc:spChg>
+      </pc:sldChg>
       <pc:sldChg chg="addSp delSp modSp mod">
-        <pc:chgData name="MKONDIWA, Maxwell (CIMMYT-India)" userId="861bee07-b612-4cf7-beae-414489ecebf8" providerId="ADAL" clId="{E8D17F3F-A9E1-4CB6-AE23-77212FC715F0}" dt="2023-07-26T09:39:05.753" v="186" actId="1076"/>
+        <pc:chgData name="MKONDIWA, Maxwell (CIMMYT-India)" userId="861bee07-b612-4cf7-beae-414489ecebf8" providerId="ADAL" clId="{E8D17F3F-A9E1-4CB6-AE23-77212FC715F0}" dt="2023-08-12T16:50:34.374" v="400"/>
         <pc:sldMkLst>
           <pc:docMk/>
           <pc:sldMk cId="1260023922" sldId="413"/>
         </pc:sldMkLst>
+        <pc:spChg chg="mod">
+          <ac:chgData name="MKONDIWA, Maxwell (CIMMYT-India)" userId="861bee07-b612-4cf7-beae-414489ecebf8" providerId="ADAL" clId="{E8D17F3F-A9E1-4CB6-AE23-77212FC715F0}" dt="2023-08-12T16:50:34.374" v="400"/>
+          <ac:spMkLst>
+            <pc:docMk/>
+            <pc:sldMk cId="1260023922" sldId="413"/>
+            <ac:spMk id="2" creationId="{F45937E6-5FCE-9A5F-880D-4A5E840391AA}"/>
+          </ac:spMkLst>
+        </pc:spChg>
         <pc:spChg chg="add del mod">
           <ac:chgData name="MKONDIWA, Maxwell (CIMMYT-India)" userId="861bee07-b612-4cf7-beae-414489ecebf8" providerId="ADAL" clId="{E8D17F3F-A9E1-4CB6-AE23-77212FC715F0}" dt="2023-07-21T03:19:50.118" v="29" actId="478"/>
           <ac:spMkLst>
@@ -628,7 +1056,7 @@
           </ac:spMkLst>
         </pc:spChg>
         <pc:picChg chg="add mod">
-          <ac:chgData name="MKONDIWA, Maxwell (CIMMYT-India)" userId="861bee07-b612-4cf7-beae-414489ecebf8" providerId="ADAL" clId="{E8D17F3F-A9E1-4CB6-AE23-77212FC715F0}" dt="2023-07-26T09:39:05.753" v="186" actId="1076"/>
+          <ac:chgData name="MKONDIWA, Maxwell (CIMMYT-India)" userId="861bee07-b612-4cf7-beae-414489ecebf8" providerId="ADAL" clId="{E8D17F3F-A9E1-4CB6-AE23-77212FC715F0}" dt="2023-08-12T16:50:34.374" v="400"/>
           <ac:picMkLst>
             <pc:docMk/>
             <pc:sldMk cId="1260023922" sldId="413"/>
@@ -636,7 +1064,7 @@
           </ac:picMkLst>
         </pc:picChg>
         <pc:picChg chg="add mod">
-          <ac:chgData name="MKONDIWA, Maxwell (CIMMYT-India)" userId="861bee07-b612-4cf7-beae-414489ecebf8" providerId="ADAL" clId="{E8D17F3F-A9E1-4CB6-AE23-77212FC715F0}" dt="2023-07-26T09:39:00.276" v="185" actId="1076"/>
+          <ac:chgData name="MKONDIWA, Maxwell (CIMMYT-India)" userId="861bee07-b612-4cf7-beae-414489ecebf8" providerId="ADAL" clId="{E8D17F3F-A9E1-4CB6-AE23-77212FC715F0}" dt="2023-08-12T16:50:34.374" v="400"/>
           <ac:picMkLst>
             <pc:docMk/>
             <pc:sldMk cId="1260023922" sldId="413"/>
@@ -668,14 +1096,68 @@
           </ac:picMkLst>
         </pc:picChg>
       </pc:sldChg>
+      <pc:sldChg chg="modSp">
+        <pc:chgData name="MKONDIWA, Maxwell (CIMMYT-India)" userId="861bee07-b612-4cf7-beae-414489ecebf8" providerId="ADAL" clId="{E8D17F3F-A9E1-4CB6-AE23-77212FC715F0}" dt="2023-08-12T16:50:34.374" v="400"/>
+        <pc:sldMkLst>
+          <pc:docMk/>
+          <pc:sldMk cId="3031076343" sldId="414"/>
+        </pc:sldMkLst>
+        <pc:spChg chg="mod">
+          <ac:chgData name="MKONDIWA, Maxwell (CIMMYT-India)" userId="861bee07-b612-4cf7-beae-414489ecebf8" providerId="ADAL" clId="{E8D17F3F-A9E1-4CB6-AE23-77212FC715F0}" dt="2023-08-12T16:50:34.374" v="400"/>
+          <ac:spMkLst>
+            <pc:docMk/>
+            <pc:sldMk cId="3031076343" sldId="414"/>
+            <ac:spMk id="2" creationId="{5868A918-B95E-E07E-0266-F68C60763844}"/>
+          </ac:spMkLst>
+        </pc:spChg>
+        <pc:spChg chg="mod">
+          <ac:chgData name="MKONDIWA, Maxwell (CIMMYT-India)" userId="861bee07-b612-4cf7-beae-414489ecebf8" providerId="ADAL" clId="{E8D17F3F-A9E1-4CB6-AE23-77212FC715F0}" dt="2023-08-12T16:50:34.374" v="400"/>
+          <ac:spMkLst>
+            <pc:docMk/>
+            <pc:sldMk cId="3031076343" sldId="414"/>
+            <ac:spMk id="3" creationId="{373D8668-A4D5-7A86-3A59-93FE4D3BDF1A}"/>
+          </ac:spMkLst>
+        </pc:spChg>
+      </pc:sldChg>
+      <pc:sldChg chg="modSp">
+        <pc:chgData name="MKONDIWA, Maxwell (CIMMYT-India)" userId="861bee07-b612-4cf7-beae-414489ecebf8" providerId="ADAL" clId="{E8D17F3F-A9E1-4CB6-AE23-77212FC715F0}" dt="2023-08-12T16:50:34.374" v="400"/>
+        <pc:sldMkLst>
+          <pc:docMk/>
+          <pc:sldMk cId="2298464544" sldId="415"/>
+        </pc:sldMkLst>
+        <pc:spChg chg="mod">
+          <ac:chgData name="MKONDIWA, Maxwell (CIMMYT-India)" userId="861bee07-b612-4cf7-beae-414489ecebf8" providerId="ADAL" clId="{E8D17F3F-A9E1-4CB6-AE23-77212FC715F0}" dt="2023-08-12T16:50:34.374" v="400"/>
+          <ac:spMkLst>
+            <pc:docMk/>
+            <pc:sldMk cId="2298464544" sldId="415"/>
+            <ac:spMk id="2" creationId="{D6177CDD-9ED4-FFF5-7395-D767FCDC79C5}"/>
+          </ac:spMkLst>
+        </pc:spChg>
+        <pc:spChg chg="mod">
+          <ac:chgData name="MKONDIWA, Maxwell (CIMMYT-India)" userId="861bee07-b612-4cf7-beae-414489ecebf8" providerId="ADAL" clId="{E8D17F3F-A9E1-4CB6-AE23-77212FC715F0}" dt="2023-08-12T16:50:34.374" v="400"/>
+          <ac:spMkLst>
+            <pc:docMk/>
+            <pc:sldMk cId="2298464544" sldId="415"/>
+            <ac:spMk id="3" creationId="{34940206-D813-73F3-602F-A640C56A8F0A}"/>
+          </ac:spMkLst>
+        </pc:spChg>
+      </pc:sldChg>
       <pc:sldChg chg="modSp mod">
-        <pc:chgData name="MKONDIWA, Maxwell (CIMMYT-India)" userId="861bee07-b612-4cf7-beae-414489ecebf8" providerId="ADAL" clId="{E8D17F3F-A9E1-4CB6-AE23-77212FC715F0}" dt="2023-07-21T03:18:43.349" v="26" actId="5793"/>
+        <pc:chgData name="MKONDIWA, Maxwell (CIMMYT-India)" userId="861bee07-b612-4cf7-beae-414489ecebf8" providerId="ADAL" clId="{E8D17F3F-A9E1-4CB6-AE23-77212FC715F0}" dt="2023-08-12T16:50:34.374" v="400"/>
         <pc:sldMkLst>
           <pc:docMk/>
           <pc:sldMk cId="2358037700" sldId="416"/>
         </pc:sldMkLst>
         <pc:spChg chg="mod">
-          <ac:chgData name="MKONDIWA, Maxwell (CIMMYT-India)" userId="861bee07-b612-4cf7-beae-414489ecebf8" providerId="ADAL" clId="{E8D17F3F-A9E1-4CB6-AE23-77212FC715F0}" dt="2023-07-21T03:18:43.349" v="26" actId="5793"/>
+          <ac:chgData name="MKONDIWA, Maxwell (CIMMYT-India)" userId="861bee07-b612-4cf7-beae-414489ecebf8" providerId="ADAL" clId="{E8D17F3F-A9E1-4CB6-AE23-77212FC715F0}" dt="2023-08-12T16:50:34.374" v="400"/>
+          <ac:spMkLst>
+            <pc:docMk/>
+            <pc:sldMk cId="2358037700" sldId="416"/>
+            <ac:spMk id="2" creationId="{0AD0EBB2-9CDB-2F29-32C5-CE0576D9B0FD}"/>
+          </ac:spMkLst>
+        </pc:spChg>
+        <pc:spChg chg="mod">
+          <ac:chgData name="MKONDIWA, Maxwell (CIMMYT-India)" userId="861bee07-b612-4cf7-beae-414489ecebf8" providerId="ADAL" clId="{E8D17F3F-A9E1-4CB6-AE23-77212FC715F0}" dt="2023-08-12T16:50:34.374" v="400"/>
           <ac:spMkLst>
             <pc:docMk/>
             <pc:sldMk cId="2358037700" sldId="416"/>
@@ -691,7 +1173,7 @@
         </pc:sldMkLst>
       </pc:sldChg>
       <pc:sldChg chg="addSp delSp modSp new mod">
-        <pc:chgData name="MKONDIWA, Maxwell (CIMMYT-India)" userId="861bee07-b612-4cf7-beae-414489ecebf8" providerId="ADAL" clId="{E8D17F3F-A9E1-4CB6-AE23-77212FC715F0}" dt="2023-07-30T03:46:58.762" v="397" actId="164"/>
+        <pc:chgData name="MKONDIWA, Maxwell (CIMMYT-India)" userId="861bee07-b612-4cf7-beae-414489ecebf8" providerId="ADAL" clId="{E8D17F3F-A9E1-4CB6-AE23-77212FC715F0}" dt="2023-08-12T19:24:27.817" v="412" actId="1076"/>
         <pc:sldMkLst>
           <pc:docMk/>
           <pc:sldMk cId="678201175" sldId="418"/>
@@ -704,56 +1186,56 @@
             <ac:spMk id="18" creationId="{DE36EC0B-965B-A2A4-170B-A03DDA4CC672}"/>
           </ac:spMkLst>
         </pc:spChg>
-        <pc:spChg chg="add mod">
-          <ac:chgData name="MKONDIWA, Maxwell (CIMMYT-India)" userId="861bee07-b612-4cf7-beae-414489ecebf8" providerId="ADAL" clId="{E8D17F3F-A9E1-4CB6-AE23-77212FC715F0}" dt="2023-07-30T03:46:58.762" v="397" actId="164"/>
+        <pc:spChg chg="add mod topLvl">
+          <ac:chgData name="MKONDIWA, Maxwell (CIMMYT-India)" userId="861bee07-b612-4cf7-beae-414489ecebf8" providerId="ADAL" clId="{E8D17F3F-A9E1-4CB6-AE23-77212FC715F0}" dt="2023-08-12T19:15:20.003" v="408" actId="165"/>
           <ac:spMkLst>
             <pc:docMk/>
             <pc:sldMk cId="678201175" sldId="418"/>
             <ac:spMk id="19" creationId="{C1BD19AE-5662-CC2A-3DEA-C4F52813230E}"/>
           </ac:spMkLst>
         </pc:spChg>
-        <pc:spChg chg="add mod">
-          <ac:chgData name="MKONDIWA, Maxwell (CIMMYT-India)" userId="861bee07-b612-4cf7-beae-414489ecebf8" providerId="ADAL" clId="{E8D17F3F-A9E1-4CB6-AE23-77212FC715F0}" dt="2023-07-30T03:46:58.762" v="397" actId="164"/>
+        <pc:spChg chg="add mod topLvl">
+          <ac:chgData name="MKONDIWA, Maxwell (CIMMYT-India)" userId="861bee07-b612-4cf7-beae-414489ecebf8" providerId="ADAL" clId="{E8D17F3F-A9E1-4CB6-AE23-77212FC715F0}" dt="2023-08-12T19:15:20.003" v="408" actId="165"/>
           <ac:spMkLst>
             <pc:docMk/>
             <pc:sldMk cId="678201175" sldId="418"/>
             <ac:spMk id="20" creationId="{7C60C5EC-7EF6-5125-FC32-8211DD30013E}"/>
           </ac:spMkLst>
         </pc:spChg>
-        <pc:spChg chg="add mod">
-          <ac:chgData name="MKONDIWA, Maxwell (CIMMYT-India)" userId="861bee07-b612-4cf7-beae-414489ecebf8" providerId="ADAL" clId="{E8D17F3F-A9E1-4CB6-AE23-77212FC715F0}" dt="2023-07-30T03:46:58.762" v="397" actId="164"/>
+        <pc:spChg chg="add mod topLvl">
+          <ac:chgData name="MKONDIWA, Maxwell (CIMMYT-India)" userId="861bee07-b612-4cf7-beae-414489ecebf8" providerId="ADAL" clId="{E8D17F3F-A9E1-4CB6-AE23-77212FC715F0}" dt="2023-08-12T19:15:20.003" v="408" actId="165"/>
           <ac:spMkLst>
             <pc:docMk/>
             <pc:sldMk cId="678201175" sldId="418"/>
             <ac:spMk id="21" creationId="{84DF9870-8DC2-6173-3D22-09BAAC9E005E}"/>
           </ac:spMkLst>
         </pc:spChg>
-        <pc:spChg chg="add mod">
-          <ac:chgData name="MKONDIWA, Maxwell (CIMMYT-India)" userId="861bee07-b612-4cf7-beae-414489ecebf8" providerId="ADAL" clId="{E8D17F3F-A9E1-4CB6-AE23-77212FC715F0}" dt="2023-07-30T03:46:58.762" v="397" actId="164"/>
+        <pc:spChg chg="add mod topLvl">
+          <ac:chgData name="MKONDIWA, Maxwell (CIMMYT-India)" userId="861bee07-b612-4cf7-beae-414489ecebf8" providerId="ADAL" clId="{E8D17F3F-A9E1-4CB6-AE23-77212FC715F0}" dt="2023-08-12T19:15:20.003" v="408" actId="165"/>
           <ac:spMkLst>
             <pc:docMk/>
             <pc:sldMk cId="678201175" sldId="418"/>
             <ac:spMk id="22" creationId="{9EC0EF9D-1F14-C19F-0705-DE37C887CA71}"/>
           </ac:spMkLst>
         </pc:spChg>
-        <pc:spChg chg="add mod">
-          <ac:chgData name="MKONDIWA, Maxwell (CIMMYT-India)" userId="861bee07-b612-4cf7-beae-414489ecebf8" providerId="ADAL" clId="{E8D17F3F-A9E1-4CB6-AE23-77212FC715F0}" dt="2023-07-30T03:46:58.762" v="397" actId="164"/>
+        <pc:spChg chg="add mod topLvl">
+          <ac:chgData name="MKONDIWA, Maxwell (CIMMYT-India)" userId="861bee07-b612-4cf7-beae-414489ecebf8" providerId="ADAL" clId="{E8D17F3F-A9E1-4CB6-AE23-77212FC715F0}" dt="2023-08-12T19:15:20.003" v="408" actId="165"/>
           <ac:spMkLst>
             <pc:docMk/>
             <pc:sldMk cId="678201175" sldId="418"/>
             <ac:spMk id="23" creationId="{8C5849F9-57AA-9145-B026-9343D7834B9A}"/>
           </ac:spMkLst>
         </pc:spChg>
-        <pc:spChg chg="add mod">
-          <ac:chgData name="MKONDIWA, Maxwell (CIMMYT-India)" userId="861bee07-b612-4cf7-beae-414489ecebf8" providerId="ADAL" clId="{E8D17F3F-A9E1-4CB6-AE23-77212FC715F0}" dt="2023-07-30T03:46:58.762" v="397" actId="164"/>
+        <pc:spChg chg="add mod topLvl">
+          <ac:chgData name="MKONDIWA, Maxwell (CIMMYT-India)" userId="861bee07-b612-4cf7-beae-414489ecebf8" providerId="ADAL" clId="{E8D17F3F-A9E1-4CB6-AE23-77212FC715F0}" dt="2023-08-12T19:15:20.003" v="408" actId="165"/>
           <ac:spMkLst>
             <pc:docMk/>
             <pc:sldMk cId="678201175" sldId="418"/>
             <ac:spMk id="24" creationId="{3020585E-7889-F967-8935-D7BAA7B4E980}"/>
           </ac:spMkLst>
         </pc:spChg>
-        <pc:grpChg chg="add mod">
-          <ac:chgData name="MKONDIWA, Maxwell (CIMMYT-India)" userId="861bee07-b612-4cf7-beae-414489ecebf8" providerId="ADAL" clId="{E8D17F3F-A9E1-4CB6-AE23-77212FC715F0}" dt="2023-07-30T03:46:58.762" v="397" actId="164"/>
+        <pc:grpChg chg="add del mod">
+          <ac:chgData name="MKONDIWA, Maxwell (CIMMYT-India)" userId="861bee07-b612-4cf7-beae-414489ecebf8" providerId="ADAL" clId="{E8D17F3F-A9E1-4CB6-AE23-77212FC715F0}" dt="2023-08-12T19:15:20.003" v="408" actId="165"/>
           <ac:grpSpMkLst>
             <pc:docMk/>
             <pc:sldMk cId="678201175" sldId="418"/>
@@ -776,48 +1258,48 @@
             <ac:picMk id="5" creationId="{84EEEC7C-F2B5-9014-4D49-690BBF1CD186}"/>
           </ac:picMkLst>
         </pc:picChg>
-        <pc:picChg chg="add mod">
-          <ac:chgData name="MKONDIWA, Maxwell (CIMMYT-India)" userId="861bee07-b612-4cf7-beae-414489ecebf8" providerId="ADAL" clId="{E8D17F3F-A9E1-4CB6-AE23-77212FC715F0}" dt="2023-07-30T03:46:58.762" v="397" actId="164"/>
+        <pc:picChg chg="add mod topLvl">
+          <ac:chgData name="MKONDIWA, Maxwell (CIMMYT-India)" userId="861bee07-b612-4cf7-beae-414489ecebf8" providerId="ADAL" clId="{E8D17F3F-A9E1-4CB6-AE23-77212FC715F0}" dt="2023-08-12T19:15:20.003" v="408" actId="165"/>
           <ac:picMkLst>
             <pc:docMk/>
             <pc:sldMk cId="678201175" sldId="418"/>
             <ac:picMk id="7" creationId="{72DAB14B-2335-48C5-C639-BBE4B8ED9986}"/>
           </ac:picMkLst>
         </pc:picChg>
-        <pc:picChg chg="add mod">
-          <ac:chgData name="MKONDIWA, Maxwell (CIMMYT-India)" userId="861bee07-b612-4cf7-beae-414489ecebf8" providerId="ADAL" clId="{E8D17F3F-A9E1-4CB6-AE23-77212FC715F0}" dt="2023-07-30T03:46:58.762" v="397" actId="164"/>
+        <pc:picChg chg="add mod topLvl">
+          <ac:chgData name="MKONDIWA, Maxwell (CIMMYT-India)" userId="861bee07-b612-4cf7-beae-414489ecebf8" providerId="ADAL" clId="{E8D17F3F-A9E1-4CB6-AE23-77212FC715F0}" dt="2023-08-12T19:15:20.003" v="408" actId="165"/>
           <ac:picMkLst>
             <pc:docMk/>
             <pc:sldMk cId="678201175" sldId="418"/>
             <ac:picMk id="9" creationId="{336C62B0-D6A6-4170-304C-9D769A4EBD9E}"/>
           </ac:picMkLst>
         </pc:picChg>
-        <pc:picChg chg="add mod">
-          <ac:chgData name="MKONDIWA, Maxwell (CIMMYT-India)" userId="861bee07-b612-4cf7-beae-414489ecebf8" providerId="ADAL" clId="{E8D17F3F-A9E1-4CB6-AE23-77212FC715F0}" dt="2023-07-30T03:46:58.762" v="397" actId="164"/>
+        <pc:picChg chg="add mod topLvl">
+          <ac:chgData name="MKONDIWA, Maxwell (CIMMYT-India)" userId="861bee07-b612-4cf7-beae-414489ecebf8" providerId="ADAL" clId="{E8D17F3F-A9E1-4CB6-AE23-77212FC715F0}" dt="2023-08-12T19:20:59.968" v="409" actId="1076"/>
           <ac:picMkLst>
             <pc:docMk/>
             <pc:sldMk cId="678201175" sldId="418"/>
             <ac:picMk id="11" creationId="{512963BE-8C4E-A18A-E8E6-0A49220C2982}"/>
           </ac:picMkLst>
         </pc:picChg>
-        <pc:picChg chg="add mod">
-          <ac:chgData name="MKONDIWA, Maxwell (CIMMYT-India)" userId="861bee07-b612-4cf7-beae-414489ecebf8" providerId="ADAL" clId="{E8D17F3F-A9E1-4CB6-AE23-77212FC715F0}" dt="2023-07-30T03:46:58.762" v="397" actId="164"/>
+        <pc:picChg chg="add mod topLvl">
+          <ac:chgData name="MKONDIWA, Maxwell (CIMMYT-India)" userId="861bee07-b612-4cf7-beae-414489ecebf8" providerId="ADAL" clId="{E8D17F3F-A9E1-4CB6-AE23-77212FC715F0}" dt="2023-08-12T19:15:20.003" v="408" actId="165"/>
           <ac:picMkLst>
             <pc:docMk/>
             <pc:sldMk cId="678201175" sldId="418"/>
             <ac:picMk id="13" creationId="{D8206653-CC94-E5F8-DBE0-49CE556EC68B}"/>
           </ac:picMkLst>
         </pc:picChg>
-        <pc:picChg chg="add mod">
-          <ac:chgData name="MKONDIWA, Maxwell (CIMMYT-India)" userId="861bee07-b612-4cf7-beae-414489ecebf8" providerId="ADAL" clId="{E8D17F3F-A9E1-4CB6-AE23-77212FC715F0}" dt="2023-07-30T03:46:58.762" v="397" actId="164"/>
+        <pc:picChg chg="add mod topLvl">
+          <ac:chgData name="MKONDIWA, Maxwell (CIMMYT-India)" userId="861bee07-b612-4cf7-beae-414489ecebf8" providerId="ADAL" clId="{E8D17F3F-A9E1-4CB6-AE23-77212FC715F0}" dt="2023-08-12T19:21:39.822" v="410" actId="1076"/>
           <ac:picMkLst>
             <pc:docMk/>
             <pc:sldMk cId="678201175" sldId="418"/>
             <ac:picMk id="15" creationId="{EE417E9A-3FA3-8934-5696-C3A290E93CF0}"/>
           </ac:picMkLst>
         </pc:picChg>
-        <pc:picChg chg="add mod">
-          <ac:chgData name="MKONDIWA, Maxwell (CIMMYT-India)" userId="861bee07-b612-4cf7-beae-414489ecebf8" providerId="ADAL" clId="{E8D17F3F-A9E1-4CB6-AE23-77212FC715F0}" dt="2023-07-30T03:46:58.762" v="397" actId="164"/>
+        <pc:picChg chg="add mod topLvl">
+          <ac:chgData name="MKONDIWA, Maxwell (CIMMYT-India)" userId="861bee07-b612-4cf7-beae-414489ecebf8" providerId="ADAL" clId="{E8D17F3F-A9E1-4CB6-AE23-77212FC715F0}" dt="2023-08-12T19:24:27.817" v="412" actId="1076"/>
           <ac:picMkLst>
             <pc:docMk/>
             <pc:sldMk cId="678201175" sldId="418"/>
@@ -826,7 +1308,7 @@
         </pc:picChg>
       </pc:sldChg>
       <pc:sldChg chg="addSp delSp modSp new mod">
-        <pc:chgData name="MKONDIWA, Maxwell (CIMMYT-India)" userId="861bee07-b612-4cf7-beae-414489ecebf8" providerId="ADAL" clId="{E8D17F3F-A9E1-4CB6-AE23-77212FC715F0}" dt="2023-07-30T03:19:23.665" v="287" actId="14100"/>
+        <pc:chgData name="MKONDIWA, Maxwell (CIMMYT-India)" userId="861bee07-b612-4cf7-beae-414489ecebf8" providerId="ADAL" clId="{E8D17F3F-A9E1-4CB6-AE23-77212FC715F0}" dt="2023-08-12T16:50:34.374" v="400"/>
         <pc:sldMkLst>
           <pc:docMk/>
           <pc:sldMk cId="3186879230" sldId="419"/>
@@ -848,7 +1330,7 @@
           </ac:picMkLst>
         </pc:picChg>
         <pc:picChg chg="add mod">
-          <ac:chgData name="MKONDIWA, Maxwell (CIMMYT-India)" userId="861bee07-b612-4cf7-beae-414489ecebf8" providerId="ADAL" clId="{E8D17F3F-A9E1-4CB6-AE23-77212FC715F0}" dt="2023-07-30T03:19:09.112" v="283" actId="14100"/>
+          <ac:chgData name="MKONDIWA, Maxwell (CIMMYT-India)" userId="861bee07-b612-4cf7-beae-414489ecebf8" providerId="ADAL" clId="{E8D17F3F-A9E1-4CB6-AE23-77212FC715F0}" dt="2023-08-12T16:50:34.374" v="400"/>
           <ac:picMkLst>
             <pc:docMk/>
             <pc:sldMk cId="3186879230" sldId="419"/>
@@ -856,7 +1338,7 @@
           </ac:picMkLst>
         </pc:picChg>
         <pc:picChg chg="add mod">
-          <ac:chgData name="MKONDIWA, Maxwell (CIMMYT-India)" userId="861bee07-b612-4cf7-beae-414489ecebf8" providerId="ADAL" clId="{E8D17F3F-A9E1-4CB6-AE23-77212FC715F0}" dt="2023-07-30T03:19:23.665" v="287" actId="14100"/>
+          <ac:chgData name="MKONDIWA, Maxwell (CIMMYT-India)" userId="861bee07-b612-4cf7-beae-414489ecebf8" providerId="ADAL" clId="{E8D17F3F-A9E1-4CB6-AE23-77212FC715F0}" dt="2023-08-12T16:50:34.374" v="400"/>
           <ac:picMkLst>
             <pc:docMk/>
             <pc:sldMk cId="3186879230" sldId="419"/>
@@ -865,20 +1347,309 @@
         </pc:picChg>
       </pc:sldChg>
       <pc:sldChg chg="modSp new mod">
-        <pc:chgData name="MKONDIWA, Maxwell (CIMMYT-India)" userId="861bee07-b612-4cf7-beae-414489ecebf8" providerId="ADAL" clId="{E8D17F3F-A9E1-4CB6-AE23-77212FC715F0}" dt="2023-07-30T03:27:04.075" v="337" actId="20577"/>
+        <pc:chgData name="MKONDIWA, Maxwell (CIMMYT-India)" userId="861bee07-b612-4cf7-beae-414489ecebf8" providerId="ADAL" clId="{E8D17F3F-A9E1-4CB6-AE23-77212FC715F0}" dt="2023-08-12T16:50:34.374" v="400"/>
         <pc:sldMkLst>
           <pc:docMk/>
           <pc:sldMk cId="457993894" sldId="420"/>
         </pc:sldMkLst>
         <pc:spChg chg="mod">
-          <ac:chgData name="MKONDIWA, Maxwell (CIMMYT-India)" userId="861bee07-b612-4cf7-beae-414489ecebf8" providerId="ADAL" clId="{E8D17F3F-A9E1-4CB6-AE23-77212FC715F0}" dt="2023-07-30T03:27:04.075" v="337" actId="20577"/>
+          <ac:chgData name="MKONDIWA, Maxwell (CIMMYT-India)" userId="861bee07-b612-4cf7-beae-414489ecebf8" providerId="ADAL" clId="{E8D17F3F-A9E1-4CB6-AE23-77212FC715F0}" dt="2023-08-12T16:50:34.374" v="400"/>
           <ac:spMkLst>
             <pc:docMk/>
             <pc:sldMk cId="457993894" sldId="420"/>
             <ac:spMk id="2" creationId="{2632D21A-9F88-6336-B6EA-589ACBFBB156}"/>
           </ac:spMkLst>
         </pc:spChg>
+        <pc:spChg chg="mod">
+          <ac:chgData name="MKONDIWA, Maxwell (CIMMYT-India)" userId="861bee07-b612-4cf7-beae-414489ecebf8" providerId="ADAL" clId="{E8D17F3F-A9E1-4CB6-AE23-77212FC715F0}" dt="2023-08-12T16:50:34.374" v="400"/>
+          <ac:spMkLst>
+            <pc:docMk/>
+            <pc:sldMk cId="457993894" sldId="420"/>
+            <ac:spMk id="3" creationId="{B426D703-FE02-00C6-AE57-7E3A5A46696B}"/>
+          </ac:spMkLst>
+        </pc:spChg>
       </pc:sldChg>
+      <pc:sldChg chg="new del">
+        <pc:chgData name="MKONDIWA, Maxwell (CIMMYT-India)" userId="861bee07-b612-4cf7-beae-414489ecebf8" providerId="ADAL" clId="{E8D17F3F-A9E1-4CB6-AE23-77212FC715F0}" dt="2023-08-12T16:51:05.820" v="401" actId="47"/>
+        <pc:sldMkLst>
+          <pc:docMk/>
+          <pc:sldMk cId="3510425536" sldId="421"/>
+        </pc:sldMkLst>
+      </pc:sldChg>
+      <pc:sldMasterChg chg="modSp modSldLayout">
+        <pc:chgData name="MKONDIWA, Maxwell (CIMMYT-India)" userId="861bee07-b612-4cf7-beae-414489ecebf8" providerId="ADAL" clId="{E8D17F3F-A9E1-4CB6-AE23-77212FC715F0}" dt="2023-08-12T16:50:34.374" v="400"/>
+        <pc:sldMasterMkLst>
+          <pc:docMk/>
+          <pc:sldMasterMk cId="2871178465" sldId="2147483648"/>
+        </pc:sldMasterMkLst>
+        <pc:spChg chg="mod">
+          <ac:chgData name="MKONDIWA, Maxwell (CIMMYT-India)" userId="861bee07-b612-4cf7-beae-414489ecebf8" providerId="ADAL" clId="{E8D17F3F-A9E1-4CB6-AE23-77212FC715F0}" dt="2023-08-12T16:50:34.374" v="400"/>
+          <ac:spMkLst>
+            <pc:docMk/>
+            <pc:sldMasterMk cId="2871178465" sldId="2147483648"/>
+            <ac:spMk id="2" creationId="{C912A39A-FA2B-29A6-CDDF-A42BBE3DAD41}"/>
+          </ac:spMkLst>
+        </pc:spChg>
+        <pc:spChg chg="mod">
+          <ac:chgData name="MKONDIWA, Maxwell (CIMMYT-India)" userId="861bee07-b612-4cf7-beae-414489ecebf8" providerId="ADAL" clId="{E8D17F3F-A9E1-4CB6-AE23-77212FC715F0}" dt="2023-08-12T16:50:34.374" v="400"/>
+          <ac:spMkLst>
+            <pc:docMk/>
+            <pc:sldMasterMk cId="2871178465" sldId="2147483648"/>
+            <ac:spMk id="3" creationId="{89E1A078-B456-57F2-E1B6-CED155673CE9}"/>
+          </ac:spMkLst>
+        </pc:spChg>
+        <pc:spChg chg="mod">
+          <ac:chgData name="MKONDIWA, Maxwell (CIMMYT-India)" userId="861bee07-b612-4cf7-beae-414489ecebf8" providerId="ADAL" clId="{E8D17F3F-A9E1-4CB6-AE23-77212FC715F0}" dt="2023-08-12T16:50:34.374" v="400"/>
+          <ac:spMkLst>
+            <pc:docMk/>
+            <pc:sldMasterMk cId="2871178465" sldId="2147483648"/>
+            <ac:spMk id="4" creationId="{4A2FF16D-B6BB-D318-E8A2-04B4438CB983}"/>
+          </ac:spMkLst>
+        </pc:spChg>
+        <pc:spChg chg="mod">
+          <ac:chgData name="MKONDIWA, Maxwell (CIMMYT-India)" userId="861bee07-b612-4cf7-beae-414489ecebf8" providerId="ADAL" clId="{E8D17F3F-A9E1-4CB6-AE23-77212FC715F0}" dt="2023-08-12T16:50:34.374" v="400"/>
+          <ac:spMkLst>
+            <pc:docMk/>
+            <pc:sldMasterMk cId="2871178465" sldId="2147483648"/>
+            <ac:spMk id="5" creationId="{F48785F5-8EEE-0D0A-A1C3-5B3708A089E9}"/>
+          </ac:spMkLst>
+        </pc:spChg>
+        <pc:spChg chg="mod">
+          <ac:chgData name="MKONDIWA, Maxwell (CIMMYT-India)" userId="861bee07-b612-4cf7-beae-414489ecebf8" providerId="ADAL" clId="{E8D17F3F-A9E1-4CB6-AE23-77212FC715F0}" dt="2023-08-12T16:50:34.374" v="400"/>
+          <ac:spMkLst>
+            <pc:docMk/>
+            <pc:sldMasterMk cId="2871178465" sldId="2147483648"/>
+            <ac:spMk id="6" creationId="{4B8B9A2B-1B69-D074-C009-FC8A8DD44F6C}"/>
+          </ac:spMkLst>
+        </pc:spChg>
+        <pc:sldLayoutChg chg="modSp">
+          <pc:chgData name="MKONDIWA, Maxwell (CIMMYT-India)" userId="861bee07-b612-4cf7-beae-414489ecebf8" providerId="ADAL" clId="{E8D17F3F-A9E1-4CB6-AE23-77212FC715F0}" dt="2023-08-12T16:50:34.374" v="400"/>
+          <pc:sldLayoutMkLst>
+            <pc:docMk/>
+            <pc:sldMasterMk cId="2871178465" sldId="2147483648"/>
+            <pc:sldLayoutMk cId="3027893278" sldId="2147483649"/>
+          </pc:sldLayoutMkLst>
+          <pc:spChg chg="mod">
+            <ac:chgData name="MKONDIWA, Maxwell (CIMMYT-India)" userId="861bee07-b612-4cf7-beae-414489ecebf8" providerId="ADAL" clId="{E8D17F3F-A9E1-4CB6-AE23-77212FC715F0}" dt="2023-08-12T16:50:34.374" v="400"/>
+            <ac:spMkLst>
+              <pc:docMk/>
+              <pc:sldMasterMk cId="2871178465" sldId="2147483648"/>
+              <pc:sldLayoutMk cId="3027893278" sldId="2147483649"/>
+              <ac:spMk id="2" creationId="{C4EA1614-87B8-5BE0-133B-22047298E5C0}"/>
+            </ac:spMkLst>
+          </pc:spChg>
+          <pc:spChg chg="mod">
+            <ac:chgData name="MKONDIWA, Maxwell (CIMMYT-India)" userId="861bee07-b612-4cf7-beae-414489ecebf8" providerId="ADAL" clId="{E8D17F3F-A9E1-4CB6-AE23-77212FC715F0}" dt="2023-08-12T16:50:34.374" v="400"/>
+            <ac:spMkLst>
+              <pc:docMk/>
+              <pc:sldMasterMk cId="2871178465" sldId="2147483648"/>
+              <pc:sldLayoutMk cId="3027893278" sldId="2147483649"/>
+              <ac:spMk id="3" creationId="{E3063472-E1EA-518D-5A44-F31947C14EFC}"/>
+            </ac:spMkLst>
+          </pc:spChg>
+        </pc:sldLayoutChg>
+        <pc:sldLayoutChg chg="modSp">
+          <pc:chgData name="MKONDIWA, Maxwell (CIMMYT-India)" userId="861bee07-b612-4cf7-beae-414489ecebf8" providerId="ADAL" clId="{E8D17F3F-A9E1-4CB6-AE23-77212FC715F0}" dt="2023-08-12T16:50:34.374" v="400"/>
+          <pc:sldLayoutMkLst>
+            <pc:docMk/>
+            <pc:sldMasterMk cId="2871178465" sldId="2147483648"/>
+            <pc:sldLayoutMk cId="160571391" sldId="2147483651"/>
+          </pc:sldLayoutMkLst>
+          <pc:spChg chg="mod">
+            <ac:chgData name="MKONDIWA, Maxwell (CIMMYT-India)" userId="861bee07-b612-4cf7-beae-414489ecebf8" providerId="ADAL" clId="{E8D17F3F-A9E1-4CB6-AE23-77212FC715F0}" dt="2023-08-12T16:50:34.374" v="400"/>
+            <ac:spMkLst>
+              <pc:docMk/>
+              <pc:sldMasterMk cId="2871178465" sldId="2147483648"/>
+              <pc:sldLayoutMk cId="160571391" sldId="2147483651"/>
+              <ac:spMk id="2" creationId="{3F772C33-2E9C-D60B-9F74-0EB5B7B949F6}"/>
+            </ac:spMkLst>
+          </pc:spChg>
+          <pc:spChg chg="mod">
+            <ac:chgData name="MKONDIWA, Maxwell (CIMMYT-India)" userId="861bee07-b612-4cf7-beae-414489ecebf8" providerId="ADAL" clId="{E8D17F3F-A9E1-4CB6-AE23-77212FC715F0}" dt="2023-08-12T16:50:34.374" v="400"/>
+            <ac:spMkLst>
+              <pc:docMk/>
+              <pc:sldMasterMk cId="2871178465" sldId="2147483648"/>
+              <pc:sldLayoutMk cId="160571391" sldId="2147483651"/>
+              <ac:spMk id="3" creationId="{F5BDD6E0-59C2-F231-0F60-A22379832E65}"/>
+            </ac:spMkLst>
+          </pc:spChg>
+        </pc:sldLayoutChg>
+        <pc:sldLayoutChg chg="modSp">
+          <pc:chgData name="MKONDIWA, Maxwell (CIMMYT-India)" userId="861bee07-b612-4cf7-beae-414489ecebf8" providerId="ADAL" clId="{E8D17F3F-A9E1-4CB6-AE23-77212FC715F0}" dt="2023-08-12T16:50:34.374" v="400"/>
+          <pc:sldLayoutMkLst>
+            <pc:docMk/>
+            <pc:sldMasterMk cId="2871178465" sldId="2147483648"/>
+            <pc:sldLayoutMk cId="2860556144" sldId="2147483652"/>
+          </pc:sldLayoutMkLst>
+          <pc:spChg chg="mod">
+            <ac:chgData name="MKONDIWA, Maxwell (CIMMYT-India)" userId="861bee07-b612-4cf7-beae-414489ecebf8" providerId="ADAL" clId="{E8D17F3F-A9E1-4CB6-AE23-77212FC715F0}" dt="2023-08-12T16:50:34.374" v="400"/>
+            <ac:spMkLst>
+              <pc:docMk/>
+              <pc:sldMasterMk cId="2871178465" sldId="2147483648"/>
+              <pc:sldLayoutMk cId="2860556144" sldId="2147483652"/>
+              <ac:spMk id="3" creationId="{71B9B917-3DDF-DC2E-2EA7-23D4AD432F18}"/>
+            </ac:spMkLst>
+          </pc:spChg>
+          <pc:spChg chg="mod">
+            <ac:chgData name="MKONDIWA, Maxwell (CIMMYT-India)" userId="861bee07-b612-4cf7-beae-414489ecebf8" providerId="ADAL" clId="{E8D17F3F-A9E1-4CB6-AE23-77212FC715F0}" dt="2023-08-12T16:50:34.374" v="400"/>
+            <ac:spMkLst>
+              <pc:docMk/>
+              <pc:sldMasterMk cId="2871178465" sldId="2147483648"/>
+              <pc:sldLayoutMk cId="2860556144" sldId="2147483652"/>
+              <ac:spMk id="4" creationId="{E5B56840-1C91-AD53-3813-CC6823096AEA}"/>
+            </ac:spMkLst>
+          </pc:spChg>
+        </pc:sldLayoutChg>
+        <pc:sldLayoutChg chg="modSp">
+          <pc:chgData name="MKONDIWA, Maxwell (CIMMYT-India)" userId="861bee07-b612-4cf7-beae-414489ecebf8" providerId="ADAL" clId="{E8D17F3F-A9E1-4CB6-AE23-77212FC715F0}" dt="2023-08-12T16:50:34.374" v="400"/>
+          <pc:sldLayoutMkLst>
+            <pc:docMk/>
+            <pc:sldMasterMk cId="2871178465" sldId="2147483648"/>
+            <pc:sldLayoutMk cId="101699204" sldId="2147483653"/>
+          </pc:sldLayoutMkLst>
+          <pc:spChg chg="mod">
+            <ac:chgData name="MKONDIWA, Maxwell (CIMMYT-India)" userId="861bee07-b612-4cf7-beae-414489ecebf8" providerId="ADAL" clId="{E8D17F3F-A9E1-4CB6-AE23-77212FC715F0}" dt="2023-08-12T16:50:34.374" v="400"/>
+            <ac:spMkLst>
+              <pc:docMk/>
+              <pc:sldMasterMk cId="2871178465" sldId="2147483648"/>
+              <pc:sldLayoutMk cId="101699204" sldId="2147483653"/>
+              <ac:spMk id="2" creationId="{57ADAFE9-9E7A-C492-296C-ACDB83F9B126}"/>
+            </ac:spMkLst>
+          </pc:spChg>
+          <pc:spChg chg="mod">
+            <ac:chgData name="MKONDIWA, Maxwell (CIMMYT-India)" userId="861bee07-b612-4cf7-beae-414489ecebf8" providerId="ADAL" clId="{E8D17F3F-A9E1-4CB6-AE23-77212FC715F0}" dt="2023-08-12T16:50:34.374" v="400"/>
+            <ac:spMkLst>
+              <pc:docMk/>
+              <pc:sldMasterMk cId="2871178465" sldId="2147483648"/>
+              <pc:sldLayoutMk cId="101699204" sldId="2147483653"/>
+              <ac:spMk id="3" creationId="{C9409E8C-EB06-4358-9915-C593E3D78932}"/>
+            </ac:spMkLst>
+          </pc:spChg>
+          <pc:spChg chg="mod">
+            <ac:chgData name="MKONDIWA, Maxwell (CIMMYT-India)" userId="861bee07-b612-4cf7-beae-414489ecebf8" providerId="ADAL" clId="{E8D17F3F-A9E1-4CB6-AE23-77212FC715F0}" dt="2023-08-12T16:50:34.374" v="400"/>
+            <ac:spMkLst>
+              <pc:docMk/>
+              <pc:sldMasterMk cId="2871178465" sldId="2147483648"/>
+              <pc:sldLayoutMk cId="101699204" sldId="2147483653"/>
+              <ac:spMk id="4" creationId="{25025200-9FF6-57C3-DC05-73B9E5EC7DE6}"/>
+            </ac:spMkLst>
+          </pc:spChg>
+          <pc:spChg chg="mod">
+            <ac:chgData name="MKONDIWA, Maxwell (CIMMYT-India)" userId="861bee07-b612-4cf7-beae-414489ecebf8" providerId="ADAL" clId="{E8D17F3F-A9E1-4CB6-AE23-77212FC715F0}" dt="2023-08-12T16:50:34.374" v="400"/>
+            <ac:spMkLst>
+              <pc:docMk/>
+              <pc:sldMasterMk cId="2871178465" sldId="2147483648"/>
+              <pc:sldLayoutMk cId="101699204" sldId="2147483653"/>
+              <ac:spMk id="5" creationId="{F3511E76-22DF-E904-5D9C-6ED305495261}"/>
+            </ac:spMkLst>
+          </pc:spChg>
+          <pc:spChg chg="mod">
+            <ac:chgData name="MKONDIWA, Maxwell (CIMMYT-India)" userId="861bee07-b612-4cf7-beae-414489ecebf8" providerId="ADAL" clId="{E8D17F3F-A9E1-4CB6-AE23-77212FC715F0}" dt="2023-08-12T16:50:34.374" v="400"/>
+            <ac:spMkLst>
+              <pc:docMk/>
+              <pc:sldMasterMk cId="2871178465" sldId="2147483648"/>
+              <pc:sldLayoutMk cId="101699204" sldId="2147483653"/>
+              <ac:spMk id="6" creationId="{8A938D5D-1C5B-0123-E131-C9CA3DCE4F3D}"/>
+            </ac:spMkLst>
+          </pc:spChg>
+        </pc:sldLayoutChg>
+        <pc:sldLayoutChg chg="modSp">
+          <pc:chgData name="MKONDIWA, Maxwell (CIMMYT-India)" userId="861bee07-b612-4cf7-beae-414489ecebf8" providerId="ADAL" clId="{E8D17F3F-A9E1-4CB6-AE23-77212FC715F0}" dt="2023-08-12T16:50:34.374" v="400"/>
+          <pc:sldLayoutMkLst>
+            <pc:docMk/>
+            <pc:sldMasterMk cId="2871178465" sldId="2147483648"/>
+            <pc:sldLayoutMk cId="3731663900" sldId="2147483656"/>
+          </pc:sldLayoutMkLst>
+          <pc:spChg chg="mod">
+            <ac:chgData name="MKONDIWA, Maxwell (CIMMYT-India)" userId="861bee07-b612-4cf7-beae-414489ecebf8" providerId="ADAL" clId="{E8D17F3F-A9E1-4CB6-AE23-77212FC715F0}" dt="2023-08-12T16:50:34.374" v="400"/>
+            <ac:spMkLst>
+              <pc:docMk/>
+              <pc:sldMasterMk cId="2871178465" sldId="2147483648"/>
+              <pc:sldLayoutMk cId="3731663900" sldId="2147483656"/>
+              <ac:spMk id="2" creationId="{51372315-9899-4D10-761D-96721892130C}"/>
+            </ac:spMkLst>
+          </pc:spChg>
+          <pc:spChg chg="mod">
+            <ac:chgData name="MKONDIWA, Maxwell (CIMMYT-India)" userId="861bee07-b612-4cf7-beae-414489ecebf8" providerId="ADAL" clId="{E8D17F3F-A9E1-4CB6-AE23-77212FC715F0}" dt="2023-08-12T16:50:34.374" v="400"/>
+            <ac:spMkLst>
+              <pc:docMk/>
+              <pc:sldMasterMk cId="2871178465" sldId="2147483648"/>
+              <pc:sldLayoutMk cId="3731663900" sldId="2147483656"/>
+              <ac:spMk id="3" creationId="{D8431CFE-CF50-6B1A-EFFA-9DE83CE88103}"/>
+            </ac:spMkLst>
+          </pc:spChg>
+          <pc:spChg chg="mod">
+            <ac:chgData name="MKONDIWA, Maxwell (CIMMYT-India)" userId="861bee07-b612-4cf7-beae-414489ecebf8" providerId="ADAL" clId="{E8D17F3F-A9E1-4CB6-AE23-77212FC715F0}" dt="2023-08-12T16:50:34.374" v="400"/>
+            <ac:spMkLst>
+              <pc:docMk/>
+              <pc:sldMasterMk cId="2871178465" sldId="2147483648"/>
+              <pc:sldLayoutMk cId="3731663900" sldId="2147483656"/>
+              <ac:spMk id="4" creationId="{157E622C-047B-2147-0177-5185EBF64876}"/>
+            </ac:spMkLst>
+          </pc:spChg>
+        </pc:sldLayoutChg>
+        <pc:sldLayoutChg chg="modSp">
+          <pc:chgData name="MKONDIWA, Maxwell (CIMMYT-India)" userId="861bee07-b612-4cf7-beae-414489ecebf8" providerId="ADAL" clId="{E8D17F3F-A9E1-4CB6-AE23-77212FC715F0}" dt="2023-08-12T16:50:34.374" v="400"/>
+          <pc:sldLayoutMkLst>
+            <pc:docMk/>
+            <pc:sldMasterMk cId="2871178465" sldId="2147483648"/>
+            <pc:sldLayoutMk cId="2752422324" sldId="2147483657"/>
+          </pc:sldLayoutMkLst>
+          <pc:spChg chg="mod">
+            <ac:chgData name="MKONDIWA, Maxwell (CIMMYT-India)" userId="861bee07-b612-4cf7-beae-414489ecebf8" providerId="ADAL" clId="{E8D17F3F-A9E1-4CB6-AE23-77212FC715F0}" dt="2023-08-12T16:50:34.374" v="400"/>
+            <ac:spMkLst>
+              <pc:docMk/>
+              <pc:sldMasterMk cId="2871178465" sldId="2147483648"/>
+              <pc:sldLayoutMk cId="2752422324" sldId="2147483657"/>
+              <ac:spMk id="2" creationId="{F2E9286D-F0C6-B607-D265-E5BB110EF035}"/>
+            </ac:spMkLst>
+          </pc:spChg>
+          <pc:spChg chg="mod">
+            <ac:chgData name="MKONDIWA, Maxwell (CIMMYT-India)" userId="861bee07-b612-4cf7-beae-414489ecebf8" providerId="ADAL" clId="{E8D17F3F-A9E1-4CB6-AE23-77212FC715F0}" dt="2023-08-12T16:50:34.374" v="400"/>
+            <ac:spMkLst>
+              <pc:docMk/>
+              <pc:sldMasterMk cId="2871178465" sldId="2147483648"/>
+              <pc:sldLayoutMk cId="2752422324" sldId="2147483657"/>
+              <ac:spMk id="3" creationId="{A97F88C8-528A-F0F8-0D7E-30996F07BA4D}"/>
+            </ac:spMkLst>
+          </pc:spChg>
+          <pc:spChg chg="mod">
+            <ac:chgData name="MKONDIWA, Maxwell (CIMMYT-India)" userId="861bee07-b612-4cf7-beae-414489ecebf8" providerId="ADAL" clId="{E8D17F3F-A9E1-4CB6-AE23-77212FC715F0}" dt="2023-08-12T16:50:34.374" v="400"/>
+            <ac:spMkLst>
+              <pc:docMk/>
+              <pc:sldMasterMk cId="2871178465" sldId="2147483648"/>
+              <pc:sldLayoutMk cId="2752422324" sldId="2147483657"/>
+              <ac:spMk id="4" creationId="{F718DC5A-BAE8-FD77-FC42-AFB5F24578E2}"/>
+            </ac:spMkLst>
+          </pc:spChg>
+        </pc:sldLayoutChg>
+        <pc:sldLayoutChg chg="modSp">
+          <pc:chgData name="MKONDIWA, Maxwell (CIMMYT-India)" userId="861bee07-b612-4cf7-beae-414489ecebf8" providerId="ADAL" clId="{E8D17F3F-A9E1-4CB6-AE23-77212FC715F0}" dt="2023-08-12T16:50:34.374" v="400"/>
+          <pc:sldLayoutMkLst>
+            <pc:docMk/>
+            <pc:sldMasterMk cId="2871178465" sldId="2147483648"/>
+            <pc:sldLayoutMk cId="3442733957" sldId="2147483659"/>
+          </pc:sldLayoutMkLst>
+          <pc:spChg chg="mod">
+            <ac:chgData name="MKONDIWA, Maxwell (CIMMYT-India)" userId="861bee07-b612-4cf7-beae-414489ecebf8" providerId="ADAL" clId="{E8D17F3F-A9E1-4CB6-AE23-77212FC715F0}" dt="2023-08-12T16:50:34.374" v="400"/>
+            <ac:spMkLst>
+              <pc:docMk/>
+              <pc:sldMasterMk cId="2871178465" sldId="2147483648"/>
+              <pc:sldLayoutMk cId="3442733957" sldId="2147483659"/>
+              <ac:spMk id="2" creationId="{409A8D2F-1236-5D76-DF44-485A2066F55D}"/>
+            </ac:spMkLst>
+          </pc:spChg>
+          <pc:spChg chg="mod">
+            <ac:chgData name="MKONDIWA, Maxwell (CIMMYT-India)" userId="861bee07-b612-4cf7-beae-414489ecebf8" providerId="ADAL" clId="{E8D17F3F-A9E1-4CB6-AE23-77212FC715F0}" dt="2023-08-12T16:50:34.374" v="400"/>
+            <ac:spMkLst>
+              <pc:docMk/>
+              <pc:sldMasterMk cId="2871178465" sldId="2147483648"/>
+              <pc:sldLayoutMk cId="3442733957" sldId="2147483659"/>
+              <ac:spMk id="3" creationId="{F57EF9AE-CE1B-300B-3912-EFB83B89248C}"/>
+            </ac:spMkLst>
+          </pc:spChg>
+        </pc:sldLayoutChg>
+      </pc:sldMasterChg>
     </pc:docChg>
   </pc:docChgLst>
   <pc:docChgLst>
@@ -1899,7 +2670,7 @@
           <a:p>
             <a:fld id="{9A1FBAB8-4B41-4FD5-8C11-54A6B116D430}" type="datetimeFigureOut">
               <a:rPr lang="en-ZW" smtClean="0"/>
-              <a:t>30/7/2023</a:t>
+              <a:t>12/8/2023</a:t>
             </a:fld>
             <a:endParaRPr lang="en-ZW"/>
           </a:p>
@@ -2194,7 +2965,12 @@
             <p:ph type="sldImg"/>
           </p:nvPr>
         </p:nvSpPr>
-        <p:spPr/>
+        <p:spPr>
+          <a:xfrm>
+            <a:off x="685800" y="1143000"/>
+            <a:ext cx="5486400" cy="3086100"/>
+          </a:xfrm>
+        </p:spPr>
       </p:sp>
       <p:sp>
         <p:nvSpPr>
@@ -2278,7 +3054,12 @@
             <p:ph type="sldImg"/>
           </p:nvPr>
         </p:nvSpPr>
-        <p:spPr/>
+        <p:spPr>
+          <a:xfrm>
+            <a:off x="685800" y="1143000"/>
+            <a:ext cx="5486400" cy="3086100"/>
+          </a:xfrm>
+        </p:spPr>
       </p:sp>
       <p:sp>
         <p:nvSpPr>
@@ -2362,7 +3143,12 @@
             <p:ph type="sldImg"/>
           </p:nvPr>
         </p:nvSpPr>
-        <p:spPr/>
+        <p:spPr>
+          <a:xfrm>
+            <a:off x="685800" y="1143000"/>
+            <a:ext cx="5486400" cy="3086100"/>
+          </a:xfrm>
+        </p:spPr>
       </p:sp>
       <p:sp>
         <p:nvSpPr>
@@ -2568,7 +3354,7 @@
           <a:p>
             <a:fld id="{0D336653-BEC4-4200-85FD-0B10B1D3D944}" type="datetimeFigureOut">
               <a:rPr lang="en-ZW" smtClean="0"/>
-              <a:t>30/7/2023</a:t>
+              <a:t>12/8/2023</a:t>
             </a:fld>
             <a:endParaRPr lang="en-ZW"/>
           </a:p>
@@ -2768,7 +3554,7 @@
           <a:p>
             <a:fld id="{0D336653-BEC4-4200-85FD-0B10B1D3D944}" type="datetimeFigureOut">
               <a:rPr lang="en-ZW" smtClean="0"/>
-              <a:t>30/7/2023</a:t>
+              <a:t>12/8/2023</a:t>
             </a:fld>
             <a:endParaRPr lang="en-ZW"/>
           </a:p>
@@ -2876,7 +3662,7 @@
         </p:nvSpPr>
         <p:spPr>
           <a:xfrm>
-            <a:off x="8724900" y="365125"/>
+            <a:off x="8724901" y="365125"/>
             <a:ext cx="2628900" cy="5811838"/>
           </a:xfrm>
         </p:spPr>
@@ -2910,7 +3696,7 @@
         </p:nvSpPr>
         <p:spPr>
           <a:xfrm>
-            <a:off x="838200" y="365125"/>
+            <a:off x="838201" y="365125"/>
             <a:ext cx="7734300" cy="5811838"/>
           </a:xfrm>
         </p:spPr>
@@ -2978,7 +3764,7 @@
           <a:p>
             <a:fld id="{0D336653-BEC4-4200-85FD-0B10B1D3D944}" type="datetimeFigureOut">
               <a:rPr lang="en-ZW" smtClean="0"/>
-              <a:t>30/7/2023</a:t>
+              <a:t>12/8/2023</a:t>
             </a:fld>
             <a:endParaRPr lang="en-ZW"/>
           </a:p>
@@ -3178,7 +3964,7 @@
           <a:p>
             <a:fld id="{0D336653-BEC4-4200-85FD-0B10B1D3D944}" type="datetimeFigureOut">
               <a:rPr lang="en-ZW" smtClean="0"/>
-              <a:t>30/7/2023</a:t>
+              <a:t>12/8/2023</a:t>
             </a:fld>
             <a:endParaRPr lang="en-ZW"/>
           </a:p>
@@ -3286,7 +4072,7 @@
         </p:nvSpPr>
         <p:spPr>
           <a:xfrm>
-            <a:off x="831850" y="1709738"/>
+            <a:off x="831851" y="1709740"/>
             <a:ext cx="10515600" cy="2852737"/>
           </a:xfrm>
         </p:spPr>
@@ -3324,7 +4110,7 @@
         </p:nvSpPr>
         <p:spPr>
           <a:xfrm>
-            <a:off x="831850" y="4589463"/>
+            <a:off x="831851" y="4589465"/>
             <a:ext cx="10515600" cy="1500187"/>
           </a:xfrm>
         </p:spPr>
@@ -3454,7 +4240,7 @@
           <a:p>
             <a:fld id="{0D336653-BEC4-4200-85FD-0B10B1D3D944}" type="datetimeFigureOut">
               <a:rPr lang="en-ZW" smtClean="0"/>
-              <a:t>30/7/2023</a:t>
+              <a:t>12/8/2023</a:t>
             </a:fld>
             <a:endParaRPr lang="en-ZW"/>
           </a:p>
@@ -3722,7 +4508,7 @@
           <a:p>
             <a:fld id="{0D336653-BEC4-4200-85FD-0B10B1D3D944}" type="datetimeFigureOut">
               <a:rPr lang="en-ZW" smtClean="0"/>
-              <a:t>30/7/2023</a:t>
+              <a:t>12/8/2023</a:t>
             </a:fld>
             <a:endParaRPr lang="en-ZW"/>
           </a:p>
@@ -3830,7 +4616,7 @@
         </p:nvSpPr>
         <p:spPr>
           <a:xfrm>
-            <a:off x="839788" y="365125"/>
+            <a:off x="839788" y="365127"/>
             <a:ext cx="10515600" cy="1325563"/>
           </a:xfrm>
         </p:spPr>
@@ -3864,7 +4650,7 @@
         </p:nvSpPr>
         <p:spPr>
           <a:xfrm>
-            <a:off x="839788" y="1681163"/>
+            <a:off x="839789" y="1681163"/>
             <a:ext cx="5157787" cy="823912"/>
           </a:xfrm>
         </p:spPr>
@@ -3935,7 +4721,7 @@
         </p:nvSpPr>
         <p:spPr>
           <a:xfrm>
-            <a:off x="839788" y="2505075"/>
+            <a:off x="839789" y="2505075"/>
             <a:ext cx="5157787" cy="3684588"/>
           </a:xfrm>
         </p:spPr>
@@ -3998,7 +4784,7 @@
         </p:nvSpPr>
         <p:spPr>
           <a:xfrm>
-            <a:off x="6172200" y="1681163"/>
+            <a:off x="6172201" y="1681163"/>
             <a:ext cx="5183188" cy="823912"/>
           </a:xfrm>
         </p:spPr>
@@ -4069,7 +4855,7 @@
         </p:nvSpPr>
         <p:spPr>
           <a:xfrm>
-            <a:off x="6172200" y="2505075"/>
+            <a:off x="6172201" y="2505075"/>
             <a:ext cx="5183188" cy="3684588"/>
           </a:xfrm>
         </p:spPr>
@@ -4137,7 +4923,7 @@
           <a:p>
             <a:fld id="{0D336653-BEC4-4200-85FD-0B10B1D3D944}" type="datetimeFigureOut">
               <a:rPr lang="en-ZW" smtClean="0"/>
-              <a:t>30/7/2023</a:t>
+              <a:t>12/8/2023</a:t>
             </a:fld>
             <a:endParaRPr lang="en-ZW"/>
           </a:p>
@@ -4279,7 +5065,7 @@
           <a:p>
             <a:fld id="{0D336653-BEC4-4200-85FD-0B10B1D3D944}" type="datetimeFigureOut">
               <a:rPr lang="en-ZW" smtClean="0"/>
-              <a:t>30/7/2023</a:t>
+              <a:t>12/8/2023</a:t>
             </a:fld>
             <a:endParaRPr lang="en-ZW"/>
           </a:p>
@@ -4392,7 +5178,7 @@
           <a:p>
             <a:fld id="{0D336653-BEC4-4200-85FD-0B10B1D3D944}" type="datetimeFigureOut">
               <a:rPr lang="en-ZW" smtClean="0"/>
-              <a:t>30/7/2023</a:t>
+              <a:t>12/8/2023</a:t>
             </a:fld>
             <a:endParaRPr lang="en-ZW"/>
           </a:p>
@@ -4538,7 +5324,7 @@
         </p:nvSpPr>
         <p:spPr>
           <a:xfrm>
-            <a:off x="5183188" y="987425"/>
+            <a:off x="5183188" y="987427"/>
             <a:ext cx="6172200" cy="4873625"/>
           </a:xfrm>
         </p:spPr>
@@ -4705,7 +5491,7 @@
           <a:p>
             <a:fld id="{0D336653-BEC4-4200-85FD-0B10B1D3D944}" type="datetimeFigureOut">
               <a:rPr lang="en-ZW" smtClean="0"/>
-              <a:t>30/7/2023</a:t>
+              <a:t>12/8/2023</a:t>
             </a:fld>
             <a:endParaRPr lang="en-ZW"/>
           </a:p>
@@ -4851,7 +5637,7 @@
         </p:nvSpPr>
         <p:spPr>
           <a:xfrm>
-            <a:off x="5183188" y="987425"/>
+            <a:off x="5183188" y="987427"/>
             <a:ext cx="6172200" cy="4873625"/>
           </a:xfrm>
         </p:spPr>
@@ -4994,7 +5780,7 @@
           <a:p>
             <a:fld id="{0D336653-BEC4-4200-85FD-0B10B1D3D944}" type="datetimeFigureOut">
               <a:rPr lang="en-ZW" smtClean="0"/>
-              <a:t>30/7/2023</a:t>
+              <a:t>12/8/2023</a:t>
             </a:fld>
             <a:endParaRPr lang="en-ZW"/>
           </a:p>
@@ -5107,7 +5893,7 @@
         </p:nvSpPr>
         <p:spPr>
           <a:xfrm>
-            <a:off x="838200" y="365125"/>
+            <a:off x="838200" y="365127"/>
             <a:ext cx="10515600" cy="1325563"/>
           </a:xfrm>
           <a:prstGeom prst="rect">
@@ -5214,7 +6000,7 @@
         </p:nvSpPr>
         <p:spPr>
           <a:xfrm>
-            <a:off x="838200" y="6356350"/>
+            <a:off x="838200" y="6356352"/>
             <a:ext cx="2743200" cy="365125"/>
           </a:xfrm>
           <a:prstGeom prst="rect">
@@ -5237,7 +6023,7 @@
           <a:p>
             <a:fld id="{0D336653-BEC4-4200-85FD-0B10B1D3D944}" type="datetimeFigureOut">
               <a:rPr lang="en-ZW" smtClean="0"/>
-              <a:t>30/7/2023</a:t>
+              <a:t>12/8/2023</a:t>
             </a:fld>
             <a:endParaRPr lang="en-ZW"/>
           </a:p>
@@ -5261,7 +6047,7 @@
         </p:nvSpPr>
         <p:spPr>
           <a:xfrm>
-            <a:off x="4038600" y="6356350"/>
+            <a:off x="4038600" y="6356352"/>
             <a:ext cx="4114800" cy="365125"/>
           </a:xfrm>
           <a:prstGeom prst="rect">
@@ -5304,7 +6090,7 @@
         </p:nvSpPr>
         <p:spPr>
           <a:xfrm>
-            <a:off x="8610600" y="6356350"/>
+            <a:off x="8610600" y="6356352"/>
             <a:ext cx="2743200" cy="365125"/>
           </a:xfrm>
           <a:prstGeom prst="rect">
@@ -5728,7 +6514,6 @@
             </a:r>
             <a:br>
               <a:rPr lang="en-ZW" sz="1800" dirty="0">
-                <a:effectLst/>
                 <a:latin typeface="Times New Roman" panose="02020603050405020304" pitchFamily="18" charset="0"/>
                 <a:ea typeface="Calibri" panose="020F0502020204030204" pitchFamily="34" charset="0"/>
                 <a:cs typeface="Times New Roman" panose="02020603050405020304" pitchFamily="18" charset="0"/>
@@ -5856,429 +6641,408 @@
           <a:chExt cx="0" cy="0"/>
         </a:xfrm>
       </p:grpSpPr>
-      <p:grpSp>
-        <p:nvGrpSpPr>
-          <p:cNvPr id="3" name="Group 2">
+      <p:sp>
+        <p:nvSpPr>
+          <p:cNvPr id="28" name="TextBox 27">
             <a:extLst>
               <a:ext uri="{FF2B5EF4-FFF2-40B4-BE49-F238E27FC236}">
-                <a16:creationId xmlns:a16="http://schemas.microsoft.com/office/drawing/2014/main" id="{5BF0931C-219E-9D28-7DA9-27A4A7EBE12D}"/>
+                <a16:creationId xmlns:a16="http://schemas.microsoft.com/office/drawing/2014/main" id="{092B29CD-616E-76C9-9B48-DC939FFC7310}"/>
               </a:ext>
             </a:extLst>
           </p:cNvPr>
-          <p:cNvGrpSpPr/>
+          <p:cNvSpPr txBox="1"/>
           <p:nvPr/>
-        </p:nvGrpSpPr>
-        <p:grpSpPr>
+        </p:nvSpPr>
+        <p:spPr>
           <a:xfrm>
-            <a:off x="197395" y="99019"/>
-            <a:ext cx="11731053" cy="5629503"/>
-            <a:chOff x="197395" y="126451"/>
-            <a:chExt cx="11731053" cy="5629503"/>
+            <a:off x="256658" y="113251"/>
+            <a:ext cx="533453" cy="307777"/>
           </a:xfrm>
-        </p:grpSpPr>
-        <p:sp>
-          <p:nvSpPr>
-            <p:cNvPr id="28" name="TextBox 27">
-              <a:extLst>
-                <a:ext uri="{FF2B5EF4-FFF2-40B4-BE49-F238E27FC236}">
-                  <a16:creationId xmlns:a16="http://schemas.microsoft.com/office/drawing/2014/main" id="{092B29CD-616E-76C9-9B48-DC939FFC7310}"/>
-                </a:ext>
-              </a:extLst>
-            </p:cNvPr>
-            <p:cNvSpPr txBox="1"/>
-            <p:nvPr/>
-          </p:nvSpPr>
-          <p:spPr>
-            <a:xfrm>
-              <a:off x="256658" y="177259"/>
-              <a:ext cx="533453" cy="307777"/>
-            </a:xfrm>
-            <a:prstGeom prst="rect">
-              <a:avLst/>
-            </a:prstGeom>
-            <a:noFill/>
-          </p:spPr>
-          <p:txBody>
-            <a:bodyPr wrap="square" rtlCol="0">
-              <a:spAutoFit/>
-            </a:bodyPr>
-            <a:lstStyle/>
-            <a:p>
-              <a:r>
-                <a:rPr lang="en-ZW" sz="1400" dirty="0">
-                  <a:latin typeface="Gill Sans MT" panose="020B0502020104020203" pitchFamily="34" charset="0"/>
-                </a:rPr>
-                <a:t>a</a:t>
-              </a:r>
-            </a:p>
-          </p:txBody>
-        </p:sp>
-        <p:sp>
-          <p:nvSpPr>
-            <p:cNvPr id="29" name="TextBox 28">
-              <a:extLst>
-                <a:ext uri="{FF2B5EF4-FFF2-40B4-BE49-F238E27FC236}">
-                  <a16:creationId xmlns:a16="http://schemas.microsoft.com/office/drawing/2014/main" id="{E0A862FD-170B-7667-ED5D-A5CE8B062D84}"/>
-                </a:ext>
-              </a:extLst>
-            </p:cNvPr>
-            <p:cNvSpPr txBox="1"/>
-            <p:nvPr/>
-          </p:nvSpPr>
-          <p:spPr>
-            <a:xfrm>
-              <a:off x="3956168" y="126451"/>
-              <a:ext cx="533453" cy="307777"/>
-            </a:xfrm>
-            <a:prstGeom prst="rect">
-              <a:avLst/>
-            </a:prstGeom>
-            <a:noFill/>
-          </p:spPr>
-          <p:txBody>
-            <a:bodyPr wrap="square" rtlCol="0">
-              <a:spAutoFit/>
-            </a:bodyPr>
-            <a:lstStyle/>
-            <a:p>
-              <a:r>
-                <a:rPr lang="en-ZW" sz="1400" dirty="0">
-                  <a:latin typeface="Gill Sans MT" panose="020B0502020104020203" pitchFamily="34" charset="0"/>
-                </a:rPr>
-                <a:t>b</a:t>
-              </a:r>
-            </a:p>
-          </p:txBody>
-        </p:sp>
-        <p:sp>
-          <p:nvSpPr>
-            <p:cNvPr id="30" name="TextBox 29">
-              <a:extLst>
-                <a:ext uri="{FF2B5EF4-FFF2-40B4-BE49-F238E27FC236}">
-                  <a16:creationId xmlns:a16="http://schemas.microsoft.com/office/drawing/2014/main" id="{B3136C8D-51CF-5056-EBBC-54F84449CECE}"/>
-                </a:ext>
-              </a:extLst>
-            </p:cNvPr>
-            <p:cNvSpPr txBox="1"/>
-            <p:nvPr/>
-          </p:nvSpPr>
-          <p:spPr>
-            <a:xfrm>
-              <a:off x="7806541" y="264418"/>
-              <a:ext cx="533453" cy="307777"/>
-            </a:xfrm>
-            <a:prstGeom prst="rect">
-              <a:avLst/>
-            </a:prstGeom>
-            <a:noFill/>
-          </p:spPr>
-          <p:txBody>
-            <a:bodyPr wrap="square" rtlCol="0">
-              <a:spAutoFit/>
-            </a:bodyPr>
-            <a:lstStyle/>
-            <a:p>
-              <a:r>
-                <a:rPr lang="en-ZW" sz="1400" dirty="0">
-                  <a:latin typeface="Gill Sans MT" panose="020B0502020104020203" pitchFamily="34" charset="0"/>
-                </a:rPr>
-                <a:t>c</a:t>
-              </a:r>
-            </a:p>
-          </p:txBody>
-        </p:sp>
-        <p:sp>
-          <p:nvSpPr>
-            <p:cNvPr id="31" name="TextBox 30">
-              <a:extLst>
-                <a:ext uri="{FF2B5EF4-FFF2-40B4-BE49-F238E27FC236}">
-                  <a16:creationId xmlns:a16="http://schemas.microsoft.com/office/drawing/2014/main" id="{AB641386-2C2F-CC50-081A-A7EA40BA9A7F}"/>
-                </a:ext>
-              </a:extLst>
-            </p:cNvPr>
-            <p:cNvSpPr txBox="1"/>
-            <p:nvPr/>
-          </p:nvSpPr>
-          <p:spPr>
-            <a:xfrm>
-              <a:off x="273581" y="2920652"/>
-              <a:ext cx="533453" cy="307777"/>
-            </a:xfrm>
-            <a:prstGeom prst="rect">
-              <a:avLst/>
-            </a:prstGeom>
-            <a:noFill/>
-          </p:spPr>
-          <p:txBody>
-            <a:bodyPr wrap="square" rtlCol="0">
-              <a:spAutoFit/>
-            </a:bodyPr>
-            <a:lstStyle/>
-            <a:p>
-              <a:r>
-                <a:rPr lang="en-ZW" sz="1400" dirty="0">
-                  <a:latin typeface="Gill Sans MT" panose="020B0502020104020203" pitchFamily="34" charset="0"/>
-                </a:rPr>
-                <a:t>d</a:t>
-              </a:r>
-            </a:p>
-          </p:txBody>
-        </p:sp>
-        <p:sp>
-          <p:nvSpPr>
-            <p:cNvPr id="32" name="TextBox 31">
-              <a:extLst>
-                <a:ext uri="{FF2B5EF4-FFF2-40B4-BE49-F238E27FC236}">
-                  <a16:creationId xmlns:a16="http://schemas.microsoft.com/office/drawing/2014/main" id="{B0A0938B-A3CB-0E2C-4694-C3D3125D1EEA}"/>
-                </a:ext>
-              </a:extLst>
-            </p:cNvPr>
-            <p:cNvSpPr txBox="1"/>
-            <p:nvPr/>
-          </p:nvSpPr>
-          <p:spPr>
-            <a:xfrm>
-              <a:off x="3828878" y="2840007"/>
-              <a:ext cx="533453" cy="307777"/>
-            </a:xfrm>
-            <a:prstGeom prst="rect">
-              <a:avLst/>
-            </a:prstGeom>
-            <a:noFill/>
-          </p:spPr>
-          <p:txBody>
-            <a:bodyPr wrap="square" rtlCol="0">
-              <a:spAutoFit/>
-            </a:bodyPr>
-            <a:lstStyle/>
-            <a:p>
-              <a:r>
-                <a:rPr lang="en-ZW" sz="1400" dirty="0">
-                  <a:latin typeface="Gill Sans MT" panose="020B0502020104020203" pitchFamily="34" charset="0"/>
-                </a:rPr>
-                <a:t>e</a:t>
-              </a:r>
-            </a:p>
-          </p:txBody>
-        </p:sp>
-        <p:sp>
-          <p:nvSpPr>
-            <p:cNvPr id="33" name="TextBox 32">
-              <a:extLst>
-                <a:ext uri="{FF2B5EF4-FFF2-40B4-BE49-F238E27FC236}">
-                  <a16:creationId xmlns:a16="http://schemas.microsoft.com/office/drawing/2014/main" id="{109F0835-01B6-9AF7-6FE6-BF351E46E248}"/>
-                </a:ext>
-              </a:extLst>
-            </p:cNvPr>
-            <p:cNvSpPr txBox="1"/>
-            <p:nvPr/>
-          </p:nvSpPr>
-          <p:spPr>
-            <a:xfrm>
-              <a:off x="7637072" y="3001298"/>
-              <a:ext cx="533453" cy="307777"/>
-            </a:xfrm>
-            <a:prstGeom prst="rect">
-              <a:avLst/>
-            </a:prstGeom>
-            <a:noFill/>
-          </p:spPr>
-          <p:txBody>
-            <a:bodyPr wrap="square" rtlCol="0">
-              <a:spAutoFit/>
-            </a:bodyPr>
-            <a:lstStyle/>
-            <a:p>
-              <a:r>
-                <a:rPr lang="en-ZW" sz="1400" dirty="0">
-                  <a:latin typeface="Gill Sans MT" panose="020B0502020104020203" pitchFamily="34" charset="0"/>
-                </a:rPr>
-                <a:t>f</a:t>
-              </a:r>
-            </a:p>
-          </p:txBody>
-        </p:sp>
-        <p:pic>
-          <p:nvPicPr>
-            <p:cNvPr id="5" name="Picture 4">
-              <a:extLst>
-                <a:ext uri="{FF2B5EF4-FFF2-40B4-BE49-F238E27FC236}">
-                  <a16:creationId xmlns:a16="http://schemas.microsoft.com/office/drawing/2014/main" id="{6037F929-731F-43B9-6448-1C850FC2C308}"/>
-                </a:ext>
-              </a:extLst>
-            </p:cNvPr>
-            <p:cNvPicPr>
-              <a:picLocks noChangeAspect="1"/>
-            </p:cNvPicPr>
-            <p:nvPr/>
-          </p:nvPicPr>
-          <p:blipFill>
-            <a:blip r:embed="rId3"/>
-            <a:stretch>
-              <a:fillRect/>
-            </a:stretch>
-          </p:blipFill>
-          <p:spPr>
-            <a:xfrm>
-              <a:off x="197395" y="561902"/>
-              <a:ext cx="3478239" cy="2362530"/>
-            </a:xfrm>
-            <a:prstGeom prst="rect">
-              <a:avLst/>
-            </a:prstGeom>
-          </p:spPr>
-        </p:pic>
-        <p:pic>
-          <p:nvPicPr>
-            <p:cNvPr id="6" name="Picture 5">
-              <a:extLst>
-                <a:ext uri="{FF2B5EF4-FFF2-40B4-BE49-F238E27FC236}">
-                  <a16:creationId xmlns:a16="http://schemas.microsoft.com/office/drawing/2014/main" id="{F1D0CF8A-3C12-516A-1964-51F1FE0F9B87}"/>
-                </a:ext>
-              </a:extLst>
-            </p:cNvPr>
-            <p:cNvPicPr>
-              <a:picLocks noChangeAspect="1"/>
-            </p:cNvPicPr>
-            <p:nvPr/>
-          </p:nvPicPr>
-          <p:blipFill>
-            <a:blip r:embed="rId4"/>
-            <a:stretch>
-              <a:fillRect/>
-            </a:stretch>
-          </p:blipFill>
-          <p:spPr>
-            <a:xfrm>
-              <a:off x="3927680" y="620228"/>
-              <a:ext cx="3810799" cy="2304204"/>
-            </a:xfrm>
-            <a:prstGeom prst="rect">
-              <a:avLst/>
-            </a:prstGeom>
-          </p:spPr>
-        </p:pic>
-        <p:pic>
-          <p:nvPicPr>
-            <p:cNvPr id="7" name="Picture 6">
-              <a:extLst>
-                <a:ext uri="{FF2B5EF4-FFF2-40B4-BE49-F238E27FC236}">
-                  <a16:creationId xmlns:a16="http://schemas.microsoft.com/office/drawing/2014/main" id="{2F15AEF4-8170-995A-52B5-C42B14A1C0CB}"/>
-                </a:ext>
-              </a:extLst>
-            </p:cNvPr>
-            <p:cNvPicPr>
-              <a:picLocks noChangeAspect="1"/>
-            </p:cNvPicPr>
-            <p:nvPr/>
-          </p:nvPicPr>
-          <p:blipFill>
-            <a:blip r:embed="rId5"/>
-            <a:stretch>
-              <a:fillRect/>
-            </a:stretch>
-          </p:blipFill>
-          <p:spPr>
-            <a:xfrm>
-              <a:off x="7990525" y="581795"/>
-              <a:ext cx="3937923" cy="2381070"/>
-            </a:xfrm>
-            <a:prstGeom prst="rect">
-              <a:avLst/>
-            </a:prstGeom>
-          </p:spPr>
-        </p:pic>
-        <p:pic>
-          <p:nvPicPr>
-            <p:cNvPr id="8" name="Picture 7">
-              <a:extLst>
-                <a:ext uri="{FF2B5EF4-FFF2-40B4-BE49-F238E27FC236}">
-                  <a16:creationId xmlns:a16="http://schemas.microsoft.com/office/drawing/2014/main" id="{3515F14A-73DD-6F81-711F-BB1845B454D7}"/>
-                </a:ext>
-              </a:extLst>
-            </p:cNvPr>
-            <p:cNvPicPr>
-              <a:picLocks noChangeAspect="1"/>
-            </p:cNvPicPr>
-            <p:nvPr/>
-          </p:nvPicPr>
-          <p:blipFill>
-            <a:blip r:embed="rId6"/>
-            <a:stretch>
-              <a:fillRect/>
-            </a:stretch>
-          </p:blipFill>
-          <p:spPr>
-            <a:xfrm>
-              <a:off x="241475" y="3309075"/>
-              <a:ext cx="3776515" cy="2283474"/>
-            </a:xfrm>
-            <a:prstGeom prst="rect">
-              <a:avLst/>
-            </a:prstGeom>
-          </p:spPr>
-        </p:pic>
-        <p:pic>
-          <p:nvPicPr>
-            <p:cNvPr id="9" name="Picture 8">
-              <a:extLst>
-                <a:ext uri="{FF2B5EF4-FFF2-40B4-BE49-F238E27FC236}">
-                  <a16:creationId xmlns:a16="http://schemas.microsoft.com/office/drawing/2014/main" id="{35E4A1C1-BEDF-3C43-AECA-6AF279861091}"/>
-                </a:ext>
-              </a:extLst>
-            </p:cNvPr>
-            <p:cNvPicPr>
-              <a:picLocks noChangeAspect="1"/>
-            </p:cNvPicPr>
-            <p:nvPr/>
-          </p:nvPicPr>
-          <p:blipFill>
-            <a:blip r:embed="rId7"/>
-            <a:stretch>
-              <a:fillRect/>
-            </a:stretch>
-          </p:blipFill>
-          <p:spPr>
-            <a:xfrm>
-              <a:off x="4031599" y="3428999"/>
-              <a:ext cx="3605473" cy="2326955"/>
-            </a:xfrm>
-            <a:prstGeom prst="rect">
-              <a:avLst/>
-            </a:prstGeom>
-          </p:spPr>
-        </p:pic>
-        <p:pic>
-          <p:nvPicPr>
-            <p:cNvPr id="10" name="Picture 9">
-              <a:extLst>
-                <a:ext uri="{FF2B5EF4-FFF2-40B4-BE49-F238E27FC236}">
-                  <a16:creationId xmlns:a16="http://schemas.microsoft.com/office/drawing/2014/main" id="{55C29D4D-87BA-D5ED-80F5-79B9908A7150}"/>
-                </a:ext>
-              </a:extLst>
-            </p:cNvPr>
-            <p:cNvPicPr>
-              <a:picLocks noChangeAspect="1"/>
-            </p:cNvPicPr>
-            <p:nvPr/>
-          </p:nvPicPr>
-          <p:blipFill>
-            <a:blip r:embed="rId8"/>
-            <a:stretch>
-              <a:fillRect/>
-            </a:stretch>
-          </p:blipFill>
-          <p:spPr>
-            <a:xfrm>
-              <a:off x="7990525" y="3428999"/>
-              <a:ext cx="3804745" cy="2300543"/>
-            </a:xfrm>
-            <a:prstGeom prst="rect">
-              <a:avLst/>
-            </a:prstGeom>
-          </p:spPr>
-        </p:pic>
-      </p:grpSp>
+          <a:prstGeom prst="rect">
+            <a:avLst/>
+          </a:prstGeom>
+          <a:noFill/>
+        </p:spPr>
+        <p:txBody>
+          <a:bodyPr wrap="square" rtlCol="0">
+            <a:spAutoFit/>
+          </a:bodyPr>
+          <a:lstStyle/>
+          <a:p>
+            <a:r>
+              <a:rPr lang="en-ZW" sz="1400" dirty="0">
+                <a:latin typeface="Gill Sans MT" panose="020B0502020104020203" pitchFamily="34" charset="0"/>
+              </a:rPr>
+              <a:t>a</a:t>
+            </a:r>
+          </a:p>
+        </p:txBody>
+      </p:sp>
+      <p:sp>
+        <p:nvSpPr>
+          <p:cNvPr id="29" name="TextBox 28">
+            <a:extLst>
+              <a:ext uri="{FF2B5EF4-FFF2-40B4-BE49-F238E27FC236}">
+                <a16:creationId xmlns:a16="http://schemas.microsoft.com/office/drawing/2014/main" id="{E0A862FD-170B-7667-ED5D-A5CE8B062D84}"/>
+              </a:ext>
+            </a:extLst>
+          </p:cNvPr>
+          <p:cNvSpPr txBox="1"/>
+          <p:nvPr/>
+        </p:nvSpPr>
+        <p:spPr>
+          <a:xfrm>
+            <a:off x="3956168" y="62443"/>
+            <a:ext cx="533453" cy="307777"/>
+          </a:xfrm>
+          <a:prstGeom prst="rect">
+            <a:avLst/>
+          </a:prstGeom>
+          <a:noFill/>
+        </p:spPr>
+        <p:txBody>
+          <a:bodyPr wrap="square" rtlCol="0">
+            <a:spAutoFit/>
+          </a:bodyPr>
+          <a:lstStyle/>
+          <a:p>
+            <a:r>
+              <a:rPr lang="en-ZW" sz="1400" dirty="0">
+                <a:latin typeface="Gill Sans MT" panose="020B0502020104020203" pitchFamily="34" charset="0"/>
+              </a:rPr>
+              <a:t>b</a:t>
+            </a:r>
+          </a:p>
+        </p:txBody>
+      </p:sp>
+      <p:sp>
+        <p:nvSpPr>
+          <p:cNvPr id="30" name="TextBox 29">
+            <a:extLst>
+              <a:ext uri="{FF2B5EF4-FFF2-40B4-BE49-F238E27FC236}">
+                <a16:creationId xmlns:a16="http://schemas.microsoft.com/office/drawing/2014/main" id="{B3136C8D-51CF-5056-EBBC-54F84449CECE}"/>
+              </a:ext>
+            </a:extLst>
+          </p:cNvPr>
+          <p:cNvSpPr txBox="1"/>
+          <p:nvPr/>
+        </p:nvSpPr>
+        <p:spPr>
+          <a:xfrm>
+            <a:off x="7806541" y="200410"/>
+            <a:ext cx="533453" cy="307777"/>
+          </a:xfrm>
+          <a:prstGeom prst="rect">
+            <a:avLst/>
+          </a:prstGeom>
+          <a:noFill/>
+        </p:spPr>
+        <p:txBody>
+          <a:bodyPr wrap="square" rtlCol="0">
+            <a:spAutoFit/>
+          </a:bodyPr>
+          <a:lstStyle/>
+          <a:p>
+            <a:r>
+              <a:rPr lang="en-ZW" sz="1400" dirty="0">
+                <a:latin typeface="Gill Sans MT" panose="020B0502020104020203" pitchFamily="34" charset="0"/>
+              </a:rPr>
+              <a:t>c</a:t>
+            </a:r>
+          </a:p>
+        </p:txBody>
+      </p:sp>
+      <p:sp>
+        <p:nvSpPr>
+          <p:cNvPr id="31" name="TextBox 30">
+            <a:extLst>
+              <a:ext uri="{FF2B5EF4-FFF2-40B4-BE49-F238E27FC236}">
+                <a16:creationId xmlns:a16="http://schemas.microsoft.com/office/drawing/2014/main" id="{AB641386-2C2F-CC50-081A-A7EA40BA9A7F}"/>
+              </a:ext>
+            </a:extLst>
+          </p:cNvPr>
+          <p:cNvSpPr txBox="1"/>
+          <p:nvPr/>
+        </p:nvSpPr>
+        <p:spPr>
+          <a:xfrm>
+            <a:off x="273581" y="2856644"/>
+            <a:ext cx="533453" cy="307777"/>
+          </a:xfrm>
+          <a:prstGeom prst="rect">
+            <a:avLst/>
+          </a:prstGeom>
+          <a:noFill/>
+        </p:spPr>
+        <p:txBody>
+          <a:bodyPr wrap="square" rtlCol="0">
+            <a:spAutoFit/>
+          </a:bodyPr>
+          <a:lstStyle/>
+          <a:p>
+            <a:r>
+              <a:rPr lang="en-ZW" sz="1400" dirty="0">
+                <a:latin typeface="Gill Sans MT" panose="020B0502020104020203" pitchFamily="34" charset="0"/>
+              </a:rPr>
+              <a:t>d</a:t>
+            </a:r>
+          </a:p>
+        </p:txBody>
+      </p:sp>
+      <p:sp>
+        <p:nvSpPr>
+          <p:cNvPr id="32" name="TextBox 31">
+            <a:extLst>
+              <a:ext uri="{FF2B5EF4-FFF2-40B4-BE49-F238E27FC236}">
+                <a16:creationId xmlns:a16="http://schemas.microsoft.com/office/drawing/2014/main" id="{B0A0938B-A3CB-0E2C-4694-C3D3125D1EEA}"/>
+              </a:ext>
+            </a:extLst>
+          </p:cNvPr>
+          <p:cNvSpPr txBox="1"/>
+          <p:nvPr/>
+        </p:nvSpPr>
+        <p:spPr>
+          <a:xfrm>
+            <a:off x="3828878" y="2775999"/>
+            <a:ext cx="533453" cy="307777"/>
+          </a:xfrm>
+          <a:prstGeom prst="rect">
+            <a:avLst/>
+          </a:prstGeom>
+          <a:noFill/>
+        </p:spPr>
+        <p:txBody>
+          <a:bodyPr wrap="square" rtlCol="0">
+            <a:spAutoFit/>
+          </a:bodyPr>
+          <a:lstStyle/>
+          <a:p>
+            <a:r>
+              <a:rPr lang="en-ZW" sz="1400" dirty="0">
+                <a:latin typeface="Gill Sans MT" panose="020B0502020104020203" pitchFamily="34" charset="0"/>
+              </a:rPr>
+              <a:t>e</a:t>
+            </a:r>
+          </a:p>
+        </p:txBody>
+      </p:sp>
+      <p:sp>
+        <p:nvSpPr>
+          <p:cNvPr id="33" name="TextBox 32">
+            <a:extLst>
+              <a:ext uri="{FF2B5EF4-FFF2-40B4-BE49-F238E27FC236}">
+                <a16:creationId xmlns:a16="http://schemas.microsoft.com/office/drawing/2014/main" id="{109F0835-01B6-9AF7-6FE6-BF351E46E248}"/>
+              </a:ext>
+            </a:extLst>
+          </p:cNvPr>
+          <p:cNvSpPr txBox="1"/>
+          <p:nvPr/>
+        </p:nvSpPr>
+        <p:spPr>
+          <a:xfrm>
+            <a:off x="7637072" y="2937290"/>
+            <a:ext cx="533453" cy="307777"/>
+          </a:xfrm>
+          <a:prstGeom prst="rect">
+            <a:avLst/>
+          </a:prstGeom>
+          <a:noFill/>
+        </p:spPr>
+        <p:txBody>
+          <a:bodyPr wrap="square" rtlCol="0">
+            <a:spAutoFit/>
+          </a:bodyPr>
+          <a:lstStyle/>
+          <a:p>
+            <a:r>
+              <a:rPr lang="en-ZW" sz="1400" dirty="0">
+                <a:latin typeface="Gill Sans MT" panose="020B0502020104020203" pitchFamily="34" charset="0"/>
+              </a:rPr>
+              <a:t>f</a:t>
+            </a:r>
+          </a:p>
+        </p:txBody>
+      </p:sp>
+      <p:pic>
+        <p:nvPicPr>
+          <p:cNvPr id="5" name="Picture 4">
+            <a:extLst>
+              <a:ext uri="{FF2B5EF4-FFF2-40B4-BE49-F238E27FC236}">
+                <a16:creationId xmlns:a16="http://schemas.microsoft.com/office/drawing/2014/main" id="{6037F929-731F-43B9-6448-1C850FC2C308}"/>
+              </a:ext>
+            </a:extLst>
+          </p:cNvPr>
+          <p:cNvPicPr>
+            <a:picLocks noChangeAspect="1"/>
+          </p:cNvPicPr>
+          <p:nvPr/>
+        </p:nvPicPr>
+        <p:blipFill>
+          <a:blip r:embed="rId3"/>
+          <a:stretch>
+            <a:fillRect/>
+          </a:stretch>
+        </p:blipFill>
+        <p:spPr>
+          <a:xfrm>
+            <a:off x="197395" y="497894"/>
+            <a:ext cx="3478239" cy="2362530"/>
+          </a:xfrm>
+          <a:prstGeom prst="rect">
+            <a:avLst/>
+          </a:prstGeom>
+        </p:spPr>
+      </p:pic>
+      <p:pic>
+        <p:nvPicPr>
+          <p:cNvPr id="6" name="Picture 5">
+            <a:extLst>
+              <a:ext uri="{FF2B5EF4-FFF2-40B4-BE49-F238E27FC236}">
+                <a16:creationId xmlns:a16="http://schemas.microsoft.com/office/drawing/2014/main" id="{F1D0CF8A-3C12-516A-1964-51F1FE0F9B87}"/>
+              </a:ext>
+            </a:extLst>
+          </p:cNvPr>
+          <p:cNvPicPr>
+            <a:picLocks noChangeAspect="1"/>
+          </p:cNvPicPr>
+          <p:nvPr/>
+        </p:nvPicPr>
+        <p:blipFill>
+          <a:blip r:embed="rId4"/>
+          <a:stretch>
+            <a:fillRect/>
+          </a:stretch>
+        </p:blipFill>
+        <p:spPr>
+          <a:xfrm>
+            <a:off x="3927680" y="556220"/>
+            <a:ext cx="3810799" cy="2304204"/>
+          </a:xfrm>
+          <a:prstGeom prst="rect">
+            <a:avLst/>
+          </a:prstGeom>
+        </p:spPr>
+      </p:pic>
+      <p:pic>
+        <p:nvPicPr>
+          <p:cNvPr id="7" name="Picture 6">
+            <a:extLst>
+              <a:ext uri="{FF2B5EF4-FFF2-40B4-BE49-F238E27FC236}">
+                <a16:creationId xmlns:a16="http://schemas.microsoft.com/office/drawing/2014/main" id="{2F15AEF4-8170-995A-52B5-C42B14A1C0CB}"/>
+              </a:ext>
+            </a:extLst>
+          </p:cNvPr>
+          <p:cNvPicPr>
+            <a:picLocks noChangeAspect="1"/>
+          </p:cNvPicPr>
+          <p:nvPr/>
+        </p:nvPicPr>
+        <p:blipFill>
+          <a:blip r:embed="rId5"/>
+          <a:stretch>
+            <a:fillRect/>
+          </a:stretch>
+        </p:blipFill>
+        <p:spPr>
+          <a:xfrm>
+            <a:off x="7990525" y="517787"/>
+            <a:ext cx="3937923" cy="2381070"/>
+          </a:xfrm>
+          <a:prstGeom prst="rect">
+            <a:avLst/>
+          </a:prstGeom>
+        </p:spPr>
+      </p:pic>
+      <p:pic>
+        <p:nvPicPr>
+          <p:cNvPr id="8" name="Picture 7">
+            <a:extLst>
+              <a:ext uri="{FF2B5EF4-FFF2-40B4-BE49-F238E27FC236}">
+                <a16:creationId xmlns:a16="http://schemas.microsoft.com/office/drawing/2014/main" id="{3515F14A-73DD-6F81-711F-BB1845B454D7}"/>
+              </a:ext>
+            </a:extLst>
+          </p:cNvPr>
+          <p:cNvPicPr>
+            <a:picLocks noChangeAspect="1"/>
+          </p:cNvPicPr>
+          <p:nvPr/>
+        </p:nvPicPr>
+        <p:blipFill>
+          <a:blip r:embed="rId6"/>
+          <a:stretch>
+            <a:fillRect/>
+          </a:stretch>
+        </p:blipFill>
+        <p:spPr>
+          <a:xfrm>
+            <a:off x="241475" y="3245067"/>
+            <a:ext cx="3776515" cy="2283474"/>
+          </a:xfrm>
+          <a:prstGeom prst="rect">
+            <a:avLst/>
+          </a:prstGeom>
+        </p:spPr>
+      </p:pic>
+      <p:pic>
+        <p:nvPicPr>
+          <p:cNvPr id="9" name="Picture 8">
+            <a:extLst>
+              <a:ext uri="{FF2B5EF4-FFF2-40B4-BE49-F238E27FC236}">
+                <a16:creationId xmlns:a16="http://schemas.microsoft.com/office/drawing/2014/main" id="{35E4A1C1-BEDF-3C43-AECA-6AF279861091}"/>
+              </a:ext>
+            </a:extLst>
+          </p:cNvPr>
+          <p:cNvPicPr>
+            <a:picLocks noChangeAspect="1"/>
+          </p:cNvPicPr>
+          <p:nvPr/>
+        </p:nvPicPr>
+        <p:blipFill>
+          <a:blip r:embed="rId7"/>
+          <a:stretch>
+            <a:fillRect/>
+          </a:stretch>
+        </p:blipFill>
+        <p:spPr>
+          <a:xfrm>
+            <a:off x="4031599" y="3364991"/>
+            <a:ext cx="3605473" cy="2326955"/>
+          </a:xfrm>
+          <a:prstGeom prst="rect">
+            <a:avLst/>
+          </a:prstGeom>
+        </p:spPr>
+      </p:pic>
+      <p:pic>
+        <p:nvPicPr>
+          <p:cNvPr id="10" name="Picture 9">
+            <a:extLst>
+              <a:ext uri="{FF2B5EF4-FFF2-40B4-BE49-F238E27FC236}">
+                <a16:creationId xmlns:a16="http://schemas.microsoft.com/office/drawing/2014/main" id="{55C29D4D-87BA-D5ED-80F5-79B9908A7150}"/>
+              </a:ext>
+            </a:extLst>
+          </p:cNvPr>
+          <p:cNvPicPr>
+            <a:picLocks noChangeAspect="1"/>
+          </p:cNvPicPr>
+          <p:nvPr/>
+        </p:nvPicPr>
+        <p:blipFill>
+          <a:blip r:embed="rId8"/>
+          <a:stretch>
+            <a:fillRect/>
+          </a:stretch>
+        </p:blipFill>
+        <p:spPr>
+          <a:xfrm>
+            <a:off x="7990525" y="3364991"/>
+            <a:ext cx="3804745" cy="2300543"/>
+          </a:xfrm>
+          <a:prstGeom prst="rect">
+            <a:avLst/>
+          </a:prstGeom>
+        </p:spPr>
+      </p:pic>
       <p:sp>
         <p:nvSpPr>
           <p:cNvPr id="2" name="TextBox 1">
@@ -6293,7 +7057,7 @@
         </p:nvSpPr>
         <p:spPr>
           <a:xfrm>
-            <a:off x="4591909" y="37464"/>
+            <a:off x="4591911" y="46608"/>
             <a:ext cx="2298357" cy="369332"/>
           </a:xfrm>
           <a:prstGeom prst="rect">
@@ -6344,429 +7108,408 @@
           <a:chExt cx="0" cy="0"/>
         </a:xfrm>
       </p:grpSpPr>
-      <p:grpSp>
-        <p:nvGrpSpPr>
-          <p:cNvPr id="3" name="Group 2">
+      <p:sp>
+        <p:nvSpPr>
+          <p:cNvPr id="28" name="TextBox 27">
             <a:extLst>
               <a:ext uri="{FF2B5EF4-FFF2-40B4-BE49-F238E27FC236}">
-                <a16:creationId xmlns:a16="http://schemas.microsoft.com/office/drawing/2014/main" id="{FD5F93E9-1F7D-A55F-EF8D-95C8AFA5C6AC}"/>
+                <a16:creationId xmlns:a16="http://schemas.microsoft.com/office/drawing/2014/main" id="{092B29CD-616E-76C9-9B48-DC939FFC7310}"/>
               </a:ext>
             </a:extLst>
           </p:cNvPr>
-          <p:cNvGrpSpPr/>
+          <p:cNvSpPr txBox="1"/>
           <p:nvPr/>
-        </p:nvGrpSpPr>
-        <p:grpSpPr>
+        </p:nvSpPr>
+        <p:spPr>
           <a:xfrm>
-            <a:off x="228086" y="194521"/>
-            <a:ext cx="11761341" cy="5802389"/>
-            <a:chOff x="228086" y="194521"/>
-            <a:chExt cx="11761341" cy="5802389"/>
+            <a:off x="339068" y="194523"/>
+            <a:ext cx="533453" cy="307777"/>
           </a:xfrm>
-        </p:grpSpPr>
-        <p:sp>
-          <p:nvSpPr>
-            <p:cNvPr id="28" name="TextBox 27">
-              <a:extLst>
-                <a:ext uri="{FF2B5EF4-FFF2-40B4-BE49-F238E27FC236}">
-                  <a16:creationId xmlns:a16="http://schemas.microsoft.com/office/drawing/2014/main" id="{092B29CD-616E-76C9-9B48-DC939FFC7310}"/>
-                </a:ext>
-              </a:extLst>
-            </p:cNvPr>
-            <p:cNvSpPr txBox="1"/>
-            <p:nvPr/>
-          </p:nvSpPr>
-          <p:spPr>
-            <a:xfrm>
-              <a:off x="339067" y="194521"/>
-              <a:ext cx="533453" cy="307777"/>
-            </a:xfrm>
-            <a:prstGeom prst="rect">
-              <a:avLst/>
-            </a:prstGeom>
-            <a:noFill/>
-          </p:spPr>
-          <p:txBody>
-            <a:bodyPr wrap="square" rtlCol="0">
-              <a:spAutoFit/>
-            </a:bodyPr>
-            <a:lstStyle/>
-            <a:p>
-              <a:r>
-                <a:rPr lang="en-ZW" sz="1400" dirty="0">
-                  <a:latin typeface="Gill Sans MT" panose="020B0502020104020203" pitchFamily="34" charset="0"/>
-                </a:rPr>
-                <a:t>a</a:t>
-              </a:r>
-            </a:p>
-          </p:txBody>
-        </p:sp>
-        <p:sp>
-          <p:nvSpPr>
-            <p:cNvPr id="29" name="TextBox 28">
-              <a:extLst>
-                <a:ext uri="{FF2B5EF4-FFF2-40B4-BE49-F238E27FC236}">
-                  <a16:creationId xmlns:a16="http://schemas.microsoft.com/office/drawing/2014/main" id="{E0A862FD-170B-7667-ED5D-A5CE8B062D84}"/>
-                </a:ext>
-              </a:extLst>
-            </p:cNvPr>
-            <p:cNvSpPr txBox="1"/>
-            <p:nvPr/>
-          </p:nvSpPr>
-          <p:spPr>
-            <a:xfrm>
-              <a:off x="3911286" y="194521"/>
-              <a:ext cx="533453" cy="307777"/>
-            </a:xfrm>
-            <a:prstGeom prst="rect">
-              <a:avLst/>
-            </a:prstGeom>
-            <a:noFill/>
-          </p:spPr>
-          <p:txBody>
-            <a:bodyPr wrap="square" rtlCol="0">
-              <a:spAutoFit/>
-            </a:bodyPr>
-            <a:lstStyle/>
-            <a:p>
-              <a:r>
-                <a:rPr lang="en-ZW" sz="1400" dirty="0">
-                  <a:latin typeface="Gill Sans MT" panose="020B0502020104020203" pitchFamily="34" charset="0"/>
-                </a:rPr>
-                <a:t>b</a:t>
-              </a:r>
-            </a:p>
-          </p:txBody>
-        </p:sp>
-        <p:sp>
-          <p:nvSpPr>
-            <p:cNvPr id="30" name="TextBox 29">
-              <a:extLst>
-                <a:ext uri="{FF2B5EF4-FFF2-40B4-BE49-F238E27FC236}">
-                  <a16:creationId xmlns:a16="http://schemas.microsoft.com/office/drawing/2014/main" id="{B3136C8D-51CF-5056-EBBC-54F84449CECE}"/>
-                </a:ext>
-              </a:extLst>
-            </p:cNvPr>
-            <p:cNvSpPr txBox="1"/>
-            <p:nvPr/>
-          </p:nvSpPr>
-          <p:spPr>
-            <a:xfrm>
-              <a:off x="7888949" y="285906"/>
-              <a:ext cx="533453" cy="307777"/>
-            </a:xfrm>
-            <a:prstGeom prst="rect">
-              <a:avLst/>
-            </a:prstGeom>
-            <a:noFill/>
-          </p:spPr>
-          <p:txBody>
-            <a:bodyPr wrap="square" rtlCol="0">
-              <a:spAutoFit/>
-            </a:bodyPr>
-            <a:lstStyle/>
-            <a:p>
-              <a:r>
-                <a:rPr lang="en-ZW" sz="1400" dirty="0">
-                  <a:latin typeface="Gill Sans MT" panose="020B0502020104020203" pitchFamily="34" charset="0"/>
-                </a:rPr>
-                <a:t>c</a:t>
-              </a:r>
-            </a:p>
-          </p:txBody>
-        </p:sp>
-        <p:sp>
-          <p:nvSpPr>
-            <p:cNvPr id="31" name="TextBox 30">
-              <a:extLst>
-                <a:ext uri="{FF2B5EF4-FFF2-40B4-BE49-F238E27FC236}">
-                  <a16:creationId xmlns:a16="http://schemas.microsoft.com/office/drawing/2014/main" id="{AB641386-2C2F-CC50-081A-A7EA40BA9A7F}"/>
-                </a:ext>
-              </a:extLst>
-            </p:cNvPr>
-            <p:cNvSpPr txBox="1"/>
-            <p:nvPr/>
-          </p:nvSpPr>
-          <p:spPr>
-            <a:xfrm>
-              <a:off x="339066" y="3243892"/>
-              <a:ext cx="533453" cy="307777"/>
-            </a:xfrm>
-            <a:prstGeom prst="rect">
-              <a:avLst/>
-            </a:prstGeom>
-            <a:noFill/>
-          </p:spPr>
-          <p:txBody>
-            <a:bodyPr wrap="square" rtlCol="0">
-              <a:spAutoFit/>
-            </a:bodyPr>
-            <a:lstStyle/>
-            <a:p>
-              <a:r>
-                <a:rPr lang="en-ZW" sz="1400" dirty="0">
-                  <a:latin typeface="Gill Sans MT" panose="020B0502020104020203" pitchFamily="34" charset="0"/>
-                </a:rPr>
-                <a:t>d</a:t>
-              </a:r>
-            </a:p>
-          </p:txBody>
-        </p:sp>
-        <p:sp>
-          <p:nvSpPr>
-            <p:cNvPr id="32" name="TextBox 31">
-              <a:extLst>
-                <a:ext uri="{FF2B5EF4-FFF2-40B4-BE49-F238E27FC236}">
-                  <a16:creationId xmlns:a16="http://schemas.microsoft.com/office/drawing/2014/main" id="{B0A0938B-A3CB-0E2C-4694-C3D3125D1EEA}"/>
-                </a:ext>
-              </a:extLst>
-            </p:cNvPr>
-            <p:cNvSpPr txBox="1"/>
-            <p:nvPr/>
-          </p:nvSpPr>
-          <p:spPr>
-            <a:xfrm>
-              <a:off x="3911286" y="3163247"/>
-              <a:ext cx="533453" cy="307777"/>
-            </a:xfrm>
-            <a:prstGeom prst="rect">
-              <a:avLst/>
-            </a:prstGeom>
-            <a:noFill/>
-          </p:spPr>
-          <p:txBody>
-            <a:bodyPr wrap="square" rtlCol="0">
-              <a:spAutoFit/>
-            </a:bodyPr>
-            <a:lstStyle/>
-            <a:p>
-              <a:r>
-                <a:rPr lang="en-ZW" sz="1400" dirty="0">
-                  <a:latin typeface="Gill Sans MT" panose="020B0502020104020203" pitchFamily="34" charset="0"/>
-                </a:rPr>
-                <a:t>e</a:t>
-              </a:r>
-            </a:p>
-          </p:txBody>
-        </p:sp>
-        <p:sp>
-          <p:nvSpPr>
-            <p:cNvPr id="33" name="TextBox 32">
-              <a:extLst>
-                <a:ext uri="{FF2B5EF4-FFF2-40B4-BE49-F238E27FC236}">
-                  <a16:creationId xmlns:a16="http://schemas.microsoft.com/office/drawing/2014/main" id="{109F0835-01B6-9AF7-6FE6-BF351E46E248}"/>
-                </a:ext>
-              </a:extLst>
-            </p:cNvPr>
-            <p:cNvSpPr txBox="1"/>
-            <p:nvPr/>
-          </p:nvSpPr>
-          <p:spPr>
-            <a:xfrm>
-              <a:off x="7719480" y="3324538"/>
-              <a:ext cx="533453" cy="307777"/>
-            </a:xfrm>
-            <a:prstGeom prst="rect">
-              <a:avLst/>
-            </a:prstGeom>
-            <a:noFill/>
-          </p:spPr>
-          <p:txBody>
-            <a:bodyPr wrap="square" rtlCol="0">
-              <a:spAutoFit/>
-            </a:bodyPr>
-            <a:lstStyle/>
-            <a:p>
-              <a:r>
-                <a:rPr lang="en-ZW" sz="1400" dirty="0">
-                  <a:latin typeface="Gill Sans MT" panose="020B0502020104020203" pitchFamily="34" charset="0"/>
-                </a:rPr>
-                <a:t>f</a:t>
-              </a:r>
-            </a:p>
-          </p:txBody>
-        </p:sp>
-        <p:pic>
-          <p:nvPicPr>
-            <p:cNvPr id="6" name="Picture 5">
-              <a:extLst>
-                <a:ext uri="{FF2B5EF4-FFF2-40B4-BE49-F238E27FC236}">
-                  <a16:creationId xmlns:a16="http://schemas.microsoft.com/office/drawing/2014/main" id="{2BAB40DA-B099-FFAB-B04A-942A1F7D6092}"/>
-                </a:ext>
-              </a:extLst>
-            </p:cNvPr>
-            <p:cNvPicPr>
-              <a:picLocks noChangeAspect="1"/>
-            </p:cNvPicPr>
-            <p:nvPr/>
-          </p:nvPicPr>
-          <p:blipFill>
-            <a:blip r:embed="rId2"/>
-            <a:stretch>
-              <a:fillRect/>
-            </a:stretch>
-          </p:blipFill>
-          <p:spPr>
-            <a:xfrm>
-              <a:off x="228086" y="728741"/>
-              <a:ext cx="3600010" cy="2176750"/>
-            </a:xfrm>
-            <a:prstGeom prst="rect">
-              <a:avLst/>
-            </a:prstGeom>
-          </p:spPr>
-        </p:pic>
-        <p:pic>
-          <p:nvPicPr>
-            <p:cNvPr id="7" name="Picture 6">
-              <a:extLst>
-                <a:ext uri="{FF2B5EF4-FFF2-40B4-BE49-F238E27FC236}">
-                  <a16:creationId xmlns:a16="http://schemas.microsoft.com/office/drawing/2014/main" id="{4F5BCE74-F3BC-FB34-A669-70C4B494FC0A}"/>
-                </a:ext>
-              </a:extLst>
-            </p:cNvPr>
-            <p:cNvPicPr>
-              <a:picLocks noChangeAspect="1"/>
-            </p:cNvPicPr>
-            <p:nvPr/>
-          </p:nvPicPr>
-          <p:blipFill>
-            <a:blip r:embed="rId3"/>
-            <a:stretch>
-              <a:fillRect/>
-            </a:stretch>
-          </p:blipFill>
-          <p:spPr>
-            <a:xfrm>
-              <a:off x="3955839" y="728741"/>
-              <a:ext cx="3446758" cy="2311808"/>
-            </a:xfrm>
-            <a:prstGeom prst="rect">
-              <a:avLst/>
-            </a:prstGeom>
-          </p:spPr>
-        </p:pic>
-        <p:pic>
-          <p:nvPicPr>
-            <p:cNvPr id="8" name="Picture 7">
-              <a:extLst>
-                <a:ext uri="{FF2B5EF4-FFF2-40B4-BE49-F238E27FC236}">
-                  <a16:creationId xmlns:a16="http://schemas.microsoft.com/office/drawing/2014/main" id="{98B1C4D5-0B96-8DB4-B43E-7432629512B8}"/>
-                </a:ext>
-              </a:extLst>
-            </p:cNvPr>
-            <p:cNvPicPr>
-              <a:picLocks noChangeAspect="1"/>
-            </p:cNvPicPr>
-            <p:nvPr/>
-          </p:nvPicPr>
-          <p:blipFill>
-            <a:blip r:embed="rId4"/>
-            <a:stretch>
-              <a:fillRect/>
-            </a:stretch>
-          </p:blipFill>
-          <p:spPr>
-            <a:xfrm>
-              <a:off x="7701156" y="544460"/>
-              <a:ext cx="4262757" cy="2577481"/>
-            </a:xfrm>
-            <a:prstGeom prst="rect">
-              <a:avLst/>
-            </a:prstGeom>
-          </p:spPr>
-        </p:pic>
-        <p:pic>
-          <p:nvPicPr>
-            <p:cNvPr id="10" name="Picture 9">
-              <a:extLst>
-                <a:ext uri="{FF2B5EF4-FFF2-40B4-BE49-F238E27FC236}">
-                  <a16:creationId xmlns:a16="http://schemas.microsoft.com/office/drawing/2014/main" id="{AE1DF9EF-9410-31FF-FAD9-A2313CB49E20}"/>
-                </a:ext>
-              </a:extLst>
-            </p:cNvPr>
-            <p:cNvPicPr>
-              <a:picLocks noChangeAspect="1"/>
-            </p:cNvPicPr>
-            <p:nvPr/>
-          </p:nvPicPr>
-          <p:blipFill>
-            <a:blip r:embed="rId5"/>
-            <a:stretch>
-              <a:fillRect/>
-            </a:stretch>
-          </p:blipFill>
-          <p:spPr>
-            <a:xfrm>
-              <a:off x="228086" y="3698259"/>
-              <a:ext cx="3600010" cy="2176750"/>
-            </a:xfrm>
-            <a:prstGeom prst="rect">
-              <a:avLst/>
-            </a:prstGeom>
-          </p:spPr>
-        </p:pic>
-        <p:pic>
-          <p:nvPicPr>
-            <p:cNvPr id="12" name="Picture 11">
-              <a:extLst>
-                <a:ext uri="{FF2B5EF4-FFF2-40B4-BE49-F238E27FC236}">
-                  <a16:creationId xmlns:a16="http://schemas.microsoft.com/office/drawing/2014/main" id="{F0225FE0-499C-ACC2-44E3-6ACFCC9A4C29}"/>
-                </a:ext>
-              </a:extLst>
-            </p:cNvPr>
-            <p:cNvPicPr>
-              <a:picLocks noChangeAspect="1"/>
-            </p:cNvPicPr>
-            <p:nvPr/>
-          </p:nvPicPr>
-          <p:blipFill>
-            <a:blip r:embed="rId6"/>
-            <a:stretch>
-              <a:fillRect/>
-            </a:stretch>
-          </p:blipFill>
-          <p:spPr>
-            <a:xfrm>
-              <a:off x="3995463" y="3630729"/>
-              <a:ext cx="3823376" cy="2311809"/>
-            </a:xfrm>
-            <a:prstGeom prst="rect">
-              <a:avLst/>
-            </a:prstGeom>
-          </p:spPr>
-        </p:pic>
-        <p:pic>
-          <p:nvPicPr>
-            <p:cNvPr id="13" name="Picture 12">
-              <a:extLst>
-                <a:ext uri="{FF2B5EF4-FFF2-40B4-BE49-F238E27FC236}">
-                  <a16:creationId xmlns:a16="http://schemas.microsoft.com/office/drawing/2014/main" id="{9745DC00-6E9A-FCE2-56D5-414C63A3A96D}"/>
-                </a:ext>
-              </a:extLst>
-            </p:cNvPr>
-            <p:cNvPicPr>
-              <a:picLocks noChangeAspect="1"/>
-            </p:cNvPicPr>
-            <p:nvPr/>
-          </p:nvPicPr>
-          <p:blipFill>
-            <a:blip r:embed="rId7"/>
-            <a:stretch>
-              <a:fillRect/>
-            </a:stretch>
-          </p:blipFill>
-          <p:spPr>
-            <a:xfrm>
-              <a:off x="7986206" y="3576358"/>
-              <a:ext cx="4003221" cy="2420552"/>
-            </a:xfrm>
-            <a:prstGeom prst="rect">
-              <a:avLst/>
-            </a:prstGeom>
-          </p:spPr>
-        </p:pic>
-      </p:grpSp>
+          <a:prstGeom prst="rect">
+            <a:avLst/>
+          </a:prstGeom>
+          <a:noFill/>
+        </p:spPr>
+        <p:txBody>
+          <a:bodyPr wrap="square" rtlCol="0">
+            <a:spAutoFit/>
+          </a:bodyPr>
+          <a:lstStyle/>
+          <a:p>
+            <a:r>
+              <a:rPr lang="en-ZW" sz="1400" dirty="0">
+                <a:latin typeface="Gill Sans MT" panose="020B0502020104020203" pitchFamily="34" charset="0"/>
+              </a:rPr>
+              <a:t>a</a:t>
+            </a:r>
+          </a:p>
+        </p:txBody>
+      </p:sp>
+      <p:sp>
+        <p:nvSpPr>
+          <p:cNvPr id="29" name="TextBox 28">
+            <a:extLst>
+              <a:ext uri="{FF2B5EF4-FFF2-40B4-BE49-F238E27FC236}">
+                <a16:creationId xmlns:a16="http://schemas.microsoft.com/office/drawing/2014/main" id="{E0A862FD-170B-7667-ED5D-A5CE8B062D84}"/>
+              </a:ext>
+            </a:extLst>
+          </p:cNvPr>
+          <p:cNvSpPr txBox="1"/>
+          <p:nvPr/>
+        </p:nvSpPr>
+        <p:spPr>
+          <a:xfrm>
+            <a:off x="3911287" y="194523"/>
+            <a:ext cx="533453" cy="307777"/>
+          </a:xfrm>
+          <a:prstGeom prst="rect">
+            <a:avLst/>
+          </a:prstGeom>
+          <a:noFill/>
+        </p:spPr>
+        <p:txBody>
+          <a:bodyPr wrap="square" rtlCol="0">
+            <a:spAutoFit/>
+          </a:bodyPr>
+          <a:lstStyle/>
+          <a:p>
+            <a:r>
+              <a:rPr lang="en-ZW" sz="1400" dirty="0">
+                <a:latin typeface="Gill Sans MT" panose="020B0502020104020203" pitchFamily="34" charset="0"/>
+              </a:rPr>
+              <a:t>b</a:t>
+            </a:r>
+          </a:p>
+        </p:txBody>
+      </p:sp>
+      <p:sp>
+        <p:nvSpPr>
+          <p:cNvPr id="30" name="TextBox 29">
+            <a:extLst>
+              <a:ext uri="{FF2B5EF4-FFF2-40B4-BE49-F238E27FC236}">
+                <a16:creationId xmlns:a16="http://schemas.microsoft.com/office/drawing/2014/main" id="{B3136C8D-51CF-5056-EBBC-54F84449CECE}"/>
+              </a:ext>
+            </a:extLst>
+          </p:cNvPr>
+          <p:cNvSpPr txBox="1"/>
+          <p:nvPr/>
+        </p:nvSpPr>
+        <p:spPr>
+          <a:xfrm>
+            <a:off x="7888950" y="285908"/>
+            <a:ext cx="533453" cy="307777"/>
+          </a:xfrm>
+          <a:prstGeom prst="rect">
+            <a:avLst/>
+          </a:prstGeom>
+          <a:noFill/>
+        </p:spPr>
+        <p:txBody>
+          <a:bodyPr wrap="square" rtlCol="0">
+            <a:spAutoFit/>
+          </a:bodyPr>
+          <a:lstStyle/>
+          <a:p>
+            <a:r>
+              <a:rPr lang="en-ZW" sz="1400" dirty="0">
+                <a:latin typeface="Gill Sans MT" panose="020B0502020104020203" pitchFamily="34" charset="0"/>
+              </a:rPr>
+              <a:t>c</a:t>
+            </a:r>
+          </a:p>
+        </p:txBody>
+      </p:sp>
+      <p:sp>
+        <p:nvSpPr>
+          <p:cNvPr id="31" name="TextBox 30">
+            <a:extLst>
+              <a:ext uri="{FF2B5EF4-FFF2-40B4-BE49-F238E27FC236}">
+                <a16:creationId xmlns:a16="http://schemas.microsoft.com/office/drawing/2014/main" id="{AB641386-2C2F-CC50-081A-A7EA40BA9A7F}"/>
+              </a:ext>
+            </a:extLst>
+          </p:cNvPr>
+          <p:cNvSpPr txBox="1"/>
+          <p:nvPr/>
+        </p:nvSpPr>
+        <p:spPr>
+          <a:xfrm>
+            <a:off x="339067" y="3243894"/>
+            <a:ext cx="533453" cy="307777"/>
+          </a:xfrm>
+          <a:prstGeom prst="rect">
+            <a:avLst/>
+          </a:prstGeom>
+          <a:noFill/>
+        </p:spPr>
+        <p:txBody>
+          <a:bodyPr wrap="square" rtlCol="0">
+            <a:spAutoFit/>
+          </a:bodyPr>
+          <a:lstStyle/>
+          <a:p>
+            <a:r>
+              <a:rPr lang="en-ZW" sz="1400" dirty="0">
+                <a:latin typeface="Gill Sans MT" panose="020B0502020104020203" pitchFamily="34" charset="0"/>
+              </a:rPr>
+              <a:t>d</a:t>
+            </a:r>
+          </a:p>
+        </p:txBody>
+      </p:sp>
+      <p:sp>
+        <p:nvSpPr>
+          <p:cNvPr id="32" name="TextBox 31">
+            <a:extLst>
+              <a:ext uri="{FF2B5EF4-FFF2-40B4-BE49-F238E27FC236}">
+                <a16:creationId xmlns:a16="http://schemas.microsoft.com/office/drawing/2014/main" id="{B0A0938B-A3CB-0E2C-4694-C3D3125D1EEA}"/>
+              </a:ext>
+            </a:extLst>
+          </p:cNvPr>
+          <p:cNvSpPr txBox="1"/>
+          <p:nvPr/>
+        </p:nvSpPr>
+        <p:spPr>
+          <a:xfrm>
+            <a:off x="3911287" y="3163249"/>
+            <a:ext cx="533453" cy="307777"/>
+          </a:xfrm>
+          <a:prstGeom prst="rect">
+            <a:avLst/>
+          </a:prstGeom>
+          <a:noFill/>
+        </p:spPr>
+        <p:txBody>
+          <a:bodyPr wrap="square" rtlCol="0">
+            <a:spAutoFit/>
+          </a:bodyPr>
+          <a:lstStyle/>
+          <a:p>
+            <a:r>
+              <a:rPr lang="en-ZW" sz="1400" dirty="0">
+                <a:latin typeface="Gill Sans MT" panose="020B0502020104020203" pitchFamily="34" charset="0"/>
+              </a:rPr>
+              <a:t>e</a:t>
+            </a:r>
+          </a:p>
+        </p:txBody>
+      </p:sp>
+      <p:sp>
+        <p:nvSpPr>
+          <p:cNvPr id="33" name="TextBox 32">
+            <a:extLst>
+              <a:ext uri="{FF2B5EF4-FFF2-40B4-BE49-F238E27FC236}">
+                <a16:creationId xmlns:a16="http://schemas.microsoft.com/office/drawing/2014/main" id="{109F0835-01B6-9AF7-6FE6-BF351E46E248}"/>
+              </a:ext>
+            </a:extLst>
+          </p:cNvPr>
+          <p:cNvSpPr txBox="1"/>
+          <p:nvPr/>
+        </p:nvSpPr>
+        <p:spPr>
+          <a:xfrm>
+            <a:off x="7719481" y="3324540"/>
+            <a:ext cx="533453" cy="307777"/>
+          </a:xfrm>
+          <a:prstGeom prst="rect">
+            <a:avLst/>
+          </a:prstGeom>
+          <a:noFill/>
+        </p:spPr>
+        <p:txBody>
+          <a:bodyPr wrap="square" rtlCol="0">
+            <a:spAutoFit/>
+          </a:bodyPr>
+          <a:lstStyle/>
+          <a:p>
+            <a:r>
+              <a:rPr lang="en-ZW" sz="1400" dirty="0">
+                <a:latin typeface="Gill Sans MT" panose="020B0502020104020203" pitchFamily="34" charset="0"/>
+              </a:rPr>
+              <a:t>f</a:t>
+            </a:r>
+          </a:p>
+        </p:txBody>
+      </p:sp>
+      <p:pic>
+        <p:nvPicPr>
+          <p:cNvPr id="6" name="Picture 5">
+            <a:extLst>
+              <a:ext uri="{FF2B5EF4-FFF2-40B4-BE49-F238E27FC236}">
+                <a16:creationId xmlns:a16="http://schemas.microsoft.com/office/drawing/2014/main" id="{2BAB40DA-B099-FFAB-B04A-942A1F7D6092}"/>
+              </a:ext>
+            </a:extLst>
+          </p:cNvPr>
+          <p:cNvPicPr>
+            <a:picLocks noChangeAspect="1"/>
+          </p:cNvPicPr>
+          <p:nvPr/>
+        </p:nvPicPr>
+        <p:blipFill>
+          <a:blip r:embed="rId2"/>
+          <a:stretch>
+            <a:fillRect/>
+          </a:stretch>
+        </p:blipFill>
+        <p:spPr>
+          <a:xfrm>
+            <a:off x="228087" y="728743"/>
+            <a:ext cx="3600010" cy="2176750"/>
+          </a:xfrm>
+          <a:prstGeom prst="rect">
+            <a:avLst/>
+          </a:prstGeom>
+        </p:spPr>
+      </p:pic>
+      <p:pic>
+        <p:nvPicPr>
+          <p:cNvPr id="7" name="Picture 6">
+            <a:extLst>
+              <a:ext uri="{FF2B5EF4-FFF2-40B4-BE49-F238E27FC236}">
+                <a16:creationId xmlns:a16="http://schemas.microsoft.com/office/drawing/2014/main" id="{4F5BCE74-F3BC-FB34-A669-70C4B494FC0A}"/>
+              </a:ext>
+            </a:extLst>
+          </p:cNvPr>
+          <p:cNvPicPr>
+            <a:picLocks noChangeAspect="1"/>
+          </p:cNvPicPr>
+          <p:nvPr/>
+        </p:nvPicPr>
+        <p:blipFill>
+          <a:blip r:embed="rId3"/>
+          <a:stretch>
+            <a:fillRect/>
+          </a:stretch>
+        </p:blipFill>
+        <p:spPr>
+          <a:xfrm>
+            <a:off x="3955840" y="728743"/>
+            <a:ext cx="3446758" cy="2311808"/>
+          </a:xfrm>
+          <a:prstGeom prst="rect">
+            <a:avLst/>
+          </a:prstGeom>
+        </p:spPr>
+      </p:pic>
+      <p:pic>
+        <p:nvPicPr>
+          <p:cNvPr id="8" name="Picture 7">
+            <a:extLst>
+              <a:ext uri="{FF2B5EF4-FFF2-40B4-BE49-F238E27FC236}">
+                <a16:creationId xmlns:a16="http://schemas.microsoft.com/office/drawing/2014/main" id="{98B1C4D5-0B96-8DB4-B43E-7432629512B8}"/>
+              </a:ext>
+            </a:extLst>
+          </p:cNvPr>
+          <p:cNvPicPr>
+            <a:picLocks noChangeAspect="1"/>
+          </p:cNvPicPr>
+          <p:nvPr/>
+        </p:nvPicPr>
+        <p:blipFill>
+          <a:blip r:embed="rId4"/>
+          <a:stretch>
+            <a:fillRect/>
+          </a:stretch>
+        </p:blipFill>
+        <p:spPr>
+          <a:xfrm>
+            <a:off x="7701157" y="544462"/>
+            <a:ext cx="4262757" cy="2577481"/>
+          </a:xfrm>
+          <a:prstGeom prst="rect">
+            <a:avLst/>
+          </a:prstGeom>
+        </p:spPr>
+      </p:pic>
+      <p:pic>
+        <p:nvPicPr>
+          <p:cNvPr id="10" name="Picture 9">
+            <a:extLst>
+              <a:ext uri="{FF2B5EF4-FFF2-40B4-BE49-F238E27FC236}">
+                <a16:creationId xmlns:a16="http://schemas.microsoft.com/office/drawing/2014/main" id="{AE1DF9EF-9410-31FF-FAD9-A2313CB49E20}"/>
+              </a:ext>
+            </a:extLst>
+          </p:cNvPr>
+          <p:cNvPicPr>
+            <a:picLocks noChangeAspect="1"/>
+          </p:cNvPicPr>
+          <p:nvPr/>
+        </p:nvPicPr>
+        <p:blipFill>
+          <a:blip r:embed="rId5"/>
+          <a:stretch>
+            <a:fillRect/>
+          </a:stretch>
+        </p:blipFill>
+        <p:spPr>
+          <a:xfrm>
+            <a:off x="228087" y="3698261"/>
+            <a:ext cx="3600010" cy="2176750"/>
+          </a:xfrm>
+          <a:prstGeom prst="rect">
+            <a:avLst/>
+          </a:prstGeom>
+        </p:spPr>
+      </p:pic>
+      <p:pic>
+        <p:nvPicPr>
+          <p:cNvPr id="12" name="Picture 11">
+            <a:extLst>
+              <a:ext uri="{FF2B5EF4-FFF2-40B4-BE49-F238E27FC236}">
+                <a16:creationId xmlns:a16="http://schemas.microsoft.com/office/drawing/2014/main" id="{F0225FE0-499C-ACC2-44E3-6ACFCC9A4C29}"/>
+              </a:ext>
+            </a:extLst>
+          </p:cNvPr>
+          <p:cNvPicPr>
+            <a:picLocks noChangeAspect="1"/>
+          </p:cNvPicPr>
+          <p:nvPr/>
+        </p:nvPicPr>
+        <p:blipFill>
+          <a:blip r:embed="rId6"/>
+          <a:stretch>
+            <a:fillRect/>
+          </a:stretch>
+        </p:blipFill>
+        <p:spPr>
+          <a:xfrm>
+            <a:off x="3995464" y="3630731"/>
+            <a:ext cx="3823376" cy="2311809"/>
+          </a:xfrm>
+          <a:prstGeom prst="rect">
+            <a:avLst/>
+          </a:prstGeom>
+        </p:spPr>
+      </p:pic>
+      <p:pic>
+        <p:nvPicPr>
+          <p:cNvPr id="13" name="Picture 12">
+            <a:extLst>
+              <a:ext uri="{FF2B5EF4-FFF2-40B4-BE49-F238E27FC236}">
+                <a16:creationId xmlns:a16="http://schemas.microsoft.com/office/drawing/2014/main" id="{9745DC00-6E9A-FCE2-56D5-414C63A3A96D}"/>
+              </a:ext>
+            </a:extLst>
+          </p:cNvPr>
+          <p:cNvPicPr>
+            <a:picLocks noChangeAspect="1"/>
+          </p:cNvPicPr>
+          <p:nvPr/>
+        </p:nvPicPr>
+        <p:blipFill>
+          <a:blip r:embed="rId7"/>
+          <a:stretch>
+            <a:fillRect/>
+          </a:stretch>
+        </p:blipFill>
+        <p:spPr>
+          <a:xfrm>
+            <a:off x="7986207" y="3576360"/>
+            <a:ext cx="4003221" cy="2420552"/>
+          </a:xfrm>
+          <a:prstGeom prst="rect">
+            <a:avLst/>
+          </a:prstGeom>
+        </p:spPr>
+      </p:pic>
       <p:sp>
         <p:nvSpPr>
           <p:cNvPr id="2" name="TextBox 1">
@@ -6781,7 +7524,7 @@
         </p:nvSpPr>
         <p:spPr>
           <a:xfrm>
-            <a:off x="4347438" y="57866"/>
+            <a:off x="4347440" y="57866"/>
             <a:ext cx="2906735" cy="369332"/>
           </a:xfrm>
           <a:prstGeom prst="rect">
@@ -6933,8 +7676,8 @@
         </p:nvSpPr>
         <p:spPr bwMode="auto">
           <a:xfrm>
-            <a:off x="0" y="0"/>
-            <a:ext cx="12192000" cy="457200"/>
+            <a:off x="0" y="43934"/>
+            <a:ext cx="184731" cy="369332"/>
           </a:xfrm>
           <a:prstGeom prst="rect">
             <a:avLst/>
@@ -7002,8 +7745,8 @@
         </p:nvSpPr>
         <p:spPr bwMode="auto">
           <a:xfrm>
-            <a:off x="0" y="8382000"/>
-            <a:ext cx="12192000" cy="457200"/>
+            <a:off x="0" y="8425934"/>
+            <a:ext cx="184731" cy="369332"/>
           </a:xfrm>
           <a:prstGeom prst="rect">
             <a:avLst/>
@@ -7069,7 +7812,7 @@
         </p:nvGrpSpPr>
         <p:grpSpPr>
           <a:xfrm>
-            <a:off x="420129" y="313038"/>
+            <a:off x="420130" y="313040"/>
             <a:ext cx="11584517" cy="6096151"/>
             <a:chOff x="420129" y="313038"/>
             <a:chExt cx="11584517" cy="6096151"/>
@@ -7635,7 +8378,7 @@
         </p:blipFill>
         <p:spPr>
           <a:xfrm>
-            <a:off x="6095999" y="1692396"/>
+            <a:off x="6096001" y="1692398"/>
             <a:ext cx="5647637" cy="4197657"/>
           </a:xfrm>
           <a:prstGeom prst="rect">
@@ -7673,453 +8416,432 @@
           <a:chExt cx="0" cy="0"/>
         </a:xfrm>
       </p:grpSpPr>
-      <p:grpSp>
-        <p:nvGrpSpPr>
-          <p:cNvPr id="22" name="Group 21">
+      <p:pic>
+        <p:nvPicPr>
+          <p:cNvPr id="2" name="Picture 1">
             <a:extLst>
               <a:ext uri="{FF2B5EF4-FFF2-40B4-BE49-F238E27FC236}">
-                <a16:creationId xmlns:a16="http://schemas.microsoft.com/office/drawing/2014/main" id="{1F5EE152-27C7-5DBC-F3FF-5EDE0A442428}"/>
+                <a16:creationId xmlns:a16="http://schemas.microsoft.com/office/drawing/2014/main" id="{DCA046DA-3511-6FA9-EEEE-D549D08B1470}"/>
               </a:ext>
             </a:extLst>
           </p:cNvPr>
-          <p:cNvGrpSpPr/>
+          <p:cNvPicPr>
+            <a:picLocks noChangeAspect="1"/>
+          </p:cNvPicPr>
           <p:nvPr/>
-        </p:nvGrpSpPr>
-        <p:grpSpPr>
+        </p:nvPicPr>
+        <p:blipFill>
+          <a:blip r:embed="rId3"/>
+          <a:stretch>
+            <a:fillRect/>
+          </a:stretch>
+        </p:blipFill>
+        <p:spPr>
           <a:xfrm>
-            <a:off x="194302" y="192239"/>
-            <a:ext cx="11803396" cy="6009443"/>
-            <a:chOff x="194302" y="173951"/>
-            <a:chExt cx="11803396" cy="6009443"/>
+            <a:off x="194302" y="452923"/>
+            <a:ext cx="3753443" cy="2511642"/>
           </a:xfrm>
-        </p:grpSpPr>
-        <p:pic>
-          <p:nvPicPr>
-            <p:cNvPr id="2" name="Picture 1">
-              <a:extLst>
-                <a:ext uri="{FF2B5EF4-FFF2-40B4-BE49-F238E27FC236}">
-                  <a16:creationId xmlns:a16="http://schemas.microsoft.com/office/drawing/2014/main" id="{DCA046DA-3511-6FA9-EEEE-D549D08B1470}"/>
-                </a:ext>
-              </a:extLst>
-            </p:cNvPr>
-            <p:cNvPicPr>
-              <a:picLocks noChangeAspect="1"/>
-            </p:cNvPicPr>
-            <p:nvPr/>
-          </p:nvPicPr>
-          <p:blipFill>
-            <a:blip r:embed="rId3"/>
-            <a:stretch>
-              <a:fillRect/>
-            </a:stretch>
-          </p:blipFill>
-          <p:spPr>
-            <a:xfrm>
-              <a:off x="194302" y="434633"/>
-              <a:ext cx="3753443" cy="2511642"/>
-            </a:xfrm>
-            <a:prstGeom prst="rect">
-              <a:avLst/>
-            </a:prstGeom>
-          </p:spPr>
-        </p:pic>
-        <p:pic>
-          <p:nvPicPr>
-            <p:cNvPr id="4" name="Picture 3" descr="A map of different colors&#10;&#10;Description automatically generated">
-              <a:extLst>
-                <a:ext uri="{FF2B5EF4-FFF2-40B4-BE49-F238E27FC236}">
-                  <a16:creationId xmlns:a16="http://schemas.microsoft.com/office/drawing/2014/main" id="{756CB2C1-F78A-57EE-CB6B-505D30792C43}"/>
-                </a:ext>
-              </a:extLst>
-            </p:cNvPr>
-            <p:cNvPicPr>
-              <a:picLocks noChangeAspect="1"/>
-            </p:cNvPicPr>
-            <p:nvPr/>
-          </p:nvPicPr>
-          <p:blipFill>
-            <a:blip r:embed="rId4">
-              <a:extLst>
-                <a:ext uri="{28A0092B-C50C-407E-A947-70E740481C1C}">
-                  <a14:useLocalDpi xmlns:a14="http://schemas.microsoft.com/office/drawing/2010/main" val="0"/>
-                </a:ext>
-              </a:extLst>
-            </a:blip>
-            <a:stretch>
-              <a:fillRect/>
-            </a:stretch>
-          </p:blipFill>
-          <p:spPr>
-            <a:xfrm>
-              <a:off x="3947744" y="526966"/>
-              <a:ext cx="3753443" cy="2511642"/>
-            </a:xfrm>
-            <a:prstGeom prst="rect">
-              <a:avLst/>
-            </a:prstGeom>
-          </p:spPr>
-        </p:pic>
-        <p:pic>
-          <p:nvPicPr>
-            <p:cNvPr id="6" name="Picture 5">
-              <a:extLst>
-                <a:ext uri="{FF2B5EF4-FFF2-40B4-BE49-F238E27FC236}">
-                  <a16:creationId xmlns:a16="http://schemas.microsoft.com/office/drawing/2014/main" id="{18D37C3F-D6B5-40DE-818B-4179E3D9A88E}"/>
-                </a:ext>
-              </a:extLst>
-            </p:cNvPr>
-            <p:cNvPicPr>
-              <a:picLocks noChangeAspect="1"/>
-            </p:cNvPicPr>
-            <p:nvPr/>
-          </p:nvPicPr>
-          <p:blipFill>
-            <a:blip r:embed="rId5">
-              <a:extLst>
-                <a:ext uri="{28A0092B-C50C-407E-A947-70E740481C1C}">
-                  <a14:useLocalDpi xmlns:a14="http://schemas.microsoft.com/office/drawing/2010/main" val="0"/>
-                </a:ext>
-              </a:extLst>
-            </a:blip>
-            <a:stretch>
-              <a:fillRect/>
-            </a:stretch>
-          </p:blipFill>
-          <p:spPr>
-            <a:xfrm>
-              <a:off x="7823839" y="434633"/>
-              <a:ext cx="4173859" cy="2663674"/>
-            </a:xfrm>
-            <a:prstGeom prst="rect">
-              <a:avLst/>
-            </a:prstGeom>
-          </p:spPr>
-        </p:pic>
-        <p:pic>
-          <p:nvPicPr>
-            <p:cNvPr id="8" name="Picture 7" descr="A map of different colors&#10;&#10;Description automatically generated">
-              <a:extLst>
-                <a:ext uri="{FF2B5EF4-FFF2-40B4-BE49-F238E27FC236}">
-                  <a16:creationId xmlns:a16="http://schemas.microsoft.com/office/drawing/2014/main" id="{1D122038-C160-616D-36D7-47FB47C9CD50}"/>
-                </a:ext>
-              </a:extLst>
-            </p:cNvPr>
-            <p:cNvPicPr>
-              <a:picLocks noChangeAspect="1"/>
-            </p:cNvPicPr>
-            <p:nvPr/>
-          </p:nvPicPr>
-          <p:blipFill>
-            <a:blip r:embed="rId6">
-              <a:extLst>
-                <a:ext uri="{28A0092B-C50C-407E-A947-70E740481C1C}">
-                  <a14:useLocalDpi xmlns:a14="http://schemas.microsoft.com/office/drawing/2010/main" val="0"/>
-                </a:ext>
-              </a:extLst>
-            </a:blip>
-            <a:stretch>
-              <a:fillRect/>
-            </a:stretch>
-          </p:blipFill>
-          <p:spPr>
-            <a:xfrm>
-              <a:off x="194302" y="3522011"/>
-              <a:ext cx="3753443" cy="2542111"/>
-            </a:xfrm>
-            <a:prstGeom prst="rect">
-              <a:avLst/>
-            </a:prstGeom>
-          </p:spPr>
-        </p:pic>
-        <p:pic>
-          <p:nvPicPr>
-            <p:cNvPr id="10" name="Picture 9" descr="A map of different colors&#10;&#10;Description automatically generated">
-              <a:extLst>
-                <a:ext uri="{FF2B5EF4-FFF2-40B4-BE49-F238E27FC236}">
-                  <a16:creationId xmlns:a16="http://schemas.microsoft.com/office/drawing/2014/main" id="{3C1314D8-3328-F2DF-F9AC-C7D5A9A0931E}"/>
-                </a:ext>
-              </a:extLst>
-            </p:cNvPr>
-            <p:cNvPicPr>
-              <a:picLocks noChangeAspect="1"/>
-            </p:cNvPicPr>
-            <p:nvPr/>
-          </p:nvPicPr>
-          <p:blipFill>
-            <a:blip r:embed="rId7">
-              <a:extLst>
-                <a:ext uri="{28A0092B-C50C-407E-A947-70E740481C1C}">
-                  <a14:useLocalDpi xmlns:a14="http://schemas.microsoft.com/office/drawing/2010/main" val="0"/>
-                </a:ext>
-              </a:extLst>
-            </a:blip>
-            <a:stretch>
-              <a:fillRect/>
-            </a:stretch>
-          </p:blipFill>
-          <p:spPr>
-            <a:xfrm>
-              <a:off x="4000114" y="3602928"/>
-              <a:ext cx="3786580" cy="2580466"/>
-            </a:xfrm>
-            <a:prstGeom prst="rect">
-              <a:avLst/>
-            </a:prstGeom>
-          </p:spPr>
-        </p:pic>
-        <p:pic>
-          <p:nvPicPr>
-            <p:cNvPr id="12" name="Picture 11">
-              <a:extLst>
-                <a:ext uri="{FF2B5EF4-FFF2-40B4-BE49-F238E27FC236}">
-                  <a16:creationId xmlns:a16="http://schemas.microsoft.com/office/drawing/2014/main" id="{AD5CD7EB-8235-8E94-604D-CD44315F3004}"/>
-                </a:ext>
-              </a:extLst>
-            </p:cNvPr>
-            <p:cNvPicPr>
-              <a:picLocks noChangeAspect="1"/>
-            </p:cNvPicPr>
-            <p:nvPr/>
-          </p:nvPicPr>
-          <p:blipFill>
-            <a:blip r:embed="rId8">
-              <a:extLst>
-                <a:ext uri="{28A0092B-C50C-407E-A947-70E740481C1C}">
-                  <a14:useLocalDpi xmlns:a14="http://schemas.microsoft.com/office/drawing/2010/main" val="0"/>
-                </a:ext>
-              </a:extLst>
-            </a:blip>
-            <a:stretch>
-              <a:fillRect/>
-            </a:stretch>
-          </p:blipFill>
-          <p:spPr>
-            <a:xfrm>
-              <a:off x="7898169" y="3421915"/>
-              <a:ext cx="4033420" cy="2742301"/>
-            </a:xfrm>
-            <a:prstGeom prst="rect">
-              <a:avLst/>
-            </a:prstGeom>
-          </p:spPr>
-        </p:pic>
-        <p:sp>
-          <p:nvSpPr>
-            <p:cNvPr id="13" name="TextBox 12">
-              <a:extLst>
-                <a:ext uri="{FF2B5EF4-FFF2-40B4-BE49-F238E27FC236}">
-                  <a16:creationId xmlns:a16="http://schemas.microsoft.com/office/drawing/2014/main" id="{7C71A0E8-4C64-F8B9-CC32-AFFF05D36CDA}"/>
-                </a:ext>
-              </a:extLst>
-            </p:cNvPr>
-            <p:cNvSpPr txBox="1"/>
-            <p:nvPr/>
-          </p:nvSpPr>
-          <p:spPr>
-            <a:xfrm>
-              <a:off x="194302" y="173951"/>
-              <a:ext cx="222948" cy="369332"/>
-            </a:xfrm>
-            <a:prstGeom prst="rect">
-              <a:avLst/>
-            </a:prstGeom>
-            <a:noFill/>
-          </p:spPr>
-          <p:txBody>
-            <a:bodyPr wrap="square" rtlCol="0">
-              <a:spAutoFit/>
-            </a:bodyPr>
-            <a:lstStyle/>
-            <a:p>
-              <a:r>
-                <a:rPr lang="en-US" dirty="0"/>
-                <a:t>a</a:t>
-              </a:r>
-              <a:endParaRPr lang="en-ZW" dirty="0"/>
-            </a:p>
-          </p:txBody>
-        </p:sp>
-        <p:sp>
-          <p:nvSpPr>
-            <p:cNvPr id="14" name="TextBox 13">
-              <a:extLst>
-                <a:ext uri="{FF2B5EF4-FFF2-40B4-BE49-F238E27FC236}">
-                  <a16:creationId xmlns:a16="http://schemas.microsoft.com/office/drawing/2014/main" id="{B9EF3BD4-675F-4B44-B492-8C6A67370D4F}"/>
-                </a:ext>
-              </a:extLst>
-            </p:cNvPr>
-            <p:cNvSpPr txBox="1"/>
-            <p:nvPr/>
-          </p:nvSpPr>
-          <p:spPr>
-            <a:xfrm>
-              <a:off x="3750763" y="249967"/>
-              <a:ext cx="222948" cy="369332"/>
-            </a:xfrm>
-            <a:prstGeom prst="rect">
-              <a:avLst/>
-            </a:prstGeom>
-            <a:noFill/>
-          </p:spPr>
-          <p:txBody>
-            <a:bodyPr wrap="square" rtlCol="0">
-              <a:spAutoFit/>
-            </a:bodyPr>
-            <a:lstStyle/>
-            <a:p>
-              <a:r>
-                <a:rPr lang="en-US" dirty="0"/>
-                <a:t>b</a:t>
-              </a:r>
-              <a:endParaRPr lang="en-ZW" dirty="0"/>
-            </a:p>
-          </p:txBody>
-        </p:sp>
-        <p:sp>
-          <p:nvSpPr>
-            <p:cNvPr id="15" name="TextBox 14">
-              <a:extLst>
-                <a:ext uri="{FF2B5EF4-FFF2-40B4-BE49-F238E27FC236}">
-                  <a16:creationId xmlns:a16="http://schemas.microsoft.com/office/drawing/2014/main" id="{5D614319-2B1C-AA5B-4A4A-A772CE5BE7D8}"/>
-                </a:ext>
-              </a:extLst>
-            </p:cNvPr>
-            <p:cNvSpPr txBox="1"/>
-            <p:nvPr/>
-          </p:nvSpPr>
-          <p:spPr>
-            <a:xfrm>
-              <a:off x="7675220" y="249967"/>
-              <a:ext cx="222948" cy="369332"/>
-            </a:xfrm>
-            <a:prstGeom prst="rect">
-              <a:avLst/>
-            </a:prstGeom>
-            <a:noFill/>
-          </p:spPr>
-          <p:txBody>
-            <a:bodyPr wrap="square" rtlCol="0">
-              <a:spAutoFit/>
-            </a:bodyPr>
-            <a:lstStyle/>
-            <a:p>
-              <a:r>
-                <a:rPr lang="en-US" dirty="0"/>
-                <a:t>c</a:t>
-              </a:r>
-              <a:endParaRPr lang="en-ZW" dirty="0"/>
-            </a:p>
-          </p:txBody>
-        </p:sp>
-        <p:sp>
-          <p:nvSpPr>
-            <p:cNvPr id="16" name="TextBox 15">
-              <a:extLst>
-                <a:ext uri="{FF2B5EF4-FFF2-40B4-BE49-F238E27FC236}">
-                  <a16:creationId xmlns:a16="http://schemas.microsoft.com/office/drawing/2014/main" id="{A887BB9D-72E6-C18F-1950-5E44F13AA226}"/>
-                </a:ext>
-              </a:extLst>
-            </p:cNvPr>
-            <p:cNvSpPr txBox="1"/>
-            <p:nvPr/>
-          </p:nvSpPr>
-          <p:spPr>
-            <a:xfrm>
-              <a:off x="194302" y="3071761"/>
-              <a:ext cx="222948" cy="369332"/>
-            </a:xfrm>
-            <a:prstGeom prst="rect">
-              <a:avLst/>
-            </a:prstGeom>
-            <a:noFill/>
-          </p:spPr>
-          <p:txBody>
-            <a:bodyPr wrap="square" rtlCol="0">
-              <a:spAutoFit/>
-            </a:bodyPr>
-            <a:lstStyle/>
-            <a:p>
-              <a:r>
-                <a:rPr lang="en-US" dirty="0"/>
-                <a:t>d</a:t>
-              </a:r>
-              <a:endParaRPr lang="en-ZW" dirty="0"/>
-            </a:p>
-          </p:txBody>
-        </p:sp>
-        <p:sp>
-          <p:nvSpPr>
-            <p:cNvPr id="18" name="TextBox 17">
-              <a:extLst>
-                <a:ext uri="{FF2B5EF4-FFF2-40B4-BE49-F238E27FC236}">
-                  <a16:creationId xmlns:a16="http://schemas.microsoft.com/office/drawing/2014/main" id="{93A7AA0F-475D-EA0C-5BC6-4E753389D944}"/>
-                </a:ext>
-              </a:extLst>
-            </p:cNvPr>
-            <p:cNvSpPr txBox="1"/>
-            <p:nvPr/>
-          </p:nvSpPr>
-          <p:spPr>
-            <a:xfrm>
-              <a:off x="3724796" y="3066531"/>
-              <a:ext cx="222948" cy="369332"/>
-            </a:xfrm>
-            <a:prstGeom prst="rect">
-              <a:avLst/>
-            </a:prstGeom>
-            <a:noFill/>
-          </p:spPr>
-          <p:txBody>
-            <a:bodyPr wrap="square" rtlCol="0">
-              <a:spAutoFit/>
-            </a:bodyPr>
-            <a:lstStyle/>
-            <a:p>
-              <a:r>
-                <a:rPr lang="en-US" dirty="0"/>
-                <a:t>e</a:t>
-              </a:r>
-              <a:endParaRPr lang="en-ZW" dirty="0"/>
-            </a:p>
-          </p:txBody>
-        </p:sp>
-        <p:sp>
-          <p:nvSpPr>
-            <p:cNvPr id="20" name="TextBox 19">
-              <a:extLst>
-                <a:ext uri="{FF2B5EF4-FFF2-40B4-BE49-F238E27FC236}">
-                  <a16:creationId xmlns:a16="http://schemas.microsoft.com/office/drawing/2014/main" id="{D74C1104-F026-EF49-D907-94366D33DAC3}"/>
-                </a:ext>
-              </a:extLst>
-            </p:cNvPr>
-            <p:cNvSpPr txBox="1"/>
-            <p:nvPr/>
-          </p:nvSpPr>
-          <p:spPr>
-            <a:xfrm>
-              <a:off x="7563746" y="3102506"/>
-              <a:ext cx="222948" cy="369332"/>
-            </a:xfrm>
-            <a:prstGeom prst="rect">
-              <a:avLst/>
-            </a:prstGeom>
-            <a:noFill/>
-          </p:spPr>
-          <p:txBody>
-            <a:bodyPr wrap="square" rtlCol="0">
-              <a:spAutoFit/>
-            </a:bodyPr>
-            <a:lstStyle/>
-            <a:p>
-              <a:r>
-                <a:rPr lang="en-US" dirty="0"/>
-                <a:t>f</a:t>
-              </a:r>
-              <a:endParaRPr lang="en-ZW" dirty="0"/>
-            </a:p>
-          </p:txBody>
-        </p:sp>
-      </p:grpSp>
+          <a:prstGeom prst="rect">
+            <a:avLst/>
+          </a:prstGeom>
+        </p:spPr>
+      </p:pic>
+      <p:pic>
+        <p:nvPicPr>
+          <p:cNvPr id="4" name="Picture 3" descr="A map of different colors&#10;&#10;Description automatically generated">
+            <a:extLst>
+              <a:ext uri="{FF2B5EF4-FFF2-40B4-BE49-F238E27FC236}">
+                <a16:creationId xmlns:a16="http://schemas.microsoft.com/office/drawing/2014/main" id="{756CB2C1-F78A-57EE-CB6B-505D30792C43}"/>
+              </a:ext>
+            </a:extLst>
+          </p:cNvPr>
+          <p:cNvPicPr>
+            <a:picLocks noChangeAspect="1"/>
+          </p:cNvPicPr>
+          <p:nvPr/>
+        </p:nvPicPr>
+        <p:blipFill>
+          <a:blip r:embed="rId4">
+            <a:extLst>
+              <a:ext uri="{28A0092B-C50C-407E-A947-70E740481C1C}">
+                <a14:useLocalDpi xmlns:a14="http://schemas.microsoft.com/office/drawing/2010/main" val="0"/>
+              </a:ext>
+            </a:extLst>
+          </a:blip>
+          <a:stretch>
+            <a:fillRect/>
+          </a:stretch>
+        </p:blipFill>
+        <p:spPr>
+          <a:xfrm>
+            <a:off x="3947744" y="545256"/>
+            <a:ext cx="3753443" cy="2511642"/>
+          </a:xfrm>
+          <a:prstGeom prst="rect">
+            <a:avLst/>
+          </a:prstGeom>
+        </p:spPr>
+      </p:pic>
+      <p:pic>
+        <p:nvPicPr>
+          <p:cNvPr id="6" name="Picture 5">
+            <a:extLst>
+              <a:ext uri="{FF2B5EF4-FFF2-40B4-BE49-F238E27FC236}">
+                <a16:creationId xmlns:a16="http://schemas.microsoft.com/office/drawing/2014/main" id="{18D37C3F-D6B5-40DE-818B-4179E3D9A88E}"/>
+              </a:ext>
+            </a:extLst>
+          </p:cNvPr>
+          <p:cNvPicPr>
+            <a:picLocks noChangeAspect="1"/>
+          </p:cNvPicPr>
+          <p:nvPr/>
+        </p:nvPicPr>
+        <p:blipFill>
+          <a:blip r:embed="rId5">
+            <a:extLst>
+              <a:ext uri="{28A0092B-C50C-407E-A947-70E740481C1C}">
+                <a14:useLocalDpi xmlns:a14="http://schemas.microsoft.com/office/drawing/2010/main" val="0"/>
+              </a:ext>
+            </a:extLst>
+          </a:blip>
+          <a:stretch>
+            <a:fillRect/>
+          </a:stretch>
+        </p:blipFill>
+        <p:spPr>
+          <a:xfrm>
+            <a:off x="7823839" y="452923"/>
+            <a:ext cx="4173859" cy="2663674"/>
+          </a:xfrm>
+          <a:prstGeom prst="rect">
+            <a:avLst/>
+          </a:prstGeom>
+        </p:spPr>
+      </p:pic>
+      <p:pic>
+        <p:nvPicPr>
+          <p:cNvPr id="8" name="Picture 7" descr="A map of different colors&#10;&#10;Description automatically generated">
+            <a:extLst>
+              <a:ext uri="{FF2B5EF4-FFF2-40B4-BE49-F238E27FC236}">
+                <a16:creationId xmlns:a16="http://schemas.microsoft.com/office/drawing/2014/main" id="{1D122038-C160-616D-36D7-47FB47C9CD50}"/>
+              </a:ext>
+            </a:extLst>
+          </p:cNvPr>
+          <p:cNvPicPr>
+            <a:picLocks noChangeAspect="1"/>
+          </p:cNvPicPr>
+          <p:nvPr/>
+        </p:nvPicPr>
+        <p:blipFill>
+          <a:blip r:embed="rId6">
+            <a:extLst>
+              <a:ext uri="{28A0092B-C50C-407E-A947-70E740481C1C}">
+                <a14:useLocalDpi xmlns:a14="http://schemas.microsoft.com/office/drawing/2010/main" val="0"/>
+              </a:ext>
+            </a:extLst>
+          </a:blip>
+          <a:stretch>
+            <a:fillRect/>
+          </a:stretch>
+        </p:blipFill>
+        <p:spPr>
+          <a:xfrm>
+            <a:off x="194302" y="3540301"/>
+            <a:ext cx="3753443" cy="2542111"/>
+          </a:xfrm>
+          <a:prstGeom prst="rect">
+            <a:avLst/>
+          </a:prstGeom>
+        </p:spPr>
+      </p:pic>
+      <p:pic>
+        <p:nvPicPr>
+          <p:cNvPr id="10" name="Picture 9" descr="A map of different colors&#10;&#10;Description automatically generated">
+            <a:extLst>
+              <a:ext uri="{FF2B5EF4-FFF2-40B4-BE49-F238E27FC236}">
+                <a16:creationId xmlns:a16="http://schemas.microsoft.com/office/drawing/2014/main" id="{3C1314D8-3328-F2DF-F9AC-C7D5A9A0931E}"/>
+              </a:ext>
+            </a:extLst>
+          </p:cNvPr>
+          <p:cNvPicPr>
+            <a:picLocks noChangeAspect="1"/>
+          </p:cNvPicPr>
+          <p:nvPr/>
+        </p:nvPicPr>
+        <p:blipFill>
+          <a:blip r:embed="rId7">
+            <a:extLst>
+              <a:ext uri="{28A0092B-C50C-407E-A947-70E740481C1C}">
+                <a14:useLocalDpi xmlns:a14="http://schemas.microsoft.com/office/drawing/2010/main" val="0"/>
+              </a:ext>
+            </a:extLst>
+          </a:blip>
+          <a:stretch>
+            <a:fillRect/>
+          </a:stretch>
+        </p:blipFill>
+        <p:spPr>
+          <a:xfrm>
+            <a:off x="4000114" y="3621218"/>
+            <a:ext cx="3786580" cy="2580466"/>
+          </a:xfrm>
+          <a:prstGeom prst="rect">
+            <a:avLst/>
+          </a:prstGeom>
+        </p:spPr>
+      </p:pic>
+      <p:pic>
+        <p:nvPicPr>
+          <p:cNvPr id="12" name="Picture 11">
+            <a:extLst>
+              <a:ext uri="{FF2B5EF4-FFF2-40B4-BE49-F238E27FC236}">
+                <a16:creationId xmlns:a16="http://schemas.microsoft.com/office/drawing/2014/main" id="{AD5CD7EB-8235-8E94-604D-CD44315F3004}"/>
+              </a:ext>
+            </a:extLst>
+          </p:cNvPr>
+          <p:cNvPicPr>
+            <a:picLocks noChangeAspect="1"/>
+          </p:cNvPicPr>
+          <p:nvPr/>
+        </p:nvPicPr>
+        <p:blipFill>
+          <a:blip r:embed="rId8">
+            <a:extLst>
+              <a:ext uri="{28A0092B-C50C-407E-A947-70E740481C1C}">
+                <a14:useLocalDpi xmlns:a14="http://schemas.microsoft.com/office/drawing/2010/main" val="0"/>
+              </a:ext>
+            </a:extLst>
+          </a:blip>
+          <a:stretch>
+            <a:fillRect/>
+          </a:stretch>
+        </p:blipFill>
+        <p:spPr>
+          <a:xfrm>
+            <a:off x="7898169" y="3440205"/>
+            <a:ext cx="4033420" cy="2742301"/>
+          </a:xfrm>
+          <a:prstGeom prst="rect">
+            <a:avLst/>
+          </a:prstGeom>
+        </p:spPr>
+      </p:pic>
+      <p:sp>
+        <p:nvSpPr>
+          <p:cNvPr id="13" name="TextBox 12">
+            <a:extLst>
+              <a:ext uri="{FF2B5EF4-FFF2-40B4-BE49-F238E27FC236}">
+                <a16:creationId xmlns:a16="http://schemas.microsoft.com/office/drawing/2014/main" id="{7C71A0E8-4C64-F8B9-CC32-AFFF05D36CDA}"/>
+              </a:ext>
+            </a:extLst>
+          </p:cNvPr>
+          <p:cNvSpPr txBox="1"/>
+          <p:nvPr/>
+        </p:nvSpPr>
+        <p:spPr>
+          <a:xfrm>
+            <a:off x="194302" y="192241"/>
+            <a:ext cx="222948" cy="369332"/>
+          </a:xfrm>
+          <a:prstGeom prst="rect">
+            <a:avLst/>
+          </a:prstGeom>
+          <a:noFill/>
+        </p:spPr>
+        <p:txBody>
+          <a:bodyPr wrap="square" rtlCol="0">
+            <a:spAutoFit/>
+          </a:bodyPr>
+          <a:lstStyle/>
+          <a:p>
+            <a:r>
+              <a:rPr lang="en-US" dirty="0"/>
+              <a:t>a</a:t>
+            </a:r>
+            <a:endParaRPr lang="en-ZW" dirty="0"/>
+          </a:p>
+        </p:txBody>
+      </p:sp>
+      <p:sp>
+        <p:nvSpPr>
+          <p:cNvPr id="14" name="TextBox 13">
+            <a:extLst>
+              <a:ext uri="{FF2B5EF4-FFF2-40B4-BE49-F238E27FC236}">
+                <a16:creationId xmlns:a16="http://schemas.microsoft.com/office/drawing/2014/main" id="{B9EF3BD4-675F-4B44-B492-8C6A67370D4F}"/>
+              </a:ext>
+            </a:extLst>
+          </p:cNvPr>
+          <p:cNvSpPr txBox="1"/>
+          <p:nvPr/>
+        </p:nvSpPr>
+        <p:spPr>
+          <a:xfrm>
+            <a:off x="3750763" y="268257"/>
+            <a:ext cx="222948" cy="369332"/>
+          </a:xfrm>
+          <a:prstGeom prst="rect">
+            <a:avLst/>
+          </a:prstGeom>
+          <a:noFill/>
+        </p:spPr>
+        <p:txBody>
+          <a:bodyPr wrap="square" rtlCol="0">
+            <a:spAutoFit/>
+          </a:bodyPr>
+          <a:lstStyle/>
+          <a:p>
+            <a:r>
+              <a:rPr lang="en-US" dirty="0"/>
+              <a:t>b</a:t>
+            </a:r>
+            <a:endParaRPr lang="en-ZW" dirty="0"/>
+          </a:p>
+        </p:txBody>
+      </p:sp>
+      <p:sp>
+        <p:nvSpPr>
+          <p:cNvPr id="15" name="TextBox 14">
+            <a:extLst>
+              <a:ext uri="{FF2B5EF4-FFF2-40B4-BE49-F238E27FC236}">
+                <a16:creationId xmlns:a16="http://schemas.microsoft.com/office/drawing/2014/main" id="{5D614319-2B1C-AA5B-4A4A-A772CE5BE7D8}"/>
+              </a:ext>
+            </a:extLst>
+          </p:cNvPr>
+          <p:cNvSpPr txBox="1"/>
+          <p:nvPr/>
+        </p:nvSpPr>
+        <p:spPr>
+          <a:xfrm>
+            <a:off x="7675220" y="268257"/>
+            <a:ext cx="222948" cy="369332"/>
+          </a:xfrm>
+          <a:prstGeom prst="rect">
+            <a:avLst/>
+          </a:prstGeom>
+          <a:noFill/>
+        </p:spPr>
+        <p:txBody>
+          <a:bodyPr wrap="square" rtlCol="0">
+            <a:spAutoFit/>
+          </a:bodyPr>
+          <a:lstStyle/>
+          <a:p>
+            <a:r>
+              <a:rPr lang="en-US" dirty="0"/>
+              <a:t>c</a:t>
+            </a:r>
+            <a:endParaRPr lang="en-ZW" dirty="0"/>
+          </a:p>
+        </p:txBody>
+      </p:sp>
+      <p:sp>
+        <p:nvSpPr>
+          <p:cNvPr id="16" name="TextBox 15">
+            <a:extLst>
+              <a:ext uri="{FF2B5EF4-FFF2-40B4-BE49-F238E27FC236}">
+                <a16:creationId xmlns:a16="http://schemas.microsoft.com/office/drawing/2014/main" id="{A887BB9D-72E6-C18F-1950-5E44F13AA226}"/>
+              </a:ext>
+            </a:extLst>
+          </p:cNvPr>
+          <p:cNvSpPr txBox="1"/>
+          <p:nvPr/>
+        </p:nvSpPr>
+        <p:spPr>
+          <a:xfrm>
+            <a:off x="194302" y="3090051"/>
+            <a:ext cx="222948" cy="369332"/>
+          </a:xfrm>
+          <a:prstGeom prst="rect">
+            <a:avLst/>
+          </a:prstGeom>
+          <a:noFill/>
+        </p:spPr>
+        <p:txBody>
+          <a:bodyPr wrap="square" rtlCol="0">
+            <a:spAutoFit/>
+          </a:bodyPr>
+          <a:lstStyle/>
+          <a:p>
+            <a:r>
+              <a:rPr lang="en-US" dirty="0"/>
+              <a:t>d</a:t>
+            </a:r>
+            <a:endParaRPr lang="en-ZW" dirty="0"/>
+          </a:p>
+        </p:txBody>
+      </p:sp>
+      <p:sp>
+        <p:nvSpPr>
+          <p:cNvPr id="18" name="TextBox 17">
+            <a:extLst>
+              <a:ext uri="{FF2B5EF4-FFF2-40B4-BE49-F238E27FC236}">
+                <a16:creationId xmlns:a16="http://schemas.microsoft.com/office/drawing/2014/main" id="{93A7AA0F-475D-EA0C-5BC6-4E753389D944}"/>
+              </a:ext>
+            </a:extLst>
+          </p:cNvPr>
+          <p:cNvSpPr txBox="1"/>
+          <p:nvPr/>
+        </p:nvSpPr>
+        <p:spPr>
+          <a:xfrm>
+            <a:off x="3724796" y="3084821"/>
+            <a:ext cx="222948" cy="369332"/>
+          </a:xfrm>
+          <a:prstGeom prst="rect">
+            <a:avLst/>
+          </a:prstGeom>
+          <a:noFill/>
+        </p:spPr>
+        <p:txBody>
+          <a:bodyPr wrap="square" rtlCol="0">
+            <a:spAutoFit/>
+          </a:bodyPr>
+          <a:lstStyle/>
+          <a:p>
+            <a:r>
+              <a:rPr lang="en-US" dirty="0"/>
+              <a:t>e</a:t>
+            </a:r>
+            <a:endParaRPr lang="en-ZW" dirty="0"/>
+          </a:p>
+        </p:txBody>
+      </p:sp>
+      <p:sp>
+        <p:nvSpPr>
+          <p:cNvPr id="20" name="TextBox 19">
+            <a:extLst>
+              <a:ext uri="{FF2B5EF4-FFF2-40B4-BE49-F238E27FC236}">
+                <a16:creationId xmlns:a16="http://schemas.microsoft.com/office/drawing/2014/main" id="{D74C1104-F026-EF49-D907-94366D33DAC3}"/>
+              </a:ext>
+            </a:extLst>
+          </p:cNvPr>
+          <p:cNvSpPr txBox="1"/>
+          <p:nvPr/>
+        </p:nvSpPr>
+        <p:spPr>
+          <a:xfrm>
+            <a:off x="7563746" y="3120796"/>
+            <a:ext cx="222948" cy="369332"/>
+          </a:xfrm>
+          <a:prstGeom prst="rect">
+            <a:avLst/>
+          </a:prstGeom>
+          <a:noFill/>
+        </p:spPr>
+        <p:txBody>
+          <a:bodyPr wrap="square" rtlCol="0">
+            <a:spAutoFit/>
+          </a:bodyPr>
+          <a:lstStyle/>
+          <a:p>
+            <a:r>
+              <a:rPr lang="en-US" dirty="0"/>
+              <a:t>f</a:t>
+            </a:r>
+            <a:endParaRPr lang="en-ZW" dirty="0"/>
+          </a:p>
+        </p:txBody>
+      </p:sp>
     </p:spTree>
     <p:extLst>
       <p:ext uri="{BB962C8B-B14F-4D97-AF65-F5344CB8AC3E}">
@@ -8209,7 +8931,7 @@
         </p:blipFill>
         <p:spPr>
           <a:xfrm>
-            <a:off x="6182944" y="1866720"/>
+            <a:off x="6182946" y="1866722"/>
             <a:ext cx="5920279" cy="4235537"/>
           </a:xfrm>
           <a:prstGeom prst="rect">
@@ -8361,459 +9083,438 @@
           <a:chExt cx="0" cy="0"/>
         </a:xfrm>
       </p:grpSpPr>
-      <p:grpSp>
-        <p:nvGrpSpPr>
-          <p:cNvPr id="25" name="Group 24">
+      <p:pic>
+        <p:nvPicPr>
+          <p:cNvPr id="7" name="Picture 6">
             <a:extLst>
               <a:ext uri="{FF2B5EF4-FFF2-40B4-BE49-F238E27FC236}">
-                <a16:creationId xmlns:a16="http://schemas.microsoft.com/office/drawing/2014/main" id="{2336C18D-A6E8-F73E-C3CB-28A4937B686D}"/>
+                <a16:creationId xmlns:a16="http://schemas.microsoft.com/office/drawing/2014/main" id="{72DAB14B-2335-48C5-C639-BBE4B8ED9986}"/>
               </a:ext>
             </a:extLst>
           </p:cNvPr>
-          <p:cNvGrpSpPr/>
+          <p:cNvPicPr>
+            <a:picLocks noChangeAspect="1"/>
+          </p:cNvPicPr>
           <p:nvPr/>
-        </p:nvGrpSpPr>
-        <p:grpSpPr>
+        </p:nvPicPr>
+        <p:blipFill>
+          <a:blip r:embed="rId2">
+            <a:extLst>
+              <a:ext uri="{28A0092B-C50C-407E-A947-70E740481C1C}">
+                <a14:useLocalDpi xmlns:a14="http://schemas.microsoft.com/office/drawing/2010/main" val="0"/>
+              </a:ext>
+            </a:extLst>
+          </a:blip>
+          <a:stretch>
+            <a:fillRect/>
+          </a:stretch>
+        </p:blipFill>
+        <p:spPr>
           <a:xfrm>
-            <a:off x="128753" y="155448"/>
-            <a:ext cx="12023338" cy="6467186"/>
-            <a:chOff x="128753" y="155448"/>
-            <a:chExt cx="12023338" cy="6467186"/>
+            <a:off x="174473" y="530808"/>
+            <a:ext cx="4136707" cy="2844161"/>
           </a:xfrm>
-        </p:grpSpPr>
-        <p:pic>
-          <p:nvPicPr>
-            <p:cNvPr id="7" name="Picture 6">
-              <a:extLst>
-                <a:ext uri="{FF2B5EF4-FFF2-40B4-BE49-F238E27FC236}">
-                  <a16:creationId xmlns:a16="http://schemas.microsoft.com/office/drawing/2014/main" id="{72DAB14B-2335-48C5-C639-BBE4B8ED9986}"/>
-                </a:ext>
-              </a:extLst>
-            </p:cNvPr>
-            <p:cNvPicPr>
-              <a:picLocks noChangeAspect="1"/>
-            </p:cNvPicPr>
-            <p:nvPr/>
-          </p:nvPicPr>
-          <p:blipFill>
-            <a:blip r:embed="rId2">
-              <a:extLst>
-                <a:ext uri="{28A0092B-C50C-407E-A947-70E740481C1C}">
-                  <a14:useLocalDpi xmlns:a14="http://schemas.microsoft.com/office/drawing/2010/main" val="0"/>
-                </a:ext>
-              </a:extLst>
-            </a:blip>
-            <a:stretch>
-              <a:fillRect/>
-            </a:stretch>
-          </p:blipFill>
-          <p:spPr>
-            <a:xfrm>
-              <a:off x="128753" y="530808"/>
-              <a:ext cx="4136707" cy="2844161"/>
-            </a:xfrm>
-            <a:prstGeom prst="rect">
-              <a:avLst/>
-            </a:prstGeom>
-          </p:spPr>
-        </p:pic>
-        <p:pic>
-          <p:nvPicPr>
-            <p:cNvPr id="9" name="Picture 8" descr="A map of different colors&#10;&#10;Description automatically generated">
-              <a:extLst>
-                <a:ext uri="{FF2B5EF4-FFF2-40B4-BE49-F238E27FC236}">
-                  <a16:creationId xmlns:a16="http://schemas.microsoft.com/office/drawing/2014/main" id="{336C62B0-D6A6-4170-304C-9D769A4EBD9E}"/>
-                </a:ext>
-              </a:extLst>
-            </p:cNvPr>
-            <p:cNvPicPr>
-              <a:picLocks noChangeAspect="1"/>
-            </p:cNvPicPr>
-            <p:nvPr/>
-          </p:nvPicPr>
-          <p:blipFill>
-            <a:blip r:embed="rId3">
-              <a:extLst>
-                <a:ext uri="{28A0092B-C50C-407E-A947-70E740481C1C}">
-                  <a14:useLocalDpi xmlns:a14="http://schemas.microsoft.com/office/drawing/2010/main" val="0"/>
-                </a:ext>
-              </a:extLst>
-            </a:blip>
-            <a:stretch>
-              <a:fillRect/>
-            </a:stretch>
-          </p:blipFill>
-          <p:spPr>
-            <a:xfrm>
-              <a:off x="4160108" y="656634"/>
-              <a:ext cx="4136706" cy="2614761"/>
-            </a:xfrm>
-            <a:prstGeom prst="rect">
-              <a:avLst/>
-            </a:prstGeom>
-          </p:spPr>
-        </p:pic>
-        <p:pic>
-          <p:nvPicPr>
-            <p:cNvPr id="11" name="Picture 10" descr="A map of different colors&#10;&#10;Description automatically generated">
-              <a:extLst>
-                <a:ext uri="{FF2B5EF4-FFF2-40B4-BE49-F238E27FC236}">
-                  <a16:creationId xmlns:a16="http://schemas.microsoft.com/office/drawing/2014/main" id="{512963BE-8C4E-A18A-E8E6-0A49220C2982}"/>
-                </a:ext>
-              </a:extLst>
-            </p:cNvPr>
-            <p:cNvPicPr>
-              <a:picLocks noChangeAspect="1"/>
-            </p:cNvPicPr>
-            <p:nvPr/>
-          </p:nvPicPr>
-          <p:blipFill>
-            <a:blip r:embed="rId4">
-              <a:extLst>
-                <a:ext uri="{28A0092B-C50C-407E-A947-70E740481C1C}">
-                  <a14:useLocalDpi xmlns:a14="http://schemas.microsoft.com/office/drawing/2010/main" val="0"/>
-                </a:ext>
-              </a:extLst>
-            </a:blip>
-            <a:stretch>
-              <a:fillRect/>
-            </a:stretch>
-          </p:blipFill>
-          <p:spPr>
-            <a:xfrm>
-              <a:off x="8296813" y="768096"/>
-              <a:ext cx="3855277" cy="2290723"/>
-            </a:xfrm>
-            <a:prstGeom prst="rect">
-              <a:avLst/>
-            </a:prstGeom>
-          </p:spPr>
-        </p:pic>
-        <p:pic>
-          <p:nvPicPr>
-            <p:cNvPr id="13" name="Picture 12" descr="A map of different colors&#10;&#10;Description automatically generated">
-              <a:extLst>
-                <a:ext uri="{FF2B5EF4-FFF2-40B4-BE49-F238E27FC236}">
-                  <a16:creationId xmlns:a16="http://schemas.microsoft.com/office/drawing/2014/main" id="{D8206653-CC94-E5F8-DBE0-49CE556EC68B}"/>
-                </a:ext>
-              </a:extLst>
-            </p:cNvPr>
-            <p:cNvPicPr>
-              <a:picLocks noChangeAspect="1"/>
-            </p:cNvPicPr>
-            <p:nvPr/>
-          </p:nvPicPr>
-          <p:blipFill>
-            <a:blip r:embed="rId5">
-              <a:extLst>
-                <a:ext uri="{28A0092B-C50C-407E-A947-70E740481C1C}">
-                  <a14:useLocalDpi xmlns:a14="http://schemas.microsoft.com/office/drawing/2010/main" val="0"/>
-                </a:ext>
-              </a:extLst>
-            </a:blip>
-            <a:stretch>
-              <a:fillRect/>
-            </a:stretch>
-          </p:blipFill>
-          <p:spPr>
-            <a:xfrm>
-              <a:off x="4265460" y="3739548"/>
-              <a:ext cx="4031353" cy="2844161"/>
-            </a:xfrm>
-            <a:prstGeom prst="rect">
-              <a:avLst/>
-            </a:prstGeom>
-          </p:spPr>
-        </p:pic>
-        <p:pic>
-          <p:nvPicPr>
-            <p:cNvPr id="15" name="Picture 14" descr="A map of different colors&#10;&#10;Description automatically generated">
-              <a:extLst>
-                <a:ext uri="{FF2B5EF4-FFF2-40B4-BE49-F238E27FC236}">
-                  <a16:creationId xmlns:a16="http://schemas.microsoft.com/office/drawing/2014/main" id="{EE417E9A-3FA3-8934-5696-C3A290E93CF0}"/>
-                </a:ext>
-              </a:extLst>
-            </p:cNvPr>
-            <p:cNvPicPr>
-              <a:picLocks noChangeAspect="1"/>
-            </p:cNvPicPr>
-            <p:nvPr/>
-          </p:nvPicPr>
-          <p:blipFill>
-            <a:blip r:embed="rId6">
-              <a:extLst>
-                <a:ext uri="{28A0092B-C50C-407E-A947-70E740481C1C}">
-                  <a14:useLocalDpi xmlns:a14="http://schemas.microsoft.com/office/drawing/2010/main" val="0"/>
-                </a:ext>
-              </a:extLst>
-            </a:blip>
-            <a:stretch>
-              <a:fillRect/>
-            </a:stretch>
-          </p:blipFill>
-          <p:spPr>
-            <a:xfrm>
-              <a:off x="128753" y="3860622"/>
-              <a:ext cx="4136707" cy="2762012"/>
-            </a:xfrm>
-            <a:prstGeom prst="rect">
-              <a:avLst/>
-            </a:prstGeom>
-          </p:spPr>
-        </p:pic>
-        <p:pic>
-          <p:nvPicPr>
-            <p:cNvPr id="17" name="Picture 16" descr="A map of different colors&#10;&#10;Description automatically generated">
-              <a:extLst>
-                <a:ext uri="{FF2B5EF4-FFF2-40B4-BE49-F238E27FC236}">
-                  <a16:creationId xmlns:a16="http://schemas.microsoft.com/office/drawing/2014/main" id="{4162F913-F104-CFCA-A012-35832418ED4C}"/>
-                </a:ext>
-              </a:extLst>
-            </p:cNvPr>
-            <p:cNvPicPr>
-              <a:picLocks noChangeAspect="1"/>
-            </p:cNvPicPr>
-            <p:nvPr/>
-          </p:nvPicPr>
-          <p:blipFill>
-            <a:blip r:embed="rId7">
-              <a:extLst>
-                <a:ext uri="{28A0092B-C50C-407E-A947-70E740481C1C}">
-                  <a14:useLocalDpi xmlns:a14="http://schemas.microsoft.com/office/drawing/2010/main" val="0"/>
-                </a:ext>
-              </a:extLst>
-            </a:blip>
-            <a:stretch>
-              <a:fillRect/>
-            </a:stretch>
-          </p:blipFill>
-          <p:spPr>
-            <a:xfrm>
-              <a:off x="8533026" y="3798332"/>
-              <a:ext cx="3619065" cy="2711323"/>
-            </a:xfrm>
-            <a:prstGeom prst="rect">
-              <a:avLst/>
-            </a:prstGeom>
-          </p:spPr>
-        </p:pic>
-        <p:sp>
-          <p:nvSpPr>
-            <p:cNvPr id="19" name="TextBox 18">
-              <a:extLst>
-                <a:ext uri="{FF2B5EF4-FFF2-40B4-BE49-F238E27FC236}">
-                  <a16:creationId xmlns:a16="http://schemas.microsoft.com/office/drawing/2014/main" id="{C1BD19AE-5662-CC2A-3DEA-C4F52813230E}"/>
-                </a:ext>
-              </a:extLst>
-            </p:cNvPr>
-            <p:cNvSpPr txBox="1"/>
-            <p:nvPr/>
-          </p:nvSpPr>
-          <p:spPr>
-            <a:xfrm>
-              <a:off x="219456" y="155448"/>
-              <a:ext cx="822960" cy="369332"/>
-            </a:xfrm>
-            <a:prstGeom prst="rect">
-              <a:avLst/>
-            </a:prstGeom>
-            <a:noFill/>
-          </p:spPr>
-          <p:txBody>
-            <a:bodyPr wrap="square" rtlCol="0">
-              <a:spAutoFit/>
-            </a:bodyPr>
-            <a:lstStyle/>
-            <a:p>
-              <a:r>
-                <a:rPr lang="en-US" dirty="0"/>
-                <a:t>a</a:t>
-              </a:r>
-              <a:endParaRPr lang="en-ZW" dirty="0"/>
-            </a:p>
-          </p:txBody>
-        </p:sp>
-        <p:sp>
-          <p:nvSpPr>
-            <p:cNvPr id="20" name="TextBox 19">
-              <a:extLst>
-                <a:ext uri="{FF2B5EF4-FFF2-40B4-BE49-F238E27FC236}">
-                  <a16:creationId xmlns:a16="http://schemas.microsoft.com/office/drawing/2014/main" id="{7C60C5EC-7EF6-5125-FC32-8211DD30013E}"/>
-                </a:ext>
-              </a:extLst>
-            </p:cNvPr>
-            <p:cNvSpPr txBox="1"/>
-            <p:nvPr/>
-          </p:nvSpPr>
-          <p:spPr>
-            <a:xfrm>
-              <a:off x="3785459" y="166229"/>
-              <a:ext cx="543115" cy="369332"/>
-            </a:xfrm>
-            <a:prstGeom prst="rect">
-              <a:avLst/>
-            </a:prstGeom>
-            <a:noFill/>
-          </p:spPr>
-          <p:txBody>
-            <a:bodyPr wrap="square" rtlCol="0">
-              <a:spAutoFit/>
-            </a:bodyPr>
-            <a:lstStyle/>
-            <a:p>
-              <a:r>
-                <a:rPr lang="en-US" dirty="0"/>
-                <a:t>b</a:t>
-              </a:r>
-              <a:endParaRPr lang="en-ZW" dirty="0"/>
-            </a:p>
-          </p:txBody>
-        </p:sp>
-        <p:sp>
-          <p:nvSpPr>
-            <p:cNvPr id="21" name="TextBox 20">
-              <a:extLst>
-                <a:ext uri="{FF2B5EF4-FFF2-40B4-BE49-F238E27FC236}">
-                  <a16:creationId xmlns:a16="http://schemas.microsoft.com/office/drawing/2014/main" id="{84DF9870-8DC2-6173-3D22-09BAAC9E005E}"/>
-                </a:ext>
-              </a:extLst>
-            </p:cNvPr>
-            <p:cNvSpPr txBox="1"/>
-            <p:nvPr/>
-          </p:nvSpPr>
-          <p:spPr>
-            <a:xfrm>
-              <a:off x="7753699" y="162830"/>
-              <a:ext cx="543115" cy="369332"/>
-            </a:xfrm>
-            <a:prstGeom prst="rect">
-              <a:avLst/>
-            </a:prstGeom>
-            <a:noFill/>
-          </p:spPr>
-          <p:txBody>
-            <a:bodyPr wrap="square" rtlCol="0">
-              <a:spAutoFit/>
-            </a:bodyPr>
-            <a:lstStyle/>
-            <a:p>
-              <a:r>
-                <a:rPr lang="en-US" dirty="0"/>
-                <a:t>c</a:t>
-              </a:r>
-              <a:endParaRPr lang="en-ZW" dirty="0"/>
-            </a:p>
-          </p:txBody>
-        </p:sp>
-        <p:sp>
-          <p:nvSpPr>
-            <p:cNvPr id="22" name="TextBox 21">
-              <a:extLst>
-                <a:ext uri="{FF2B5EF4-FFF2-40B4-BE49-F238E27FC236}">
-                  <a16:creationId xmlns:a16="http://schemas.microsoft.com/office/drawing/2014/main" id="{9EC0EF9D-1F14-C19F-0705-DE37C887CA71}"/>
-                </a:ext>
-              </a:extLst>
-            </p:cNvPr>
-            <p:cNvSpPr txBox="1"/>
-            <p:nvPr/>
-          </p:nvSpPr>
-          <p:spPr>
-            <a:xfrm>
-              <a:off x="219456" y="3429000"/>
-              <a:ext cx="722376" cy="369332"/>
-            </a:xfrm>
-            <a:prstGeom prst="rect">
-              <a:avLst/>
-            </a:prstGeom>
-            <a:noFill/>
-          </p:spPr>
-          <p:txBody>
-            <a:bodyPr wrap="square" rtlCol="0">
-              <a:spAutoFit/>
-            </a:bodyPr>
-            <a:lstStyle/>
-            <a:p>
-              <a:r>
-                <a:rPr lang="en-US" dirty="0"/>
-                <a:t>d</a:t>
-              </a:r>
-              <a:endParaRPr lang="en-ZW" dirty="0"/>
-            </a:p>
-          </p:txBody>
-        </p:sp>
-        <p:sp>
-          <p:nvSpPr>
-            <p:cNvPr id="23" name="TextBox 22">
-              <a:extLst>
-                <a:ext uri="{FF2B5EF4-FFF2-40B4-BE49-F238E27FC236}">
-                  <a16:creationId xmlns:a16="http://schemas.microsoft.com/office/drawing/2014/main" id="{8C5849F9-57AA-9145-B026-9343D7834B9A}"/>
-                </a:ext>
-              </a:extLst>
-            </p:cNvPr>
-            <p:cNvSpPr txBox="1"/>
-            <p:nvPr/>
-          </p:nvSpPr>
-          <p:spPr>
-            <a:xfrm>
-              <a:off x="7664068" y="3401940"/>
-              <a:ext cx="722376" cy="369332"/>
-            </a:xfrm>
-            <a:prstGeom prst="rect">
-              <a:avLst/>
-            </a:prstGeom>
-            <a:noFill/>
-          </p:spPr>
-          <p:txBody>
-            <a:bodyPr wrap="square" rtlCol="0">
-              <a:spAutoFit/>
-            </a:bodyPr>
-            <a:lstStyle/>
-            <a:p>
-              <a:r>
-                <a:rPr lang="en-US" dirty="0"/>
-                <a:t>f</a:t>
-              </a:r>
-              <a:endParaRPr lang="en-ZW" dirty="0"/>
-            </a:p>
-          </p:txBody>
-        </p:sp>
-        <p:sp>
-          <p:nvSpPr>
-            <p:cNvPr id="24" name="TextBox 23">
-              <a:extLst>
-                <a:ext uri="{FF2B5EF4-FFF2-40B4-BE49-F238E27FC236}">
-                  <a16:creationId xmlns:a16="http://schemas.microsoft.com/office/drawing/2014/main" id="{3020585E-7889-F967-8935-D7BAA7B4E980}"/>
-                </a:ext>
-              </a:extLst>
-            </p:cNvPr>
-            <p:cNvSpPr txBox="1"/>
-            <p:nvPr/>
-          </p:nvSpPr>
-          <p:spPr>
-            <a:xfrm>
-              <a:off x="3848228" y="3700649"/>
-              <a:ext cx="722376" cy="369332"/>
-            </a:xfrm>
-            <a:prstGeom prst="rect">
-              <a:avLst/>
-            </a:prstGeom>
-            <a:noFill/>
-          </p:spPr>
-          <p:txBody>
-            <a:bodyPr wrap="square" rtlCol="0">
-              <a:spAutoFit/>
-            </a:bodyPr>
-            <a:lstStyle/>
-            <a:p>
-              <a:r>
-                <a:rPr lang="en-US" dirty="0"/>
-                <a:t>e</a:t>
-              </a:r>
-              <a:endParaRPr lang="en-ZW" dirty="0"/>
-            </a:p>
-          </p:txBody>
-        </p:sp>
-      </p:grpSp>
+          <a:prstGeom prst="rect">
+            <a:avLst/>
+          </a:prstGeom>
+        </p:spPr>
+      </p:pic>
+      <p:pic>
+        <p:nvPicPr>
+          <p:cNvPr id="9" name="Picture 8" descr="A map of different colors&#10;&#10;Description automatically generated">
+            <a:extLst>
+              <a:ext uri="{FF2B5EF4-FFF2-40B4-BE49-F238E27FC236}">
+                <a16:creationId xmlns:a16="http://schemas.microsoft.com/office/drawing/2014/main" id="{336C62B0-D6A6-4170-304C-9D769A4EBD9E}"/>
+              </a:ext>
+            </a:extLst>
+          </p:cNvPr>
+          <p:cNvPicPr>
+            <a:picLocks noChangeAspect="1"/>
+          </p:cNvPicPr>
+          <p:nvPr/>
+        </p:nvPicPr>
+        <p:blipFill>
+          <a:blip r:embed="rId3">
+            <a:extLst>
+              <a:ext uri="{28A0092B-C50C-407E-A947-70E740481C1C}">
+                <a14:useLocalDpi xmlns:a14="http://schemas.microsoft.com/office/drawing/2010/main" val="0"/>
+              </a:ext>
+            </a:extLst>
+          </a:blip>
+          <a:stretch>
+            <a:fillRect/>
+          </a:stretch>
+        </p:blipFill>
+        <p:spPr>
+          <a:xfrm>
+            <a:off x="4205828" y="656634"/>
+            <a:ext cx="4136706" cy="2614761"/>
+          </a:xfrm>
+          <a:prstGeom prst="rect">
+            <a:avLst/>
+          </a:prstGeom>
+        </p:spPr>
+      </p:pic>
+      <p:pic>
+        <p:nvPicPr>
+          <p:cNvPr id="11" name="Picture 10" descr="A map of different colors&#10;&#10;Description automatically generated">
+            <a:extLst>
+              <a:ext uri="{FF2B5EF4-FFF2-40B4-BE49-F238E27FC236}">
+                <a16:creationId xmlns:a16="http://schemas.microsoft.com/office/drawing/2014/main" id="{512963BE-8C4E-A18A-E8E6-0A49220C2982}"/>
+              </a:ext>
+            </a:extLst>
+          </p:cNvPr>
+          <p:cNvPicPr>
+            <a:picLocks noChangeAspect="1"/>
+          </p:cNvPicPr>
+          <p:nvPr/>
+        </p:nvPicPr>
+        <p:blipFill>
+          <a:blip r:embed="rId4">
+            <a:extLst>
+              <a:ext uri="{28A0092B-C50C-407E-A947-70E740481C1C}">
+                <a14:useLocalDpi xmlns:a14="http://schemas.microsoft.com/office/drawing/2010/main" val="0"/>
+              </a:ext>
+            </a:extLst>
+          </a:blip>
+          <a:stretch>
+            <a:fillRect/>
+          </a:stretch>
+        </p:blipFill>
+        <p:spPr>
+          <a:xfrm>
+            <a:off x="8360821" y="768096"/>
+            <a:ext cx="3855277" cy="2290723"/>
+          </a:xfrm>
+          <a:prstGeom prst="rect">
+            <a:avLst/>
+          </a:prstGeom>
+        </p:spPr>
+      </p:pic>
+      <p:pic>
+        <p:nvPicPr>
+          <p:cNvPr id="13" name="Picture 12" descr="A map of different colors&#10;&#10;Description automatically generated">
+            <a:extLst>
+              <a:ext uri="{FF2B5EF4-FFF2-40B4-BE49-F238E27FC236}">
+                <a16:creationId xmlns:a16="http://schemas.microsoft.com/office/drawing/2014/main" id="{D8206653-CC94-E5F8-DBE0-49CE556EC68B}"/>
+              </a:ext>
+            </a:extLst>
+          </p:cNvPr>
+          <p:cNvPicPr>
+            <a:picLocks noChangeAspect="1"/>
+          </p:cNvPicPr>
+          <p:nvPr/>
+        </p:nvPicPr>
+        <p:blipFill>
+          <a:blip r:embed="rId5">
+            <a:extLst>
+              <a:ext uri="{28A0092B-C50C-407E-A947-70E740481C1C}">
+                <a14:useLocalDpi xmlns:a14="http://schemas.microsoft.com/office/drawing/2010/main" val="0"/>
+              </a:ext>
+            </a:extLst>
+          </a:blip>
+          <a:stretch>
+            <a:fillRect/>
+          </a:stretch>
+        </p:blipFill>
+        <p:spPr>
+          <a:xfrm>
+            <a:off x="4311180" y="3739548"/>
+            <a:ext cx="4031353" cy="2844161"/>
+          </a:xfrm>
+          <a:prstGeom prst="rect">
+            <a:avLst/>
+          </a:prstGeom>
+        </p:spPr>
+      </p:pic>
+      <p:pic>
+        <p:nvPicPr>
+          <p:cNvPr id="15" name="Picture 14" descr="A map of different colors&#10;&#10;Description automatically generated">
+            <a:extLst>
+              <a:ext uri="{FF2B5EF4-FFF2-40B4-BE49-F238E27FC236}">
+                <a16:creationId xmlns:a16="http://schemas.microsoft.com/office/drawing/2014/main" id="{EE417E9A-3FA3-8934-5696-C3A290E93CF0}"/>
+              </a:ext>
+            </a:extLst>
+          </p:cNvPr>
+          <p:cNvPicPr>
+            <a:picLocks noChangeAspect="1"/>
+          </p:cNvPicPr>
+          <p:nvPr/>
+        </p:nvPicPr>
+        <p:blipFill>
+          <a:blip r:embed="rId6">
+            <a:extLst>
+              <a:ext uri="{28A0092B-C50C-407E-A947-70E740481C1C}">
+                <a14:useLocalDpi xmlns:a14="http://schemas.microsoft.com/office/drawing/2010/main" val="0"/>
+              </a:ext>
+            </a:extLst>
+          </a:blip>
+          <a:stretch>
+            <a:fillRect/>
+          </a:stretch>
+        </p:blipFill>
+        <p:spPr>
+          <a:xfrm>
+            <a:off x="137897" y="3860622"/>
+            <a:ext cx="4136707" cy="2762012"/>
+          </a:xfrm>
+          <a:prstGeom prst="rect">
+            <a:avLst/>
+          </a:prstGeom>
+        </p:spPr>
+      </p:pic>
+      <p:pic>
+        <p:nvPicPr>
+          <p:cNvPr id="17" name="Picture 16" descr="A map of different colors&#10;&#10;Description automatically generated">
+            <a:extLst>
+              <a:ext uri="{FF2B5EF4-FFF2-40B4-BE49-F238E27FC236}">
+                <a16:creationId xmlns:a16="http://schemas.microsoft.com/office/drawing/2014/main" id="{4162F913-F104-CFCA-A012-35832418ED4C}"/>
+              </a:ext>
+            </a:extLst>
+          </p:cNvPr>
+          <p:cNvPicPr>
+            <a:picLocks noChangeAspect="1"/>
+          </p:cNvPicPr>
+          <p:nvPr/>
+        </p:nvPicPr>
+        <p:blipFill>
+          <a:blip r:embed="rId7">
+            <a:extLst>
+              <a:ext uri="{28A0092B-C50C-407E-A947-70E740481C1C}">
+                <a14:useLocalDpi xmlns:a14="http://schemas.microsoft.com/office/drawing/2010/main" val="0"/>
+              </a:ext>
+            </a:extLst>
+          </a:blip>
+          <a:stretch>
+            <a:fillRect/>
+          </a:stretch>
+        </p:blipFill>
+        <p:spPr>
+          <a:xfrm>
+            <a:off x="8379109" y="3771272"/>
+            <a:ext cx="3619065" cy="2711323"/>
+          </a:xfrm>
+          <a:prstGeom prst="rect">
+            <a:avLst/>
+          </a:prstGeom>
+        </p:spPr>
+      </p:pic>
+      <p:sp>
+        <p:nvSpPr>
+          <p:cNvPr id="19" name="TextBox 18">
+            <a:extLst>
+              <a:ext uri="{FF2B5EF4-FFF2-40B4-BE49-F238E27FC236}">
+                <a16:creationId xmlns:a16="http://schemas.microsoft.com/office/drawing/2014/main" id="{C1BD19AE-5662-CC2A-3DEA-C4F52813230E}"/>
+              </a:ext>
+            </a:extLst>
+          </p:cNvPr>
+          <p:cNvSpPr txBox="1"/>
+          <p:nvPr/>
+        </p:nvSpPr>
+        <p:spPr>
+          <a:xfrm>
+            <a:off x="265176" y="155448"/>
+            <a:ext cx="822960" cy="369332"/>
+          </a:xfrm>
+          <a:prstGeom prst="rect">
+            <a:avLst/>
+          </a:prstGeom>
+          <a:noFill/>
+        </p:spPr>
+        <p:txBody>
+          <a:bodyPr wrap="square" rtlCol="0">
+            <a:spAutoFit/>
+          </a:bodyPr>
+          <a:lstStyle/>
+          <a:p>
+            <a:r>
+              <a:rPr lang="en-US" dirty="0"/>
+              <a:t>a</a:t>
+            </a:r>
+            <a:endParaRPr lang="en-ZW" dirty="0"/>
+          </a:p>
+        </p:txBody>
+      </p:sp>
+      <p:sp>
+        <p:nvSpPr>
+          <p:cNvPr id="20" name="TextBox 19">
+            <a:extLst>
+              <a:ext uri="{FF2B5EF4-FFF2-40B4-BE49-F238E27FC236}">
+                <a16:creationId xmlns:a16="http://schemas.microsoft.com/office/drawing/2014/main" id="{7C60C5EC-7EF6-5125-FC32-8211DD30013E}"/>
+              </a:ext>
+            </a:extLst>
+          </p:cNvPr>
+          <p:cNvSpPr txBox="1"/>
+          <p:nvPr/>
+        </p:nvSpPr>
+        <p:spPr>
+          <a:xfrm>
+            <a:off x="3831179" y="166229"/>
+            <a:ext cx="543115" cy="369332"/>
+          </a:xfrm>
+          <a:prstGeom prst="rect">
+            <a:avLst/>
+          </a:prstGeom>
+          <a:noFill/>
+        </p:spPr>
+        <p:txBody>
+          <a:bodyPr wrap="square" rtlCol="0">
+            <a:spAutoFit/>
+          </a:bodyPr>
+          <a:lstStyle/>
+          <a:p>
+            <a:r>
+              <a:rPr lang="en-US" dirty="0"/>
+              <a:t>b</a:t>
+            </a:r>
+            <a:endParaRPr lang="en-ZW" dirty="0"/>
+          </a:p>
+        </p:txBody>
+      </p:sp>
+      <p:sp>
+        <p:nvSpPr>
+          <p:cNvPr id="21" name="TextBox 20">
+            <a:extLst>
+              <a:ext uri="{FF2B5EF4-FFF2-40B4-BE49-F238E27FC236}">
+                <a16:creationId xmlns:a16="http://schemas.microsoft.com/office/drawing/2014/main" id="{84DF9870-8DC2-6173-3D22-09BAAC9E005E}"/>
+              </a:ext>
+            </a:extLst>
+          </p:cNvPr>
+          <p:cNvSpPr txBox="1"/>
+          <p:nvPr/>
+        </p:nvSpPr>
+        <p:spPr>
+          <a:xfrm>
+            <a:off x="7799419" y="162830"/>
+            <a:ext cx="543115" cy="369332"/>
+          </a:xfrm>
+          <a:prstGeom prst="rect">
+            <a:avLst/>
+          </a:prstGeom>
+          <a:noFill/>
+        </p:spPr>
+        <p:txBody>
+          <a:bodyPr wrap="square" rtlCol="0">
+            <a:spAutoFit/>
+          </a:bodyPr>
+          <a:lstStyle/>
+          <a:p>
+            <a:r>
+              <a:rPr lang="en-US" dirty="0"/>
+              <a:t>c</a:t>
+            </a:r>
+            <a:endParaRPr lang="en-ZW" dirty="0"/>
+          </a:p>
+        </p:txBody>
+      </p:sp>
+      <p:sp>
+        <p:nvSpPr>
+          <p:cNvPr id="22" name="TextBox 21">
+            <a:extLst>
+              <a:ext uri="{FF2B5EF4-FFF2-40B4-BE49-F238E27FC236}">
+                <a16:creationId xmlns:a16="http://schemas.microsoft.com/office/drawing/2014/main" id="{9EC0EF9D-1F14-C19F-0705-DE37C887CA71}"/>
+              </a:ext>
+            </a:extLst>
+          </p:cNvPr>
+          <p:cNvSpPr txBox="1"/>
+          <p:nvPr/>
+        </p:nvSpPr>
+        <p:spPr>
+          <a:xfrm>
+            <a:off x="265176" y="3429000"/>
+            <a:ext cx="722376" cy="369332"/>
+          </a:xfrm>
+          <a:prstGeom prst="rect">
+            <a:avLst/>
+          </a:prstGeom>
+          <a:noFill/>
+        </p:spPr>
+        <p:txBody>
+          <a:bodyPr wrap="square" rtlCol="0">
+            <a:spAutoFit/>
+          </a:bodyPr>
+          <a:lstStyle/>
+          <a:p>
+            <a:r>
+              <a:rPr lang="en-US" dirty="0"/>
+              <a:t>d</a:t>
+            </a:r>
+            <a:endParaRPr lang="en-ZW" dirty="0"/>
+          </a:p>
+        </p:txBody>
+      </p:sp>
+      <p:sp>
+        <p:nvSpPr>
+          <p:cNvPr id="23" name="TextBox 22">
+            <a:extLst>
+              <a:ext uri="{FF2B5EF4-FFF2-40B4-BE49-F238E27FC236}">
+                <a16:creationId xmlns:a16="http://schemas.microsoft.com/office/drawing/2014/main" id="{8C5849F9-57AA-9145-B026-9343D7834B9A}"/>
+              </a:ext>
+            </a:extLst>
+          </p:cNvPr>
+          <p:cNvSpPr txBox="1"/>
+          <p:nvPr/>
+        </p:nvSpPr>
+        <p:spPr>
+          <a:xfrm>
+            <a:off x="7709788" y="3401940"/>
+            <a:ext cx="722376" cy="369332"/>
+          </a:xfrm>
+          <a:prstGeom prst="rect">
+            <a:avLst/>
+          </a:prstGeom>
+          <a:noFill/>
+        </p:spPr>
+        <p:txBody>
+          <a:bodyPr wrap="square" rtlCol="0">
+            <a:spAutoFit/>
+          </a:bodyPr>
+          <a:lstStyle/>
+          <a:p>
+            <a:r>
+              <a:rPr lang="en-US" dirty="0"/>
+              <a:t>f</a:t>
+            </a:r>
+            <a:endParaRPr lang="en-ZW" dirty="0"/>
+          </a:p>
+        </p:txBody>
+      </p:sp>
+      <p:sp>
+        <p:nvSpPr>
+          <p:cNvPr id="24" name="TextBox 23">
+            <a:extLst>
+              <a:ext uri="{FF2B5EF4-FFF2-40B4-BE49-F238E27FC236}">
+                <a16:creationId xmlns:a16="http://schemas.microsoft.com/office/drawing/2014/main" id="{3020585E-7889-F967-8935-D7BAA7B4E980}"/>
+              </a:ext>
+            </a:extLst>
+          </p:cNvPr>
+          <p:cNvSpPr txBox="1"/>
+          <p:nvPr/>
+        </p:nvSpPr>
+        <p:spPr>
+          <a:xfrm>
+            <a:off x="3893948" y="3700649"/>
+            <a:ext cx="722376" cy="369332"/>
+          </a:xfrm>
+          <a:prstGeom prst="rect">
+            <a:avLst/>
+          </a:prstGeom>
+          <a:noFill/>
+        </p:spPr>
+        <p:txBody>
+          <a:bodyPr wrap="square" rtlCol="0">
+            <a:spAutoFit/>
+          </a:bodyPr>
+          <a:lstStyle/>
+          <a:p>
+            <a:r>
+              <a:rPr lang="en-US" dirty="0"/>
+              <a:t>e</a:t>
+            </a:r>
+            <a:endParaRPr lang="en-ZW" dirty="0"/>
+          </a:p>
+        </p:txBody>
+      </p:sp>
     </p:spTree>
     <p:extLst>
       <p:ext uri="{BB962C8B-B14F-4D97-AF65-F5344CB8AC3E}">
@@ -8897,7 +9598,7 @@
         </p:nvSpPr>
         <p:spPr>
           <a:xfrm>
-            <a:off x="550416" y="1127464"/>
+            <a:off x="550417" y="1127466"/>
             <a:ext cx="11123719" cy="5468645"/>
           </a:xfrm>
         </p:spPr>
@@ -9292,7 +9993,7 @@
         </p:nvSpPr>
         <p:spPr>
           <a:xfrm>
-            <a:off x="838200" y="365125"/>
+            <a:off x="838200" y="365127"/>
             <a:ext cx="10515600" cy="655807"/>
           </a:xfrm>
         </p:spPr>
@@ -9329,7 +10030,7 @@
         </p:nvSpPr>
         <p:spPr>
           <a:xfrm>
-            <a:off x="838200" y="1118586"/>
+            <a:off x="838200" y="1118588"/>
             <a:ext cx="10515600" cy="5374289"/>
           </a:xfrm>
         </p:spPr>
@@ -9357,7 +10058,6 @@
           <a:p>
             <a:r>
               <a:rPr lang="en-ZW" sz="1800" dirty="0" err="1">
-                <a:effectLst/>
                 <a:latin typeface="Gill Sans MT" panose="020B0502020104020203" pitchFamily="34" charset="0"/>
                 <a:ea typeface="Calibri" panose="020F0502020204030204" pitchFamily="34" charset="0"/>
                 <a:cs typeface="Times New Roman" panose="02020603050405020304" pitchFamily="18" charset="0"/>
@@ -9366,7 +10066,6 @@
             </a:r>
             <a:r>
               <a:rPr lang="en-ZW" sz="1800" dirty="0">
-                <a:effectLst/>
                 <a:latin typeface="Gill Sans MT" panose="020B0502020104020203" pitchFamily="34" charset="0"/>
                 <a:ea typeface="Calibri" panose="020F0502020204030204" pitchFamily="34" charset="0"/>
                 <a:cs typeface="Times New Roman" panose="02020603050405020304" pitchFamily="18" charset="0"/>
@@ -9375,7 +10074,6 @@
             </a:r>
             <a:r>
               <a:rPr lang="en-ZW" sz="1800" dirty="0" err="1">
-                <a:effectLst/>
                 <a:latin typeface="Gill Sans MT" panose="020B0502020104020203" pitchFamily="34" charset="0"/>
                 <a:ea typeface="Calibri" panose="020F0502020204030204" pitchFamily="34" charset="0"/>
                 <a:cs typeface="Times New Roman" panose="02020603050405020304" pitchFamily="18" charset="0"/>
@@ -9384,7 +10082,6 @@
             </a:r>
             <a:r>
               <a:rPr lang="en-ZW" sz="1800" dirty="0">
-                <a:effectLst/>
                 <a:latin typeface="Gill Sans MT" panose="020B0502020104020203" pitchFamily="34" charset="0"/>
                 <a:ea typeface="Calibri" panose="020F0502020204030204" pitchFamily="34" charset="0"/>
                 <a:cs typeface="Times New Roman" panose="02020603050405020304" pitchFamily="18" charset="0"/>
@@ -9393,7 +10090,6 @@
             </a:r>
             <a:r>
               <a:rPr lang="en-ZW" sz="1800" i="1" dirty="0">
-                <a:effectLst/>
                 <a:latin typeface="Gill Sans MT" panose="020B0502020104020203" pitchFamily="34" charset="0"/>
                 <a:ea typeface="Calibri" panose="020F0502020204030204" pitchFamily="34" charset="0"/>
                 <a:cs typeface="Times New Roman" panose="02020603050405020304" pitchFamily="18" charset="0"/>
@@ -9402,7 +10098,6 @@
             </a:r>
             <a:r>
               <a:rPr lang="en-ZW" sz="1800" dirty="0">
-                <a:effectLst/>
                 <a:latin typeface="Gill Sans MT" panose="020B0502020104020203" pitchFamily="34" charset="0"/>
                 <a:ea typeface="Calibri" panose="020F0502020204030204" pitchFamily="34" charset="0"/>
                 <a:cs typeface="Times New Roman" panose="02020603050405020304" pitchFamily="18" charset="0"/>
@@ -9410,11 +10105,10 @@
               <a:t> 35(2): 334-347. Url: </a:t>
             </a:r>
             <a:r>
-              <a:rPr lang="en-ZW" sz="1800" u="none" strike="noStrike" dirty="0">
+              <a:rPr lang="en-ZW" sz="1800" dirty="0">
                 <a:solidFill>
                   <a:srgbClr val="0563C1"/>
                 </a:solidFill>
-                <a:effectLst/>
                 <a:latin typeface="Gill Sans MT" panose="020B0502020104020203" pitchFamily="34" charset="0"/>
                 <a:ea typeface="Calibri" panose="020F0502020204030204" pitchFamily="34" charset="0"/>
                 <a:cs typeface="Times New Roman" panose="02020603050405020304" pitchFamily="18" charset="0"/>
@@ -9424,7 +10118,6 @@
             </a:r>
             <a:r>
               <a:rPr lang="en-ZW" sz="1800" dirty="0">
-                <a:effectLst/>
                 <a:latin typeface="Gill Sans MT" panose="020B0502020104020203" pitchFamily="34" charset="0"/>
                 <a:ea typeface="Calibri" panose="020F0502020204030204" pitchFamily="34" charset="0"/>
                 <a:cs typeface="Times New Roman" panose="02020603050405020304" pitchFamily="18" charset="0"/>
@@ -9436,7 +10129,6 @@
                 <a:solidFill>
                   <a:srgbClr val="343332"/>
                 </a:solidFill>
-                <a:effectLst/>
                 <a:latin typeface="Helvetica" panose="020B0604020202020204" pitchFamily="34" charset="0"/>
                 <a:ea typeface="Calibri" panose="020F0502020204030204" pitchFamily="34" charset="0"/>
                 <a:cs typeface="Times New Roman" panose="02020603050405020304" pitchFamily="18" charset="0"/>
@@ -9473,7 +10165,6 @@
           <a:p>
             <a:r>
               <a:rPr lang="en-ZW" sz="1800" dirty="0">
-                <a:effectLst/>
                 <a:latin typeface="Gill Sans MT" panose="020B0502020104020203" pitchFamily="34" charset="0"/>
                 <a:ea typeface="Calibri" panose="020F0502020204030204" pitchFamily="34" charset="0"/>
                 <a:cs typeface="Times New Roman" panose="02020603050405020304" pitchFamily="18" charset="0"/>
@@ -9482,7 +10173,6 @@
             </a:r>
             <a:r>
               <a:rPr lang="en-ZW" sz="1800" i="1" dirty="0">
-                <a:effectLst/>
                 <a:latin typeface="Gill Sans MT" panose="020B0502020104020203" pitchFamily="34" charset="0"/>
                 <a:ea typeface="Calibri" panose="020F0502020204030204" pitchFamily="34" charset="0"/>
                 <a:cs typeface="Times New Roman" panose="02020603050405020304" pitchFamily="18" charset="0"/>
@@ -9491,7 +10181,6 @@
             </a:r>
             <a:r>
               <a:rPr lang="en-ZW" sz="1800" dirty="0">
-                <a:effectLst/>
                 <a:latin typeface="Gill Sans MT" panose="020B0502020104020203" pitchFamily="34" charset="0"/>
                 <a:ea typeface="Calibri" panose="020F0502020204030204" pitchFamily="34" charset="0"/>
                 <a:cs typeface="Times New Roman" panose="02020603050405020304" pitchFamily="18" charset="0"/>
@@ -9508,7 +10197,6 @@
                 <a:solidFill>
                   <a:srgbClr val="426198"/>
                 </a:solidFill>
-                <a:effectLst/>
                 <a:latin typeface="Gill Sans MT" panose="020B0502020104020203" pitchFamily="34" charset="0"/>
                 <a:ea typeface="Calibri" panose="020F0502020204030204" pitchFamily="34" charset="0"/>
                 <a:cs typeface="Times New Roman" panose="02020603050405020304" pitchFamily="18" charset="0"/>
@@ -9519,7 +10207,6 @@
           <a:p>
             <a:r>
               <a:rPr lang="en-ZW" sz="1800" dirty="0">
-                <a:effectLst/>
                 <a:latin typeface="Gill Sans MT" panose="020B0502020104020203" pitchFamily="34" charset="0"/>
                 <a:ea typeface="Calibri" panose="020F0502020204030204" pitchFamily="34" charset="0"/>
                 <a:cs typeface="Times New Roman" panose="02020603050405020304" pitchFamily="18" charset="0"/>
@@ -9528,7 +10215,6 @@
             </a:r>
             <a:r>
               <a:rPr lang="en-ZW" sz="1800" dirty="0" err="1">
-                <a:effectLst/>
                 <a:latin typeface="Gill Sans MT" panose="020B0502020104020203" pitchFamily="34" charset="0"/>
                 <a:ea typeface="Calibri" panose="020F0502020204030204" pitchFamily="34" charset="0"/>
                 <a:cs typeface="Times New Roman" panose="02020603050405020304" pitchFamily="18" charset="0"/>
@@ -9537,7 +10223,6 @@
             </a:r>
             <a:r>
               <a:rPr lang="en-ZW" sz="1800" dirty="0">
-                <a:effectLst/>
                 <a:latin typeface="Gill Sans MT" panose="020B0502020104020203" pitchFamily="34" charset="0"/>
                 <a:ea typeface="Calibri" panose="020F0502020204030204" pitchFamily="34" charset="0"/>
                 <a:cs typeface="Times New Roman" panose="02020603050405020304" pitchFamily="18" charset="0"/>
@@ -9546,7 +10231,6 @@
             </a:r>
             <a:r>
               <a:rPr lang="en-ZW" sz="1800" dirty="0" err="1">
-                <a:effectLst/>
                 <a:latin typeface="Gill Sans MT" panose="020B0502020104020203" pitchFamily="34" charset="0"/>
                 <a:ea typeface="Calibri" panose="020F0502020204030204" pitchFamily="34" charset="0"/>
                 <a:cs typeface="Times New Roman" panose="02020603050405020304" pitchFamily="18" charset="0"/>
@@ -9555,7 +10239,6 @@
             </a:r>
             <a:r>
               <a:rPr lang="en-ZW" sz="1800" dirty="0">
-                <a:effectLst/>
                 <a:latin typeface="Gill Sans MT" panose="020B0502020104020203" pitchFamily="34" charset="0"/>
                 <a:ea typeface="Calibri" panose="020F0502020204030204" pitchFamily="34" charset="0"/>
                 <a:cs typeface="Times New Roman" panose="02020603050405020304" pitchFamily="18" charset="0"/>
@@ -9564,7 +10247,6 @@
             </a:r>
             <a:r>
               <a:rPr lang="en-ZW" sz="1800" i="1" dirty="0">
-                <a:effectLst/>
                 <a:latin typeface="Gill Sans MT" panose="020B0502020104020203" pitchFamily="34" charset="0"/>
                 <a:ea typeface="Calibri" panose="020F0502020204030204" pitchFamily="34" charset="0"/>
                 <a:cs typeface="Times New Roman" panose="02020603050405020304" pitchFamily="18" charset="0"/>
@@ -9573,7 +10255,6 @@
             </a:r>
             <a:r>
               <a:rPr lang="en-ZW" sz="1800" dirty="0">
-                <a:effectLst/>
                 <a:latin typeface="Gill Sans MT" panose="020B0502020104020203" pitchFamily="34" charset="0"/>
                 <a:ea typeface="Calibri" panose="020F0502020204030204" pitchFamily="34" charset="0"/>
                 <a:cs typeface="Times New Roman" panose="02020603050405020304" pitchFamily="18" charset="0"/>
@@ -9581,11 +10262,10 @@
               <a:t>14(1), 40. Doi:  </a:t>
             </a:r>
             <a:r>
-              <a:rPr lang="en-ZW" sz="1800" u="none" strike="noStrike" dirty="0">
+              <a:rPr lang="en-ZW" sz="1800" dirty="0">
                 <a:solidFill>
                   <a:srgbClr val="0563C1"/>
                 </a:solidFill>
-                <a:effectLst/>
                 <a:latin typeface="Times New Roman" panose="02020603050405020304" pitchFamily="18" charset="0"/>
                 <a:ea typeface="Calibri" panose="020F0502020204030204" pitchFamily="34" charset="0"/>
                 <a:cs typeface="Times New Roman" panose="02020603050405020304" pitchFamily="18" charset="0"/>
@@ -9595,7 +10275,6 @@
             </a:r>
             <a:r>
               <a:rPr lang="en-ZW" sz="1800" dirty="0">
-                <a:effectLst/>
                 <a:latin typeface="Times New Roman" panose="02020603050405020304" pitchFamily="18" charset="0"/>
                 <a:ea typeface="Calibri" panose="020F0502020204030204" pitchFamily="34" charset="0"/>
                 <a:cs typeface="Times New Roman" panose="02020603050405020304" pitchFamily="18" charset="0"/>
@@ -9607,7 +10286,6 @@
           <a:p>
             <a:r>
               <a:rPr lang="en-ZW" sz="1800" dirty="0" err="1">
-                <a:effectLst/>
                 <a:latin typeface="Gill Sans MT" panose="020B0502020104020203" pitchFamily="34" charset="0"/>
                 <a:ea typeface="Calibri" panose="020F0502020204030204" pitchFamily="34" charset="0"/>
                 <a:cs typeface="Times New Roman" panose="02020603050405020304" pitchFamily="18" charset="0"/>
@@ -9616,7 +10294,6 @@
             </a:r>
             <a:r>
               <a:rPr lang="en-ZW" sz="1800" dirty="0">
-                <a:effectLst/>
                 <a:latin typeface="Gill Sans MT" panose="020B0502020104020203" pitchFamily="34" charset="0"/>
                 <a:ea typeface="Calibri" panose="020F0502020204030204" pitchFamily="34" charset="0"/>
                 <a:cs typeface="Times New Roman" panose="02020603050405020304" pitchFamily="18" charset="0"/>
@@ -9625,7 +10302,6 @@
             </a:r>
             <a:r>
               <a:rPr lang="en-ZW" sz="1800" dirty="0" err="1">
-                <a:effectLst/>
                 <a:latin typeface="Gill Sans MT" panose="020B0502020104020203" pitchFamily="34" charset="0"/>
                 <a:ea typeface="Calibri" panose="020F0502020204030204" pitchFamily="34" charset="0"/>
                 <a:cs typeface="Times New Roman" panose="02020603050405020304" pitchFamily="18" charset="0"/>
@@ -9634,7 +10310,6 @@
             </a:r>
             <a:r>
               <a:rPr lang="en-ZW" sz="1800" dirty="0">
-                <a:effectLst/>
                 <a:latin typeface="Gill Sans MT" panose="020B0502020104020203" pitchFamily="34" charset="0"/>
                 <a:ea typeface="Calibri" panose="020F0502020204030204" pitchFamily="34" charset="0"/>
                 <a:cs typeface="Times New Roman" panose="02020603050405020304" pitchFamily="18" charset="0"/>
@@ -9643,7 +10318,6 @@
             </a:r>
             <a:r>
               <a:rPr lang="en-ZW" sz="1800" dirty="0" err="1">
-                <a:effectLst/>
                 <a:latin typeface="Gill Sans MT" panose="020B0502020104020203" pitchFamily="34" charset="0"/>
                 <a:ea typeface="Calibri" panose="020F0502020204030204" pitchFamily="34" charset="0"/>
                 <a:cs typeface="Times New Roman" panose="02020603050405020304" pitchFamily="18" charset="0"/>
@@ -9652,7 +10326,6 @@
             </a:r>
             <a:r>
               <a:rPr lang="en-ZW" sz="1800" dirty="0">
-                <a:effectLst/>
                 <a:latin typeface="Gill Sans MT" panose="020B0502020104020203" pitchFamily="34" charset="0"/>
                 <a:ea typeface="Calibri" panose="020F0502020204030204" pitchFamily="34" charset="0"/>
                 <a:cs typeface="Times New Roman" panose="02020603050405020304" pitchFamily="18" charset="0"/>
@@ -9661,7 +10334,6 @@
             </a:r>
             <a:r>
               <a:rPr lang="en-ZW" sz="1800" dirty="0" err="1">
-                <a:effectLst/>
                 <a:latin typeface="Gill Sans MT" panose="020B0502020104020203" pitchFamily="34" charset="0"/>
                 <a:ea typeface="Calibri" panose="020F0502020204030204" pitchFamily="34" charset="0"/>
                 <a:cs typeface="Times New Roman" panose="02020603050405020304" pitchFamily="18" charset="0"/>
@@ -9670,7 +10342,6 @@
             </a:r>
             <a:r>
               <a:rPr lang="en-ZW" sz="1800" dirty="0">
-                <a:effectLst/>
                 <a:latin typeface="Gill Sans MT" panose="020B0502020104020203" pitchFamily="34" charset="0"/>
                 <a:ea typeface="Calibri" panose="020F0502020204030204" pitchFamily="34" charset="0"/>
                 <a:cs typeface="Times New Roman" panose="02020603050405020304" pitchFamily="18" charset="0"/>
@@ -9679,7 +10350,6 @@
             </a:r>
             <a:r>
               <a:rPr lang="en-ZW" sz="1800" dirty="0" err="1">
-                <a:effectLst/>
                 <a:latin typeface="Gill Sans MT" panose="020B0502020104020203" pitchFamily="34" charset="0"/>
                 <a:ea typeface="Calibri" panose="020F0502020204030204" pitchFamily="34" charset="0"/>
                 <a:cs typeface="Times New Roman" panose="02020603050405020304" pitchFamily="18" charset="0"/>
@@ -9688,7 +10358,6 @@
             </a:r>
             <a:r>
               <a:rPr lang="en-ZW" sz="1800" dirty="0">
-                <a:effectLst/>
                 <a:latin typeface="Gill Sans MT" panose="020B0502020104020203" pitchFamily="34" charset="0"/>
                 <a:ea typeface="Calibri" panose="020F0502020204030204" pitchFamily="34" charset="0"/>
                 <a:cs typeface="Times New Roman" panose="02020603050405020304" pitchFamily="18" charset="0"/>
@@ -9697,7 +10366,6 @@
             </a:r>
             <a:r>
               <a:rPr lang="en-ZW" sz="1800" i="1" dirty="0">
-                <a:effectLst/>
                 <a:latin typeface="Gill Sans MT" panose="020B0502020104020203" pitchFamily="34" charset="0"/>
                 <a:ea typeface="Calibri" panose="020F0502020204030204" pitchFamily="34" charset="0"/>
                 <a:cs typeface="Times New Roman" panose="02020603050405020304" pitchFamily="18" charset="0"/>
@@ -9706,7 +10374,6 @@
             </a:r>
             <a:r>
               <a:rPr lang="en-ZW" sz="1800" dirty="0">
-                <a:effectLst/>
                 <a:latin typeface="Gill Sans MT" panose="020B0502020104020203" pitchFamily="34" charset="0"/>
                 <a:ea typeface="Calibri" panose="020F0502020204030204" pitchFamily="34" charset="0"/>
                 <a:cs typeface="Times New Roman" panose="02020603050405020304" pitchFamily="18" charset="0"/>
@@ -9718,7 +10385,6 @@
                 <a:solidFill>
                   <a:srgbClr val="333333"/>
                 </a:solidFill>
-                <a:effectLst/>
                 <a:latin typeface="Gill Sans MT" panose="020B0502020104020203" pitchFamily="34" charset="0"/>
                 <a:ea typeface="Calibri" panose="020F0502020204030204" pitchFamily="34" charset="0"/>
                 <a:cs typeface="Segoe UI" panose="020B0502040204020203" pitchFamily="34" charset="0"/>
@@ -9726,7 +10392,6 @@
               <a:t> </a:t>
             </a:r>
             <a:endParaRPr lang="en-ZW" sz="1800" dirty="0">
-              <a:effectLst/>
               <a:latin typeface="Times New Roman" panose="02020603050405020304" pitchFamily="18" charset="0"/>
               <a:ea typeface="Calibri" panose="020F0502020204030204" pitchFamily="34" charset="0"/>
               <a:cs typeface="Times New Roman" panose="02020603050405020304" pitchFamily="18" charset="0"/>
@@ -9870,7 +10535,7 @@
         </p:nvSpPr>
         <p:spPr>
           <a:xfrm>
-            <a:off x="838200" y="365125"/>
+            <a:off x="838200" y="365127"/>
             <a:ext cx="10515600" cy="655807"/>
           </a:xfrm>
         </p:spPr>
@@ -9907,7 +10572,7 @@
         </p:nvSpPr>
         <p:spPr>
           <a:xfrm>
-            <a:off x="630315" y="1216241"/>
+            <a:off x="630316" y="1216241"/>
             <a:ext cx="11292395" cy="5433134"/>
           </a:xfrm>
         </p:spPr>
@@ -10127,8 +10792,8 @@
           </a:p>
         </p:txBody>
       </p:sp>
-      <mc:AlternateContent xmlns:mc="http://schemas.openxmlformats.org/markup-compatibility/2006" xmlns:a14="http://schemas.microsoft.com/office/drawing/2010/main">
-        <mc:Choice Requires="a14">
+      <mc:AlternateContent xmlns:mc="http://schemas.openxmlformats.org/markup-compatibility/2006">
+        <mc:Choice xmlns:a14="http://schemas.microsoft.com/office/drawing/2010/main" Requires="a14">
           <p:sp>
             <p:nvSpPr>
               <p:cNvPr id="3" name="Content Placeholder 2">
@@ -11075,7 +11740,7 @@
             </p:txBody>
           </p:sp>
         </mc:Choice>
-        <mc:Fallback xmlns="">
+        <mc:Fallback>
           <p:sp>
             <p:nvSpPr>
               <p:cNvPr id="3" name="Content Placeholder 2">
@@ -11184,8 +11849,8 @@
           </a:p>
         </p:txBody>
       </p:sp>
-      <mc:AlternateContent xmlns:mc="http://schemas.openxmlformats.org/markup-compatibility/2006" xmlns:a14="http://schemas.microsoft.com/office/drawing/2010/main">
-        <mc:Choice Requires="a14">
+      <mc:AlternateContent xmlns:mc="http://schemas.openxmlformats.org/markup-compatibility/2006">
+        <mc:Choice xmlns:a14="http://schemas.microsoft.com/office/drawing/2010/main" Requires="a14">
           <p:sp>
             <p:nvSpPr>
               <p:cNvPr id="3" name="Content Placeholder 2">
@@ -11235,14 +11900,14 @@
                         <m:naryPr>
                           <m:supHide m:val="on"/>
                           <m:ctrlPr>
-                            <a:rPr lang="en-ZW" sz="2000" b="0" i="1" smtClean="0">
+                            <a:rPr lang="en-ZW" sz="2000" i="1">
                               <a:latin typeface="Cambria Math" panose="02040503050406030204" pitchFamily="18" charset="0"/>
                             </a:rPr>
                           </m:ctrlPr>
                         </m:naryPr>
                         <m:sub>
                           <m:r>
-                            <a:rPr lang="en-ZW" sz="2000" b="0" i="1" smtClean="0">
+                            <a:rPr lang="en-ZW" sz="2000" i="1">
                               <a:latin typeface="Cambria Math" panose="02040503050406030204" pitchFamily="18" charset="0"/>
                             </a:rPr>
                             <m:t>𝜖</m:t>
@@ -11254,20 +11919,20 @@
                             <m:naryPr>
                               <m:supHide m:val="on"/>
                               <m:ctrlPr>
-                                <a:rPr lang="en-ZW" sz="2000" b="0" i="1" smtClean="0">
+                                <a:rPr lang="en-ZW" sz="2000" i="1">
                                   <a:latin typeface="Cambria Math" panose="02040503050406030204" pitchFamily="18" charset="0"/>
                                 </a:rPr>
                               </m:ctrlPr>
                             </m:naryPr>
                             <m:sub>
                               <m:r>
-                                <a:rPr lang="en-ZW" sz="2000" b="0" i="1" smtClean="0">
+                                <a:rPr lang="en-ZW" sz="2000" i="1">
                                   <a:latin typeface="Cambria Math" panose="02040503050406030204" pitchFamily="18" charset="0"/>
                                 </a:rPr>
                                 <m:t>𝑝</m:t>
                               </m:r>
                               <m:r>
-                                <a:rPr lang="en-ZW" sz="2000" b="0" i="1" smtClean="0">
+                                <a:rPr lang="en-ZW" sz="2000" i="1">
                                   <a:latin typeface="Cambria Math" panose="02040503050406030204" pitchFamily="18" charset="0"/>
                                 </a:rPr>
                                 <m:t>&gt;0</m:t>
@@ -11278,14 +11943,14 @@
                               <m:nary>
                                 <m:naryPr>
                                   <m:ctrlPr>
-                                    <a:rPr lang="en-ZW" sz="2000" b="0" i="1" smtClean="0">
+                                    <a:rPr lang="en-ZW" sz="2000" i="1">
                                       <a:latin typeface="Cambria Math" panose="02040503050406030204" pitchFamily="18" charset="0"/>
                                     </a:rPr>
                                   </m:ctrlPr>
                                 </m:naryPr>
                                 <m:sub>
                                   <m:r>
-                                    <a:rPr lang="en-ZW" sz="2000" b="0" i="1" smtClean="0">
+                                    <a:rPr lang="en-ZW" sz="2000" i="1">
                                       <a:latin typeface="Cambria Math" panose="02040503050406030204" pitchFamily="18" charset="0"/>
                                     </a:rPr>
                                     <m:t>𝑦</m:t>
@@ -11293,7 +11958,7 @@
                                 </m:sub>
                                 <m:sup>
                                   <m:r>
-                                    <a:rPr lang="en-ZW" sz="2000" b="0" i="1" smtClean="0">
+                                    <a:rPr lang="en-ZW" sz="2000" i="1">
                                       <a:latin typeface="Cambria Math" panose="02040503050406030204" pitchFamily="18" charset="0"/>
                                     </a:rPr>
                                     <m:t>𝑦</m:t>
@@ -11301,7 +11966,7 @@
                                 </m:sup>
                                 <m:e>
                                   <m:r>
-                                    <a:rPr lang="en-ZW" sz="2000" b="0" i="1" smtClean="0">
+                                    <a:rPr lang="en-ZW" sz="2000" i="1">
                                       <a:latin typeface="Cambria Math" panose="02040503050406030204" pitchFamily="18" charset="0"/>
                                     </a:rPr>
                                     <m:t>𝑈</m:t>
@@ -11309,20 +11974,20 @@
                                   <m:d>
                                     <m:dPr>
                                       <m:ctrlPr>
-                                        <a:rPr lang="en-ZW" sz="2000" b="0" i="1" smtClean="0">
+                                        <a:rPr lang="en-ZW" sz="2000" i="1">
                                           <a:latin typeface="Cambria Math" panose="02040503050406030204" pitchFamily="18" charset="0"/>
                                         </a:rPr>
                                       </m:ctrlPr>
                                     </m:dPr>
                                     <m:e>
                                       <m:r>
-                                        <a:rPr lang="en-ZW" sz="2000" b="0" i="1" smtClean="0">
+                                        <a:rPr lang="en-ZW" sz="2000" i="1">
                                           <a:latin typeface="Cambria Math" panose="02040503050406030204" pitchFamily="18" charset="0"/>
                                         </a:rPr>
                                         <m:t>𝑝𝑦</m:t>
                                       </m:r>
                                       <m:r>
-                                        <a:rPr lang="en-ZW" sz="2000" b="0" i="1" smtClean="0">
+                                        <a:rPr lang="en-ZW" sz="2000" i="1">
                                           <a:latin typeface="Cambria Math" panose="02040503050406030204" pitchFamily="18" charset="0"/>
                                         </a:rPr>
                                         <m:t>−</m:t>
@@ -11330,14 +11995,14 @@
                                       <m:sSup>
                                         <m:sSupPr>
                                           <m:ctrlPr>
-                                            <a:rPr lang="en-ZW" sz="2000" b="0" i="1" smtClean="0">
+                                            <a:rPr lang="en-ZW" sz="2000" i="1">
                                               <a:latin typeface="Cambria Math" panose="02040503050406030204" pitchFamily="18" charset="0"/>
                                             </a:rPr>
                                           </m:ctrlPr>
                                         </m:sSupPr>
                                         <m:e>
                                           <m:r>
-                                            <a:rPr lang="en-ZW" sz="2000" b="0" i="1" smtClean="0">
+                                            <a:rPr lang="en-ZW" sz="2000" i="1">
                                               <a:latin typeface="Cambria Math" panose="02040503050406030204" pitchFamily="18" charset="0"/>
                                             </a:rPr>
                                             <m:t>𝑐</m:t>
@@ -11345,7 +12010,7 @@
                                         </m:e>
                                         <m:sup>
                                           <m:r>
-                                            <a:rPr lang="en-ZW" sz="2000" b="0" i="1" smtClean="0">
+                                            <a:rPr lang="en-ZW" sz="2000" i="1">
                                               <a:latin typeface="Cambria Math" panose="02040503050406030204" pitchFamily="18" charset="0"/>
                                             </a:rPr>
                                             <m:t>𝑔</m:t>
@@ -11357,14 +12022,14 @@
                                   <m:sSup>
                                     <m:sSupPr>
                                       <m:ctrlPr>
-                                        <a:rPr lang="en-ZW" sz="2000" b="0" i="1" smtClean="0">
+                                        <a:rPr lang="en-ZW" sz="2000" i="1">
                                           <a:latin typeface="Cambria Math" panose="02040503050406030204" pitchFamily="18" charset="0"/>
                                         </a:rPr>
                                       </m:ctrlPr>
                                     </m:sSupPr>
                                     <m:e>
                                       <m:r>
-                                        <a:rPr lang="en-ZW" sz="2000" b="0" i="1" smtClean="0">
+                                        <a:rPr lang="en-ZW" sz="2000" i="1">
                                           <a:latin typeface="Cambria Math" panose="02040503050406030204" pitchFamily="18" charset="0"/>
                                         </a:rPr>
                                         <m:t>𝑓</m:t>
@@ -11372,7 +12037,7 @@
                                     </m:e>
                                     <m:sup>
                                       <m:r>
-                                        <a:rPr lang="en-ZW" sz="2000" b="0" i="1" smtClean="0">
+                                        <a:rPr lang="en-ZW" sz="2000" i="1">
                                           <a:latin typeface="Cambria Math" panose="02040503050406030204" pitchFamily="18" charset="0"/>
                                         </a:rPr>
                                         <m:t>𝑔</m:t>
@@ -11382,14 +12047,14 @@
                                   <m:d>
                                     <m:dPr>
                                       <m:ctrlPr>
-                                        <a:rPr lang="en-ZW" sz="2000" b="0" i="1" smtClean="0">
+                                        <a:rPr lang="en-ZW" sz="2000" i="1">
                                           <a:latin typeface="Cambria Math" panose="02040503050406030204" pitchFamily="18" charset="0"/>
                                         </a:rPr>
                                       </m:ctrlPr>
                                     </m:dPr>
                                     <m:e>
                                       <m:r>
-                                        <a:rPr lang="en-ZW" sz="2000" b="0" i="1" smtClean="0">
+                                        <a:rPr lang="en-ZW" sz="2000" i="1">
                                           <a:latin typeface="Cambria Math" panose="02040503050406030204" pitchFamily="18" charset="0"/>
                                         </a:rPr>
                                         <m:t>𝑦</m:t>
@@ -11397,7 +12062,7 @@
                                     </m:e>
                                     <m:e>
                                       <m:r>
-                                        <a:rPr lang="en-ZW" sz="2000" b="0" i="1" smtClean="0">
+                                        <a:rPr lang="en-ZW" sz="2000" i="1">
                                           <a:latin typeface="Cambria Math" panose="02040503050406030204" pitchFamily="18" charset="0"/>
                                         </a:rPr>
                                         <m:t>𝜖</m:t>
@@ -11405,19 +12070,19 @@
                                     </m:e>
                                   </m:d>
                                   <m:r>
-                                    <a:rPr lang="en-ZW" sz="2000" b="0" i="1" smtClean="0">
+                                    <a:rPr lang="en-ZW" sz="2000" i="1">
                                       <a:latin typeface="Cambria Math" panose="02040503050406030204" pitchFamily="18" charset="0"/>
                                     </a:rPr>
                                     <m:t>𝑑𝑦</m:t>
                                   </m:r>
                                   <m:r>
-                                    <a:rPr lang="en-ZW" sz="2000" b="0" i="1" smtClean="0">
+                                    <a:rPr lang="en-ZW" sz="2000" i="1">
                                       <a:latin typeface="Cambria Math" panose="02040503050406030204" pitchFamily="18" charset="0"/>
                                     </a:rPr>
                                     <m:t> </m:t>
                                   </m:r>
                                   <m:r>
-                                    <a:rPr lang="en-ZW" sz="2000" b="0" i="1" smtClean="0">
+                                    <a:rPr lang="en-ZW" sz="2000" i="1">
                                       <a:latin typeface="Cambria Math" panose="02040503050406030204" pitchFamily="18" charset="0"/>
                                     </a:rPr>
                                     <m:t>h</m:t>
@@ -11425,14 +12090,14 @@
                                   <m:d>
                                     <m:dPr>
                                       <m:ctrlPr>
-                                        <a:rPr lang="en-ZW" sz="2000" b="0" i="1" smtClean="0">
+                                        <a:rPr lang="en-ZW" sz="2000" i="1">
                                           <a:latin typeface="Cambria Math" panose="02040503050406030204" pitchFamily="18" charset="0"/>
                                         </a:rPr>
                                       </m:ctrlPr>
                                     </m:dPr>
                                     <m:e>
                                       <m:r>
-                                        <a:rPr lang="en-ZW" sz="2000" b="0" i="1" smtClean="0">
+                                        <a:rPr lang="en-ZW" sz="2000" i="1">
                                           <a:latin typeface="Cambria Math" panose="02040503050406030204" pitchFamily="18" charset="0"/>
                                         </a:rPr>
                                         <m:t>𝑝</m:t>
@@ -11440,7 +12105,7 @@
                                     </m:e>
                                     <m:e>
                                       <m:r>
-                                        <a:rPr lang="en-ZW" sz="2000" b="0" i="1" smtClean="0">
+                                        <a:rPr lang="en-ZW" sz="2000" i="1">
                                           <a:latin typeface="Cambria Math" panose="02040503050406030204" pitchFamily="18" charset="0"/>
                                         </a:rPr>
                                         <m:t>𝜖</m:t>
@@ -11448,7 +12113,7 @@
                                     </m:e>
                                   </m:d>
                                   <m:r>
-                                    <a:rPr lang="en-ZW" sz="2000" b="0" i="1" smtClean="0">
+                                    <a:rPr lang="en-ZW" sz="2000" i="1">
                                       <a:latin typeface="Cambria Math" panose="02040503050406030204" pitchFamily="18" charset="0"/>
                                     </a:rPr>
                                     <m:t>𝑑𝑝</m:t>
@@ -11457,7 +12122,7 @@
                                     <m:rPr>
                                       <m:sty m:val="p"/>
                                     </m:rPr>
-                                    <a:rPr lang="en-ZW" sz="2000" b="0" i="0" smtClean="0">
+                                    <a:rPr lang="en-ZW" sz="2000">
                                       <a:latin typeface="Cambria Math" panose="02040503050406030204" pitchFamily="18" charset="0"/>
                                     </a:rPr>
                                     <m:t>Φ</m:t>
@@ -11465,14 +12130,14 @@
                                   <m:d>
                                     <m:dPr>
                                       <m:ctrlPr>
-                                        <a:rPr lang="en-ZW" sz="2000" b="0" i="1" smtClean="0">
+                                        <a:rPr lang="en-ZW" sz="2000" i="1">
                                           <a:latin typeface="Cambria Math" panose="02040503050406030204" pitchFamily="18" charset="0"/>
                                         </a:rPr>
                                       </m:ctrlPr>
                                     </m:dPr>
                                     <m:e>
                                       <m:r>
-                                        <a:rPr lang="en-ZW" sz="2000" b="0" i="1" smtClean="0">
+                                        <a:rPr lang="en-ZW" sz="2000" i="1">
                                           <a:latin typeface="Cambria Math" panose="02040503050406030204" pitchFamily="18" charset="0"/>
                                         </a:rPr>
                                         <m:t>𝜖</m:t>
@@ -11480,7 +12145,7 @@
                                     </m:e>
                                   </m:d>
                                   <m:r>
-                                    <a:rPr lang="en-ZW" sz="2000" b="0" i="1" smtClean="0">
+                                    <a:rPr lang="en-ZW" sz="2000" i="1">
                                       <a:latin typeface="Cambria Math" panose="02040503050406030204" pitchFamily="18" charset="0"/>
                                     </a:rPr>
                                     <m:t>≥</m:t>
@@ -11491,14 +12156,14 @@
                                 <m:naryPr>
                                   <m:supHide m:val="on"/>
                                   <m:ctrlPr>
-                                    <a:rPr lang="en-ZW" sz="2000" b="0" i="1" smtClean="0">
+                                    <a:rPr lang="en-ZW" sz="2000" i="1">
                                       <a:latin typeface="Cambria Math" panose="02040503050406030204" pitchFamily="18" charset="0"/>
                                     </a:rPr>
                                   </m:ctrlPr>
                                 </m:naryPr>
                                 <m:sub>
                                   <m:r>
-                                    <a:rPr lang="en-ZW" sz="2000" b="0" i="1" smtClean="0">
+                                    <a:rPr lang="en-ZW" sz="2000" i="1">
                                       <a:latin typeface="Cambria Math" panose="02040503050406030204" pitchFamily="18" charset="0"/>
                                     </a:rPr>
                                     <m:t>𝜖</m:t>
@@ -11510,20 +12175,20 @@
                                     <m:naryPr>
                                       <m:supHide m:val="on"/>
                                       <m:ctrlPr>
-                                        <a:rPr lang="en-ZW" sz="2000" b="0" i="1" smtClean="0">
+                                        <a:rPr lang="en-ZW" sz="2000" i="1">
                                           <a:latin typeface="Cambria Math" panose="02040503050406030204" pitchFamily="18" charset="0"/>
                                         </a:rPr>
                                       </m:ctrlPr>
                                     </m:naryPr>
                                     <m:sub>
                                       <m:r>
-                                        <a:rPr lang="en-ZW" sz="2000" b="0" i="1" smtClean="0">
+                                        <a:rPr lang="en-ZW" sz="2000" i="1">
                                           <a:latin typeface="Cambria Math" panose="02040503050406030204" pitchFamily="18" charset="0"/>
                                         </a:rPr>
                                         <m:t>𝑝</m:t>
                                       </m:r>
                                       <m:r>
-                                        <a:rPr lang="en-ZW" sz="2000" b="0" i="1" smtClean="0">
+                                        <a:rPr lang="en-ZW" sz="2000" i="1">
                                           <a:latin typeface="Cambria Math" panose="02040503050406030204" pitchFamily="18" charset="0"/>
                                         </a:rPr>
                                         <m:t>&gt;0</m:t>
@@ -11534,14 +12199,14 @@
                                       <m:nary>
                                         <m:naryPr>
                                           <m:ctrlPr>
-                                            <a:rPr lang="en-ZW" sz="2000" b="0" i="1" smtClean="0">
+                                            <a:rPr lang="en-ZW" sz="2000" i="1">
                                               <a:latin typeface="Cambria Math" panose="02040503050406030204" pitchFamily="18" charset="0"/>
                                             </a:rPr>
                                           </m:ctrlPr>
                                         </m:naryPr>
                                         <m:sub>
                                           <m:r>
-                                            <a:rPr lang="en-ZW" sz="2000" b="0" i="1" smtClean="0">
+                                            <a:rPr lang="en-ZW" sz="2000" i="1">
                                               <a:latin typeface="Cambria Math" panose="02040503050406030204" pitchFamily="18" charset="0"/>
                                             </a:rPr>
                                             <m:t>𝑦</m:t>
@@ -11549,7 +12214,7 @@
                                         </m:sub>
                                         <m:sup>
                                           <m:r>
-                                            <a:rPr lang="en-ZW" sz="2000" b="0" i="1" smtClean="0">
+                                            <a:rPr lang="en-ZW" sz="2000" i="1">
                                               <a:latin typeface="Cambria Math" panose="02040503050406030204" pitchFamily="18" charset="0"/>
                                             </a:rPr>
                                             <m:t>𝑦</m:t>
@@ -11557,7 +12222,7 @@
                                         </m:sup>
                                         <m:e>
                                           <m:r>
-                                            <a:rPr lang="en-ZW" sz="2000" b="0" i="1" smtClean="0">
+                                            <a:rPr lang="en-ZW" sz="2000" i="1">
                                               <a:latin typeface="Cambria Math" panose="02040503050406030204" pitchFamily="18" charset="0"/>
                                             </a:rPr>
                                             <m:t>𝑈</m:t>
@@ -11565,20 +12230,20 @@
                                           <m:d>
                                             <m:dPr>
                                               <m:ctrlPr>
-                                                <a:rPr lang="en-ZW" sz="2000" b="0" i="1" smtClean="0">
+                                                <a:rPr lang="en-ZW" sz="2000" i="1">
                                                   <a:latin typeface="Cambria Math" panose="02040503050406030204" pitchFamily="18" charset="0"/>
                                                 </a:rPr>
                                               </m:ctrlPr>
                                             </m:dPr>
                                             <m:e>
                                               <m:r>
-                                                <a:rPr lang="en-ZW" sz="2000" b="0" i="1" smtClean="0">
+                                                <a:rPr lang="en-ZW" sz="2000" i="1">
                                                   <a:latin typeface="Cambria Math" panose="02040503050406030204" pitchFamily="18" charset="0"/>
                                                 </a:rPr>
                                                 <m:t>𝑝𝑦</m:t>
                                               </m:r>
                                               <m:r>
-                                                <a:rPr lang="en-ZW" sz="2000" b="0" i="1" smtClean="0">
+                                                <a:rPr lang="en-ZW" sz="2000" i="1">
                                                   <a:latin typeface="Cambria Math" panose="02040503050406030204" pitchFamily="18" charset="0"/>
                                                 </a:rPr>
                                                 <m:t>−</m:t>
@@ -11586,14 +12251,14 @@
                                               <m:sSup>
                                                 <m:sSupPr>
                                                   <m:ctrlPr>
-                                                    <a:rPr lang="en-ZW" sz="2000" b="0" i="1" smtClean="0">
+                                                    <a:rPr lang="en-ZW" sz="2000" i="1">
                                                       <a:latin typeface="Cambria Math" panose="02040503050406030204" pitchFamily="18" charset="0"/>
                                                     </a:rPr>
                                                   </m:ctrlPr>
                                                 </m:sSupPr>
                                                 <m:e>
                                                   <m:r>
-                                                    <a:rPr lang="en-ZW" sz="2000" b="0" i="1" smtClean="0">
+                                                    <a:rPr lang="en-ZW" sz="2000" i="1">
                                                       <a:latin typeface="Cambria Math" panose="02040503050406030204" pitchFamily="18" charset="0"/>
                                                     </a:rPr>
                                                     <m:t>𝑐</m:t>
@@ -11601,7 +12266,7 @@
                                                 </m:e>
                                                 <m:sup>
                                                   <m:r>
-                                                    <a:rPr lang="en-ZW" sz="2000" b="0" i="1" smtClean="0">
+                                                    <a:rPr lang="en-ZW" sz="2000" i="1">
                                                       <a:latin typeface="Cambria Math" panose="02040503050406030204" pitchFamily="18" charset="0"/>
                                                     </a:rPr>
                                                     <m:t>𝑟</m:t>
@@ -11613,14 +12278,14 @@
                                           <m:sSup>
                                             <m:sSupPr>
                                               <m:ctrlPr>
-                                                <a:rPr lang="en-ZW" sz="2000" b="0" i="1" smtClean="0">
+                                                <a:rPr lang="en-ZW" sz="2000" i="1">
                                                   <a:latin typeface="Cambria Math" panose="02040503050406030204" pitchFamily="18" charset="0"/>
                                                 </a:rPr>
                                               </m:ctrlPr>
                                             </m:sSupPr>
                                             <m:e>
                                               <m:r>
-                                                <a:rPr lang="en-ZW" sz="2000" b="0" i="1" smtClean="0">
+                                                <a:rPr lang="en-ZW" sz="2000" i="1">
                                                   <a:latin typeface="Cambria Math" panose="02040503050406030204" pitchFamily="18" charset="0"/>
                                                 </a:rPr>
                                                 <m:t>𝑓</m:t>
@@ -11628,7 +12293,7 @@
                                             </m:e>
                                             <m:sup>
                                               <m:r>
-                                                <a:rPr lang="en-ZW" sz="2000" b="0" i="1" smtClean="0">
+                                                <a:rPr lang="en-ZW" sz="2000" i="1">
                                                   <a:latin typeface="Cambria Math" panose="02040503050406030204" pitchFamily="18" charset="0"/>
                                                 </a:rPr>
                                                 <m:t>𝑟</m:t>
@@ -11638,14 +12303,14 @@
                                           <m:d>
                                             <m:dPr>
                                               <m:ctrlPr>
-                                                <a:rPr lang="en-ZW" sz="2000" b="0" i="1" smtClean="0">
+                                                <a:rPr lang="en-ZW" sz="2000" i="1">
                                                   <a:latin typeface="Cambria Math" panose="02040503050406030204" pitchFamily="18" charset="0"/>
                                                 </a:rPr>
                                               </m:ctrlPr>
                                             </m:dPr>
                                             <m:e>
                                               <m:r>
-                                                <a:rPr lang="en-ZW" sz="2000" b="0" i="1" smtClean="0">
+                                                <a:rPr lang="en-ZW" sz="2000" i="1">
                                                   <a:latin typeface="Cambria Math" panose="02040503050406030204" pitchFamily="18" charset="0"/>
                                                 </a:rPr>
                                                 <m:t>𝑦</m:t>
@@ -11653,7 +12318,7 @@
                                             </m:e>
                                             <m:e>
                                               <m:r>
-                                                <a:rPr lang="en-ZW" sz="2000" b="0" i="1" smtClean="0">
+                                                <a:rPr lang="en-ZW" sz="2000" i="1">
                                                   <a:latin typeface="Cambria Math" panose="02040503050406030204" pitchFamily="18" charset="0"/>
                                                 </a:rPr>
                                                 <m:t>𝜖</m:t>
@@ -11661,7 +12326,7 @@
                                             </m:e>
                                           </m:d>
                                           <m:r>
-                                            <a:rPr lang="en-ZW" sz="2000" b="0" i="1" smtClean="0">
+                                            <a:rPr lang="en-ZW" sz="2000" i="1">
                                               <a:latin typeface="Cambria Math" panose="02040503050406030204" pitchFamily="18" charset="0"/>
                                             </a:rPr>
                                             <m:t>𝑑𝑦h</m:t>
@@ -11669,14 +12334,14 @@
                                           <m:d>
                                             <m:dPr>
                                               <m:ctrlPr>
-                                                <a:rPr lang="en-ZW" sz="2000" b="0" i="1" smtClean="0">
+                                                <a:rPr lang="en-ZW" sz="2000" i="1">
                                                   <a:latin typeface="Cambria Math" panose="02040503050406030204" pitchFamily="18" charset="0"/>
                                                 </a:rPr>
                                               </m:ctrlPr>
                                             </m:dPr>
                                             <m:e>
                                               <m:r>
-                                                <a:rPr lang="en-ZW" sz="2000" b="0" i="1" smtClean="0">
+                                                <a:rPr lang="en-ZW" sz="2000" i="1">
                                                   <a:latin typeface="Cambria Math" panose="02040503050406030204" pitchFamily="18" charset="0"/>
                                                 </a:rPr>
                                                 <m:t>𝑝</m:t>
@@ -11684,7 +12349,7 @@
                                             </m:e>
                                             <m:e>
                                               <m:r>
-                                                <a:rPr lang="en-ZW" sz="2000" b="0" i="1" smtClean="0">
+                                                <a:rPr lang="en-ZW" sz="2000" i="1">
                                                   <a:latin typeface="Cambria Math" panose="02040503050406030204" pitchFamily="18" charset="0"/>
                                                 </a:rPr>
                                                 <m:t>𝜖</m:t>
@@ -11692,13 +12357,13 @@
                                             </m:e>
                                           </m:d>
                                           <m:r>
-                                            <a:rPr lang="en-ZW" sz="2000" b="0" i="1" smtClean="0">
+                                            <a:rPr lang="en-ZW" sz="2000" i="1">
                                               <a:latin typeface="Cambria Math" panose="02040503050406030204" pitchFamily="18" charset="0"/>
                                             </a:rPr>
                                             <m:t>𝑑𝑝</m:t>
                                           </m:r>
                                           <m:r>
-                                            <a:rPr lang="en-ZW" sz="2000" b="0" i="1" smtClean="0">
+                                            <a:rPr lang="en-ZW" sz="2000" i="1">
                                               <a:latin typeface="Cambria Math" panose="02040503050406030204" pitchFamily="18" charset="0"/>
                                             </a:rPr>
                                             <m:t> </m:t>
@@ -11707,25 +12372,25 @@
                                             <m:rPr>
                                               <m:sty m:val="p"/>
                                             </m:rPr>
-                                            <a:rPr lang="en-ZW" sz="2000" b="0" i="0" smtClean="0">
+                                            <a:rPr lang="en-ZW" sz="2000">
                                               <a:latin typeface="Cambria Math" panose="02040503050406030204" pitchFamily="18" charset="0"/>
                                             </a:rPr>
                                             <m:t>Φ</m:t>
                                           </m:r>
                                           <m:r>
-                                            <a:rPr lang="en-ZW" sz="2000" b="0" i="1" smtClean="0">
+                                            <a:rPr lang="en-ZW" sz="2000" i="1">
                                               <a:latin typeface="Cambria Math" panose="02040503050406030204" pitchFamily="18" charset="0"/>
                                             </a:rPr>
                                             <m:t>(</m:t>
                                           </m:r>
                                           <m:r>
-                                            <a:rPr lang="en-ZW" sz="2000" b="0" i="1" smtClean="0">
+                                            <a:rPr lang="en-ZW" sz="2000" i="1">
                                               <a:latin typeface="Cambria Math" panose="02040503050406030204" pitchFamily="18" charset="0"/>
                                             </a:rPr>
                                             <m:t>𝜖</m:t>
                                           </m:r>
                                           <m:r>
-                                            <a:rPr lang="en-ZW" sz="2000" b="0" i="1" smtClean="0">
+                                            <a:rPr lang="en-ZW" sz="2000" i="1">
                                               <a:latin typeface="Cambria Math" panose="02040503050406030204" pitchFamily="18" charset="0"/>
                                             </a:rPr>
                                             <m:t>)</m:t>
@@ -11783,14 +12448,14 @@
                         <m:naryPr>
                           <m:supHide m:val="on"/>
                           <m:ctrlPr>
-                            <a:rPr lang="en-ZW" sz="1800" b="0" i="1" smtClean="0">
+                            <a:rPr lang="en-ZW" sz="1800" i="1">
                               <a:latin typeface="Cambria Math" panose="02040503050406030204" pitchFamily="18" charset="0"/>
                             </a:rPr>
                           </m:ctrlPr>
                         </m:naryPr>
                         <m:sub>
                           <m:r>
-                            <a:rPr lang="en-ZW" sz="1800" b="0" i="1" smtClean="0">
+                            <a:rPr lang="en-ZW" sz="1800" i="1">
                               <a:latin typeface="Cambria Math" panose="02040503050406030204" pitchFamily="18" charset="0"/>
                             </a:rPr>
                             <m:t>𝜖</m:t>
@@ -11802,20 +12467,20 @@
                             <m:naryPr>
                               <m:supHide m:val="on"/>
                               <m:ctrlPr>
-                                <a:rPr lang="en-ZW" sz="1800" b="0" i="1" smtClean="0">
+                                <a:rPr lang="en-ZW" sz="1800" i="1">
                                   <a:latin typeface="Cambria Math" panose="02040503050406030204" pitchFamily="18" charset="0"/>
                                 </a:rPr>
                               </m:ctrlPr>
                             </m:naryPr>
                             <m:sub>
                               <m:r>
-                                <a:rPr lang="en-ZW" sz="1800" b="0" i="1" smtClean="0">
+                                <a:rPr lang="en-ZW" sz="1800" i="1">
                                   <a:latin typeface="Cambria Math" panose="02040503050406030204" pitchFamily="18" charset="0"/>
                                 </a:rPr>
                                 <m:t>𝑝</m:t>
                               </m:r>
                               <m:r>
-                                <a:rPr lang="en-ZW" sz="1800" b="0" i="1" smtClean="0">
+                                <a:rPr lang="en-ZW" sz="1800" i="1">
                                   <a:latin typeface="Cambria Math" panose="02040503050406030204" pitchFamily="18" charset="0"/>
                                 </a:rPr>
                                 <m:t>&gt;0</m:t>
@@ -11826,14 +12491,14 @@
                               <m:nary>
                                 <m:naryPr>
                                   <m:ctrlPr>
-                                    <a:rPr lang="en-ZW" sz="1800" b="0" i="1" smtClean="0">
+                                    <a:rPr lang="en-ZW" sz="1800" i="1">
                                       <a:latin typeface="Cambria Math" panose="02040503050406030204" pitchFamily="18" charset="0"/>
                                     </a:rPr>
                                   </m:ctrlPr>
                                 </m:naryPr>
                                 <m:sub>
                                   <m:r>
-                                    <a:rPr lang="en-ZW" sz="1800" b="0" i="1" smtClean="0">
+                                    <a:rPr lang="en-ZW" sz="1800" i="1">
                                       <a:latin typeface="Cambria Math" panose="02040503050406030204" pitchFamily="18" charset="0"/>
                                     </a:rPr>
                                     <m:t>𝑦</m:t>
@@ -11841,7 +12506,7 @@
                                 </m:sub>
                                 <m:sup>
                                   <m:r>
-                                    <a:rPr lang="en-ZW" sz="1800" b="0" i="1" smtClean="0">
+                                    <a:rPr lang="en-ZW" sz="1800" i="1">
                                       <a:latin typeface="Cambria Math" panose="02040503050406030204" pitchFamily="18" charset="0"/>
                                     </a:rPr>
                                     <m:t>𝑦</m:t>
@@ -11849,7 +12514,7 @@
                                 </m:sup>
                                 <m:e>
                                   <m:r>
-                                    <a:rPr lang="en-ZW" sz="1800" b="0" i="1" smtClean="0">
+                                    <a:rPr lang="en-ZW" sz="1800" i="1">
                                       <a:latin typeface="Cambria Math" panose="02040503050406030204" pitchFamily="18" charset="0"/>
                                     </a:rPr>
                                     <m:t>𝑈</m:t>
@@ -11857,20 +12522,20 @@
                                   <m:d>
                                     <m:dPr>
                                       <m:ctrlPr>
-                                        <a:rPr lang="en-ZW" sz="1800" b="0" i="1" smtClean="0">
+                                        <a:rPr lang="en-ZW" sz="1800" i="1">
                                           <a:latin typeface="Cambria Math" panose="02040503050406030204" pitchFamily="18" charset="0"/>
                                         </a:rPr>
                                       </m:ctrlPr>
                                     </m:dPr>
                                     <m:e>
                                       <m:r>
-                                        <a:rPr lang="en-ZW" sz="1800" b="0" i="1" smtClean="0">
+                                        <a:rPr lang="en-ZW" sz="1800" i="1">
                                           <a:latin typeface="Cambria Math" panose="02040503050406030204" pitchFamily="18" charset="0"/>
                                         </a:rPr>
                                         <m:t>𝑝</m:t>
                                       </m:r>
                                       <m:r>
-                                        <a:rPr lang="en-ZW" sz="1800" b="1" i="1" smtClean="0">
+                                        <a:rPr lang="en-ZW" sz="1800" b="1" i="1">
                                           <a:solidFill>
                                             <a:srgbClr val="426198"/>
                                           </a:solidFill>
@@ -11879,7 +12544,7 @@
                                         <m:t>(</m:t>
                                       </m:r>
                                       <m:r>
-                                        <a:rPr lang="en-ZW" sz="1800" b="1" i="1" smtClean="0">
+                                        <a:rPr lang="en-ZW" sz="1800" b="1" i="1">
                                           <a:solidFill>
                                             <a:srgbClr val="426198"/>
                                           </a:solidFill>
@@ -11888,7 +12553,7 @@
                                         <m:t>𝒚</m:t>
                                       </m:r>
                                       <m:r>
-                                        <a:rPr lang="en-ZW" sz="1800" b="1" i="1" smtClean="0">
+                                        <a:rPr lang="en-ZW" sz="1800" b="1" i="1">
                                           <a:solidFill>
                                             <a:srgbClr val="426198"/>
                                           </a:solidFill>
@@ -11897,7 +12562,7 @@
                                         <m:t>−</m:t>
                                       </m:r>
                                       <m:r>
-                                        <a:rPr lang="en-ZW" sz="1800" b="1" i="1" smtClean="0">
+                                        <a:rPr lang="en-ZW" sz="1800" b="1" i="1">
                                           <a:solidFill>
                                             <a:srgbClr val="426198"/>
                                           </a:solidFill>
@@ -11906,7 +12571,7 @@
                                         <m:t>𝒘</m:t>
                                       </m:r>
                                       <m:r>
-                                        <a:rPr lang="en-ZW" sz="1800" b="1" i="1" smtClean="0">
+                                        <a:rPr lang="en-ZW" sz="1800" b="1" i="1">
                                           <a:solidFill>
                                             <a:srgbClr val="426198"/>
                                           </a:solidFill>
@@ -11915,7 +12580,7 @@
                                         <m:t>)</m:t>
                                       </m:r>
                                       <m:r>
-                                        <a:rPr lang="en-ZW" sz="1800" b="0" i="1" smtClean="0">
+                                        <a:rPr lang="en-ZW" sz="1800" i="1">
                                           <a:latin typeface="Cambria Math" panose="02040503050406030204" pitchFamily="18" charset="0"/>
                                         </a:rPr>
                                         <m:t>−</m:t>
@@ -11923,14 +12588,14 @@
                                       <m:sSup>
                                         <m:sSupPr>
                                           <m:ctrlPr>
-                                            <a:rPr lang="en-ZW" sz="1800" b="0" i="1" smtClean="0">
+                                            <a:rPr lang="en-ZW" sz="1800" i="1">
                                               <a:latin typeface="Cambria Math" panose="02040503050406030204" pitchFamily="18" charset="0"/>
                                             </a:rPr>
                                           </m:ctrlPr>
                                         </m:sSupPr>
                                         <m:e>
                                           <m:r>
-                                            <a:rPr lang="en-ZW" sz="1800" b="0" i="1" smtClean="0">
+                                            <a:rPr lang="en-ZW" sz="1800" i="1">
                                               <a:latin typeface="Cambria Math" panose="02040503050406030204" pitchFamily="18" charset="0"/>
                                             </a:rPr>
                                             <m:t>𝑐</m:t>
@@ -11938,7 +12603,7 @@
                                         </m:e>
                                         <m:sup>
                                           <m:r>
-                                            <a:rPr lang="en-ZW" sz="1800" b="0" i="1" smtClean="0">
+                                            <a:rPr lang="en-ZW" sz="1800" i="1">
                                               <a:latin typeface="Cambria Math" panose="02040503050406030204" pitchFamily="18" charset="0"/>
                                             </a:rPr>
                                             <m:t>𝑔</m:t>
@@ -11950,14 +12615,14 @@
                                   <m:sSup>
                                     <m:sSupPr>
                                       <m:ctrlPr>
-                                        <a:rPr lang="en-ZW" sz="1800" b="0" i="1" smtClean="0">
+                                        <a:rPr lang="en-ZW" sz="1800" i="1">
                                           <a:latin typeface="Cambria Math" panose="02040503050406030204" pitchFamily="18" charset="0"/>
                                         </a:rPr>
                                       </m:ctrlPr>
                                     </m:sSupPr>
                                     <m:e>
                                       <m:r>
-                                        <a:rPr lang="en-ZW" sz="1800" b="0" i="1" smtClean="0">
+                                        <a:rPr lang="en-ZW" sz="1800" i="1">
                                           <a:latin typeface="Cambria Math" panose="02040503050406030204" pitchFamily="18" charset="0"/>
                                         </a:rPr>
                                         <m:t>𝑓</m:t>
@@ -11965,7 +12630,7 @@
                                     </m:e>
                                     <m:sup>
                                       <m:r>
-                                        <a:rPr lang="en-ZW" sz="1800" b="0" i="1" smtClean="0">
+                                        <a:rPr lang="en-ZW" sz="1800" i="1">
                                           <a:latin typeface="Cambria Math" panose="02040503050406030204" pitchFamily="18" charset="0"/>
                                         </a:rPr>
                                         <m:t>𝑔</m:t>
@@ -11975,14 +12640,14 @@
                                   <m:d>
                                     <m:dPr>
                                       <m:ctrlPr>
-                                        <a:rPr lang="en-ZW" sz="1800" b="0" i="1" smtClean="0">
+                                        <a:rPr lang="en-ZW" sz="1800" i="1">
                                           <a:latin typeface="Cambria Math" panose="02040503050406030204" pitchFamily="18" charset="0"/>
                                         </a:rPr>
                                       </m:ctrlPr>
                                     </m:dPr>
                                     <m:e>
                                       <m:r>
-                                        <a:rPr lang="en-ZW" sz="1800" b="0" i="1" smtClean="0">
+                                        <a:rPr lang="en-ZW" sz="1800" i="1">
                                           <a:latin typeface="Cambria Math" panose="02040503050406030204" pitchFamily="18" charset="0"/>
                                         </a:rPr>
                                         <m:t>𝑦</m:t>
@@ -11990,7 +12655,7 @@
                                     </m:e>
                                     <m:e>
                                       <m:r>
-                                        <a:rPr lang="en-ZW" sz="1800" b="0" i="1" smtClean="0">
+                                        <a:rPr lang="en-ZW" sz="1800" i="1">
                                           <a:latin typeface="Cambria Math" panose="02040503050406030204" pitchFamily="18" charset="0"/>
                                         </a:rPr>
                                         <m:t>𝜖</m:t>
@@ -11998,19 +12663,19 @@
                                     </m:e>
                                   </m:d>
                                   <m:r>
-                                    <a:rPr lang="en-ZW" sz="1800" b="0" i="1" smtClean="0">
+                                    <a:rPr lang="en-ZW" sz="1800" i="1">
                                       <a:latin typeface="Cambria Math" panose="02040503050406030204" pitchFamily="18" charset="0"/>
                                     </a:rPr>
                                     <m:t>𝑑𝑦</m:t>
                                   </m:r>
                                   <m:r>
-                                    <a:rPr lang="en-ZW" sz="1800" b="0" i="1" smtClean="0">
+                                    <a:rPr lang="en-ZW" sz="1800" i="1">
                                       <a:latin typeface="Cambria Math" panose="02040503050406030204" pitchFamily="18" charset="0"/>
                                     </a:rPr>
                                     <m:t> </m:t>
                                   </m:r>
                                   <m:r>
-                                    <a:rPr lang="en-ZW" sz="1800" b="0" i="1" smtClean="0">
+                                    <a:rPr lang="en-ZW" sz="1800" i="1">
                                       <a:latin typeface="Cambria Math" panose="02040503050406030204" pitchFamily="18" charset="0"/>
                                     </a:rPr>
                                     <m:t>h</m:t>
@@ -12018,14 +12683,14 @@
                                   <m:d>
                                     <m:dPr>
                                       <m:ctrlPr>
-                                        <a:rPr lang="en-ZW" sz="1800" b="0" i="1" smtClean="0">
+                                        <a:rPr lang="en-ZW" sz="1800" i="1">
                                           <a:latin typeface="Cambria Math" panose="02040503050406030204" pitchFamily="18" charset="0"/>
                                         </a:rPr>
                                       </m:ctrlPr>
                                     </m:dPr>
                                     <m:e>
                                       <m:r>
-                                        <a:rPr lang="en-ZW" sz="1800" b="0" i="1" smtClean="0">
+                                        <a:rPr lang="en-ZW" sz="1800" i="1">
                                           <a:latin typeface="Cambria Math" panose="02040503050406030204" pitchFamily="18" charset="0"/>
                                         </a:rPr>
                                         <m:t>𝑝</m:t>
@@ -12033,7 +12698,7 @@
                                     </m:e>
                                     <m:e>
                                       <m:r>
-                                        <a:rPr lang="en-ZW" sz="1800" b="0" i="1" smtClean="0">
+                                        <a:rPr lang="en-ZW" sz="1800" i="1">
                                           <a:latin typeface="Cambria Math" panose="02040503050406030204" pitchFamily="18" charset="0"/>
                                         </a:rPr>
                                         <m:t>𝜖</m:t>
@@ -12041,7 +12706,7 @@
                                     </m:e>
                                   </m:d>
                                   <m:r>
-                                    <a:rPr lang="en-ZW" sz="1800" b="0" i="1" smtClean="0">
+                                    <a:rPr lang="en-ZW" sz="1800" i="1">
                                       <a:latin typeface="Cambria Math" panose="02040503050406030204" pitchFamily="18" charset="0"/>
                                     </a:rPr>
                                     <m:t>𝑑𝑝</m:t>
@@ -12050,7 +12715,7 @@
                                     <m:rPr>
                                       <m:sty m:val="p"/>
                                     </m:rPr>
-                                    <a:rPr lang="en-ZW" sz="1800" b="0" i="0" smtClean="0">
+                                    <a:rPr lang="en-ZW" sz="1800">
                                       <a:latin typeface="Cambria Math" panose="02040503050406030204" pitchFamily="18" charset="0"/>
                                     </a:rPr>
                                     <m:t>Φ</m:t>
@@ -12058,14 +12723,14 @@
                                   <m:d>
                                     <m:dPr>
                                       <m:ctrlPr>
-                                        <a:rPr lang="en-ZW" sz="1800" b="0" i="1" smtClean="0">
+                                        <a:rPr lang="en-ZW" sz="1800" i="1">
                                           <a:latin typeface="Cambria Math" panose="02040503050406030204" pitchFamily="18" charset="0"/>
                                         </a:rPr>
                                       </m:ctrlPr>
                                     </m:dPr>
                                     <m:e>
                                       <m:r>
-                                        <a:rPr lang="en-ZW" sz="1800" b="0" i="1" smtClean="0">
+                                        <a:rPr lang="en-ZW" sz="1800" i="1">
                                           <a:latin typeface="Cambria Math" panose="02040503050406030204" pitchFamily="18" charset="0"/>
                                         </a:rPr>
                                         <m:t>𝜖</m:t>
@@ -12073,7 +12738,7 @@
                                     </m:e>
                                   </m:d>
                                   <m:r>
-                                    <a:rPr lang="en-ZW" sz="1800" b="0" i="1" smtClean="0">
+                                    <a:rPr lang="en-ZW" sz="1800" i="1">
                                       <a:latin typeface="Cambria Math" panose="02040503050406030204" pitchFamily="18" charset="0"/>
                                     </a:rPr>
                                     <m:t>≥</m:t>
@@ -12084,14 +12749,14 @@
                                 <m:naryPr>
                                   <m:supHide m:val="on"/>
                                   <m:ctrlPr>
-                                    <a:rPr lang="en-ZW" sz="1800" b="0" i="1" smtClean="0">
+                                    <a:rPr lang="en-ZW" sz="1800" i="1">
                                       <a:latin typeface="Cambria Math" panose="02040503050406030204" pitchFamily="18" charset="0"/>
                                     </a:rPr>
                                   </m:ctrlPr>
                                 </m:naryPr>
                                 <m:sub>
                                   <m:r>
-                                    <a:rPr lang="en-ZW" sz="1800" b="0" i="1" smtClean="0">
+                                    <a:rPr lang="en-ZW" sz="1800" i="1">
                                       <a:latin typeface="Cambria Math" panose="02040503050406030204" pitchFamily="18" charset="0"/>
                                     </a:rPr>
                                     <m:t>𝜖</m:t>
@@ -12103,20 +12768,20 @@
                                     <m:naryPr>
                                       <m:supHide m:val="on"/>
                                       <m:ctrlPr>
-                                        <a:rPr lang="en-ZW" sz="1800" b="0" i="1" smtClean="0">
+                                        <a:rPr lang="en-ZW" sz="1800" i="1">
                                           <a:latin typeface="Cambria Math" panose="02040503050406030204" pitchFamily="18" charset="0"/>
                                         </a:rPr>
                                       </m:ctrlPr>
                                     </m:naryPr>
                                     <m:sub>
                                       <m:r>
-                                        <a:rPr lang="en-ZW" sz="1800" b="0" i="1" smtClean="0">
+                                        <a:rPr lang="en-ZW" sz="1800" i="1">
                                           <a:latin typeface="Cambria Math" panose="02040503050406030204" pitchFamily="18" charset="0"/>
                                         </a:rPr>
                                         <m:t>𝑝</m:t>
                                       </m:r>
                                       <m:r>
-                                        <a:rPr lang="en-ZW" sz="1800" b="0" i="1" smtClean="0">
+                                        <a:rPr lang="en-ZW" sz="1800" i="1">
                                           <a:latin typeface="Cambria Math" panose="02040503050406030204" pitchFamily="18" charset="0"/>
                                         </a:rPr>
                                         <m:t>&gt;0</m:t>
@@ -12127,14 +12792,14 @@
                                       <m:nary>
                                         <m:naryPr>
                                           <m:ctrlPr>
-                                            <a:rPr lang="en-ZW" sz="1800" b="0" i="1" smtClean="0">
+                                            <a:rPr lang="en-ZW" sz="1800" i="1">
                                               <a:latin typeface="Cambria Math" panose="02040503050406030204" pitchFamily="18" charset="0"/>
                                             </a:rPr>
                                           </m:ctrlPr>
                                         </m:naryPr>
                                         <m:sub>
                                           <m:r>
-                                            <a:rPr lang="en-ZW" sz="1800" b="0" i="1" smtClean="0">
+                                            <a:rPr lang="en-ZW" sz="1800" i="1">
                                               <a:latin typeface="Cambria Math" panose="02040503050406030204" pitchFamily="18" charset="0"/>
                                             </a:rPr>
                                             <m:t>𝑦</m:t>
@@ -12142,7 +12807,7 @@
                                         </m:sub>
                                         <m:sup>
                                           <m:r>
-                                            <a:rPr lang="en-ZW" sz="1800" b="0" i="1" smtClean="0">
+                                            <a:rPr lang="en-ZW" sz="1800" i="1">
                                               <a:latin typeface="Cambria Math" panose="02040503050406030204" pitchFamily="18" charset="0"/>
                                             </a:rPr>
                                             <m:t>𝑦</m:t>
@@ -12150,7 +12815,7 @@
                                         </m:sup>
                                         <m:e>
                                           <m:r>
-                                            <a:rPr lang="en-ZW" sz="1800" b="0" i="1" smtClean="0">
+                                            <a:rPr lang="en-ZW" sz="1800" i="1">
                                               <a:latin typeface="Cambria Math" panose="02040503050406030204" pitchFamily="18" charset="0"/>
                                             </a:rPr>
                                             <m:t>𝑈</m:t>
@@ -12158,20 +12823,20 @@
                                           <m:d>
                                             <m:dPr>
                                               <m:ctrlPr>
-                                                <a:rPr lang="en-ZW" sz="1800" b="0" i="1" smtClean="0">
+                                                <a:rPr lang="en-ZW" sz="1800" i="1">
                                                   <a:latin typeface="Cambria Math" panose="02040503050406030204" pitchFamily="18" charset="0"/>
                                                 </a:rPr>
                                               </m:ctrlPr>
                                             </m:dPr>
                                             <m:e>
                                               <m:r>
-                                                <a:rPr lang="en-ZW" sz="1800" b="0" i="1" smtClean="0">
+                                                <a:rPr lang="en-ZW" sz="1800" i="1">
                                                   <a:latin typeface="Cambria Math" panose="02040503050406030204" pitchFamily="18" charset="0"/>
                                                 </a:rPr>
                                                 <m:t>𝑝𝑦</m:t>
                                               </m:r>
                                               <m:r>
-                                                <a:rPr lang="en-ZW" sz="1800" b="0" i="1" smtClean="0">
+                                                <a:rPr lang="en-ZW" sz="1800" i="1">
                                                   <a:latin typeface="Cambria Math" panose="02040503050406030204" pitchFamily="18" charset="0"/>
                                                 </a:rPr>
                                                 <m:t>−</m:t>
@@ -12179,14 +12844,14 @@
                                               <m:sSup>
                                                 <m:sSupPr>
                                                   <m:ctrlPr>
-                                                    <a:rPr lang="en-ZW" sz="1800" b="0" i="1" smtClean="0">
+                                                    <a:rPr lang="en-ZW" sz="1800" i="1">
                                                       <a:latin typeface="Cambria Math" panose="02040503050406030204" pitchFamily="18" charset="0"/>
                                                     </a:rPr>
                                                   </m:ctrlPr>
                                                 </m:sSupPr>
                                                 <m:e>
                                                   <m:r>
-                                                    <a:rPr lang="en-ZW" sz="1800" b="0" i="1" smtClean="0">
+                                                    <a:rPr lang="en-ZW" sz="1800" i="1">
                                                       <a:latin typeface="Cambria Math" panose="02040503050406030204" pitchFamily="18" charset="0"/>
                                                     </a:rPr>
                                                     <m:t>𝑐</m:t>
@@ -12194,7 +12859,7 @@
                                                 </m:e>
                                                 <m:sup>
                                                   <m:r>
-                                                    <a:rPr lang="en-ZW" sz="1800" b="0" i="1" smtClean="0">
+                                                    <a:rPr lang="en-ZW" sz="1800" i="1">
                                                       <a:latin typeface="Cambria Math" panose="02040503050406030204" pitchFamily="18" charset="0"/>
                                                     </a:rPr>
                                                     <m:t>𝑟</m:t>
@@ -12206,14 +12871,14 @@
                                           <m:sSup>
                                             <m:sSupPr>
                                               <m:ctrlPr>
-                                                <a:rPr lang="en-ZW" sz="1800" b="0" i="1" smtClean="0">
+                                                <a:rPr lang="en-ZW" sz="1800" i="1">
                                                   <a:latin typeface="Cambria Math" panose="02040503050406030204" pitchFamily="18" charset="0"/>
                                                 </a:rPr>
                                               </m:ctrlPr>
                                             </m:sSupPr>
                                             <m:e>
                                               <m:r>
-                                                <a:rPr lang="en-ZW" sz="1800" b="0" i="1" smtClean="0">
+                                                <a:rPr lang="en-ZW" sz="1800" i="1">
                                                   <a:latin typeface="Cambria Math" panose="02040503050406030204" pitchFamily="18" charset="0"/>
                                                 </a:rPr>
                                                 <m:t>𝑓</m:t>
@@ -12221,7 +12886,7 @@
                                             </m:e>
                                             <m:sup>
                                               <m:r>
-                                                <a:rPr lang="en-ZW" sz="1800" b="0" i="1" smtClean="0">
+                                                <a:rPr lang="en-ZW" sz="1800" i="1">
                                                   <a:latin typeface="Cambria Math" panose="02040503050406030204" pitchFamily="18" charset="0"/>
                                                 </a:rPr>
                                                 <m:t>𝑟</m:t>
@@ -12231,14 +12896,14 @@
                                           <m:d>
                                             <m:dPr>
                                               <m:ctrlPr>
-                                                <a:rPr lang="en-ZW" sz="1800" b="0" i="1" smtClean="0">
+                                                <a:rPr lang="en-ZW" sz="1800" i="1">
                                                   <a:latin typeface="Cambria Math" panose="02040503050406030204" pitchFamily="18" charset="0"/>
                                                 </a:rPr>
                                               </m:ctrlPr>
                                             </m:dPr>
                                             <m:e>
                                               <m:r>
-                                                <a:rPr lang="en-ZW" sz="1800" b="0" i="1" smtClean="0">
+                                                <a:rPr lang="en-ZW" sz="1800" i="1">
                                                   <a:latin typeface="Cambria Math" panose="02040503050406030204" pitchFamily="18" charset="0"/>
                                                 </a:rPr>
                                                 <m:t>𝑦</m:t>
@@ -12246,7 +12911,7 @@
                                             </m:e>
                                             <m:e>
                                               <m:r>
-                                                <a:rPr lang="en-ZW" sz="1800" b="0" i="1" smtClean="0">
+                                                <a:rPr lang="en-ZW" sz="1800" i="1">
                                                   <a:latin typeface="Cambria Math" panose="02040503050406030204" pitchFamily="18" charset="0"/>
                                                 </a:rPr>
                                                 <m:t>𝜖</m:t>
@@ -12254,7 +12919,7 @@
                                             </m:e>
                                           </m:d>
                                           <m:r>
-                                            <a:rPr lang="en-ZW" sz="1800" b="0" i="1" smtClean="0">
+                                            <a:rPr lang="en-ZW" sz="1800" i="1">
                                               <a:latin typeface="Cambria Math" panose="02040503050406030204" pitchFamily="18" charset="0"/>
                                             </a:rPr>
                                             <m:t>𝑑𝑦h</m:t>
@@ -12262,14 +12927,14 @@
                                           <m:d>
                                             <m:dPr>
                                               <m:ctrlPr>
-                                                <a:rPr lang="en-ZW" sz="1800" b="0" i="1" smtClean="0">
+                                                <a:rPr lang="en-ZW" sz="1800" i="1">
                                                   <a:latin typeface="Cambria Math" panose="02040503050406030204" pitchFamily="18" charset="0"/>
                                                 </a:rPr>
                                               </m:ctrlPr>
                                             </m:dPr>
                                             <m:e>
                                               <m:r>
-                                                <a:rPr lang="en-ZW" sz="1800" b="0" i="1" smtClean="0">
+                                                <a:rPr lang="en-ZW" sz="1800" i="1">
                                                   <a:latin typeface="Cambria Math" panose="02040503050406030204" pitchFamily="18" charset="0"/>
                                                 </a:rPr>
                                                 <m:t>𝑝</m:t>
@@ -12277,7 +12942,7 @@
                                             </m:e>
                                             <m:e>
                                               <m:r>
-                                                <a:rPr lang="en-ZW" sz="1800" b="0" i="1" smtClean="0">
+                                                <a:rPr lang="en-ZW" sz="1800" i="1">
                                                   <a:latin typeface="Cambria Math" panose="02040503050406030204" pitchFamily="18" charset="0"/>
                                                 </a:rPr>
                                                 <m:t>𝜖</m:t>
@@ -12285,13 +12950,13 @@
                                             </m:e>
                                           </m:d>
                                           <m:r>
-                                            <a:rPr lang="en-ZW" sz="1800" b="0" i="1" smtClean="0">
+                                            <a:rPr lang="en-ZW" sz="1800" i="1">
                                               <a:latin typeface="Cambria Math" panose="02040503050406030204" pitchFamily="18" charset="0"/>
                                             </a:rPr>
                                             <m:t>𝑑𝑝</m:t>
                                           </m:r>
                                           <m:r>
-                                            <a:rPr lang="en-ZW" sz="1800" b="0" i="1" smtClean="0">
+                                            <a:rPr lang="en-ZW" sz="1800" i="1">
                                               <a:latin typeface="Cambria Math" panose="02040503050406030204" pitchFamily="18" charset="0"/>
                                             </a:rPr>
                                             <m:t> </m:t>
@@ -12300,25 +12965,25 @@
                                             <m:rPr>
                                               <m:sty m:val="p"/>
                                             </m:rPr>
-                                            <a:rPr lang="en-ZW" sz="1800" b="0" i="0" smtClean="0">
+                                            <a:rPr lang="en-ZW" sz="1800">
                                               <a:latin typeface="Cambria Math" panose="02040503050406030204" pitchFamily="18" charset="0"/>
                                             </a:rPr>
                                             <m:t>Φ</m:t>
                                           </m:r>
                                           <m:r>
-                                            <a:rPr lang="en-ZW" sz="1800" b="0" i="1" smtClean="0">
+                                            <a:rPr lang="en-ZW" sz="1800" i="1">
                                               <a:latin typeface="Cambria Math" panose="02040503050406030204" pitchFamily="18" charset="0"/>
                                             </a:rPr>
                                             <m:t>(</m:t>
                                           </m:r>
                                           <m:r>
-                                            <a:rPr lang="en-ZW" sz="1800" b="0" i="1" smtClean="0">
+                                            <a:rPr lang="en-ZW" sz="1800" i="1">
                                               <a:latin typeface="Cambria Math" panose="02040503050406030204" pitchFamily="18" charset="0"/>
                                             </a:rPr>
                                             <m:t>𝜖</m:t>
                                           </m:r>
                                           <m:r>
-                                            <a:rPr lang="en-ZW" sz="1800" b="0" i="1" smtClean="0">
+                                            <a:rPr lang="en-ZW" sz="1800" i="1">
                                               <a:latin typeface="Cambria Math" panose="02040503050406030204" pitchFamily="18" charset="0"/>
                                             </a:rPr>
                                             <m:t>)</m:t>
@@ -12336,7 +13001,7 @@
                     </m:oMath>
                   </m:oMathPara>
                 </a14:m>
-                <a:endParaRPr lang="en-ZW" sz="1800" b="0" dirty="0">
+                <a:endParaRPr lang="en-ZW" sz="1800" dirty="0">
                   <a:latin typeface="Goudy Old Style" panose="02020502050305020303" pitchFamily="18" charset="0"/>
                 </a:endParaRPr>
               </a:p>
@@ -12359,7 +13024,7 @@
                     </m:oMathParaPr>
                     <m:oMath xmlns:m="http://schemas.openxmlformats.org/officeDocument/2006/math">
                       <m:r>
-                        <a:rPr lang="en-ZW" sz="1800" b="0" i="1" smtClean="0">
+                        <a:rPr lang="en-ZW" sz="1800" i="1">
                           <a:latin typeface="Cambria Math" panose="02040503050406030204" pitchFamily="18" charset="0"/>
                         </a:rPr>
                         <m:t>𝑊𝑇</m:t>
@@ -12367,14 +13032,14 @@
                       <m:sSup>
                         <m:sSupPr>
                           <m:ctrlPr>
-                            <a:rPr lang="en-ZW" sz="1800" b="0" i="1" smtClean="0">
+                            <a:rPr lang="en-ZW" sz="1800" i="1">
                               <a:latin typeface="Cambria Math" panose="02040503050406030204" pitchFamily="18" charset="0"/>
                             </a:rPr>
                           </m:ctrlPr>
                         </m:sSupPr>
                         <m:e>
                           <m:r>
-                            <a:rPr lang="en-ZW" sz="1800" b="0" i="1" smtClean="0">
+                            <a:rPr lang="en-ZW" sz="1800" i="1">
                               <a:latin typeface="Cambria Math" panose="02040503050406030204" pitchFamily="18" charset="0"/>
                             </a:rPr>
                             <m:t>𝑃</m:t>
@@ -12382,7 +13047,7 @@
                         </m:e>
                         <m:sup>
                           <m:r>
-                            <a:rPr lang="en-ZW" sz="1800" b="0" i="1" smtClean="0">
+                            <a:rPr lang="en-ZW" sz="1800" i="1">
                               <a:latin typeface="Cambria Math" panose="02040503050406030204" pitchFamily="18" charset="0"/>
                             </a:rPr>
                             <m:t>𝐿𝐵</m:t>
@@ -12390,7 +13055,7 @@
                         </m:sup>
                       </m:sSup>
                       <m:r>
-                        <a:rPr lang="en-ZW" sz="1800" b="0" i="1" smtClean="0">
+                        <a:rPr lang="en-ZW" sz="1800" i="1">
                           <a:latin typeface="Cambria Math" panose="02040503050406030204" pitchFamily="18" charset="0"/>
                         </a:rPr>
                         <m:t>=</m:t>
@@ -12398,7 +13063,7 @@
                       <m:func>
                         <m:funcPr>
                           <m:ctrlPr>
-                            <a:rPr lang="en-ZW" sz="1800" b="0" i="1" smtClean="0">
+                            <a:rPr lang="en-ZW" sz="1800" i="1">
                               <a:latin typeface="Cambria Math" panose="02040503050406030204" pitchFamily="18" charset="0"/>
                             </a:rPr>
                           </m:ctrlPr>
@@ -12407,7 +13072,7 @@
                           <m:limLow>
                             <m:limLowPr>
                               <m:ctrlPr>
-                                <a:rPr lang="en-ZW" sz="1800" b="0" i="1" smtClean="0">
+                                <a:rPr lang="en-ZW" sz="1800" i="1">
                                   <a:latin typeface="Cambria Math" panose="02040503050406030204" pitchFamily="18" charset="0"/>
                                 </a:rPr>
                               </m:ctrlPr>
@@ -12417,7 +13082,7 @@
                                 <m:rPr>
                                   <m:sty m:val="p"/>
                                 </m:rPr>
-                                <a:rPr lang="en-ZW" sz="1800" b="0" i="0" smtClean="0">
+                                <a:rPr lang="en-ZW" sz="1800">
                                   <a:latin typeface="Cambria Math" panose="02040503050406030204" pitchFamily="18" charset="0"/>
                                 </a:rPr>
                                 <m:t>max</m:t>
@@ -12425,7 +13090,7 @@
                             </m:e>
                             <m:lim>
                               <m:r>
-                                <a:rPr lang="en-ZW" sz="1800" b="0" i="1" smtClean="0">
+                                <a:rPr lang="en-ZW" sz="1800" i="1">
                                   <a:latin typeface="Cambria Math" panose="02040503050406030204" pitchFamily="18" charset="0"/>
                                 </a:rPr>
                                 <m:t>𝑤</m:t>
@@ -12435,19 +13100,19 @@
                         </m:fName>
                         <m:e>
                           <m:r>
-                            <a:rPr lang="en-ZW" sz="1800" b="0" i="1" smtClean="0">
+                            <a:rPr lang="en-ZW" sz="1800" i="1">
                               <a:latin typeface="Cambria Math" panose="02040503050406030204" pitchFamily="18" charset="0"/>
                             </a:rPr>
                             <m:t>{</m:t>
                           </m:r>
                           <m:r>
-                            <a:rPr lang="en-ZW" sz="1800" b="0" i="1" smtClean="0">
+                            <a:rPr lang="en-ZW" sz="1800" i="1">
                               <a:latin typeface="Cambria Math" panose="02040503050406030204" pitchFamily="18" charset="0"/>
                             </a:rPr>
                             <m:t>𝑤</m:t>
                           </m:r>
                           <m:r>
-                            <a:rPr lang="en-ZW" sz="1800" b="0" i="1" smtClean="0">
+                            <a:rPr lang="en-ZW" sz="1800" i="1">
                               <a:latin typeface="Cambria Math" panose="02040503050406030204" pitchFamily="18" charset="0"/>
                             </a:rPr>
                             <m:t>:</m:t>
@@ -12525,7 +13190,7 @@
                                 </m:sSupPr>
                                 <m:e>
                                   <m:r>
-                                    <a:rPr lang="en-ZW" sz="1800" i="1" smtClean="0">
+                                    <a:rPr lang="en-ZW" sz="1800" i="1">
                                       <a:latin typeface="Cambria Math" panose="02040503050406030204" pitchFamily="18" charset="0"/>
                                     </a:rPr>
                                     <m:t>𝐹</m:t>
@@ -12828,7 +13493,7 @@
                                 <m:t>𝜖</m:t>
                               </m:r>
                               <m:r>
-                                <a:rPr lang="en-ZW" sz="1800" b="0" i="1" smtClean="0">
+                                <a:rPr lang="en-ZW" sz="1800" i="1">
                                   <a:latin typeface="Cambria Math" panose="02040503050406030204" pitchFamily="18" charset="0"/>
                                 </a:rPr>
                                 <m:t>}</m:t>
@@ -12869,7 +13534,7 @@
                     </m:oMathParaPr>
                     <m:oMath xmlns:m="http://schemas.openxmlformats.org/officeDocument/2006/math">
                       <m:r>
-                        <a:rPr lang="en-ZW" sz="2000" b="0" i="1" smtClean="0">
+                        <a:rPr lang="en-ZW" sz="2000" i="1">
                           <a:latin typeface="Cambria Math" panose="02040503050406030204" pitchFamily="18" charset="0"/>
                         </a:rPr>
                         <m:t>𝑊𝑇</m:t>
@@ -12877,14 +13542,14 @@
                       <m:sSup>
                         <m:sSupPr>
                           <m:ctrlPr>
-                            <a:rPr lang="en-ZW" sz="2000" b="0" i="1" smtClean="0">
+                            <a:rPr lang="en-ZW" sz="2000" i="1">
                               <a:latin typeface="Cambria Math" panose="02040503050406030204" pitchFamily="18" charset="0"/>
                             </a:rPr>
                           </m:ctrlPr>
                         </m:sSupPr>
                         <m:e>
                           <m:r>
-                            <a:rPr lang="en-ZW" sz="2000" b="0" i="1" smtClean="0">
+                            <a:rPr lang="en-ZW" sz="2000" i="1">
                               <a:latin typeface="Cambria Math" panose="02040503050406030204" pitchFamily="18" charset="0"/>
                             </a:rPr>
                             <m:t>𝑃</m:t>
@@ -12892,7 +13557,7 @@
                         </m:e>
                         <m:sup>
                           <m:r>
-                            <a:rPr lang="en-ZW" sz="2000" b="0" i="1" smtClean="0">
+                            <a:rPr lang="en-ZW" sz="2000" i="1">
                               <a:latin typeface="Cambria Math" panose="02040503050406030204" pitchFamily="18" charset="0"/>
                             </a:rPr>
                             <m:t>𝑈𝐵</m:t>
@@ -12900,7 +13565,7 @@
                         </m:sup>
                       </m:sSup>
                       <m:r>
-                        <a:rPr lang="en-ZW" sz="2000" b="0" i="1" smtClean="0">
+                        <a:rPr lang="en-ZW" sz="2000" i="1">
                           <a:latin typeface="Cambria Math" panose="02040503050406030204" pitchFamily="18" charset="0"/>
                         </a:rPr>
                         <m:t>=</m:t>
@@ -12908,7 +13573,7 @@
                       <m:func>
                         <m:funcPr>
                           <m:ctrlPr>
-                            <a:rPr lang="en-ZW" sz="2000" b="0" i="1" smtClean="0">
+                            <a:rPr lang="en-ZW" sz="2000" i="1">
                               <a:latin typeface="Cambria Math" panose="02040503050406030204" pitchFamily="18" charset="0"/>
                             </a:rPr>
                           </m:ctrlPr>
@@ -12917,7 +13582,7 @@
                           <m:limLow>
                             <m:limLowPr>
                               <m:ctrlPr>
-                                <a:rPr lang="en-ZW" sz="2000" b="0" i="1" smtClean="0">
+                                <a:rPr lang="en-ZW" sz="2000" i="1">
                                   <a:latin typeface="Cambria Math" panose="02040503050406030204" pitchFamily="18" charset="0"/>
                                 </a:rPr>
                               </m:ctrlPr>
@@ -12927,7 +13592,7 @@
                                 <m:rPr>
                                   <m:sty m:val="p"/>
                                 </m:rPr>
-                                <a:rPr lang="en-ZW" sz="2000" b="0" i="0" smtClean="0">
+                                <a:rPr lang="en-ZW" sz="2000">
                                   <a:latin typeface="Cambria Math" panose="02040503050406030204" pitchFamily="18" charset="0"/>
                                 </a:rPr>
                                 <m:t>min</m:t>
@@ -12935,7 +13600,7 @@
                             </m:e>
                             <m:lim>
                               <m:r>
-                                <a:rPr lang="en-ZW" sz="2000" b="0" i="1" smtClean="0">
+                                <a:rPr lang="en-ZW" sz="2000" i="1">
                                   <a:latin typeface="Cambria Math" panose="02040503050406030204" pitchFamily="18" charset="0"/>
                                 </a:rPr>
                                 <m:t>𝑤</m:t>
@@ -13357,7 +14022,7 @@
             </p:txBody>
           </p:sp>
         </mc:Choice>
-        <mc:Fallback xmlns="">
+        <mc:Fallback>
           <p:sp>
             <p:nvSpPr>
               <p:cNvPr id="3" name="Content Placeholder 2">
@@ -13466,8 +14131,8 @@
           </a:p>
         </p:txBody>
       </p:sp>
-      <mc:AlternateContent xmlns:mc="http://schemas.openxmlformats.org/markup-compatibility/2006" xmlns:a14="http://schemas.microsoft.com/office/drawing/2010/main">
-        <mc:Choice Requires="a14">
+      <mc:AlternateContent xmlns:mc="http://schemas.openxmlformats.org/markup-compatibility/2006">
+        <mc:Choice xmlns:a14="http://schemas.microsoft.com/office/drawing/2010/main" Requires="a14">
           <p:sp>
             <p:nvSpPr>
               <p:cNvPr id="3" name="Content Placeholder 2">
@@ -13827,7 +14492,7 @@
             </p:txBody>
           </p:sp>
         </mc:Choice>
-        <mc:Fallback xmlns="">
+        <mc:Fallback>
           <p:sp>
             <p:nvSpPr>
               <p:cNvPr id="3" name="Content Placeholder 2">
@@ -14086,7 +14751,7 @@
         </p:blipFill>
         <p:spPr>
           <a:xfrm>
-            <a:off x="7795492" y="1520456"/>
+            <a:off x="7795494" y="1520458"/>
             <a:ext cx="4110183" cy="4843399"/>
           </a:xfrm>
           <a:prstGeom prst="rect">

--- a/Planting date strategies under risk considerations_IGP_v2.pptx
+++ b/Planting date strategies under risk considerations_IGP_v2.pptx
@@ -5,7 +5,7 @@
     <p:sldMasterId id="2147483648" r:id="rId1"/>
   </p:sldMasterIdLst>
   <p:notesMasterIdLst>
-    <p:notesMasterId r:id="rId25"/>
+    <p:notesMasterId r:id="rId24"/>
   </p:notesMasterIdLst>
   <p:sldIdLst>
     <p:sldId id="256" r:id="rId2"/>
@@ -19,18 +19,17 @@
     <p:sldId id="260" r:id="rId10"/>
     <p:sldId id="403" r:id="rId11"/>
     <p:sldId id="258" r:id="rId12"/>
-    <p:sldId id="407" r:id="rId13"/>
-    <p:sldId id="281" r:id="rId14"/>
-    <p:sldId id="266" r:id="rId15"/>
-    <p:sldId id="404" r:id="rId16"/>
-    <p:sldId id="408" r:id="rId17"/>
-    <p:sldId id="413" r:id="rId18"/>
-    <p:sldId id="420" r:id="rId19"/>
-    <p:sldId id="418" r:id="rId20"/>
-    <p:sldId id="419" r:id="rId21"/>
-    <p:sldId id="268" r:id="rId22"/>
-    <p:sldId id="414" r:id="rId23"/>
-    <p:sldId id="285" r:id="rId24"/>
+    <p:sldId id="266" r:id="rId13"/>
+    <p:sldId id="404" r:id="rId14"/>
+    <p:sldId id="408" r:id="rId15"/>
+    <p:sldId id="413" r:id="rId16"/>
+    <p:sldId id="423" r:id="rId17"/>
+    <p:sldId id="418" r:id="rId18"/>
+    <p:sldId id="419" r:id="rId19"/>
+    <p:sldId id="422" r:id="rId20"/>
+    <p:sldId id="268" r:id="rId21"/>
+    <p:sldId id="414" r:id="rId22"/>
+    <p:sldId id="285" r:id="rId23"/>
   </p:sldIdLst>
   <p:sldSz cx="12192000" cy="6858000"/>
   <p:notesSz cx="6858000" cy="9144000"/>
@@ -140,7 +139,7 @@
 <file path=ppt/revisionInfo.xml><?xml version="1.0" encoding="utf-8"?>
 <p1510:revInfo xmlns:a="http://schemas.openxmlformats.org/drawingml/2006/main" xmlns:r="http://schemas.openxmlformats.org/officeDocument/2006/relationships" xmlns:p1510="http://schemas.microsoft.com/office/powerpoint/2015/10/main">
   <p1510:revLst>
-    <p1510:client id="{E8D17F3F-A9E1-4CB6-AE23-77212FC715F0}" v="51" dt="2023-08-12T19:15:20.003"/>
+    <p1510:client id="{E8D17F3F-A9E1-4CB6-AE23-77212FC715F0}" v="56" dt="2023-08-31T09:23:57.668"/>
   </p1510:revLst>
 </p1510:revInfo>
 </file>
@@ -150,7 +149,7 @@
   <pc:docChgLst>
     <pc:chgData name="MKONDIWA, Maxwell (CIMMYT-India)" userId="861bee07-b612-4cf7-beae-414489ecebf8" providerId="ADAL" clId="{E8D17F3F-A9E1-4CB6-AE23-77212FC715F0}"/>
     <pc:docChg chg="undo custSel addSld delSld modSld modMainMaster modNotesMaster">
-      <pc:chgData name="MKONDIWA, Maxwell (CIMMYT-India)" userId="861bee07-b612-4cf7-beae-414489ecebf8" providerId="ADAL" clId="{E8D17F3F-A9E1-4CB6-AE23-77212FC715F0}" dt="2023-08-12T19:24:27.817" v="412" actId="1076"/>
+      <pc:chgData name="MKONDIWA, Maxwell (CIMMYT-India)" userId="861bee07-b612-4cf7-beae-414489ecebf8" providerId="ADAL" clId="{E8D17F3F-A9E1-4CB6-AE23-77212FC715F0}" dt="2023-08-31T09:24:59.228" v="513" actId="14100"/>
       <pc:docMkLst>
         <pc:docMk/>
       </pc:docMkLst>
@@ -388,8 +387,8 @@
           </ac:spMkLst>
         </pc:spChg>
       </pc:sldChg>
-      <pc:sldChg chg="modSp">
-        <pc:chgData name="MKONDIWA, Maxwell (CIMMYT-India)" userId="861bee07-b612-4cf7-beae-414489ecebf8" providerId="ADAL" clId="{E8D17F3F-A9E1-4CB6-AE23-77212FC715F0}" dt="2023-08-12T16:50:34.374" v="400"/>
+      <pc:sldChg chg="addSp modSp mod">
+        <pc:chgData name="MKONDIWA, Maxwell (CIMMYT-India)" userId="861bee07-b612-4cf7-beae-414489ecebf8" providerId="ADAL" clId="{E8D17F3F-A9E1-4CB6-AE23-77212FC715F0}" dt="2023-08-31T09:18:02.134" v="425" actId="207"/>
         <pc:sldMkLst>
           <pc:docMk/>
           <pc:sldMk cId="2192085616" sldId="271"/>
@@ -402,6 +401,14 @@
             <ac:spMk id="2" creationId="{2C272222-4228-5BCB-707A-17637A4558F7}"/>
           </ac:spMkLst>
         </pc:spChg>
+        <pc:spChg chg="add mod">
+          <ac:chgData name="MKONDIWA, Maxwell (CIMMYT-India)" userId="861bee07-b612-4cf7-beae-414489ecebf8" providerId="ADAL" clId="{E8D17F3F-A9E1-4CB6-AE23-77212FC715F0}" dt="2023-08-31T09:18:02.134" v="425" actId="207"/>
+          <ac:spMkLst>
+            <pc:docMk/>
+            <pc:sldMk cId="2192085616" sldId="271"/>
+            <ac:spMk id="6" creationId="{CFF0DC65-A6E3-483B-84F4-CDD11D132645}"/>
+          </ac:spMkLst>
+        </pc:spChg>
         <pc:graphicFrameChg chg="mod">
           <ac:chgData name="MKONDIWA, Maxwell (CIMMYT-India)" userId="861bee07-b612-4cf7-beae-414489ecebf8" providerId="ADAL" clId="{E8D17F3F-A9E1-4CB6-AE23-77212FC715F0}" dt="2023-08-12T16:50:34.374" v="400"/>
           <ac:graphicFrameMkLst>
@@ -410,8 +417,8 @@
             <ac:graphicFrameMk id="3" creationId="{B3216D11-DB45-A27D-4069-A672A2770288}"/>
           </ac:graphicFrameMkLst>
         </pc:graphicFrameChg>
-        <pc:graphicFrameChg chg="mod">
-          <ac:chgData name="MKONDIWA, Maxwell (CIMMYT-India)" userId="861bee07-b612-4cf7-beae-414489ecebf8" providerId="ADAL" clId="{E8D17F3F-A9E1-4CB6-AE23-77212FC715F0}" dt="2023-08-12T16:50:34.374" v="400"/>
+        <pc:graphicFrameChg chg="mod modGraphic">
+          <ac:chgData name="MKONDIWA, Maxwell (CIMMYT-India)" userId="861bee07-b612-4cf7-beae-414489ecebf8" providerId="ADAL" clId="{E8D17F3F-A9E1-4CB6-AE23-77212FC715F0}" dt="2023-08-31T09:16:11.669" v="414" actId="113"/>
           <ac:graphicFrameMkLst>
             <pc:docMk/>
             <pc:sldMk cId="2192085616" sldId="271"/>
@@ -419,7 +426,7 @@
           </ac:graphicFrameMkLst>
         </pc:graphicFrameChg>
         <pc:picChg chg="mod">
-          <ac:chgData name="MKONDIWA, Maxwell (CIMMYT-India)" userId="861bee07-b612-4cf7-beae-414489ecebf8" providerId="ADAL" clId="{E8D17F3F-A9E1-4CB6-AE23-77212FC715F0}" dt="2023-08-12T16:50:34.374" v="400"/>
+          <ac:chgData name="MKONDIWA, Maxwell (CIMMYT-India)" userId="861bee07-b612-4cf7-beae-414489ecebf8" providerId="ADAL" clId="{E8D17F3F-A9E1-4CB6-AE23-77212FC715F0}" dt="2023-08-31T09:17:08.088" v="415" actId="14100"/>
           <ac:picMkLst>
             <pc:docMk/>
             <pc:sldMk cId="2192085616" sldId="271"/>
@@ -450,8 +457,8 @@
           </ac:spMkLst>
         </pc:spChg>
       </pc:sldChg>
-      <pc:sldChg chg="modSp">
-        <pc:chgData name="MKONDIWA, Maxwell (CIMMYT-India)" userId="861bee07-b612-4cf7-beae-414489ecebf8" providerId="ADAL" clId="{E8D17F3F-A9E1-4CB6-AE23-77212FC715F0}" dt="2023-08-12T16:50:34.374" v="400"/>
+      <pc:sldChg chg="modSp del">
+        <pc:chgData name="MKONDIWA, Maxwell (CIMMYT-India)" userId="861bee07-b612-4cf7-beae-414489ecebf8" providerId="ADAL" clId="{E8D17F3F-A9E1-4CB6-AE23-77212FC715F0}" dt="2023-08-31T09:19:30.208" v="426" actId="47"/>
         <pc:sldMkLst>
           <pc:docMk/>
           <pc:sldMk cId="2044663496" sldId="281"/>
@@ -820,8 +827,8 @@
           </ac:picMkLst>
         </pc:picChg>
       </pc:sldChg>
-      <pc:sldChg chg="modSp">
-        <pc:chgData name="MKONDIWA, Maxwell (CIMMYT-India)" userId="861bee07-b612-4cf7-beae-414489ecebf8" providerId="ADAL" clId="{E8D17F3F-A9E1-4CB6-AE23-77212FC715F0}" dt="2023-08-12T16:50:34.374" v="400"/>
+      <pc:sldChg chg="modSp del">
+        <pc:chgData name="MKONDIWA, Maxwell (CIMMYT-India)" userId="861bee07-b612-4cf7-beae-414489ecebf8" providerId="ADAL" clId="{E8D17F3F-A9E1-4CB6-AE23-77212FC715F0}" dt="2023-08-31T09:19:34.325" v="427" actId="47"/>
         <pc:sldMkLst>
           <pc:docMk/>
           <pc:sldMk cId="662815972" sldId="407"/>
@@ -844,11 +851,19 @@
         </pc:spChg>
       </pc:sldChg>
       <pc:sldChg chg="addSp delSp modSp mod setBg modNotes">
-        <pc:chgData name="MKONDIWA, Maxwell (CIMMYT-India)" userId="861bee07-b612-4cf7-beae-414489ecebf8" providerId="ADAL" clId="{E8D17F3F-A9E1-4CB6-AE23-77212FC715F0}" dt="2023-08-12T18:48:43.532" v="406" actId="165"/>
+        <pc:chgData name="MKONDIWA, Maxwell (CIMMYT-India)" userId="861bee07-b612-4cf7-beae-414489ecebf8" providerId="ADAL" clId="{E8D17F3F-A9E1-4CB6-AE23-77212FC715F0}" dt="2023-08-31T09:24:59.228" v="513" actId="14100"/>
         <pc:sldMkLst>
           <pc:docMk/>
           <pc:sldMk cId="578307128" sldId="408"/>
         </pc:sldMkLst>
+        <pc:spChg chg="add mod">
+          <ac:chgData name="MKONDIWA, Maxwell (CIMMYT-India)" userId="861bee07-b612-4cf7-beae-414489ecebf8" providerId="ADAL" clId="{E8D17F3F-A9E1-4CB6-AE23-77212FC715F0}" dt="2023-08-31T09:24:59.228" v="513" actId="14100"/>
+          <ac:spMkLst>
+            <pc:docMk/>
+            <pc:sldMk cId="578307128" sldId="408"/>
+            <ac:spMk id="3" creationId="{78FD1CC3-1425-A1FD-26CD-0F52A71100A6}"/>
+          </ac:spMkLst>
+        </pc:spChg>
         <pc:spChg chg="add del mod">
           <ac:chgData name="MKONDIWA, Maxwell (CIMMYT-India)" userId="861bee07-b612-4cf7-beae-414489ecebf8" providerId="ADAL" clId="{E8D17F3F-A9E1-4CB6-AE23-77212FC715F0}" dt="2023-07-21T08:04:41.838" v="38" actId="767"/>
           <ac:spMkLst>
@@ -946,7 +961,7 @@
           </ac:picMkLst>
         </pc:picChg>
         <pc:picChg chg="add mod topLvl">
-          <ac:chgData name="MKONDIWA, Maxwell (CIMMYT-India)" userId="861bee07-b612-4cf7-beae-414489ecebf8" providerId="ADAL" clId="{E8D17F3F-A9E1-4CB6-AE23-77212FC715F0}" dt="2023-08-12T18:48:43.532" v="406" actId="165"/>
+          <ac:chgData name="MKONDIWA, Maxwell (CIMMYT-India)" userId="861bee07-b612-4cf7-beae-414489ecebf8" providerId="ADAL" clId="{E8D17F3F-A9E1-4CB6-AE23-77212FC715F0}" dt="2023-08-31T09:24:44.145" v="508" actId="1076"/>
           <ac:picMkLst>
             <pc:docMk/>
             <pc:sldMk cId="578307128" sldId="408"/>
@@ -962,7 +977,7 @@
           </ac:picMkLst>
         </pc:picChg>
         <pc:picChg chg="add mod topLvl">
-          <ac:chgData name="MKONDIWA, Maxwell (CIMMYT-India)" userId="861bee07-b612-4cf7-beae-414489ecebf8" providerId="ADAL" clId="{E8D17F3F-A9E1-4CB6-AE23-77212FC715F0}" dt="2023-08-12T18:48:43.532" v="406" actId="165"/>
+          <ac:chgData name="MKONDIWA, Maxwell (CIMMYT-India)" userId="861bee07-b612-4cf7-beae-414489ecebf8" providerId="ADAL" clId="{E8D17F3F-A9E1-4CB6-AE23-77212FC715F0}" dt="2023-08-31T09:24:34.490" v="506" actId="1076"/>
           <ac:picMkLst>
             <pc:docMk/>
             <pc:sldMk cId="578307128" sldId="408"/>
@@ -978,7 +993,7 @@
           </ac:picMkLst>
         </pc:picChg>
         <pc:picChg chg="add mod ord topLvl">
-          <ac:chgData name="MKONDIWA, Maxwell (CIMMYT-India)" userId="861bee07-b612-4cf7-beae-414489ecebf8" providerId="ADAL" clId="{E8D17F3F-A9E1-4CB6-AE23-77212FC715F0}" dt="2023-08-12T18:48:43.532" v="406" actId="165"/>
+          <ac:chgData name="MKONDIWA, Maxwell (CIMMYT-India)" userId="861bee07-b612-4cf7-beae-414489ecebf8" providerId="ADAL" clId="{E8D17F3F-A9E1-4CB6-AE23-77212FC715F0}" dt="2023-08-31T09:24:40.022" v="507" actId="1076"/>
           <ac:picMkLst>
             <pc:docMk/>
             <pc:sldMk cId="578307128" sldId="408"/>
@@ -986,7 +1001,7 @@
           </ac:picMkLst>
         </pc:picChg>
         <pc:picChg chg="add mod ord topLvl">
-          <ac:chgData name="MKONDIWA, Maxwell (CIMMYT-India)" userId="861bee07-b612-4cf7-beae-414489ecebf8" providerId="ADAL" clId="{E8D17F3F-A9E1-4CB6-AE23-77212FC715F0}" dt="2023-08-12T18:48:43.532" v="406" actId="165"/>
+          <ac:chgData name="MKONDIWA, Maxwell (CIMMYT-India)" userId="861bee07-b612-4cf7-beae-414489ecebf8" providerId="ADAL" clId="{E8D17F3F-A9E1-4CB6-AE23-77212FC715F0}" dt="2023-08-31T09:24:30.644" v="504" actId="1076"/>
           <ac:picMkLst>
             <pc:docMk/>
             <pc:sldMk cId="578307128" sldId="408"/>
@@ -994,7 +1009,7 @@
           </ac:picMkLst>
         </pc:picChg>
         <pc:picChg chg="add mod topLvl">
-          <ac:chgData name="MKONDIWA, Maxwell (CIMMYT-India)" userId="861bee07-b612-4cf7-beae-414489ecebf8" providerId="ADAL" clId="{E8D17F3F-A9E1-4CB6-AE23-77212FC715F0}" dt="2023-08-12T18:48:43.532" v="406" actId="165"/>
+          <ac:chgData name="MKONDIWA, Maxwell (CIMMYT-India)" userId="861bee07-b612-4cf7-beae-414489ecebf8" providerId="ADAL" clId="{E8D17F3F-A9E1-4CB6-AE23-77212FC715F0}" dt="2023-08-31T09:24:32.114" v="505" actId="1076"/>
           <ac:picMkLst>
             <pc:docMk/>
             <pc:sldMk cId="578307128" sldId="408"/>
@@ -1002,7 +1017,7 @@
           </ac:picMkLst>
         </pc:picChg>
         <pc:picChg chg="add mod ord topLvl">
-          <ac:chgData name="MKONDIWA, Maxwell (CIMMYT-India)" userId="861bee07-b612-4cf7-beae-414489ecebf8" providerId="ADAL" clId="{E8D17F3F-A9E1-4CB6-AE23-77212FC715F0}" dt="2023-08-12T18:48:43.532" v="406" actId="165"/>
+          <ac:chgData name="MKONDIWA, Maxwell (CIMMYT-India)" userId="861bee07-b612-4cf7-beae-414489ecebf8" providerId="ADAL" clId="{E8D17F3F-A9E1-4CB6-AE23-77212FC715F0}" dt="2023-08-31T09:24:18.882" v="501" actId="1076"/>
           <ac:picMkLst>
             <pc:docMk/>
             <pc:sldMk cId="578307128" sldId="408"/>
@@ -1346,14 +1361,14 @@
           </ac:picMkLst>
         </pc:picChg>
       </pc:sldChg>
-      <pc:sldChg chg="modSp new mod">
-        <pc:chgData name="MKONDIWA, Maxwell (CIMMYT-India)" userId="861bee07-b612-4cf7-beae-414489ecebf8" providerId="ADAL" clId="{E8D17F3F-A9E1-4CB6-AE23-77212FC715F0}" dt="2023-08-12T16:50:34.374" v="400"/>
+      <pc:sldChg chg="modSp new del mod">
+        <pc:chgData name="MKONDIWA, Maxwell (CIMMYT-India)" userId="861bee07-b612-4cf7-beae-414489ecebf8" providerId="ADAL" clId="{E8D17F3F-A9E1-4CB6-AE23-77212FC715F0}" dt="2023-08-31T09:23:32.721" v="487" actId="47"/>
         <pc:sldMkLst>
           <pc:docMk/>
           <pc:sldMk cId="457993894" sldId="420"/>
         </pc:sldMkLst>
         <pc:spChg chg="mod">
-          <ac:chgData name="MKONDIWA, Maxwell (CIMMYT-India)" userId="861bee07-b612-4cf7-beae-414489ecebf8" providerId="ADAL" clId="{E8D17F3F-A9E1-4CB6-AE23-77212FC715F0}" dt="2023-08-12T16:50:34.374" v="400"/>
+          <ac:chgData name="MKONDIWA, Maxwell (CIMMYT-India)" userId="861bee07-b612-4cf7-beae-414489ecebf8" providerId="ADAL" clId="{E8D17F3F-A9E1-4CB6-AE23-77212FC715F0}" dt="2023-08-31T09:23:28.636" v="485" actId="21"/>
           <ac:spMkLst>
             <pc:docMk/>
             <pc:sldMk cId="457993894" sldId="420"/>
@@ -1366,6 +1381,21 @@
             <pc:docMk/>
             <pc:sldMk cId="457993894" sldId="420"/>
             <ac:spMk id="3" creationId="{B426D703-FE02-00C6-AE57-7E3A5A46696B}"/>
+          </ac:spMkLst>
+        </pc:spChg>
+      </pc:sldChg>
+      <pc:sldChg chg="addSp delSp modSp new del mod">
+        <pc:chgData name="MKONDIWA, Maxwell (CIMMYT-India)" userId="861bee07-b612-4cf7-beae-414489ecebf8" providerId="ADAL" clId="{E8D17F3F-A9E1-4CB6-AE23-77212FC715F0}" dt="2023-08-31T09:20:26.729" v="434" actId="47"/>
+        <pc:sldMkLst>
+          <pc:docMk/>
+          <pc:sldMk cId="1146998373" sldId="421"/>
+        </pc:sldMkLst>
+        <pc:spChg chg="add del mod">
+          <ac:chgData name="MKONDIWA, Maxwell (CIMMYT-India)" userId="861bee07-b612-4cf7-beae-414489ecebf8" providerId="ADAL" clId="{E8D17F3F-A9E1-4CB6-AE23-77212FC715F0}" dt="2023-08-31T09:20:19.921" v="432" actId="478"/>
+          <ac:spMkLst>
+            <pc:docMk/>
+            <pc:sldMk cId="1146998373" sldId="421"/>
+            <ac:spMk id="2" creationId="{EF1CD154-BD02-1C5C-7D9C-79465F1264B5}"/>
           </ac:spMkLst>
         </pc:spChg>
       </pc:sldChg>
@@ -1375,6 +1405,60 @@
           <pc:docMk/>
           <pc:sldMk cId="3510425536" sldId="421"/>
         </pc:sldMkLst>
+      </pc:sldChg>
+      <pc:sldChg chg="addSp delSp modSp new mod">
+        <pc:chgData name="MKONDIWA, Maxwell (CIMMYT-India)" userId="861bee07-b612-4cf7-beae-414489ecebf8" providerId="ADAL" clId="{E8D17F3F-A9E1-4CB6-AE23-77212FC715F0}" dt="2023-08-31T09:22:30.697" v="483" actId="2711"/>
+        <pc:sldMkLst>
+          <pc:docMk/>
+          <pc:sldMk cId="2912337077" sldId="422"/>
+        </pc:sldMkLst>
+        <pc:spChg chg="mod">
+          <ac:chgData name="MKONDIWA, Maxwell (CIMMYT-India)" userId="861bee07-b612-4cf7-beae-414489ecebf8" providerId="ADAL" clId="{E8D17F3F-A9E1-4CB6-AE23-77212FC715F0}" dt="2023-08-31T09:22:30.697" v="483" actId="2711"/>
+          <ac:spMkLst>
+            <pc:docMk/>
+            <pc:sldMk cId="2912337077" sldId="422"/>
+            <ac:spMk id="2" creationId="{2DE94227-3308-B93A-F896-05F42FE1F2AD}"/>
+          </ac:spMkLst>
+        </pc:spChg>
+        <pc:spChg chg="del">
+          <ac:chgData name="MKONDIWA, Maxwell (CIMMYT-India)" userId="861bee07-b612-4cf7-beae-414489ecebf8" providerId="ADAL" clId="{E8D17F3F-A9E1-4CB6-AE23-77212FC715F0}" dt="2023-08-31T09:20:52.370" v="475"/>
+          <ac:spMkLst>
+            <pc:docMk/>
+            <pc:sldMk cId="2912337077" sldId="422"/>
+            <ac:spMk id="3" creationId="{133D5210-EB28-BAB1-9901-13A217822065}"/>
+          </ac:spMkLst>
+        </pc:spChg>
+        <pc:spChg chg="add del mod">
+          <ac:chgData name="MKONDIWA, Maxwell (CIMMYT-India)" userId="861bee07-b612-4cf7-beae-414489ecebf8" providerId="ADAL" clId="{E8D17F3F-A9E1-4CB6-AE23-77212FC715F0}" dt="2023-08-31T09:20:56.399" v="476"/>
+          <ac:spMkLst>
+            <pc:docMk/>
+            <pc:sldMk cId="2912337077" sldId="422"/>
+            <ac:spMk id="4" creationId="{30E0D135-22B8-08B5-3E20-1E012E49AB26}"/>
+          </ac:spMkLst>
+        </pc:spChg>
+        <pc:picChg chg="add mod">
+          <ac:chgData name="MKONDIWA, Maxwell (CIMMYT-India)" userId="861bee07-b612-4cf7-beae-414489ecebf8" providerId="ADAL" clId="{E8D17F3F-A9E1-4CB6-AE23-77212FC715F0}" dt="2023-08-31T09:22:22.515" v="482" actId="14100"/>
+          <ac:picMkLst>
+            <pc:docMk/>
+            <pc:sldMk cId="2912337077" sldId="422"/>
+            <ac:picMk id="5" creationId="{065161F4-06F0-147C-F760-821F241AB0F7}"/>
+          </ac:picMkLst>
+        </pc:picChg>
+      </pc:sldChg>
+      <pc:sldChg chg="modSp new mod">
+        <pc:chgData name="MKONDIWA, Maxwell (CIMMYT-India)" userId="861bee07-b612-4cf7-beae-414489ecebf8" providerId="ADAL" clId="{E8D17F3F-A9E1-4CB6-AE23-77212FC715F0}" dt="2023-08-31T09:23:31.331" v="486"/>
+        <pc:sldMkLst>
+          <pc:docMk/>
+          <pc:sldMk cId="3831355442" sldId="423"/>
+        </pc:sldMkLst>
+        <pc:spChg chg="mod">
+          <ac:chgData name="MKONDIWA, Maxwell (CIMMYT-India)" userId="861bee07-b612-4cf7-beae-414489ecebf8" providerId="ADAL" clId="{E8D17F3F-A9E1-4CB6-AE23-77212FC715F0}" dt="2023-08-31T09:23:31.331" v="486"/>
+          <ac:spMkLst>
+            <pc:docMk/>
+            <pc:sldMk cId="3831355442" sldId="423"/>
+            <ac:spMk id="2" creationId="{FAF4C03A-8224-E960-F3E8-440F0542B762}"/>
+          </ac:spMkLst>
+        </pc:spChg>
       </pc:sldChg>
       <pc:sldMasterChg chg="modSp modSldLayout">
         <pc:chgData name="MKONDIWA, Maxwell (CIMMYT-India)" userId="861bee07-b612-4cf7-beae-414489ecebf8" providerId="ADAL" clId="{E8D17F3F-A9E1-4CB6-AE23-77212FC715F0}" dt="2023-08-12T16:50:34.374" v="400"/>
@@ -2670,7 +2754,7 @@
           <a:p>
             <a:fld id="{9A1FBAB8-4B41-4FD5-8C11-54A6B116D430}" type="datetimeFigureOut">
               <a:rPr lang="en-ZW" smtClean="0"/>
-              <a:t>12/8/2023</a:t>
+              <a:t>31/8/2023</a:t>
             </a:fld>
             <a:endParaRPr lang="en-ZW"/>
           </a:p>
@@ -3097,7 +3181,7 @@
           <a:p>
             <a:fld id="{7C8A72C2-EF48-47D4-B62A-B85F294FCAA6}" type="slidenum">
               <a:rPr lang="en-ZW" smtClean="0"/>
-              <a:t>15</a:t>
+              <a:t>13</a:t>
             </a:fld>
             <a:endParaRPr lang="en-ZW"/>
           </a:p>
@@ -3186,7 +3270,7 @@
           <a:p>
             <a:fld id="{7C8A72C2-EF48-47D4-B62A-B85F294FCAA6}" type="slidenum">
               <a:rPr lang="en-ZW" smtClean="0"/>
-              <a:t>16</a:t>
+              <a:t>14</a:t>
             </a:fld>
             <a:endParaRPr lang="en-ZW"/>
           </a:p>
@@ -3354,7 +3438,7 @@
           <a:p>
             <a:fld id="{0D336653-BEC4-4200-85FD-0B10B1D3D944}" type="datetimeFigureOut">
               <a:rPr lang="en-ZW" smtClean="0"/>
-              <a:t>12/8/2023</a:t>
+              <a:t>31/8/2023</a:t>
             </a:fld>
             <a:endParaRPr lang="en-ZW"/>
           </a:p>
@@ -3554,7 +3638,7 @@
           <a:p>
             <a:fld id="{0D336653-BEC4-4200-85FD-0B10B1D3D944}" type="datetimeFigureOut">
               <a:rPr lang="en-ZW" smtClean="0"/>
-              <a:t>12/8/2023</a:t>
+              <a:t>31/8/2023</a:t>
             </a:fld>
             <a:endParaRPr lang="en-ZW"/>
           </a:p>
@@ -3764,7 +3848,7 @@
           <a:p>
             <a:fld id="{0D336653-BEC4-4200-85FD-0B10B1D3D944}" type="datetimeFigureOut">
               <a:rPr lang="en-ZW" smtClean="0"/>
-              <a:t>12/8/2023</a:t>
+              <a:t>31/8/2023</a:t>
             </a:fld>
             <a:endParaRPr lang="en-ZW"/>
           </a:p>
@@ -3964,7 +4048,7 @@
           <a:p>
             <a:fld id="{0D336653-BEC4-4200-85FD-0B10B1D3D944}" type="datetimeFigureOut">
               <a:rPr lang="en-ZW" smtClean="0"/>
-              <a:t>12/8/2023</a:t>
+              <a:t>31/8/2023</a:t>
             </a:fld>
             <a:endParaRPr lang="en-ZW"/>
           </a:p>
@@ -4240,7 +4324,7 @@
           <a:p>
             <a:fld id="{0D336653-BEC4-4200-85FD-0B10B1D3D944}" type="datetimeFigureOut">
               <a:rPr lang="en-ZW" smtClean="0"/>
-              <a:t>12/8/2023</a:t>
+              <a:t>31/8/2023</a:t>
             </a:fld>
             <a:endParaRPr lang="en-ZW"/>
           </a:p>
@@ -4508,7 +4592,7 @@
           <a:p>
             <a:fld id="{0D336653-BEC4-4200-85FD-0B10B1D3D944}" type="datetimeFigureOut">
               <a:rPr lang="en-ZW" smtClean="0"/>
-              <a:t>12/8/2023</a:t>
+              <a:t>31/8/2023</a:t>
             </a:fld>
             <a:endParaRPr lang="en-ZW"/>
           </a:p>
@@ -4923,7 +5007,7 @@
           <a:p>
             <a:fld id="{0D336653-BEC4-4200-85FD-0B10B1D3D944}" type="datetimeFigureOut">
               <a:rPr lang="en-ZW" smtClean="0"/>
-              <a:t>12/8/2023</a:t>
+              <a:t>31/8/2023</a:t>
             </a:fld>
             <a:endParaRPr lang="en-ZW"/>
           </a:p>
@@ -5065,7 +5149,7 @@
           <a:p>
             <a:fld id="{0D336653-BEC4-4200-85FD-0B10B1D3D944}" type="datetimeFigureOut">
               <a:rPr lang="en-ZW" smtClean="0"/>
-              <a:t>12/8/2023</a:t>
+              <a:t>31/8/2023</a:t>
             </a:fld>
             <a:endParaRPr lang="en-ZW"/>
           </a:p>
@@ -5178,7 +5262,7 @@
           <a:p>
             <a:fld id="{0D336653-BEC4-4200-85FD-0B10B1D3D944}" type="datetimeFigureOut">
               <a:rPr lang="en-ZW" smtClean="0"/>
-              <a:t>12/8/2023</a:t>
+              <a:t>31/8/2023</a:t>
             </a:fld>
             <a:endParaRPr lang="en-ZW"/>
           </a:p>
@@ -5491,7 +5575,7 @@
           <a:p>
             <a:fld id="{0D336653-BEC4-4200-85FD-0B10B1D3D944}" type="datetimeFigureOut">
               <a:rPr lang="en-ZW" smtClean="0"/>
-              <a:t>12/8/2023</a:t>
+              <a:t>31/8/2023</a:t>
             </a:fld>
             <a:endParaRPr lang="en-ZW"/>
           </a:p>
@@ -5780,7 +5864,7 @@
           <a:p>
             <a:fld id="{0D336653-BEC4-4200-85FD-0B10B1D3D944}" type="datetimeFigureOut">
               <a:rPr lang="en-ZW" smtClean="0"/>
-              <a:t>12/8/2023</a:t>
+              <a:t>31/8/2023</a:t>
             </a:fld>
             <a:endParaRPr lang="en-ZW"/>
           </a:p>
@@ -6023,7 +6107,7 @@
           <a:p>
             <a:fld id="{0D336653-BEC4-4200-85FD-0B10B1D3D944}" type="datetimeFigureOut">
               <a:rPr lang="en-ZW" smtClean="0"/>
-              <a:t>12/8/2023</a:t>
+              <a:t>31/8/2023</a:t>
             </a:fld>
             <a:endParaRPr lang="en-ZW"/>
           </a:p>
@@ -7580,628 +7664,6 @@
           <p:cNvPr id="2" name="Title 1">
             <a:extLst>
               <a:ext uri="{FF2B5EF4-FFF2-40B4-BE49-F238E27FC236}">
-                <a16:creationId xmlns:a16="http://schemas.microsoft.com/office/drawing/2014/main" id="{2EAB3E01-7617-D8C8-915B-F6F3808913AB}"/>
-              </a:ext>
-            </a:extLst>
-          </p:cNvPr>
-          <p:cNvSpPr>
-            <a:spLocks noGrp="1"/>
-          </p:cNvSpPr>
-          <p:nvPr>
-            <p:ph type="title"/>
-          </p:nvPr>
-        </p:nvSpPr>
-        <p:spPr/>
-        <p:txBody>
-          <a:bodyPr/>
-          <a:lstStyle/>
-          <a:p>
-            <a:r>
-              <a:rPr lang="en-ZW" dirty="0">
-                <a:latin typeface="Gill Sans MT" panose="020B0502020104020203" pitchFamily="34" charset="0"/>
-              </a:rPr>
-              <a:t>Economic assessment for each crop separately</a:t>
-            </a:r>
-          </a:p>
-        </p:txBody>
-      </p:sp>
-      <p:sp>
-        <p:nvSpPr>
-          <p:cNvPr id="3" name="Text Placeholder 2">
-            <a:extLst>
-              <a:ext uri="{FF2B5EF4-FFF2-40B4-BE49-F238E27FC236}">
-                <a16:creationId xmlns:a16="http://schemas.microsoft.com/office/drawing/2014/main" id="{579B672D-AF85-499C-3FC6-9C605888B241}"/>
-              </a:ext>
-            </a:extLst>
-          </p:cNvPr>
-          <p:cNvSpPr>
-            <a:spLocks noGrp="1"/>
-          </p:cNvSpPr>
-          <p:nvPr>
-            <p:ph type="body" idx="1"/>
-          </p:nvPr>
-        </p:nvSpPr>
-        <p:spPr/>
-        <p:txBody>
-          <a:bodyPr/>
-          <a:lstStyle/>
-          <a:p>
-            <a:endParaRPr lang="en-ZW"/>
-          </a:p>
-        </p:txBody>
-      </p:sp>
-    </p:spTree>
-    <p:extLst>
-      <p:ext uri="{BB962C8B-B14F-4D97-AF65-F5344CB8AC3E}">
-        <p14:creationId xmlns:p14="http://schemas.microsoft.com/office/powerpoint/2010/main" val="662815972"/>
-      </p:ext>
-    </p:extLst>
-  </p:cSld>
-  <p:clrMapOvr>
-    <a:masterClrMapping/>
-  </p:clrMapOvr>
-</p:sld>
-</file>
-
-<file path=ppt/slides/slide13.xml><?xml version="1.0" encoding="utf-8"?>
-<p:sld xmlns:a="http://schemas.openxmlformats.org/drawingml/2006/main" xmlns:r="http://schemas.openxmlformats.org/officeDocument/2006/relationships" xmlns:p="http://schemas.openxmlformats.org/presentationml/2006/main">
-  <p:cSld>
-    <p:spTree>
-      <p:nvGrpSpPr>
-        <p:cNvPr id="1" name=""/>
-        <p:cNvGrpSpPr/>
-        <p:nvPr/>
-      </p:nvGrpSpPr>
-      <p:grpSpPr>
-        <a:xfrm>
-          <a:off x="0" y="0"/>
-          <a:ext cx="0" cy="0"/>
-          <a:chOff x="0" y="0"/>
-          <a:chExt cx="0" cy="0"/>
-        </a:xfrm>
-      </p:grpSpPr>
-      <p:sp>
-        <p:nvSpPr>
-          <p:cNvPr id="8" name="Rectangle 3">
-            <a:extLst>
-              <a:ext uri="{FF2B5EF4-FFF2-40B4-BE49-F238E27FC236}">
-                <a16:creationId xmlns:a16="http://schemas.microsoft.com/office/drawing/2014/main" id="{EC09093C-9058-2BF9-61CA-1951F34C9BEE}"/>
-              </a:ext>
-            </a:extLst>
-          </p:cNvPr>
-          <p:cNvSpPr>
-            <a:spLocks noChangeArrowheads="1"/>
-          </p:cNvSpPr>
-          <p:nvPr/>
-        </p:nvSpPr>
-        <p:spPr bwMode="auto">
-          <a:xfrm>
-            <a:off x="0" y="43934"/>
-            <a:ext cx="184731" cy="369332"/>
-          </a:xfrm>
-          <a:prstGeom prst="rect">
-            <a:avLst/>
-          </a:prstGeom>
-          <a:noFill/>
-          <a:ln>
-            <a:noFill/>
-          </a:ln>
-          <a:effectLst/>
-          <a:extLst>
-            <a:ext uri="{909E8E84-426E-40DD-AFC4-6F175D3DCCD1}">
-              <a14:hiddenFill xmlns:a14="http://schemas.microsoft.com/office/drawing/2010/main">
-                <a:solidFill>
-                  <a:schemeClr val="accent1"/>
-                </a:solidFill>
-              </a14:hiddenFill>
-            </a:ext>
-            <a:ext uri="{91240B29-F687-4F45-9708-019B960494DF}">
-              <a14:hiddenLine xmlns:a14="http://schemas.microsoft.com/office/drawing/2010/main" w="9525">
-                <a:solidFill>
-                  <a:schemeClr val="tx1"/>
-                </a:solidFill>
-                <a:miter lim="800000"/>
-                <a:headEnd/>
-                <a:tailEnd/>
-              </a14:hiddenLine>
-            </a:ext>
-            <a:ext uri="{AF507438-7753-43E0-B8FC-AC1667EBCBE1}">
-              <a14:hiddenEffects xmlns:a14="http://schemas.microsoft.com/office/drawing/2010/main">
-                <a:effectLst>
-                  <a:outerShdw dist="35921" dir="2700000" algn="ctr" rotWithShape="0">
-                    <a:schemeClr val="bg2"/>
-                  </a:outerShdw>
-                </a:effectLst>
-              </a14:hiddenEffects>
-            </a:ext>
-          </a:extLst>
-        </p:spPr>
-        <p:txBody>
-          <a:bodyPr vert="horz" wrap="none" lIns="91440" tIns="45720" rIns="91440" bIns="45720" numCol="1" anchor="ctr" anchorCtr="0" compatLnSpc="1">
-            <a:prstTxWarp prst="textNoShape">
-              <a:avLst/>
-            </a:prstTxWarp>
-            <a:spAutoFit/>
-          </a:bodyPr>
-          <a:lstStyle/>
-          <a:p>
-            <a:endParaRPr lang="en-ZW"/>
-          </a:p>
-        </p:txBody>
-      </p:sp>
-      <p:sp>
-        <p:nvSpPr>
-          <p:cNvPr id="10" name="Rectangle 5">
-            <a:extLst>
-              <a:ext uri="{FF2B5EF4-FFF2-40B4-BE49-F238E27FC236}">
-                <a16:creationId xmlns:a16="http://schemas.microsoft.com/office/drawing/2014/main" id="{2822E52C-24FF-C63B-6C3D-F8EE62F11032}"/>
-              </a:ext>
-            </a:extLst>
-          </p:cNvPr>
-          <p:cNvSpPr>
-            <a:spLocks noChangeArrowheads="1"/>
-          </p:cNvSpPr>
-          <p:nvPr/>
-        </p:nvSpPr>
-        <p:spPr bwMode="auto">
-          <a:xfrm>
-            <a:off x="0" y="8425934"/>
-            <a:ext cx="184731" cy="369332"/>
-          </a:xfrm>
-          <a:prstGeom prst="rect">
-            <a:avLst/>
-          </a:prstGeom>
-          <a:noFill/>
-          <a:ln>
-            <a:noFill/>
-          </a:ln>
-          <a:effectLst/>
-          <a:extLst>
-            <a:ext uri="{909E8E84-426E-40DD-AFC4-6F175D3DCCD1}">
-              <a14:hiddenFill xmlns:a14="http://schemas.microsoft.com/office/drawing/2010/main">
-                <a:solidFill>
-                  <a:schemeClr val="accent1"/>
-                </a:solidFill>
-              </a14:hiddenFill>
-            </a:ext>
-            <a:ext uri="{91240B29-F687-4F45-9708-019B960494DF}">
-              <a14:hiddenLine xmlns:a14="http://schemas.microsoft.com/office/drawing/2010/main" w="9525">
-                <a:solidFill>
-                  <a:schemeClr val="tx1"/>
-                </a:solidFill>
-                <a:miter lim="800000"/>
-                <a:headEnd/>
-                <a:tailEnd/>
-              </a14:hiddenLine>
-            </a:ext>
-            <a:ext uri="{AF507438-7753-43E0-B8FC-AC1667EBCBE1}">
-              <a14:hiddenEffects xmlns:a14="http://schemas.microsoft.com/office/drawing/2010/main">
-                <a:effectLst>
-                  <a:outerShdw dist="35921" dir="2700000" algn="ctr" rotWithShape="0">
-                    <a:schemeClr val="bg2"/>
-                  </a:outerShdw>
-                </a:effectLst>
-              </a14:hiddenEffects>
-            </a:ext>
-          </a:extLst>
-        </p:spPr>
-        <p:txBody>
-          <a:bodyPr vert="horz" wrap="none" lIns="91440" tIns="45720" rIns="91440" bIns="45720" numCol="1" anchor="ctr" anchorCtr="0" compatLnSpc="1">
-            <a:prstTxWarp prst="textNoShape">
-              <a:avLst/>
-            </a:prstTxWarp>
-            <a:spAutoFit/>
-          </a:bodyPr>
-          <a:lstStyle/>
-          <a:p>
-            <a:endParaRPr lang="en-ZW"/>
-          </a:p>
-        </p:txBody>
-      </p:sp>
-      <p:grpSp>
-        <p:nvGrpSpPr>
-          <p:cNvPr id="16" name="Group 15">
-            <a:extLst>
-              <a:ext uri="{FF2B5EF4-FFF2-40B4-BE49-F238E27FC236}">
-                <a16:creationId xmlns:a16="http://schemas.microsoft.com/office/drawing/2014/main" id="{DFEF6168-203B-71EC-7FDD-377FD95EB19E}"/>
-              </a:ext>
-            </a:extLst>
-          </p:cNvPr>
-          <p:cNvGrpSpPr/>
-          <p:nvPr/>
-        </p:nvGrpSpPr>
-        <p:grpSpPr>
-          <a:xfrm>
-            <a:off x="420130" y="313040"/>
-            <a:ext cx="11584517" cy="6096151"/>
-            <a:chOff x="420129" y="313038"/>
-            <a:chExt cx="11584517" cy="6096151"/>
-          </a:xfrm>
-        </p:grpSpPr>
-        <p:pic>
-          <p:nvPicPr>
-            <p:cNvPr id="3" name="Content Placeholder 4">
-              <a:extLst>
-                <a:ext uri="{FF2B5EF4-FFF2-40B4-BE49-F238E27FC236}">
-                  <a16:creationId xmlns:a16="http://schemas.microsoft.com/office/drawing/2014/main" id="{C9DACA8F-1919-04ED-C570-F54E55CF3438}"/>
-                </a:ext>
-              </a:extLst>
-            </p:cNvPr>
-            <p:cNvPicPr>
-              <a:picLocks noChangeAspect="1"/>
-            </p:cNvPicPr>
-            <p:nvPr/>
-          </p:nvPicPr>
-          <p:blipFill>
-            <a:blip r:embed="rId2" cstate="print">
-              <a:extLst>
-                <a:ext uri="{28A0092B-C50C-407E-A947-70E740481C1C}">
-                  <a14:useLocalDpi xmlns:a14="http://schemas.microsoft.com/office/drawing/2010/main" val="0"/>
-                </a:ext>
-              </a:extLst>
-            </a:blip>
-            <a:stretch>
-              <a:fillRect/>
-            </a:stretch>
-          </p:blipFill>
-          <p:spPr>
-            <a:xfrm>
-              <a:off x="807902" y="1182067"/>
-              <a:ext cx="5749418" cy="2340000"/>
-            </a:xfrm>
-            <a:prstGeom prst="rect">
-              <a:avLst/>
-            </a:prstGeom>
-          </p:spPr>
-        </p:pic>
-        <p:pic>
-          <p:nvPicPr>
-            <p:cNvPr id="4" name="Picture 3">
-              <a:extLst>
-                <a:ext uri="{FF2B5EF4-FFF2-40B4-BE49-F238E27FC236}">
-                  <a16:creationId xmlns:a16="http://schemas.microsoft.com/office/drawing/2014/main" id="{0FD1F445-980E-6AD7-54E0-1D601876F053}"/>
-                </a:ext>
-              </a:extLst>
-            </p:cNvPr>
-            <p:cNvPicPr>
-              <a:picLocks noChangeAspect="1"/>
-            </p:cNvPicPr>
-            <p:nvPr/>
-          </p:nvPicPr>
-          <p:blipFill>
-            <a:blip r:embed="rId3"/>
-            <a:stretch>
-              <a:fillRect/>
-            </a:stretch>
-          </p:blipFill>
-          <p:spPr>
-            <a:xfrm>
-              <a:off x="723642" y="3840655"/>
-              <a:ext cx="6163719" cy="2568534"/>
-            </a:xfrm>
-            <a:prstGeom prst="rect">
-              <a:avLst/>
-            </a:prstGeom>
-          </p:spPr>
-        </p:pic>
-        <p:sp>
-          <p:nvSpPr>
-            <p:cNvPr id="5" name="TextBox 4">
-              <a:extLst>
-                <a:ext uri="{FF2B5EF4-FFF2-40B4-BE49-F238E27FC236}">
-                  <a16:creationId xmlns:a16="http://schemas.microsoft.com/office/drawing/2014/main" id="{3202A213-8D2C-8081-C9FB-BB219342A2C8}"/>
-                </a:ext>
-              </a:extLst>
-            </p:cNvPr>
-            <p:cNvSpPr txBox="1"/>
-            <p:nvPr/>
-          </p:nvSpPr>
-          <p:spPr>
-            <a:xfrm>
-              <a:off x="420129" y="313038"/>
-              <a:ext cx="5214551" cy="369332"/>
-            </a:xfrm>
-            <a:prstGeom prst="rect">
-              <a:avLst/>
-            </a:prstGeom>
-            <a:noFill/>
-          </p:spPr>
-          <p:txBody>
-            <a:bodyPr wrap="square" rtlCol="0">
-              <a:spAutoFit/>
-            </a:bodyPr>
-            <a:lstStyle/>
-            <a:p>
-              <a:r>
-                <a:rPr lang="en-ZW" dirty="0"/>
-                <a:t>a. Without zero yield entries [fixed long as reference] </a:t>
-              </a:r>
-            </a:p>
-          </p:txBody>
-        </p:sp>
-        <p:sp>
-          <p:nvSpPr>
-            <p:cNvPr id="6" name="TextBox 5">
-              <a:extLst>
-                <a:ext uri="{FF2B5EF4-FFF2-40B4-BE49-F238E27FC236}">
-                  <a16:creationId xmlns:a16="http://schemas.microsoft.com/office/drawing/2014/main" id="{41BF0092-0BBB-2AE3-F349-D7045DEDD008}"/>
-                </a:ext>
-              </a:extLst>
-            </p:cNvPr>
-            <p:cNvSpPr txBox="1"/>
-            <p:nvPr/>
-          </p:nvSpPr>
-          <p:spPr>
-            <a:xfrm>
-              <a:off x="723642" y="760692"/>
-              <a:ext cx="741405" cy="369332"/>
-            </a:xfrm>
-            <a:prstGeom prst="rect">
-              <a:avLst/>
-            </a:prstGeom>
-            <a:noFill/>
-          </p:spPr>
-          <p:txBody>
-            <a:bodyPr wrap="square" rtlCol="0">
-              <a:spAutoFit/>
-            </a:bodyPr>
-            <a:lstStyle/>
-            <a:p>
-              <a:r>
-                <a:rPr lang="en-ZW" dirty="0"/>
-                <a:t>Rice</a:t>
-              </a:r>
-            </a:p>
-          </p:txBody>
-        </p:sp>
-        <p:sp>
-          <p:nvSpPr>
-            <p:cNvPr id="7" name="TextBox 6">
-              <a:extLst>
-                <a:ext uri="{FF2B5EF4-FFF2-40B4-BE49-F238E27FC236}">
-                  <a16:creationId xmlns:a16="http://schemas.microsoft.com/office/drawing/2014/main" id="{22B49C42-3AEE-B69D-9DA5-0B1C6DCE53BA}"/>
-                </a:ext>
-              </a:extLst>
-            </p:cNvPr>
-            <p:cNvSpPr txBox="1"/>
-            <p:nvPr/>
-          </p:nvSpPr>
-          <p:spPr>
-            <a:xfrm>
-              <a:off x="807903" y="3455279"/>
-              <a:ext cx="1383362" cy="369332"/>
-            </a:xfrm>
-            <a:prstGeom prst="rect">
-              <a:avLst/>
-            </a:prstGeom>
-            <a:noFill/>
-          </p:spPr>
-          <p:txBody>
-            <a:bodyPr wrap="square" rtlCol="0">
-              <a:spAutoFit/>
-            </a:bodyPr>
-            <a:lstStyle/>
-            <a:p>
-              <a:r>
-                <a:rPr lang="en-ZW" dirty="0"/>
-                <a:t>Wheat</a:t>
-              </a:r>
-            </a:p>
-          </p:txBody>
-        </p:sp>
-        <p:pic>
-          <p:nvPicPr>
-            <p:cNvPr id="11" name="Picture 10" descr="Chart, line chart&#10;&#10;Description automatically generated">
-              <a:extLst>
-                <a:ext uri="{FF2B5EF4-FFF2-40B4-BE49-F238E27FC236}">
-                  <a16:creationId xmlns:a16="http://schemas.microsoft.com/office/drawing/2014/main" id="{D3E99428-4DEE-69E9-D4B8-57F65CFD8E15}"/>
-                </a:ext>
-              </a:extLst>
-            </p:cNvPr>
-            <p:cNvPicPr>
-              <a:picLocks noChangeAspect="1"/>
-            </p:cNvPicPr>
-            <p:nvPr/>
-          </p:nvPicPr>
-          <p:blipFill>
-            <a:blip r:embed="rId4" cstate="print">
-              <a:extLst>
-                <a:ext uri="{28A0092B-C50C-407E-A947-70E740481C1C}">
-                  <a14:useLocalDpi xmlns:a14="http://schemas.microsoft.com/office/drawing/2010/main" val="0"/>
-                </a:ext>
-              </a:extLst>
-            </a:blip>
-            <a:stretch>
-              <a:fillRect/>
-            </a:stretch>
-          </p:blipFill>
-          <p:spPr>
-            <a:xfrm>
-              <a:off x="6783859" y="1038067"/>
-              <a:ext cx="5214551" cy="2484000"/>
-            </a:xfrm>
-            <a:prstGeom prst="rect">
-              <a:avLst/>
-            </a:prstGeom>
-          </p:spPr>
-        </p:pic>
-        <p:pic>
-          <p:nvPicPr>
-            <p:cNvPr id="12" name="Picture 11" descr="Chart, line chart&#10;&#10;Description automatically generated">
-              <a:extLst>
-                <a:ext uri="{FF2B5EF4-FFF2-40B4-BE49-F238E27FC236}">
-                  <a16:creationId xmlns:a16="http://schemas.microsoft.com/office/drawing/2014/main" id="{DF04B6C2-6F31-C8A2-66FA-C16BF3292939}"/>
-                </a:ext>
-              </a:extLst>
-            </p:cNvPr>
-            <p:cNvPicPr>
-              <a:picLocks noChangeAspect="1"/>
-            </p:cNvPicPr>
-            <p:nvPr/>
-          </p:nvPicPr>
-          <p:blipFill>
-            <a:blip r:embed="rId5" cstate="print">
-              <a:extLst>
-                <a:ext uri="{28A0092B-C50C-407E-A947-70E740481C1C}">
-                  <a14:useLocalDpi xmlns:a14="http://schemas.microsoft.com/office/drawing/2010/main" val="0"/>
-                </a:ext>
-              </a:extLst>
-            </a:blip>
-            <a:stretch>
-              <a:fillRect/>
-            </a:stretch>
-          </p:blipFill>
-          <p:spPr>
-            <a:xfrm>
-              <a:off x="6783860" y="3754579"/>
-              <a:ext cx="5220786" cy="2654610"/>
-            </a:xfrm>
-            <a:prstGeom prst="rect">
-              <a:avLst/>
-            </a:prstGeom>
-          </p:spPr>
-        </p:pic>
-        <p:sp>
-          <p:nvSpPr>
-            <p:cNvPr id="13" name="TextBox 12">
-              <a:extLst>
-                <a:ext uri="{FF2B5EF4-FFF2-40B4-BE49-F238E27FC236}">
-                  <a16:creationId xmlns:a16="http://schemas.microsoft.com/office/drawing/2014/main" id="{9979984F-44D4-E9FC-F08E-9C2A053CF906}"/>
-                </a:ext>
-              </a:extLst>
-            </p:cNvPr>
-            <p:cNvSpPr txBox="1"/>
-            <p:nvPr/>
-          </p:nvSpPr>
-          <p:spPr>
-            <a:xfrm>
-              <a:off x="6557320" y="355295"/>
-              <a:ext cx="5214551" cy="369332"/>
-            </a:xfrm>
-            <a:prstGeom prst="rect">
-              <a:avLst/>
-            </a:prstGeom>
-            <a:noFill/>
-          </p:spPr>
-          <p:txBody>
-            <a:bodyPr wrap="square" rtlCol="0">
-              <a:spAutoFit/>
-            </a:bodyPr>
-            <a:lstStyle/>
-            <a:p>
-              <a:r>
-                <a:rPr lang="en-ZW" dirty="0"/>
-                <a:t>b. With zero yield entries [fixed long as reference] </a:t>
-              </a:r>
-            </a:p>
-          </p:txBody>
-        </p:sp>
-        <p:sp>
-          <p:nvSpPr>
-            <p:cNvPr id="14" name="TextBox 13">
-              <a:extLst>
-                <a:ext uri="{FF2B5EF4-FFF2-40B4-BE49-F238E27FC236}">
-                  <a16:creationId xmlns:a16="http://schemas.microsoft.com/office/drawing/2014/main" id="{DC452AE9-5156-195B-F049-B93B203635B4}"/>
-                </a:ext>
-              </a:extLst>
-            </p:cNvPr>
-            <p:cNvSpPr txBox="1"/>
-            <p:nvPr/>
-          </p:nvSpPr>
-          <p:spPr>
-            <a:xfrm>
-              <a:off x="6783859" y="727639"/>
-              <a:ext cx="741405" cy="369332"/>
-            </a:xfrm>
-            <a:prstGeom prst="rect">
-              <a:avLst/>
-            </a:prstGeom>
-            <a:noFill/>
-          </p:spPr>
-          <p:txBody>
-            <a:bodyPr wrap="square" rtlCol="0">
-              <a:spAutoFit/>
-            </a:bodyPr>
-            <a:lstStyle/>
-            <a:p>
-              <a:r>
-                <a:rPr lang="en-ZW" dirty="0"/>
-                <a:t>Rice</a:t>
-              </a:r>
-            </a:p>
-          </p:txBody>
-        </p:sp>
-        <p:sp>
-          <p:nvSpPr>
-            <p:cNvPr id="15" name="TextBox 14">
-              <a:extLst>
-                <a:ext uri="{FF2B5EF4-FFF2-40B4-BE49-F238E27FC236}">
-                  <a16:creationId xmlns:a16="http://schemas.microsoft.com/office/drawing/2014/main" id="{2F36F5AA-58B0-EB76-B594-B1AB7A7B25A3}"/>
-                </a:ext>
-              </a:extLst>
-            </p:cNvPr>
-            <p:cNvSpPr txBox="1"/>
-            <p:nvPr/>
-          </p:nvSpPr>
-          <p:spPr>
-            <a:xfrm>
-              <a:off x="6818396" y="3401148"/>
-              <a:ext cx="1383362" cy="369332"/>
-            </a:xfrm>
-            <a:prstGeom prst="rect">
-              <a:avLst/>
-            </a:prstGeom>
-            <a:noFill/>
-          </p:spPr>
-          <p:txBody>
-            <a:bodyPr wrap="square" rtlCol="0">
-              <a:spAutoFit/>
-            </a:bodyPr>
-            <a:lstStyle/>
-            <a:p>
-              <a:r>
-                <a:rPr lang="en-ZW" dirty="0"/>
-                <a:t>Wheat</a:t>
-              </a:r>
-            </a:p>
-          </p:txBody>
-        </p:sp>
-      </p:grpSp>
-    </p:spTree>
-    <p:extLst>
-      <p:ext uri="{BB962C8B-B14F-4D97-AF65-F5344CB8AC3E}">
-        <p14:creationId xmlns:p14="http://schemas.microsoft.com/office/powerpoint/2010/main" val="2044663496"/>
-      </p:ext>
-    </p:extLst>
-  </p:cSld>
-  <p:clrMapOvr>
-    <a:masterClrMapping/>
-  </p:clrMapOvr>
-</p:sld>
-</file>
-
-<file path=ppt/slides/slide14.xml><?xml version="1.0" encoding="utf-8"?>
-<p:sld xmlns:a="http://schemas.openxmlformats.org/drawingml/2006/main" xmlns:r="http://schemas.openxmlformats.org/officeDocument/2006/relationships" xmlns:p="http://schemas.openxmlformats.org/presentationml/2006/main">
-  <p:cSld>
-    <p:spTree>
-      <p:nvGrpSpPr>
-        <p:cNvPr id="1" name=""/>
-        <p:cNvGrpSpPr/>
-        <p:nvPr/>
-      </p:nvGrpSpPr>
-      <p:grpSpPr>
-        <a:xfrm>
-          <a:off x="0" y="0"/>
-          <a:ext cx="0" cy="0"/>
-          <a:chOff x="0" y="0"/>
-          <a:chExt cx="0" cy="0"/>
-        </a:xfrm>
-      </p:grpSpPr>
-      <p:sp>
-        <p:nvSpPr>
-          <p:cNvPr id="2" name="Title 1">
-            <a:extLst>
-              <a:ext uri="{FF2B5EF4-FFF2-40B4-BE49-F238E27FC236}">
                 <a16:creationId xmlns:a16="http://schemas.microsoft.com/office/drawing/2014/main" id="{319C79B7-F6F7-C6C7-4C06-00190E06F7ED}"/>
               </a:ext>
             </a:extLst>
@@ -8272,7 +7734,7 @@
 </p:sld>
 </file>
 
-<file path=ppt/slides/slide15.xml><?xml version="1.0" encoding="utf-8"?>
+<file path=ppt/slides/slide13.xml><?xml version="1.0" encoding="utf-8"?>
 <p:sld xmlns:a="http://schemas.openxmlformats.org/drawingml/2006/main" xmlns:r="http://schemas.openxmlformats.org/officeDocument/2006/relationships" xmlns:p="http://schemas.openxmlformats.org/presentationml/2006/main">
   <p:cSld>
     <p:spTree>
@@ -8399,7 +7861,7 @@
 </p:sld>
 </file>
 
-<file path=ppt/slides/slide16.xml><?xml version="1.0" encoding="utf-8"?>
+<file path=ppt/slides/slide14.xml><?xml version="1.0" encoding="utf-8"?>
 <p:sld xmlns:a="http://schemas.openxmlformats.org/drawingml/2006/main" xmlns:r="http://schemas.openxmlformats.org/officeDocument/2006/relationships" xmlns:p="http://schemas.openxmlformats.org/presentationml/2006/main">
   <p:cSld>
     <p:spTree>
@@ -8438,7 +7900,7 @@
         </p:blipFill>
         <p:spPr>
           <a:xfrm>
-            <a:off x="194302" y="452923"/>
+            <a:off x="194301" y="672565"/>
             <a:ext cx="3753443" cy="2511642"/>
           </a:xfrm>
           <a:prstGeom prst="rect">
@@ -8474,7 +7936,7 @@
         </p:blipFill>
         <p:spPr>
           <a:xfrm>
-            <a:off x="3947744" y="545256"/>
+            <a:off x="3947744" y="672565"/>
             <a:ext cx="3753443" cy="2511642"/>
           </a:xfrm>
           <a:prstGeom prst="rect">
@@ -8510,7 +7972,7 @@
         </p:blipFill>
         <p:spPr>
           <a:xfrm>
-            <a:off x="7823839" y="452923"/>
+            <a:off x="7894058" y="605813"/>
             <a:ext cx="4173859" cy="2663674"/>
           </a:xfrm>
           <a:prstGeom prst="rect">
@@ -8546,7 +8008,7 @@
         </p:blipFill>
         <p:spPr>
           <a:xfrm>
-            <a:off x="194302" y="3540301"/>
+            <a:off x="220268" y="3893436"/>
             <a:ext cx="3753443" cy="2542111"/>
           </a:xfrm>
           <a:prstGeom prst="rect">
@@ -8582,7 +8044,7 @@
         </p:blipFill>
         <p:spPr>
           <a:xfrm>
-            <a:off x="4000114" y="3621218"/>
+            <a:off x="4000114" y="3893436"/>
             <a:ext cx="3786580" cy="2580466"/>
           </a:xfrm>
           <a:prstGeom prst="rect">
@@ -8618,7 +8080,7 @@
         </p:blipFill>
         <p:spPr>
           <a:xfrm>
-            <a:off x="7898169" y="3440205"/>
+            <a:off x="7964278" y="3741404"/>
             <a:ext cx="4033420" cy="2742301"/>
           </a:xfrm>
           <a:prstGeom prst="rect">
@@ -8842,6 +8304,50 @@
           </a:p>
         </p:txBody>
       </p:sp>
+      <p:sp>
+        <p:nvSpPr>
+          <p:cNvPr id="3" name="TextBox 2">
+            <a:extLst>
+              <a:ext uri="{FF2B5EF4-FFF2-40B4-BE49-F238E27FC236}">
+                <a16:creationId xmlns:a16="http://schemas.microsoft.com/office/drawing/2014/main" id="{78FD1CC3-1425-A1FD-26CD-0F52A71100A6}"/>
+              </a:ext>
+            </a:extLst>
+          </p:cNvPr>
+          <p:cNvSpPr txBox="1"/>
+          <p:nvPr/>
+        </p:nvSpPr>
+        <p:spPr>
+          <a:xfrm>
+            <a:off x="4912267" y="106468"/>
+            <a:ext cx="1598261" cy="369332"/>
+          </a:xfrm>
+          <a:prstGeom prst="rect">
+            <a:avLst/>
+          </a:prstGeom>
+          <a:noFill/>
+        </p:spPr>
+        <p:txBody>
+          <a:bodyPr wrap="square" rtlCol="0">
+            <a:spAutoFit/>
+          </a:bodyPr>
+          <a:lstStyle/>
+          <a:p>
+            <a:r>
+              <a:rPr lang="en-US" b="1" dirty="0">
+                <a:solidFill>
+                  <a:srgbClr val="FF0000"/>
+                </a:solidFill>
+              </a:rPr>
+              <a:t>REVENUE</a:t>
+            </a:r>
+            <a:endParaRPr lang="en-ZW" b="1" dirty="0">
+              <a:solidFill>
+                <a:srgbClr val="FF0000"/>
+              </a:solidFill>
+            </a:endParaRPr>
+          </a:p>
+        </p:txBody>
+      </p:sp>
     </p:spTree>
     <p:extLst>
       <p:ext uri="{BB962C8B-B14F-4D97-AF65-F5344CB8AC3E}">
@@ -8855,7 +8361,7 @@
 </p:sld>
 </file>
 
-<file path=ppt/slides/slide17.xml><?xml version="1.0" encoding="utf-8"?>
+<file path=ppt/slides/slide15.xml><?xml version="1.0" encoding="utf-8"?>
 <p:sld xmlns:a="http://schemas.openxmlformats.org/drawingml/2006/main" xmlns:r="http://schemas.openxmlformats.org/officeDocument/2006/relationships" xmlns:p="http://schemas.openxmlformats.org/presentationml/2006/main">
   <p:cSld>
     <p:spTree>
@@ -8982,7 +8488,7 @@
 </p:sld>
 </file>
 
-<file path=ppt/slides/slide18.xml><?xml version="1.0" encoding="utf-8"?>
+<file path=ppt/slides/slide16.xml><?xml version="1.0" encoding="utf-8"?>
 <p:sld xmlns:a="http://schemas.openxmlformats.org/drawingml/2006/main" xmlns:r="http://schemas.openxmlformats.org/officeDocument/2006/relationships" xmlns:p="http://schemas.openxmlformats.org/presentationml/2006/main">
   <p:cSld>
     <p:spTree>
@@ -9004,7 +8510,7 @@
           <p:cNvPr id="2" name="Title 1">
             <a:extLst>
               <a:ext uri="{FF2B5EF4-FFF2-40B4-BE49-F238E27FC236}">
-                <a16:creationId xmlns:a16="http://schemas.microsoft.com/office/drawing/2014/main" id="{2632D21A-9F88-6336-B6EA-589ACBFBB156}"/>
+                <a16:creationId xmlns:a16="http://schemas.microsoft.com/office/drawing/2014/main" id="{FAF4C03A-8224-E960-F3E8-440F0542B762}"/>
               </a:ext>
             </a:extLst>
           </p:cNvPr>
@@ -9030,10 +8536,10 @@
       </p:sp>
       <p:sp>
         <p:nvSpPr>
-          <p:cNvPr id="3" name="Content Placeholder 2">
+          <p:cNvPr id="3" name="Text Placeholder 2">
             <a:extLst>
               <a:ext uri="{FF2B5EF4-FFF2-40B4-BE49-F238E27FC236}">
-                <a16:creationId xmlns:a16="http://schemas.microsoft.com/office/drawing/2014/main" id="{B426D703-FE02-00C6-AE57-7E3A5A46696B}"/>
+                <a16:creationId xmlns:a16="http://schemas.microsoft.com/office/drawing/2014/main" id="{BDA09025-E0F6-7CD2-5220-9DD0C49E8B4E}"/>
               </a:ext>
             </a:extLst>
           </p:cNvPr>
@@ -9041,7 +8547,7 @@
             <a:spLocks noGrp="1"/>
           </p:cNvSpPr>
           <p:nvPr>
-            <p:ph idx="1"/>
+            <p:ph type="body" idx="1"/>
           </p:nvPr>
         </p:nvSpPr>
         <p:spPr/>
@@ -9056,7 +8562,7 @@
     </p:spTree>
     <p:extLst>
       <p:ext uri="{BB962C8B-B14F-4D97-AF65-F5344CB8AC3E}">
-        <p14:creationId xmlns:p14="http://schemas.microsoft.com/office/powerpoint/2010/main" val="457993894"/>
+        <p14:creationId xmlns:p14="http://schemas.microsoft.com/office/powerpoint/2010/main" val="3831355442"/>
       </p:ext>
     </p:extLst>
   </p:cSld>
@@ -9066,7 +8572,7 @@
 </p:sld>
 </file>
 
-<file path=ppt/slides/slide19.xml><?xml version="1.0" encoding="utf-8"?>
+<file path=ppt/slides/slide17.xml><?xml version="1.0" encoding="utf-8"?>
 <p:sld xmlns:a="http://schemas.openxmlformats.org/drawingml/2006/main" xmlns:r="http://schemas.openxmlformats.org/officeDocument/2006/relationships" xmlns:p="http://schemas.openxmlformats.org/presentationml/2006/main">
   <p:cSld>
     <p:spTree>
@@ -9528,190 +9034,7 @@
 </p:sld>
 </file>
 
-<file path=ppt/slides/slide2.xml><?xml version="1.0" encoding="utf-8"?>
-<p:sld xmlns:a="http://schemas.openxmlformats.org/drawingml/2006/main" xmlns:r="http://schemas.openxmlformats.org/officeDocument/2006/relationships" xmlns:p="http://schemas.openxmlformats.org/presentationml/2006/main">
-  <p:cSld>
-    <p:spTree>
-      <p:nvGrpSpPr>
-        <p:cNvPr id="1" name=""/>
-        <p:cNvGrpSpPr/>
-        <p:nvPr/>
-      </p:nvGrpSpPr>
-      <p:grpSpPr>
-        <a:xfrm>
-          <a:off x="0" y="0"/>
-          <a:ext cx="0" cy="0"/>
-          <a:chOff x="0" y="0"/>
-          <a:chExt cx="0" cy="0"/>
-        </a:xfrm>
-      </p:grpSpPr>
-      <p:sp>
-        <p:nvSpPr>
-          <p:cNvPr id="2" name="Title 1">
-            <a:extLst>
-              <a:ext uri="{FF2B5EF4-FFF2-40B4-BE49-F238E27FC236}">
-                <a16:creationId xmlns:a16="http://schemas.microsoft.com/office/drawing/2014/main" id="{76625CCD-933C-9765-F48B-72A828692DB1}"/>
-              </a:ext>
-            </a:extLst>
-          </p:cNvPr>
-          <p:cNvSpPr>
-            <a:spLocks noGrp="1"/>
-          </p:cNvSpPr>
-          <p:nvPr>
-            <p:ph type="title"/>
-          </p:nvPr>
-        </p:nvSpPr>
-        <p:spPr>
-          <a:xfrm>
-            <a:off x="358805" y="178695"/>
-            <a:ext cx="10515600" cy="851116"/>
-          </a:xfrm>
-        </p:spPr>
-        <p:txBody>
-          <a:bodyPr/>
-          <a:lstStyle/>
-          <a:p>
-            <a:r>
-              <a:rPr lang="en-ZW" dirty="0">
-                <a:latin typeface="Goudy Old Style" panose="02020502050305020303" pitchFamily="18" charset="0"/>
-              </a:rPr>
-              <a:t>Motivation</a:t>
-            </a:r>
-          </a:p>
-        </p:txBody>
-      </p:sp>
-      <p:sp>
-        <p:nvSpPr>
-          <p:cNvPr id="3" name="Content Placeholder 2">
-            <a:extLst>
-              <a:ext uri="{FF2B5EF4-FFF2-40B4-BE49-F238E27FC236}">
-                <a16:creationId xmlns:a16="http://schemas.microsoft.com/office/drawing/2014/main" id="{F74DDAF1-BBF4-2C0D-9312-59759B33286B}"/>
-              </a:ext>
-            </a:extLst>
-          </p:cNvPr>
-          <p:cNvSpPr>
-            <a:spLocks noGrp="1"/>
-          </p:cNvSpPr>
-          <p:nvPr>
-            <p:ph idx="1"/>
-          </p:nvPr>
-        </p:nvSpPr>
-        <p:spPr>
-          <a:xfrm>
-            <a:off x="550417" y="1127466"/>
-            <a:ext cx="11123719" cy="5468645"/>
-          </a:xfrm>
-        </p:spPr>
-        <p:txBody>
-          <a:bodyPr>
-            <a:normAutofit/>
-          </a:bodyPr>
-          <a:lstStyle/>
-          <a:p>
-            <a:r>
-              <a:rPr lang="en-ZW" dirty="0">
-                <a:latin typeface="Goudy Old Style" panose="02020502050305020303" pitchFamily="18" charset="0"/>
-              </a:rPr>
-              <a:t>Indo-Gangetic Plains—the food basket of the world through a rice-wheat cropping system has over the recent past experienced two major climatic changes</a:t>
-            </a:r>
-          </a:p>
-          <a:p>
-            <a:pPr marL="971550" lvl="1" indent="-514350">
-              <a:buFont typeface="+mj-lt"/>
-              <a:buAutoNum type="arabicPeriod"/>
-            </a:pPr>
-            <a:r>
-              <a:rPr lang="en-ZW" dirty="0">
-                <a:latin typeface="Goudy Old Style" panose="02020502050305020303" pitchFamily="18" charset="0"/>
-              </a:rPr>
-              <a:t>Late monsoon onset which pushes farmers to transplant rice late</a:t>
-            </a:r>
-          </a:p>
-          <a:p>
-            <a:pPr marL="971550" lvl="1" indent="-514350">
-              <a:buFont typeface="+mj-lt"/>
-              <a:buAutoNum type="arabicPeriod"/>
-            </a:pPr>
-            <a:r>
-              <a:rPr lang="en-ZW" dirty="0">
-                <a:latin typeface="Goudy Old Style" panose="02020502050305020303" pitchFamily="18" charset="0"/>
-              </a:rPr>
-              <a:t>Terminal heat stress which reduces wheat yield</a:t>
-            </a:r>
-          </a:p>
-          <a:p>
-            <a:r>
-              <a:rPr lang="en-ZW" dirty="0">
-                <a:latin typeface="Goudy Old Style" panose="02020502050305020303" pitchFamily="18" charset="0"/>
-              </a:rPr>
-              <a:t>Early sowing of wheat would allow the wheat crop to escape terminal heat stress</a:t>
-            </a:r>
-          </a:p>
-          <a:p>
-            <a:r>
-              <a:rPr lang="en-ZW" dirty="0">
-                <a:latin typeface="Goudy Old Style" panose="02020502050305020303" pitchFamily="18" charset="0"/>
-              </a:rPr>
-              <a:t>Late sowing of wheat is however highly associated with delays in the harvesting of rice crop</a:t>
-            </a:r>
-          </a:p>
-          <a:p>
-            <a:r>
-              <a:rPr lang="en-ZW" dirty="0">
-                <a:latin typeface="Goudy Old Style" panose="02020502050305020303" pitchFamily="18" charset="0"/>
-              </a:rPr>
-              <a:t>Advancing rice sowing date so as to prepare early for wheat sowing has been considered the entry point for rice-wheat system optimization</a:t>
-            </a:r>
-          </a:p>
-          <a:p>
-            <a:endParaRPr lang="en-ZW" dirty="0">
-              <a:latin typeface="Goudy Old Style" panose="02020502050305020303" pitchFamily="18" charset="0"/>
-            </a:endParaRPr>
-          </a:p>
-          <a:p>
-            <a:pPr lvl="1">
-              <a:buFont typeface="Courier New" panose="02070309020205020404" pitchFamily="49" charset="0"/>
-              <a:buChar char="o"/>
-            </a:pPr>
-            <a:endParaRPr lang="en-ZW" dirty="0">
-              <a:latin typeface="Goudy Old Style" panose="02020502050305020303" pitchFamily="18" charset="0"/>
-            </a:endParaRPr>
-          </a:p>
-          <a:p>
-            <a:pPr lvl="1">
-              <a:buFont typeface="Courier New" panose="02070309020205020404" pitchFamily="49" charset="0"/>
-              <a:buChar char="o"/>
-            </a:pPr>
-            <a:endParaRPr lang="en-ZW" dirty="0">
-              <a:latin typeface="Goudy Old Style" panose="02020502050305020303" pitchFamily="18" charset="0"/>
-            </a:endParaRPr>
-          </a:p>
-          <a:p>
-            <a:pPr lvl="1">
-              <a:buFont typeface="Courier New" panose="02070309020205020404" pitchFamily="49" charset="0"/>
-              <a:buChar char="o"/>
-            </a:pPr>
-            <a:endParaRPr lang="en-ZW" dirty="0"/>
-          </a:p>
-          <a:p>
-            <a:endParaRPr lang="en-ZW" dirty="0"/>
-          </a:p>
-        </p:txBody>
-      </p:sp>
-    </p:spTree>
-    <p:extLst>
-      <p:ext uri="{BB962C8B-B14F-4D97-AF65-F5344CB8AC3E}">
-        <p14:creationId xmlns:p14="http://schemas.microsoft.com/office/powerpoint/2010/main" val="1543117436"/>
-      </p:ext>
-    </p:extLst>
-  </p:cSld>
-  <p:clrMapOvr>
-    <a:masterClrMapping/>
-  </p:clrMapOvr>
-</p:sld>
-</file>
-
-<file path=ppt/slides/slide20.xml><?xml version="1.0" encoding="utf-8"?>
+<file path=ppt/slides/slide18.xml><?xml version="1.0" encoding="utf-8"?>
 <p:sld xmlns:a="http://schemas.openxmlformats.org/drawingml/2006/main" xmlns:r="http://schemas.openxmlformats.org/officeDocument/2006/relationships" xmlns:p="http://schemas.openxmlformats.org/presentationml/2006/main">
   <p:cSld>
     <p:spTree>
@@ -9813,7 +9136,290 @@
 </p:sld>
 </file>
 
-<file path=ppt/slides/slide21.xml><?xml version="1.0" encoding="utf-8"?>
+<file path=ppt/slides/slide19.xml><?xml version="1.0" encoding="utf-8"?>
+<p:sld xmlns:a="http://schemas.openxmlformats.org/drawingml/2006/main" xmlns:r="http://schemas.openxmlformats.org/officeDocument/2006/relationships" xmlns:p="http://schemas.openxmlformats.org/presentationml/2006/main">
+  <p:cSld>
+    <p:spTree>
+      <p:nvGrpSpPr>
+        <p:cNvPr id="1" name=""/>
+        <p:cNvGrpSpPr/>
+        <p:nvPr/>
+      </p:nvGrpSpPr>
+      <p:grpSpPr>
+        <a:xfrm>
+          <a:off x="0" y="0"/>
+          <a:ext cx="0" cy="0"/>
+          <a:chOff x="0" y="0"/>
+          <a:chExt cx="0" cy="0"/>
+        </a:xfrm>
+      </p:grpSpPr>
+      <p:sp>
+        <p:nvSpPr>
+          <p:cNvPr id="2" name="Title 1">
+            <a:extLst>
+              <a:ext uri="{FF2B5EF4-FFF2-40B4-BE49-F238E27FC236}">
+                <a16:creationId xmlns:a16="http://schemas.microsoft.com/office/drawing/2014/main" id="{2DE94227-3308-B93A-F896-05F42FE1F2AD}"/>
+              </a:ext>
+            </a:extLst>
+          </p:cNvPr>
+          <p:cNvSpPr>
+            <a:spLocks noGrp="1"/>
+          </p:cNvSpPr>
+          <p:nvPr>
+            <p:ph type="title"/>
+          </p:nvPr>
+        </p:nvSpPr>
+        <p:spPr>
+          <a:xfrm>
+            <a:off x="838200" y="365127"/>
+            <a:ext cx="10515600" cy="704721"/>
+          </a:xfrm>
+        </p:spPr>
+        <p:txBody>
+          <a:bodyPr/>
+          <a:lstStyle/>
+          <a:p>
+            <a:r>
+              <a:rPr lang="en-US" dirty="0">
+                <a:latin typeface="Gill Sans MT" panose="020B0502020104020203" pitchFamily="34" charset="0"/>
+              </a:rPr>
+              <a:t>Recommended planting date strategy</a:t>
+            </a:r>
+            <a:endParaRPr lang="en-ZW" dirty="0">
+              <a:latin typeface="Gill Sans MT" panose="020B0502020104020203" pitchFamily="34" charset="0"/>
+            </a:endParaRPr>
+          </a:p>
+        </p:txBody>
+      </p:sp>
+      <p:pic>
+        <p:nvPicPr>
+          <p:cNvPr id="5" name="Content Placeholder 4">
+            <a:extLst>
+              <a:ext uri="{FF2B5EF4-FFF2-40B4-BE49-F238E27FC236}">
+                <a16:creationId xmlns:a16="http://schemas.microsoft.com/office/drawing/2014/main" id="{065161F4-06F0-147C-F760-821F241AB0F7}"/>
+              </a:ext>
+            </a:extLst>
+          </p:cNvPr>
+          <p:cNvPicPr>
+            <a:picLocks noGrp="1" noChangeAspect="1"/>
+          </p:cNvPicPr>
+          <p:nvPr>
+            <p:ph idx="1"/>
+          </p:nvPr>
+        </p:nvPicPr>
+        <p:blipFill>
+          <a:blip r:embed="rId2"/>
+          <a:stretch>
+            <a:fillRect/>
+          </a:stretch>
+        </p:blipFill>
+        <p:spPr>
+          <a:xfrm>
+            <a:off x="950976" y="1371600"/>
+            <a:ext cx="10402824" cy="5121273"/>
+          </a:xfrm>
+          <a:prstGeom prst="rect">
+            <a:avLst/>
+          </a:prstGeom>
+        </p:spPr>
+      </p:pic>
+    </p:spTree>
+    <p:extLst>
+      <p:ext uri="{BB962C8B-B14F-4D97-AF65-F5344CB8AC3E}">
+        <p14:creationId xmlns:p14="http://schemas.microsoft.com/office/powerpoint/2010/main" val="2912337077"/>
+      </p:ext>
+    </p:extLst>
+  </p:cSld>
+  <p:clrMapOvr>
+    <a:masterClrMapping/>
+  </p:clrMapOvr>
+</p:sld>
+</file>
+
+<file path=ppt/slides/slide2.xml><?xml version="1.0" encoding="utf-8"?>
+<p:sld xmlns:a="http://schemas.openxmlformats.org/drawingml/2006/main" xmlns:r="http://schemas.openxmlformats.org/officeDocument/2006/relationships" xmlns:p="http://schemas.openxmlformats.org/presentationml/2006/main">
+  <p:cSld>
+    <p:spTree>
+      <p:nvGrpSpPr>
+        <p:cNvPr id="1" name=""/>
+        <p:cNvGrpSpPr/>
+        <p:nvPr/>
+      </p:nvGrpSpPr>
+      <p:grpSpPr>
+        <a:xfrm>
+          <a:off x="0" y="0"/>
+          <a:ext cx="0" cy="0"/>
+          <a:chOff x="0" y="0"/>
+          <a:chExt cx="0" cy="0"/>
+        </a:xfrm>
+      </p:grpSpPr>
+      <p:sp>
+        <p:nvSpPr>
+          <p:cNvPr id="2" name="Title 1">
+            <a:extLst>
+              <a:ext uri="{FF2B5EF4-FFF2-40B4-BE49-F238E27FC236}">
+                <a16:creationId xmlns:a16="http://schemas.microsoft.com/office/drawing/2014/main" id="{76625CCD-933C-9765-F48B-72A828692DB1}"/>
+              </a:ext>
+            </a:extLst>
+          </p:cNvPr>
+          <p:cNvSpPr>
+            <a:spLocks noGrp="1"/>
+          </p:cNvSpPr>
+          <p:nvPr>
+            <p:ph type="title"/>
+          </p:nvPr>
+        </p:nvSpPr>
+        <p:spPr>
+          <a:xfrm>
+            <a:off x="358805" y="178695"/>
+            <a:ext cx="10515600" cy="851116"/>
+          </a:xfrm>
+        </p:spPr>
+        <p:txBody>
+          <a:bodyPr/>
+          <a:lstStyle/>
+          <a:p>
+            <a:r>
+              <a:rPr lang="en-ZW" dirty="0">
+                <a:latin typeface="Goudy Old Style" panose="02020502050305020303" pitchFamily="18" charset="0"/>
+              </a:rPr>
+              <a:t>Motivation</a:t>
+            </a:r>
+          </a:p>
+        </p:txBody>
+      </p:sp>
+      <p:sp>
+        <p:nvSpPr>
+          <p:cNvPr id="3" name="Content Placeholder 2">
+            <a:extLst>
+              <a:ext uri="{FF2B5EF4-FFF2-40B4-BE49-F238E27FC236}">
+                <a16:creationId xmlns:a16="http://schemas.microsoft.com/office/drawing/2014/main" id="{F74DDAF1-BBF4-2C0D-9312-59759B33286B}"/>
+              </a:ext>
+            </a:extLst>
+          </p:cNvPr>
+          <p:cNvSpPr>
+            <a:spLocks noGrp="1"/>
+          </p:cNvSpPr>
+          <p:nvPr>
+            <p:ph idx="1"/>
+          </p:nvPr>
+        </p:nvSpPr>
+        <p:spPr>
+          <a:xfrm>
+            <a:off x="550417" y="1127466"/>
+            <a:ext cx="11123719" cy="5468645"/>
+          </a:xfrm>
+        </p:spPr>
+        <p:txBody>
+          <a:bodyPr>
+            <a:normAutofit/>
+          </a:bodyPr>
+          <a:lstStyle/>
+          <a:p>
+            <a:r>
+              <a:rPr lang="en-ZW" dirty="0">
+                <a:latin typeface="Goudy Old Style" panose="02020502050305020303" pitchFamily="18" charset="0"/>
+              </a:rPr>
+              <a:t>Indo-Gangetic Plains—the food basket of the world through a rice-wheat cropping system has over the recent past experienced two major climatic changes</a:t>
+            </a:r>
+          </a:p>
+          <a:p>
+            <a:pPr marL="971550" lvl="1" indent="-514350">
+              <a:buFont typeface="+mj-lt"/>
+              <a:buAutoNum type="arabicPeriod"/>
+            </a:pPr>
+            <a:r>
+              <a:rPr lang="en-ZW" dirty="0">
+                <a:latin typeface="Goudy Old Style" panose="02020502050305020303" pitchFamily="18" charset="0"/>
+              </a:rPr>
+              <a:t>Late monsoon onset which pushes farmers to transplant rice late</a:t>
+            </a:r>
+          </a:p>
+          <a:p>
+            <a:pPr marL="971550" lvl="1" indent="-514350">
+              <a:buFont typeface="+mj-lt"/>
+              <a:buAutoNum type="arabicPeriod"/>
+            </a:pPr>
+            <a:r>
+              <a:rPr lang="en-ZW" dirty="0">
+                <a:latin typeface="Goudy Old Style" panose="02020502050305020303" pitchFamily="18" charset="0"/>
+              </a:rPr>
+              <a:t>Terminal heat stress which reduces wheat yield</a:t>
+            </a:r>
+          </a:p>
+          <a:p>
+            <a:r>
+              <a:rPr lang="en-ZW" dirty="0">
+                <a:latin typeface="Goudy Old Style" panose="02020502050305020303" pitchFamily="18" charset="0"/>
+              </a:rPr>
+              <a:t>Early sowing of wheat would allow the wheat crop to escape terminal heat stress</a:t>
+            </a:r>
+          </a:p>
+          <a:p>
+            <a:r>
+              <a:rPr lang="en-ZW" dirty="0">
+                <a:latin typeface="Goudy Old Style" panose="02020502050305020303" pitchFamily="18" charset="0"/>
+              </a:rPr>
+              <a:t>Late sowing of wheat is however highly associated with delays in the harvesting of rice crop</a:t>
+            </a:r>
+          </a:p>
+          <a:p>
+            <a:r>
+              <a:rPr lang="en-ZW" dirty="0">
+                <a:latin typeface="Goudy Old Style" panose="02020502050305020303" pitchFamily="18" charset="0"/>
+              </a:rPr>
+              <a:t>Advancing rice sowing date so as to prepare early for wheat sowing has been considered the entry point for rice-wheat system optimization</a:t>
+            </a:r>
+          </a:p>
+          <a:p>
+            <a:endParaRPr lang="en-ZW" dirty="0">
+              <a:latin typeface="Goudy Old Style" panose="02020502050305020303" pitchFamily="18" charset="0"/>
+            </a:endParaRPr>
+          </a:p>
+          <a:p>
+            <a:pPr lvl="1">
+              <a:buFont typeface="Courier New" panose="02070309020205020404" pitchFamily="49" charset="0"/>
+              <a:buChar char="o"/>
+            </a:pPr>
+            <a:endParaRPr lang="en-ZW" dirty="0">
+              <a:latin typeface="Goudy Old Style" panose="02020502050305020303" pitchFamily="18" charset="0"/>
+            </a:endParaRPr>
+          </a:p>
+          <a:p>
+            <a:pPr lvl="1">
+              <a:buFont typeface="Courier New" panose="02070309020205020404" pitchFamily="49" charset="0"/>
+              <a:buChar char="o"/>
+            </a:pPr>
+            <a:endParaRPr lang="en-ZW" dirty="0">
+              <a:latin typeface="Goudy Old Style" panose="02020502050305020303" pitchFamily="18" charset="0"/>
+            </a:endParaRPr>
+          </a:p>
+          <a:p>
+            <a:pPr lvl="1">
+              <a:buFont typeface="Courier New" panose="02070309020205020404" pitchFamily="49" charset="0"/>
+              <a:buChar char="o"/>
+            </a:pPr>
+            <a:endParaRPr lang="en-ZW" dirty="0"/>
+          </a:p>
+          <a:p>
+            <a:endParaRPr lang="en-ZW" dirty="0"/>
+          </a:p>
+        </p:txBody>
+      </p:sp>
+    </p:spTree>
+    <p:extLst>
+      <p:ext uri="{BB962C8B-B14F-4D97-AF65-F5344CB8AC3E}">
+        <p14:creationId xmlns:p14="http://schemas.microsoft.com/office/powerpoint/2010/main" val="1543117436"/>
+      </p:ext>
+    </p:extLst>
+  </p:cSld>
+  <p:clrMapOvr>
+    <a:masterClrMapping/>
+  </p:clrMapOvr>
+</p:sld>
+</file>
+
+<file path=ppt/slides/slide20.xml><?xml version="1.0" encoding="utf-8"?>
 <p:sld xmlns:a="http://schemas.openxmlformats.org/drawingml/2006/main" xmlns:r="http://schemas.openxmlformats.org/officeDocument/2006/relationships" xmlns:p="http://schemas.openxmlformats.org/presentationml/2006/main">
   <p:cSld>
     <p:spTree>
@@ -9958,7 +9564,7 @@
 </p:sld>
 </file>
 
-<file path=ppt/slides/slide22.xml><?xml version="1.0" encoding="utf-8"?>
+<file path=ppt/slides/slide21.xml><?xml version="1.0" encoding="utf-8"?>
 <p:sld xmlns:a="http://schemas.openxmlformats.org/drawingml/2006/main" xmlns:r="http://schemas.openxmlformats.org/officeDocument/2006/relationships" xmlns:p="http://schemas.openxmlformats.org/presentationml/2006/main">
   <p:cSld>
     <p:spTree>
@@ -10415,7 +10021,7 @@
 </p:sld>
 </file>
 
-<file path=ppt/slides/slide23.xml><?xml version="1.0" encoding="utf-8"?>
+<file path=ppt/slides/slide22.xml><?xml version="1.0" encoding="utf-8"?>
 <p:sld xmlns:a="http://schemas.openxmlformats.org/drawingml/2006/main" xmlns:r="http://schemas.openxmlformats.org/officeDocument/2006/relationships" xmlns:p="http://schemas.openxmlformats.org/presentationml/2006/main">
   <p:cSld>
     <p:spTree>
@@ -10792,8 +10398,8 @@
           </a:p>
         </p:txBody>
       </p:sp>
-      <mc:AlternateContent xmlns:mc="http://schemas.openxmlformats.org/markup-compatibility/2006">
-        <mc:Choice xmlns:a14="http://schemas.microsoft.com/office/drawing/2010/main" Requires="a14">
+      <mc:AlternateContent xmlns:mc="http://schemas.openxmlformats.org/markup-compatibility/2006" xmlns:a14="http://schemas.microsoft.com/office/drawing/2010/main">
+        <mc:Choice Requires="a14">
           <p:sp>
             <p:nvSpPr>
               <p:cNvPr id="3" name="Content Placeholder 2">
@@ -11740,7 +11346,7 @@
             </p:txBody>
           </p:sp>
         </mc:Choice>
-        <mc:Fallback>
+        <mc:Fallback xmlns="">
           <p:sp>
             <p:nvSpPr>
               <p:cNvPr id="3" name="Content Placeholder 2">
@@ -11849,8 +11455,8 @@
           </a:p>
         </p:txBody>
       </p:sp>
-      <mc:AlternateContent xmlns:mc="http://schemas.openxmlformats.org/markup-compatibility/2006">
-        <mc:Choice xmlns:a14="http://schemas.microsoft.com/office/drawing/2010/main" Requires="a14">
+      <mc:AlternateContent xmlns:mc="http://schemas.openxmlformats.org/markup-compatibility/2006" xmlns:a14="http://schemas.microsoft.com/office/drawing/2010/main">
+        <mc:Choice Requires="a14">
           <p:sp>
             <p:nvSpPr>
               <p:cNvPr id="3" name="Content Placeholder 2">
@@ -13496,13 +13102,7 @@
                                 <a:rPr lang="en-ZW" sz="1800" i="1">
                                   <a:latin typeface="Cambria Math" panose="02040503050406030204" pitchFamily="18" charset="0"/>
                                 </a:rPr>
-                                <m:t>}</m:t>
-                              </m:r>
-                              <m:r>
-                                <a:rPr lang="en-ZW" sz="1800" i="1">
-                                  <a:latin typeface="Cambria Math" panose="02040503050406030204" pitchFamily="18" charset="0"/>
-                                </a:rPr>
-                                <m:t> </m:t>
+                                <m:t>} </m:t>
                               </m:r>
                             </m:e>
                           </m:nary>
@@ -14022,7 +13622,7 @@
             </p:txBody>
           </p:sp>
         </mc:Choice>
-        <mc:Fallback>
+        <mc:Fallback xmlns="">
           <p:sp>
             <p:nvSpPr>
               <p:cNvPr id="3" name="Content Placeholder 2">
@@ -14131,8 +13731,8 @@
           </a:p>
         </p:txBody>
       </p:sp>
-      <mc:AlternateContent xmlns:mc="http://schemas.openxmlformats.org/markup-compatibility/2006">
-        <mc:Choice xmlns:a14="http://schemas.microsoft.com/office/drawing/2010/main" Requires="a14">
+      <mc:AlternateContent xmlns:mc="http://schemas.openxmlformats.org/markup-compatibility/2006" xmlns:a14="http://schemas.microsoft.com/office/drawing/2010/main">
+        <mc:Choice Requires="a14">
           <p:sp>
             <p:nvSpPr>
               <p:cNvPr id="3" name="Content Placeholder 2">
@@ -14492,7 +14092,7 @@
             </p:txBody>
           </p:sp>
         </mc:Choice>
-        <mc:Fallback>
+        <mc:Fallback xmlns="">
           <p:sp>
             <p:nvSpPr>
               <p:cNvPr id="3" name="Content Placeholder 2">
@@ -15337,7 +14937,7 @@
             <p:ph idx="1"/>
             <p:extLst>
               <p:ext uri="{D42A27DB-BD31-4B8C-83A1-F6EECF244321}">
-                <p14:modId xmlns:p14="http://schemas.microsoft.com/office/powerpoint/2010/main" val="2941519926"/>
+                <p14:modId xmlns:p14="http://schemas.microsoft.com/office/powerpoint/2010/main" val="861001291"/>
               </p:ext>
             </p:extLst>
           </p:nvPr>
@@ -15479,7 +15079,7 @@
                     <a:lstStyle/>
                     <a:p>
                       <a:r>
-                        <a:rPr lang="en-ZW" sz="1800" dirty="0">
+                        <a:rPr lang="en-ZW" sz="1800" b="1" dirty="0">
                           <a:latin typeface="Goudy Old Style" panose="02020502050305020303" pitchFamily="18" charset="0"/>
                         </a:rPr>
                         <a:t>0.036</a:t>
@@ -15546,7 +15146,7 @@
                     <a:lstStyle/>
                     <a:p>
                       <a:r>
-                        <a:rPr lang="en-ZW" sz="1800" dirty="0">
+                        <a:rPr lang="en-ZW" sz="1800" b="1" dirty="0">
                           <a:latin typeface="Goudy Old Style" panose="02020502050305020303" pitchFamily="18" charset="0"/>
                         </a:rPr>
                         <a:t>0.763</a:t>
@@ -15702,7 +15302,7 @@
         <p:spPr>
           <a:xfrm>
             <a:off x="8140823" y="938856"/>
-            <a:ext cx="3928910" cy="5717122"/>
+            <a:ext cx="3928910" cy="5013888"/>
           </a:xfrm>
           <a:prstGeom prst="rect">
             <a:avLst/>
@@ -16175,6 +15775,50 @@
           </a:graphicData>
         </a:graphic>
       </p:graphicFrame>
+      <p:sp>
+        <p:nvSpPr>
+          <p:cNvPr id="6" name="TextBox 5">
+            <a:extLst>
+              <a:ext uri="{FF2B5EF4-FFF2-40B4-BE49-F238E27FC236}">
+                <a16:creationId xmlns:a16="http://schemas.microsoft.com/office/drawing/2014/main" id="{CFF0DC65-A6E3-483B-84F4-CDD11D132645}"/>
+              </a:ext>
+            </a:extLst>
+          </p:cNvPr>
+          <p:cNvSpPr txBox="1"/>
+          <p:nvPr/>
+        </p:nvSpPr>
+        <p:spPr>
+          <a:xfrm>
+            <a:off x="8494776" y="6217920"/>
+            <a:ext cx="1938528" cy="369332"/>
+          </a:xfrm>
+          <a:prstGeom prst="rect">
+            <a:avLst/>
+          </a:prstGeom>
+          <a:noFill/>
+        </p:spPr>
+        <p:txBody>
+          <a:bodyPr wrap="square" rtlCol="0">
+            <a:spAutoFit/>
+          </a:bodyPr>
+          <a:lstStyle/>
+          <a:p>
+            <a:r>
+              <a:rPr lang="en-US" b="1" dirty="0">
+                <a:solidFill>
+                  <a:srgbClr val="FF0000"/>
+                </a:solidFill>
+              </a:rPr>
+              <a:t>G</a:t>
+            </a:r>
+            <a:r>
+              <a:rPr lang="en-US" dirty="0"/>
+              <a:t>&gt;F&gt;Q</a:t>
+            </a:r>
+            <a:endParaRPr lang="en-ZW" dirty="0"/>
+          </a:p>
+        </p:txBody>
+      </p:sp>
     </p:spTree>
     <p:extLst>
       <p:ext uri="{BB962C8B-B14F-4D97-AF65-F5344CB8AC3E}">

--- a/Planting date strategies under risk considerations_IGP_v2.pptx
+++ b/Planting date strategies under risk considerations_IGP_v2.pptx
@@ -136,14 +136,6 @@
 </p:presentation>
 </file>
 
-<file path=ppt/revisionInfo.xml><?xml version="1.0" encoding="utf-8"?>
-<p1510:revInfo xmlns:a="http://schemas.openxmlformats.org/drawingml/2006/main" xmlns:r="http://schemas.openxmlformats.org/officeDocument/2006/relationships" xmlns:p1510="http://schemas.microsoft.com/office/powerpoint/2015/10/main">
-  <p1510:revLst>
-    <p1510:client id="{E8D17F3F-A9E1-4CB6-AE23-77212FC715F0}" v="56" dt="2023-08-31T09:23:57.668"/>
-  </p1510:revLst>
-</p1510:revInfo>
-</file>
-
 <file path=ppt/changesInfos/changesInfo1.xml><?xml version="1.0" encoding="utf-8"?>
 <pc:chgInfo xmlns:a="http://schemas.openxmlformats.org/drawingml/2006/main" xmlns:r="http://schemas.openxmlformats.org/officeDocument/2006/relationships" xmlns:ac="http://schemas.microsoft.com/office/drawing/2013/main/command" xmlns:pc="http://schemas.microsoft.com/office/powerpoint/2013/main/command">
   <pc:docChgLst>
@@ -1802,6 +1794,38 @@
             <pc:docMk/>
             <pc:sldMk cId="870741121" sldId="405"/>
             <ac:picMk id="4" creationId="{533FE52B-B5E4-5526-DEA6-1A18B7E50FDE}"/>
+          </ac:picMkLst>
+        </pc:picChg>
+      </pc:sldChg>
+    </pc:docChg>
+  </pc:docChgLst>
+  <pc:docChgLst>
+    <pc:chgData name="MKONDIWA, Maxwell (CIMMYT-India)" userId="861bee07-b612-4cf7-beae-414489ecebf8" providerId="ADAL" clId="{63C03F08-A72F-45B4-A92B-D37E4556127E}"/>
+    <pc:docChg chg="modSld">
+      <pc:chgData name="MKONDIWA, Maxwell (CIMMYT-India)" userId="861bee07-b612-4cf7-beae-414489ecebf8" providerId="ADAL" clId="{63C03F08-A72F-45B4-A92B-D37E4556127E}" dt="2023-10-08T12:12:24.610" v="3" actId="1076"/>
+      <pc:docMkLst>
+        <pc:docMk/>
+      </pc:docMkLst>
+      <pc:sldChg chg="modSp mod">
+        <pc:chgData name="MKONDIWA, Maxwell (CIMMYT-India)" userId="861bee07-b612-4cf7-beae-414489ecebf8" providerId="ADAL" clId="{63C03F08-A72F-45B4-A92B-D37E4556127E}" dt="2023-10-08T12:12:24.610" v="3" actId="1076"/>
+        <pc:sldMkLst>
+          <pc:docMk/>
+          <pc:sldMk cId="1260023922" sldId="413"/>
+        </pc:sldMkLst>
+        <pc:picChg chg="mod">
+          <ac:chgData name="MKONDIWA, Maxwell (CIMMYT-India)" userId="861bee07-b612-4cf7-beae-414489ecebf8" providerId="ADAL" clId="{63C03F08-A72F-45B4-A92B-D37E4556127E}" dt="2023-10-08T12:12:24.610" v="3" actId="1076"/>
+          <ac:picMkLst>
+            <pc:docMk/>
+            <pc:sldMk cId="1260023922" sldId="413"/>
+            <ac:picMk id="3" creationId="{5A4A9904-4DF7-EAB3-9DAF-34E1FE80B761}"/>
+          </ac:picMkLst>
+        </pc:picChg>
+        <pc:picChg chg="mod">
+          <ac:chgData name="MKONDIWA, Maxwell (CIMMYT-India)" userId="861bee07-b612-4cf7-beae-414489ecebf8" providerId="ADAL" clId="{63C03F08-A72F-45B4-A92B-D37E4556127E}" dt="2023-10-08T12:12:23.001" v="2" actId="1076"/>
+          <ac:picMkLst>
+            <pc:docMk/>
+            <pc:sldMk cId="1260023922" sldId="413"/>
+            <ac:picMk id="4" creationId="{5F501816-2944-BC2E-3DFA-CF05E78DACD3}"/>
           </ac:picMkLst>
         </pc:picChg>
       </pc:sldChg>
@@ -2754,7 +2778,7 @@
           <a:p>
             <a:fld id="{9A1FBAB8-4B41-4FD5-8C11-54A6B116D430}" type="datetimeFigureOut">
               <a:rPr lang="en-ZW" smtClean="0"/>
-              <a:t>31/8/2023</a:t>
+              <a:t>8/10/2023</a:t>
             </a:fld>
             <a:endParaRPr lang="en-ZW"/>
           </a:p>
@@ -3438,7 +3462,7 @@
           <a:p>
             <a:fld id="{0D336653-BEC4-4200-85FD-0B10B1D3D944}" type="datetimeFigureOut">
               <a:rPr lang="en-ZW" smtClean="0"/>
-              <a:t>31/8/2023</a:t>
+              <a:t>8/10/2023</a:t>
             </a:fld>
             <a:endParaRPr lang="en-ZW"/>
           </a:p>
@@ -3638,7 +3662,7 @@
           <a:p>
             <a:fld id="{0D336653-BEC4-4200-85FD-0B10B1D3D944}" type="datetimeFigureOut">
               <a:rPr lang="en-ZW" smtClean="0"/>
-              <a:t>31/8/2023</a:t>
+              <a:t>8/10/2023</a:t>
             </a:fld>
             <a:endParaRPr lang="en-ZW"/>
           </a:p>
@@ -3848,7 +3872,7 @@
           <a:p>
             <a:fld id="{0D336653-BEC4-4200-85FD-0B10B1D3D944}" type="datetimeFigureOut">
               <a:rPr lang="en-ZW" smtClean="0"/>
-              <a:t>31/8/2023</a:t>
+              <a:t>8/10/2023</a:t>
             </a:fld>
             <a:endParaRPr lang="en-ZW"/>
           </a:p>
@@ -4048,7 +4072,7 @@
           <a:p>
             <a:fld id="{0D336653-BEC4-4200-85FD-0B10B1D3D944}" type="datetimeFigureOut">
               <a:rPr lang="en-ZW" smtClean="0"/>
-              <a:t>31/8/2023</a:t>
+              <a:t>8/10/2023</a:t>
             </a:fld>
             <a:endParaRPr lang="en-ZW"/>
           </a:p>
@@ -4324,7 +4348,7 @@
           <a:p>
             <a:fld id="{0D336653-BEC4-4200-85FD-0B10B1D3D944}" type="datetimeFigureOut">
               <a:rPr lang="en-ZW" smtClean="0"/>
-              <a:t>31/8/2023</a:t>
+              <a:t>8/10/2023</a:t>
             </a:fld>
             <a:endParaRPr lang="en-ZW"/>
           </a:p>
@@ -4592,7 +4616,7 @@
           <a:p>
             <a:fld id="{0D336653-BEC4-4200-85FD-0B10B1D3D944}" type="datetimeFigureOut">
               <a:rPr lang="en-ZW" smtClean="0"/>
-              <a:t>31/8/2023</a:t>
+              <a:t>8/10/2023</a:t>
             </a:fld>
             <a:endParaRPr lang="en-ZW"/>
           </a:p>
@@ -5007,7 +5031,7 @@
           <a:p>
             <a:fld id="{0D336653-BEC4-4200-85FD-0B10B1D3D944}" type="datetimeFigureOut">
               <a:rPr lang="en-ZW" smtClean="0"/>
-              <a:t>31/8/2023</a:t>
+              <a:t>8/10/2023</a:t>
             </a:fld>
             <a:endParaRPr lang="en-ZW"/>
           </a:p>
@@ -5149,7 +5173,7 @@
           <a:p>
             <a:fld id="{0D336653-BEC4-4200-85FD-0B10B1D3D944}" type="datetimeFigureOut">
               <a:rPr lang="en-ZW" smtClean="0"/>
-              <a:t>31/8/2023</a:t>
+              <a:t>8/10/2023</a:t>
             </a:fld>
             <a:endParaRPr lang="en-ZW"/>
           </a:p>
@@ -5262,7 +5286,7 @@
           <a:p>
             <a:fld id="{0D336653-BEC4-4200-85FD-0B10B1D3D944}" type="datetimeFigureOut">
               <a:rPr lang="en-ZW" smtClean="0"/>
-              <a:t>31/8/2023</a:t>
+              <a:t>8/10/2023</a:t>
             </a:fld>
             <a:endParaRPr lang="en-ZW"/>
           </a:p>
@@ -5575,7 +5599,7 @@
           <a:p>
             <a:fld id="{0D336653-BEC4-4200-85FD-0B10B1D3D944}" type="datetimeFigureOut">
               <a:rPr lang="en-ZW" smtClean="0"/>
-              <a:t>31/8/2023</a:t>
+              <a:t>8/10/2023</a:t>
             </a:fld>
             <a:endParaRPr lang="en-ZW"/>
           </a:p>
@@ -5864,7 +5888,7 @@
           <a:p>
             <a:fld id="{0D336653-BEC4-4200-85FD-0B10B1D3D944}" type="datetimeFigureOut">
               <a:rPr lang="en-ZW" smtClean="0"/>
-              <a:t>31/8/2023</a:t>
+              <a:t>8/10/2023</a:t>
             </a:fld>
             <a:endParaRPr lang="en-ZW"/>
           </a:p>
@@ -6107,7 +6131,7 @@
           <a:p>
             <a:fld id="{0D336653-BEC4-4200-85FD-0B10B1D3D944}" type="datetimeFigureOut">
               <a:rPr lang="en-ZW" smtClean="0"/>
-              <a:t>31/8/2023</a:t>
+              <a:t>8/10/2023</a:t>
             </a:fld>
             <a:endParaRPr lang="en-ZW"/>
           </a:p>
@@ -8437,7 +8461,7 @@
         </p:blipFill>
         <p:spPr>
           <a:xfrm>
-            <a:off x="6182946" y="1866722"/>
+            <a:off x="6161879" y="1866722"/>
             <a:ext cx="5920279" cy="4235537"/>
           </a:xfrm>
           <a:prstGeom prst="rect">
@@ -8467,8 +8491,8 @@
         </p:blipFill>
         <p:spPr>
           <a:xfrm>
-            <a:off x="271895" y="2140647"/>
-            <a:ext cx="5537393" cy="3961610"/>
+            <a:off x="292963" y="1866722"/>
+            <a:ext cx="5737160" cy="4104529"/>
           </a:xfrm>
           <a:prstGeom prst="rect">
             <a:avLst/>

--- a/Planting date strategies under risk considerations_IGP_v2.pptx
+++ b/Planting date strategies under risk considerations_IGP_v2.pptx
@@ -1800,6 +1800,69 @@
     </pc:docChg>
   </pc:docChgLst>
   <pc:docChgLst>
+    <pc:chgData name="MKONDIWA, Maxwell (CIMMYT-India)" userId="861bee07-b612-4cf7-beae-414489ecebf8" providerId="ADAL" clId="{4CC3FDD2-B7AF-4450-8AF6-55DC46A3898F}"/>
+    <pc:docChg chg="modSld">
+      <pc:chgData name="MKONDIWA, Maxwell (CIMMYT-India)" userId="861bee07-b612-4cf7-beae-414489ecebf8" providerId="ADAL" clId="{4CC3FDD2-B7AF-4450-8AF6-55DC46A3898F}" dt="2024-02-06T10:50:42.994" v="31" actId="14100"/>
+      <pc:docMkLst>
+        <pc:docMk/>
+      </pc:docMkLst>
+      <pc:sldChg chg="modSp mod">
+        <pc:chgData name="MKONDIWA, Maxwell (CIMMYT-India)" userId="861bee07-b612-4cf7-beae-414489ecebf8" providerId="ADAL" clId="{4CC3FDD2-B7AF-4450-8AF6-55DC46A3898F}" dt="2024-02-06T10:50:42.994" v="31" actId="14100"/>
+        <pc:sldMkLst>
+          <pc:docMk/>
+          <pc:sldMk cId="2192085616" sldId="271"/>
+        </pc:sldMkLst>
+        <pc:spChg chg="mod">
+          <ac:chgData name="MKONDIWA, Maxwell (CIMMYT-India)" userId="861bee07-b612-4cf7-beae-414489ecebf8" providerId="ADAL" clId="{4CC3FDD2-B7AF-4450-8AF6-55DC46A3898F}" dt="2024-02-06T10:50:28.029" v="28" actId="113"/>
+          <ac:spMkLst>
+            <pc:docMk/>
+            <pc:sldMk cId="2192085616" sldId="271"/>
+            <ac:spMk id="6" creationId="{CFF0DC65-A6E3-483B-84F4-CDD11D132645}"/>
+          </ac:spMkLst>
+        </pc:spChg>
+        <pc:graphicFrameChg chg="mod modGraphic">
+          <ac:chgData name="MKONDIWA, Maxwell (CIMMYT-India)" userId="861bee07-b612-4cf7-beae-414489ecebf8" providerId="ADAL" clId="{4CC3FDD2-B7AF-4450-8AF6-55DC46A3898F}" dt="2024-02-06T10:50:39.973" v="30" actId="14100"/>
+          <ac:graphicFrameMkLst>
+            <pc:docMk/>
+            <pc:sldMk cId="2192085616" sldId="271"/>
+            <ac:graphicFrameMk id="3" creationId="{B3216D11-DB45-A27D-4069-A672A2770288}"/>
+          </ac:graphicFrameMkLst>
+        </pc:graphicFrameChg>
+        <pc:graphicFrameChg chg="mod modGraphic">
+          <ac:chgData name="MKONDIWA, Maxwell (CIMMYT-India)" userId="861bee07-b612-4cf7-beae-414489ecebf8" providerId="ADAL" clId="{4CC3FDD2-B7AF-4450-8AF6-55DC46A3898F}" dt="2024-02-06T10:50:36.012" v="29" actId="14100"/>
+          <ac:graphicFrameMkLst>
+            <pc:docMk/>
+            <pc:sldMk cId="2192085616" sldId="271"/>
+            <ac:graphicFrameMk id="4" creationId="{55DF422D-E2DA-F67E-0187-F834432B9E5F}"/>
+          </ac:graphicFrameMkLst>
+        </pc:graphicFrameChg>
+        <pc:picChg chg="mod">
+          <ac:chgData name="MKONDIWA, Maxwell (CIMMYT-India)" userId="861bee07-b612-4cf7-beae-414489ecebf8" providerId="ADAL" clId="{4CC3FDD2-B7AF-4450-8AF6-55DC46A3898F}" dt="2024-02-06T10:50:42.994" v="31" actId="14100"/>
+          <ac:picMkLst>
+            <pc:docMk/>
+            <pc:sldMk cId="2192085616" sldId="271"/>
+            <ac:picMk id="5" creationId="{377A61E4-B20B-FE44-80E3-3C4638816EC7}"/>
+          </ac:picMkLst>
+        </pc:picChg>
+      </pc:sldChg>
+      <pc:sldChg chg="modSp mod">
+        <pc:chgData name="MKONDIWA, Maxwell (CIMMYT-India)" userId="861bee07-b612-4cf7-beae-414489ecebf8" providerId="ADAL" clId="{4CC3FDD2-B7AF-4450-8AF6-55DC46A3898F}" dt="2024-02-04T05:02:34.611" v="3" actId="207"/>
+        <pc:sldMkLst>
+          <pc:docMk/>
+          <pc:sldMk cId="177913579" sldId="274"/>
+        </pc:sldMkLst>
+        <pc:spChg chg="mod">
+          <ac:chgData name="MKONDIWA, Maxwell (CIMMYT-India)" userId="861bee07-b612-4cf7-beae-414489ecebf8" providerId="ADAL" clId="{4CC3FDD2-B7AF-4450-8AF6-55DC46A3898F}" dt="2024-02-04T05:02:34.611" v="3" actId="207"/>
+          <ac:spMkLst>
+            <pc:docMk/>
+            <pc:sldMk cId="177913579" sldId="274"/>
+            <ac:spMk id="3" creationId="{A740BE53-1EB3-A4C1-0C4A-83BCD53878C7}"/>
+          </ac:spMkLst>
+        </pc:spChg>
+      </pc:sldChg>
+    </pc:docChg>
+  </pc:docChgLst>
+  <pc:docChgLst>
     <pc:chgData name="MKONDIWA, Maxwell (CIMMYT-India)" userId="861bee07-b612-4cf7-beae-414489ecebf8" providerId="ADAL" clId="{63C03F08-A72F-45B4-A92B-D37E4556127E}"/>
     <pc:docChg chg="modSld">
       <pc:chgData name="MKONDIWA, Maxwell (CIMMYT-India)" userId="861bee07-b612-4cf7-beae-414489ecebf8" providerId="ADAL" clId="{63C03F08-A72F-45B4-A92B-D37E4556127E}" dt="2023-10-08T12:12:24.610" v="3" actId="1076"/>
@@ -2778,7 +2841,7 @@
           <a:p>
             <a:fld id="{9A1FBAB8-4B41-4FD5-8C11-54A6B116D430}" type="datetimeFigureOut">
               <a:rPr lang="en-ZW" smtClean="0"/>
-              <a:t>8/10/2023</a:t>
+              <a:t>6/2/2024</a:t>
             </a:fld>
             <a:endParaRPr lang="en-ZW"/>
           </a:p>
@@ -3462,7 +3525,7 @@
           <a:p>
             <a:fld id="{0D336653-BEC4-4200-85FD-0B10B1D3D944}" type="datetimeFigureOut">
               <a:rPr lang="en-ZW" smtClean="0"/>
-              <a:t>8/10/2023</a:t>
+              <a:t>6/2/2024</a:t>
             </a:fld>
             <a:endParaRPr lang="en-ZW"/>
           </a:p>
@@ -3662,7 +3725,7 @@
           <a:p>
             <a:fld id="{0D336653-BEC4-4200-85FD-0B10B1D3D944}" type="datetimeFigureOut">
               <a:rPr lang="en-ZW" smtClean="0"/>
-              <a:t>8/10/2023</a:t>
+              <a:t>6/2/2024</a:t>
             </a:fld>
             <a:endParaRPr lang="en-ZW"/>
           </a:p>
@@ -3872,7 +3935,7 @@
           <a:p>
             <a:fld id="{0D336653-BEC4-4200-85FD-0B10B1D3D944}" type="datetimeFigureOut">
               <a:rPr lang="en-ZW" smtClean="0"/>
-              <a:t>8/10/2023</a:t>
+              <a:t>6/2/2024</a:t>
             </a:fld>
             <a:endParaRPr lang="en-ZW"/>
           </a:p>
@@ -4072,7 +4135,7 @@
           <a:p>
             <a:fld id="{0D336653-BEC4-4200-85FD-0B10B1D3D944}" type="datetimeFigureOut">
               <a:rPr lang="en-ZW" smtClean="0"/>
-              <a:t>8/10/2023</a:t>
+              <a:t>6/2/2024</a:t>
             </a:fld>
             <a:endParaRPr lang="en-ZW"/>
           </a:p>
@@ -4348,7 +4411,7 @@
           <a:p>
             <a:fld id="{0D336653-BEC4-4200-85FD-0B10B1D3D944}" type="datetimeFigureOut">
               <a:rPr lang="en-ZW" smtClean="0"/>
-              <a:t>8/10/2023</a:t>
+              <a:t>6/2/2024</a:t>
             </a:fld>
             <a:endParaRPr lang="en-ZW"/>
           </a:p>
@@ -4616,7 +4679,7 @@
           <a:p>
             <a:fld id="{0D336653-BEC4-4200-85FD-0B10B1D3D944}" type="datetimeFigureOut">
               <a:rPr lang="en-ZW" smtClean="0"/>
-              <a:t>8/10/2023</a:t>
+              <a:t>6/2/2024</a:t>
             </a:fld>
             <a:endParaRPr lang="en-ZW"/>
           </a:p>
@@ -5031,7 +5094,7 @@
           <a:p>
             <a:fld id="{0D336653-BEC4-4200-85FD-0B10B1D3D944}" type="datetimeFigureOut">
               <a:rPr lang="en-ZW" smtClean="0"/>
-              <a:t>8/10/2023</a:t>
+              <a:t>6/2/2024</a:t>
             </a:fld>
             <a:endParaRPr lang="en-ZW"/>
           </a:p>
@@ -5173,7 +5236,7 @@
           <a:p>
             <a:fld id="{0D336653-BEC4-4200-85FD-0B10B1D3D944}" type="datetimeFigureOut">
               <a:rPr lang="en-ZW" smtClean="0"/>
-              <a:t>8/10/2023</a:t>
+              <a:t>6/2/2024</a:t>
             </a:fld>
             <a:endParaRPr lang="en-ZW"/>
           </a:p>
@@ -5286,7 +5349,7 @@
           <a:p>
             <a:fld id="{0D336653-BEC4-4200-85FD-0B10B1D3D944}" type="datetimeFigureOut">
               <a:rPr lang="en-ZW" smtClean="0"/>
-              <a:t>8/10/2023</a:t>
+              <a:t>6/2/2024</a:t>
             </a:fld>
             <a:endParaRPr lang="en-ZW"/>
           </a:p>
@@ -5599,7 +5662,7 @@
           <a:p>
             <a:fld id="{0D336653-BEC4-4200-85FD-0B10B1D3D944}" type="datetimeFigureOut">
               <a:rPr lang="en-ZW" smtClean="0"/>
-              <a:t>8/10/2023</a:t>
+              <a:t>6/2/2024</a:t>
             </a:fld>
             <a:endParaRPr lang="en-ZW"/>
           </a:p>
@@ -5888,7 +5951,7 @@
           <a:p>
             <a:fld id="{0D336653-BEC4-4200-85FD-0B10B1D3D944}" type="datetimeFigureOut">
               <a:rPr lang="en-ZW" smtClean="0"/>
-              <a:t>8/10/2023</a:t>
+              <a:t>6/2/2024</a:t>
             </a:fld>
             <a:endParaRPr lang="en-ZW"/>
           </a:p>
@@ -6131,7 +6194,7 @@
           <a:p>
             <a:fld id="{0D336653-BEC4-4200-85FD-0B10B1D3D944}" type="datetimeFigureOut">
               <a:rPr lang="en-ZW" smtClean="0"/>
-              <a:t>8/10/2023</a:t>
+              <a:t>6/2/2024</a:t>
             </a:fld>
             <a:endParaRPr lang="en-ZW"/>
           </a:p>
@@ -12051,6 +12114,9 @@
                 </a:r>
                 <a:r>
                   <a:rPr lang="en-ZW" dirty="0">
+                    <a:solidFill>
+                      <a:srgbClr val="FF0000"/>
+                    </a:solidFill>
                     <a:latin typeface="Goudy Old Style" panose="02020502050305020303" pitchFamily="18" charset="0"/>
                   </a:rPr>
                   <a:t>How much crop output would a risk-averse farmer be willing to give up/pay to use the new technology?</a:t>
@@ -12640,7 +12706,22 @@
                   <a:rPr lang="en-ZW" dirty="0">
                     <a:latin typeface="Goudy Old Style" panose="02020502050305020303" pitchFamily="18" charset="0"/>
                   </a:rPr>
-                  <a:t>The lower WTP bound that makes any risk-averse farmer prefer g</a:t>
+                  <a:t>The </a:t>
+                </a:r>
+                <a:r>
+                  <a:rPr lang="en-ZW" dirty="0">
+                    <a:solidFill>
+                      <a:srgbClr val="FF0000"/>
+                    </a:solidFill>
+                    <a:latin typeface="Goudy Old Style" panose="02020502050305020303" pitchFamily="18" charset="0"/>
+                  </a:rPr>
+                  <a:t>lower WTP bound</a:t>
+                </a:r>
+                <a:r>
+                  <a:rPr lang="en-ZW" dirty="0">
+                    <a:latin typeface="Goudy Old Style" panose="02020502050305020303" pitchFamily="18" charset="0"/>
+                  </a:rPr>
+                  <a:t> that makes any risk-averse farmer prefer g</a:t>
                 </a:r>
               </a:p>
               <a:p>
@@ -13144,7 +13225,22 @@
                   <a:rPr lang="en-ZW" dirty="0">
                     <a:latin typeface="Goudy Old Style" panose="02020502050305020303" pitchFamily="18" charset="0"/>
                   </a:rPr>
-                  <a:t>The upper WTP bound that makes any risk-averse farmer prefer g</a:t>
+                  <a:t>The </a:t>
+                </a:r>
+                <a:r>
+                  <a:rPr lang="en-ZW" dirty="0">
+                    <a:solidFill>
+                      <a:srgbClr val="FF0000"/>
+                    </a:solidFill>
+                    <a:latin typeface="Goudy Old Style" panose="02020502050305020303" pitchFamily="18" charset="0"/>
+                  </a:rPr>
+                  <a:t>upper WTP bound </a:t>
+                </a:r>
+                <a:r>
+                  <a:rPr lang="en-ZW" dirty="0">
+                    <a:latin typeface="Goudy Old Style" panose="02020502050305020303" pitchFamily="18" charset="0"/>
+                  </a:rPr>
+                  <a:t>that makes any risk-averse farmer prefer g</a:t>
                 </a:r>
               </a:p>
               <a:p>
@@ -14961,14 +15057,14 @@
             <p:ph idx="1"/>
             <p:extLst>
               <p:ext uri="{D42A27DB-BD31-4B8C-83A1-F6EECF244321}">
-                <p14:modId xmlns:p14="http://schemas.microsoft.com/office/powerpoint/2010/main" val="861001291"/>
+                <p14:modId xmlns:p14="http://schemas.microsoft.com/office/powerpoint/2010/main" val="4240405066"/>
               </p:ext>
             </p:extLst>
           </p:nvPr>
         </p:nvGraphicFramePr>
         <p:xfrm>
-          <a:off x="1020820" y="3814231"/>
-          <a:ext cx="6924695" cy="2841747"/>
+          <a:off x="298445" y="3856781"/>
+          <a:ext cx="6193795" cy="2834640"/>
         </p:xfrm>
         <a:graphic>
           <a:graphicData uri="http://schemas.openxmlformats.org/drawingml/2006/table">
@@ -14977,28 +15073,28 @@
                 <a:tableStyleId>{5C22544A-7EE6-4342-B048-85BDC9FD1C3A}</a:tableStyleId>
               </a:tblPr>
               <a:tblGrid>
-                <a:gridCol w="2703352">
+                <a:gridCol w="2418013">
                   <a:extLst>
                     <a:ext uri="{9D8B030D-6E8A-4147-A177-3AD203B41FA5}">
                       <a16:colId xmlns:a16="http://schemas.microsoft.com/office/drawing/2014/main" val="3691892080"/>
                     </a:ext>
                   </a:extLst>
                 </a:gridCol>
-                <a:gridCol w="2007831">
+                <a:gridCol w="1461721">
                   <a:extLst>
                     <a:ext uri="{9D8B030D-6E8A-4147-A177-3AD203B41FA5}">
                       <a16:colId xmlns:a16="http://schemas.microsoft.com/office/drawing/2014/main" val="842562547"/>
                     </a:ext>
                   </a:extLst>
                 </a:gridCol>
-                <a:gridCol w="1273259">
+                <a:gridCol w="1136861">
                   <a:extLst>
                     <a:ext uri="{9D8B030D-6E8A-4147-A177-3AD203B41FA5}">
                       <a16:colId xmlns:a16="http://schemas.microsoft.com/office/drawing/2014/main" val="3085645081"/>
                     </a:ext>
                   </a:extLst>
                 </a:gridCol>
-                <a:gridCol w="940253">
+                <a:gridCol w="1177200">
                   <a:extLst>
                     <a:ext uri="{9D8B030D-6E8A-4147-A177-3AD203B41FA5}">
                       <a16:colId xmlns:a16="http://schemas.microsoft.com/office/drawing/2014/main" val="3537060107"/>
@@ -15006,7 +15102,7 @@
                   </a:extLst>
                 </a:gridCol>
               </a:tblGrid>
-              <a:tr h="654291">
+              <a:tr h="596268">
                 <a:tc>
                   <a:txBody>
                     <a:bodyPr/>
@@ -15081,7 +15177,7 @@
                   </a:ext>
                 </a:extLst>
               </a:tr>
-              <a:tr h="674343">
+              <a:tr h="614542">
                 <a:tc>
                   <a:txBody>
                     <a:bodyPr/>
@@ -15148,7 +15244,7 @@
                   </a:ext>
                 </a:extLst>
               </a:tr>
-              <a:tr h="598713">
+              <a:tr h="545619">
                 <a:tc>
                   <a:txBody>
                     <a:bodyPr/>
@@ -15215,7 +15311,7 @@
                   </a:ext>
                 </a:extLst>
               </a:tr>
-              <a:tr h="833043">
+              <a:tr h="833310">
                 <a:tc>
                   <a:txBody>
                     <a:bodyPr/>
@@ -15257,7 +15353,54 @@
                         <a:rPr lang="en-ZW" sz="1800" dirty="0">
                           <a:latin typeface="Goudy Old Style" panose="02020502050305020303" pitchFamily="18" charset="0"/>
                         </a:rPr>
-                        <a:t>G F/SOSD Q </a:t>
+                        <a:t>G SOSD Q </a:t>
+                      </a:r>
+                    </a:p>
+                    <a:p>
+                      <a:pPr marL="0" marR="0" lvl="0" indent="0" algn="l" defTabSz="914400" rtl="0" eaLnBrk="1" fontAlgn="auto" latinLnBrk="0" hangingPunct="1">
+                        <a:lnSpc>
+                          <a:spcPct val="100000"/>
+                        </a:lnSpc>
+                        <a:spcBef>
+                          <a:spcPts val="0"/>
+                        </a:spcBef>
+                        <a:spcAft>
+                          <a:spcPts val="0"/>
+                        </a:spcAft>
+                        <a:buClrTx/>
+                        <a:buSzTx/>
+                        <a:buFontTx/>
+                        <a:buNone/>
+                        <a:tabLst/>
+                        <a:defRPr/>
+                      </a:pPr>
+                      <a:endParaRPr lang="en-ZW" sz="1800" dirty="0">
+                        <a:latin typeface="Goudy Old Style" panose="02020502050305020303" pitchFamily="18" charset="0"/>
+                      </a:endParaRPr>
+                    </a:p>
+                    <a:p>
+                      <a:pPr marL="0" marR="0" lvl="0" indent="0" algn="l" defTabSz="914400" rtl="0" eaLnBrk="1" fontAlgn="auto" latinLnBrk="0" hangingPunct="1">
+                        <a:lnSpc>
+                          <a:spcPct val="100000"/>
+                        </a:lnSpc>
+                        <a:spcBef>
+                          <a:spcPts val="0"/>
+                        </a:spcBef>
+                        <a:spcAft>
+                          <a:spcPts val="0"/>
+                        </a:spcAft>
+                        <a:buClrTx/>
+                        <a:buSzTx/>
+                        <a:buFontTx/>
+                        <a:buNone/>
+                        <a:tabLst/>
+                        <a:defRPr/>
+                      </a:pPr>
+                      <a:r>
+                        <a:rPr lang="en-ZW" sz="1800" dirty="0">
+                          <a:latin typeface="Goudy Old Style" panose="02020502050305020303" pitchFamily="18" charset="0"/>
+                        </a:rPr>
+                        <a:t>G FOSD Q</a:t>
                       </a:r>
                     </a:p>
                   </a:txBody>
@@ -15325,8 +15468,8 @@
         </p:blipFill>
         <p:spPr>
           <a:xfrm>
-            <a:off x="8140823" y="938856"/>
-            <a:ext cx="3928910" cy="5013888"/>
+            <a:off x="6492238" y="938856"/>
+            <a:ext cx="5577495" cy="5013888"/>
           </a:xfrm>
           <a:prstGeom prst="rect">
             <a:avLst/>
@@ -15348,14 +15491,14 @@
           <p:nvPr>
             <p:extLst>
               <p:ext uri="{D42A27DB-BD31-4B8C-83A1-F6EECF244321}">
-                <p14:modId xmlns:p14="http://schemas.microsoft.com/office/powerpoint/2010/main" val="93720863"/>
+                <p14:modId xmlns:p14="http://schemas.microsoft.com/office/powerpoint/2010/main" val="2886042990"/>
               </p:ext>
             </p:extLst>
           </p:nvPr>
         </p:nvGraphicFramePr>
         <p:xfrm>
-          <a:off x="1020820" y="675206"/>
-          <a:ext cx="6827040" cy="2750429"/>
+          <a:off x="298444" y="869504"/>
+          <a:ext cx="6193794" cy="2834641"/>
         </p:xfrm>
         <a:graphic>
           <a:graphicData uri="http://schemas.openxmlformats.org/drawingml/2006/table">
@@ -15364,28 +15507,28 @@
                 <a:tableStyleId>{5C22544A-7EE6-4342-B048-85BDC9FD1C3A}</a:tableStyleId>
               </a:tblPr>
               <a:tblGrid>
-                <a:gridCol w="3375745">
+                <a:gridCol w="3062626">
                   <a:extLst>
                     <a:ext uri="{9D8B030D-6E8A-4147-A177-3AD203B41FA5}">
                       <a16:colId xmlns:a16="http://schemas.microsoft.com/office/drawing/2014/main" val="3831846546"/>
                     </a:ext>
                   </a:extLst>
                 </a:gridCol>
-                <a:gridCol w="1258555">
+                <a:gridCol w="1141817">
                   <a:extLst>
                     <a:ext uri="{9D8B030D-6E8A-4147-A177-3AD203B41FA5}">
                       <a16:colId xmlns:a16="http://schemas.microsoft.com/office/drawing/2014/main" val="463679821"/>
                     </a:ext>
                   </a:extLst>
                 </a:gridCol>
-                <a:gridCol w="1136006">
+                <a:gridCol w="1030635">
                   <a:extLst>
                     <a:ext uri="{9D8B030D-6E8A-4147-A177-3AD203B41FA5}">
                       <a16:colId xmlns:a16="http://schemas.microsoft.com/office/drawing/2014/main" val="3489165414"/>
                     </a:ext>
                   </a:extLst>
                 </a:gridCol>
-                <a:gridCol w="1056734">
+                <a:gridCol w="958716">
                   <a:extLst>
                     <a:ext uri="{9D8B030D-6E8A-4147-A177-3AD203B41FA5}">
                       <a16:colId xmlns:a16="http://schemas.microsoft.com/office/drawing/2014/main" val="461929302"/>
@@ -15393,7 +15536,7 @@
                   </a:extLst>
                 </a:gridCol>
               </a:tblGrid>
-              <a:tr h="767605">
+              <a:tr h="791107">
                 <a:tc>
                   <a:txBody>
                     <a:bodyPr/>
@@ -15460,7 +15603,7 @@
                   </a:ext>
                 </a:extLst>
               </a:tr>
-              <a:tr h="519784">
+              <a:tr h="535698">
                 <a:tc>
                   <a:txBody>
                     <a:bodyPr/>
@@ -15527,7 +15670,7 @@
                   </a:ext>
                 </a:extLst>
               </a:tr>
-              <a:tr h="307042">
+              <a:tr h="376959">
                 <a:tc>
                   <a:txBody>
                     <a:bodyPr/>
@@ -15594,7 +15737,7 @@
                   </a:ext>
                 </a:extLst>
               </a:tr>
-              <a:tr h="307042">
+              <a:tr h="376959">
                 <a:tc>
                   <a:txBody>
                     <a:bodyPr/>
@@ -15661,7 +15804,7 @@
                   </a:ext>
                 </a:extLst>
               </a:tr>
-              <a:tr h="307042">
+              <a:tr h="376959">
                 <a:tc>
                   <a:txBody>
                     <a:bodyPr/>
@@ -15728,7 +15871,7 @@
                   </a:ext>
                 </a:extLst>
               </a:tr>
-              <a:tr h="307042">
+              <a:tr h="376959">
                 <a:tc>
                   <a:txBody>
                     <a:bodyPr/>
@@ -15813,8 +15956,8 @@
         </p:nvSpPr>
         <p:spPr>
           <a:xfrm>
-            <a:off x="8494776" y="6217920"/>
-            <a:ext cx="1938528" cy="369332"/>
+            <a:off x="8494776" y="6190488"/>
+            <a:ext cx="1938528" cy="523220"/>
           </a:xfrm>
           <a:prstGeom prst="rect">
             <a:avLst/>
@@ -15828,18 +15971,23 @@
           <a:lstStyle/>
           <a:p>
             <a:r>
-              <a:rPr lang="en-US" b="1" dirty="0">
+              <a:rPr lang="en-US" sz="2800" b="1" dirty="0">
                 <a:solidFill>
                   <a:srgbClr val="FF0000"/>
                 </a:solidFill>
+                <a:latin typeface="Gill Sans MT" panose="020B0502020104020203" pitchFamily="34" charset="0"/>
               </a:rPr>
               <a:t>G</a:t>
             </a:r>
             <a:r>
-              <a:rPr lang="en-US" dirty="0"/>
+              <a:rPr lang="en-US" sz="2800" b="1" dirty="0">
+                <a:latin typeface="Gill Sans MT" panose="020B0502020104020203" pitchFamily="34" charset="0"/>
+              </a:rPr>
               <a:t>&gt;F&gt;Q</a:t>
             </a:r>
-            <a:endParaRPr lang="en-ZW" dirty="0"/>
+            <a:endParaRPr lang="en-ZW" sz="2800" b="1" dirty="0">
+              <a:latin typeface="Gill Sans MT" panose="020B0502020104020203" pitchFamily="34" charset="0"/>
+            </a:endParaRPr>
           </a:p>
         </p:txBody>
       </p:sp>
